--- a/docs/tesi/MSE_Master Thesis_Presentation_AlessioTommasi PostIncontro.pptx
+++ b/docs/tesi/MSE_Master Thesis_Presentation_AlessioTommasi PostIncontro.pptx
@@ -193,7 +193,7 @@
       </p:grpSpPr>
       <p:sp>
         <p:nvSpPr>
-          <p:cNvPr id="21376312" name="Rectangle 2"/>
+          <p:cNvPr id="1286217665" name="Rectangle 2"/>
           <p:cNvSpPr>
             <a:spLocks noChangeArrowheads="1" noGrp="1"/>
           </p:cNvSpPr>
@@ -240,7 +240,7 @@
       </p:sp>
       <p:sp>
         <p:nvSpPr>
-          <p:cNvPr id="1022041325" name="Rectangle 3"/>
+          <p:cNvPr id="1193655344" name="Rectangle 3"/>
           <p:cNvSpPr>
             <a:spLocks noChangeArrowheads="1" noGrp="1"/>
           </p:cNvSpPr>
@@ -287,7 +287,7 @@
       </p:sp>
       <p:sp>
         <p:nvSpPr>
-          <p:cNvPr id="1864811470" name="Rectangle 4"/>
+          <p:cNvPr id="1756785613" name="Rectangle 4"/>
           <p:cNvSpPr>
             <a:spLocks noChangeArrowheads="1" noChangeAspect="1" noGrp="1" noRot="1" noTextEdit="1"/>
           </p:cNvSpPr>
@@ -316,7 +316,7 @@
       </p:sp>
       <p:sp>
         <p:nvSpPr>
-          <p:cNvPr id="1732153886" name="Rectangle 5"/>
+          <p:cNvPr id="748023442" name="Rectangle 5"/>
           <p:cNvSpPr>
             <a:spLocks noChangeArrowheads="1" noGrp="1"/>
           </p:cNvSpPr>
@@ -400,7 +400,7 @@
       </p:sp>
       <p:sp>
         <p:nvSpPr>
-          <p:cNvPr id="1717269395" name="Rectangle 6"/>
+          <p:cNvPr id="1161616757" name="Rectangle 6"/>
           <p:cNvSpPr>
             <a:spLocks noChangeArrowheads="1" noGrp="1"/>
           </p:cNvSpPr>
@@ -447,7 +447,7 @@
       </p:sp>
       <p:sp>
         <p:nvSpPr>
-          <p:cNvPr id="2071504244" name="Rectangle 7"/>
+          <p:cNvPr id="734926763" name="Rectangle 7"/>
           <p:cNvSpPr>
             <a:spLocks noChangeArrowheads="1" noGrp="1"/>
           </p:cNvSpPr>
@@ -641,7 +641,7 @@
       </p:grpSpPr>
       <p:sp>
         <p:nvSpPr>
-          <p:cNvPr id="1811440211" name="Slide Image Placeholder 1"/>
+          <p:cNvPr id="1147185630" name="Slide Image Placeholder 1"/>
           <p:cNvSpPr>
             <a:spLocks noChangeAspect="1" noGrp="1" noRot="1"/>
           </p:cNvSpPr>
@@ -653,7 +653,7 @@
       </p:sp>
       <p:sp>
         <p:nvSpPr>
-          <p:cNvPr id="1434969985" name="Notes Placeholder 2"/>
+          <p:cNvPr id="765350326" name="Notes Placeholder 2"/>
           <p:cNvSpPr>
             <a:spLocks noGrp="1"/>
           </p:cNvSpPr>
@@ -756,7 +756,7 @@
       </p:sp>
       <p:sp>
         <p:nvSpPr>
-          <p:cNvPr id="1381888167" name="Slide Number Placeholder 3"/>
+          <p:cNvPr id="1110079046" name="Slide Number Placeholder 3"/>
           <p:cNvSpPr>
             <a:spLocks noGrp="1"/>
           </p:cNvSpPr>
@@ -807,7 +807,7 @@
       </p:grpSpPr>
       <p:sp>
         <p:nvSpPr>
-          <p:cNvPr id="1031269277" name="Segnaposto immagine diapositiva 1"/>
+          <p:cNvPr id="1032216205" name="Segnaposto immagine diapositiva 1"/>
           <p:cNvSpPr>
             <a:spLocks noChangeAspect="1" noGrp="1" noRot="1"/>
           </p:cNvSpPr>
@@ -819,7 +819,7 @@
       </p:sp>
       <p:sp>
         <p:nvSpPr>
-          <p:cNvPr id="168510458" name="Segnaposto note 2"/>
+          <p:cNvPr id="1051197565" name="Segnaposto note 2"/>
           <p:cNvSpPr>
             <a:spLocks noGrp="1"/>
           </p:cNvSpPr>
@@ -959,7 +959,7 @@
       </p:sp>
       <p:sp>
         <p:nvSpPr>
-          <p:cNvPr id="1534245437" name="Segnaposto numero diapositiva 3"/>
+          <p:cNvPr id="1029411421" name="Segnaposto numero diapositiva 3"/>
           <p:cNvSpPr>
             <a:spLocks noGrp="1"/>
           </p:cNvSpPr>
@@ -1010,7 +1010,7 @@
       </p:grpSpPr>
       <p:sp>
         <p:nvSpPr>
-          <p:cNvPr id="589643717" name="Segnaposto immagine diapositiva 1"/>
+          <p:cNvPr id="721786299" name="Segnaposto immagine diapositiva 1"/>
           <p:cNvSpPr>
             <a:spLocks noChangeAspect="1" noGrp="1" noRot="1"/>
           </p:cNvSpPr>
@@ -1022,7 +1022,7 @@
       </p:sp>
       <p:sp>
         <p:nvSpPr>
-          <p:cNvPr id="1843816487" name="Segnaposto note 2"/>
+          <p:cNvPr id="354200325" name="Segnaposto note 2"/>
           <p:cNvSpPr>
             <a:spLocks noGrp="1"/>
           </p:cNvSpPr>
@@ -1170,7 +1170,7 @@
       </p:sp>
       <p:sp>
         <p:nvSpPr>
-          <p:cNvPr id="1238660874" name="Segnaposto numero diapositiva 3"/>
+          <p:cNvPr id="502278545" name="Segnaposto numero diapositiva 3"/>
           <p:cNvSpPr>
             <a:spLocks noGrp="1"/>
           </p:cNvSpPr>
@@ -1221,7 +1221,7 @@
       </p:grpSpPr>
       <p:sp>
         <p:nvSpPr>
-          <p:cNvPr id="1740780353" name="Segnaposto immagine diapositiva 1"/>
+          <p:cNvPr id="534603889" name="Segnaposto immagine diapositiva 1"/>
           <p:cNvSpPr>
             <a:spLocks noChangeAspect="1" noGrp="1" noRot="1"/>
           </p:cNvSpPr>
@@ -1233,7 +1233,7 @@
       </p:sp>
       <p:sp>
         <p:nvSpPr>
-          <p:cNvPr id="818074849" name="Segnaposto note 2"/>
+          <p:cNvPr id="1303231983" name="Segnaposto note 2"/>
           <p:cNvSpPr>
             <a:spLocks noGrp="1"/>
           </p:cNvSpPr>
@@ -1350,7 +1350,7 @@
       </p:sp>
       <p:sp>
         <p:nvSpPr>
-          <p:cNvPr id="474102944" name="Segnaposto numero diapositiva 3"/>
+          <p:cNvPr id="1825282379" name="Segnaposto numero diapositiva 3"/>
           <p:cNvSpPr>
             <a:spLocks noGrp="1"/>
           </p:cNvSpPr>
@@ -1401,7 +1401,7 @@
       </p:grpSpPr>
       <p:sp>
         <p:nvSpPr>
-          <p:cNvPr id="1497490708" name="Segnaposto immagine diapositiva 1"/>
+          <p:cNvPr id="210880669" name="Segnaposto immagine diapositiva 1"/>
           <p:cNvSpPr>
             <a:spLocks noChangeAspect="1" noGrp="1" noRot="1"/>
           </p:cNvSpPr>
@@ -1413,7 +1413,7 @@
       </p:sp>
       <p:sp>
         <p:nvSpPr>
-          <p:cNvPr id="1646813969" name="Segnaposto note 2"/>
+          <p:cNvPr id="862386931" name="Segnaposto note 2"/>
           <p:cNvSpPr>
             <a:spLocks noGrp="1"/>
           </p:cNvSpPr>
@@ -1834,7 +1834,7 @@
       </p:sp>
       <p:sp>
         <p:nvSpPr>
-          <p:cNvPr id="957699591" name="Segnaposto numero diapositiva 3"/>
+          <p:cNvPr id="1787089294" name="Segnaposto numero diapositiva 3"/>
           <p:cNvSpPr>
             <a:spLocks noGrp="1"/>
           </p:cNvSpPr>
@@ -1885,7 +1885,7 @@
       </p:grpSpPr>
       <p:sp>
         <p:nvSpPr>
-          <p:cNvPr id="1254864265" name="Segnaposto immagine diapositiva 1"/>
+          <p:cNvPr id="1869208213" name="Segnaposto immagine diapositiva 1"/>
           <p:cNvSpPr>
             <a:spLocks noChangeAspect="1" noGrp="1" noRot="1"/>
           </p:cNvSpPr>
@@ -1897,7 +1897,7 @@
       </p:sp>
       <p:sp>
         <p:nvSpPr>
-          <p:cNvPr id="1347380074" name="Segnaposto note 2"/>
+          <p:cNvPr id="1152649138" name="Segnaposto note 2"/>
           <p:cNvSpPr>
             <a:spLocks noGrp="1"/>
           </p:cNvSpPr>
@@ -2490,7 +2490,7 @@
       </p:sp>
       <p:sp>
         <p:nvSpPr>
-          <p:cNvPr id="683250630" name="Segnaposto numero diapositiva 3"/>
+          <p:cNvPr id="441375738" name="Segnaposto numero diapositiva 3"/>
           <p:cNvSpPr>
             <a:spLocks noGrp="1"/>
           </p:cNvSpPr>
@@ -2541,7 +2541,7 @@
       </p:grpSpPr>
       <p:sp>
         <p:nvSpPr>
-          <p:cNvPr id="1367784952" name="Segnaposto immagine diapositiva 1"/>
+          <p:cNvPr id="1378355698" name="Segnaposto immagine diapositiva 1"/>
           <p:cNvSpPr>
             <a:spLocks noChangeAspect="1" noGrp="1" noRot="1"/>
           </p:cNvSpPr>
@@ -2553,7 +2553,7 @@
       </p:sp>
       <p:sp>
         <p:nvSpPr>
-          <p:cNvPr id="1287775427" name="Segnaposto note 2"/>
+          <p:cNvPr id="215700955" name="Segnaposto note 2"/>
           <p:cNvSpPr>
             <a:spLocks noGrp="1"/>
           </p:cNvSpPr>
@@ -2766,7 +2766,7 @@
       </p:sp>
       <p:sp>
         <p:nvSpPr>
-          <p:cNvPr id="1130280980" name="Segnaposto numero diapositiva 3"/>
+          <p:cNvPr id="753957186" name="Segnaposto numero diapositiva 3"/>
           <p:cNvSpPr>
             <a:spLocks noGrp="1"/>
           </p:cNvSpPr>
@@ -2817,7 +2817,7 @@
       </p:grpSpPr>
       <p:sp>
         <p:nvSpPr>
-          <p:cNvPr id="408088555" name="Segnaposto immagine diapositiva 1"/>
+          <p:cNvPr id="1676371206" name="Segnaposto immagine diapositiva 1"/>
           <p:cNvSpPr>
             <a:spLocks noChangeAspect="1" noGrp="1" noRot="1"/>
           </p:cNvSpPr>
@@ -2829,7 +2829,7 @@
       </p:sp>
       <p:sp>
         <p:nvSpPr>
-          <p:cNvPr id="1421352540" name="Segnaposto note 2"/>
+          <p:cNvPr id="2037529238" name="Segnaposto note 2"/>
           <p:cNvSpPr>
             <a:spLocks noGrp="1"/>
           </p:cNvSpPr>
@@ -2971,7 +2971,7 @@
       </p:sp>
       <p:sp>
         <p:nvSpPr>
-          <p:cNvPr id="1526231454" name="Segnaposto numero diapositiva 3"/>
+          <p:cNvPr id="1821761203" name="Segnaposto numero diapositiva 3"/>
           <p:cNvSpPr>
             <a:spLocks noGrp="1"/>
           </p:cNvSpPr>
@@ -3022,7 +3022,7 @@
       </p:grpSpPr>
       <p:sp>
         <p:nvSpPr>
-          <p:cNvPr id="1055204333" name="Segnaposto immagine diapositiva 1"/>
+          <p:cNvPr id="1262667687" name="Segnaposto immagine diapositiva 1"/>
           <p:cNvSpPr>
             <a:spLocks noChangeAspect="1" noGrp="1" noRot="1"/>
           </p:cNvSpPr>
@@ -3034,7 +3034,7 @@
       </p:sp>
       <p:sp>
         <p:nvSpPr>
-          <p:cNvPr id="1755295823" name="Segnaposto note 2"/>
+          <p:cNvPr id="922070263" name="Segnaposto note 2"/>
           <p:cNvSpPr>
             <a:spLocks noGrp="1"/>
           </p:cNvSpPr>
@@ -3217,7 +3217,7 @@
       </p:sp>
       <p:sp>
         <p:nvSpPr>
-          <p:cNvPr id="2048370447" name="Segnaposto numero diapositiva 3"/>
+          <p:cNvPr id="1607159791" name="Segnaposto numero diapositiva 3"/>
           <p:cNvSpPr>
             <a:spLocks noGrp="1"/>
           </p:cNvSpPr>
@@ -3268,7 +3268,7 @@
       </p:grpSpPr>
       <p:sp>
         <p:nvSpPr>
-          <p:cNvPr id="1853836620" name="Segnaposto immagine diapositiva 1"/>
+          <p:cNvPr id="1289631797" name="Segnaposto immagine diapositiva 1"/>
           <p:cNvSpPr>
             <a:spLocks noChangeAspect="1" noGrp="1" noRot="1"/>
           </p:cNvSpPr>
@@ -3280,7 +3280,7 @@
       </p:sp>
       <p:sp>
         <p:nvSpPr>
-          <p:cNvPr id="1780679175" name="Segnaposto note 2"/>
+          <p:cNvPr id="780826197" name="Segnaposto note 2"/>
           <p:cNvSpPr>
             <a:spLocks noGrp="1"/>
           </p:cNvSpPr>
@@ -3410,7 +3410,7 @@
       </p:sp>
       <p:sp>
         <p:nvSpPr>
-          <p:cNvPr id="378576955" name="Segnaposto numero diapositiva 3"/>
+          <p:cNvPr id="1607127878" name="Segnaposto numero diapositiva 3"/>
           <p:cNvSpPr>
             <a:spLocks noGrp="1"/>
           </p:cNvSpPr>
@@ -3461,7 +3461,7 @@
       </p:grpSpPr>
       <p:sp>
         <p:nvSpPr>
-          <p:cNvPr id="1399219764" name="Segnaposto immagine diapositiva 1"/>
+          <p:cNvPr id="1252103078" name="Segnaposto immagine diapositiva 1"/>
           <p:cNvSpPr>
             <a:spLocks noChangeAspect="1" noGrp="1" noRot="1"/>
           </p:cNvSpPr>
@@ -3473,7 +3473,7 @@
       </p:sp>
       <p:sp>
         <p:nvSpPr>
-          <p:cNvPr id="1320581560" name="Segnaposto note 2"/>
+          <p:cNvPr id="1070677465" name="Segnaposto note 2"/>
           <p:cNvSpPr>
             <a:spLocks noGrp="1"/>
           </p:cNvSpPr>
@@ -3764,7 +3764,7 @@
       </p:sp>
       <p:sp>
         <p:nvSpPr>
-          <p:cNvPr id="2071225013" name="Segnaposto numero diapositiva 3"/>
+          <p:cNvPr id="1852400601" name="Segnaposto numero diapositiva 3"/>
           <p:cNvSpPr>
             <a:spLocks noGrp="1"/>
           </p:cNvSpPr>
@@ -3815,7 +3815,7 @@
       </p:grpSpPr>
       <p:sp>
         <p:nvSpPr>
-          <p:cNvPr id="1868105165" name="Segnaposto immagine diapositiva 1"/>
+          <p:cNvPr id="1895823739" name="Segnaposto immagine diapositiva 1"/>
           <p:cNvSpPr>
             <a:spLocks noChangeAspect="1" noGrp="1" noRot="1"/>
           </p:cNvSpPr>
@@ -3827,7 +3827,7 @@
       </p:sp>
       <p:sp>
         <p:nvSpPr>
-          <p:cNvPr id="51486592" name="Segnaposto note 2"/>
+          <p:cNvPr id="1519582407" name="Segnaposto note 2"/>
           <p:cNvSpPr>
             <a:spLocks noGrp="1"/>
           </p:cNvSpPr>
@@ -4118,7 +4118,7 @@
       </p:sp>
       <p:sp>
         <p:nvSpPr>
-          <p:cNvPr id="832171955" name="Segnaposto numero diapositiva 3"/>
+          <p:cNvPr id="791349454" name="Segnaposto numero diapositiva 3"/>
           <p:cNvSpPr>
             <a:spLocks noGrp="1"/>
           </p:cNvSpPr>
@@ -4169,7 +4169,7 @@
       </p:grpSpPr>
       <p:sp>
         <p:nvSpPr>
-          <p:cNvPr id="1393412755" name="Segnaposto immagine diapositiva 1"/>
+          <p:cNvPr id="589186237" name="Segnaposto immagine diapositiva 1"/>
           <p:cNvSpPr>
             <a:spLocks noChangeAspect="1" noGrp="1" noRot="1"/>
           </p:cNvSpPr>
@@ -4181,7 +4181,7 @@
       </p:sp>
       <p:sp>
         <p:nvSpPr>
-          <p:cNvPr id="1266367865" name="Segnaposto note 2"/>
+          <p:cNvPr id="746964506" name="Segnaposto note 2"/>
           <p:cNvSpPr>
             <a:spLocks noGrp="1"/>
           </p:cNvSpPr>
@@ -4375,7 +4375,7 @@
       </p:sp>
       <p:sp>
         <p:nvSpPr>
-          <p:cNvPr id="211503722" name="Segnaposto numero diapositiva 3"/>
+          <p:cNvPr id="1705883784" name="Segnaposto numero diapositiva 3"/>
           <p:cNvSpPr>
             <a:spLocks noGrp="1"/>
           </p:cNvSpPr>
@@ -4426,7 +4426,7 @@
       </p:grpSpPr>
       <p:sp>
         <p:nvSpPr>
-          <p:cNvPr id="237242763" name="Segnaposto immagine diapositiva 1"/>
+          <p:cNvPr id="1755398478" name="Segnaposto immagine diapositiva 1"/>
           <p:cNvSpPr>
             <a:spLocks noChangeAspect="1" noGrp="1" noRot="1"/>
           </p:cNvSpPr>
@@ -4438,7 +4438,7 @@
       </p:sp>
       <p:sp>
         <p:nvSpPr>
-          <p:cNvPr id="1631255771" name="Segnaposto note 2"/>
+          <p:cNvPr id="742962380" name="Segnaposto note 2"/>
           <p:cNvSpPr>
             <a:spLocks noGrp="1"/>
           </p:cNvSpPr>
@@ -4584,7 +4584,7 @@
       </p:sp>
       <p:sp>
         <p:nvSpPr>
-          <p:cNvPr id="525967353" name="Segnaposto numero diapositiva 3"/>
+          <p:cNvPr id="803281656" name="Segnaposto numero diapositiva 3"/>
           <p:cNvSpPr>
             <a:spLocks noGrp="1"/>
           </p:cNvSpPr>
@@ -4635,7 +4635,7 @@
       </p:grpSpPr>
       <p:sp>
         <p:nvSpPr>
-          <p:cNvPr id="878907841" name="Segnaposto immagine diapositiva 1"/>
+          <p:cNvPr id="202160653" name="Segnaposto immagine diapositiva 1"/>
           <p:cNvSpPr>
             <a:spLocks noChangeAspect="1" noGrp="1" noRot="1"/>
           </p:cNvSpPr>
@@ -4647,7 +4647,7 @@
       </p:sp>
       <p:sp>
         <p:nvSpPr>
-          <p:cNvPr id="1432846362" name="Segnaposto note 2"/>
+          <p:cNvPr id="292457200" name="Segnaposto note 2"/>
           <p:cNvSpPr>
             <a:spLocks noGrp="1"/>
           </p:cNvSpPr>
@@ -4800,7 +4800,7 @@
       </p:sp>
       <p:sp>
         <p:nvSpPr>
-          <p:cNvPr id="531906891" name="Segnaposto numero diapositiva 3"/>
+          <p:cNvPr id="1564634817" name="Segnaposto numero diapositiva 3"/>
           <p:cNvSpPr>
             <a:spLocks noGrp="1"/>
           </p:cNvSpPr>
@@ -6124,7 +6124,7 @@
       </p:grpSpPr>
       <p:sp>
         <p:nvSpPr>
-          <p:cNvPr id="622576032" name="Slide Image Placeholder 1"/>
+          <p:cNvPr id="1745122634" name="Slide Image Placeholder 1"/>
           <p:cNvSpPr>
             <a:spLocks noChangeAspect="1" noGrp="1" noRot="1"/>
           </p:cNvSpPr>
@@ -6136,7 +6136,7 @@
       </p:sp>
       <p:sp>
         <p:nvSpPr>
-          <p:cNvPr id="1582679838" name="Notes Placeholder 2"/>
+          <p:cNvPr id="291134254" name="Notes Placeholder 2"/>
           <p:cNvSpPr>
             <a:spLocks noGrp="1"/>
           </p:cNvSpPr>
@@ -6263,7 +6263,7 @@
       </p:sp>
       <p:sp>
         <p:nvSpPr>
-          <p:cNvPr id="1982258830" name="Slide Number Placeholder 3"/>
+          <p:cNvPr id="775064105" name="Slide Number Placeholder 3"/>
           <p:cNvSpPr>
             <a:spLocks noGrp="1"/>
           </p:cNvSpPr>
@@ -6314,7 +6314,7 @@
       </p:grpSpPr>
       <p:sp>
         <p:nvSpPr>
-          <p:cNvPr id="854791057" name="Segnaposto immagine diapositiva 1"/>
+          <p:cNvPr id="113862420" name="Segnaposto immagine diapositiva 1"/>
           <p:cNvSpPr>
             <a:spLocks noChangeAspect="1" noGrp="1" noRot="1"/>
           </p:cNvSpPr>
@@ -6326,7 +6326,7 @@
       </p:sp>
       <p:sp>
         <p:nvSpPr>
-          <p:cNvPr id="941725035" name="Segnaposto note 2"/>
+          <p:cNvPr id="1493001984" name="Segnaposto note 2"/>
           <p:cNvSpPr>
             <a:spLocks noGrp="1"/>
           </p:cNvSpPr>
@@ -6542,7 +6542,7 @@
       </p:sp>
       <p:sp>
         <p:nvSpPr>
-          <p:cNvPr id="1050940547" name="Segnaposto numero diapositiva 3"/>
+          <p:cNvPr id="1318424465" name="Segnaposto numero diapositiva 3"/>
           <p:cNvSpPr>
             <a:spLocks noGrp="1"/>
           </p:cNvSpPr>
@@ -6593,7 +6593,7 @@
       </p:grpSpPr>
       <p:sp>
         <p:nvSpPr>
-          <p:cNvPr id="1315205056" name="Segnaposto immagine diapositiva 1"/>
+          <p:cNvPr id="1817154495" name="Segnaposto immagine diapositiva 1"/>
           <p:cNvSpPr>
             <a:spLocks noChangeAspect="1" noGrp="1" noRot="1"/>
           </p:cNvSpPr>
@@ -6605,7 +6605,7 @@
       </p:sp>
       <p:sp>
         <p:nvSpPr>
-          <p:cNvPr id="2105373318" name="Segnaposto note 2"/>
+          <p:cNvPr id="314373384" name="Segnaposto note 2"/>
           <p:cNvSpPr>
             <a:spLocks noGrp="1"/>
           </p:cNvSpPr>
@@ -6819,7 +6819,7 @@
                 <a:ea typeface="Times New Roman"/>
                 <a:cs typeface="Times New Roman"/>
               </a:rPr>
-              <a:t>, una soluzione pensata per migliorare l’esperienza utente senza compromessi.</a:t>
+              <a:t>.</a:t>
             </a:r>
             <a:endParaRPr sz="1200" b="0" i="0" u="none">
               <a:solidFill>
@@ -6846,7 +6846,7 @@
       </p:sp>
       <p:sp>
         <p:nvSpPr>
-          <p:cNvPr id="898412470" name="Segnaposto numero diapositiva 3"/>
+          <p:cNvPr id="1308460132" name="Segnaposto numero diapositiva 3"/>
           <p:cNvSpPr>
             <a:spLocks noGrp="1"/>
           </p:cNvSpPr>
@@ -6897,7 +6897,7 @@
       </p:grpSpPr>
       <p:sp>
         <p:nvSpPr>
-          <p:cNvPr id="185186365" name="Segnaposto immagine diapositiva 1"/>
+          <p:cNvPr id="814375062" name="Segnaposto immagine diapositiva 1"/>
           <p:cNvSpPr>
             <a:spLocks noChangeAspect="1" noGrp="1" noRot="1"/>
           </p:cNvSpPr>
@@ -6909,7 +6909,7 @@
       </p:sp>
       <p:sp>
         <p:nvSpPr>
-          <p:cNvPr id="1713683043" name="Segnaposto note 2"/>
+          <p:cNvPr id="43255407" name="Segnaposto note 2"/>
           <p:cNvSpPr>
             <a:spLocks noGrp="1"/>
           </p:cNvSpPr>
@@ -7027,45 +7027,23 @@
               <a:defRPr/>
             </a:pPr>
             <a:r>
-              <a:rPr sz="1200" b="1" i="0" u="none">
-                <a:solidFill>
-                  <a:srgbClr val="000000"/>
-                </a:solidFill>
-                <a:latin typeface="Times New Roman"/>
-                <a:ea typeface="Times New Roman"/>
-                <a:cs typeface="Times New Roman"/>
-              </a:rPr>
-              <a:t>Tra le sue principali caratteristiche spicca un approccio </a:t>
-            </a:r>
-            <a:r>
-              <a:rPr sz="1200" b="1" i="0" u="none">
-                <a:solidFill>
-                  <a:srgbClr val="000000"/>
-                </a:solidFill>
-                <a:latin typeface="Times New Roman"/>
-                <a:ea typeface="Times New Roman"/>
-                <a:cs typeface="Times New Roman"/>
-              </a:rPr>
-              <a:t>cross-platform</a:t>
-            </a:r>
-            <a:r>
-              <a:rPr sz="1200" b="1" i="0" u="none">
-                <a:solidFill>
-                  <a:srgbClr val="000000"/>
-                </a:solidFill>
-                <a:latin typeface="Times New Roman"/>
-                <a:ea typeface="Times New Roman"/>
-                <a:cs typeface="Times New Roman"/>
-              </a:rPr>
-              <a:t>, che consente di usufruire dello stesso servizio da qualsiasi dispositivo, indipendentemente dal sistema operativo o dalla postazione utilizzata.</a:t>
-            </a:r>
-            <a:endParaRPr lang="it-CH"/>
+              <a:rPr sz="1200" b="0" i="0" u="none">
+                <a:solidFill>
+                  <a:srgbClr val="000000"/>
+                </a:solidFill>
+                <a:latin typeface="Times New Roman"/>
+                <a:ea typeface="Times New Roman"/>
+                <a:cs typeface="Times New Roman"/>
+              </a:rPr>
+              <a:t>Una delle caratteristiche principali è la possibilità di accedere alle sue funzionalita’ da qualsiasi dispositivo.</a:t>
+            </a:r>
+            <a:endParaRPr/>
           </a:p>
         </p:txBody>
       </p:sp>
       <p:sp>
         <p:nvSpPr>
-          <p:cNvPr id="974234123" name="Segnaposto numero diapositiva 3"/>
+          <p:cNvPr id="1017750706" name="Segnaposto numero diapositiva 3"/>
           <p:cNvSpPr>
             <a:spLocks noGrp="1"/>
           </p:cNvSpPr>
@@ -7116,7 +7094,7 @@
       </p:grpSpPr>
       <p:sp>
         <p:nvSpPr>
-          <p:cNvPr id="1858857285" name="Segnaposto immagine diapositiva 1"/>
+          <p:cNvPr id="5146056" name="Segnaposto immagine diapositiva 1"/>
           <p:cNvSpPr>
             <a:spLocks noChangeAspect="1" noGrp="1" noRot="1"/>
           </p:cNvSpPr>
@@ -7128,7 +7106,7 @@
       </p:sp>
       <p:sp>
         <p:nvSpPr>
-          <p:cNvPr id="2065887133" name="Segnaposto note 2"/>
+          <p:cNvPr id="1565503220" name="Segnaposto note 2"/>
           <p:cNvSpPr>
             <a:spLocks noGrp="1"/>
           </p:cNvSpPr>
@@ -7144,12 +7122,6 @@
             <a:pPr>
               <a:defRPr/>
             </a:pPr>
-            <a:endParaRPr sz="1000" b="0"/>
-          </a:p>
-          <a:p>
-            <a:pPr>
-              <a:defRPr/>
-            </a:pPr>
             <a:r>
               <a:rPr lang="it-IT" sz="1000" b="0" i="0" u="none" strike="noStrike" cap="none" spc="0">
                 <a:solidFill>
@@ -7159,29 +7131,7 @@
                 <a:ea typeface="Times New Roman"/>
                 <a:cs typeface="Times New Roman"/>
               </a:rPr>
-              <a:t>Tra le sue principali caratteristiche spicca l’approccio </a:t>
-            </a:r>
-            <a:r>
-              <a:rPr lang="it-IT" sz="1000" b="0" i="0" u="none" strike="noStrike" cap="none" spc="0">
-                <a:solidFill>
-                  <a:srgbClr val="000000"/>
-                </a:solidFill>
-                <a:latin typeface="Times New Roman"/>
-                <a:ea typeface="Times New Roman"/>
-                <a:cs typeface="Times New Roman"/>
-              </a:rPr>
-              <a:t>cross-platform</a:t>
-            </a:r>
-            <a:r>
-              <a:rPr lang="it-IT" sz="1000" b="0" i="0" u="none" strike="noStrike" cap="none" spc="0">
-                <a:solidFill>
-                  <a:srgbClr val="000000"/>
-                </a:solidFill>
-                <a:latin typeface="Times New Roman"/>
-                <a:ea typeface="Times New Roman"/>
-                <a:cs typeface="Times New Roman"/>
-              </a:rPr>
-              <a:t>, che consente di usufruire dello stesso servizio da qualsiasi dispositivo, indipendentemente dal sistema operativo o dalla postazione utilizzata.</a:t>
+              <a:t>Una delle caratteristiche principali di ALFA è la possibilità di accedere alle sue funzionalita’ da qualsiasi dispositivo.</a:t>
             </a:r>
             <a:endParaRPr/>
           </a:p>
@@ -7214,7 +7164,7 @@
                 <a:ea typeface="Times New Roman"/>
                 <a:cs typeface="Times New Roman"/>
               </a:rPr>
-              <a:t>Alfa è stato sviluppato sfruttando appieno le potenzialità del microcontrollore ESP32</a:t>
+              <a:t>Alfa è basato sul microcontrollore ESP32</a:t>
             </a:r>
             <a:r>
               <a:rPr sz="1200" b="0" i="0" u="none">
@@ -7255,7 +7205,7 @@
                 <a:ea typeface="Times New Roman"/>
                 <a:cs typeface="Times New Roman"/>
               </a:rPr>
-              <a:t>grazie al modulo Wi-Fi integrato, il sistema può essere connesso a reti esistenti, oppure operare in modalità stand-alone creando una propria rete, comportandosi dunque  come un vero e proprio access point. </a:t>
+              <a:t>Che grazie al modulo Wi-Fi integrato, può essere connesso a reti esistenti, oppure operare in modalità stand-alone creando una propria rete, </a:t>
             </a:r>
             <a:endParaRPr sz="1200" b="0" i="0" u="none">
               <a:solidFill>
@@ -7283,17 +7233,6 @@
             <a:pPr>
               <a:defRPr/>
             </a:pPr>
-            <a:r>
-              <a:rPr sz="1200" b="0" i="0" u="none">
-                <a:solidFill>
-                  <a:srgbClr val="000000"/>
-                </a:solidFill>
-                <a:latin typeface="Times New Roman"/>
-                <a:ea typeface="Times New Roman"/>
-                <a:cs typeface="Times New Roman"/>
-              </a:rPr>
-              <a:t>Questa flessibilità lo rende facilmente integrabile in contesti industriali anche privi di infrastrutture di rete.</a:t>
-            </a:r>
             <a:endParaRPr sz="1200" b="0" i="0" u="none">
               <a:solidFill>
                 <a:srgbClr val="000000"/>
@@ -7303,11 +7242,35 @@
               <a:cs typeface="Times New Roman"/>
             </a:endParaRPr>
           </a:p>
+          <a:p>
+            <a:pPr>
+              <a:defRPr/>
+            </a:pPr>
+            <a:r>
+              <a:rPr sz="1200" b="0" i="0" u="none">
+                <a:solidFill>
+                  <a:srgbClr val="000000"/>
+                </a:solidFill>
+                <a:latin typeface="Times New Roman"/>
+                <a:ea typeface="Times New Roman"/>
+                <a:cs typeface="Times New Roman"/>
+              </a:rPr>
+              <a:t>Questa flessibilità lo rende facilmente integrabile in contesti industriali privi di infrastrutture.</a:t>
+            </a:r>
+            <a:endParaRPr sz="1200" b="0" i="0" u="none">
+              <a:solidFill>
+                <a:srgbClr val="000000"/>
+              </a:solidFill>
+              <a:latin typeface="Times New Roman"/>
+              <a:ea typeface="Times New Roman"/>
+              <a:cs typeface="Times New Roman"/>
+            </a:endParaRPr>
+          </a:p>
         </p:txBody>
       </p:sp>
       <p:sp>
         <p:nvSpPr>
-          <p:cNvPr id="892724931" name="Segnaposto numero diapositiva 3"/>
+          <p:cNvPr id="708288550" name="Segnaposto numero diapositiva 3"/>
           <p:cNvSpPr>
             <a:spLocks noGrp="1"/>
           </p:cNvSpPr>
@@ -7358,7 +7321,7 @@
       </p:grpSpPr>
       <p:sp>
         <p:nvSpPr>
-          <p:cNvPr id="884184375" name="Segnaposto immagine diapositiva 1"/>
+          <p:cNvPr id="1377531224" name="Segnaposto immagine diapositiva 1"/>
           <p:cNvSpPr>
             <a:spLocks noChangeAspect="1" noGrp="1" noRot="1"/>
           </p:cNvSpPr>
@@ -7370,7 +7333,7 @@
       </p:sp>
       <p:sp>
         <p:nvSpPr>
-          <p:cNvPr id="1223653372" name="Segnaposto note 2"/>
+          <p:cNvPr id="199242825" name="Segnaposto note 2"/>
           <p:cNvSpPr>
             <a:spLocks noGrp="1"/>
           </p:cNvSpPr>
@@ -7401,7 +7364,7 @@
                 <a:ea typeface="Times New Roman"/>
                 <a:cs typeface="Times New Roman"/>
               </a:rPr>
-              <a:t>Alfa è stato sviluppato sfruttando appieno le potenzialità del microcontrollore ESP32</a:t>
+              <a:t>Alfa è basato sul microcontrollore ESP32</a:t>
             </a:r>
             <a:r>
               <a:rPr lang="it-IT" sz="1000" b="0" i="0" u="none" strike="noStrike" cap="none" spc="0">
@@ -7436,7 +7399,7 @@
                 <a:ea typeface="Times New Roman"/>
                 <a:cs typeface="Times New Roman"/>
               </a:rPr>
-              <a:t>grazie al modulo Wi-Fi integrato, il sistema può essere connesso a reti esistenti, oppure operare in modalità stand-alone creando una propria rete, comportandosi dunque  come un vero e proprio access point. </a:t>
+              <a:t>Che grazie al modulo Wi-Fi integrato, può essere connesso a reti esistenti, oppure operare in modalità stand-alone creando una propria rete, </a:t>
             </a:r>
             <a:endParaRPr sz="1000" b="0" i="0" u="none">
               <a:solidFill>
@@ -7460,7 +7423,7 @@
                 <a:ea typeface="Times New Roman"/>
                 <a:cs typeface="Times New Roman"/>
               </a:rPr>
-              <a:t>Questa flessibilità lo rende facilmente integrabile in contesti industriali anche privi di infrastrutture di rete.</a:t>
+              <a:t>Questa flessibilità lo rende facilmente integrabile in contesti industriali privi di infrastrutture.</a:t>
             </a:r>
             <a:endParaRPr/>
           </a:p>
@@ -7545,7 +7508,7 @@
                 <a:ea typeface="Arial"/>
                 <a:cs typeface="Arial"/>
               </a:rPr>
-              <a:t>Alfa si comporta come un web server, generando pagine web a cui l’utente può accedere alle funzionalità offerte dal sistema.</a:t>
+              <a:t>Alfa si comporta come un web server, generando pagine web a cui l’utente può colleggarsi per accedere alle funzionalità offerte dal sistema.</a:t>
             </a:r>
             <a:endParaRPr lang="it-CH" sz="1200" b="0" i="0" u="none" strike="noStrike" cap="none" spc="0">
               <a:solidFill>
@@ -7566,7 +7529,7 @@
       </p:sp>
       <p:sp>
         <p:nvSpPr>
-          <p:cNvPr id="1786149627" name="Segnaposto numero diapositiva 3"/>
+          <p:cNvPr id="1585122354" name="Segnaposto numero diapositiva 3"/>
           <p:cNvSpPr>
             <a:spLocks noGrp="1"/>
           </p:cNvSpPr>
@@ -7617,7 +7580,7 @@
       </p:grpSpPr>
       <p:sp>
         <p:nvSpPr>
-          <p:cNvPr id="1554933051" name="Segnaposto immagine diapositiva 1"/>
+          <p:cNvPr id="930234704" name="Segnaposto immagine diapositiva 1"/>
           <p:cNvSpPr>
             <a:spLocks noChangeAspect="1" noGrp="1" noRot="1"/>
           </p:cNvSpPr>
@@ -7629,7 +7592,7 @@
       </p:sp>
       <p:sp>
         <p:nvSpPr>
-          <p:cNvPr id="1943120097" name="Segnaposto note 2"/>
+          <p:cNvPr id="1134305018" name="Segnaposto note 2"/>
           <p:cNvSpPr>
             <a:spLocks noGrp="1"/>
           </p:cNvSpPr>
@@ -7764,7 +7727,7 @@
       </p:sp>
       <p:sp>
         <p:nvSpPr>
-          <p:cNvPr id="1985888809" name="Segnaposto numero diapositiva 3"/>
+          <p:cNvPr id="1383446039" name="Segnaposto numero diapositiva 3"/>
           <p:cNvSpPr>
             <a:spLocks noGrp="1"/>
           </p:cNvSpPr>
@@ -7815,7 +7778,7 @@
       </p:grpSpPr>
       <p:sp>
         <p:nvSpPr>
-          <p:cNvPr id="1124463225" name="Segnaposto immagine diapositiva 1"/>
+          <p:cNvPr id="1057568659" name="Segnaposto immagine diapositiva 1"/>
           <p:cNvSpPr>
             <a:spLocks noChangeAspect="1" noGrp="1" noRot="1"/>
           </p:cNvSpPr>
@@ -7827,7 +7790,7 @@
       </p:sp>
       <p:sp>
         <p:nvSpPr>
-          <p:cNvPr id="1145198931" name="Segnaposto note 2"/>
+          <p:cNvPr id="1862143353" name="Segnaposto note 2"/>
           <p:cNvSpPr>
             <a:spLocks noGrp="1"/>
           </p:cNvSpPr>
@@ -8001,7 +7964,7 @@
       </p:sp>
       <p:sp>
         <p:nvSpPr>
-          <p:cNvPr id="1459865523" name="Segnaposto numero diapositiva 3"/>
+          <p:cNvPr id="1537636669" name="Segnaposto numero diapositiva 3"/>
           <p:cNvSpPr>
             <a:spLocks noGrp="1"/>
           </p:cNvSpPr>
@@ -8052,7 +8015,7 @@
       </p:grpSpPr>
       <p:sp>
         <p:nvSpPr>
-          <p:cNvPr id="491900824" name="Rectangle 2"/>
+          <p:cNvPr id="2078007213" name="Rectangle 2"/>
           <p:cNvSpPr>
             <a:spLocks noChangeArrowheads="1" noGrp="1"/>
           </p:cNvSpPr>
@@ -8100,7 +8063,7 @@
       </p:sp>
       <p:sp>
         <p:nvSpPr>
-          <p:cNvPr id="677833195" name="Segnaposto testo 12"/>
+          <p:cNvPr id="1452661289" name="Segnaposto testo 12"/>
           <p:cNvSpPr>
             <a:spLocks noGrp="1"/>
           </p:cNvSpPr>
@@ -8151,7 +8114,7 @@
       </p:sp>
       <p:cxnSp>
         <p:nvCxnSpPr>
-          <p:cNvPr id="1671691589" name="Connettore 1 10"/>
+          <p:cNvPr id="188497499" name="Connettore 1 10"/>
           <p:cNvCxnSpPr/>
           <p:nvPr userDrawn="1"/>
         </p:nvCxnSpPr>
@@ -8186,7 +8149,7 @@
       </p:cxnSp>
       <p:sp>
         <p:nvSpPr>
-          <p:cNvPr id="2007625153" name="Segnaposto testo 12"/>
+          <p:cNvPr id="1951894201" name="Segnaposto testo 12"/>
           <p:cNvSpPr>
             <a:spLocks noGrp="1"/>
           </p:cNvSpPr>
@@ -8228,7 +8191,7 @@
       </p:sp>
       <p:sp>
         <p:nvSpPr>
-          <p:cNvPr id="41403085" name="Segnaposto testo 12"/>
+          <p:cNvPr id="502395007" name="Segnaposto testo 12"/>
           <p:cNvSpPr>
             <a:spLocks noGrp="1"/>
           </p:cNvSpPr>
@@ -8279,7 +8242,7 @@
       </p:sp>
       <p:cxnSp>
         <p:nvCxnSpPr>
-          <p:cNvPr id="620588964" name="Connettore 1 24"/>
+          <p:cNvPr id="903240157" name="Connettore 1 24"/>
           <p:cNvCxnSpPr/>
           <p:nvPr userDrawn="1"/>
         </p:nvCxnSpPr>
@@ -8314,7 +8277,7 @@
       </p:cxnSp>
       <p:sp>
         <p:nvSpPr>
-          <p:cNvPr id="454716553" name="Segnaposto testo 12"/>
+          <p:cNvPr id="476813557" name="Segnaposto testo 12"/>
           <p:cNvSpPr>
             <a:spLocks noGrp="1"/>
           </p:cNvSpPr>
@@ -8356,7 +8319,7 @@
       </p:sp>
       <p:sp>
         <p:nvSpPr>
-          <p:cNvPr id="330647497" name="Segnaposto testo 12"/>
+          <p:cNvPr id="1192123882" name="Segnaposto testo 12"/>
           <p:cNvSpPr>
             <a:spLocks noGrp="1"/>
           </p:cNvSpPr>
@@ -8398,7 +8361,7 @@
       </p:sp>
       <p:sp>
         <p:nvSpPr>
-          <p:cNvPr id="674402686" name="Segnaposto testo 12"/>
+          <p:cNvPr id="1978575698" name="Segnaposto testo 12"/>
           <p:cNvSpPr>
             <a:spLocks noGrp="1"/>
           </p:cNvSpPr>
@@ -8448,7 +8411,7 @@
       </p:sp>
       <p:sp>
         <p:nvSpPr>
-          <p:cNvPr id="1771451382" name="Segnaposto testo 12"/>
+          <p:cNvPr id="863957956" name="Segnaposto testo 12"/>
           <p:cNvSpPr>
             <a:spLocks noGrp="1"/>
           </p:cNvSpPr>
@@ -8490,7 +8453,7 @@
       </p:sp>
       <p:sp>
         <p:nvSpPr>
-          <p:cNvPr id="1652744908" name="Segnaposto testo 12"/>
+          <p:cNvPr id="400438224" name="Segnaposto testo 12"/>
           <p:cNvSpPr>
             <a:spLocks noGrp="1"/>
           </p:cNvSpPr>
@@ -8529,7 +8492,7 @@
       </p:sp>
       <p:sp>
         <p:nvSpPr>
-          <p:cNvPr id="2012056065" name="Segnaposto testo 12"/>
+          <p:cNvPr id="1919946237" name="Segnaposto testo 12"/>
           <p:cNvSpPr>
             <a:spLocks noGrp="1"/>
           </p:cNvSpPr>
@@ -8568,7 +8531,7 @@
       </p:sp>
       <p:cxnSp>
         <p:nvCxnSpPr>
-          <p:cNvPr id="2045012448" name="Connettore 1 44"/>
+          <p:cNvPr id="1967008605" name="Connettore 1 44"/>
           <p:cNvCxnSpPr/>
           <p:nvPr userDrawn="1"/>
         </p:nvCxnSpPr>
@@ -8603,7 +8566,7 @@
       </p:cxnSp>
       <p:sp>
         <p:nvSpPr>
-          <p:cNvPr id="57504347" name="Segnaposto testo 12"/>
+          <p:cNvPr id="1976485893" name="Segnaposto testo 12"/>
           <p:cNvSpPr>
             <a:spLocks noGrp="1"/>
           </p:cNvSpPr>
@@ -8645,7 +8608,7 @@
       </p:sp>
       <p:sp>
         <p:nvSpPr>
-          <p:cNvPr id="1691909162" name="Segnaposto testo 12"/>
+          <p:cNvPr id="366358419" name="Segnaposto testo 12"/>
           <p:cNvSpPr>
             <a:spLocks noGrp="1"/>
           </p:cNvSpPr>
@@ -8687,7 +8650,7 @@
       </p:sp>
       <p:sp>
         <p:nvSpPr>
-          <p:cNvPr id="1139014806" name="Segnaposto testo 12"/>
+          <p:cNvPr id="1809131806" name="Segnaposto testo 12"/>
           <p:cNvSpPr>
             <a:spLocks noGrp="1"/>
           </p:cNvSpPr>
@@ -8726,7 +8689,7 @@
       </p:sp>
       <p:sp>
         <p:nvSpPr>
-          <p:cNvPr id="34994316" name="Segnaposto testo 12"/>
+          <p:cNvPr id="476296638" name="Segnaposto testo 12"/>
           <p:cNvSpPr>
             <a:spLocks noGrp="1"/>
           </p:cNvSpPr>
@@ -8768,7 +8731,7 @@
       </p:sp>
       <p:sp>
         <p:nvSpPr>
-          <p:cNvPr id="694991574" name="Segnaposto testo 12"/>
+          <p:cNvPr id="1731466511" name="Segnaposto testo 12"/>
           <p:cNvSpPr>
             <a:spLocks noGrp="1"/>
           </p:cNvSpPr>
@@ -8807,7 +8770,7 @@
       </p:sp>
       <p:pic>
         <p:nvPicPr>
-          <p:cNvPr id="1063197336" name="Immagine 9" descr="Modulo_SUPSI_DTI.gif"/>
+          <p:cNvPr id="1252592691" name="Immagine 9" descr="Modulo_SUPSI_DTI.gif"/>
           <p:cNvPicPr>
             <a:picLocks noChangeAspect="1"/>
           </p:cNvPicPr>
@@ -8837,7 +8800,7 @@
       </p:pic>
       <p:sp>
         <p:nvSpPr>
-          <p:cNvPr id="860885203" name="Segnaposto testo 12"/>
+          <p:cNvPr id="1363433352" name="Segnaposto testo 12"/>
           <p:cNvSpPr>
             <a:spLocks noGrp="1"/>
           </p:cNvSpPr>
@@ -8876,7 +8839,7 @@
       </p:sp>
       <p:sp>
         <p:nvSpPr>
-          <p:cNvPr id="1589378053" name="Segnaposto testo 12"/>
+          <p:cNvPr id="1084061720" name="Segnaposto testo 12"/>
           <p:cNvSpPr>
             <a:spLocks noGrp="1"/>
           </p:cNvSpPr>
@@ -8918,7 +8881,7 @@
       </p:sp>
       <p:sp>
         <p:nvSpPr>
-          <p:cNvPr id="1961699242" name="Text Placeholder 6"/>
+          <p:cNvPr id="647444494" name="Text Placeholder 6"/>
           <p:cNvSpPr>
             <a:spLocks noGrp="1"/>
           </p:cNvSpPr>
@@ -9000,7 +8963,7 @@
       </p:grpSpPr>
       <p:sp>
         <p:nvSpPr>
-          <p:cNvPr id="1712678537" name="Segnaposto testo 12"/>
+          <p:cNvPr id="868758674" name="Segnaposto testo 12"/>
           <p:cNvSpPr>
             <a:spLocks noGrp="1"/>
           </p:cNvSpPr>
@@ -9057,7 +9020,7 @@
       </p:sp>
       <p:sp>
         <p:nvSpPr>
-          <p:cNvPr id="834890891" name="Content Placeholder 3"/>
+          <p:cNvPr id="297636998" name="Content Placeholder 3"/>
           <p:cNvSpPr>
             <a:spLocks noGrp="1"/>
           </p:cNvSpPr>
@@ -9147,7 +9110,7 @@
       </p:sp>
       <p:sp>
         <p:nvSpPr>
-          <p:cNvPr id="1543686583" name="Content Placeholder 3"/>
+          <p:cNvPr id="674198805" name="Content Placeholder 3"/>
           <p:cNvSpPr>
             <a:spLocks noGrp="1"/>
           </p:cNvSpPr>
@@ -9262,7 +9225,7 @@
       </p:grpSpPr>
       <p:sp>
         <p:nvSpPr>
-          <p:cNvPr id="1410933188" name="Segnaposto testo 12"/>
+          <p:cNvPr id="1775816835" name="Segnaposto testo 12"/>
           <p:cNvSpPr>
             <a:spLocks noGrp="1"/>
           </p:cNvSpPr>
@@ -9319,7 +9282,7 @@
       </p:sp>
       <p:sp>
         <p:nvSpPr>
-          <p:cNvPr id="1655800977" name="Content Placeholder 3"/>
+          <p:cNvPr id="14144130" name="Content Placeholder 3"/>
           <p:cNvSpPr>
             <a:spLocks noGrp="1"/>
           </p:cNvSpPr>
@@ -9439,7 +9402,7 @@
       </p:grpSpPr>
       <p:pic>
         <p:nvPicPr>
-          <p:cNvPr id="377447629" name="Immagine 5"/>
+          <p:cNvPr id="1099976394" name="Immagine 5"/>
           <p:cNvPicPr>
             <a:picLocks noChangeAspect="1"/>
           </p:cNvPicPr>
@@ -9461,7 +9424,7 @@
       </p:pic>
       <p:pic>
         <p:nvPicPr>
-          <p:cNvPr id="751082055" name="Immagine 21"/>
+          <p:cNvPr id="1709822269" name="Immagine 21"/>
           <p:cNvPicPr>
             <a:picLocks noChangeAspect="1"/>
           </p:cNvPicPr>
@@ -9907,7 +9870,7 @@
       </p:grpSpPr>
       <p:sp>
         <p:nvSpPr>
-          <p:cNvPr id="1857004315" name="Title 1"/>
+          <p:cNvPr id="1047643682" name="Title 1"/>
           <p:cNvSpPr>
             <a:spLocks noGrp="1"/>
           </p:cNvSpPr>
@@ -9942,7 +9905,7 @@
       </p:sp>
       <p:sp>
         <p:nvSpPr>
-          <p:cNvPr id="1522538740" name="Text Placeholder 2"/>
+          <p:cNvPr id="628880751" name="Text Placeholder 2"/>
           <p:cNvSpPr>
             <a:spLocks noGrp="1"/>
           </p:cNvSpPr>
@@ -9968,7 +9931,7 @@
       </p:sp>
       <p:sp>
         <p:nvSpPr>
-          <p:cNvPr id="2000943558" name="Text Placeholder 3"/>
+          <p:cNvPr id="998617740" name="Text Placeholder 3"/>
           <p:cNvSpPr>
             <a:spLocks noGrp="1"/>
           </p:cNvSpPr>
@@ -9990,7 +9953,7 @@
       </p:sp>
       <p:sp>
         <p:nvSpPr>
-          <p:cNvPr id="1244184220" name="Text Placeholder 4"/>
+          <p:cNvPr id="2018992470" name="Text Placeholder 4"/>
           <p:cNvSpPr>
             <a:spLocks noGrp="1"/>
           </p:cNvSpPr>
@@ -10023,7 +9986,7 @@
       </p:sp>
       <p:sp>
         <p:nvSpPr>
-          <p:cNvPr id="1227372846" name="Text Placeholder 5"/>
+          <p:cNvPr id="909181449" name="Text Placeholder 5"/>
           <p:cNvSpPr>
             <a:spLocks noGrp="1"/>
           </p:cNvSpPr>
@@ -10045,7 +10008,7 @@
       </p:sp>
       <p:sp>
         <p:nvSpPr>
-          <p:cNvPr id="48471321" name="Text Placeholder 6"/>
+          <p:cNvPr id="2063536482" name="Text Placeholder 6"/>
           <p:cNvSpPr>
             <a:spLocks noGrp="1"/>
           </p:cNvSpPr>
@@ -10067,7 +10030,7 @@
       </p:sp>
       <p:sp>
         <p:nvSpPr>
-          <p:cNvPr id="1342087486" name="Text Placeholder 7"/>
+          <p:cNvPr id="1031627431" name="Text Placeholder 7"/>
           <p:cNvSpPr>
             <a:spLocks noGrp="1"/>
           </p:cNvSpPr>
@@ -10100,7 +10063,7 @@
       </p:sp>
       <p:sp>
         <p:nvSpPr>
-          <p:cNvPr id="133911564" name="Text Placeholder 8"/>
+          <p:cNvPr id="1914387900" name="Text Placeholder 8"/>
           <p:cNvSpPr>
             <a:spLocks noGrp="1"/>
           </p:cNvSpPr>
@@ -10122,7 +10085,7 @@
       </p:sp>
       <p:sp>
         <p:nvSpPr>
-          <p:cNvPr id="46224540" name="Text Placeholder 9"/>
+          <p:cNvPr id="877154134" name="Text Placeholder 9"/>
           <p:cNvSpPr>
             <a:spLocks noGrp="1"/>
           </p:cNvSpPr>
@@ -10148,7 +10111,7 @@
       </p:sp>
       <p:sp>
         <p:nvSpPr>
-          <p:cNvPr id="1482075647" name="Text Placeholder 10"/>
+          <p:cNvPr id="440462268" name="Text Placeholder 10"/>
           <p:cNvSpPr>
             <a:spLocks noGrp="1"/>
           </p:cNvSpPr>
@@ -10174,7 +10137,7 @@
       </p:sp>
       <p:sp>
         <p:nvSpPr>
-          <p:cNvPr id="2146203945" name="Text Placeholder 11"/>
+          <p:cNvPr id="553248576" name="Text Placeholder 11"/>
           <p:cNvSpPr>
             <a:spLocks noGrp="1"/>
           </p:cNvSpPr>
@@ -10196,7 +10159,7 @@
       </p:sp>
       <p:sp>
         <p:nvSpPr>
-          <p:cNvPr id="1841782628" name="Text Placeholder 12"/>
+          <p:cNvPr id="1609605853" name="Text Placeholder 12"/>
           <p:cNvSpPr>
             <a:spLocks noGrp="1"/>
           </p:cNvSpPr>
@@ -10218,7 +10181,7 @@
       </p:sp>
       <p:sp>
         <p:nvSpPr>
-          <p:cNvPr id="1411697706" name="Text Placeholder 13"/>
+          <p:cNvPr id="1469724254" name="Text Placeholder 13"/>
           <p:cNvSpPr>
             <a:spLocks noGrp="1"/>
           </p:cNvSpPr>
@@ -10244,7 +10207,7 @@
       </p:sp>
       <p:sp>
         <p:nvSpPr>
-          <p:cNvPr id="1853675533" name="Text Placeholder 14"/>
+          <p:cNvPr id="824626876" name="Text Placeholder 14"/>
           <p:cNvSpPr>
             <a:spLocks noGrp="1"/>
           </p:cNvSpPr>
@@ -10266,7 +10229,7 @@
       </p:sp>
       <p:sp>
         <p:nvSpPr>
-          <p:cNvPr id="1019477544" name="Text Placeholder 15"/>
+          <p:cNvPr id="2059275769" name="Text Placeholder 15"/>
           <p:cNvSpPr>
             <a:spLocks noGrp="1"/>
           </p:cNvSpPr>
@@ -10292,7 +10255,7 @@
       </p:sp>
       <p:sp>
         <p:nvSpPr>
-          <p:cNvPr id="1137615146" name="Text Placeholder 16"/>
+          <p:cNvPr id="103628116" name="Text Placeholder 16"/>
           <p:cNvSpPr>
             <a:spLocks noGrp="1"/>
           </p:cNvSpPr>
@@ -10318,7 +10281,7 @@
       </p:sp>
       <p:sp>
         <p:nvSpPr>
-          <p:cNvPr id="1444411979" name="Text Placeholder 17"/>
+          <p:cNvPr id="1591468588" name="Text Placeholder 17"/>
           <p:cNvSpPr>
             <a:spLocks noGrp="1"/>
           </p:cNvSpPr>
@@ -10340,7 +10303,7 @@
       </p:sp>
       <p:sp>
         <p:nvSpPr>
-          <p:cNvPr id="1426344336" name="Text Placeholder 18"/>
+          <p:cNvPr id="1233426961" name="Text Placeholder 18"/>
           <p:cNvSpPr>
             <a:spLocks noGrp="1"/>
           </p:cNvSpPr>
@@ -10435,7 +10398,7 @@
       </p:grpSpPr>
       <p:pic>
         <p:nvPicPr>
-          <p:cNvPr id="87353529" name=""/>
+          <p:cNvPr id="2010438498" name=""/>
           <p:cNvPicPr>
             <a:picLocks noChangeAspect="1"/>
           </p:cNvPicPr>
@@ -10457,7 +10420,7 @@
       </p:pic>
       <p:sp>
         <p:nvSpPr>
-          <p:cNvPr id="94050383" name=""/>
+          <p:cNvPr id="737419272" name=""/>
           <p:cNvSpPr txBox="1"/>
           <p:nvPr/>
         </p:nvSpPr>
@@ -10485,7 +10448,7 @@
       </p:sp>
       <p:pic>
         <p:nvPicPr>
-          <p:cNvPr id="580816683" name=""/>
+          <p:cNvPr id="1019967769" name=""/>
           <p:cNvPicPr>
             <a:picLocks noChangeAspect="1"/>
           </p:cNvPicPr>
@@ -10507,7 +10470,7 @@
       </p:pic>
       <p:sp>
         <p:nvSpPr>
-          <p:cNvPr id="1260797644" name="Text Placeholder 1"/>
+          <p:cNvPr id="1324323499" name="Text Placeholder 1"/>
           <p:cNvSpPr>
             <a:spLocks noGrp="1"/>
           </p:cNvSpPr>
@@ -10538,7 +10501,7 @@
       </p:sp>
       <p:pic>
         <p:nvPicPr>
-          <p:cNvPr id="161149678" name="Picture 679748627"/>
+          <p:cNvPr id="1756354165" name="Picture 679748627"/>
           <p:cNvPicPr>
             <a:picLocks noChangeAspect="1"/>
           </p:cNvPicPr>
@@ -10560,7 +10523,7 @@
       </p:pic>
       <p:pic>
         <p:nvPicPr>
-          <p:cNvPr id="877849991" name=""/>
+          <p:cNvPr id="1270268483" name=""/>
           <p:cNvPicPr>
             <a:picLocks noChangeAspect="1"/>
           </p:cNvPicPr>
@@ -10619,7 +10582,7 @@
       </p:grpSpPr>
       <p:pic>
         <p:nvPicPr>
-          <p:cNvPr id="1706714868" name=""/>
+          <p:cNvPr id="1938906678" name=""/>
           <p:cNvPicPr>
             <a:picLocks noChangeAspect="1"/>
           </p:cNvPicPr>
@@ -10641,7 +10604,7 @@
       </p:pic>
       <p:sp>
         <p:nvSpPr>
-          <p:cNvPr id="1693788731" name=""/>
+          <p:cNvPr id="1823504268" name=""/>
           <p:cNvSpPr txBox="1"/>
           <p:nvPr/>
         </p:nvSpPr>
@@ -10669,7 +10632,7 @@
       </p:sp>
       <p:pic>
         <p:nvPicPr>
-          <p:cNvPr id="811608790" name=""/>
+          <p:cNvPr id="752003006" name=""/>
           <p:cNvPicPr>
             <a:picLocks noChangeAspect="1"/>
           </p:cNvPicPr>
@@ -10691,7 +10654,7 @@
       </p:pic>
       <p:sp>
         <p:nvSpPr>
-          <p:cNvPr id="1131110972" name="Text Placeholder 1"/>
+          <p:cNvPr id="1698792960" name="Text Placeholder 1"/>
           <p:cNvSpPr>
             <a:spLocks noGrp="1"/>
           </p:cNvSpPr>
@@ -10731,7 +10694,7 @@
       </p:sp>
       <p:pic>
         <p:nvPicPr>
-          <p:cNvPr id="1515298162" name="Picture 679748627"/>
+          <p:cNvPr id="429851480" name="Picture 679748627"/>
           <p:cNvPicPr>
             <a:picLocks noChangeAspect="1"/>
           </p:cNvPicPr>
@@ -10754,7 +10717,7 @@
       </p:pic>
       <p:pic>
         <p:nvPicPr>
-          <p:cNvPr id="2108412489" name=""/>
+          <p:cNvPr id="1754977170" name=""/>
           <p:cNvPicPr>
             <a:picLocks noChangeAspect="1"/>
           </p:cNvPicPr>
@@ -10776,7 +10739,7 @@
       </p:pic>
       <p:pic>
         <p:nvPicPr>
-          <p:cNvPr id="468763707" name=""/>
+          <p:cNvPr id="1480454433" name=""/>
           <p:cNvPicPr>
             <a:picLocks noChangeAspect="1"/>
           </p:cNvPicPr>
@@ -10836,7 +10799,7 @@
       </p:grpSpPr>
       <p:pic>
         <p:nvPicPr>
-          <p:cNvPr id="999107805" name=""/>
+          <p:cNvPr id="1877015120" name=""/>
           <p:cNvPicPr>
             <a:picLocks noChangeAspect="1"/>
           </p:cNvPicPr>
@@ -10858,7 +10821,7 @@
       </p:pic>
       <p:sp>
         <p:nvSpPr>
-          <p:cNvPr id="1756390877" name=""/>
+          <p:cNvPr id="52389845" name=""/>
           <p:cNvSpPr txBox="1"/>
           <p:nvPr/>
         </p:nvSpPr>
@@ -10886,7 +10849,7 @@
       </p:sp>
       <p:pic>
         <p:nvPicPr>
-          <p:cNvPr id="968254855" name=""/>
+          <p:cNvPr id="113066926" name=""/>
           <p:cNvPicPr>
             <a:picLocks noChangeAspect="1"/>
           </p:cNvPicPr>
@@ -10908,7 +10871,7 @@
       </p:pic>
       <p:sp>
         <p:nvSpPr>
-          <p:cNvPr id="1907173092" name="Text Placeholder 1"/>
+          <p:cNvPr id="847681185" name="Text Placeholder 1"/>
           <p:cNvSpPr>
             <a:spLocks noGrp="1"/>
           </p:cNvSpPr>
@@ -10948,7 +10911,7 @@
       </p:sp>
       <p:pic>
         <p:nvPicPr>
-          <p:cNvPr id="776695082" name="Picture 679748627"/>
+          <p:cNvPr id="2097399739" name="Picture 679748627"/>
           <p:cNvPicPr>
             <a:picLocks noChangeAspect="1"/>
           </p:cNvPicPr>
@@ -10971,7 +10934,7 @@
       </p:pic>
       <p:pic>
         <p:nvPicPr>
-          <p:cNvPr id="654383602" name=""/>
+          <p:cNvPr id="1751392381" name=""/>
           <p:cNvPicPr>
             <a:picLocks noChangeAspect="1"/>
           </p:cNvPicPr>
@@ -10993,7 +10956,7 @@
       </p:pic>
       <p:pic>
         <p:nvPicPr>
-          <p:cNvPr id="1788295316" name=""/>
+          <p:cNvPr id="1447789073" name=""/>
           <p:cNvPicPr>
             <a:picLocks noChangeAspect="1"/>
           </p:cNvPicPr>
@@ -11053,7 +11016,7 @@
       </p:grpSpPr>
       <p:pic>
         <p:nvPicPr>
-          <p:cNvPr id="45687824" name=""/>
+          <p:cNvPr id="1591402196" name=""/>
           <p:cNvPicPr>
             <a:picLocks noChangeAspect="1"/>
           </p:cNvPicPr>
@@ -11075,7 +11038,7 @@
       </p:pic>
       <p:sp>
         <p:nvSpPr>
-          <p:cNvPr id="1201167659" name=""/>
+          <p:cNvPr id="1863792236" name=""/>
           <p:cNvSpPr txBox="1"/>
           <p:nvPr/>
         </p:nvSpPr>
@@ -11103,7 +11066,7 @@
       </p:sp>
       <p:pic>
         <p:nvPicPr>
-          <p:cNvPr id="910616650" name=""/>
+          <p:cNvPr id="155499893" name=""/>
           <p:cNvPicPr>
             <a:picLocks noChangeAspect="1"/>
           </p:cNvPicPr>
@@ -11125,7 +11088,7 @@
       </p:pic>
       <p:sp>
         <p:nvSpPr>
-          <p:cNvPr id="122150667" name="Text Placeholder 1"/>
+          <p:cNvPr id="1856477532" name="Text Placeholder 1"/>
           <p:cNvSpPr>
             <a:spLocks noGrp="1"/>
           </p:cNvSpPr>
@@ -11165,7 +11128,7 @@
       </p:sp>
       <p:pic>
         <p:nvPicPr>
-          <p:cNvPr id="1567317766" name="Picture 679748627"/>
+          <p:cNvPr id="1739642585" name="Picture 679748627"/>
           <p:cNvPicPr>
             <a:picLocks noChangeAspect="1"/>
           </p:cNvPicPr>
@@ -11188,7 +11151,7 @@
       </p:pic>
       <p:pic>
         <p:nvPicPr>
-          <p:cNvPr id="857059194" name=""/>
+          <p:cNvPr id="1429059304" name=""/>
           <p:cNvPicPr>
             <a:picLocks noChangeAspect="1"/>
           </p:cNvPicPr>
@@ -11210,7 +11173,7 @@
       </p:pic>
       <p:pic>
         <p:nvPicPr>
-          <p:cNvPr id="1848073254" name=""/>
+          <p:cNvPr id="2019842244" name=""/>
           <p:cNvPicPr>
             <a:picLocks noChangeAspect="1"/>
           </p:cNvPicPr>
@@ -11233,7 +11196,7 @@
       </p:pic>
       <p:pic>
         <p:nvPicPr>
-          <p:cNvPr id="845794440" name=""/>
+          <p:cNvPr id="830725823" name=""/>
           <p:cNvPicPr>
             <a:picLocks noChangeAspect="1"/>
           </p:cNvPicPr>
@@ -11255,7 +11218,7 @@
       </p:pic>
       <p:pic>
         <p:nvPicPr>
-          <p:cNvPr id="412672521" name=""/>
+          <p:cNvPr id="2145481521" name=""/>
           <p:cNvPicPr>
             <a:picLocks noChangeAspect="1"/>
           </p:cNvPicPr>
@@ -11314,7 +11277,7 @@
       </p:grpSpPr>
       <p:pic>
         <p:nvPicPr>
-          <p:cNvPr id="20322574" name=""/>
+          <p:cNvPr id="1358604779" name=""/>
           <p:cNvPicPr>
             <a:picLocks noChangeAspect="1"/>
           </p:cNvPicPr>
@@ -11336,7 +11299,7 @@
       </p:pic>
       <p:pic>
         <p:nvPicPr>
-          <p:cNvPr id="935083173" name=""/>
+          <p:cNvPr id="1176408259" name=""/>
           <p:cNvPicPr>
             <a:picLocks noChangeAspect="1"/>
           </p:cNvPicPr>
@@ -11358,7 +11321,7 @@
       </p:pic>
       <p:sp>
         <p:nvSpPr>
-          <p:cNvPr id="1018700808" name=""/>
+          <p:cNvPr id="1713980853" name=""/>
           <p:cNvSpPr txBox="1"/>
           <p:nvPr/>
         </p:nvSpPr>
@@ -11386,7 +11349,7 @@
       </p:sp>
       <p:pic>
         <p:nvPicPr>
-          <p:cNvPr id="1392128102" name=""/>
+          <p:cNvPr id="2106362760" name=""/>
           <p:cNvPicPr>
             <a:picLocks noChangeAspect="1"/>
           </p:cNvPicPr>
@@ -11408,7 +11371,7 @@
       </p:pic>
       <p:sp>
         <p:nvSpPr>
-          <p:cNvPr id="1732638766" name="Text Placeholder 1"/>
+          <p:cNvPr id="1319975068" name="Text Placeholder 1"/>
           <p:cNvSpPr>
             <a:spLocks noGrp="1"/>
           </p:cNvSpPr>
@@ -11448,7 +11411,7 @@
       </p:sp>
       <p:pic>
         <p:nvPicPr>
-          <p:cNvPr id="1314706431" name="Picture 679748627"/>
+          <p:cNvPr id="1826321778" name="Picture 679748627"/>
           <p:cNvPicPr>
             <a:picLocks noChangeAspect="1"/>
           </p:cNvPicPr>
@@ -11471,7 +11434,7 @@
       </p:pic>
       <p:pic>
         <p:nvPicPr>
-          <p:cNvPr id="1404528096" name=""/>
+          <p:cNvPr id="1088923461" name=""/>
           <p:cNvPicPr>
             <a:picLocks noChangeAspect="1"/>
           </p:cNvPicPr>
@@ -11493,7 +11456,7 @@
       </p:pic>
       <p:pic>
         <p:nvPicPr>
-          <p:cNvPr id="1615521076" name=""/>
+          <p:cNvPr id="1177979049" name=""/>
           <p:cNvPicPr>
             <a:picLocks noChangeAspect="1"/>
           </p:cNvPicPr>
@@ -11516,7 +11479,7 @@
       </p:pic>
       <p:pic>
         <p:nvPicPr>
-          <p:cNvPr id="2120919468" name=""/>
+          <p:cNvPr id="859332400" name=""/>
           <p:cNvPicPr>
             <a:picLocks noChangeAspect="1"/>
           </p:cNvPicPr>
@@ -11538,7 +11501,7 @@
       </p:pic>
       <p:pic>
         <p:nvPicPr>
-          <p:cNvPr id="77788839" name=""/>
+          <p:cNvPr id="429268498" name=""/>
           <p:cNvPicPr>
             <a:picLocks noChangeAspect="1"/>
           </p:cNvPicPr>
@@ -11560,7 +11523,7 @@
       </p:pic>
       <p:pic>
         <p:nvPicPr>
-          <p:cNvPr id="811133147" name=""/>
+          <p:cNvPr id="1003554884" name=""/>
           <p:cNvPicPr>
             <a:picLocks noChangeAspect="1"/>
           </p:cNvPicPr>
@@ -11582,7 +11545,7 @@
       </p:pic>
       <p:pic>
         <p:nvPicPr>
-          <p:cNvPr id="1253118058" name=""/>
+          <p:cNvPr id="927616378" name=""/>
           <p:cNvPicPr>
             <a:picLocks noChangeAspect="1"/>
           </p:cNvPicPr>
@@ -11604,7 +11567,7 @@
       </p:pic>
       <p:pic>
         <p:nvPicPr>
-          <p:cNvPr id="1539510223" name=""/>
+          <p:cNvPr id="225609805" name=""/>
           <p:cNvPicPr>
             <a:picLocks noChangeAspect="1"/>
           </p:cNvPicPr>
@@ -11627,7 +11590,7 @@
       </p:pic>
       <p:pic>
         <p:nvPicPr>
-          <p:cNvPr id="1308924411" name=""/>
+          <p:cNvPr id="755693111" name=""/>
           <p:cNvPicPr>
             <a:picLocks noChangeAspect="1"/>
           </p:cNvPicPr>
@@ -11649,7 +11612,7 @@
       </p:pic>
       <p:pic>
         <p:nvPicPr>
-          <p:cNvPr id="1485175629" name=""/>
+          <p:cNvPr id="757743275" name=""/>
           <p:cNvPicPr>
             <a:picLocks noChangeAspect="1"/>
           </p:cNvPicPr>
@@ -11671,7 +11634,7 @@
       </p:pic>
       <p:pic>
         <p:nvPicPr>
-          <p:cNvPr id="1818741451" name=""/>
+          <p:cNvPr id="116453629" name=""/>
           <p:cNvPicPr>
             <a:picLocks noChangeAspect="1"/>
           </p:cNvPicPr>
@@ -11693,7 +11656,7 @@
       </p:pic>
       <p:pic>
         <p:nvPicPr>
-          <p:cNvPr id="1059110895" name=""/>
+          <p:cNvPr id="338379994" name=""/>
           <p:cNvPicPr>
             <a:picLocks noChangeAspect="1"/>
           </p:cNvPicPr>
@@ -11753,7 +11716,7 @@
       </p:grpSpPr>
       <p:pic>
         <p:nvPicPr>
-          <p:cNvPr id="2045199433" name=""/>
+          <p:cNvPr id="1186005818" name=""/>
           <p:cNvPicPr>
             <a:picLocks noChangeAspect="1"/>
           </p:cNvPicPr>
@@ -11775,7 +11738,7 @@
       </p:pic>
       <p:sp>
         <p:nvSpPr>
-          <p:cNvPr id="1934863110" name=""/>
+          <p:cNvPr id="558808651" name=""/>
           <p:cNvSpPr txBox="1"/>
           <p:nvPr/>
         </p:nvSpPr>
@@ -11803,7 +11766,7 @@
       </p:sp>
       <p:pic>
         <p:nvPicPr>
-          <p:cNvPr id="220470351" name=""/>
+          <p:cNvPr id="1695472062" name=""/>
           <p:cNvPicPr>
             <a:picLocks noChangeAspect="1"/>
           </p:cNvPicPr>
@@ -11825,7 +11788,7 @@
       </p:pic>
       <p:sp>
         <p:nvSpPr>
-          <p:cNvPr id="639362784" name="Text Placeholder 1"/>
+          <p:cNvPr id="288453719" name="Text Placeholder 1"/>
           <p:cNvSpPr>
             <a:spLocks noGrp="1"/>
           </p:cNvSpPr>
@@ -11856,7 +11819,7 @@
       </p:sp>
       <p:pic>
         <p:nvPicPr>
-          <p:cNvPr id="1094577002" name="Picture 679748627"/>
+          <p:cNvPr id="809732820" name="Picture 679748627"/>
           <p:cNvPicPr>
             <a:picLocks noChangeAspect="1"/>
           </p:cNvPicPr>
@@ -11879,7 +11842,7 @@
       </p:pic>
       <p:pic>
         <p:nvPicPr>
-          <p:cNvPr id="1988066672" name=""/>
+          <p:cNvPr id="1858845150" name=""/>
           <p:cNvPicPr>
             <a:picLocks noChangeAspect="1"/>
           </p:cNvPicPr>
@@ -11901,7 +11864,7 @@
       </p:pic>
       <p:pic>
         <p:nvPicPr>
-          <p:cNvPr id="1971954092" name=""/>
+          <p:cNvPr id="1037306596" name=""/>
           <p:cNvPicPr>
             <a:picLocks noChangeAspect="1"/>
           </p:cNvPicPr>
@@ -11961,7 +11924,7 @@
       </p:grpSpPr>
       <p:pic>
         <p:nvPicPr>
-          <p:cNvPr id="1862757116" name=""/>
+          <p:cNvPr id="242606890" name=""/>
           <p:cNvPicPr>
             <a:picLocks noChangeAspect="1"/>
           </p:cNvPicPr>
@@ -11983,7 +11946,7 @@
       </p:pic>
       <p:sp>
         <p:nvSpPr>
-          <p:cNvPr id="304644145" name=""/>
+          <p:cNvPr id="348805386" name=""/>
           <p:cNvSpPr txBox="1"/>
           <p:nvPr/>
         </p:nvSpPr>
@@ -12011,7 +11974,7 @@
       </p:sp>
       <p:pic>
         <p:nvPicPr>
-          <p:cNvPr id="1750627943" name=""/>
+          <p:cNvPr id="1390755844" name=""/>
           <p:cNvPicPr>
             <a:picLocks noChangeAspect="1"/>
           </p:cNvPicPr>
@@ -12033,7 +11996,7 @@
       </p:pic>
       <p:sp>
         <p:nvSpPr>
-          <p:cNvPr id="1571336104" name="Text Placeholder 1"/>
+          <p:cNvPr id="214582791" name="Text Placeholder 1"/>
           <p:cNvSpPr>
             <a:spLocks noGrp="1"/>
           </p:cNvSpPr>
@@ -12064,7 +12027,7 @@
       </p:sp>
       <p:pic>
         <p:nvPicPr>
-          <p:cNvPr id="977893860" name="Picture 679748627"/>
+          <p:cNvPr id="2006038113" name="Picture 679748627"/>
           <p:cNvPicPr>
             <a:picLocks noChangeAspect="1"/>
           </p:cNvPicPr>
@@ -12087,7 +12050,7 @@
       </p:pic>
       <p:pic>
         <p:nvPicPr>
-          <p:cNvPr id="174902861" name=""/>
+          <p:cNvPr id="224649402" name=""/>
           <p:cNvPicPr>
             <a:picLocks noChangeAspect="1"/>
           </p:cNvPicPr>
@@ -12109,7 +12072,7 @@
       </p:pic>
       <p:pic>
         <p:nvPicPr>
-          <p:cNvPr id="694042080" name=""/>
+          <p:cNvPr id="1393557137" name=""/>
           <p:cNvPicPr>
             <a:picLocks noChangeAspect="1"/>
           </p:cNvPicPr>
@@ -12132,7 +12095,7 @@
       </p:pic>
       <p:pic>
         <p:nvPicPr>
-          <p:cNvPr id="1849472362" name=""/>
+          <p:cNvPr id="645222395" name=""/>
           <p:cNvPicPr>
             <a:picLocks noChangeAspect="1"/>
           </p:cNvPicPr>
@@ -12191,7 +12154,7 @@
       </p:grpSpPr>
       <p:pic>
         <p:nvPicPr>
-          <p:cNvPr id="237967851" name=""/>
+          <p:cNvPr id="1343161907" name=""/>
           <p:cNvPicPr>
             <a:picLocks noChangeAspect="1"/>
           </p:cNvPicPr>
@@ -12213,7 +12176,7 @@
       </p:pic>
       <p:sp>
         <p:nvSpPr>
-          <p:cNvPr id="1672859717" name=""/>
+          <p:cNvPr id="1721064556" name=""/>
           <p:cNvSpPr txBox="1"/>
           <p:nvPr/>
         </p:nvSpPr>
@@ -12241,7 +12204,7 @@
       </p:sp>
       <p:pic>
         <p:nvPicPr>
-          <p:cNvPr id="1781242538" name=""/>
+          <p:cNvPr id="1140448564" name=""/>
           <p:cNvPicPr>
             <a:picLocks noChangeAspect="1"/>
           </p:cNvPicPr>
@@ -12263,7 +12226,7 @@
       </p:pic>
       <p:sp>
         <p:nvSpPr>
-          <p:cNvPr id="1607874667" name="Text Placeholder 1"/>
+          <p:cNvPr id="839831142" name="Text Placeholder 1"/>
           <p:cNvSpPr>
             <a:spLocks noGrp="1"/>
           </p:cNvSpPr>
@@ -12294,7 +12257,7 @@
       </p:sp>
       <p:pic>
         <p:nvPicPr>
-          <p:cNvPr id="1593815292" name="Picture 679748627"/>
+          <p:cNvPr id="1767505730" name="Picture 679748627"/>
           <p:cNvPicPr>
             <a:picLocks noChangeAspect="1"/>
           </p:cNvPicPr>
@@ -12317,7 +12280,7 @@
       </p:pic>
       <p:pic>
         <p:nvPicPr>
-          <p:cNvPr id="134363291" name=""/>
+          <p:cNvPr id="884955512" name=""/>
           <p:cNvPicPr>
             <a:picLocks noChangeAspect="1"/>
           </p:cNvPicPr>
@@ -12339,7 +12302,7 @@
       </p:pic>
       <p:pic>
         <p:nvPicPr>
-          <p:cNvPr id="197510874" name=""/>
+          <p:cNvPr id="786595898" name=""/>
           <p:cNvPicPr>
             <a:picLocks noChangeAspect="1"/>
           </p:cNvPicPr>
@@ -12362,7 +12325,7 @@
       </p:pic>
       <p:pic>
         <p:nvPicPr>
-          <p:cNvPr id="145207447" name=""/>
+          <p:cNvPr id="1145660588" name=""/>
           <p:cNvPicPr>
             <a:picLocks noChangeAspect="1"/>
           </p:cNvPicPr>
@@ -12384,7 +12347,7 @@
       </p:pic>
       <p:pic>
         <p:nvPicPr>
-          <p:cNvPr id="640647272" name=""/>
+          <p:cNvPr id="1131405101" name=""/>
           <p:cNvPicPr>
             <a:picLocks noChangeAspect="1"/>
           </p:cNvPicPr>
@@ -12406,7 +12369,7 @@
       </p:pic>
       <p:pic>
         <p:nvPicPr>
-          <p:cNvPr id="1931797097" name=""/>
+          <p:cNvPr id="1643088961" name=""/>
           <p:cNvPicPr>
             <a:picLocks noChangeAspect="1"/>
           </p:cNvPicPr>
@@ -12465,7 +12428,7 @@
       </p:grpSpPr>
       <p:pic>
         <p:nvPicPr>
-          <p:cNvPr id="672061184" name=""/>
+          <p:cNvPr id="1020882287" name=""/>
           <p:cNvPicPr>
             <a:picLocks noChangeAspect="1"/>
           </p:cNvPicPr>
@@ -12487,7 +12450,7 @@
       </p:pic>
       <p:sp>
         <p:nvSpPr>
-          <p:cNvPr id="778200629" name=""/>
+          <p:cNvPr id="192316088" name=""/>
           <p:cNvSpPr txBox="1"/>
           <p:nvPr/>
         </p:nvSpPr>
@@ -12515,7 +12478,7 @@
       </p:sp>
       <p:pic>
         <p:nvPicPr>
-          <p:cNvPr id="1047463779" name=""/>
+          <p:cNvPr id="1126259721" name=""/>
           <p:cNvPicPr>
             <a:picLocks noChangeAspect="1"/>
           </p:cNvPicPr>
@@ -12537,7 +12500,7 @@
       </p:pic>
       <p:sp>
         <p:nvSpPr>
-          <p:cNvPr id="1458370900" name="Text Placeholder 1"/>
+          <p:cNvPr id="245188602" name="Text Placeholder 1"/>
           <p:cNvSpPr>
             <a:spLocks noGrp="1"/>
           </p:cNvSpPr>
@@ -12568,7 +12531,7 @@
       </p:sp>
       <p:pic>
         <p:nvPicPr>
-          <p:cNvPr id="1469247815" name="Picture 679748627"/>
+          <p:cNvPr id="2142062749" name="Picture 679748627"/>
           <p:cNvPicPr>
             <a:picLocks noChangeAspect="1"/>
           </p:cNvPicPr>
@@ -12591,7 +12554,7 @@
       </p:pic>
       <p:pic>
         <p:nvPicPr>
-          <p:cNvPr id="467880898" name=""/>
+          <p:cNvPr id="1966247688" name=""/>
           <p:cNvPicPr>
             <a:picLocks noChangeAspect="1"/>
           </p:cNvPicPr>
@@ -12613,7 +12576,7 @@
       </p:pic>
       <p:pic>
         <p:nvPicPr>
-          <p:cNvPr id="879409826" name=""/>
+          <p:cNvPr id="687786418" name=""/>
           <p:cNvPicPr>
             <a:picLocks noChangeAspect="1"/>
           </p:cNvPicPr>
@@ -12636,7 +12599,7 @@
       </p:pic>
       <p:pic>
         <p:nvPicPr>
-          <p:cNvPr id="1363301443" name=""/>
+          <p:cNvPr id="50897166" name=""/>
           <p:cNvPicPr>
             <a:picLocks noChangeAspect="1"/>
           </p:cNvPicPr>
@@ -12658,7 +12621,7 @@
       </p:pic>
       <p:pic>
         <p:nvPicPr>
-          <p:cNvPr id="224087289" name=""/>
+          <p:cNvPr id="1276348272" name=""/>
           <p:cNvPicPr>
             <a:picLocks noChangeAspect="1"/>
           </p:cNvPicPr>
@@ -12717,7 +12680,7 @@
       </p:grpSpPr>
       <p:pic>
         <p:nvPicPr>
-          <p:cNvPr id="628345757" name=""/>
+          <p:cNvPr id="1062767096" name=""/>
           <p:cNvPicPr>
             <a:picLocks noChangeAspect="1"/>
           </p:cNvPicPr>
@@ -12739,7 +12702,7 @@
       </p:pic>
       <p:pic>
         <p:nvPicPr>
-          <p:cNvPr id="1122510331" name=""/>
+          <p:cNvPr id="1253989109" name=""/>
           <p:cNvPicPr>
             <a:picLocks noChangeAspect="1"/>
           </p:cNvPicPr>
@@ -12761,7 +12724,7 @@
       </p:pic>
       <p:pic>
         <p:nvPicPr>
-          <p:cNvPr id="1535346435" name=""/>
+          <p:cNvPr id="36987768" name=""/>
           <p:cNvPicPr>
             <a:picLocks noChangeAspect="1"/>
           </p:cNvPicPr>
@@ -12783,7 +12746,7 @@
       </p:pic>
       <p:sp>
         <p:nvSpPr>
-          <p:cNvPr id="1703510825" name="Text Placeholder 1"/>
+          <p:cNvPr id="1648775271" name="Text Placeholder 1"/>
           <p:cNvSpPr>
             <a:spLocks noGrp="1"/>
           </p:cNvSpPr>
@@ -12814,7 +12777,7 @@
       </p:sp>
       <p:pic>
         <p:nvPicPr>
-          <p:cNvPr id="254882809" name="Picture 679748627"/>
+          <p:cNvPr id="1934084816" name="Picture 679748627"/>
           <p:cNvPicPr>
             <a:picLocks noChangeAspect="1"/>
           </p:cNvPicPr>
@@ -12837,7 +12800,7 @@
       </p:pic>
       <p:pic>
         <p:nvPicPr>
-          <p:cNvPr id="1321865230" name=""/>
+          <p:cNvPr id="644268157" name=""/>
           <p:cNvPicPr>
             <a:picLocks noChangeAspect="1"/>
           </p:cNvPicPr>
@@ -12859,7 +12822,7 @@
       </p:pic>
       <p:pic>
         <p:nvPicPr>
-          <p:cNvPr id="341303568" name=""/>
+          <p:cNvPr id="497064715" name=""/>
           <p:cNvPicPr>
             <a:picLocks noChangeAspect="1"/>
           </p:cNvPicPr>
@@ -12882,7 +12845,7 @@
       </p:pic>
       <p:pic>
         <p:nvPicPr>
-          <p:cNvPr id="902638324" name=""/>
+          <p:cNvPr id="173644880" name=""/>
           <p:cNvPicPr>
             <a:picLocks noChangeAspect="1"/>
           </p:cNvPicPr>
@@ -12904,7 +12867,7 @@
       </p:pic>
       <p:pic>
         <p:nvPicPr>
-          <p:cNvPr id="2044104155" name=""/>
+          <p:cNvPr id="402020119" name=""/>
           <p:cNvPicPr>
             <a:picLocks noChangeAspect="1"/>
           </p:cNvPicPr>
@@ -12926,7 +12889,7 @@
       </p:pic>
       <p:pic>
         <p:nvPicPr>
-          <p:cNvPr id="188820535" name=""/>
+          <p:cNvPr id="1320107873" name=""/>
           <p:cNvPicPr>
             <a:picLocks noChangeAspect="1"/>
           </p:cNvPicPr>
@@ -12948,7 +12911,7 @@
       </p:pic>
       <p:cxnSp>
         <p:nvCxnSpPr>
-          <p:cNvPr id="719983999" name=""/>
+          <p:cNvPr id="1934358292" name=""/>
           <p:cNvCxnSpPr/>
           <p:nvPr/>
         </p:nvCxnSpPr>
@@ -12987,7 +12950,7 @@
       </p:cxnSp>
       <p:pic>
         <p:nvPicPr>
-          <p:cNvPr id="729502222" name=""/>
+          <p:cNvPr id="306878799" name=""/>
           <p:cNvPicPr>
             <a:picLocks noChangeAspect="1"/>
           </p:cNvPicPr>
@@ -13046,7 +13009,7 @@
       </p:grpSpPr>
       <p:pic>
         <p:nvPicPr>
-          <p:cNvPr id="439438437" name=""/>
+          <p:cNvPr id="923681240" name=""/>
           <p:cNvPicPr>
             <a:picLocks noChangeAspect="1"/>
           </p:cNvPicPr>
@@ -13068,7 +13031,7 @@
       </p:pic>
       <p:sp>
         <p:nvSpPr>
-          <p:cNvPr id="1692080461" name="Text Placeholder 1"/>
+          <p:cNvPr id="1466808701" name="Text Placeholder 1"/>
           <p:cNvSpPr>
             <a:spLocks noGrp="1"/>
           </p:cNvSpPr>
@@ -13099,7 +13062,7 @@
       </p:sp>
       <p:sp>
         <p:nvSpPr>
-          <p:cNvPr id="963283340" name=""/>
+          <p:cNvPr id="1334944645" name=""/>
           <p:cNvSpPr txBox="1"/>
           <p:nvPr/>
         </p:nvSpPr>
@@ -13127,7 +13090,7 @@
       </p:sp>
       <p:pic>
         <p:nvPicPr>
-          <p:cNvPr id="231353122" name=""/>
+          <p:cNvPr id="1958635963" name=""/>
           <p:cNvPicPr>
             <a:picLocks noChangeAspect="1"/>
           </p:cNvPicPr>
@@ -13149,7 +13112,7 @@
       </p:pic>
       <p:pic>
         <p:nvPicPr>
-          <p:cNvPr id="154018859" name=""/>
+          <p:cNvPr id="1104849499" name=""/>
           <p:cNvPicPr>
             <a:picLocks noChangeAspect="1"/>
           </p:cNvPicPr>
@@ -13171,7 +13134,7 @@
       </p:pic>
       <p:pic>
         <p:nvPicPr>
-          <p:cNvPr id="1697611280" name=""/>
+          <p:cNvPr id="2090985439" name=""/>
           <p:cNvPicPr>
             <a:picLocks noChangeAspect="1"/>
           </p:cNvPicPr>
@@ -13193,7 +13156,7 @@
       </p:pic>
       <p:pic>
         <p:nvPicPr>
-          <p:cNvPr id="1026843614" name=""/>
+          <p:cNvPr id="14527070" name=""/>
           <p:cNvPicPr>
             <a:picLocks noChangeAspect="1"/>
           </p:cNvPicPr>
@@ -13215,7 +13178,7 @@
       </p:pic>
       <p:pic>
         <p:nvPicPr>
-          <p:cNvPr id="1912622201" name=""/>
+          <p:cNvPr id="1786013432" name=""/>
           <p:cNvPicPr>
             <a:picLocks noChangeAspect="1"/>
           </p:cNvPicPr>
@@ -13237,7 +13200,7 @@
       </p:pic>
       <p:pic>
         <p:nvPicPr>
-          <p:cNvPr id="557208153" name=""/>
+          <p:cNvPr id="933232376" name=""/>
           <p:cNvPicPr>
             <a:picLocks noChangeAspect="1"/>
           </p:cNvPicPr>
@@ -13259,7 +13222,7 @@
       </p:pic>
       <p:pic>
         <p:nvPicPr>
-          <p:cNvPr id="1248285620" name=""/>
+          <p:cNvPr id="1231045608" name=""/>
           <p:cNvPicPr>
             <a:picLocks noChangeAspect="1"/>
           </p:cNvPicPr>
@@ -13281,7 +13244,7 @@
       </p:pic>
       <p:pic>
         <p:nvPicPr>
-          <p:cNvPr id="2121997427" name=""/>
+          <p:cNvPr id="1903611865" name=""/>
           <p:cNvPicPr>
             <a:picLocks noChangeAspect="1"/>
           </p:cNvPicPr>
@@ -13303,7 +13266,7 @@
       </p:pic>
       <p:pic>
         <p:nvPicPr>
-          <p:cNvPr id="1044907254" name=""/>
+          <p:cNvPr id="728595426" name=""/>
           <p:cNvPicPr>
             <a:picLocks noChangeAspect="1"/>
           </p:cNvPicPr>
@@ -13325,7 +13288,7 @@
       </p:pic>
       <p:pic>
         <p:nvPicPr>
-          <p:cNvPr id="325983334" name=""/>
+          <p:cNvPr id="397359719" name=""/>
           <p:cNvPicPr>
             <a:picLocks noChangeAspect="1"/>
           </p:cNvPicPr>
@@ -13384,7 +13347,7 @@
       </p:grpSpPr>
       <p:pic>
         <p:nvPicPr>
-          <p:cNvPr id="1167491436" name=""/>
+          <p:cNvPr id="1613847548" name=""/>
           <p:cNvPicPr>
             <a:picLocks noChangeAspect="1"/>
           </p:cNvPicPr>
@@ -13406,7 +13369,7 @@
       </p:pic>
       <p:pic>
         <p:nvPicPr>
-          <p:cNvPr id="1767195102" name=""/>
+          <p:cNvPr id="212984231" name=""/>
           <p:cNvPicPr>
             <a:picLocks noChangeAspect="1"/>
           </p:cNvPicPr>
@@ -13428,7 +13391,7 @@
       </p:pic>
       <p:sp>
         <p:nvSpPr>
-          <p:cNvPr id="185568869" name="Text Placeholder 1"/>
+          <p:cNvPr id="141852555" name="Text Placeholder 1"/>
           <p:cNvSpPr>
             <a:spLocks noGrp="1"/>
           </p:cNvSpPr>
@@ -13459,7 +13422,7 @@
       </p:sp>
       <p:pic>
         <p:nvPicPr>
-          <p:cNvPr id="1488598949" name="Picture 679748627"/>
+          <p:cNvPr id="775985763" name="Picture 679748627"/>
           <p:cNvPicPr>
             <a:picLocks noChangeAspect="1"/>
           </p:cNvPicPr>
@@ -13482,7 +13445,7 @@
       </p:pic>
       <p:pic>
         <p:nvPicPr>
-          <p:cNvPr id="596516145" name=""/>
+          <p:cNvPr id="1261795429" name=""/>
           <p:cNvPicPr>
             <a:picLocks noChangeAspect="1"/>
           </p:cNvPicPr>
@@ -13504,7 +13467,7 @@
       </p:pic>
       <p:pic>
         <p:nvPicPr>
-          <p:cNvPr id="2028647107" name=""/>
+          <p:cNvPr id="1235871654" name=""/>
           <p:cNvPicPr>
             <a:picLocks noChangeAspect="1"/>
           </p:cNvPicPr>
@@ -13527,7 +13490,7 @@
       </p:pic>
       <p:pic>
         <p:nvPicPr>
-          <p:cNvPr id="592517593" name=""/>
+          <p:cNvPr id="698390272" name=""/>
           <p:cNvPicPr>
             <a:picLocks noChangeAspect="1"/>
           </p:cNvPicPr>
@@ -13549,7 +13512,7 @@
       </p:pic>
       <p:pic>
         <p:nvPicPr>
-          <p:cNvPr id="1683949984" name=""/>
+          <p:cNvPr id="754352335" name=""/>
           <p:cNvPicPr>
             <a:picLocks noChangeAspect="1"/>
           </p:cNvPicPr>
@@ -13608,7 +13571,7 @@
       </p:grpSpPr>
       <p:pic>
         <p:nvPicPr>
-          <p:cNvPr id="1279042141" name=""/>
+          <p:cNvPr id="1356653061" name=""/>
           <p:cNvPicPr>
             <a:picLocks noChangeAspect="1"/>
           </p:cNvPicPr>
@@ -13631,7 +13594,7 @@
       </p:pic>
       <p:pic>
         <p:nvPicPr>
-          <p:cNvPr id="1625229528" name=""/>
+          <p:cNvPr id="1815087487" name=""/>
           <p:cNvPicPr>
             <a:picLocks noChangeAspect="1"/>
           </p:cNvPicPr>
@@ -13653,7 +13616,7 @@
       </p:pic>
       <p:sp>
         <p:nvSpPr>
-          <p:cNvPr id="1457398608" name="Text Placeholder 1"/>
+          <p:cNvPr id="1834357386" name="Text Placeholder 1"/>
           <p:cNvSpPr>
             <a:spLocks noGrp="1"/>
           </p:cNvSpPr>
@@ -13684,7 +13647,7 @@
       </p:sp>
       <p:pic>
         <p:nvPicPr>
-          <p:cNvPr id="68620764" name="Picture 679748627"/>
+          <p:cNvPr id="1154965263" name="Picture 679748627"/>
           <p:cNvPicPr>
             <a:picLocks noChangeAspect="1"/>
           </p:cNvPicPr>
@@ -13707,7 +13670,7 @@
       </p:pic>
       <p:pic>
         <p:nvPicPr>
-          <p:cNvPr id="364563105" name=""/>
+          <p:cNvPr id="389272416" name=""/>
           <p:cNvPicPr>
             <a:picLocks noChangeAspect="1"/>
           </p:cNvPicPr>
@@ -13729,7 +13692,7 @@
       </p:pic>
       <p:pic>
         <p:nvPicPr>
-          <p:cNvPr id="1577975181" name=""/>
+          <p:cNvPr id="857228572" name=""/>
           <p:cNvPicPr>
             <a:picLocks noChangeAspect="1"/>
           </p:cNvPicPr>
@@ -13789,7 +13752,7 @@
       </p:grpSpPr>
       <p:pic>
         <p:nvPicPr>
-          <p:cNvPr id="1170750772" name=""/>
+          <p:cNvPr id="946249755" name=""/>
           <p:cNvPicPr>
             <a:picLocks noChangeAspect="1"/>
           </p:cNvPicPr>
@@ -13812,7 +13775,7 @@
       </p:pic>
       <p:pic>
         <p:nvPicPr>
-          <p:cNvPr id="1684330232" name=""/>
+          <p:cNvPr id="929463604" name=""/>
           <p:cNvPicPr>
             <a:picLocks noChangeAspect="1"/>
           </p:cNvPicPr>
@@ -13835,7 +13798,7 @@
       </p:pic>
       <p:pic>
         <p:nvPicPr>
-          <p:cNvPr id="167563517" name=""/>
+          <p:cNvPr id="1674371139" name=""/>
           <p:cNvPicPr>
             <a:picLocks noChangeAspect="1"/>
           </p:cNvPicPr>
@@ -13857,7 +13820,7 @@
       </p:pic>
       <p:sp>
         <p:nvSpPr>
-          <p:cNvPr id="2000498168" name="Text Placeholder 1"/>
+          <p:cNvPr id="2005343341" name="Text Placeholder 1"/>
           <p:cNvSpPr>
             <a:spLocks noGrp="1"/>
           </p:cNvSpPr>
@@ -13888,7 +13851,7 @@
       </p:sp>
       <p:pic>
         <p:nvPicPr>
-          <p:cNvPr id="1225068397" name="Picture 679748627"/>
+          <p:cNvPr id="1198109366" name="Picture 679748627"/>
           <p:cNvPicPr>
             <a:picLocks noChangeAspect="1"/>
           </p:cNvPicPr>
@@ -13911,7 +13874,7 @@
       </p:pic>
       <p:pic>
         <p:nvPicPr>
-          <p:cNvPr id="1302898290" name=""/>
+          <p:cNvPr id="1546069300" name=""/>
           <p:cNvPicPr>
             <a:picLocks noChangeAspect="1"/>
           </p:cNvPicPr>
@@ -15106,7 +15069,7 @@
       </p:grpSpPr>
       <p:sp>
         <p:nvSpPr>
-          <p:cNvPr id="250535139" name="Text Placeholder 1"/>
+          <p:cNvPr id="1498956389" name="Text Placeholder 1"/>
           <p:cNvSpPr>
             <a:spLocks noGrp="1"/>
           </p:cNvSpPr>
@@ -15132,7 +15095,7 @@
       </p:sp>
       <p:sp>
         <p:nvSpPr>
-          <p:cNvPr id="414029387" name="Content Placeholder 2"/>
+          <p:cNvPr id="487730693" name="Content Placeholder 2"/>
           <p:cNvSpPr>
             <a:spLocks noGrp="1"/>
           </p:cNvSpPr>
@@ -15165,7 +15128,7 @@
       </p:sp>
       <p:pic>
         <p:nvPicPr>
-          <p:cNvPr id="1260124298" name=""/>
+          <p:cNvPr id="1195478525" name=""/>
           <p:cNvPicPr>
             <a:picLocks noChangeAspect="1"/>
           </p:cNvPicPr>
@@ -15187,7 +15150,7 @@
       </p:pic>
       <p:sp>
         <p:nvSpPr>
-          <p:cNvPr id="2071163345" name=""/>
+          <p:cNvPr id="282030241" name=""/>
           <p:cNvSpPr txBox="1"/>
           <p:nvPr/>
         </p:nvSpPr>
@@ -15219,7 +15182,7 @@
       </p:sp>
       <p:pic>
         <p:nvPicPr>
-          <p:cNvPr id="1246488236" name=""/>
+          <p:cNvPr id="1725637065" name=""/>
           <p:cNvPicPr>
             <a:picLocks noChangeAspect="1"/>
           </p:cNvPicPr>
@@ -15241,7 +15204,7 @@
       </p:pic>
       <p:pic>
         <p:nvPicPr>
-          <p:cNvPr id="402737666" name=""/>
+          <p:cNvPr id="598105974" name=""/>
           <p:cNvPicPr>
             <a:picLocks noChangeAspect="1"/>
           </p:cNvPicPr>
@@ -15263,7 +15226,7 @@
       </p:pic>
       <p:sp>
         <p:nvSpPr>
-          <p:cNvPr id="2125260023" name=""/>
+          <p:cNvPr id="1919460201" name=""/>
           <p:cNvSpPr txBox="1"/>
           <p:nvPr/>
         </p:nvSpPr>
@@ -15335,7 +15298,7 @@
       </p:grpSpPr>
       <p:pic>
         <p:nvPicPr>
-          <p:cNvPr id="1553631197" name=""/>
+          <p:cNvPr id="768563477" name=""/>
           <p:cNvPicPr>
             <a:picLocks noChangeAspect="1"/>
           </p:cNvPicPr>
@@ -15357,7 +15320,7 @@
       </p:pic>
       <p:sp>
         <p:nvSpPr>
-          <p:cNvPr id="1945212748" name=""/>
+          <p:cNvPr id="2070956827" name=""/>
           <p:cNvSpPr txBox="1"/>
           <p:nvPr/>
         </p:nvSpPr>
@@ -15385,7 +15348,7 @@
       </p:sp>
       <p:pic>
         <p:nvPicPr>
-          <p:cNvPr id="1452964338" name=""/>
+          <p:cNvPr id="845991048" name=""/>
           <p:cNvPicPr>
             <a:picLocks noChangeAspect="1"/>
           </p:cNvPicPr>
@@ -15407,7 +15370,7 @@
       </p:pic>
       <p:pic>
         <p:nvPicPr>
-          <p:cNvPr id="139892153" name=""/>
+          <p:cNvPr id="1367811084" name=""/>
           <p:cNvPicPr>
             <a:picLocks noChangeAspect="1"/>
           </p:cNvPicPr>
@@ -15429,7 +15392,7 @@
       </p:pic>
       <p:pic>
         <p:nvPicPr>
-          <p:cNvPr id="2123840232" name=""/>
+          <p:cNvPr id="1281088635" name=""/>
           <p:cNvPicPr>
             <a:picLocks noChangeAspect="1"/>
           </p:cNvPicPr>
@@ -15451,7 +15414,7 @@
       </p:pic>
       <p:pic>
         <p:nvPicPr>
-          <p:cNvPr id="804280377" name=""/>
+          <p:cNvPr id="80527223" name=""/>
           <p:cNvPicPr>
             <a:picLocks noChangeAspect="1"/>
           </p:cNvPicPr>
@@ -15473,7 +15436,7 @@
       </p:pic>
       <p:pic>
         <p:nvPicPr>
-          <p:cNvPr id="1330686254" name=""/>
+          <p:cNvPr id="2133581161" name=""/>
           <p:cNvPicPr>
             <a:picLocks noChangeAspect="1"/>
           </p:cNvPicPr>
@@ -15495,7 +15458,7 @@
       </p:pic>
       <p:pic>
         <p:nvPicPr>
-          <p:cNvPr id="658004789" name=""/>
+          <p:cNvPr id="1637360865" name=""/>
           <p:cNvPicPr>
             <a:picLocks noChangeAspect="1"/>
           </p:cNvPicPr>
@@ -15517,7 +15480,7 @@
       </p:pic>
       <p:pic>
         <p:nvPicPr>
-          <p:cNvPr id="69916474" name=""/>
+          <p:cNvPr id="758677820" name=""/>
           <p:cNvPicPr>
             <a:picLocks noChangeAspect="1"/>
           </p:cNvPicPr>
@@ -15539,7 +15502,7 @@
       </p:pic>
       <p:pic>
         <p:nvPicPr>
-          <p:cNvPr id="1763340539" name=""/>
+          <p:cNvPr id="1305681644" name=""/>
           <p:cNvPicPr>
             <a:picLocks noChangeAspect="1"/>
           </p:cNvPicPr>
@@ -15561,7 +15524,7 @@
       </p:pic>
       <p:pic>
         <p:nvPicPr>
-          <p:cNvPr id="946818985" name=""/>
+          <p:cNvPr id="316275996" name=""/>
           <p:cNvPicPr>
             <a:picLocks noChangeAspect="1"/>
           </p:cNvPicPr>
@@ -15583,7 +15546,7 @@
       </p:pic>
       <p:pic>
         <p:nvPicPr>
-          <p:cNvPr id="1269156068" name=""/>
+          <p:cNvPr id="478527604" name=""/>
           <p:cNvPicPr>
             <a:picLocks noChangeAspect="1"/>
           </p:cNvPicPr>
@@ -15605,7 +15568,7 @@
       </p:pic>
       <p:sp>
         <p:nvSpPr>
-          <p:cNvPr id="1808279186" name="Text Placeholder 1"/>
+          <p:cNvPr id="1425753904" name="Text Placeholder 1"/>
           <p:cNvSpPr>
             <a:spLocks noGrp="1"/>
           </p:cNvSpPr>
@@ -15636,7 +15599,7 @@
       </p:sp>
       <p:pic>
         <p:nvPicPr>
-          <p:cNvPr id="1185069359" name="Picture 679748627"/>
+          <p:cNvPr id="976355599" name="Picture 679748627"/>
           <p:cNvPicPr>
             <a:picLocks noChangeAspect="1"/>
           </p:cNvPicPr>
@@ -15656,6 +15619,38 @@
           </a:prstGeom>
         </p:spPr>
       </p:pic>
+      <p:sp>
+        <p:nvSpPr>
+          <p:cNvPr id="154745643" name=""/>
+          <p:cNvSpPr txBox="1"/>
+          <p:nvPr/>
+        </p:nvSpPr>
+        <p:spPr bwMode="auto">
+          <a:xfrm rot="0" flipH="0" flipV="0">
+            <a:off x="3541562" y="3246120"/>
+            <a:ext cx="2060874" cy="365759"/>
+          </a:xfrm>
+          <a:prstGeom prst="rect">
+            <a:avLst/>
+          </a:prstGeom>
+          <a:noFill/>
+        </p:spPr>
+        <p:txBody>
+          <a:bodyPr vertOverflow="overflow" horzOverflow="overflow" vert="horz" wrap="square" lIns="91440" tIns="45720" rIns="91440" bIns="45720" numCol="1" spcCol="0" rtlCol="0" fromWordArt="0" anchor="t" anchorCtr="0" forceAA="0" upright="0" compatLnSpc="0">
+            <a:spAutoFit/>
+          </a:bodyPr>
+          <a:p>
+            <a:pPr algn="l">
+              <a:defRPr/>
+            </a:pPr>
+            <a:r>
+              <a:rPr/>
+              <a:t>----------1-------------</a:t>
+            </a:r>
+            <a:endParaRPr/>
+          </a:p>
+        </p:txBody>
+      </p:sp>
     </p:spTree>
   </p:cSld>
   <p:clrMapOvr>
@@ -15695,7 +15690,7 @@
       </p:grpSpPr>
       <p:pic>
         <p:nvPicPr>
-          <p:cNvPr id="2129465840" name=""/>
+          <p:cNvPr id="791199869" name=""/>
           <p:cNvPicPr>
             <a:picLocks noChangeAspect="1"/>
           </p:cNvPicPr>
@@ -15717,7 +15712,7 @@
       </p:pic>
       <p:sp>
         <p:nvSpPr>
-          <p:cNvPr id="370744954" name=""/>
+          <p:cNvPr id="1608048915" name=""/>
           <p:cNvSpPr txBox="1"/>
           <p:nvPr/>
         </p:nvSpPr>
@@ -15745,7 +15740,7 @@
       </p:sp>
       <p:pic>
         <p:nvPicPr>
-          <p:cNvPr id="1115806877" name=""/>
+          <p:cNvPr id="1841887726" name=""/>
           <p:cNvPicPr>
             <a:picLocks noChangeAspect="1"/>
           </p:cNvPicPr>
@@ -15767,7 +15762,7 @@
       </p:pic>
       <p:pic>
         <p:nvPicPr>
-          <p:cNvPr id="972870380" name=""/>
+          <p:cNvPr id="774857575" name=""/>
           <p:cNvPicPr>
             <a:picLocks noChangeAspect="1"/>
           </p:cNvPicPr>
@@ -15789,7 +15784,7 @@
       </p:pic>
       <p:pic>
         <p:nvPicPr>
-          <p:cNvPr id="646001966" name=""/>
+          <p:cNvPr id="746160142" name=""/>
           <p:cNvPicPr>
             <a:picLocks noChangeAspect="1"/>
           </p:cNvPicPr>
@@ -15811,7 +15806,7 @@
       </p:pic>
       <p:pic>
         <p:nvPicPr>
-          <p:cNvPr id="2083602873" name=""/>
+          <p:cNvPr id="1878639132" name=""/>
           <p:cNvPicPr>
             <a:picLocks noChangeAspect="1"/>
           </p:cNvPicPr>
@@ -15833,7 +15828,7 @@
       </p:pic>
       <p:pic>
         <p:nvPicPr>
-          <p:cNvPr id="1550139727" name=""/>
+          <p:cNvPr id="497937609" name=""/>
           <p:cNvPicPr>
             <a:picLocks noChangeAspect="1"/>
           </p:cNvPicPr>
@@ -15855,7 +15850,7 @@
       </p:pic>
       <p:pic>
         <p:nvPicPr>
-          <p:cNvPr id="244823895" name=""/>
+          <p:cNvPr id="1899324431" name=""/>
           <p:cNvPicPr>
             <a:picLocks noChangeAspect="1"/>
           </p:cNvPicPr>
@@ -15877,7 +15872,7 @@
       </p:pic>
       <p:pic>
         <p:nvPicPr>
-          <p:cNvPr id="1792040464" name=""/>
+          <p:cNvPr id="539914526" name=""/>
           <p:cNvPicPr>
             <a:picLocks noChangeAspect="1"/>
           </p:cNvPicPr>
@@ -15899,7 +15894,7 @@
       </p:pic>
       <p:pic>
         <p:nvPicPr>
-          <p:cNvPr id="1411569304" name=""/>
+          <p:cNvPr id="1226146736" name=""/>
           <p:cNvPicPr>
             <a:picLocks noChangeAspect="1"/>
           </p:cNvPicPr>
@@ -15921,7 +15916,7 @@
       </p:pic>
       <p:pic>
         <p:nvPicPr>
-          <p:cNvPr id="1664158225" name=""/>
+          <p:cNvPr id="530742494" name=""/>
           <p:cNvPicPr>
             <a:picLocks noChangeAspect="1"/>
           </p:cNvPicPr>
@@ -15943,7 +15938,7 @@
       </p:pic>
       <p:pic>
         <p:nvPicPr>
-          <p:cNvPr id="750899281" name=""/>
+          <p:cNvPr id="1528316983" name=""/>
           <p:cNvPicPr>
             <a:picLocks noChangeAspect="1"/>
           </p:cNvPicPr>
@@ -15965,7 +15960,7 @@
       </p:pic>
       <p:sp>
         <p:nvSpPr>
-          <p:cNvPr id="2117192391" name="Text Placeholder 1"/>
+          <p:cNvPr id="22384798" name="Text Placeholder 1"/>
           <p:cNvSpPr>
             <a:spLocks noGrp="1"/>
           </p:cNvSpPr>
@@ -15996,7 +15991,7 @@
       </p:sp>
       <p:pic>
         <p:nvPicPr>
-          <p:cNvPr id="2021798374" name="Picture 679748627"/>
+          <p:cNvPr id="1083056438" name="Picture 679748627"/>
           <p:cNvPicPr>
             <a:picLocks noChangeAspect="1"/>
           </p:cNvPicPr>
@@ -16055,7 +16050,7 @@
       </p:grpSpPr>
       <p:sp>
         <p:nvSpPr>
-          <p:cNvPr id="479538372" name=""/>
+          <p:cNvPr id="373762085" name=""/>
           <p:cNvSpPr txBox="1"/>
           <p:nvPr/>
         </p:nvSpPr>
@@ -16083,7 +16078,7 @@
       </p:sp>
       <p:pic>
         <p:nvPicPr>
-          <p:cNvPr id="317816226" name=""/>
+          <p:cNvPr id="155249466" name=""/>
           <p:cNvPicPr>
             <a:picLocks noChangeAspect="1"/>
           </p:cNvPicPr>
@@ -16105,7 +16100,7 @@
       </p:pic>
       <p:sp>
         <p:nvSpPr>
-          <p:cNvPr id="1461307610" name="Text Placeholder 1"/>
+          <p:cNvPr id="407243974" name="Text Placeholder 1"/>
           <p:cNvSpPr>
             <a:spLocks noGrp="1"/>
           </p:cNvSpPr>
@@ -16149,7 +16144,7 @@
       </p:sp>
       <p:pic>
         <p:nvPicPr>
-          <p:cNvPr id="2110265592" name="Picture 679748627"/>
+          <p:cNvPr id="941995808" name="Picture 679748627"/>
           <p:cNvPicPr>
             <a:picLocks noChangeAspect="1"/>
           </p:cNvPicPr>
@@ -16171,7 +16166,7 @@
       </p:pic>
       <p:pic>
         <p:nvPicPr>
-          <p:cNvPr id="614225654" name=""/>
+          <p:cNvPr id="722480663" name=""/>
           <p:cNvPicPr>
             <a:picLocks noChangeAspect="1"/>
           </p:cNvPicPr>
@@ -16230,7 +16225,7 @@
       </p:grpSpPr>
       <p:sp>
         <p:nvSpPr>
-          <p:cNvPr id="1091600306" name=""/>
+          <p:cNvPr id="764486921" name=""/>
           <p:cNvSpPr txBox="1"/>
           <p:nvPr/>
         </p:nvSpPr>
@@ -16258,7 +16253,7 @@
       </p:sp>
       <p:pic>
         <p:nvPicPr>
-          <p:cNvPr id="460069962" name=""/>
+          <p:cNvPr id="1518142169" name=""/>
           <p:cNvPicPr>
             <a:picLocks noChangeAspect="1"/>
           </p:cNvPicPr>
@@ -16280,7 +16275,7 @@
       </p:pic>
       <p:pic>
         <p:nvPicPr>
-          <p:cNvPr id="1949337319" name="Picture 679748627"/>
+          <p:cNvPr id="918135180" name="Picture 679748627"/>
           <p:cNvPicPr>
             <a:picLocks noChangeAspect="1"/>
           </p:cNvPicPr>
@@ -16302,7 +16297,7 @@
       </p:pic>
       <p:pic>
         <p:nvPicPr>
-          <p:cNvPr id="1980876544" name=""/>
+          <p:cNvPr id="2092072393" name=""/>
           <p:cNvPicPr>
             <a:picLocks noChangeAspect="1"/>
           </p:cNvPicPr>
@@ -16324,7 +16319,7 @@
       </p:pic>
       <p:pic>
         <p:nvPicPr>
-          <p:cNvPr id="527898310" name=""/>
+          <p:cNvPr id="1910410690" name=""/>
           <p:cNvPicPr>
             <a:picLocks noChangeAspect="1"/>
           </p:cNvPicPr>
@@ -16346,7 +16341,7 @@
       </p:pic>
       <p:sp>
         <p:nvSpPr>
-          <p:cNvPr id="644711087" name="Text Placeholder 1"/>
+          <p:cNvPr id="1606260555" name="Text Placeholder 1"/>
           <p:cNvSpPr>
             <a:spLocks noGrp="1"/>
           </p:cNvSpPr>
@@ -16583,7 +16578,7 @@
       </p:grpSpPr>
       <p:sp>
         <p:nvSpPr>
-          <p:cNvPr id="1751407078" name=""/>
+          <p:cNvPr id="169226235" name=""/>
           <p:cNvSpPr txBox="1"/>
           <p:nvPr/>
         </p:nvSpPr>
@@ -16611,7 +16606,7 @@
       </p:sp>
       <p:pic>
         <p:nvPicPr>
-          <p:cNvPr id="669561028" name=""/>
+          <p:cNvPr id="82103918" name=""/>
           <p:cNvPicPr>
             <a:picLocks noChangeAspect="1"/>
           </p:cNvPicPr>
@@ -16633,7 +16628,7 @@
       </p:pic>
       <p:pic>
         <p:nvPicPr>
-          <p:cNvPr id="1752292334" name="Picture 679748627"/>
+          <p:cNvPr id="475629138" name="Picture 679748627"/>
           <p:cNvPicPr>
             <a:picLocks noChangeAspect="1"/>
           </p:cNvPicPr>
@@ -16655,7 +16650,7 @@
       </p:pic>
       <p:pic>
         <p:nvPicPr>
-          <p:cNvPr id="1845416470" name=""/>
+          <p:cNvPr id="411755842" name=""/>
           <p:cNvPicPr>
             <a:picLocks noChangeAspect="1"/>
           </p:cNvPicPr>
@@ -16677,7 +16672,7 @@
       </p:pic>
       <p:pic>
         <p:nvPicPr>
-          <p:cNvPr id="1061685138" name=""/>
+          <p:cNvPr id="550022406" name=""/>
           <p:cNvPicPr>
             <a:picLocks noChangeAspect="1"/>
           </p:cNvPicPr>
@@ -16699,7 +16694,7 @@
       </p:pic>
       <p:pic>
         <p:nvPicPr>
-          <p:cNvPr id="1446532141" name=""/>
+          <p:cNvPr id="1849119898" name=""/>
           <p:cNvPicPr>
             <a:picLocks noChangeAspect="1"/>
           </p:cNvPicPr>
@@ -16722,7 +16717,7 @@
       </p:pic>
       <p:sp>
         <p:nvSpPr>
-          <p:cNvPr id="1769854557" name="Text Placeholder 1"/>
+          <p:cNvPr id="1868557648" name="Text Placeholder 1"/>
           <p:cNvSpPr>
             <a:spLocks noGrp="1"/>
           </p:cNvSpPr>
@@ -16803,7 +16798,7 @@
       </p:grpSpPr>
       <p:sp>
         <p:nvSpPr>
-          <p:cNvPr id="1856137004" name=""/>
+          <p:cNvPr id="973765807" name=""/>
           <p:cNvSpPr txBox="1"/>
           <p:nvPr/>
         </p:nvSpPr>
@@ -16831,7 +16826,7 @@
       </p:sp>
       <p:pic>
         <p:nvPicPr>
-          <p:cNvPr id="10549086" name=""/>
+          <p:cNvPr id="214615689" name=""/>
           <p:cNvPicPr>
             <a:picLocks noChangeAspect="1"/>
           </p:cNvPicPr>
@@ -16853,7 +16848,7 @@
       </p:pic>
       <p:pic>
         <p:nvPicPr>
-          <p:cNvPr id="2056421501" name="Picture 679748627"/>
+          <p:cNvPr id="1631848319" name="Picture 679748627"/>
           <p:cNvPicPr>
             <a:picLocks noChangeAspect="1"/>
           </p:cNvPicPr>
@@ -16875,7 +16870,7 @@
       </p:pic>
       <p:pic>
         <p:nvPicPr>
-          <p:cNvPr id="832419704" name=""/>
+          <p:cNvPr id="134605704" name=""/>
           <p:cNvPicPr>
             <a:picLocks noChangeAspect="1"/>
           </p:cNvPicPr>
@@ -16897,7 +16892,7 @@
       </p:pic>
       <p:pic>
         <p:nvPicPr>
-          <p:cNvPr id="2107565215" name=""/>
+          <p:cNvPr id="648817321" name=""/>
           <p:cNvPicPr>
             <a:picLocks noChangeAspect="1"/>
           </p:cNvPicPr>
@@ -16919,7 +16914,7 @@
       </p:pic>
       <p:pic>
         <p:nvPicPr>
-          <p:cNvPr id="1065798896" name=""/>
+          <p:cNvPr id="1454119225" name=""/>
           <p:cNvPicPr>
             <a:picLocks noChangeAspect="1"/>
           </p:cNvPicPr>
@@ -16942,7 +16937,7 @@
       </p:pic>
       <p:pic>
         <p:nvPicPr>
-          <p:cNvPr id="1650119475" name=""/>
+          <p:cNvPr id="2012375189" name=""/>
           <p:cNvPicPr>
             <a:picLocks noChangeAspect="1"/>
           </p:cNvPicPr>
@@ -16965,7 +16960,7 @@
       </p:pic>
       <p:sp>
         <p:nvSpPr>
-          <p:cNvPr id="1629361778" name="Text Placeholder 1"/>
+          <p:cNvPr id="1648618205" name="Text Placeholder 1"/>
           <p:cNvSpPr>
             <a:spLocks noGrp="1"/>
           </p:cNvSpPr>
@@ -17046,7 +17041,7 @@
       </p:grpSpPr>
       <p:sp>
         <p:nvSpPr>
-          <p:cNvPr id="1897880119" name=""/>
+          <p:cNvPr id="1972979305" name=""/>
           <p:cNvSpPr txBox="1"/>
           <p:nvPr/>
         </p:nvSpPr>
@@ -17074,7 +17069,7 @@
       </p:sp>
       <p:pic>
         <p:nvPicPr>
-          <p:cNvPr id="2070077186" name=""/>
+          <p:cNvPr id="491933087" name=""/>
           <p:cNvPicPr>
             <a:picLocks noChangeAspect="1"/>
           </p:cNvPicPr>
@@ -17096,7 +17091,7 @@
       </p:pic>
       <p:sp>
         <p:nvSpPr>
-          <p:cNvPr id="1041113111" name="Text Placeholder 1"/>
+          <p:cNvPr id="2128269704" name="Text Placeholder 1"/>
           <p:cNvSpPr>
             <a:spLocks noGrp="1"/>
           </p:cNvSpPr>
@@ -17127,7 +17122,7 @@
       </p:sp>
       <p:pic>
         <p:nvPicPr>
-          <p:cNvPr id="533692871" name="Picture 679748627"/>
+          <p:cNvPr id="156673337" name="Picture 679748627"/>
           <p:cNvPicPr>
             <a:picLocks noChangeAspect="1"/>
           </p:cNvPicPr>
@@ -17149,7 +17144,7 @@
       </p:pic>
       <p:pic>
         <p:nvPicPr>
-          <p:cNvPr id="1724031087" name=""/>
+          <p:cNvPr id="1783839384" name=""/>
           <p:cNvPicPr>
             <a:picLocks noChangeAspect="1"/>
           </p:cNvPicPr>
@@ -17171,7 +17166,7 @@
       </p:pic>
       <p:pic>
         <p:nvPicPr>
-          <p:cNvPr id="1689213762" name=""/>
+          <p:cNvPr id="841051597" name=""/>
           <p:cNvPicPr>
             <a:picLocks noChangeAspect="1"/>
           </p:cNvPicPr>
@@ -17193,7 +17188,7 @@
       </p:pic>
       <p:pic>
         <p:nvPicPr>
-          <p:cNvPr id="1165156690" name=""/>
+          <p:cNvPr id="1103790577" name=""/>
           <p:cNvPicPr>
             <a:picLocks noChangeAspect="1"/>
           </p:cNvPicPr>
@@ -17216,7 +17211,7 @@
       </p:pic>
       <p:pic>
         <p:nvPicPr>
-          <p:cNvPr id="1635364610" name=""/>
+          <p:cNvPr id="283787706" name=""/>
           <p:cNvPicPr>
             <a:picLocks noChangeAspect="1"/>
           </p:cNvPicPr>

--- a/docs/tesi/MSE_Master Thesis_Presentation_AlessioTommasi PostIncontro.pptx
+++ b/docs/tesi/MSE_Master Thesis_Presentation_AlessioTommasi PostIncontro.pptx
@@ -5,7 +5,7 @@
     <p:sldMasterId id="2147483648" r:id="rId1"/>
   </p:sldMasterIdLst>
   <p:notesMasterIdLst>
-    <p:notesMasterId r:id="rId32"/>
+    <p:notesMasterId r:id="rId34"/>
   </p:notesMasterIdLst>
   <p:sldIdLst>
     <p:sldId id="256" r:id="rId4"/>
@@ -36,6 +36,8 @@
     <p:sldId id="281" r:id="rId29"/>
     <p:sldId id="282" r:id="rId30"/>
     <p:sldId id="283" r:id="rId31"/>
+    <p:sldId id="284" r:id="rId32"/>
+    <p:sldId id="285" r:id="rId33"/>
   </p:sldIdLst>
   <p:sldSz cx="9144000" cy="6858000" type="screen4x3"/>
   <p:notesSz cx="6797675" cy="9926638"/>
@@ -193,7 +195,7 @@
       </p:grpSpPr>
       <p:sp>
         <p:nvSpPr>
-          <p:cNvPr id="1286217665" name="Rectangle 2"/>
+          <p:cNvPr id="1306301293" name="Rectangle 2"/>
           <p:cNvSpPr>
             <a:spLocks noChangeArrowheads="1" noGrp="1"/>
           </p:cNvSpPr>
@@ -240,7 +242,7 @@
       </p:sp>
       <p:sp>
         <p:nvSpPr>
-          <p:cNvPr id="1193655344" name="Rectangle 3"/>
+          <p:cNvPr id="868943922" name="Rectangle 3"/>
           <p:cNvSpPr>
             <a:spLocks noChangeArrowheads="1" noGrp="1"/>
           </p:cNvSpPr>
@@ -287,7 +289,7 @@
       </p:sp>
       <p:sp>
         <p:nvSpPr>
-          <p:cNvPr id="1756785613" name="Rectangle 4"/>
+          <p:cNvPr id="2086122016" name="Rectangle 4"/>
           <p:cNvSpPr>
             <a:spLocks noChangeArrowheads="1" noChangeAspect="1" noGrp="1" noRot="1" noTextEdit="1"/>
           </p:cNvSpPr>
@@ -316,7 +318,7 @@
       </p:sp>
       <p:sp>
         <p:nvSpPr>
-          <p:cNvPr id="748023442" name="Rectangle 5"/>
+          <p:cNvPr id="187701264" name="Rectangle 5"/>
           <p:cNvSpPr>
             <a:spLocks noChangeArrowheads="1" noGrp="1"/>
           </p:cNvSpPr>
@@ -400,7 +402,7 @@
       </p:sp>
       <p:sp>
         <p:nvSpPr>
-          <p:cNvPr id="1161616757" name="Rectangle 6"/>
+          <p:cNvPr id="1327847186" name="Rectangle 6"/>
           <p:cNvSpPr>
             <a:spLocks noChangeArrowheads="1" noGrp="1"/>
           </p:cNvSpPr>
@@ -447,7 +449,7 @@
       </p:sp>
       <p:sp>
         <p:nvSpPr>
-          <p:cNvPr id="734926763" name="Rectangle 7"/>
+          <p:cNvPr id="756829105" name="Rectangle 7"/>
           <p:cNvSpPr>
             <a:spLocks noChangeArrowheads="1" noGrp="1"/>
           </p:cNvSpPr>
@@ -641,7 +643,7 @@
       </p:grpSpPr>
       <p:sp>
         <p:nvSpPr>
-          <p:cNvPr id="1147185630" name="Slide Image Placeholder 1"/>
+          <p:cNvPr id="979219438" name="Slide Image Placeholder 1"/>
           <p:cNvSpPr>
             <a:spLocks noChangeAspect="1" noGrp="1" noRot="1"/>
           </p:cNvSpPr>
@@ -653,7 +655,7 @@
       </p:sp>
       <p:sp>
         <p:nvSpPr>
-          <p:cNvPr id="765350326" name="Notes Placeholder 2"/>
+          <p:cNvPr id="292652076" name="Notes Placeholder 2"/>
           <p:cNvSpPr>
             <a:spLocks noGrp="1"/>
           </p:cNvSpPr>
@@ -756,7 +758,7 @@
       </p:sp>
       <p:sp>
         <p:nvSpPr>
-          <p:cNvPr id="1110079046" name="Slide Number Placeholder 3"/>
+          <p:cNvPr id="347504386" name="Slide Number Placeholder 3"/>
           <p:cNvSpPr>
             <a:spLocks noGrp="1"/>
           </p:cNvSpPr>
@@ -807,7 +809,7 @@
       </p:grpSpPr>
       <p:sp>
         <p:nvSpPr>
-          <p:cNvPr id="1032216205" name="Segnaposto immagine diapositiva 1"/>
+          <p:cNvPr id="210042065" name="Segnaposto immagine diapositiva 1"/>
           <p:cNvSpPr>
             <a:spLocks noChangeAspect="1" noGrp="1" noRot="1"/>
           </p:cNvSpPr>
@@ -819,7 +821,7 @@
       </p:sp>
       <p:sp>
         <p:nvSpPr>
-          <p:cNvPr id="1051197565" name="Segnaposto note 2"/>
+          <p:cNvPr id="324054231" name="Segnaposto note 2"/>
           <p:cNvSpPr>
             <a:spLocks noGrp="1"/>
           </p:cNvSpPr>
@@ -959,7 +961,7 @@
       </p:sp>
       <p:sp>
         <p:nvSpPr>
-          <p:cNvPr id="1029411421" name="Segnaposto numero diapositiva 3"/>
+          <p:cNvPr id="1128241109" name="Segnaposto numero diapositiva 3"/>
           <p:cNvSpPr>
             <a:spLocks noGrp="1"/>
           </p:cNvSpPr>
@@ -1010,7 +1012,7 @@
       </p:grpSpPr>
       <p:sp>
         <p:nvSpPr>
-          <p:cNvPr id="721786299" name="Segnaposto immagine diapositiva 1"/>
+          <p:cNvPr id="1445599276" name="Segnaposto immagine diapositiva 1"/>
           <p:cNvSpPr>
             <a:spLocks noChangeAspect="1" noGrp="1" noRot="1"/>
           </p:cNvSpPr>
@@ -1022,7 +1024,7 @@
       </p:sp>
       <p:sp>
         <p:nvSpPr>
-          <p:cNvPr id="354200325" name="Segnaposto note 2"/>
+          <p:cNvPr id="377666931" name="Segnaposto note 2"/>
           <p:cNvSpPr>
             <a:spLocks noGrp="1"/>
           </p:cNvSpPr>
@@ -1170,7 +1172,7 @@
       </p:sp>
       <p:sp>
         <p:nvSpPr>
-          <p:cNvPr id="502278545" name="Segnaposto numero diapositiva 3"/>
+          <p:cNvPr id="1459597401" name="Segnaposto numero diapositiva 3"/>
           <p:cNvSpPr>
             <a:spLocks noGrp="1"/>
           </p:cNvSpPr>
@@ -1221,7 +1223,7 @@
       </p:grpSpPr>
       <p:sp>
         <p:nvSpPr>
-          <p:cNvPr id="534603889" name="Segnaposto immagine diapositiva 1"/>
+          <p:cNvPr id="1566950525" name="Segnaposto immagine diapositiva 1"/>
           <p:cNvSpPr>
             <a:spLocks noChangeAspect="1" noGrp="1" noRot="1"/>
           </p:cNvSpPr>
@@ -1233,7 +1235,7 @@
       </p:sp>
       <p:sp>
         <p:nvSpPr>
-          <p:cNvPr id="1303231983" name="Segnaposto note 2"/>
+          <p:cNvPr id="1506264663" name="Segnaposto note 2"/>
           <p:cNvSpPr>
             <a:spLocks noGrp="1"/>
           </p:cNvSpPr>
@@ -1350,7 +1352,7 @@
       </p:sp>
       <p:sp>
         <p:nvSpPr>
-          <p:cNvPr id="1825282379" name="Segnaposto numero diapositiva 3"/>
+          <p:cNvPr id="954007215" name="Segnaposto numero diapositiva 3"/>
           <p:cNvSpPr>
             <a:spLocks noGrp="1"/>
           </p:cNvSpPr>
@@ -1401,7 +1403,7 @@
       </p:grpSpPr>
       <p:sp>
         <p:nvSpPr>
-          <p:cNvPr id="210880669" name="Segnaposto immagine diapositiva 1"/>
+          <p:cNvPr id="1093181803" name="Segnaposto immagine diapositiva 1"/>
           <p:cNvSpPr>
             <a:spLocks noChangeAspect="1" noGrp="1" noRot="1"/>
           </p:cNvSpPr>
@@ -1413,7 +1415,7 @@
       </p:sp>
       <p:sp>
         <p:nvSpPr>
-          <p:cNvPr id="862386931" name="Segnaposto note 2"/>
+          <p:cNvPr id="2090404971" name="Segnaposto note 2"/>
           <p:cNvSpPr>
             <a:spLocks noGrp="1"/>
           </p:cNvSpPr>
@@ -1834,7 +1836,7 @@
       </p:sp>
       <p:sp>
         <p:nvSpPr>
-          <p:cNvPr id="1787089294" name="Segnaposto numero diapositiva 3"/>
+          <p:cNvPr id="199213337" name="Segnaposto numero diapositiva 3"/>
           <p:cNvSpPr>
             <a:spLocks noGrp="1"/>
           </p:cNvSpPr>
@@ -1885,7 +1887,7 @@
       </p:grpSpPr>
       <p:sp>
         <p:nvSpPr>
-          <p:cNvPr id="1869208213" name="Segnaposto immagine diapositiva 1"/>
+          <p:cNvPr id="613926880" name="Segnaposto immagine diapositiva 1"/>
           <p:cNvSpPr>
             <a:spLocks noChangeAspect="1" noGrp="1" noRot="1"/>
           </p:cNvSpPr>
@@ -1897,7 +1899,7 @@
       </p:sp>
       <p:sp>
         <p:nvSpPr>
-          <p:cNvPr id="1152649138" name="Segnaposto note 2"/>
+          <p:cNvPr id="1526185388" name="Segnaposto note 2"/>
           <p:cNvSpPr>
             <a:spLocks noGrp="1"/>
           </p:cNvSpPr>
@@ -2490,7 +2492,7 @@
       </p:sp>
       <p:sp>
         <p:nvSpPr>
-          <p:cNvPr id="441375738" name="Segnaposto numero diapositiva 3"/>
+          <p:cNvPr id="396363377" name="Segnaposto numero diapositiva 3"/>
           <p:cNvSpPr>
             <a:spLocks noGrp="1"/>
           </p:cNvSpPr>
@@ -2541,7 +2543,7 @@
       </p:grpSpPr>
       <p:sp>
         <p:nvSpPr>
-          <p:cNvPr id="1378355698" name="Segnaposto immagine diapositiva 1"/>
+          <p:cNvPr id="1782667382" name="Segnaposto immagine diapositiva 1"/>
           <p:cNvSpPr>
             <a:spLocks noChangeAspect="1" noGrp="1" noRot="1"/>
           </p:cNvSpPr>
@@ -2553,7 +2555,7 @@
       </p:sp>
       <p:sp>
         <p:nvSpPr>
-          <p:cNvPr id="215700955" name="Segnaposto note 2"/>
+          <p:cNvPr id="525390844" name="Segnaposto note 2"/>
           <p:cNvSpPr>
             <a:spLocks noGrp="1"/>
           </p:cNvSpPr>
@@ -2766,7 +2768,7 @@
       </p:sp>
       <p:sp>
         <p:nvSpPr>
-          <p:cNvPr id="753957186" name="Segnaposto numero diapositiva 3"/>
+          <p:cNvPr id="1553799328" name="Segnaposto numero diapositiva 3"/>
           <p:cNvSpPr>
             <a:spLocks noGrp="1"/>
           </p:cNvSpPr>
@@ -2817,7 +2819,7 @@
       </p:grpSpPr>
       <p:sp>
         <p:nvSpPr>
-          <p:cNvPr id="1676371206" name="Segnaposto immagine diapositiva 1"/>
+          <p:cNvPr id="286363619" name="Segnaposto immagine diapositiva 1"/>
           <p:cNvSpPr>
             <a:spLocks noChangeAspect="1" noGrp="1" noRot="1"/>
           </p:cNvSpPr>
@@ -2829,7 +2831,7 @@
       </p:sp>
       <p:sp>
         <p:nvSpPr>
-          <p:cNvPr id="2037529238" name="Segnaposto note 2"/>
+          <p:cNvPr id="490340886" name="Segnaposto note 2"/>
           <p:cNvSpPr>
             <a:spLocks noGrp="1"/>
           </p:cNvSpPr>
@@ -2971,7 +2973,7 @@
       </p:sp>
       <p:sp>
         <p:nvSpPr>
-          <p:cNvPr id="1821761203" name="Segnaposto numero diapositiva 3"/>
+          <p:cNvPr id="195310893" name="Segnaposto numero diapositiva 3"/>
           <p:cNvSpPr>
             <a:spLocks noGrp="1"/>
           </p:cNvSpPr>
@@ -3022,7 +3024,7 @@
       </p:grpSpPr>
       <p:sp>
         <p:nvSpPr>
-          <p:cNvPr id="1262667687" name="Segnaposto immagine diapositiva 1"/>
+          <p:cNvPr id="2131266041" name="Segnaposto immagine diapositiva 1"/>
           <p:cNvSpPr>
             <a:spLocks noChangeAspect="1" noGrp="1" noRot="1"/>
           </p:cNvSpPr>
@@ -3034,7 +3036,7 @@
       </p:sp>
       <p:sp>
         <p:nvSpPr>
-          <p:cNvPr id="922070263" name="Segnaposto note 2"/>
+          <p:cNvPr id="1239006039" name="Segnaposto note 2"/>
           <p:cNvSpPr>
             <a:spLocks noGrp="1"/>
           </p:cNvSpPr>
@@ -3217,7 +3219,7 @@
       </p:sp>
       <p:sp>
         <p:nvSpPr>
-          <p:cNvPr id="1607159791" name="Segnaposto numero diapositiva 3"/>
+          <p:cNvPr id="1349547755" name="Segnaposto numero diapositiva 3"/>
           <p:cNvSpPr>
             <a:spLocks noGrp="1"/>
           </p:cNvSpPr>
@@ -3268,7 +3270,7 @@
       </p:grpSpPr>
       <p:sp>
         <p:nvSpPr>
-          <p:cNvPr id="1289631797" name="Segnaposto immagine diapositiva 1"/>
+          <p:cNvPr id="1132146689" name="Segnaposto immagine diapositiva 1"/>
           <p:cNvSpPr>
             <a:spLocks noChangeAspect="1" noGrp="1" noRot="1"/>
           </p:cNvSpPr>
@@ -3280,7 +3282,7 @@
       </p:sp>
       <p:sp>
         <p:nvSpPr>
-          <p:cNvPr id="780826197" name="Segnaposto note 2"/>
+          <p:cNvPr id="679370889" name="Segnaposto note 2"/>
           <p:cNvSpPr>
             <a:spLocks noGrp="1"/>
           </p:cNvSpPr>
@@ -3410,7 +3412,7 @@
       </p:sp>
       <p:sp>
         <p:nvSpPr>
-          <p:cNvPr id="1607127878" name="Segnaposto numero diapositiva 3"/>
+          <p:cNvPr id="165632917" name="Segnaposto numero diapositiva 3"/>
           <p:cNvSpPr>
             <a:spLocks noGrp="1"/>
           </p:cNvSpPr>
@@ -3461,7 +3463,7 @@
       </p:grpSpPr>
       <p:sp>
         <p:nvSpPr>
-          <p:cNvPr id="1252103078" name="Segnaposto immagine diapositiva 1"/>
+          <p:cNvPr id="37152613" name="Segnaposto immagine diapositiva 1"/>
           <p:cNvSpPr>
             <a:spLocks noChangeAspect="1" noGrp="1" noRot="1"/>
           </p:cNvSpPr>
@@ -3473,7 +3475,7 @@
       </p:sp>
       <p:sp>
         <p:nvSpPr>
-          <p:cNvPr id="1070677465" name="Segnaposto note 2"/>
+          <p:cNvPr id="1842527678" name="Segnaposto note 2"/>
           <p:cNvSpPr>
             <a:spLocks noGrp="1"/>
           </p:cNvSpPr>
@@ -3764,7 +3766,7 @@
       </p:sp>
       <p:sp>
         <p:nvSpPr>
-          <p:cNvPr id="1852400601" name="Segnaposto numero diapositiva 3"/>
+          <p:cNvPr id="387700154" name="Segnaposto numero diapositiva 3"/>
           <p:cNvSpPr>
             <a:spLocks noGrp="1"/>
           </p:cNvSpPr>
@@ -3815,7 +3817,7 @@
       </p:grpSpPr>
       <p:sp>
         <p:nvSpPr>
-          <p:cNvPr id="1895823739" name="Segnaposto immagine diapositiva 1"/>
+          <p:cNvPr id="1137556264" name="Segnaposto immagine diapositiva 1"/>
           <p:cNvSpPr>
             <a:spLocks noChangeAspect="1" noGrp="1" noRot="1"/>
           </p:cNvSpPr>
@@ -3827,7 +3829,7 @@
       </p:sp>
       <p:sp>
         <p:nvSpPr>
-          <p:cNvPr id="1519582407" name="Segnaposto note 2"/>
+          <p:cNvPr id="1558017210" name="Segnaposto note 2"/>
           <p:cNvSpPr>
             <a:spLocks noGrp="1"/>
           </p:cNvSpPr>
@@ -4118,7 +4120,7 @@
       </p:sp>
       <p:sp>
         <p:nvSpPr>
-          <p:cNvPr id="791349454" name="Segnaposto numero diapositiva 3"/>
+          <p:cNvPr id="191155418" name="Segnaposto numero diapositiva 3"/>
           <p:cNvSpPr>
             <a:spLocks noGrp="1"/>
           </p:cNvSpPr>
@@ -4169,7 +4171,7 @@
       </p:grpSpPr>
       <p:sp>
         <p:nvSpPr>
-          <p:cNvPr id="589186237" name="Segnaposto immagine diapositiva 1"/>
+          <p:cNvPr id="1779528632" name="Segnaposto immagine diapositiva 1"/>
           <p:cNvSpPr>
             <a:spLocks noChangeAspect="1" noGrp="1" noRot="1"/>
           </p:cNvSpPr>
@@ -4181,7 +4183,7 @@
       </p:sp>
       <p:sp>
         <p:nvSpPr>
-          <p:cNvPr id="746964506" name="Segnaposto note 2"/>
+          <p:cNvPr id="2077726839" name="Segnaposto note 2"/>
           <p:cNvSpPr>
             <a:spLocks noGrp="1"/>
           </p:cNvSpPr>
@@ -4375,7 +4377,7 @@
       </p:sp>
       <p:sp>
         <p:nvSpPr>
-          <p:cNvPr id="1705883784" name="Segnaposto numero diapositiva 3"/>
+          <p:cNvPr id="2095597112" name="Segnaposto numero diapositiva 3"/>
           <p:cNvSpPr>
             <a:spLocks noGrp="1"/>
           </p:cNvSpPr>
@@ -4426,7 +4428,7 @@
       </p:grpSpPr>
       <p:sp>
         <p:nvSpPr>
-          <p:cNvPr id="1755398478" name="Segnaposto immagine diapositiva 1"/>
+          <p:cNvPr id="2097446547" name="Segnaposto immagine diapositiva 1"/>
           <p:cNvSpPr>
             <a:spLocks noChangeAspect="1" noGrp="1" noRot="1"/>
           </p:cNvSpPr>
@@ -4438,7 +4440,7 @@
       </p:sp>
       <p:sp>
         <p:nvSpPr>
-          <p:cNvPr id="742962380" name="Segnaposto note 2"/>
+          <p:cNvPr id="1511611657" name="Segnaposto note 2"/>
           <p:cNvSpPr>
             <a:spLocks noGrp="1"/>
           </p:cNvSpPr>
@@ -4584,7 +4586,7 @@
       </p:sp>
       <p:sp>
         <p:nvSpPr>
-          <p:cNvPr id="803281656" name="Segnaposto numero diapositiva 3"/>
+          <p:cNvPr id="523785062" name="Segnaposto numero diapositiva 3"/>
           <p:cNvSpPr>
             <a:spLocks noGrp="1"/>
           </p:cNvSpPr>
@@ -4635,7 +4637,7 @@
       </p:grpSpPr>
       <p:sp>
         <p:nvSpPr>
-          <p:cNvPr id="202160653" name="Segnaposto immagine diapositiva 1"/>
+          <p:cNvPr id="527810624" name="Segnaposto immagine diapositiva 1"/>
           <p:cNvSpPr>
             <a:spLocks noChangeAspect="1" noGrp="1" noRot="1"/>
           </p:cNvSpPr>
@@ -4647,7 +4649,7 @@
       </p:sp>
       <p:sp>
         <p:nvSpPr>
-          <p:cNvPr id="292457200" name="Segnaposto note 2"/>
+          <p:cNvPr id="1434049422" name="Segnaposto note 2"/>
           <p:cNvSpPr>
             <a:spLocks noGrp="1"/>
           </p:cNvSpPr>
@@ -4800,7 +4802,7 @@
       </p:sp>
       <p:sp>
         <p:nvSpPr>
-          <p:cNvPr id="1564634817" name="Segnaposto numero diapositiva 3"/>
+          <p:cNvPr id="440194037" name="Segnaposto numero diapositiva 3"/>
           <p:cNvSpPr>
             <a:spLocks noGrp="1"/>
           </p:cNvSpPr>
@@ -6124,7 +6126,7 @@
       </p:grpSpPr>
       <p:sp>
         <p:nvSpPr>
-          <p:cNvPr id="1745122634" name="Slide Image Placeholder 1"/>
+          <p:cNvPr id="1807513801" name="Segnaposto immagine diapositiva 1"/>
           <p:cNvSpPr>
             <a:spLocks noChangeAspect="1" noGrp="1" noRot="1"/>
           </p:cNvSpPr>
@@ -6136,7 +6138,7 @@
       </p:sp>
       <p:sp>
         <p:nvSpPr>
-          <p:cNvPr id="291134254" name="Notes Placeholder 2"/>
+          <p:cNvPr id="2124120178" name="Segnaposto note 2"/>
           <p:cNvSpPr>
             <a:spLocks noGrp="1"/>
           </p:cNvSpPr>
@@ -6153,6 +6155,65 @@
               <a:defRPr/>
             </a:pPr>
             <a:r>
+              <a:rPr lang="it-IT" sz="1000" b="0" i="0" u="none" strike="noStrike" cap="none" spc="0">
+                <a:solidFill>
+                  <a:srgbClr val="000000"/>
+                </a:solidFill>
+                <a:latin typeface="Times New Roman"/>
+                <a:ea typeface="Times New Roman"/>
+                <a:cs typeface="Times New Roman"/>
+              </a:rPr>
+              <a:t>Inoltre, alcune funzionalità avanzate di debug, come la pagina del pinout che mostreremo nella demo, non saranno visibili all'utente finale, ma solo a un tecnico specializzato, nel caso in cui fosse necessario eseguire un'analisi sulla board.</a:t>
+            </a:r>
+            <a:endParaRPr lang="it-IT" sz="1000" b="0" i="0" u="none" strike="noStrike" cap="none" spc="0">
+              <a:solidFill>
+                <a:srgbClr val="000000"/>
+              </a:solidFill>
+              <a:latin typeface="Times New Roman"/>
+              <a:ea typeface="Times New Roman"/>
+              <a:cs typeface="Times New Roman"/>
+            </a:endParaRPr>
+          </a:p>
+          <a:p>
+            <a:pPr>
+              <a:defRPr/>
+            </a:pPr>
+            <a:r>
+              <a:rPr lang="it-IT" sz="1000" b="0" i="0" u="none" strike="noStrike" cap="none" spc="0">
+                <a:solidFill>
+                  <a:srgbClr val="000000"/>
+                </a:solidFill>
+                <a:latin typeface="Times New Roman"/>
+                <a:ea typeface="Times New Roman"/>
+                <a:cs typeface="Times New Roman"/>
+              </a:rPr>
+              <a:t>.</a:t>
+            </a:r>
+            <a:r>
+              <a:rPr lang="it-IT" sz="1200" b="0" i="0" u="none" strike="noStrike" cap="none" spc="0">
+                <a:solidFill>
+                  <a:schemeClr val="tx1"/>
+                </a:solidFill>
+                <a:latin typeface="Arial"/>
+                <a:ea typeface="ＭＳ Ｐゴシック"/>
+                <a:cs typeface="ＭＳ Ｐゴシック"/>
+              </a:rPr>
+              <a:t>...</a:t>
+            </a:r>
+            <a:endParaRPr lang="it-IT" sz="1200" b="0" i="0" u="none" strike="noStrike" cap="none" spc="0">
+              <a:solidFill>
+                <a:schemeClr val="tx1"/>
+              </a:solidFill>
+              <a:latin typeface="Arial"/>
+              <a:ea typeface="ＭＳ Ｐゴシック"/>
+              <a:cs typeface="ＭＳ Ｐゴシック"/>
+            </a:endParaRPr>
+          </a:p>
+          <a:p>
+            <a:pPr>
+              <a:defRPr/>
+            </a:pPr>
+            <a:r>
               <a:rPr sz="1200" b="0" i="0" u="none">
                 <a:solidFill>
                   <a:srgbClr val="000000"/>
@@ -6161,7 +6222,7 @@
                 <a:ea typeface="Times New Roman"/>
                 <a:cs typeface="Times New Roman"/>
               </a:rPr>
-              <a:t>Siamo </a:t>
+              <a:t>Per migliorare ulteriormente la </a:t>
             </a:r>
             <a:r>
               <a:rPr sz="1200" b="1" i="0" u="none">
@@ -6172,14 +6233,8 @@
                 <a:ea typeface="Times New Roman"/>
                 <a:cs typeface="Times New Roman"/>
               </a:rPr>
-              <a:t>dunque giunti al termine di questa presentazione.</a:t>
-            </a:r>
-            <a:endParaRPr/>
-          </a:p>
-          <a:p>
-            <a:pPr>
-              <a:defRPr/>
-            </a:pPr>
+              <a:t>stabilità</a:t>
+            </a:r>
             <a:r>
               <a:rPr sz="1200" b="0" i="0" u="none">
                 <a:solidFill>
@@ -6189,7 +6244,7 @@
                 <a:ea typeface="Times New Roman"/>
                 <a:cs typeface="Times New Roman"/>
               </a:rPr>
-              <a:t>Desidero ringraziare </a:t>
+              <a:t> e facilitare il </a:t>
             </a:r>
             <a:r>
               <a:rPr sz="1200" b="1" i="0" u="none">
@@ -6200,7 +6255,7 @@
                 <a:ea typeface="Times New Roman"/>
                 <a:cs typeface="Times New Roman"/>
               </a:rPr>
-              <a:t>tutti i presenti per la cortese attenzione</a:t>
+              <a:t>debug</a:t>
             </a:r>
             <a:r>
               <a:rPr sz="1200" b="0" i="0" u="none">
@@ -6211,7 +6266,29 @@
                 <a:ea typeface="Times New Roman"/>
                 <a:cs typeface="Times New Roman"/>
               </a:rPr>
-              <a:t>.</a:t>
+              <a:t>, e’ stato implementato una sezione dedicata al </a:t>
+            </a:r>
+            <a:r>
+              <a:rPr sz="1200" b="1" i="0" u="none">
+                <a:solidFill>
+                  <a:srgbClr val="000000"/>
+                </a:solidFill>
+                <a:latin typeface="Times New Roman"/>
+                <a:ea typeface="Times New Roman"/>
+                <a:cs typeface="Times New Roman"/>
+              </a:rPr>
+              <a:t>monitoraggio delle risorse</a:t>
+            </a:r>
+            <a:r>
+              <a:rPr sz="1200" b="0" i="0" u="none">
+                <a:solidFill>
+                  <a:srgbClr val="000000"/>
+                </a:solidFill>
+                <a:latin typeface="Times New Roman"/>
+                <a:ea typeface="Times New Roman"/>
+                <a:cs typeface="Times New Roman"/>
+              </a:rPr>
+              <a:t>. </a:t>
             </a:r>
             <a:endParaRPr sz="1200" b="0" i="0" u="none">
               <a:solidFill>
@@ -6226,6 +6303,45 @@
             <a:pPr>
               <a:defRPr/>
             </a:pPr>
+            <a:endParaRPr/>
+          </a:p>
+          <a:p>
+            <a:pPr>
+              <a:defRPr/>
+            </a:pPr>
+            <a:r>
+              <a:rPr sz="1200" b="0" i="0" u="none">
+                <a:solidFill>
+                  <a:srgbClr val="000000"/>
+                </a:solidFill>
+                <a:latin typeface="Times New Roman"/>
+                <a:ea typeface="Times New Roman"/>
+                <a:cs typeface="Times New Roman"/>
+              </a:rPr>
+              <a:t>che ci permette di avere una </a:t>
+            </a:r>
+            <a:r>
+              <a:rPr sz="1200" b="1" i="0" u="none">
+                <a:solidFill>
+                  <a:srgbClr val="000000"/>
+                </a:solidFill>
+                <a:latin typeface="Times New Roman"/>
+                <a:ea typeface="Times New Roman"/>
+                <a:cs typeface="Times New Roman"/>
+              </a:rPr>
+              <a:t>diagnostica in tempo reale delle prestazioni del dispositivo</a:t>
+            </a:r>
+            <a:r>
+              <a:rPr sz="1200" b="0" i="0" u="none">
+                <a:solidFill>
+                  <a:srgbClr val="000000"/>
+                </a:solidFill>
+                <a:latin typeface="Times New Roman"/>
+                <a:ea typeface="Times New Roman"/>
+                <a:cs typeface="Times New Roman"/>
+              </a:rPr>
+              <a:t>.</a:t>
+            </a:r>
             <a:endParaRPr sz="1200" b="0" i="0" u="none">
               <a:solidFill>
                 <a:srgbClr val="000000"/>
@@ -6239,17 +6355,6 @@
             <a:pPr>
               <a:defRPr/>
             </a:pPr>
-            <a:r>
-              <a:rPr sz="1200" b="0" i="0" u="none">
-                <a:solidFill>
-                  <a:srgbClr val="000000"/>
-                </a:solidFill>
-                <a:latin typeface="Times New Roman"/>
-                <a:ea typeface="Times New Roman"/>
-                <a:cs typeface="Times New Roman"/>
-              </a:rPr>
-              <a:t>E Per qualsiasi domanda o chiarimento, sono a vostra completa disposizione.</a:t>
-            </a:r>
             <a:endParaRPr sz="1200" b="0" i="0" u="none">
               <a:solidFill>
                 <a:srgbClr val="000000"/>
@@ -6259,11 +6364,213 @@
               <a:cs typeface="Times New Roman"/>
             </a:endParaRPr>
           </a:p>
+          <a:p>
+            <a:pPr>
+              <a:defRPr/>
+            </a:pPr>
+            <a:endParaRPr/>
+          </a:p>
+          <a:p>
+            <a:pPr>
+              <a:defRPr/>
+            </a:pPr>
+            <a:endParaRPr/>
+          </a:p>
         </p:txBody>
       </p:sp>
       <p:sp>
         <p:nvSpPr>
-          <p:cNvPr id="775064105" name="Slide Number Placeholder 3"/>
+          <p:cNvPr id="356150607" name="Segnaposto numero diapositiva 3"/>
+          <p:cNvSpPr>
+            <a:spLocks noGrp="1"/>
+          </p:cNvSpPr>
+          <p:nvPr>
+            <p:ph type="sldNum" sz="quarter" idx="5"/>
+          </p:nvPr>
+        </p:nvSpPr>
+        <p:spPr bwMode="auto"/>
+        <p:txBody>
+          <a:bodyPr/>
+          <a:lstStyle/>
+          <a:p>
+            <a:pPr>
+              <a:defRPr/>
+            </a:pPr>
+            <a:fld id="{BD7453C4-D959-C271-9104-397A51460DD0}" type="slidenum">
+              <a:rPr lang="it-IT"/>
+              <a:t/>
+            </a:fld>
+            <a:endParaRPr lang="it-IT"/>
+          </a:p>
+        </p:txBody>
+      </p:sp>
+    </p:spTree>
+  </p:cSld>
+  <p:clrMapOvr>
+    <a:masterClrMapping/>
+  </p:clrMapOvr>
+</p:notes>
+</file>
+
+<file path=ppt/notesSlides/notesSlide29.xml><?xml version="1.0" encoding="utf-8"?>
+<p:notes xmlns:a="http://schemas.openxmlformats.org/drawingml/2006/main" xmlns:r="http://schemas.openxmlformats.org/officeDocument/2006/relationships" xmlns:p="http://schemas.openxmlformats.org/presentationml/2006/main" xmlns:m="http://schemas.openxmlformats.org/officeDocument/2006/math" xmlns:w="http://schemas.openxmlformats.org/wordprocessingml/2006/main">
+  <p:cSld name="">
+    <p:spTree>
+      <p:nvGrpSpPr>
+        <p:cNvPr id="1" name=""/>
+        <p:cNvGrpSpPr/>
+        <p:nvPr/>
+      </p:nvGrpSpPr>
+      <p:grpSpPr bwMode="auto">
+        <a:xfrm>
+          <a:off x="0" y="0"/>
+          <a:ext cx="0" cy="0"/>
+          <a:chOff x="0" y="0"/>
+          <a:chExt cx="0" cy="0"/>
+        </a:xfrm>
+      </p:grpSpPr>
+      <p:sp>
+        <p:nvSpPr>
+          <p:cNvPr id="1294100139" name="Slide Image Placeholder 1"/>
+          <p:cNvSpPr>
+            <a:spLocks noChangeAspect="1" noGrp="1" noRot="1"/>
+          </p:cNvSpPr>
+          <p:nvPr>
+            <p:ph type="sldImg"/>
+          </p:nvPr>
+        </p:nvSpPr>
+        <p:spPr bwMode="auto"/>
+      </p:sp>
+      <p:sp>
+        <p:nvSpPr>
+          <p:cNvPr id="1460964115" name="Notes Placeholder 2"/>
+          <p:cNvSpPr>
+            <a:spLocks noGrp="1"/>
+          </p:cNvSpPr>
+          <p:nvPr>
+            <p:ph type="body" idx="1"/>
+          </p:nvPr>
+        </p:nvSpPr>
+        <p:spPr bwMode="auto"/>
+        <p:txBody>
+          <a:bodyPr/>
+          <a:lstStyle/>
+          <a:p>
+            <a:pPr>
+              <a:defRPr/>
+            </a:pPr>
+            <a:r>
+              <a:rPr sz="1200" b="0" i="0" u="none">
+                <a:solidFill>
+                  <a:srgbClr val="000000"/>
+                </a:solidFill>
+                <a:latin typeface="Times New Roman"/>
+                <a:ea typeface="Times New Roman"/>
+                <a:cs typeface="Times New Roman"/>
+              </a:rPr>
+              <a:t>Siamo </a:t>
+            </a:r>
+            <a:r>
+              <a:rPr sz="1200" b="1" i="0" u="none">
+                <a:solidFill>
+                  <a:srgbClr val="000000"/>
+                </a:solidFill>
+                <a:latin typeface="Times New Roman"/>
+                <a:ea typeface="Times New Roman"/>
+                <a:cs typeface="Times New Roman"/>
+              </a:rPr>
+              <a:t>dunque giunti al termine di questa presentazione.</a:t>
+            </a:r>
+            <a:endParaRPr/>
+          </a:p>
+          <a:p>
+            <a:pPr>
+              <a:defRPr/>
+            </a:pPr>
+            <a:r>
+              <a:rPr sz="1200" b="0" i="0" u="none">
+                <a:solidFill>
+                  <a:srgbClr val="000000"/>
+                </a:solidFill>
+                <a:latin typeface="Times New Roman"/>
+                <a:ea typeface="Times New Roman"/>
+                <a:cs typeface="Times New Roman"/>
+              </a:rPr>
+              <a:t>Desidero ringraziare </a:t>
+            </a:r>
+            <a:r>
+              <a:rPr sz="1200" b="1" i="0" u="none">
+                <a:solidFill>
+                  <a:srgbClr val="000000"/>
+                </a:solidFill>
+                <a:latin typeface="Times New Roman"/>
+                <a:ea typeface="Times New Roman"/>
+                <a:cs typeface="Times New Roman"/>
+              </a:rPr>
+              <a:t>tutti i presenti per la cortese attenzione</a:t>
+            </a:r>
+            <a:r>
+              <a:rPr sz="1200" b="0" i="0" u="none">
+                <a:solidFill>
+                  <a:srgbClr val="000000"/>
+                </a:solidFill>
+                <a:latin typeface="Times New Roman"/>
+                <a:ea typeface="Times New Roman"/>
+                <a:cs typeface="Times New Roman"/>
+              </a:rPr>
+              <a:t>.</a:t>
+            </a:r>
+            <a:endParaRPr sz="1200" b="0" i="0" u="none">
+              <a:solidFill>
+                <a:srgbClr val="000000"/>
+              </a:solidFill>
+              <a:latin typeface="Times New Roman"/>
+              <a:ea typeface="Times New Roman"/>
+              <a:cs typeface="Times New Roman"/>
+            </a:endParaRPr>
+          </a:p>
+          <a:p>
+            <a:pPr>
+              <a:defRPr/>
+            </a:pPr>
+            <a:endParaRPr sz="1200" b="0" i="0" u="none">
+              <a:solidFill>
+                <a:srgbClr val="000000"/>
+              </a:solidFill>
+              <a:latin typeface="Times New Roman"/>
+              <a:ea typeface="Times New Roman"/>
+              <a:cs typeface="Times New Roman"/>
+            </a:endParaRPr>
+          </a:p>
+          <a:p>
+            <a:pPr>
+              <a:defRPr/>
+            </a:pPr>
+            <a:r>
+              <a:rPr sz="1200" b="0" i="0" u="none">
+                <a:solidFill>
+                  <a:srgbClr val="000000"/>
+                </a:solidFill>
+                <a:latin typeface="Times New Roman"/>
+                <a:ea typeface="Times New Roman"/>
+                <a:cs typeface="Times New Roman"/>
+              </a:rPr>
+              <a:t>E Per qualsiasi domanda o chiarimento, sono a vostra completa disposizione.</a:t>
+            </a:r>
+            <a:endParaRPr sz="1200" b="0" i="0" u="none">
+              <a:solidFill>
+                <a:srgbClr val="000000"/>
+              </a:solidFill>
+              <a:latin typeface="Times New Roman"/>
+              <a:ea typeface="Times New Roman"/>
+              <a:cs typeface="Times New Roman"/>
+            </a:endParaRPr>
+          </a:p>
+        </p:txBody>
+      </p:sp>
+      <p:sp>
+        <p:nvSpPr>
+          <p:cNvPr id="1731454408" name="Slide Number Placeholder 3"/>
           <p:cNvSpPr>
             <a:spLocks noGrp="1"/>
           </p:cNvSpPr>
@@ -6314,7 +6621,7 @@
       </p:grpSpPr>
       <p:sp>
         <p:nvSpPr>
-          <p:cNvPr id="113862420" name="Segnaposto immagine diapositiva 1"/>
+          <p:cNvPr id="1267433613" name="Segnaposto immagine diapositiva 1"/>
           <p:cNvSpPr>
             <a:spLocks noChangeAspect="1" noGrp="1" noRot="1"/>
           </p:cNvSpPr>
@@ -6326,7 +6633,7 @@
       </p:sp>
       <p:sp>
         <p:nvSpPr>
-          <p:cNvPr id="1493001984" name="Segnaposto note 2"/>
+          <p:cNvPr id="1942499035" name="Segnaposto note 2"/>
           <p:cNvSpPr>
             <a:spLocks noGrp="1"/>
           </p:cNvSpPr>
@@ -6542,7 +6849,7 @@
       </p:sp>
       <p:sp>
         <p:nvSpPr>
-          <p:cNvPr id="1318424465" name="Segnaposto numero diapositiva 3"/>
+          <p:cNvPr id="1609315036" name="Segnaposto numero diapositiva 3"/>
           <p:cNvSpPr>
             <a:spLocks noGrp="1"/>
           </p:cNvSpPr>
@@ -6563,6 +6870,91 @@
               <a:t/>
             </a:fld>
             <a:endParaRPr lang="it-IT"/>
+          </a:p>
+        </p:txBody>
+      </p:sp>
+    </p:spTree>
+  </p:cSld>
+  <p:clrMapOvr>
+    <a:masterClrMapping/>
+  </p:clrMapOvr>
+</p:notes>
+</file>
+
+<file path=ppt/notesSlides/notesSlide30.xml><?xml version="1.0" encoding="utf-8"?>
+<p:notes xmlns:a="http://schemas.openxmlformats.org/drawingml/2006/main" xmlns:r="http://schemas.openxmlformats.org/officeDocument/2006/relationships" xmlns:p="http://schemas.openxmlformats.org/presentationml/2006/main" xmlns:m="http://schemas.openxmlformats.org/officeDocument/2006/math" xmlns:w="http://schemas.openxmlformats.org/wordprocessingml/2006/main">
+  <p:cSld name="">
+    <p:spTree>
+      <p:nvGrpSpPr>
+        <p:cNvPr id="1" name=""/>
+        <p:cNvGrpSpPr/>
+        <p:nvPr/>
+      </p:nvGrpSpPr>
+      <p:grpSpPr bwMode="auto">
+        <a:xfrm>
+          <a:off x="0" y="0"/>
+          <a:ext cx="0" cy="0"/>
+          <a:chOff x="0" y="0"/>
+          <a:chExt cx="0" cy="0"/>
+        </a:xfrm>
+      </p:grpSpPr>
+      <p:sp>
+        <p:nvSpPr>
+          <p:cNvPr id="2" name="Slide Image Placeholder 1"/>
+          <p:cNvSpPr>
+            <a:spLocks noChangeAspect="1" noGrp="1" noRot="1"/>
+          </p:cNvSpPr>
+          <p:nvPr>
+            <p:ph type="sldImg"/>
+          </p:nvPr>
+        </p:nvSpPr>
+        <p:spPr bwMode="auto"/>
+      </p:sp>
+      <p:sp>
+        <p:nvSpPr>
+          <p:cNvPr id="3" name="Notes Placeholder 2"/>
+          <p:cNvSpPr>
+            <a:spLocks noGrp="1"/>
+          </p:cNvSpPr>
+          <p:nvPr>
+            <p:ph type="body" idx="1"/>
+          </p:nvPr>
+        </p:nvSpPr>
+        <p:spPr bwMode="auto"/>
+        <p:txBody>
+          <a:bodyPr/>
+          <a:lstStyle/>
+          <a:p>
+            <a:pPr>
+              <a:defRPr/>
+            </a:pPr>
+            <a:endParaRPr/>
+          </a:p>
+        </p:txBody>
+      </p:sp>
+      <p:sp>
+        <p:nvSpPr>
+          <p:cNvPr id="4" name="Slide Number Placeholder 3"/>
+          <p:cNvSpPr>
+            <a:spLocks noGrp="1"/>
+          </p:cNvSpPr>
+          <p:nvPr>
+            <p:ph type="sldNum" sz="quarter" idx="10"/>
+          </p:nvPr>
+        </p:nvSpPr>
+        <p:spPr bwMode="auto"/>
+        <p:txBody>
+          <a:bodyPr/>
+          <a:lstStyle/>
+          <a:p>
+            <a:pPr>
+              <a:defRPr/>
+            </a:pPr>
+            <a:fld id="{E330E871-4360-E67E-B0E7-820A0B296E89}" type="slidenum">
+              <a:rPr/>
+              <a:t/>
+            </a:fld>
+            <a:endParaRPr/>
           </a:p>
         </p:txBody>
       </p:sp>
@@ -6593,7 +6985,7 @@
       </p:grpSpPr>
       <p:sp>
         <p:nvSpPr>
-          <p:cNvPr id="1817154495" name="Segnaposto immagine diapositiva 1"/>
+          <p:cNvPr id="2078441493" name="Segnaposto immagine diapositiva 1"/>
           <p:cNvSpPr>
             <a:spLocks noChangeAspect="1" noGrp="1" noRot="1"/>
           </p:cNvSpPr>
@@ -6605,7 +6997,7 @@
       </p:sp>
       <p:sp>
         <p:nvSpPr>
-          <p:cNvPr id="314373384" name="Segnaposto note 2"/>
+          <p:cNvPr id="571169760" name="Segnaposto note 2"/>
           <p:cNvSpPr>
             <a:spLocks noGrp="1"/>
           </p:cNvSpPr>
@@ -6846,7 +7238,7 @@
       </p:sp>
       <p:sp>
         <p:nvSpPr>
-          <p:cNvPr id="1308460132" name="Segnaposto numero diapositiva 3"/>
+          <p:cNvPr id="1810114237" name="Segnaposto numero diapositiva 3"/>
           <p:cNvSpPr>
             <a:spLocks noGrp="1"/>
           </p:cNvSpPr>
@@ -6897,7 +7289,7 @@
       </p:grpSpPr>
       <p:sp>
         <p:nvSpPr>
-          <p:cNvPr id="814375062" name="Segnaposto immagine diapositiva 1"/>
+          <p:cNvPr id="155486610" name="Segnaposto immagine diapositiva 1"/>
           <p:cNvSpPr>
             <a:spLocks noChangeAspect="1" noGrp="1" noRot="1"/>
           </p:cNvSpPr>
@@ -6909,7 +7301,7 @@
       </p:sp>
       <p:sp>
         <p:nvSpPr>
-          <p:cNvPr id="43255407" name="Segnaposto note 2"/>
+          <p:cNvPr id="1226851625" name="Segnaposto note 2"/>
           <p:cNvSpPr>
             <a:spLocks noGrp="1"/>
           </p:cNvSpPr>
@@ -7043,7 +7435,7 @@
       </p:sp>
       <p:sp>
         <p:nvSpPr>
-          <p:cNvPr id="1017750706" name="Segnaposto numero diapositiva 3"/>
+          <p:cNvPr id="68457894" name="Segnaposto numero diapositiva 3"/>
           <p:cNvSpPr>
             <a:spLocks noGrp="1"/>
           </p:cNvSpPr>
@@ -7094,7 +7486,7 @@
       </p:grpSpPr>
       <p:sp>
         <p:nvSpPr>
-          <p:cNvPr id="5146056" name="Segnaposto immagine diapositiva 1"/>
+          <p:cNvPr id="1487772872" name="Segnaposto immagine diapositiva 1"/>
           <p:cNvSpPr>
             <a:spLocks noChangeAspect="1" noGrp="1" noRot="1"/>
           </p:cNvSpPr>
@@ -7106,7 +7498,7 @@
       </p:sp>
       <p:sp>
         <p:nvSpPr>
-          <p:cNvPr id="1565503220" name="Segnaposto note 2"/>
+          <p:cNvPr id="1500337646" name="Segnaposto note 2"/>
           <p:cNvSpPr>
             <a:spLocks noGrp="1"/>
           </p:cNvSpPr>
@@ -7270,7 +7662,7 @@
       </p:sp>
       <p:sp>
         <p:nvSpPr>
-          <p:cNvPr id="708288550" name="Segnaposto numero diapositiva 3"/>
+          <p:cNvPr id="1630582762" name="Segnaposto numero diapositiva 3"/>
           <p:cNvSpPr>
             <a:spLocks noGrp="1"/>
           </p:cNvSpPr>
@@ -7321,7 +7713,7 @@
       </p:grpSpPr>
       <p:sp>
         <p:nvSpPr>
-          <p:cNvPr id="1377531224" name="Segnaposto immagine diapositiva 1"/>
+          <p:cNvPr id="1800012499" name="Segnaposto immagine diapositiva 1"/>
           <p:cNvSpPr>
             <a:spLocks noChangeAspect="1" noGrp="1" noRot="1"/>
           </p:cNvSpPr>
@@ -7333,7 +7725,7 @@
       </p:sp>
       <p:sp>
         <p:nvSpPr>
-          <p:cNvPr id="199242825" name="Segnaposto note 2"/>
+          <p:cNvPr id="1526258213" name="Segnaposto note 2"/>
           <p:cNvSpPr>
             <a:spLocks noGrp="1"/>
           </p:cNvSpPr>
@@ -7529,7 +7921,7 @@
       </p:sp>
       <p:sp>
         <p:nvSpPr>
-          <p:cNvPr id="1585122354" name="Segnaposto numero diapositiva 3"/>
+          <p:cNvPr id="1957720439" name="Segnaposto numero diapositiva 3"/>
           <p:cNvSpPr>
             <a:spLocks noGrp="1"/>
           </p:cNvSpPr>
@@ -7580,7 +7972,7 @@
       </p:grpSpPr>
       <p:sp>
         <p:nvSpPr>
-          <p:cNvPr id="930234704" name="Segnaposto immagine diapositiva 1"/>
+          <p:cNvPr id="441119509" name="Segnaposto immagine diapositiva 1"/>
           <p:cNvSpPr>
             <a:spLocks noChangeAspect="1" noGrp="1" noRot="1"/>
           </p:cNvSpPr>
@@ -7592,7 +7984,7 @@
       </p:sp>
       <p:sp>
         <p:nvSpPr>
-          <p:cNvPr id="1134305018" name="Segnaposto note 2"/>
+          <p:cNvPr id="746957750" name="Segnaposto note 2"/>
           <p:cNvSpPr>
             <a:spLocks noGrp="1"/>
           </p:cNvSpPr>
@@ -7727,7 +8119,7 @@
       </p:sp>
       <p:sp>
         <p:nvSpPr>
-          <p:cNvPr id="1383446039" name="Segnaposto numero diapositiva 3"/>
+          <p:cNvPr id="2018607851" name="Segnaposto numero diapositiva 3"/>
           <p:cNvSpPr>
             <a:spLocks noGrp="1"/>
           </p:cNvSpPr>
@@ -7778,7 +8170,7 @@
       </p:grpSpPr>
       <p:sp>
         <p:nvSpPr>
-          <p:cNvPr id="1057568659" name="Segnaposto immagine diapositiva 1"/>
+          <p:cNvPr id="506522311" name="Segnaposto immagine diapositiva 1"/>
           <p:cNvSpPr>
             <a:spLocks noChangeAspect="1" noGrp="1" noRot="1"/>
           </p:cNvSpPr>
@@ -7790,7 +8182,7 @@
       </p:sp>
       <p:sp>
         <p:nvSpPr>
-          <p:cNvPr id="1862143353" name="Segnaposto note 2"/>
+          <p:cNvPr id="1741922419" name="Segnaposto note 2"/>
           <p:cNvSpPr>
             <a:spLocks noGrp="1"/>
           </p:cNvSpPr>
@@ -7964,7 +8356,7 @@
       </p:sp>
       <p:sp>
         <p:nvSpPr>
-          <p:cNvPr id="1537636669" name="Segnaposto numero diapositiva 3"/>
+          <p:cNvPr id="275546222" name="Segnaposto numero diapositiva 3"/>
           <p:cNvSpPr>
             <a:spLocks noGrp="1"/>
           </p:cNvSpPr>
@@ -8015,7 +8407,7 @@
       </p:grpSpPr>
       <p:sp>
         <p:nvSpPr>
-          <p:cNvPr id="2078007213" name="Rectangle 2"/>
+          <p:cNvPr id="1346967555" name="Rectangle 2"/>
           <p:cNvSpPr>
             <a:spLocks noChangeArrowheads="1" noGrp="1"/>
           </p:cNvSpPr>
@@ -8063,7 +8455,7 @@
       </p:sp>
       <p:sp>
         <p:nvSpPr>
-          <p:cNvPr id="1452661289" name="Segnaposto testo 12"/>
+          <p:cNvPr id="819470330" name="Segnaposto testo 12"/>
           <p:cNvSpPr>
             <a:spLocks noGrp="1"/>
           </p:cNvSpPr>
@@ -8114,7 +8506,7 @@
       </p:sp>
       <p:cxnSp>
         <p:nvCxnSpPr>
-          <p:cNvPr id="188497499" name="Connettore 1 10"/>
+          <p:cNvPr id="1378837396" name="Connettore 1 10"/>
           <p:cNvCxnSpPr/>
           <p:nvPr userDrawn="1"/>
         </p:nvCxnSpPr>
@@ -8149,7 +8541,7 @@
       </p:cxnSp>
       <p:sp>
         <p:nvSpPr>
-          <p:cNvPr id="1951894201" name="Segnaposto testo 12"/>
+          <p:cNvPr id="1735044381" name="Segnaposto testo 12"/>
           <p:cNvSpPr>
             <a:spLocks noGrp="1"/>
           </p:cNvSpPr>
@@ -8191,7 +8583,7 @@
       </p:sp>
       <p:sp>
         <p:nvSpPr>
-          <p:cNvPr id="502395007" name="Segnaposto testo 12"/>
+          <p:cNvPr id="682731818" name="Segnaposto testo 12"/>
           <p:cNvSpPr>
             <a:spLocks noGrp="1"/>
           </p:cNvSpPr>
@@ -8242,7 +8634,7 @@
       </p:sp>
       <p:cxnSp>
         <p:nvCxnSpPr>
-          <p:cNvPr id="903240157" name="Connettore 1 24"/>
+          <p:cNvPr id="1314034954" name="Connettore 1 24"/>
           <p:cNvCxnSpPr/>
           <p:nvPr userDrawn="1"/>
         </p:nvCxnSpPr>
@@ -8277,7 +8669,7 @@
       </p:cxnSp>
       <p:sp>
         <p:nvSpPr>
-          <p:cNvPr id="476813557" name="Segnaposto testo 12"/>
+          <p:cNvPr id="612496548" name="Segnaposto testo 12"/>
           <p:cNvSpPr>
             <a:spLocks noGrp="1"/>
           </p:cNvSpPr>
@@ -8319,7 +8711,7 @@
       </p:sp>
       <p:sp>
         <p:nvSpPr>
-          <p:cNvPr id="1192123882" name="Segnaposto testo 12"/>
+          <p:cNvPr id="1501938085" name="Segnaposto testo 12"/>
           <p:cNvSpPr>
             <a:spLocks noGrp="1"/>
           </p:cNvSpPr>
@@ -8361,7 +8753,7 @@
       </p:sp>
       <p:sp>
         <p:nvSpPr>
-          <p:cNvPr id="1978575698" name="Segnaposto testo 12"/>
+          <p:cNvPr id="2061624143" name="Segnaposto testo 12"/>
           <p:cNvSpPr>
             <a:spLocks noGrp="1"/>
           </p:cNvSpPr>
@@ -8411,7 +8803,7 @@
       </p:sp>
       <p:sp>
         <p:nvSpPr>
-          <p:cNvPr id="863957956" name="Segnaposto testo 12"/>
+          <p:cNvPr id="1448824514" name="Segnaposto testo 12"/>
           <p:cNvSpPr>
             <a:spLocks noGrp="1"/>
           </p:cNvSpPr>
@@ -8453,7 +8845,7 @@
       </p:sp>
       <p:sp>
         <p:nvSpPr>
-          <p:cNvPr id="400438224" name="Segnaposto testo 12"/>
+          <p:cNvPr id="369618937" name="Segnaposto testo 12"/>
           <p:cNvSpPr>
             <a:spLocks noGrp="1"/>
           </p:cNvSpPr>
@@ -8492,7 +8884,7 @@
       </p:sp>
       <p:sp>
         <p:nvSpPr>
-          <p:cNvPr id="1919946237" name="Segnaposto testo 12"/>
+          <p:cNvPr id="1433049462" name="Segnaposto testo 12"/>
           <p:cNvSpPr>
             <a:spLocks noGrp="1"/>
           </p:cNvSpPr>
@@ -8531,7 +8923,7 @@
       </p:sp>
       <p:cxnSp>
         <p:nvCxnSpPr>
-          <p:cNvPr id="1967008605" name="Connettore 1 44"/>
+          <p:cNvPr id="2103711632" name="Connettore 1 44"/>
           <p:cNvCxnSpPr/>
           <p:nvPr userDrawn="1"/>
         </p:nvCxnSpPr>
@@ -8566,7 +8958,7 @@
       </p:cxnSp>
       <p:sp>
         <p:nvSpPr>
-          <p:cNvPr id="1976485893" name="Segnaposto testo 12"/>
+          <p:cNvPr id="57442863" name="Segnaposto testo 12"/>
           <p:cNvSpPr>
             <a:spLocks noGrp="1"/>
           </p:cNvSpPr>
@@ -8608,7 +9000,7 @@
       </p:sp>
       <p:sp>
         <p:nvSpPr>
-          <p:cNvPr id="366358419" name="Segnaposto testo 12"/>
+          <p:cNvPr id="122523095" name="Segnaposto testo 12"/>
           <p:cNvSpPr>
             <a:spLocks noGrp="1"/>
           </p:cNvSpPr>
@@ -8650,7 +9042,7 @@
       </p:sp>
       <p:sp>
         <p:nvSpPr>
-          <p:cNvPr id="1809131806" name="Segnaposto testo 12"/>
+          <p:cNvPr id="802137890" name="Segnaposto testo 12"/>
           <p:cNvSpPr>
             <a:spLocks noGrp="1"/>
           </p:cNvSpPr>
@@ -8689,7 +9081,7 @@
       </p:sp>
       <p:sp>
         <p:nvSpPr>
-          <p:cNvPr id="476296638" name="Segnaposto testo 12"/>
+          <p:cNvPr id="1532210450" name="Segnaposto testo 12"/>
           <p:cNvSpPr>
             <a:spLocks noGrp="1"/>
           </p:cNvSpPr>
@@ -8731,7 +9123,7 @@
       </p:sp>
       <p:sp>
         <p:nvSpPr>
-          <p:cNvPr id="1731466511" name="Segnaposto testo 12"/>
+          <p:cNvPr id="1924111074" name="Segnaposto testo 12"/>
           <p:cNvSpPr>
             <a:spLocks noGrp="1"/>
           </p:cNvSpPr>
@@ -8770,7 +9162,7 @@
       </p:sp>
       <p:pic>
         <p:nvPicPr>
-          <p:cNvPr id="1252592691" name="Immagine 9" descr="Modulo_SUPSI_DTI.gif"/>
+          <p:cNvPr id="892651011" name="Immagine 9" descr="Modulo_SUPSI_DTI.gif"/>
           <p:cNvPicPr>
             <a:picLocks noChangeAspect="1"/>
           </p:cNvPicPr>
@@ -8800,7 +9192,7 @@
       </p:pic>
       <p:sp>
         <p:nvSpPr>
-          <p:cNvPr id="1363433352" name="Segnaposto testo 12"/>
+          <p:cNvPr id="1616077185" name="Segnaposto testo 12"/>
           <p:cNvSpPr>
             <a:spLocks noGrp="1"/>
           </p:cNvSpPr>
@@ -8839,7 +9231,7 @@
       </p:sp>
       <p:sp>
         <p:nvSpPr>
-          <p:cNvPr id="1084061720" name="Segnaposto testo 12"/>
+          <p:cNvPr id="1998006996" name="Segnaposto testo 12"/>
           <p:cNvSpPr>
             <a:spLocks noGrp="1"/>
           </p:cNvSpPr>
@@ -8881,7 +9273,7 @@
       </p:sp>
       <p:sp>
         <p:nvSpPr>
-          <p:cNvPr id="647444494" name="Text Placeholder 6"/>
+          <p:cNvPr id="741411079" name="Text Placeholder 6"/>
           <p:cNvSpPr>
             <a:spLocks noGrp="1"/>
           </p:cNvSpPr>
@@ -8963,7 +9355,7 @@
       </p:grpSpPr>
       <p:sp>
         <p:nvSpPr>
-          <p:cNvPr id="868758674" name="Segnaposto testo 12"/>
+          <p:cNvPr id="1564003176" name="Segnaposto testo 12"/>
           <p:cNvSpPr>
             <a:spLocks noGrp="1"/>
           </p:cNvSpPr>
@@ -9020,7 +9412,7 @@
       </p:sp>
       <p:sp>
         <p:nvSpPr>
-          <p:cNvPr id="297636998" name="Content Placeholder 3"/>
+          <p:cNvPr id="240132114" name="Content Placeholder 3"/>
           <p:cNvSpPr>
             <a:spLocks noGrp="1"/>
           </p:cNvSpPr>
@@ -9110,7 +9502,7 @@
       </p:sp>
       <p:sp>
         <p:nvSpPr>
-          <p:cNvPr id="674198805" name="Content Placeholder 3"/>
+          <p:cNvPr id="1301123308" name="Content Placeholder 3"/>
           <p:cNvSpPr>
             <a:spLocks noGrp="1"/>
           </p:cNvSpPr>
@@ -9225,7 +9617,7 @@
       </p:grpSpPr>
       <p:sp>
         <p:nvSpPr>
-          <p:cNvPr id="1775816835" name="Segnaposto testo 12"/>
+          <p:cNvPr id="2011585710" name="Segnaposto testo 12"/>
           <p:cNvSpPr>
             <a:spLocks noGrp="1"/>
           </p:cNvSpPr>
@@ -9282,7 +9674,7 @@
       </p:sp>
       <p:sp>
         <p:nvSpPr>
-          <p:cNvPr id="14144130" name="Content Placeholder 3"/>
+          <p:cNvPr id="407315777" name="Content Placeholder 3"/>
           <p:cNvSpPr>
             <a:spLocks noGrp="1"/>
           </p:cNvSpPr>
@@ -9402,7 +9794,7 @@
       </p:grpSpPr>
       <p:pic>
         <p:nvPicPr>
-          <p:cNvPr id="1099976394" name="Immagine 5"/>
+          <p:cNvPr id="1311302596" name="Immagine 5"/>
           <p:cNvPicPr>
             <a:picLocks noChangeAspect="1"/>
           </p:cNvPicPr>
@@ -9424,7 +9816,7 @@
       </p:pic>
       <p:pic>
         <p:nvPicPr>
-          <p:cNvPr id="1709822269" name="Immagine 21"/>
+          <p:cNvPr id="1795590514" name="Immagine 21"/>
           <p:cNvPicPr>
             <a:picLocks noChangeAspect="1"/>
           </p:cNvPicPr>
@@ -9870,7 +10262,7 @@
       </p:grpSpPr>
       <p:sp>
         <p:nvSpPr>
-          <p:cNvPr id="1047643682" name="Title 1"/>
+          <p:cNvPr id="401216480" name="Title 1"/>
           <p:cNvSpPr>
             <a:spLocks noGrp="1"/>
           </p:cNvSpPr>
@@ -9905,7 +10297,7 @@
       </p:sp>
       <p:sp>
         <p:nvSpPr>
-          <p:cNvPr id="628880751" name="Text Placeholder 2"/>
+          <p:cNvPr id="30144814" name="Text Placeholder 2"/>
           <p:cNvSpPr>
             <a:spLocks noGrp="1"/>
           </p:cNvSpPr>
@@ -9931,7 +10323,7 @@
       </p:sp>
       <p:sp>
         <p:nvSpPr>
-          <p:cNvPr id="998617740" name="Text Placeholder 3"/>
+          <p:cNvPr id="405464908" name="Text Placeholder 3"/>
           <p:cNvSpPr>
             <a:spLocks noGrp="1"/>
           </p:cNvSpPr>
@@ -9953,7 +10345,7 @@
       </p:sp>
       <p:sp>
         <p:nvSpPr>
-          <p:cNvPr id="2018992470" name="Text Placeholder 4"/>
+          <p:cNvPr id="609049171" name="Text Placeholder 4"/>
           <p:cNvSpPr>
             <a:spLocks noGrp="1"/>
           </p:cNvSpPr>
@@ -9986,7 +10378,7 @@
       </p:sp>
       <p:sp>
         <p:nvSpPr>
-          <p:cNvPr id="909181449" name="Text Placeholder 5"/>
+          <p:cNvPr id="1870322028" name="Text Placeholder 5"/>
           <p:cNvSpPr>
             <a:spLocks noGrp="1"/>
           </p:cNvSpPr>
@@ -10008,7 +10400,7 @@
       </p:sp>
       <p:sp>
         <p:nvSpPr>
-          <p:cNvPr id="2063536482" name="Text Placeholder 6"/>
+          <p:cNvPr id="126898710" name="Text Placeholder 6"/>
           <p:cNvSpPr>
             <a:spLocks noGrp="1"/>
           </p:cNvSpPr>
@@ -10030,7 +10422,7 @@
       </p:sp>
       <p:sp>
         <p:nvSpPr>
-          <p:cNvPr id="1031627431" name="Text Placeholder 7"/>
+          <p:cNvPr id="890108296" name="Text Placeholder 7"/>
           <p:cNvSpPr>
             <a:spLocks noGrp="1"/>
           </p:cNvSpPr>
@@ -10063,7 +10455,7 @@
       </p:sp>
       <p:sp>
         <p:nvSpPr>
-          <p:cNvPr id="1914387900" name="Text Placeholder 8"/>
+          <p:cNvPr id="422542754" name="Text Placeholder 8"/>
           <p:cNvSpPr>
             <a:spLocks noGrp="1"/>
           </p:cNvSpPr>
@@ -10085,7 +10477,7 @@
       </p:sp>
       <p:sp>
         <p:nvSpPr>
-          <p:cNvPr id="877154134" name="Text Placeholder 9"/>
+          <p:cNvPr id="1026213681" name="Text Placeholder 9"/>
           <p:cNvSpPr>
             <a:spLocks noGrp="1"/>
           </p:cNvSpPr>
@@ -10111,7 +10503,7 @@
       </p:sp>
       <p:sp>
         <p:nvSpPr>
-          <p:cNvPr id="440462268" name="Text Placeholder 10"/>
+          <p:cNvPr id="873514792" name="Text Placeholder 10"/>
           <p:cNvSpPr>
             <a:spLocks noGrp="1"/>
           </p:cNvSpPr>
@@ -10137,7 +10529,7 @@
       </p:sp>
       <p:sp>
         <p:nvSpPr>
-          <p:cNvPr id="553248576" name="Text Placeholder 11"/>
+          <p:cNvPr id="1405745655" name="Text Placeholder 11"/>
           <p:cNvSpPr>
             <a:spLocks noGrp="1"/>
           </p:cNvSpPr>
@@ -10159,7 +10551,7 @@
       </p:sp>
       <p:sp>
         <p:nvSpPr>
-          <p:cNvPr id="1609605853" name="Text Placeholder 12"/>
+          <p:cNvPr id="1434181695" name="Text Placeholder 12"/>
           <p:cNvSpPr>
             <a:spLocks noGrp="1"/>
           </p:cNvSpPr>
@@ -10181,7 +10573,7 @@
       </p:sp>
       <p:sp>
         <p:nvSpPr>
-          <p:cNvPr id="1469724254" name="Text Placeholder 13"/>
+          <p:cNvPr id="1786971599" name="Text Placeholder 13"/>
           <p:cNvSpPr>
             <a:spLocks noGrp="1"/>
           </p:cNvSpPr>
@@ -10207,7 +10599,7 @@
       </p:sp>
       <p:sp>
         <p:nvSpPr>
-          <p:cNvPr id="824626876" name="Text Placeholder 14"/>
+          <p:cNvPr id="1806750742" name="Text Placeholder 14"/>
           <p:cNvSpPr>
             <a:spLocks noGrp="1"/>
           </p:cNvSpPr>
@@ -10229,7 +10621,7 @@
       </p:sp>
       <p:sp>
         <p:nvSpPr>
-          <p:cNvPr id="2059275769" name="Text Placeholder 15"/>
+          <p:cNvPr id="1569631473" name="Text Placeholder 15"/>
           <p:cNvSpPr>
             <a:spLocks noGrp="1"/>
           </p:cNvSpPr>
@@ -10255,7 +10647,7 @@
       </p:sp>
       <p:sp>
         <p:nvSpPr>
-          <p:cNvPr id="103628116" name="Text Placeholder 16"/>
+          <p:cNvPr id="5119460" name="Text Placeholder 16"/>
           <p:cNvSpPr>
             <a:spLocks noGrp="1"/>
           </p:cNvSpPr>
@@ -10281,7 +10673,7 @@
       </p:sp>
       <p:sp>
         <p:nvSpPr>
-          <p:cNvPr id="1591468588" name="Text Placeholder 17"/>
+          <p:cNvPr id="916832764" name="Text Placeholder 17"/>
           <p:cNvSpPr>
             <a:spLocks noGrp="1"/>
           </p:cNvSpPr>
@@ -10303,7 +10695,7 @@
       </p:sp>
       <p:sp>
         <p:nvSpPr>
-          <p:cNvPr id="1233426961" name="Text Placeholder 18"/>
+          <p:cNvPr id="1500452713" name="Text Placeholder 18"/>
           <p:cNvSpPr>
             <a:spLocks noGrp="1"/>
           </p:cNvSpPr>
@@ -10398,7 +10790,7 @@
       </p:grpSpPr>
       <p:pic>
         <p:nvPicPr>
-          <p:cNvPr id="2010438498" name=""/>
+          <p:cNvPr id="660725959" name=""/>
           <p:cNvPicPr>
             <a:picLocks noChangeAspect="1"/>
           </p:cNvPicPr>
@@ -10420,7 +10812,7 @@
       </p:pic>
       <p:sp>
         <p:nvSpPr>
-          <p:cNvPr id="737419272" name=""/>
+          <p:cNvPr id="1911559896" name=""/>
           <p:cNvSpPr txBox="1"/>
           <p:nvPr/>
         </p:nvSpPr>
@@ -10448,7 +10840,7 @@
       </p:sp>
       <p:pic>
         <p:nvPicPr>
-          <p:cNvPr id="1019967769" name=""/>
+          <p:cNvPr id="1140763713" name=""/>
           <p:cNvPicPr>
             <a:picLocks noChangeAspect="1"/>
           </p:cNvPicPr>
@@ -10470,7 +10862,7 @@
       </p:pic>
       <p:sp>
         <p:nvSpPr>
-          <p:cNvPr id="1324323499" name="Text Placeholder 1"/>
+          <p:cNvPr id="664970066" name="Text Placeholder 1"/>
           <p:cNvSpPr>
             <a:spLocks noGrp="1"/>
           </p:cNvSpPr>
@@ -10492,16 +10884,31 @@
               <a:defRPr/>
             </a:pPr>
             <a:r>
-              <a:rPr/>
-              <a:t>Sicurezza</a:t>
-            </a:r>
+              <a:rPr lang="it-IT" sz="2700" b="1" i="0" u="none" strike="noStrike" cap="none" spc="0">
+                <a:solidFill>
+                  <a:schemeClr val="accent6">
+                    <a:lumMod val="75000"/>
+                  </a:schemeClr>
+                </a:solidFill>
+                <a:latin typeface="Arial"/>
+                <a:ea typeface="Arial"/>
+                <a:cs typeface="Arial"/>
+              </a:rPr>
+              <a:t>Obbiettivi</a:t>
+            </a:r>
+            <a:endParaRPr sz="2700"/>
+          </a:p>
+          <a:p>
+            <a:pPr>
+              <a:defRPr/>
+            </a:pPr>
             <a:endParaRPr/>
           </a:p>
         </p:txBody>
       </p:sp>
       <p:pic>
         <p:nvPicPr>
-          <p:cNvPr id="1756354165" name="Picture 679748627"/>
+          <p:cNvPr id="1950073747" name="Picture 679748627"/>
           <p:cNvPicPr>
             <a:picLocks noChangeAspect="1"/>
           </p:cNvPicPr>
@@ -10523,7 +10930,7 @@
       </p:pic>
       <p:pic>
         <p:nvPicPr>
-          <p:cNvPr id="1270268483" name=""/>
+          <p:cNvPr id="1681606501" name=""/>
           <p:cNvPicPr>
             <a:picLocks noChangeAspect="1"/>
           </p:cNvPicPr>
@@ -10543,6 +10950,86 @@
           </a:prstGeom>
         </p:spPr>
       </p:pic>
+      <p:sp>
+        <p:nvSpPr>
+          <p:cNvPr id="778198653" name=""/>
+          <p:cNvSpPr txBox="1"/>
+          <p:nvPr/>
+        </p:nvSpPr>
+        <p:spPr bwMode="auto">
+          <a:xfrm rot="0" flipH="0" flipV="0">
+            <a:off x="1377903" y="2809439"/>
+            <a:ext cx="1630704" cy="365759"/>
+          </a:xfrm>
+          <a:prstGeom prst="rect">
+            <a:avLst/>
+          </a:prstGeom>
+          <a:noFill/>
+        </p:spPr>
+        <p:txBody>
+          <a:bodyPr vertOverflow="overflow" horzOverflow="overflow" vert="horz" wrap="square" lIns="91440" tIns="45720" rIns="91440" bIns="45720" numCol="1" spcCol="0" rtlCol="0" fromWordArt="0" anchor="t" anchorCtr="0" forceAA="0" upright="0" compatLnSpc="0">
+            <a:spAutoFit/>
+          </a:bodyPr>
+          <a:p>
+            <a:pPr algn="l">
+              <a:defRPr/>
+            </a:pPr>
+            <a:r>
+              <a:rPr lang="it-IT" b="1" i="0" u="none" strike="noStrike" cap="none" spc="0">
+                <a:solidFill>
+                  <a:schemeClr val="accent6">
+                    <a:lumMod val="75000"/>
+                  </a:schemeClr>
+                </a:solidFill>
+                <a:latin typeface="Arial"/>
+                <a:ea typeface="Arial"/>
+                <a:cs typeface="Arial"/>
+              </a:rPr>
+              <a:t>Compatibilità</a:t>
+            </a:r>
+            <a:endParaRPr/>
+          </a:p>
+        </p:txBody>
+      </p:sp>
+      <p:sp>
+        <p:nvSpPr>
+          <p:cNvPr id="1098291201" name=""/>
+          <p:cNvSpPr txBox="1"/>
+          <p:nvPr/>
+        </p:nvSpPr>
+        <p:spPr bwMode="auto">
+          <a:xfrm rot="0" flipH="0" flipV="0">
+            <a:off x="3172243" y="2110480"/>
+            <a:ext cx="1635023" cy="366119"/>
+          </a:xfrm>
+          <a:prstGeom prst="rect">
+            <a:avLst/>
+          </a:prstGeom>
+          <a:noFill/>
+        </p:spPr>
+        <p:txBody>
+          <a:bodyPr vertOverflow="overflow" horzOverflow="overflow" vert="horz" wrap="square" lIns="91440" tIns="45720" rIns="91440" bIns="45720" numCol="1" spcCol="0" rtlCol="0" fromWordArt="0" anchor="t" anchorCtr="0" forceAA="0" upright="0" compatLnSpc="0">
+            <a:spAutoFit/>
+          </a:bodyPr>
+          <a:p>
+            <a:pPr algn="ctr">
+              <a:defRPr/>
+            </a:pPr>
+            <a:r>
+              <a:rPr lang="it-IT" b="1" i="0" u="none" strike="noStrike" cap="none" spc="0">
+                <a:solidFill>
+                  <a:srgbClr val="FF0000"/>
+                </a:solidFill>
+                <a:latin typeface="Arial"/>
+                <a:ea typeface="Arial"/>
+                <a:cs typeface="Arial"/>
+              </a:rPr>
+              <a:t>Sicurezza</a:t>
+            </a:r>
+            <a:endParaRPr/>
+          </a:p>
+        </p:txBody>
+      </p:sp>
     </p:spTree>
   </p:cSld>
   <p:clrMapOvr>
@@ -10582,7 +11069,7 @@
       </p:grpSpPr>
       <p:pic>
         <p:nvPicPr>
-          <p:cNvPr id="1938906678" name=""/>
+          <p:cNvPr id="963122768" name=""/>
           <p:cNvPicPr>
             <a:picLocks noChangeAspect="1"/>
           </p:cNvPicPr>
@@ -10604,7 +11091,7 @@
       </p:pic>
       <p:sp>
         <p:nvSpPr>
-          <p:cNvPr id="1823504268" name=""/>
+          <p:cNvPr id="1444749109" name=""/>
           <p:cNvSpPr txBox="1"/>
           <p:nvPr/>
         </p:nvSpPr>
@@ -10632,7 +11119,7 @@
       </p:sp>
       <p:pic>
         <p:nvPicPr>
-          <p:cNvPr id="752003006" name=""/>
+          <p:cNvPr id="2059499006" name=""/>
           <p:cNvPicPr>
             <a:picLocks noChangeAspect="1"/>
           </p:cNvPicPr>
@@ -10654,7 +11141,7 @@
       </p:pic>
       <p:sp>
         <p:nvSpPr>
-          <p:cNvPr id="1698792960" name="Text Placeholder 1"/>
+          <p:cNvPr id="2100983620" name="Text Placeholder 1"/>
           <p:cNvSpPr>
             <a:spLocks noGrp="1"/>
           </p:cNvSpPr>
@@ -10686,15 +11173,21 @@
                 <a:ea typeface="Arial"/>
                 <a:cs typeface="Arial"/>
               </a:rPr>
-              <a:t>Ecosistema</a:t>
-            </a:r>
+              <a:t>Obbiettivi</a:t>
+            </a:r>
+            <a:endParaRPr sz="2700"/>
+          </a:p>
+          <a:p>
+            <a:pPr>
+              <a:defRPr/>
+            </a:pPr>
             <a:endParaRPr/>
           </a:p>
         </p:txBody>
       </p:sp>
       <p:pic>
         <p:nvPicPr>
-          <p:cNvPr id="429851480" name="Picture 679748627"/>
+          <p:cNvPr id="1755981705" name="Picture 679748627"/>
           <p:cNvPicPr>
             <a:picLocks noChangeAspect="1"/>
           </p:cNvPicPr>
@@ -10717,7 +11210,7 @@
       </p:pic>
       <p:pic>
         <p:nvPicPr>
-          <p:cNvPr id="1754977170" name=""/>
+          <p:cNvPr id="760688856" name=""/>
           <p:cNvPicPr>
             <a:picLocks noChangeAspect="1"/>
           </p:cNvPicPr>
@@ -10739,7 +11232,7 @@
       </p:pic>
       <p:pic>
         <p:nvPicPr>
-          <p:cNvPr id="1480454433" name=""/>
+          <p:cNvPr id="158531394" name=""/>
           <p:cNvPicPr>
             <a:picLocks noChangeAspect="1"/>
           </p:cNvPicPr>
@@ -10752,7 +11245,7 @@
         </p:blipFill>
         <p:spPr bwMode="auto">
           <a:xfrm flipH="0" flipV="0">
-            <a:off x="3021484" y="795604"/>
+            <a:off x="3151370" y="795603"/>
             <a:ext cx="2127519" cy="1571090"/>
           </a:xfrm>
           <a:prstGeom prst="rect">
@@ -10760,6 +11253,129 @@
           </a:prstGeom>
         </p:spPr>
       </p:pic>
+      <p:sp>
+        <p:nvSpPr>
+          <p:cNvPr id="688967014" name=""/>
+          <p:cNvSpPr txBox="1"/>
+          <p:nvPr/>
+        </p:nvSpPr>
+        <p:spPr bwMode="auto">
+          <a:xfrm rot="0" flipH="0" flipV="0">
+            <a:off x="1421622" y="4983268"/>
+            <a:ext cx="1630704" cy="365759"/>
+          </a:xfrm>
+          <a:prstGeom prst="rect">
+            <a:avLst/>
+          </a:prstGeom>
+          <a:noFill/>
+        </p:spPr>
+        <p:txBody>
+          <a:bodyPr vertOverflow="overflow" horzOverflow="overflow" vert="horz" wrap="square" lIns="91440" tIns="45720" rIns="91440" bIns="45720" numCol="1" spcCol="0" rtlCol="0" fromWordArt="0" anchor="t" anchorCtr="0" forceAA="0" upright="0" compatLnSpc="0">
+            <a:spAutoFit/>
+          </a:bodyPr>
+          <a:p>
+            <a:pPr algn="l">
+              <a:defRPr/>
+            </a:pPr>
+            <a:r>
+              <a:rPr lang="it-IT" b="1" i="0" u="none" strike="noStrike" cap="none" spc="0">
+                <a:solidFill>
+                  <a:schemeClr val="accent6">
+                    <a:lumMod val="75000"/>
+                  </a:schemeClr>
+                </a:solidFill>
+                <a:latin typeface="Arial"/>
+                <a:ea typeface="Arial"/>
+                <a:cs typeface="Arial"/>
+              </a:rPr>
+              <a:t>Compatibilità</a:t>
+            </a:r>
+            <a:endParaRPr/>
+          </a:p>
+        </p:txBody>
+      </p:sp>
+      <p:sp>
+        <p:nvSpPr>
+          <p:cNvPr id="49107903" name=""/>
+          <p:cNvSpPr txBox="1"/>
+          <p:nvPr/>
+        </p:nvSpPr>
+        <p:spPr bwMode="auto">
+          <a:xfrm rot="0" flipH="0" flipV="0">
+            <a:off x="1306120" y="2868590"/>
+            <a:ext cx="1634663" cy="366119"/>
+          </a:xfrm>
+          <a:prstGeom prst="rect">
+            <a:avLst/>
+          </a:prstGeom>
+          <a:noFill/>
+        </p:spPr>
+        <p:txBody>
+          <a:bodyPr vertOverflow="overflow" horzOverflow="overflow" vert="horz" wrap="square" lIns="91440" tIns="45720" rIns="91440" bIns="45720" numCol="1" spcCol="0" rtlCol="0" fromWordArt="0" anchor="t" anchorCtr="0" forceAA="0" upright="0" compatLnSpc="0">
+            <a:spAutoFit/>
+          </a:bodyPr>
+          <a:p>
+            <a:pPr algn="ctr">
+              <a:defRPr/>
+            </a:pPr>
+            <a:r>
+              <a:rPr lang="it-IT" b="1" i="0" u="none" strike="noStrike" cap="none" spc="0">
+                <a:solidFill>
+                  <a:schemeClr val="accent6">
+                    <a:lumMod val="75000"/>
+                  </a:schemeClr>
+                </a:solidFill>
+                <a:latin typeface="Arial"/>
+                <a:ea typeface="Arial"/>
+                <a:cs typeface="Arial"/>
+              </a:rPr>
+              <a:t>Sicurezza</a:t>
+            </a:r>
+            <a:endParaRPr/>
+          </a:p>
+        </p:txBody>
+      </p:sp>
+      <p:sp>
+        <p:nvSpPr>
+          <p:cNvPr id="1194524389" name=""/>
+          <p:cNvSpPr txBox="1"/>
+          <p:nvPr/>
+        </p:nvSpPr>
+        <p:spPr bwMode="auto">
+          <a:xfrm rot="0" flipH="0" flipV="0">
+            <a:off x="3269711" y="2093709"/>
+            <a:ext cx="1979303" cy="366119"/>
+          </a:xfrm>
+          <a:prstGeom prst="rect">
+            <a:avLst/>
+          </a:prstGeom>
+          <a:noFill/>
+        </p:spPr>
+        <p:txBody>
+          <a:bodyPr vertOverflow="overflow" horzOverflow="overflow" vert="horz" wrap="square" lIns="91440" tIns="45720" rIns="91440" bIns="45720" numCol="1" spcCol="0" rtlCol="0" fromWordArt="0" anchor="t" anchorCtr="0" forceAA="0" upright="0" compatLnSpc="0">
+            <a:spAutoFit/>
+          </a:bodyPr>
+          <a:p>
+            <a:pPr algn="l">
+              <a:defRPr/>
+            </a:pPr>
+            <a:r>
+              <a:rPr lang="it-IT" b="1" i="0" u="none" strike="noStrike" cap="none" spc="0">
+                <a:solidFill>
+                  <a:schemeClr val="accent6">
+                    <a:lumMod val="75000"/>
+                  </a:schemeClr>
+                </a:solidFill>
+                <a:latin typeface="Arial"/>
+                <a:ea typeface="Arial"/>
+                <a:cs typeface="Arial"/>
+              </a:rPr>
+              <a:t>Comunicazione</a:t>
+            </a:r>
+            <a:endParaRPr/>
+          </a:p>
+        </p:txBody>
+      </p:sp>
     </p:spTree>
   </p:cSld>
   <p:clrMapOvr>
@@ -10799,7 +11415,7 @@
       </p:grpSpPr>
       <p:pic>
         <p:nvPicPr>
-          <p:cNvPr id="1877015120" name=""/>
+          <p:cNvPr id="1951944098" name=""/>
           <p:cNvPicPr>
             <a:picLocks noChangeAspect="1"/>
           </p:cNvPicPr>
@@ -10821,7 +11437,7 @@
       </p:pic>
       <p:sp>
         <p:nvSpPr>
-          <p:cNvPr id="52389845" name=""/>
+          <p:cNvPr id="1728560575" name=""/>
           <p:cNvSpPr txBox="1"/>
           <p:nvPr/>
         </p:nvSpPr>
@@ -10849,7 +11465,7 @@
       </p:sp>
       <p:pic>
         <p:nvPicPr>
-          <p:cNvPr id="113066926" name=""/>
+          <p:cNvPr id="1226618422" name=""/>
           <p:cNvPicPr>
             <a:picLocks noChangeAspect="1"/>
           </p:cNvPicPr>
@@ -10871,7 +11487,7 @@
       </p:pic>
       <p:sp>
         <p:nvSpPr>
-          <p:cNvPr id="847681185" name="Text Placeholder 1"/>
+          <p:cNvPr id="1734218802" name="Text Placeholder 1"/>
           <p:cNvSpPr>
             <a:spLocks noGrp="1"/>
           </p:cNvSpPr>
@@ -10903,15 +11519,21 @@
                 <a:ea typeface="Arial"/>
                 <a:cs typeface="Arial"/>
               </a:rPr>
-              <a:t>Ecosistema</a:t>
-            </a:r>
+              <a:t>Obbiettivi</a:t>
+            </a:r>
+            <a:endParaRPr sz="2700"/>
+          </a:p>
+          <a:p>
+            <a:pPr>
+              <a:defRPr/>
+            </a:pPr>
             <a:endParaRPr/>
           </a:p>
         </p:txBody>
       </p:sp>
       <p:pic>
         <p:nvPicPr>
-          <p:cNvPr id="2097399739" name="Picture 679748627"/>
+          <p:cNvPr id="181829499" name="Picture 679748627"/>
           <p:cNvPicPr>
             <a:picLocks noChangeAspect="1"/>
           </p:cNvPicPr>
@@ -10934,7 +11556,7 @@
       </p:pic>
       <p:pic>
         <p:nvPicPr>
-          <p:cNvPr id="1751392381" name=""/>
+          <p:cNvPr id="1537916308" name=""/>
           <p:cNvPicPr>
             <a:picLocks noChangeAspect="1"/>
           </p:cNvPicPr>
@@ -10956,7 +11578,7 @@
       </p:pic>
       <p:pic>
         <p:nvPicPr>
-          <p:cNvPr id="1447789073" name=""/>
+          <p:cNvPr id="854256976" name=""/>
           <p:cNvPicPr>
             <a:picLocks noChangeAspect="1"/>
           </p:cNvPicPr>
@@ -10977,6 +11599,47 @@
           </a:prstGeom>
         </p:spPr>
       </p:pic>
+      <p:sp>
+        <p:nvSpPr>
+          <p:cNvPr id="1522825379" name=""/>
+          <p:cNvSpPr txBox="1"/>
+          <p:nvPr/>
+        </p:nvSpPr>
+        <p:spPr bwMode="auto">
+          <a:xfrm rot="0" flipH="0" flipV="0">
+            <a:off x="2999743" y="4223846"/>
+            <a:ext cx="1979662" cy="366119"/>
+          </a:xfrm>
+          <a:prstGeom prst="rect">
+            <a:avLst/>
+          </a:prstGeom>
+          <a:noFill/>
+        </p:spPr>
+        <p:txBody>
+          <a:bodyPr vertOverflow="overflow" horzOverflow="overflow" vert="horz" wrap="square" lIns="91440" tIns="45720" rIns="91440" bIns="45720" numCol="1" spcCol="0" rtlCol="0" fromWordArt="0" anchor="t" anchorCtr="0" forceAA="0" upright="0" compatLnSpc="0">
+            <a:spAutoFit/>
+          </a:bodyPr>
+          <a:p>
+            <a:pPr algn="l">
+              <a:defRPr/>
+            </a:pPr>
+            <a:r>
+              <a:rPr lang="it-IT" b="1" i="0" u="none" strike="noStrike" cap="none" spc="0">
+                <a:solidFill>
+                  <a:schemeClr val="accent6">
+                    <a:lumMod val="75000"/>
+                  </a:schemeClr>
+                </a:solidFill>
+                <a:latin typeface="Arial"/>
+                <a:ea typeface="Arial"/>
+                <a:cs typeface="Arial"/>
+              </a:rPr>
+              <a:t>Comunicazione</a:t>
+            </a:r>
+            <a:endParaRPr/>
+          </a:p>
+        </p:txBody>
+      </p:sp>
     </p:spTree>
   </p:cSld>
   <p:clrMapOvr>
@@ -11016,7 +11679,7 @@
       </p:grpSpPr>
       <p:pic>
         <p:nvPicPr>
-          <p:cNvPr id="1591402196" name=""/>
+          <p:cNvPr id="995385971" name=""/>
           <p:cNvPicPr>
             <a:picLocks noChangeAspect="1"/>
           </p:cNvPicPr>
@@ -11038,7 +11701,7 @@
       </p:pic>
       <p:sp>
         <p:nvSpPr>
-          <p:cNvPr id="1863792236" name=""/>
+          <p:cNvPr id="1410809178" name=""/>
           <p:cNvSpPr txBox="1"/>
           <p:nvPr/>
         </p:nvSpPr>
@@ -11066,7 +11729,7 @@
       </p:sp>
       <p:pic>
         <p:nvPicPr>
-          <p:cNvPr id="155499893" name=""/>
+          <p:cNvPr id="1513854618" name=""/>
           <p:cNvPicPr>
             <a:picLocks noChangeAspect="1"/>
           </p:cNvPicPr>
@@ -11088,7 +11751,7 @@
       </p:pic>
       <p:sp>
         <p:nvSpPr>
-          <p:cNvPr id="1856477532" name="Text Placeholder 1"/>
+          <p:cNvPr id="1985276769" name="Text Placeholder 1"/>
           <p:cNvSpPr>
             <a:spLocks noGrp="1"/>
           </p:cNvSpPr>
@@ -11128,7 +11791,7 @@
       </p:sp>
       <p:pic>
         <p:nvPicPr>
-          <p:cNvPr id="1739642585" name="Picture 679748627"/>
+          <p:cNvPr id="1831849316" name="Picture 679748627"/>
           <p:cNvPicPr>
             <a:picLocks noChangeAspect="1"/>
           </p:cNvPicPr>
@@ -11151,7 +11814,7 @@
       </p:pic>
       <p:pic>
         <p:nvPicPr>
-          <p:cNvPr id="1429059304" name=""/>
+          <p:cNvPr id="533117652" name=""/>
           <p:cNvPicPr>
             <a:picLocks noChangeAspect="1"/>
           </p:cNvPicPr>
@@ -11173,7 +11836,7 @@
       </p:pic>
       <p:pic>
         <p:nvPicPr>
-          <p:cNvPr id="2019842244" name=""/>
+          <p:cNvPr id="871338542" name=""/>
           <p:cNvPicPr>
             <a:picLocks noChangeAspect="1"/>
           </p:cNvPicPr>
@@ -11196,7 +11859,7 @@
       </p:pic>
       <p:pic>
         <p:nvPicPr>
-          <p:cNvPr id="830725823" name=""/>
+          <p:cNvPr id="1551286963" name=""/>
           <p:cNvPicPr>
             <a:picLocks noChangeAspect="1"/>
           </p:cNvPicPr>
@@ -11218,7 +11881,7 @@
       </p:pic>
       <p:pic>
         <p:nvPicPr>
-          <p:cNvPr id="2145481521" name=""/>
+          <p:cNvPr id="502667986" name=""/>
           <p:cNvPicPr>
             <a:picLocks noChangeAspect="1"/>
           </p:cNvPicPr>
@@ -11277,7 +11940,7 @@
       </p:grpSpPr>
       <p:pic>
         <p:nvPicPr>
-          <p:cNvPr id="1358604779" name=""/>
+          <p:cNvPr id="671412404" name=""/>
           <p:cNvPicPr>
             <a:picLocks noChangeAspect="1"/>
           </p:cNvPicPr>
@@ -11299,7 +11962,7 @@
       </p:pic>
       <p:pic>
         <p:nvPicPr>
-          <p:cNvPr id="1176408259" name=""/>
+          <p:cNvPr id="1352943282" name=""/>
           <p:cNvPicPr>
             <a:picLocks noChangeAspect="1"/>
           </p:cNvPicPr>
@@ -11321,7 +11984,7 @@
       </p:pic>
       <p:sp>
         <p:nvSpPr>
-          <p:cNvPr id="1713980853" name=""/>
+          <p:cNvPr id="1813684150" name=""/>
           <p:cNvSpPr txBox="1"/>
           <p:nvPr/>
         </p:nvSpPr>
@@ -11349,7 +12012,7 @@
       </p:sp>
       <p:pic>
         <p:nvPicPr>
-          <p:cNvPr id="2106362760" name=""/>
+          <p:cNvPr id="246260130" name=""/>
           <p:cNvPicPr>
             <a:picLocks noChangeAspect="1"/>
           </p:cNvPicPr>
@@ -11371,7 +12034,7 @@
       </p:pic>
       <p:sp>
         <p:nvSpPr>
-          <p:cNvPr id="1319975068" name="Text Placeholder 1"/>
+          <p:cNvPr id="954263505" name="Text Placeholder 1"/>
           <p:cNvSpPr>
             <a:spLocks noGrp="1"/>
           </p:cNvSpPr>
@@ -11411,7 +12074,7 @@
       </p:sp>
       <p:pic>
         <p:nvPicPr>
-          <p:cNvPr id="1826321778" name="Picture 679748627"/>
+          <p:cNvPr id="1100133130" name="Picture 679748627"/>
           <p:cNvPicPr>
             <a:picLocks noChangeAspect="1"/>
           </p:cNvPicPr>
@@ -11434,7 +12097,7 @@
       </p:pic>
       <p:pic>
         <p:nvPicPr>
-          <p:cNvPr id="1088923461" name=""/>
+          <p:cNvPr id="96879207" name=""/>
           <p:cNvPicPr>
             <a:picLocks noChangeAspect="1"/>
           </p:cNvPicPr>
@@ -11456,7 +12119,7 @@
       </p:pic>
       <p:pic>
         <p:nvPicPr>
-          <p:cNvPr id="1177979049" name=""/>
+          <p:cNvPr id="957749886" name=""/>
           <p:cNvPicPr>
             <a:picLocks noChangeAspect="1"/>
           </p:cNvPicPr>
@@ -11479,7 +12142,7 @@
       </p:pic>
       <p:pic>
         <p:nvPicPr>
-          <p:cNvPr id="859332400" name=""/>
+          <p:cNvPr id="2008941805" name=""/>
           <p:cNvPicPr>
             <a:picLocks noChangeAspect="1"/>
           </p:cNvPicPr>
@@ -11501,7 +12164,7 @@
       </p:pic>
       <p:pic>
         <p:nvPicPr>
-          <p:cNvPr id="429268498" name=""/>
+          <p:cNvPr id="222513890" name=""/>
           <p:cNvPicPr>
             <a:picLocks noChangeAspect="1"/>
           </p:cNvPicPr>
@@ -11523,7 +12186,7 @@
       </p:pic>
       <p:pic>
         <p:nvPicPr>
-          <p:cNvPr id="1003554884" name=""/>
+          <p:cNvPr id="1566043701" name=""/>
           <p:cNvPicPr>
             <a:picLocks noChangeAspect="1"/>
           </p:cNvPicPr>
@@ -11545,7 +12208,7 @@
       </p:pic>
       <p:pic>
         <p:nvPicPr>
-          <p:cNvPr id="927616378" name=""/>
+          <p:cNvPr id="2094411104" name=""/>
           <p:cNvPicPr>
             <a:picLocks noChangeAspect="1"/>
           </p:cNvPicPr>
@@ -11567,7 +12230,7 @@
       </p:pic>
       <p:pic>
         <p:nvPicPr>
-          <p:cNvPr id="225609805" name=""/>
+          <p:cNvPr id="2043517096" name=""/>
           <p:cNvPicPr>
             <a:picLocks noChangeAspect="1"/>
           </p:cNvPicPr>
@@ -11590,7 +12253,7 @@
       </p:pic>
       <p:pic>
         <p:nvPicPr>
-          <p:cNvPr id="755693111" name=""/>
+          <p:cNvPr id="1777825024" name=""/>
           <p:cNvPicPr>
             <a:picLocks noChangeAspect="1"/>
           </p:cNvPicPr>
@@ -11612,7 +12275,7 @@
       </p:pic>
       <p:pic>
         <p:nvPicPr>
-          <p:cNvPr id="757743275" name=""/>
+          <p:cNvPr id="948056151" name=""/>
           <p:cNvPicPr>
             <a:picLocks noChangeAspect="1"/>
           </p:cNvPicPr>
@@ -11634,7 +12297,7 @@
       </p:pic>
       <p:pic>
         <p:nvPicPr>
-          <p:cNvPr id="116453629" name=""/>
+          <p:cNvPr id="2066742341" name=""/>
           <p:cNvPicPr>
             <a:picLocks noChangeAspect="1"/>
           </p:cNvPicPr>
@@ -11656,7 +12319,7 @@
       </p:pic>
       <p:pic>
         <p:nvPicPr>
-          <p:cNvPr id="338379994" name=""/>
+          <p:cNvPr id="480874684" name=""/>
           <p:cNvPicPr>
             <a:picLocks noChangeAspect="1"/>
           </p:cNvPicPr>
@@ -11716,7 +12379,7 @@
       </p:grpSpPr>
       <p:pic>
         <p:nvPicPr>
-          <p:cNvPr id="1186005818" name=""/>
+          <p:cNvPr id="504897211" name=""/>
           <p:cNvPicPr>
             <a:picLocks noChangeAspect="1"/>
           </p:cNvPicPr>
@@ -11738,7 +12401,7 @@
       </p:pic>
       <p:sp>
         <p:nvSpPr>
-          <p:cNvPr id="558808651" name=""/>
+          <p:cNvPr id="1747332989" name=""/>
           <p:cNvSpPr txBox="1"/>
           <p:nvPr/>
         </p:nvSpPr>
@@ -11766,7 +12429,7 @@
       </p:sp>
       <p:pic>
         <p:nvPicPr>
-          <p:cNvPr id="1695472062" name=""/>
+          <p:cNvPr id="430889085" name=""/>
           <p:cNvPicPr>
             <a:picLocks noChangeAspect="1"/>
           </p:cNvPicPr>
@@ -11788,7 +12451,7 @@
       </p:pic>
       <p:sp>
         <p:nvSpPr>
-          <p:cNvPr id="288453719" name="Text Placeholder 1"/>
+          <p:cNvPr id="755166220" name="Text Placeholder 1"/>
           <p:cNvSpPr>
             <a:spLocks noGrp="1"/>
           </p:cNvSpPr>
@@ -11810,16 +12473,31 @@
               <a:defRPr/>
             </a:pPr>
             <a:r>
-              <a:rPr/>
-              <a:t>Precisione</a:t>
-            </a:r>
+              <a:rPr lang="it-IT" sz="2700" b="1" i="0" u="none" strike="noStrike" cap="none" spc="0">
+                <a:solidFill>
+                  <a:schemeClr val="accent6">
+                    <a:lumMod val="75000"/>
+                  </a:schemeClr>
+                </a:solidFill>
+                <a:latin typeface="Arial"/>
+                <a:ea typeface="Arial"/>
+                <a:cs typeface="Arial"/>
+              </a:rPr>
+              <a:t>Obbiettivi</a:t>
+            </a:r>
+            <a:endParaRPr sz="2700"/>
+          </a:p>
+          <a:p>
+            <a:pPr>
+              <a:defRPr/>
+            </a:pPr>
             <a:endParaRPr/>
           </a:p>
         </p:txBody>
       </p:sp>
       <p:pic>
         <p:nvPicPr>
-          <p:cNvPr id="809732820" name="Picture 679748627"/>
+          <p:cNvPr id="145699802" name="Picture 679748627"/>
           <p:cNvPicPr>
             <a:picLocks noChangeAspect="1"/>
           </p:cNvPicPr>
@@ -11832,7 +12510,7 @@
         </p:blipFill>
         <p:spPr bwMode="auto">
           <a:xfrm rot="0" flipH="0" flipV="0">
-            <a:off x="3194237" y="2533648"/>
+            <a:off x="3368717" y="2552700"/>
             <a:ext cx="1782010" cy="1752598"/>
           </a:xfrm>
           <a:prstGeom prst="rect">
@@ -11842,7 +12520,7 @@
       </p:pic>
       <p:pic>
         <p:nvPicPr>
-          <p:cNvPr id="1858845150" name=""/>
+          <p:cNvPr id="1910192901" name=""/>
           <p:cNvPicPr>
             <a:picLocks noChangeAspect="1"/>
           </p:cNvPicPr>
@@ -11864,7 +12542,7 @@
       </p:pic>
       <p:pic>
         <p:nvPicPr>
-          <p:cNvPr id="1037306596" name=""/>
+          <p:cNvPr id="1209603077" name=""/>
           <p:cNvPicPr>
             <a:picLocks noChangeAspect="1"/>
           </p:cNvPicPr>
@@ -11877,7 +12555,7 @@
         </p:blipFill>
         <p:spPr bwMode="auto">
           <a:xfrm flipH="0" flipV="0">
-            <a:off x="3021483" y="795603"/>
+            <a:off x="3195963" y="795602"/>
             <a:ext cx="2127519" cy="1571089"/>
           </a:xfrm>
           <a:prstGeom prst="rect">
@@ -11885,6 +12563,131 @@
           </a:prstGeom>
         </p:spPr>
       </p:pic>
+      <p:sp>
+        <p:nvSpPr>
+          <p:cNvPr id="1865299870" name=""/>
+          <p:cNvSpPr txBox="1"/>
+          <p:nvPr/>
+        </p:nvSpPr>
+        <p:spPr bwMode="auto">
+          <a:xfrm rot="0" flipH="0" flipV="0">
+            <a:off x="1306120" y="2842612"/>
+            <a:ext cx="1634663" cy="366119"/>
+          </a:xfrm>
+          <a:prstGeom prst="rect">
+            <a:avLst/>
+          </a:prstGeom>
+          <a:noFill/>
+        </p:spPr>
+        <p:txBody>
+          <a:bodyPr vertOverflow="overflow" horzOverflow="overflow" vert="horz" wrap="square" lIns="91440" tIns="45720" rIns="91440" bIns="45720" numCol="1" spcCol="0" rtlCol="0" fromWordArt="0" anchor="t" anchorCtr="0" forceAA="0" upright="0" compatLnSpc="0">
+            <a:spAutoFit/>
+          </a:bodyPr>
+          <a:p>
+            <a:pPr algn="ctr">
+              <a:defRPr/>
+            </a:pPr>
+            <a:r>
+              <a:rPr lang="it-IT" b="1" i="0" u="none" strike="noStrike" cap="none" spc="0">
+                <a:solidFill>
+                  <a:schemeClr val="accent6">
+                    <a:lumMod val="75000"/>
+                  </a:schemeClr>
+                </a:solidFill>
+                <a:latin typeface="Arial"/>
+                <a:ea typeface="Arial"/>
+                <a:cs typeface="Arial"/>
+              </a:rPr>
+              <a:t>Sicurezza</a:t>
+            </a:r>
+            <a:endParaRPr/>
+          </a:p>
+        </p:txBody>
+      </p:sp>
+      <p:sp>
+        <p:nvSpPr>
+          <p:cNvPr id="816648283" name=""/>
+          <p:cNvSpPr txBox="1"/>
+          <p:nvPr/>
+        </p:nvSpPr>
+        <p:spPr bwMode="auto">
+          <a:xfrm rot="0" flipH="0" flipV="0">
+            <a:off x="3269710" y="2093709"/>
+            <a:ext cx="1980022" cy="366119"/>
+          </a:xfrm>
+          <a:prstGeom prst="rect">
+            <a:avLst/>
+          </a:prstGeom>
+          <a:noFill/>
+        </p:spPr>
+        <p:txBody>
+          <a:bodyPr vertOverflow="overflow" horzOverflow="overflow" vert="horz" wrap="square" lIns="91440" tIns="45720" rIns="91440" bIns="45720" numCol="1" spcCol="0" rtlCol="0" fromWordArt="0" anchor="t" anchorCtr="0" forceAA="0" upright="0" compatLnSpc="0">
+            <a:spAutoFit/>
+          </a:bodyPr>
+          <a:p>
+            <a:pPr algn="l">
+              <a:defRPr/>
+            </a:pPr>
+            <a:r>
+              <a:rPr lang="it-IT" b="1" i="0" u="none" strike="noStrike" cap="none" spc="0">
+                <a:solidFill>
+                  <a:srgbClr val="FF0000"/>
+                </a:solidFill>
+                <a:latin typeface="Arial"/>
+                <a:ea typeface="Arial"/>
+                <a:cs typeface="Arial"/>
+              </a:rPr>
+              <a:t>Comunicazione</a:t>
+            </a:r>
+            <a:endParaRPr>
+              <a:solidFill>
+                <a:srgbClr val="FF0000"/>
+              </a:solidFill>
+            </a:endParaRPr>
+          </a:p>
+        </p:txBody>
+      </p:sp>
+      <p:sp>
+        <p:nvSpPr>
+          <p:cNvPr id="286295044" name=""/>
+          <p:cNvSpPr txBox="1"/>
+          <p:nvPr/>
+        </p:nvSpPr>
+        <p:spPr bwMode="auto">
+          <a:xfrm rot="0" flipH="0" flipV="0">
+            <a:off x="1390419" y="4983266"/>
+            <a:ext cx="1631063" cy="366119"/>
+          </a:xfrm>
+          <a:prstGeom prst="rect">
+            <a:avLst/>
+          </a:prstGeom>
+          <a:noFill/>
+        </p:spPr>
+        <p:txBody>
+          <a:bodyPr vertOverflow="overflow" horzOverflow="overflow" vert="horz" wrap="square" lIns="91440" tIns="45720" rIns="91440" bIns="45720" numCol="1" spcCol="0" rtlCol="0" fromWordArt="0" anchor="t" anchorCtr="0" forceAA="0" upright="0" compatLnSpc="0">
+            <a:spAutoFit/>
+          </a:bodyPr>
+          <a:p>
+            <a:pPr algn="l">
+              <a:defRPr/>
+            </a:pPr>
+            <a:r>
+              <a:rPr lang="it-IT" b="1" i="0" u="none" strike="noStrike" cap="none" spc="0">
+                <a:solidFill>
+                  <a:schemeClr val="accent6">
+                    <a:lumMod val="75000"/>
+                  </a:schemeClr>
+                </a:solidFill>
+                <a:latin typeface="Arial"/>
+                <a:ea typeface="Arial"/>
+                <a:cs typeface="Arial"/>
+              </a:rPr>
+              <a:t>Compatibilità</a:t>
+            </a:r>
+            <a:endParaRPr/>
+          </a:p>
+        </p:txBody>
+      </p:sp>
     </p:spTree>
   </p:cSld>
   <p:clrMapOvr>
@@ -11924,7 +12727,7 @@
       </p:grpSpPr>
       <p:pic>
         <p:nvPicPr>
-          <p:cNvPr id="242606890" name=""/>
+          <p:cNvPr id="1687861835" name=""/>
           <p:cNvPicPr>
             <a:picLocks noChangeAspect="1"/>
           </p:cNvPicPr>
@@ -11946,7 +12749,7 @@
       </p:pic>
       <p:sp>
         <p:nvSpPr>
-          <p:cNvPr id="348805386" name=""/>
+          <p:cNvPr id="1364983498" name=""/>
           <p:cNvSpPr txBox="1"/>
           <p:nvPr/>
         </p:nvSpPr>
@@ -11974,7 +12777,7 @@
       </p:sp>
       <p:pic>
         <p:nvPicPr>
-          <p:cNvPr id="1390755844" name=""/>
+          <p:cNvPr id="1201813599" name=""/>
           <p:cNvPicPr>
             <a:picLocks noChangeAspect="1"/>
           </p:cNvPicPr>
@@ -11996,7 +12799,7 @@
       </p:pic>
       <p:sp>
         <p:nvSpPr>
-          <p:cNvPr id="214582791" name="Text Placeholder 1"/>
+          <p:cNvPr id="851496351" name="Text Placeholder 1"/>
           <p:cNvSpPr>
             <a:spLocks noGrp="1"/>
           </p:cNvSpPr>
@@ -12018,16 +12821,31 @@
               <a:defRPr/>
             </a:pPr>
             <a:r>
-              <a:rPr/>
-              <a:t>Precisione</a:t>
-            </a:r>
+              <a:rPr lang="it-IT" sz="2700" b="1" i="0" u="none" strike="noStrike" cap="none" spc="0">
+                <a:solidFill>
+                  <a:schemeClr val="accent6">
+                    <a:lumMod val="75000"/>
+                  </a:schemeClr>
+                </a:solidFill>
+                <a:latin typeface="Arial"/>
+                <a:ea typeface="Arial"/>
+                <a:cs typeface="Arial"/>
+              </a:rPr>
+              <a:t>Obbiettivi</a:t>
+            </a:r>
+            <a:endParaRPr sz="2700"/>
+          </a:p>
+          <a:p>
+            <a:pPr>
+              <a:defRPr/>
+            </a:pPr>
             <a:endParaRPr/>
           </a:p>
         </p:txBody>
       </p:sp>
       <p:pic>
         <p:nvPicPr>
-          <p:cNvPr id="2006038113" name="Picture 679748627"/>
+          <p:cNvPr id="1969644668" name="Picture 679748627"/>
           <p:cNvPicPr>
             <a:picLocks noChangeAspect="1"/>
           </p:cNvPicPr>
@@ -12050,7 +12868,7 @@
       </p:pic>
       <p:pic>
         <p:nvPicPr>
-          <p:cNvPr id="224649402" name=""/>
+          <p:cNvPr id="959236620" name=""/>
           <p:cNvPicPr>
             <a:picLocks noChangeAspect="1"/>
           </p:cNvPicPr>
@@ -12072,7 +12890,7 @@
       </p:pic>
       <p:pic>
         <p:nvPicPr>
-          <p:cNvPr id="1393557137" name=""/>
+          <p:cNvPr id="507222795" name=""/>
           <p:cNvPicPr>
             <a:picLocks noChangeAspect="1"/>
           </p:cNvPicPr>
@@ -12095,7 +12913,7 @@
       </p:pic>
       <p:pic>
         <p:nvPicPr>
-          <p:cNvPr id="645222395" name=""/>
+          <p:cNvPr id="1891676890" name=""/>
           <p:cNvPicPr>
             <a:picLocks noChangeAspect="1"/>
           </p:cNvPicPr>
@@ -12115,6 +12933,168 @@
           </a:prstGeom>
         </p:spPr>
       </p:pic>
+      <p:sp>
+        <p:nvSpPr>
+          <p:cNvPr id="1943502719" name=""/>
+          <p:cNvSpPr txBox="1"/>
+          <p:nvPr/>
+        </p:nvSpPr>
+        <p:spPr bwMode="auto">
+          <a:xfrm rot="0" flipH="0" flipV="0">
+            <a:off x="3269889" y="5570641"/>
+            <a:ext cx="1630704" cy="365759"/>
+          </a:xfrm>
+          <a:prstGeom prst="rect">
+            <a:avLst/>
+          </a:prstGeom>
+          <a:noFill/>
+        </p:spPr>
+        <p:txBody>
+          <a:bodyPr vertOverflow="overflow" horzOverflow="overflow" vert="horz" wrap="square" lIns="91440" tIns="45720" rIns="91440" bIns="45720" numCol="1" spcCol="0" rtlCol="0" fromWordArt="0" anchor="t" anchorCtr="0" forceAA="0" upright="0" compatLnSpc="0">
+            <a:spAutoFit/>
+          </a:bodyPr>
+          <a:p>
+            <a:pPr algn="l">
+              <a:defRPr/>
+            </a:pPr>
+            <a:r>
+              <a:rPr lang="it-IT" b="1" i="0" u="none" strike="noStrike" cap="none" spc="0">
+                <a:solidFill>
+                  <a:schemeClr val="accent6">
+                    <a:lumMod val="75000"/>
+                  </a:schemeClr>
+                </a:solidFill>
+                <a:latin typeface="Arial"/>
+                <a:ea typeface="Arial"/>
+                <a:cs typeface="Arial"/>
+              </a:rPr>
+              <a:t>Compatibilità</a:t>
+            </a:r>
+            <a:endParaRPr/>
+          </a:p>
+        </p:txBody>
+      </p:sp>
+      <p:sp>
+        <p:nvSpPr>
+          <p:cNvPr id="1022418562" name=""/>
+          <p:cNvSpPr txBox="1"/>
+          <p:nvPr/>
+        </p:nvSpPr>
+        <p:spPr bwMode="auto">
+          <a:xfrm rot="0" flipH="0" flipV="0">
+            <a:off x="1325470" y="4617726"/>
+            <a:ext cx="1634663" cy="366119"/>
+          </a:xfrm>
+          <a:prstGeom prst="rect">
+            <a:avLst/>
+          </a:prstGeom>
+          <a:noFill/>
+        </p:spPr>
+        <p:txBody>
+          <a:bodyPr vertOverflow="overflow" horzOverflow="overflow" vert="horz" wrap="square" lIns="91440" tIns="45720" rIns="91440" bIns="45720" numCol="1" spcCol="0" rtlCol="0" fromWordArt="0" anchor="t" anchorCtr="0" forceAA="0" upright="0" compatLnSpc="0">
+            <a:spAutoFit/>
+          </a:bodyPr>
+          <a:p>
+            <a:pPr algn="ctr">
+              <a:defRPr/>
+            </a:pPr>
+            <a:r>
+              <a:rPr lang="it-IT" b="1" i="0" u="none" strike="noStrike" cap="none" spc="0">
+                <a:solidFill>
+                  <a:schemeClr val="accent6">
+                    <a:lumMod val="75000"/>
+                  </a:schemeClr>
+                </a:solidFill>
+                <a:latin typeface="Arial"/>
+                <a:ea typeface="Arial"/>
+                <a:cs typeface="Arial"/>
+              </a:rPr>
+              <a:t>Sicurezza</a:t>
+            </a:r>
+            <a:endParaRPr/>
+          </a:p>
+        </p:txBody>
+      </p:sp>
+      <p:sp>
+        <p:nvSpPr>
+          <p:cNvPr id="1223416573" name=""/>
+          <p:cNvSpPr txBox="1"/>
+          <p:nvPr/>
+        </p:nvSpPr>
+        <p:spPr bwMode="auto">
+          <a:xfrm rot="0" flipH="0" flipV="0">
+            <a:off x="1152970" y="3149082"/>
+            <a:ext cx="1979662" cy="366119"/>
+          </a:xfrm>
+          <a:prstGeom prst="rect">
+            <a:avLst/>
+          </a:prstGeom>
+          <a:noFill/>
+        </p:spPr>
+        <p:txBody>
+          <a:bodyPr vertOverflow="overflow" horzOverflow="overflow" vert="horz" wrap="square" lIns="91440" tIns="45720" rIns="91440" bIns="45720" numCol="1" spcCol="0" rtlCol="0" fromWordArt="0" anchor="t" anchorCtr="0" forceAA="0" upright="0" compatLnSpc="0">
+            <a:spAutoFit/>
+          </a:bodyPr>
+          <a:p>
+            <a:pPr algn="l">
+              <a:defRPr/>
+            </a:pPr>
+            <a:r>
+              <a:rPr lang="it-IT" b="1" i="0" u="none" strike="noStrike" cap="none" spc="0">
+                <a:solidFill>
+                  <a:schemeClr val="accent6">
+                    <a:lumMod val="75000"/>
+                  </a:schemeClr>
+                </a:solidFill>
+                <a:latin typeface="Arial"/>
+                <a:ea typeface="Arial"/>
+                <a:cs typeface="Arial"/>
+              </a:rPr>
+              <a:t>Comunicazione</a:t>
+            </a:r>
+            <a:endParaRPr/>
+          </a:p>
+        </p:txBody>
+      </p:sp>
+      <p:sp>
+        <p:nvSpPr>
+          <p:cNvPr id="1252016890" name=""/>
+          <p:cNvSpPr txBox="1"/>
+          <p:nvPr/>
+        </p:nvSpPr>
+        <p:spPr bwMode="auto">
+          <a:xfrm rot="0" flipH="0" flipV="0">
+            <a:off x="3093250" y="2289498"/>
+            <a:ext cx="1984341" cy="366119"/>
+          </a:xfrm>
+          <a:prstGeom prst="rect">
+            <a:avLst/>
+          </a:prstGeom>
+          <a:noFill/>
+        </p:spPr>
+        <p:txBody>
+          <a:bodyPr vertOverflow="overflow" horzOverflow="overflow" vert="horz" wrap="square" lIns="91440" tIns="45720" rIns="91440" bIns="45720" numCol="1" spcCol="0" rtlCol="0" fromWordArt="0" anchor="t" anchorCtr="0" forceAA="0" upright="0" compatLnSpc="0">
+            <a:spAutoFit/>
+          </a:bodyPr>
+          <a:p>
+            <a:pPr algn="ctr">
+              <a:defRPr/>
+            </a:pPr>
+            <a:r>
+              <a:rPr lang="it-IT" b="1" i="0" u="none" strike="noStrike" cap="none" spc="0">
+                <a:solidFill>
+                  <a:srgbClr val="FF0000"/>
+                </a:solidFill>
+                <a:latin typeface="Arial"/>
+                <a:ea typeface="Arial"/>
+                <a:cs typeface="Arial"/>
+              </a:rPr>
+              <a:t>Precisione</a:t>
+            </a:r>
+            <a:endParaRPr/>
+          </a:p>
+        </p:txBody>
+      </p:sp>
     </p:spTree>
   </p:cSld>
   <p:clrMapOvr>
@@ -12154,7 +13134,7 @@
       </p:grpSpPr>
       <p:pic>
         <p:nvPicPr>
-          <p:cNvPr id="1343161907" name=""/>
+          <p:cNvPr id="971559330" name=""/>
           <p:cNvPicPr>
             <a:picLocks noChangeAspect="1"/>
           </p:cNvPicPr>
@@ -12176,7 +13156,7 @@
       </p:pic>
       <p:sp>
         <p:nvSpPr>
-          <p:cNvPr id="1721064556" name=""/>
+          <p:cNvPr id="580143985" name=""/>
           <p:cNvSpPr txBox="1"/>
           <p:nvPr/>
         </p:nvSpPr>
@@ -12204,7 +13184,7 @@
       </p:sp>
       <p:pic>
         <p:nvPicPr>
-          <p:cNvPr id="1140448564" name=""/>
+          <p:cNvPr id="1681872988" name=""/>
           <p:cNvPicPr>
             <a:picLocks noChangeAspect="1"/>
           </p:cNvPicPr>
@@ -12226,7 +13206,7 @@
       </p:pic>
       <p:sp>
         <p:nvSpPr>
-          <p:cNvPr id="839831142" name="Text Placeholder 1"/>
+          <p:cNvPr id="1633857826" name="Text Placeholder 1"/>
           <p:cNvSpPr>
             <a:spLocks noGrp="1"/>
           </p:cNvSpPr>
@@ -12257,7 +13237,7 @@
       </p:sp>
       <p:pic>
         <p:nvPicPr>
-          <p:cNvPr id="1767505730" name="Picture 679748627"/>
+          <p:cNvPr id="739067700" name="Picture 679748627"/>
           <p:cNvPicPr>
             <a:picLocks noChangeAspect="1"/>
           </p:cNvPicPr>
@@ -12280,7 +13260,7 @@
       </p:pic>
       <p:pic>
         <p:nvPicPr>
-          <p:cNvPr id="884955512" name=""/>
+          <p:cNvPr id="461423019" name=""/>
           <p:cNvPicPr>
             <a:picLocks noChangeAspect="1"/>
           </p:cNvPicPr>
@@ -12302,7 +13282,7 @@
       </p:pic>
       <p:pic>
         <p:nvPicPr>
-          <p:cNvPr id="786595898" name=""/>
+          <p:cNvPr id="387601986" name=""/>
           <p:cNvPicPr>
             <a:picLocks noChangeAspect="1"/>
           </p:cNvPicPr>
@@ -12325,7 +13305,7 @@
       </p:pic>
       <p:pic>
         <p:nvPicPr>
-          <p:cNvPr id="1145660588" name=""/>
+          <p:cNvPr id="33600340" name=""/>
           <p:cNvPicPr>
             <a:picLocks noChangeAspect="1"/>
           </p:cNvPicPr>
@@ -12336,9 +13316,9 @@
           <a:stretch/>
         </p:blipFill>
         <p:spPr bwMode="auto">
-          <a:xfrm>
-            <a:off x="-178798" y="2443639"/>
-            <a:ext cx="2143125" cy="2143125"/>
+          <a:xfrm flipH="0" flipV="0">
+            <a:off x="1657349" y="2237095"/>
+            <a:ext cx="3040156" cy="2556212"/>
           </a:xfrm>
           <a:prstGeom prst="rect">
             <a:avLst/>
@@ -12347,7 +13327,7 @@
       </p:pic>
       <p:pic>
         <p:nvPicPr>
-          <p:cNvPr id="1131405101" name=""/>
+          <p:cNvPr id="1774804776" name=""/>
           <p:cNvPicPr>
             <a:picLocks noChangeAspect="1"/>
           </p:cNvPicPr>
@@ -12359,28 +13339,6 @@
         </p:blipFill>
         <p:spPr bwMode="auto">
           <a:xfrm flipH="0" flipV="0">
-            <a:off x="1657349" y="2237095"/>
-            <a:ext cx="3040156" cy="2556212"/>
-          </a:xfrm>
-          <a:prstGeom prst="rect">
-            <a:avLst/>
-          </a:prstGeom>
-        </p:spPr>
-      </p:pic>
-      <p:pic>
-        <p:nvPicPr>
-          <p:cNvPr id="1643088961" name=""/>
-          <p:cNvPicPr>
-            <a:picLocks noChangeAspect="1"/>
-          </p:cNvPicPr>
-          <p:nvPr/>
-        </p:nvPicPr>
-        <p:blipFill>
-          <a:blip r:embed="rId10"/>
-          <a:stretch/>
-        </p:blipFill>
-        <p:spPr bwMode="auto">
-          <a:xfrm flipH="0" flipV="0">
             <a:off x="5077180" y="2161656"/>
             <a:ext cx="2788584" cy="2631651"/>
           </a:xfrm>
@@ -12389,6 +13347,210 @@
           </a:prstGeom>
         </p:spPr>
       </p:pic>
+      <p:sp>
+        <p:nvSpPr>
+          <p:cNvPr id="1300689120" name=""/>
+          <p:cNvSpPr txBox="1"/>
+          <p:nvPr/>
+        </p:nvSpPr>
+        <p:spPr bwMode="auto">
+          <a:xfrm rot="0" flipH="0" flipV="0">
+            <a:off x="2265018" y="1790986"/>
+            <a:ext cx="1637183" cy="366119"/>
+          </a:xfrm>
+          <a:prstGeom prst="rect">
+            <a:avLst/>
+          </a:prstGeom>
+          <a:noFill/>
+        </p:spPr>
+        <p:txBody>
+          <a:bodyPr vertOverflow="overflow" horzOverflow="overflow" vert="horz" wrap="square" lIns="91440" tIns="45720" rIns="91440" bIns="45720" numCol="1" spcCol="0" rtlCol="0" fromWordArt="0" anchor="t" anchorCtr="0" forceAA="0" upright="0" compatLnSpc="0">
+            <a:spAutoFit/>
+          </a:bodyPr>
+          <a:p>
+            <a:pPr algn="ctr">
+              <a:defRPr/>
+            </a:pPr>
+            <a:r>
+              <a:rPr lang="it-IT" b="1" i="0" u="none" strike="noStrike" cap="none" spc="0">
+                <a:solidFill>
+                  <a:schemeClr val="tx1"/>
+                </a:solidFill>
+                <a:latin typeface="Arial"/>
+                <a:ea typeface="Arial"/>
+                <a:cs typeface="Arial"/>
+              </a:rPr>
+              <a:t>3bit</a:t>
+            </a:r>
+            <a:endParaRPr/>
+          </a:p>
+        </p:txBody>
+      </p:sp>
+      <p:sp>
+        <p:nvSpPr>
+          <p:cNvPr id="771135605" name=""/>
+          <p:cNvSpPr txBox="1"/>
+          <p:nvPr/>
+        </p:nvSpPr>
+        <p:spPr bwMode="auto">
+          <a:xfrm rot="0" flipH="0" flipV="0">
+            <a:off x="5652699" y="1713502"/>
+            <a:ext cx="1637543" cy="366119"/>
+          </a:xfrm>
+          <a:prstGeom prst="rect">
+            <a:avLst/>
+          </a:prstGeom>
+          <a:noFill/>
+        </p:spPr>
+        <p:txBody>
+          <a:bodyPr vertOverflow="overflow" horzOverflow="overflow" vert="horz" wrap="square" lIns="91440" tIns="45720" rIns="91440" bIns="45720" numCol="1" spcCol="0" rtlCol="0" fromWordArt="0" anchor="t" anchorCtr="0" forceAA="0" upright="0" compatLnSpc="0">
+            <a:spAutoFit/>
+          </a:bodyPr>
+          <a:p>
+            <a:pPr algn="ctr">
+              <a:defRPr/>
+            </a:pPr>
+            <a:r>
+              <a:rPr lang="it-IT" b="1" i="0" u="none" strike="noStrike" cap="none" spc="0">
+                <a:solidFill>
+                  <a:schemeClr val="tx1"/>
+                </a:solidFill>
+                <a:latin typeface="Arial"/>
+                <a:ea typeface="Arial"/>
+                <a:cs typeface="Arial"/>
+              </a:rPr>
+              <a:t>4 bit</a:t>
+            </a:r>
+            <a:endParaRPr/>
+          </a:p>
+        </p:txBody>
+      </p:sp>
+      <p:sp>
+        <p:nvSpPr>
+          <p:cNvPr id="304989991" name=""/>
+          <p:cNvSpPr txBox="1"/>
+          <p:nvPr/>
+        </p:nvSpPr>
+        <p:spPr bwMode="auto">
+          <a:xfrm rot="0" flipH="0" flipV="0">
+            <a:off x="1570757" y="5118637"/>
+            <a:ext cx="2840672" cy="640440"/>
+          </a:xfrm>
+          <a:prstGeom prst="rect">
+            <a:avLst/>
+          </a:prstGeom>
+          <a:noFill/>
+        </p:spPr>
+        <p:txBody>
+          <a:bodyPr vertOverflow="overflow" horzOverflow="overflow" vert="horz" wrap="square" lIns="91440" tIns="45720" rIns="91440" bIns="45720" numCol="1" spcCol="0" rtlCol="0" fromWordArt="0" anchor="t" anchorCtr="0" forceAA="0" upright="0" compatLnSpc="0">
+            <a:spAutoFit/>
+          </a:bodyPr>
+          <a:p>
+            <a:pPr algn="ctr">
+              <a:defRPr/>
+            </a:pPr>
+            <a:r>
+              <a:rPr lang="it-IT" b="1" i="0" u="none" strike="noStrike" cap="none" spc="0">
+                <a:solidFill>
+                  <a:schemeClr val="tx1"/>
+                </a:solidFill>
+                <a:latin typeface="Arial"/>
+                <a:ea typeface="Arial"/>
+                <a:cs typeface="Arial"/>
+              </a:rPr>
+              <a:t>ADC ESP</a:t>
+            </a:r>
+            <a:endParaRPr lang="it-IT" b="1" i="0" u="none" strike="noStrike" cap="none" spc="0">
+              <a:solidFill>
+                <a:schemeClr val="tx1"/>
+              </a:solidFill>
+              <a:latin typeface="Arial"/>
+              <a:ea typeface="Arial"/>
+              <a:cs typeface="Arial"/>
+            </a:endParaRPr>
+          </a:p>
+          <a:p>
+            <a:pPr algn="ctr">
+              <a:defRPr/>
+            </a:pPr>
+            <a:r>
+              <a:rPr lang="it-IT" b="1" i="0" u="none" strike="noStrike" cap="none" spc="0">
+                <a:solidFill>
+                  <a:schemeClr val="tx1"/>
+                </a:solidFill>
+                <a:latin typeface="Arial"/>
+                <a:ea typeface="Arial"/>
+                <a:cs typeface="Arial"/>
+              </a:rPr>
+              <a:t>12 bit = 4096 livelli</a:t>
+            </a:r>
+            <a:endParaRPr/>
+          </a:p>
+        </p:txBody>
+      </p:sp>
+      <p:sp>
+        <p:nvSpPr>
+          <p:cNvPr id="1067570029" name=""/>
+          <p:cNvSpPr txBox="1"/>
+          <p:nvPr/>
+        </p:nvSpPr>
+        <p:spPr bwMode="auto">
+          <a:xfrm rot="0" flipH="0" flipV="0">
+            <a:off x="5069339" y="5141150"/>
+            <a:ext cx="2846792" cy="640440"/>
+          </a:xfrm>
+          <a:prstGeom prst="rect">
+            <a:avLst/>
+          </a:prstGeom>
+          <a:noFill/>
+        </p:spPr>
+        <p:txBody>
+          <a:bodyPr vertOverflow="overflow" horzOverflow="overflow" vert="horz" wrap="square" lIns="91440" tIns="45720" rIns="91440" bIns="45720" numCol="1" spcCol="0" rtlCol="0" fromWordArt="0" anchor="t" anchorCtr="0" forceAA="0" upright="0" compatLnSpc="0">
+            <a:spAutoFit/>
+          </a:bodyPr>
+          <a:p>
+            <a:pPr algn="ctr">
+              <a:defRPr/>
+            </a:pPr>
+            <a:r>
+              <a:rPr lang="it-IT" b="1" i="0" u="none" strike="noStrike" cap="none" spc="0">
+                <a:solidFill>
+                  <a:schemeClr val="tx1"/>
+                </a:solidFill>
+                <a:latin typeface="Arial"/>
+                <a:ea typeface="Arial"/>
+                <a:cs typeface="Arial"/>
+              </a:rPr>
+              <a:t>ADC ADS1115</a:t>
+            </a:r>
+            <a:endParaRPr lang="it-IT" b="1" i="0" u="none" strike="noStrike" cap="none" spc="0">
+              <a:solidFill>
+                <a:schemeClr val="tx1"/>
+              </a:solidFill>
+              <a:latin typeface="Arial"/>
+              <a:ea typeface="Arial"/>
+              <a:cs typeface="Arial"/>
+            </a:endParaRPr>
+          </a:p>
+          <a:p>
+            <a:pPr algn="ctr">
+              <a:defRPr/>
+            </a:pPr>
+            <a:r>
+              <a:rPr lang="it-IT" b="1" i="0" u="none" strike="noStrike" cap="none" spc="0">
+                <a:solidFill>
+                  <a:schemeClr val="tx1"/>
+                </a:solidFill>
+                <a:latin typeface="Arial"/>
+                <a:ea typeface="Arial"/>
+                <a:cs typeface="Arial"/>
+              </a:rPr>
+              <a:t>16 bit = 65K livelli</a:t>
+            </a:r>
+            <a:endParaRPr/>
+          </a:p>
+        </p:txBody>
+      </p:sp>
     </p:spTree>
   </p:cSld>
   <p:clrMapOvr>
@@ -12428,7 +13590,7 @@
       </p:grpSpPr>
       <p:pic>
         <p:nvPicPr>
-          <p:cNvPr id="1020882287" name=""/>
+          <p:cNvPr id="1386331414" name=""/>
           <p:cNvPicPr>
             <a:picLocks noChangeAspect="1"/>
           </p:cNvPicPr>
@@ -12450,7 +13612,7 @@
       </p:pic>
       <p:sp>
         <p:nvSpPr>
-          <p:cNvPr id="192316088" name=""/>
+          <p:cNvPr id="510568818" name=""/>
           <p:cNvSpPr txBox="1"/>
           <p:nvPr/>
         </p:nvSpPr>
@@ -12478,7 +13640,7 @@
       </p:sp>
       <p:pic>
         <p:nvPicPr>
-          <p:cNvPr id="1126259721" name=""/>
+          <p:cNvPr id="1424391954" name=""/>
           <p:cNvPicPr>
             <a:picLocks noChangeAspect="1"/>
           </p:cNvPicPr>
@@ -12500,7 +13662,7 @@
       </p:pic>
       <p:sp>
         <p:nvSpPr>
-          <p:cNvPr id="245188602" name="Text Placeholder 1"/>
+          <p:cNvPr id="807558275" name="Text Placeholder 1"/>
           <p:cNvSpPr>
             <a:spLocks noGrp="1"/>
           </p:cNvSpPr>
@@ -12522,16 +13684,31 @@
               <a:defRPr/>
             </a:pPr>
             <a:r>
-              <a:rPr/>
-              <a:t>Versatilità</a:t>
-            </a:r>
+              <a:rPr lang="it-IT" sz="2700" b="1" i="0" u="none" strike="noStrike" cap="none" spc="0">
+                <a:solidFill>
+                  <a:schemeClr val="accent6">
+                    <a:lumMod val="75000"/>
+                  </a:schemeClr>
+                </a:solidFill>
+                <a:latin typeface="Arial"/>
+                <a:ea typeface="Arial"/>
+                <a:cs typeface="Arial"/>
+              </a:rPr>
+              <a:t>Obbiettivi</a:t>
+            </a:r>
+            <a:endParaRPr sz="2700"/>
+          </a:p>
+          <a:p>
+            <a:pPr>
+              <a:defRPr/>
+            </a:pPr>
             <a:endParaRPr/>
           </a:p>
         </p:txBody>
       </p:sp>
       <p:pic>
         <p:nvPicPr>
-          <p:cNvPr id="2142062749" name="Picture 679748627"/>
+          <p:cNvPr id="7501120" name="Picture 679748627"/>
           <p:cNvPicPr>
             <a:picLocks noChangeAspect="1"/>
           </p:cNvPicPr>
@@ -12554,7 +13731,7 @@
       </p:pic>
       <p:pic>
         <p:nvPicPr>
-          <p:cNvPr id="1966247688" name=""/>
+          <p:cNvPr id="1599979809" name=""/>
           <p:cNvPicPr>
             <a:picLocks noChangeAspect="1"/>
           </p:cNvPicPr>
@@ -12576,7 +13753,7 @@
       </p:pic>
       <p:pic>
         <p:nvPicPr>
-          <p:cNvPr id="687786418" name=""/>
+          <p:cNvPr id="940300544" name=""/>
           <p:cNvPicPr>
             <a:picLocks noChangeAspect="1"/>
           </p:cNvPicPr>
@@ -12599,7 +13776,7 @@
       </p:pic>
       <p:pic>
         <p:nvPicPr>
-          <p:cNvPr id="50897166" name=""/>
+          <p:cNvPr id="1957007018" name=""/>
           <p:cNvPicPr>
             <a:picLocks noChangeAspect="1"/>
           </p:cNvPicPr>
@@ -12621,7 +13798,7 @@
       </p:pic>
       <p:pic>
         <p:nvPicPr>
-          <p:cNvPr id="1276348272" name=""/>
+          <p:cNvPr id="1650031182" name=""/>
           <p:cNvPicPr>
             <a:picLocks noChangeAspect="1"/>
           </p:cNvPicPr>
@@ -12641,6 +13818,213 @@
           </a:prstGeom>
         </p:spPr>
       </p:pic>
+      <p:sp>
+        <p:nvSpPr>
+          <p:cNvPr id="737707448" name=""/>
+          <p:cNvSpPr txBox="1"/>
+          <p:nvPr/>
+        </p:nvSpPr>
+        <p:spPr bwMode="auto">
+          <a:xfrm rot="0" flipH="0" flipV="0">
+            <a:off x="4973657" y="4779328"/>
+            <a:ext cx="1630704" cy="365759"/>
+          </a:xfrm>
+          <a:prstGeom prst="rect">
+            <a:avLst/>
+          </a:prstGeom>
+          <a:noFill/>
+        </p:spPr>
+        <p:txBody>
+          <a:bodyPr vertOverflow="overflow" horzOverflow="overflow" vert="horz" wrap="square" lIns="91440" tIns="45720" rIns="91440" bIns="45720" numCol="1" spcCol="0" rtlCol="0" fromWordArt="0" anchor="t" anchorCtr="0" forceAA="0" upright="0" compatLnSpc="0">
+            <a:spAutoFit/>
+          </a:bodyPr>
+          <a:p>
+            <a:pPr algn="l">
+              <a:defRPr/>
+            </a:pPr>
+            <a:r>
+              <a:rPr lang="it-IT" b="1" i="0" u="none" strike="noStrike" cap="none" spc="0">
+                <a:solidFill>
+                  <a:schemeClr val="accent6">
+                    <a:lumMod val="75000"/>
+                  </a:schemeClr>
+                </a:solidFill>
+                <a:latin typeface="Arial"/>
+                <a:ea typeface="Arial"/>
+                <a:cs typeface="Arial"/>
+              </a:rPr>
+              <a:t>Compatibilità</a:t>
+            </a:r>
+            <a:endParaRPr/>
+          </a:p>
+        </p:txBody>
+      </p:sp>
+      <p:sp>
+        <p:nvSpPr>
+          <p:cNvPr id="790758252" name=""/>
+          <p:cNvSpPr txBox="1"/>
+          <p:nvPr/>
+        </p:nvSpPr>
+        <p:spPr bwMode="auto">
+          <a:xfrm rot="0" flipH="0" flipV="0">
+            <a:off x="3083189" y="5700113"/>
+            <a:ext cx="1634304" cy="366119"/>
+          </a:xfrm>
+          <a:prstGeom prst="rect">
+            <a:avLst/>
+          </a:prstGeom>
+          <a:noFill/>
+        </p:spPr>
+        <p:txBody>
+          <a:bodyPr vertOverflow="overflow" horzOverflow="overflow" vert="horz" wrap="square" lIns="91440" tIns="45720" rIns="91440" bIns="45720" numCol="1" spcCol="0" rtlCol="0" fromWordArt="0" anchor="t" anchorCtr="0" forceAA="0" upright="0" compatLnSpc="0">
+            <a:spAutoFit/>
+          </a:bodyPr>
+          <a:p>
+            <a:pPr algn="ctr">
+              <a:defRPr/>
+            </a:pPr>
+            <a:r>
+              <a:rPr lang="it-IT" b="1" i="0" u="none" strike="noStrike" cap="none" spc="0">
+                <a:solidFill>
+                  <a:schemeClr val="accent6">
+                    <a:lumMod val="75000"/>
+                  </a:schemeClr>
+                </a:solidFill>
+                <a:latin typeface="Arial"/>
+                <a:ea typeface="Arial"/>
+                <a:cs typeface="Arial"/>
+              </a:rPr>
+              <a:t>Sicurezza</a:t>
+            </a:r>
+            <a:endParaRPr/>
+          </a:p>
+        </p:txBody>
+      </p:sp>
+      <p:sp>
+        <p:nvSpPr>
+          <p:cNvPr id="616601866" name=""/>
+          <p:cNvSpPr txBox="1"/>
+          <p:nvPr/>
+        </p:nvSpPr>
+        <p:spPr bwMode="auto">
+          <a:xfrm rot="0" flipH="0" flipV="0">
+            <a:off x="1018813" y="4785323"/>
+            <a:ext cx="1979662" cy="366119"/>
+          </a:xfrm>
+          <a:prstGeom prst="rect">
+            <a:avLst/>
+          </a:prstGeom>
+          <a:noFill/>
+        </p:spPr>
+        <p:txBody>
+          <a:bodyPr vertOverflow="overflow" horzOverflow="overflow" vert="horz" wrap="square" lIns="91440" tIns="45720" rIns="91440" bIns="45720" numCol="1" spcCol="0" rtlCol="0" fromWordArt="0" anchor="t" anchorCtr="0" forceAA="0" upright="0" compatLnSpc="0">
+            <a:spAutoFit/>
+          </a:bodyPr>
+          <a:p>
+            <a:pPr algn="l">
+              <a:defRPr/>
+            </a:pPr>
+            <a:r>
+              <a:rPr lang="it-IT" b="1" i="0" u="none" strike="noStrike" cap="none" spc="0">
+                <a:solidFill>
+                  <a:schemeClr val="accent6">
+                    <a:lumMod val="75000"/>
+                  </a:schemeClr>
+                </a:solidFill>
+                <a:latin typeface="Arial"/>
+                <a:ea typeface="Arial"/>
+                <a:cs typeface="Arial"/>
+              </a:rPr>
+              <a:t>Comunicazione</a:t>
+            </a:r>
+            <a:endParaRPr/>
+          </a:p>
+        </p:txBody>
+      </p:sp>
+      <p:sp>
+        <p:nvSpPr>
+          <p:cNvPr id="995231787" name=""/>
+          <p:cNvSpPr txBox="1"/>
+          <p:nvPr/>
+        </p:nvSpPr>
+        <p:spPr bwMode="auto">
+          <a:xfrm rot="0" flipH="0" flipV="0">
+            <a:off x="1018813" y="3245940"/>
+            <a:ext cx="1983622" cy="366119"/>
+          </a:xfrm>
+          <a:prstGeom prst="rect">
+            <a:avLst/>
+          </a:prstGeom>
+          <a:noFill/>
+        </p:spPr>
+        <p:txBody>
+          <a:bodyPr vertOverflow="overflow" horzOverflow="overflow" vert="horz" wrap="square" lIns="91440" tIns="45720" rIns="91440" bIns="45720" numCol="1" spcCol="0" rtlCol="0" fromWordArt="0" anchor="t" anchorCtr="0" forceAA="0" upright="0" compatLnSpc="0">
+            <a:spAutoFit/>
+          </a:bodyPr>
+          <a:p>
+            <a:pPr algn="ctr">
+              <a:defRPr/>
+            </a:pPr>
+            <a:r>
+              <a:rPr lang="it-IT" b="1" i="0" u="none" strike="noStrike" cap="none" spc="0">
+                <a:solidFill>
+                  <a:schemeClr val="accent6">
+                    <a:lumMod val="75000"/>
+                  </a:schemeClr>
+                </a:solidFill>
+                <a:latin typeface="Arial"/>
+                <a:ea typeface="Arial"/>
+                <a:cs typeface="Arial"/>
+              </a:rPr>
+              <a:t>Precisione</a:t>
+            </a:r>
+            <a:endParaRPr/>
+          </a:p>
+        </p:txBody>
+      </p:sp>
+      <p:sp>
+        <p:nvSpPr>
+          <p:cNvPr id="1532040987" name=""/>
+          <p:cNvSpPr txBox="1"/>
+          <p:nvPr/>
+        </p:nvSpPr>
+        <p:spPr bwMode="auto">
+          <a:xfrm rot="0" flipH="0" flipV="0">
+            <a:off x="2908350" y="2350586"/>
+            <a:ext cx="1987581" cy="366119"/>
+          </a:xfrm>
+          <a:prstGeom prst="rect">
+            <a:avLst/>
+          </a:prstGeom>
+          <a:noFill/>
+        </p:spPr>
+        <p:txBody>
+          <a:bodyPr vertOverflow="overflow" horzOverflow="overflow" vert="horz" wrap="square" lIns="91440" tIns="45720" rIns="91440" bIns="45720" numCol="1" spcCol="0" rtlCol="0" fromWordArt="0" anchor="t" anchorCtr="0" forceAA="0" upright="0" compatLnSpc="0">
+            <a:spAutoFit/>
+          </a:bodyPr>
+          <a:p>
+            <a:pPr algn="ctr">
+              <a:defRPr/>
+            </a:pPr>
+            <a:r>
+              <a:rPr lang="it-IT" b="1" i="0" u="none" strike="noStrike" cap="none" spc="0">
+                <a:solidFill>
+                  <a:srgbClr val="FF0000"/>
+                </a:solidFill>
+                <a:latin typeface="Arial"/>
+                <a:ea typeface="Arial"/>
+                <a:cs typeface="Arial"/>
+              </a:rPr>
+              <a:t>Multiplex</a:t>
+            </a:r>
+            <a:endParaRPr>
+              <a:solidFill>
+                <a:srgbClr val="FF0000"/>
+              </a:solidFill>
+            </a:endParaRPr>
+          </a:p>
+        </p:txBody>
+      </p:sp>
     </p:spTree>
   </p:cSld>
   <p:clrMapOvr>
@@ -12680,7 +14064,7 @@
       </p:grpSpPr>
       <p:pic>
         <p:nvPicPr>
-          <p:cNvPr id="1062767096" name=""/>
+          <p:cNvPr id="1320197250" name=""/>
           <p:cNvPicPr>
             <a:picLocks noChangeAspect="1"/>
           </p:cNvPicPr>
@@ -12702,7 +14086,7 @@
       </p:pic>
       <p:pic>
         <p:nvPicPr>
-          <p:cNvPr id="1253989109" name=""/>
+          <p:cNvPr id="680143271" name=""/>
           <p:cNvPicPr>
             <a:picLocks noChangeAspect="1"/>
           </p:cNvPicPr>
@@ -12724,7 +14108,7 @@
       </p:pic>
       <p:pic>
         <p:nvPicPr>
-          <p:cNvPr id="36987768" name=""/>
+          <p:cNvPr id="450072168" name=""/>
           <p:cNvPicPr>
             <a:picLocks noChangeAspect="1"/>
           </p:cNvPicPr>
@@ -12746,7 +14130,7 @@
       </p:pic>
       <p:sp>
         <p:nvSpPr>
-          <p:cNvPr id="1648775271" name="Text Placeholder 1"/>
+          <p:cNvPr id="717340794" name="Text Placeholder 1"/>
           <p:cNvSpPr>
             <a:spLocks noGrp="1"/>
           </p:cNvSpPr>
@@ -12777,7 +14161,7 @@
       </p:sp>
       <p:pic>
         <p:nvPicPr>
-          <p:cNvPr id="1934084816" name="Picture 679748627"/>
+          <p:cNvPr id="1041143479" name="Picture 679748627"/>
           <p:cNvPicPr>
             <a:picLocks noChangeAspect="1"/>
           </p:cNvPicPr>
@@ -12800,7 +14184,7 @@
       </p:pic>
       <p:pic>
         <p:nvPicPr>
-          <p:cNvPr id="644268157" name=""/>
+          <p:cNvPr id="1839762092" name=""/>
           <p:cNvPicPr>
             <a:picLocks noChangeAspect="1"/>
           </p:cNvPicPr>
@@ -12822,7 +14206,7 @@
       </p:pic>
       <p:pic>
         <p:nvPicPr>
-          <p:cNvPr id="497064715" name=""/>
+          <p:cNvPr id="13724636" name=""/>
           <p:cNvPicPr>
             <a:picLocks noChangeAspect="1"/>
           </p:cNvPicPr>
@@ -12845,7 +14229,7 @@
       </p:pic>
       <p:pic>
         <p:nvPicPr>
-          <p:cNvPr id="173644880" name=""/>
+          <p:cNvPr id="685301614" name=""/>
           <p:cNvPicPr>
             <a:picLocks noChangeAspect="1"/>
           </p:cNvPicPr>
@@ -12867,7 +14251,7 @@
       </p:pic>
       <p:pic>
         <p:nvPicPr>
-          <p:cNvPr id="402020119" name=""/>
+          <p:cNvPr id="1659977158" name=""/>
           <p:cNvPicPr>
             <a:picLocks noChangeAspect="1"/>
           </p:cNvPicPr>
@@ -12889,7 +14273,7 @@
       </p:pic>
       <p:pic>
         <p:nvPicPr>
-          <p:cNvPr id="1320107873" name=""/>
+          <p:cNvPr id="1083057006" name=""/>
           <p:cNvPicPr>
             <a:picLocks noChangeAspect="1"/>
           </p:cNvPicPr>
@@ -12911,7 +14295,7 @@
       </p:pic>
       <p:cxnSp>
         <p:nvCxnSpPr>
-          <p:cNvPr id="1934358292" name=""/>
+          <p:cNvPr id="136545602" name=""/>
           <p:cNvCxnSpPr/>
           <p:nvPr/>
         </p:nvCxnSpPr>
@@ -12950,7 +14334,7 @@
       </p:cxnSp>
       <p:pic>
         <p:nvPicPr>
-          <p:cNvPr id="306878799" name=""/>
+          <p:cNvPr id="90665747" name=""/>
           <p:cNvPicPr>
             <a:picLocks noChangeAspect="1"/>
           </p:cNvPicPr>
@@ -13009,7 +14393,7 @@
       </p:grpSpPr>
       <p:pic>
         <p:nvPicPr>
-          <p:cNvPr id="923681240" name=""/>
+          <p:cNvPr id="194357418" name=""/>
           <p:cNvPicPr>
             <a:picLocks noChangeAspect="1"/>
           </p:cNvPicPr>
@@ -13031,7 +14415,7 @@
       </p:pic>
       <p:sp>
         <p:nvSpPr>
-          <p:cNvPr id="1466808701" name="Text Placeholder 1"/>
+          <p:cNvPr id="276273476" name="Text Placeholder 1"/>
           <p:cNvSpPr>
             <a:spLocks noGrp="1"/>
           </p:cNvSpPr>
@@ -13062,7 +14446,7 @@
       </p:sp>
       <p:sp>
         <p:nvSpPr>
-          <p:cNvPr id="1334944645" name=""/>
+          <p:cNvPr id="1667578120" name=""/>
           <p:cNvSpPr txBox="1"/>
           <p:nvPr/>
         </p:nvSpPr>
@@ -13090,7 +14474,7 @@
       </p:sp>
       <p:pic>
         <p:nvPicPr>
-          <p:cNvPr id="1958635963" name=""/>
+          <p:cNvPr id="647760264" name=""/>
           <p:cNvPicPr>
             <a:picLocks noChangeAspect="1"/>
           </p:cNvPicPr>
@@ -13112,7 +14496,7 @@
       </p:pic>
       <p:pic>
         <p:nvPicPr>
-          <p:cNvPr id="1104849499" name=""/>
+          <p:cNvPr id="1814805085" name=""/>
           <p:cNvPicPr>
             <a:picLocks noChangeAspect="1"/>
           </p:cNvPicPr>
@@ -13134,7 +14518,7 @@
       </p:pic>
       <p:pic>
         <p:nvPicPr>
-          <p:cNvPr id="2090985439" name=""/>
+          <p:cNvPr id="165281233" name=""/>
           <p:cNvPicPr>
             <a:picLocks noChangeAspect="1"/>
           </p:cNvPicPr>
@@ -13156,7 +14540,7 @@
       </p:pic>
       <p:pic>
         <p:nvPicPr>
-          <p:cNvPr id="14527070" name=""/>
+          <p:cNvPr id="495248352" name=""/>
           <p:cNvPicPr>
             <a:picLocks noChangeAspect="1"/>
           </p:cNvPicPr>
@@ -13178,7 +14562,7 @@
       </p:pic>
       <p:pic>
         <p:nvPicPr>
-          <p:cNvPr id="1786013432" name=""/>
+          <p:cNvPr id="1467188023" name=""/>
           <p:cNvPicPr>
             <a:picLocks noChangeAspect="1"/>
           </p:cNvPicPr>
@@ -13200,7 +14584,7 @@
       </p:pic>
       <p:pic>
         <p:nvPicPr>
-          <p:cNvPr id="933232376" name=""/>
+          <p:cNvPr id="2103159500" name=""/>
           <p:cNvPicPr>
             <a:picLocks noChangeAspect="1"/>
           </p:cNvPicPr>
@@ -13222,7 +14606,7 @@
       </p:pic>
       <p:pic>
         <p:nvPicPr>
-          <p:cNvPr id="1231045608" name=""/>
+          <p:cNvPr id="607098386" name=""/>
           <p:cNvPicPr>
             <a:picLocks noChangeAspect="1"/>
           </p:cNvPicPr>
@@ -13244,7 +14628,7 @@
       </p:pic>
       <p:pic>
         <p:nvPicPr>
-          <p:cNvPr id="1903611865" name=""/>
+          <p:cNvPr id="1757831620" name=""/>
           <p:cNvPicPr>
             <a:picLocks noChangeAspect="1"/>
           </p:cNvPicPr>
@@ -13266,7 +14650,7 @@
       </p:pic>
       <p:pic>
         <p:nvPicPr>
-          <p:cNvPr id="728595426" name=""/>
+          <p:cNvPr id="801969271" name=""/>
           <p:cNvPicPr>
             <a:picLocks noChangeAspect="1"/>
           </p:cNvPicPr>
@@ -13288,7 +14672,7 @@
       </p:pic>
       <p:pic>
         <p:nvPicPr>
-          <p:cNvPr id="397359719" name=""/>
+          <p:cNvPr id="713478548" name=""/>
           <p:cNvPicPr>
             <a:picLocks noChangeAspect="1"/>
           </p:cNvPicPr>
@@ -13347,7 +14731,7 @@
       </p:grpSpPr>
       <p:pic>
         <p:nvPicPr>
-          <p:cNvPr id="1613847548" name=""/>
+          <p:cNvPr id="1042774389" name=""/>
           <p:cNvPicPr>
             <a:picLocks noChangeAspect="1"/>
           </p:cNvPicPr>
@@ -13369,7 +14753,7 @@
       </p:pic>
       <p:pic>
         <p:nvPicPr>
-          <p:cNvPr id="212984231" name=""/>
+          <p:cNvPr id="632865758" name=""/>
           <p:cNvPicPr>
             <a:picLocks noChangeAspect="1"/>
           </p:cNvPicPr>
@@ -13391,7 +14775,7 @@
       </p:pic>
       <p:sp>
         <p:nvSpPr>
-          <p:cNvPr id="141852555" name="Text Placeholder 1"/>
+          <p:cNvPr id="2015572826" name="Text Placeholder 1"/>
           <p:cNvSpPr>
             <a:spLocks noGrp="1"/>
           </p:cNvSpPr>
@@ -13422,7 +14806,7 @@
       </p:sp>
       <p:pic>
         <p:nvPicPr>
-          <p:cNvPr id="775985763" name="Picture 679748627"/>
+          <p:cNvPr id="272089751" name="Picture 679748627"/>
           <p:cNvPicPr>
             <a:picLocks noChangeAspect="1"/>
           </p:cNvPicPr>
@@ -13445,7 +14829,7 @@
       </p:pic>
       <p:pic>
         <p:nvPicPr>
-          <p:cNvPr id="1261795429" name=""/>
+          <p:cNvPr id="654835375" name=""/>
           <p:cNvPicPr>
             <a:picLocks noChangeAspect="1"/>
           </p:cNvPicPr>
@@ -13467,7 +14851,7 @@
       </p:pic>
       <p:pic>
         <p:nvPicPr>
-          <p:cNvPr id="1235871654" name=""/>
+          <p:cNvPr id="1790552243" name=""/>
           <p:cNvPicPr>
             <a:picLocks noChangeAspect="1"/>
           </p:cNvPicPr>
@@ -13490,7 +14874,7 @@
       </p:pic>
       <p:pic>
         <p:nvPicPr>
-          <p:cNvPr id="698390272" name=""/>
+          <p:cNvPr id="1377248298" name=""/>
           <p:cNvPicPr>
             <a:picLocks noChangeAspect="1"/>
           </p:cNvPicPr>
@@ -13512,7 +14896,7 @@
       </p:pic>
       <p:pic>
         <p:nvPicPr>
-          <p:cNvPr id="754352335" name=""/>
+          <p:cNvPr id="1920038507" name=""/>
           <p:cNvPicPr>
             <a:picLocks noChangeAspect="1"/>
           </p:cNvPicPr>
@@ -13571,7 +14955,7 @@
       </p:grpSpPr>
       <p:pic>
         <p:nvPicPr>
-          <p:cNvPr id="1356653061" name=""/>
+          <p:cNvPr id="491505903" name=""/>
           <p:cNvPicPr>
             <a:picLocks noChangeAspect="1"/>
           </p:cNvPicPr>
@@ -13594,7 +14978,7 @@
       </p:pic>
       <p:pic>
         <p:nvPicPr>
-          <p:cNvPr id="1815087487" name=""/>
+          <p:cNvPr id="675439913" name=""/>
           <p:cNvPicPr>
             <a:picLocks noChangeAspect="1"/>
           </p:cNvPicPr>
@@ -13616,7 +15000,7 @@
       </p:pic>
       <p:sp>
         <p:nvSpPr>
-          <p:cNvPr id="1834357386" name="Text Placeholder 1"/>
+          <p:cNvPr id="1495582432" name="Text Placeholder 1"/>
           <p:cNvSpPr>
             <a:spLocks noGrp="1"/>
           </p:cNvSpPr>
@@ -13647,7 +15031,7 @@
       </p:sp>
       <p:pic>
         <p:nvPicPr>
-          <p:cNvPr id="1154965263" name="Picture 679748627"/>
+          <p:cNvPr id="1440137966" name="Picture 679748627"/>
           <p:cNvPicPr>
             <a:picLocks noChangeAspect="1"/>
           </p:cNvPicPr>
@@ -13670,7 +15054,7 @@
       </p:pic>
       <p:pic>
         <p:nvPicPr>
-          <p:cNvPr id="389272416" name=""/>
+          <p:cNvPr id="351852908" name=""/>
           <p:cNvPicPr>
             <a:picLocks noChangeAspect="1"/>
           </p:cNvPicPr>
@@ -13692,7 +15076,7 @@
       </p:pic>
       <p:pic>
         <p:nvPicPr>
-          <p:cNvPr id="857228572" name=""/>
+          <p:cNvPr id="849087635" name=""/>
           <p:cNvPicPr>
             <a:picLocks noChangeAspect="1"/>
           </p:cNvPicPr>
@@ -13752,7 +15136,7 @@
       </p:grpSpPr>
       <p:pic>
         <p:nvPicPr>
-          <p:cNvPr id="946249755" name=""/>
+          <p:cNvPr id="1071037587" name=""/>
           <p:cNvPicPr>
             <a:picLocks noChangeAspect="1"/>
           </p:cNvPicPr>
@@ -13775,7 +15159,7 @@
       </p:pic>
       <p:pic>
         <p:nvPicPr>
-          <p:cNvPr id="929463604" name=""/>
+          <p:cNvPr id="728527544" name=""/>
           <p:cNvPicPr>
             <a:picLocks noChangeAspect="1"/>
           </p:cNvPicPr>
@@ -13798,7 +15182,7 @@
       </p:pic>
       <p:pic>
         <p:nvPicPr>
-          <p:cNvPr id="1674371139" name=""/>
+          <p:cNvPr id="1445617916" name=""/>
           <p:cNvPicPr>
             <a:picLocks noChangeAspect="1"/>
           </p:cNvPicPr>
@@ -13820,7 +15204,7 @@
       </p:pic>
       <p:sp>
         <p:nvSpPr>
-          <p:cNvPr id="2005343341" name="Text Placeholder 1"/>
+          <p:cNvPr id="530148184" name="Text Placeholder 1"/>
           <p:cNvSpPr>
             <a:spLocks noGrp="1"/>
           </p:cNvSpPr>
@@ -13851,7 +15235,7 @@
       </p:sp>
       <p:pic>
         <p:nvPicPr>
-          <p:cNvPr id="1198109366" name="Picture 679748627"/>
+          <p:cNvPr id="1570020736" name="Picture 679748627"/>
           <p:cNvPicPr>
             <a:picLocks noChangeAspect="1"/>
           </p:cNvPicPr>
@@ -13874,7 +15258,7 @@
       </p:pic>
       <p:pic>
         <p:nvPicPr>
-          <p:cNvPr id="1546069300" name=""/>
+          <p:cNvPr id="415560648" name=""/>
           <p:cNvPicPr>
             <a:picLocks noChangeAspect="1"/>
           </p:cNvPicPr>
@@ -14987,29 +16371,6 @@
       </p:pic>
       <p:pic>
         <p:nvPicPr>
-          <p:cNvPr id="507292930" name=""/>
-          <p:cNvPicPr>
-            <a:picLocks noChangeAspect="1"/>
-          </p:cNvPicPr>
-          <p:nvPr/>
-        </p:nvPicPr>
-        <p:blipFill>
-          <a:blip r:embed="rId7"/>
-          <a:srcRect l="0" t="10948" r="12445" b="0"/>
-          <a:stretch/>
-        </p:blipFill>
-        <p:spPr bwMode="auto">
-          <a:xfrm flipH="0" flipV="0">
-            <a:off x="1066691" y="1749136"/>
-            <a:ext cx="7212285" cy="3804322"/>
-          </a:xfrm>
-          <a:prstGeom prst="rect">
-            <a:avLst/>
-          </a:prstGeom>
-        </p:spPr>
-      </p:pic>
-      <p:pic>
-        <p:nvPicPr>
           <p:cNvPr id="806519250" name=""/>
           <p:cNvPicPr>
             <a:picLocks noChangeAspect="1"/>
@@ -15017,7 +16378,7 @@
           <p:nvPr/>
         </p:nvPicPr>
         <p:blipFill>
-          <a:blip r:embed="rId8"/>
+          <a:blip r:embed="rId7"/>
           <a:stretch/>
         </p:blipFill>
         <p:spPr bwMode="auto">
@@ -15030,6 +16391,70 @@
           </a:prstGeom>
         </p:spPr>
       </p:pic>
+      <p:pic>
+        <p:nvPicPr>
+          <p:cNvPr id="1932164394" name=""/>
+          <p:cNvPicPr>
+            <a:picLocks noChangeAspect="1"/>
+          </p:cNvPicPr>
+          <p:nvPr/>
+        </p:nvPicPr>
+        <p:blipFill>
+          <a:blip r:embed="rId8"/>
+          <a:srcRect l="-33020" t="0" r="33020" b="0"/>
+          <a:stretch/>
+        </p:blipFill>
+        <p:spPr bwMode="auto">
+          <a:xfrm flipH="0" flipV="0">
+            <a:off x="-2321252" y="1404687"/>
+            <a:ext cx="10204035" cy="4699971"/>
+          </a:xfrm>
+          <a:prstGeom prst="rect">
+            <a:avLst/>
+          </a:prstGeom>
+        </p:spPr>
+      </p:pic>
+      <p:sp>
+        <p:nvSpPr>
+          <p:cNvPr id="1364167240" name=""/>
+          <p:cNvSpPr/>
+          <p:nvPr/>
+        </p:nvSpPr>
+        <p:spPr bwMode="auto">
+          <a:xfrm rot="0" flipH="0" flipV="0">
+            <a:off x="2704110" y="1956474"/>
+            <a:ext cx="1059482" cy="813025"/>
+          </a:xfrm>
+          <a:prstGeom prst="roundRect">
+            <a:avLst>
+              <a:gd name="adj" fmla="val 16667"/>
+            </a:avLst>
+          </a:prstGeom>
+          <a:noFill/>
+          <a:ln w="57150" cap="flat" cmpd="sng" algn="ctr">
+            <a:solidFill>
+              <a:srgbClr val="FF0000">
+                <a:alpha val="57000"/>
+              </a:srgbClr>
+            </a:solidFill>
+            <a:prstDash val="solid"/>
+          </a:ln>
+        </p:spPr>
+        <p:style>
+          <a:lnRef idx="1">
+            <a:schemeClr val="accent1"/>
+          </a:lnRef>
+          <a:fillRef idx="3">
+            <a:schemeClr val="accent1"/>
+          </a:fillRef>
+          <a:effectRef idx="2">
+            <a:schemeClr val="accent1"/>
+          </a:effectRef>
+          <a:fontRef idx="minor">
+            <a:schemeClr val="lt1"/>
+          </a:fontRef>
+        </p:style>
+      </p:sp>
     </p:spTree>
   </p:cSld>
   <p:clrMapOvr>
@@ -15069,7 +16494,582 @@
       </p:grpSpPr>
       <p:sp>
         <p:nvSpPr>
-          <p:cNvPr id="1498956389" name="Text Placeholder 1"/>
+          <p:cNvPr id="855437725" name="Content Placeholder 3"/>
+          <p:cNvSpPr>
+            <a:spLocks noGrp="1"/>
+          </p:cNvSpPr>
+          <p:nvPr>
+            <p:ph sz="quarter" idx="16"/>
+          </p:nvPr>
+        </p:nvSpPr>
+        <p:spPr bwMode="auto">
+          <a:xfrm>
+            <a:off x="4211959" y="1772815"/>
+            <a:ext cx="3816423" cy="4752527"/>
+          </a:xfrm>
+          <a:prstGeom prst="rect">
+            <a:avLst/>
+          </a:prstGeom>
+        </p:spPr>
+        <p:txBody>
+          <a:bodyPr/>
+          <a:lstStyle>
+            <a:lvl1pPr>
+              <a:defRPr sz="2000"/>
+            </a:lvl1pPr>
+            <a:lvl2pPr>
+              <a:defRPr sz="2000"/>
+            </a:lvl2pPr>
+            <a:lvl3pPr>
+              <a:defRPr sz="2000"/>
+            </a:lvl3pPr>
+            <a:lvl4pPr>
+              <a:defRPr sz="2000"/>
+            </a:lvl4pPr>
+            <a:lvl5pPr>
+              <a:defRPr sz="2000"/>
+            </a:lvl5pPr>
+          </a:lstStyle>
+          <a:p>
+            <a:pPr>
+              <a:defRPr/>
+            </a:pPr>
+            <a:r>
+              <a:rPr/>
+              <a:t>Compatibilita</a:t>
+            </a:r>
+            <a:endParaRPr/>
+          </a:p>
+          <a:p>
+            <a:pPr lvl="1">
+              <a:defRPr/>
+            </a:pPr>
+            <a:r>
+              <a:rPr lang="it-IT" sz="1400" b="0" i="0" u="none" strike="noStrike" cap="none" spc="0">
+                <a:solidFill>
+                  <a:schemeClr val="tx1"/>
+                </a:solidFill>
+                <a:latin typeface="Arial"/>
+                <a:ea typeface="Arial"/>
+                <a:cs typeface="Arial"/>
+              </a:rPr>
+              <a:t>Implementazione di Modbus TCP</a:t>
+            </a:r>
+            <a:r>
+              <a:rPr sz="1400"/>
+              <a:t>-IP</a:t>
+            </a:r>
+            <a:endParaRPr/>
+          </a:p>
+          <a:p>
+            <a:pPr lvl="0">
+              <a:defRPr/>
+            </a:pPr>
+            <a:r>
+              <a:rPr/>
+              <a:t>Sicurezza</a:t>
+            </a:r>
+            <a:endParaRPr/>
+          </a:p>
+          <a:p>
+            <a:pPr lvl="1">
+              <a:defRPr/>
+            </a:pPr>
+            <a:r>
+              <a:rPr lang="it-IT" sz="1400" b="0" i="0" u="none" strike="noStrike" cap="none" spc="0">
+                <a:solidFill>
+                  <a:schemeClr val="tx1"/>
+                </a:solidFill>
+                <a:latin typeface="Arial"/>
+                <a:ea typeface="Arial"/>
+                <a:cs typeface="Arial"/>
+              </a:rPr>
+              <a:t>Sviluppo di un sistema di logging su scheda SD per analisi approfondite.</a:t>
+            </a:r>
+            <a:endParaRPr/>
+          </a:p>
+          <a:p>
+            <a:pPr lvl="0">
+              <a:defRPr/>
+            </a:pPr>
+            <a:r>
+              <a:rPr/>
+              <a:t>Persistenza</a:t>
+            </a:r>
+            <a:endParaRPr/>
+          </a:p>
+          <a:p>
+            <a:pPr lvl="1">
+              <a:defRPr/>
+            </a:pPr>
+            <a:r>
+              <a:rPr sz="1400"/>
+              <a:t>Salvare preferenze su scheda SD.</a:t>
+            </a:r>
+            <a:endParaRPr sz="1400"/>
+          </a:p>
+          <a:p>
+            <a:pPr lvl="0">
+              <a:defRPr/>
+            </a:pPr>
+            <a:r>
+              <a:rPr lang="it-IT" sz="2000" b="0" i="0" u="none" strike="noStrike" cap="none" spc="0">
+                <a:solidFill>
+                  <a:schemeClr val="tx1"/>
+                </a:solidFill>
+                <a:latin typeface="Arial"/>
+                <a:ea typeface="Arial"/>
+                <a:cs typeface="Arial"/>
+              </a:rPr>
+              <a:t>Scalabilità avanzata</a:t>
+            </a:r>
+            <a:endParaRPr/>
+          </a:p>
+          <a:p>
+            <a:pPr lvl="1">
+              <a:defRPr/>
+            </a:pPr>
+            <a:r>
+              <a:rPr sz="1400"/>
+              <a:t>Implementare </a:t>
+            </a:r>
+            <a:r>
+              <a:rPr lang="it-IT" sz="1400" b="0" i="0" u="none" strike="noStrike" cap="none" spc="0">
+                <a:solidFill>
+                  <a:schemeClr val="tx1"/>
+                </a:solidFill>
+                <a:latin typeface="Arial"/>
+                <a:ea typeface="Arial"/>
+                <a:cs typeface="Arial"/>
+              </a:rPr>
+              <a:t>architettura distribuita</a:t>
+            </a:r>
+            <a:endParaRPr sz="1400"/>
+          </a:p>
+          <a:p>
+            <a:pPr lvl="0">
+              <a:defRPr/>
+            </a:pPr>
+            <a:endParaRPr sz="1400"/>
+          </a:p>
+        </p:txBody>
+      </p:sp>
+      <p:sp>
+        <p:nvSpPr>
+          <p:cNvPr id="1680908214" name="Content Placeholder 3"/>
+          <p:cNvSpPr>
+            <a:spLocks noGrp="1"/>
+          </p:cNvSpPr>
+          <p:nvPr>
+            <p:ph sz="quarter" idx="17"/>
+          </p:nvPr>
+        </p:nvSpPr>
+        <p:spPr bwMode="auto">
+          <a:xfrm>
+            <a:off x="323527" y="1772815"/>
+            <a:ext cx="3816423" cy="4752527"/>
+          </a:xfrm>
+          <a:prstGeom prst="rect">
+            <a:avLst/>
+          </a:prstGeom>
+        </p:spPr>
+        <p:txBody>
+          <a:bodyPr/>
+          <a:lstStyle>
+            <a:lvl1pPr>
+              <a:defRPr sz="2000"/>
+            </a:lvl1pPr>
+            <a:lvl2pPr>
+              <a:defRPr sz="2000"/>
+            </a:lvl2pPr>
+            <a:lvl3pPr>
+              <a:defRPr sz="2000"/>
+            </a:lvl3pPr>
+            <a:lvl4pPr>
+              <a:defRPr sz="2000"/>
+            </a:lvl4pPr>
+            <a:lvl5pPr>
+              <a:defRPr sz="2000"/>
+            </a:lvl5pPr>
+          </a:lstStyle>
+          <a:p>
+            <a:pPr>
+              <a:defRPr/>
+            </a:pPr>
+            <a:r>
+              <a:rPr/>
+              <a:t>Flessibilita e autonomia</a:t>
+            </a:r>
+            <a:endParaRPr/>
+          </a:p>
+          <a:p>
+            <a:pPr lvl="1">
+              <a:defRPr/>
+            </a:pPr>
+            <a:r>
+              <a:rPr lang="it-IT" sz="1400" b="0" i="0" u="none" strike="noStrike" cap="none" spc="0">
+                <a:solidFill>
+                  <a:schemeClr val="tx1"/>
+                </a:solidFill>
+                <a:latin typeface="Arial"/>
+                <a:ea typeface="Arial"/>
+                <a:cs typeface="Arial"/>
+              </a:rPr>
+              <a:t>Accesso da qualsiasi dispositivo.</a:t>
+            </a:r>
+            <a:endParaRPr/>
+          </a:p>
+          <a:p>
+            <a:pPr lvl="0">
+              <a:defRPr/>
+            </a:pPr>
+            <a:r>
+              <a:rPr/>
+              <a:t>Sicurezza</a:t>
+            </a:r>
+            <a:endParaRPr/>
+          </a:p>
+          <a:p>
+            <a:pPr lvl="1">
+              <a:defRPr/>
+            </a:pPr>
+            <a:r>
+              <a:rPr sz="1400"/>
+              <a:t>Codice robusto </a:t>
+            </a:r>
+            <a:endParaRPr sz="1400"/>
+          </a:p>
+          <a:p>
+            <a:pPr lvl="1">
+              <a:defRPr/>
+            </a:pPr>
+            <a:r>
+              <a:rPr lang="it-IT" sz="1400" b="0" i="0" u="none" strike="noStrike" cap="none" spc="0">
+                <a:solidFill>
+                  <a:schemeClr val="tx1"/>
+                </a:solidFill>
+                <a:latin typeface="Arial"/>
+                <a:ea typeface="Arial"/>
+                <a:cs typeface="Arial"/>
+              </a:rPr>
+              <a:t>funzionamento in locale per proteggere i dati.</a:t>
+            </a:r>
+            <a:endParaRPr/>
+          </a:p>
+          <a:p>
+            <a:pPr lvl="0">
+              <a:defRPr/>
+            </a:pPr>
+            <a:r>
+              <a:rPr/>
+              <a:t>Precisione</a:t>
+            </a:r>
+            <a:endParaRPr/>
+          </a:p>
+          <a:p>
+            <a:pPr marL="742950" marR="0" lvl="1" indent="-285750" algn="l" defTabSz="457200" rtl="0">
+              <a:lnSpc>
+                <a:spcPct val="100000"/>
+              </a:lnSpc>
+              <a:spcBef>
+                <a:spcPts val="0"/>
+              </a:spcBef>
+              <a:spcAft>
+                <a:spcPts val="0"/>
+              </a:spcAft>
+              <a:buFont typeface="Arial"/>
+              <a:buChar char="–"/>
+              <a:defRPr lang="it-IT" sz="2000" b="0" i="0" u="none" strike="noStrike" cap="none" spc="0">
+                <a:solidFill>
+                  <a:srgbClr val="000000"/>
+                </a:solidFill>
+                <a:latin typeface="Arial"/>
+                <a:ea typeface="ＭＳ Ｐゴシック"/>
+                <a:cs typeface="Arial"/>
+              </a:defRPr>
+            </a:pPr>
+            <a:r>
+              <a:rPr lang="it-IT" sz="1400" b="0" i="0" u="none" strike="noStrike" cap="none" spc="0">
+                <a:solidFill>
+                  <a:srgbClr val="000000"/>
+                </a:solidFill>
+                <a:latin typeface="Arial"/>
+                <a:ea typeface="Arial"/>
+                <a:cs typeface="Arial"/>
+              </a:rPr>
+              <a:t>Utilizzo di un ADC esterno per misurazioni ad alta risoluzione.</a:t>
+            </a:r>
+            <a:endParaRPr lang="it-IT" sz="1400" b="0" i="0" u="none" strike="noStrike" cap="none" spc="0">
+              <a:solidFill>
+                <a:srgbClr val="000000"/>
+              </a:solidFill>
+              <a:latin typeface="Arial"/>
+              <a:ea typeface="ＭＳ Ｐゴシック"/>
+              <a:cs typeface="Arial"/>
+            </a:endParaRPr>
+          </a:p>
+          <a:p>
+            <a:pPr lvl="0">
+              <a:defRPr/>
+            </a:pPr>
+            <a:r>
+              <a:rPr lang="it-IT" sz="2000" b="0" i="0" u="none" strike="noStrike" cap="none" spc="0">
+                <a:solidFill>
+                  <a:schemeClr val="tx1"/>
+                </a:solidFill>
+                <a:latin typeface="+mn-lt"/>
+                <a:ea typeface="ＭＳ Ｐゴシック"/>
+                <a:cs typeface="ＭＳ Ｐゴシック"/>
+              </a:rPr>
+              <a:t>Affidabilita’</a:t>
+            </a:r>
+            <a:endParaRPr lang="it-IT" sz="2000" b="0" i="0" u="none" strike="noStrike" cap="none" spc="0">
+              <a:solidFill>
+                <a:schemeClr val="tx1"/>
+              </a:solidFill>
+              <a:latin typeface="Times New Roman"/>
+              <a:cs typeface="Times New Roman"/>
+            </a:endParaRPr>
+          </a:p>
+          <a:p>
+            <a:pPr lvl="1">
+              <a:defRPr/>
+            </a:pPr>
+            <a:r>
+              <a:rPr lang="it-IT" sz="1200" b="0" i="0" u="none" strike="noStrike" cap="none" spc="0">
+                <a:solidFill>
+                  <a:schemeClr val="tx1"/>
+                </a:solidFill>
+                <a:latin typeface="Arial"/>
+                <a:ea typeface="Arial"/>
+                <a:cs typeface="Arial"/>
+              </a:rPr>
+              <a:t>Funzionalità avanzate di monitoraggio e debug per garantire stabilità.</a:t>
+            </a:r>
+            <a:endParaRPr lang="it-IT" sz="2000" b="0" i="0" u="none" strike="noStrike" cap="none" spc="0">
+              <a:solidFill>
+                <a:schemeClr val="tx1"/>
+              </a:solidFill>
+              <a:latin typeface="Times New Roman"/>
+              <a:cs typeface="Times New Roman"/>
+            </a:endParaRPr>
+          </a:p>
+          <a:p>
+            <a:pPr lvl="0">
+              <a:defRPr/>
+            </a:pPr>
+            <a:r>
+              <a:rPr lang="it-IT" sz="2000" b="0" i="0" u="none" strike="noStrike" cap="none" spc="0">
+                <a:solidFill>
+                  <a:schemeClr val="tx1"/>
+                </a:solidFill>
+                <a:latin typeface="Arial"/>
+                <a:ea typeface="ＭＳ Ｐゴシック"/>
+                <a:cs typeface="ＭＳ Ｐゴシック"/>
+              </a:rPr>
+              <a:t>Compatibilita’</a:t>
+            </a:r>
+            <a:endParaRPr lang="it-IT" sz="2000" b="0" i="0" u="none" strike="noStrike" cap="none" spc="0">
+              <a:solidFill>
+                <a:schemeClr val="tx1"/>
+              </a:solidFill>
+              <a:latin typeface="Times New Roman"/>
+              <a:cs typeface="Times New Roman"/>
+            </a:endParaRPr>
+          </a:p>
+          <a:p>
+            <a:pPr lvl="1">
+              <a:defRPr/>
+            </a:pPr>
+            <a:r>
+              <a:rPr lang="it-IT" sz="1400" b="0" i="0" u="none" strike="noStrike" cap="none" spc="0">
+                <a:solidFill>
+                  <a:schemeClr val="tx1"/>
+                </a:solidFill>
+                <a:latin typeface="Arial"/>
+                <a:ea typeface="ＭＳ Ｐゴシック"/>
+                <a:cs typeface="ＭＳ Ｐゴシック"/>
+              </a:rPr>
+              <a:t>Integrazione con protocolli industriali</a:t>
+            </a:r>
+            <a:endParaRPr sz="2000"/>
+          </a:p>
+          <a:p>
+            <a:pPr marL="457200" marR="0" lvl="1" indent="0" algn="l" defTabSz="457200" rtl="0">
+              <a:lnSpc>
+                <a:spcPct val="100000"/>
+              </a:lnSpc>
+              <a:spcBef>
+                <a:spcPts val="0"/>
+              </a:spcBef>
+              <a:spcAft>
+                <a:spcPts val="0"/>
+              </a:spcAft>
+              <a:buFont typeface="Arial"/>
+              <a:buNone/>
+              <a:defRPr lang="it-IT" sz="2000" b="0" i="0" u="none" strike="noStrike" cap="none" spc="0">
+                <a:solidFill>
+                  <a:srgbClr val="000000"/>
+                </a:solidFill>
+                <a:latin typeface="Arial"/>
+                <a:ea typeface="ＭＳ Ｐゴシック"/>
+                <a:cs typeface="Arial"/>
+              </a:defRPr>
+            </a:pPr>
+            <a:endParaRPr/>
+          </a:p>
+          <a:p>
+            <a:pPr lvl="1">
+              <a:defRPr/>
+            </a:pPr>
+            <a:endParaRPr/>
+          </a:p>
+          <a:p>
+            <a:pPr lvl="0">
+              <a:defRPr/>
+            </a:pPr>
+            <a:endParaRPr/>
+          </a:p>
+          <a:p>
+            <a:pPr marL="457200" lvl="1" indent="0">
+              <a:buFont typeface="Arial"/>
+              <a:buNone/>
+              <a:defRPr/>
+            </a:pPr>
+            <a:endParaRPr/>
+          </a:p>
+          <a:p>
+            <a:pPr marL="457200" lvl="1" indent="0">
+              <a:buFont typeface="Arial"/>
+              <a:buNone/>
+              <a:defRPr/>
+            </a:pPr>
+            <a:endParaRPr/>
+          </a:p>
+        </p:txBody>
+      </p:sp>
+      <p:sp>
+        <p:nvSpPr>
+          <p:cNvPr id="1591318359" name=""/>
+          <p:cNvSpPr txBox="1"/>
+          <p:nvPr/>
+        </p:nvSpPr>
+        <p:spPr bwMode="auto">
+          <a:xfrm rot="0" flipH="0" flipV="0">
+            <a:off x="323527" y="1406695"/>
+            <a:ext cx="3817143" cy="366119"/>
+          </a:xfrm>
+          <a:prstGeom prst="rect">
+            <a:avLst/>
+          </a:prstGeom>
+          <a:noFill/>
+        </p:spPr>
+        <p:txBody>
+          <a:bodyPr vertOverflow="overflow" horzOverflow="overflow" vert="horz" wrap="square" lIns="91440" tIns="45720" rIns="91440" bIns="45720" numCol="1" spcCol="0" rtlCol="0" fromWordArt="0" anchor="t" anchorCtr="0" forceAA="0" upright="0" compatLnSpc="0">
+            <a:spAutoFit/>
+          </a:bodyPr>
+          <a:p>
+            <a:pPr algn="ctr">
+              <a:defRPr/>
+            </a:pPr>
+            <a:r>
+              <a:rPr lang="it-IT" b="1" i="0" u="none" strike="noStrike" cap="none" spc="0">
+                <a:solidFill>
+                  <a:schemeClr val="accent6">
+                    <a:lumMod val="75000"/>
+                  </a:schemeClr>
+                </a:solidFill>
+                <a:latin typeface="Arial"/>
+                <a:ea typeface="Arial"/>
+                <a:cs typeface="Arial"/>
+              </a:rPr>
+              <a:t>Recap</a:t>
+            </a:r>
+            <a:endParaRPr/>
+          </a:p>
+        </p:txBody>
+      </p:sp>
+      <p:sp>
+        <p:nvSpPr>
+          <p:cNvPr id="1053562349" name=""/>
+          <p:cNvSpPr txBox="1"/>
+          <p:nvPr/>
+        </p:nvSpPr>
+        <p:spPr bwMode="auto">
+          <a:xfrm rot="0" flipH="0" flipV="0">
+            <a:off x="4211959" y="1406695"/>
+            <a:ext cx="3821823" cy="366119"/>
+          </a:xfrm>
+          <a:prstGeom prst="rect">
+            <a:avLst/>
+          </a:prstGeom>
+          <a:noFill/>
+        </p:spPr>
+        <p:txBody>
+          <a:bodyPr vertOverflow="overflow" horzOverflow="overflow" vert="horz" wrap="square" lIns="91440" tIns="45720" rIns="91440" bIns="45720" numCol="1" spcCol="0" rtlCol="0" fromWordArt="0" anchor="t" anchorCtr="0" forceAA="0" upright="0" compatLnSpc="0">
+            <a:spAutoFit/>
+          </a:bodyPr>
+          <a:p>
+            <a:pPr algn="ctr">
+              <a:defRPr/>
+            </a:pPr>
+            <a:r>
+              <a:rPr lang="it-IT" b="1" i="0" u="none" strike="noStrike" cap="none" spc="0">
+                <a:solidFill>
+                  <a:schemeClr val="accent6">
+                    <a:lumMod val="75000"/>
+                  </a:schemeClr>
+                </a:solidFill>
+                <a:latin typeface="Arial"/>
+                <a:ea typeface="Arial"/>
+                <a:cs typeface="Arial"/>
+              </a:rPr>
+              <a:t>Lavori futuri</a:t>
+            </a:r>
+            <a:endParaRPr/>
+          </a:p>
+        </p:txBody>
+      </p:sp>
+    </p:spTree>
+  </p:cSld>
+  <p:clrMapOvr>
+    <a:masterClrMapping/>
+  </p:clrMapOvr>
+  <mc:AlternateContent xmlns:mc="http://schemas.openxmlformats.org/markup-compatibility/2006">
+    <mc:Choice xmlns:p159="http://schemas.microsoft.com/office/powerpoint/2015/09/main" xmlns:p14="http://schemas.microsoft.com/office/powerpoint/2010/main" Requires="p159">
+      <p:transition spd="slow" p14:dur="2000" advClick="1">
+        <p159:morph option="byObject"/>
+      </p:transition>
+    </mc:Choice>
+    <mc:Fallback>
+      <p:transition spd="slow" advClick="1">
+        <p:fade/>
+      </p:transition>
+    </mc:Fallback>
+  </mc:AlternateContent>
+</p:sld>
+</file>
+
+<file path=ppt/slides/slide29.xml><?xml version="1.0" encoding="utf-8"?>
+<p:sld xmlns:a="http://schemas.openxmlformats.org/drawingml/2006/main" xmlns:r="http://schemas.openxmlformats.org/officeDocument/2006/relationships" xmlns:p="http://schemas.openxmlformats.org/presentationml/2006/main" xmlns:m="http://schemas.openxmlformats.org/officeDocument/2006/math" xmlns:w="http://schemas.openxmlformats.org/wordprocessingml/2006/main" xmlns:mc="http://schemas.openxmlformats.org/markup-compatibility/2006" showMasterPhAnim="0" showMasterSp="1" show="1">
+  <p:cSld name="">
+    <p:spTree>
+      <p:nvGrpSpPr>
+        <p:cNvPr id="1" name=""/>
+        <p:cNvGrpSpPr/>
+        <p:nvPr/>
+      </p:nvGrpSpPr>
+      <p:grpSpPr bwMode="auto">
+        <a:xfrm>
+          <a:off x="0" y="0"/>
+          <a:ext cx="0" cy="0"/>
+          <a:chOff x="0" y="0"/>
+          <a:chExt cx="0" cy="0"/>
+        </a:xfrm>
+      </p:grpSpPr>
+      <p:sp>
+        <p:nvSpPr>
+          <p:cNvPr id="1926160753" name="Text Placeholder 1"/>
           <p:cNvSpPr>
             <a:spLocks noGrp="1"/>
           </p:cNvSpPr>
@@ -15095,7 +17095,7 @@
       </p:sp>
       <p:sp>
         <p:nvSpPr>
-          <p:cNvPr id="487730693" name="Content Placeholder 2"/>
+          <p:cNvPr id="2042502778" name="Content Placeholder 2"/>
           <p:cNvSpPr>
             <a:spLocks noGrp="1"/>
           </p:cNvSpPr>
@@ -15128,7 +17128,7 @@
       </p:sp>
       <p:pic>
         <p:nvPicPr>
-          <p:cNvPr id="1195478525" name=""/>
+          <p:cNvPr id="1477775189" name=""/>
           <p:cNvPicPr>
             <a:picLocks noChangeAspect="1"/>
           </p:cNvPicPr>
@@ -15150,7 +17150,7 @@
       </p:pic>
       <p:sp>
         <p:nvSpPr>
-          <p:cNvPr id="282030241" name=""/>
+          <p:cNvPr id="565883307" name=""/>
           <p:cNvSpPr txBox="1"/>
           <p:nvPr/>
         </p:nvSpPr>
@@ -15182,7 +17182,7 @@
       </p:sp>
       <p:pic>
         <p:nvPicPr>
-          <p:cNvPr id="1725637065" name=""/>
+          <p:cNvPr id="221904924" name=""/>
           <p:cNvPicPr>
             <a:picLocks noChangeAspect="1"/>
           </p:cNvPicPr>
@@ -15204,7 +17204,7 @@
       </p:pic>
       <p:pic>
         <p:nvPicPr>
-          <p:cNvPr id="598105974" name=""/>
+          <p:cNvPr id="1405808394" name=""/>
           <p:cNvPicPr>
             <a:picLocks noChangeAspect="1"/>
           </p:cNvPicPr>
@@ -15226,7 +17226,7 @@
       </p:pic>
       <p:sp>
         <p:nvSpPr>
-          <p:cNvPr id="1919460201" name=""/>
+          <p:cNvPr id="423586705" name=""/>
           <p:cNvSpPr txBox="1"/>
           <p:nvPr/>
         </p:nvSpPr>
@@ -15298,7 +17298,7 @@
       </p:grpSpPr>
       <p:pic>
         <p:nvPicPr>
-          <p:cNvPr id="768563477" name=""/>
+          <p:cNvPr id="1693464347" name=""/>
           <p:cNvPicPr>
             <a:picLocks noChangeAspect="1"/>
           </p:cNvPicPr>
@@ -15320,7 +17320,7 @@
       </p:pic>
       <p:sp>
         <p:nvSpPr>
-          <p:cNvPr id="2070956827" name=""/>
+          <p:cNvPr id="1162393064" name=""/>
           <p:cNvSpPr txBox="1"/>
           <p:nvPr/>
         </p:nvSpPr>
@@ -15348,7 +17348,7 @@
       </p:sp>
       <p:pic>
         <p:nvPicPr>
-          <p:cNvPr id="845991048" name=""/>
+          <p:cNvPr id="517441167" name=""/>
           <p:cNvPicPr>
             <a:picLocks noChangeAspect="1"/>
           </p:cNvPicPr>
@@ -15370,7 +17370,7 @@
       </p:pic>
       <p:pic>
         <p:nvPicPr>
-          <p:cNvPr id="1367811084" name=""/>
+          <p:cNvPr id="818615697" name=""/>
           <p:cNvPicPr>
             <a:picLocks noChangeAspect="1"/>
           </p:cNvPicPr>
@@ -15392,7 +17392,7 @@
       </p:pic>
       <p:pic>
         <p:nvPicPr>
-          <p:cNvPr id="1281088635" name=""/>
+          <p:cNvPr id="1214943930" name=""/>
           <p:cNvPicPr>
             <a:picLocks noChangeAspect="1"/>
           </p:cNvPicPr>
@@ -15414,7 +17414,7 @@
       </p:pic>
       <p:pic>
         <p:nvPicPr>
-          <p:cNvPr id="80527223" name=""/>
+          <p:cNvPr id="503257475" name=""/>
           <p:cNvPicPr>
             <a:picLocks noChangeAspect="1"/>
           </p:cNvPicPr>
@@ -15436,7 +17436,7 @@
       </p:pic>
       <p:pic>
         <p:nvPicPr>
-          <p:cNvPr id="2133581161" name=""/>
+          <p:cNvPr id="411775133" name=""/>
           <p:cNvPicPr>
             <a:picLocks noChangeAspect="1"/>
           </p:cNvPicPr>
@@ -15458,7 +17458,7 @@
       </p:pic>
       <p:pic>
         <p:nvPicPr>
-          <p:cNvPr id="1637360865" name=""/>
+          <p:cNvPr id="187830144" name=""/>
           <p:cNvPicPr>
             <a:picLocks noChangeAspect="1"/>
           </p:cNvPicPr>
@@ -15480,7 +17480,7 @@
       </p:pic>
       <p:pic>
         <p:nvPicPr>
-          <p:cNvPr id="758677820" name=""/>
+          <p:cNvPr id="740079300" name=""/>
           <p:cNvPicPr>
             <a:picLocks noChangeAspect="1"/>
           </p:cNvPicPr>
@@ -15502,7 +17502,7 @@
       </p:pic>
       <p:pic>
         <p:nvPicPr>
-          <p:cNvPr id="1305681644" name=""/>
+          <p:cNvPr id="1710769956" name=""/>
           <p:cNvPicPr>
             <a:picLocks noChangeAspect="1"/>
           </p:cNvPicPr>
@@ -15524,7 +17524,7 @@
       </p:pic>
       <p:pic>
         <p:nvPicPr>
-          <p:cNvPr id="316275996" name=""/>
+          <p:cNvPr id="119495730" name=""/>
           <p:cNvPicPr>
             <a:picLocks noChangeAspect="1"/>
           </p:cNvPicPr>
@@ -15546,7 +17546,7 @@
       </p:pic>
       <p:pic>
         <p:nvPicPr>
-          <p:cNvPr id="478527604" name=""/>
+          <p:cNvPr id="711727422" name=""/>
           <p:cNvPicPr>
             <a:picLocks noChangeAspect="1"/>
           </p:cNvPicPr>
@@ -15568,7 +17568,7 @@
       </p:pic>
       <p:sp>
         <p:nvSpPr>
-          <p:cNvPr id="1425753904" name="Text Placeholder 1"/>
+          <p:cNvPr id="1220610414" name="Text Placeholder 1"/>
           <p:cNvSpPr>
             <a:spLocks noGrp="1"/>
           </p:cNvSpPr>
@@ -15599,7 +17599,7 @@
       </p:sp>
       <p:pic>
         <p:nvPicPr>
-          <p:cNvPr id="976355599" name="Picture 679748627"/>
+          <p:cNvPr id="1520023947" name="Picture 679748627"/>
           <p:cNvPicPr>
             <a:picLocks noChangeAspect="1"/>
           </p:cNvPicPr>
@@ -15666,6 +17666,181 @@
       <p:transition spd="slow" advClick="1">
         <p:fade/>
       </p:transition>
+    </mc:Fallback>
+  </mc:AlternateContent>
+</p:sld>
+</file>
+
+<file path=ppt/slides/slide30.xml><?xml version="1.0" encoding="utf-8"?>
+<p:sld xmlns:a="http://schemas.openxmlformats.org/drawingml/2006/main" xmlns:r="http://schemas.openxmlformats.org/officeDocument/2006/relationships" xmlns:p="http://schemas.openxmlformats.org/presentationml/2006/main" xmlns:m="http://schemas.openxmlformats.org/officeDocument/2006/math" xmlns:w="http://schemas.openxmlformats.org/wordprocessingml/2006/main" xmlns:mc="http://schemas.openxmlformats.org/markup-compatibility/2006" showMasterPhAnim="0" showMasterSp="1" show="1">
+  <p:cSld name="">
+    <p:spTree>
+      <p:nvGrpSpPr>
+        <p:cNvPr id="1" name=""/>
+        <p:cNvGrpSpPr/>
+        <p:nvPr/>
+      </p:nvGrpSpPr>
+      <p:grpSpPr bwMode="auto">
+        <a:xfrm>
+          <a:off x="0" y="0"/>
+          <a:ext cx="0" cy="0"/>
+          <a:chOff x="0" y="0"/>
+          <a:chExt cx="0" cy="0"/>
+        </a:xfrm>
+      </p:grpSpPr>
+      <p:sp>
+        <p:nvSpPr>
+          <p:cNvPr id="126701320" name="Text Placeholder 1"/>
+          <p:cNvSpPr>
+            <a:spLocks noGrp="1"/>
+          </p:cNvSpPr>
+          <p:nvPr>
+            <p:ph type="body" sz="quarter" idx="14"/>
+          </p:nvPr>
+        </p:nvSpPr>
+        <p:spPr bwMode="auto">
+          <a:xfrm>
+            <a:off x="323527" y="908719"/>
+            <a:ext cx="7848871" cy="424991"/>
+          </a:xfrm>
+        </p:spPr>
+        <p:txBody>
+          <a:bodyPr/>
+          <a:lstStyle/>
+          <a:p>
+            <a:pPr>
+              <a:defRPr/>
+            </a:pPr>
+            <a:r>
+              <a:rPr/>
+              <a:t>Tecnologie Utilizzate</a:t>
+            </a:r>
+            <a:endParaRPr/>
+          </a:p>
+        </p:txBody>
+      </p:sp>
+      <p:pic>
+        <p:nvPicPr>
+          <p:cNvPr id="977161886" name=""/>
+          <p:cNvPicPr>
+            <a:picLocks noChangeAspect="1"/>
+          </p:cNvPicPr>
+          <p:nvPr/>
+        </p:nvPicPr>
+        <p:blipFill>
+          <a:blip r:embed="rId3"/>
+          <a:stretch/>
+        </p:blipFill>
+        <p:spPr bwMode="auto">
+          <a:xfrm flipH="0" flipV="0">
+            <a:off x="528230" y="2135241"/>
+            <a:ext cx="2235641" cy="715276"/>
+          </a:xfrm>
+          <a:prstGeom prst="rect">
+            <a:avLst/>
+          </a:prstGeom>
+        </p:spPr>
+      </p:pic>
+      <p:pic>
+        <p:nvPicPr>
+          <p:cNvPr id="831870115" name=""/>
+          <p:cNvPicPr>
+            <a:picLocks noChangeAspect="1"/>
+          </p:cNvPicPr>
+          <p:nvPr/>
+        </p:nvPicPr>
+        <p:blipFill>
+          <a:blip r:embed="rId4"/>
+          <a:stretch/>
+        </p:blipFill>
+        <p:spPr bwMode="auto">
+          <a:xfrm flipH="0" flipV="0">
+            <a:off x="3254373" y="1516673"/>
+            <a:ext cx="1735021" cy="1952411"/>
+          </a:xfrm>
+          <a:prstGeom prst="rect">
+            <a:avLst/>
+          </a:prstGeom>
+        </p:spPr>
+      </p:pic>
+      <p:pic>
+        <p:nvPicPr>
+          <p:cNvPr id="1784477242" name=""/>
+          <p:cNvPicPr>
+            <a:picLocks noChangeAspect="1"/>
+          </p:cNvPicPr>
+          <p:nvPr/>
+        </p:nvPicPr>
+        <p:blipFill>
+          <a:blip r:embed="rId5"/>
+          <a:stretch/>
+        </p:blipFill>
+        <p:spPr bwMode="auto">
+          <a:xfrm flipH="0" flipV="0">
+            <a:off x="5392648" y="1733870"/>
+            <a:ext cx="2779749" cy="1518018"/>
+          </a:xfrm>
+          <a:prstGeom prst="rect">
+            <a:avLst/>
+          </a:prstGeom>
+        </p:spPr>
+      </p:pic>
+      <p:pic>
+        <p:nvPicPr>
+          <p:cNvPr id="737283161" name=""/>
+          <p:cNvPicPr>
+            <a:picLocks noChangeAspect="1"/>
+          </p:cNvPicPr>
+          <p:nvPr/>
+        </p:nvPicPr>
+        <p:blipFill>
+          <a:blip r:embed="rId6"/>
+          <a:srcRect l="34540" t="0" r="36687" b="0"/>
+          <a:stretch/>
+        </p:blipFill>
+        <p:spPr bwMode="auto">
+          <a:xfrm flipH="0" flipV="0">
+            <a:off x="1131480" y="2778123"/>
+            <a:ext cx="1997516" cy="3471246"/>
+          </a:xfrm>
+          <a:prstGeom prst="rect">
+            <a:avLst/>
+          </a:prstGeom>
+        </p:spPr>
+      </p:pic>
+      <p:pic>
+        <p:nvPicPr>
+          <p:cNvPr id="1762469409" name=""/>
+          <p:cNvPicPr>
+            <a:picLocks noChangeAspect="1"/>
+          </p:cNvPicPr>
+          <p:nvPr/>
+        </p:nvPicPr>
+        <p:blipFill>
+          <a:blip r:embed="rId7"/>
+          <a:stretch/>
+        </p:blipFill>
+        <p:spPr bwMode="auto">
+          <a:xfrm>
+            <a:off x="5179149" y="3775806"/>
+            <a:ext cx="2143125" cy="2143125"/>
+          </a:xfrm>
+          <a:prstGeom prst="rect">
+            <a:avLst/>
+          </a:prstGeom>
+        </p:spPr>
+      </p:pic>
+    </p:spTree>
+  </p:cSld>
+  <p:clrMapOvr>
+    <a:masterClrMapping/>
+  </p:clrMapOvr>
+  <mc:AlternateContent xmlns:mc="http://schemas.openxmlformats.org/markup-compatibility/2006">
+    <mc:Choice xmlns:p159="http://schemas.microsoft.com/office/powerpoint/2015/09/main" xmlns:p14="http://schemas.microsoft.com/office/powerpoint/2010/main" Requires="p159">
+      <p:transition p14:dur="2000" advClick="1"/>
+    </mc:Choice>
+    <mc:Fallback>
+      <p:transition advClick="1"/>
     </mc:Fallback>
   </mc:AlternateContent>
 </p:sld>
@@ -15690,7 +17865,7 @@
       </p:grpSpPr>
       <p:pic>
         <p:nvPicPr>
-          <p:cNvPr id="791199869" name=""/>
+          <p:cNvPr id="918604244" name=""/>
           <p:cNvPicPr>
             <a:picLocks noChangeAspect="1"/>
           </p:cNvPicPr>
@@ -15712,7 +17887,7 @@
       </p:pic>
       <p:sp>
         <p:nvSpPr>
-          <p:cNvPr id="1608048915" name=""/>
+          <p:cNvPr id="36453206" name=""/>
           <p:cNvSpPr txBox="1"/>
           <p:nvPr/>
         </p:nvSpPr>
@@ -15740,7 +17915,7 @@
       </p:sp>
       <p:pic>
         <p:nvPicPr>
-          <p:cNvPr id="1841887726" name=""/>
+          <p:cNvPr id="542552502" name=""/>
           <p:cNvPicPr>
             <a:picLocks noChangeAspect="1"/>
           </p:cNvPicPr>
@@ -15762,7 +17937,7 @@
       </p:pic>
       <p:pic>
         <p:nvPicPr>
-          <p:cNvPr id="774857575" name=""/>
+          <p:cNvPr id="2136735653" name=""/>
           <p:cNvPicPr>
             <a:picLocks noChangeAspect="1"/>
           </p:cNvPicPr>
@@ -15784,7 +17959,7 @@
       </p:pic>
       <p:pic>
         <p:nvPicPr>
-          <p:cNvPr id="746160142" name=""/>
+          <p:cNvPr id="1441756254" name=""/>
           <p:cNvPicPr>
             <a:picLocks noChangeAspect="1"/>
           </p:cNvPicPr>
@@ -15806,7 +17981,7 @@
       </p:pic>
       <p:pic>
         <p:nvPicPr>
-          <p:cNvPr id="1878639132" name=""/>
+          <p:cNvPr id="1434697268" name=""/>
           <p:cNvPicPr>
             <a:picLocks noChangeAspect="1"/>
           </p:cNvPicPr>
@@ -15828,7 +18003,7 @@
       </p:pic>
       <p:pic>
         <p:nvPicPr>
-          <p:cNvPr id="497937609" name=""/>
+          <p:cNvPr id="1194475690" name=""/>
           <p:cNvPicPr>
             <a:picLocks noChangeAspect="1"/>
           </p:cNvPicPr>
@@ -15850,7 +18025,7 @@
       </p:pic>
       <p:pic>
         <p:nvPicPr>
-          <p:cNvPr id="1899324431" name=""/>
+          <p:cNvPr id="1046104394" name=""/>
           <p:cNvPicPr>
             <a:picLocks noChangeAspect="1"/>
           </p:cNvPicPr>
@@ -15872,7 +18047,7 @@
       </p:pic>
       <p:pic>
         <p:nvPicPr>
-          <p:cNvPr id="539914526" name=""/>
+          <p:cNvPr id="1112635114" name=""/>
           <p:cNvPicPr>
             <a:picLocks noChangeAspect="1"/>
           </p:cNvPicPr>
@@ -15894,7 +18069,7 @@
       </p:pic>
       <p:pic>
         <p:nvPicPr>
-          <p:cNvPr id="1226146736" name=""/>
+          <p:cNvPr id="1634230763" name=""/>
           <p:cNvPicPr>
             <a:picLocks noChangeAspect="1"/>
           </p:cNvPicPr>
@@ -15916,7 +18091,7 @@
       </p:pic>
       <p:pic>
         <p:nvPicPr>
-          <p:cNvPr id="530742494" name=""/>
+          <p:cNvPr id="1572877797" name=""/>
           <p:cNvPicPr>
             <a:picLocks noChangeAspect="1"/>
           </p:cNvPicPr>
@@ -15938,7 +18113,7 @@
       </p:pic>
       <p:pic>
         <p:nvPicPr>
-          <p:cNvPr id="1528316983" name=""/>
+          <p:cNvPr id="1541539834" name=""/>
           <p:cNvPicPr>
             <a:picLocks noChangeAspect="1"/>
           </p:cNvPicPr>
@@ -15960,7 +18135,7 @@
       </p:pic>
       <p:sp>
         <p:nvSpPr>
-          <p:cNvPr id="22384798" name="Text Placeholder 1"/>
+          <p:cNvPr id="1569107472" name="Text Placeholder 1"/>
           <p:cNvSpPr>
             <a:spLocks noGrp="1"/>
           </p:cNvSpPr>
@@ -15991,7 +18166,7 @@
       </p:sp>
       <p:pic>
         <p:nvPicPr>
-          <p:cNvPr id="1083056438" name="Picture 679748627"/>
+          <p:cNvPr id="1220562402" name="Picture 679748627"/>
           <p:cNvPicPr>
             <a:picLocks noChangeAspect="1"/>
           </p:cNvPicPr>
@@ -16050,7 +18225,7 @@
       </p:grpSpPr>
       <p:sp>
         <p:nvSpPr>
-          <p:cNvPr id="373762085" name=""/>
+          <p:cNvPr id="1071498455" name=""/>
           <p:cNvSpPr txBox="1"/>
           <p:nvPr/>
         </p:nvSpPr>
@@ -16078,7 +18253,7 @@
       </p:sp>
       <p:pic>
         <p:nvPicPr>
-          <p:cNvPr id="155249466" name=""/>
+          <p:cNvPr id="417705772" name=""/>
           <p:cNvPicPr>
             <a:picLocks noChangeAspect="1"/>
           </p:cNvPicPr>
@@ -16100,7 +18275,7 @@
       </p:pic>
       <p:sp>
         <p:nvSpPr>
-          <p:cNvPr id="407243974" name="Text Placeholder 1"/>
+          <p:cNvPr id="1164963182" name="Text Placeholder 1"/>
           <p:cNvSpPr>
             <a:spLocks noGrp="1"/>
           </p:cNvSpPr>
@@ -16132,11 +18307,7 @@
                 <a:ea typeface="Arial"/>
                 <a:cs typeface="Arial"/>
               </a:rPr>
-              <a:t>Compatibilità</a:t>
-            </a:r>
-            <a:r>
-              <a:rPr/>
-              <a:t>’</a:t>
+              <a:t>Obbiettivi</a:t>
             </a:r>
             <a:endParaRPr/>
           </a:p>
@@ -16144,7 +18315,7 @@
       </p:sp>
       <p:pic>
         <p:nvPicPr>
-          <p:cNvPr id="941995808" name="Picture 679748627"/>
+          <p:cNvPr id="1559445601" name="Picture 679748627"/>
           <p:cNvPicPr>
             <a:picLocks noChangeAspect="1"/>
           </p:cNvPicPr>
@@ -16166,7 +18337,7 @@
       </p:pic>
       <p:pic>
         <p:nvPicPr>
-          <p:cNvPr id="722480663" name=""/>
+          <p:cNvPr id="2062710664" name=""/>
           <p:cNvPicPr>
             <a:picLocks noChangeAspect="1"/>
           </p:cNvPicPr>
@@ -16186,6 +18357,49 @@
           </a:prstGeom>
         </p:spPr>
       </p:pic>
+      <p:sp>
+        <p:nvSpPr>
+          <p:cNvPr id="1594607499" name=""/>
+          <p:cNvSpPr txBox="1"/>
+          <p:nvPr/>
+        </p:nvSpPr>
+        <p:spPr bwMode="auto">
+          <a:xfrm rot="0" flipH="0" flipV="0">
+            <a:off x="3479112" y="1876452"/>
+            <a:ext cx="1682211" cy="366119"/>
+          </a:xfrm>
+          <a:prstGeom prst="rect">
+            <a:avLst/>
+          </a:prstGeom>
+          <a:noFill/>
+        </p:spPr>
+        <p:txBody>
+          <a:bodyPr vertOverflow="overflow" horzOverflow="overflow" vert="horz" wrap="square" lIns="91440" tIns="45720" rIns="91440" bIns="45720" numCol="1" spcCol="0" rtlCol="0" fromWordArt="0" anchor="t" anchorCtr="0" forceAA="0" upright="0" compatLnSpc="0">
+            <a:spAutoFit/>
+          </a:bodyPr>
+          <a:p>
+            <a:pPr algn="l">
+              <a:defRPr/>
+            </a:pPr>
+            <a:r>
+              <a:rPr lang="it-IT" b="1" i="0" u="none" strike="noStrike" cap="none" spc="0">
+                <a:solidFill>
+                  <a:srgbClr val="FF0000"/>
+                </a:solidFill>
+                <a:latin typeface="Arial"/>
+                <a:ea typeface="Arial"/>
+                <a:cs typeface="Arial"/>
+              </a:rPr>
+              <a:t>Compatibilità</a:t>
+            </a:r>
+            <a:endParaRPr>
+              <a:solidFill>
+                <a:srgbClr val="FF0000"/>
+              </a:solidFill>
+            </a:endParaRPr>
+          </a:p>
+        </p:txBody>
+      </p:sp>
     </p:spTree>
   </p:cSld>
   <p:clrMapOvr>
@@ -16225,7 +18439,7 @@
       </p:grpSpPr>
       <p:sp>
         <p:nvSpPr>
-          <p:cNvPr id="764486921" name=""/>
+          <p:cNvPr id="287447085" name=""/>
           <p:cNvSpPr txBox="1"/>
           <p:nvPr/>
         </p:nvSpPr>
@@ -16253,7 +18467,7 @@
       </p:sp>
       <p:pic>
         <p:nvPicPr>
-          <p:cNvPr id="1518142169" name=""/>
+          <p:cNvPr id="2142975008" name=""/>
           <p:cNvPicPr>
             <a:picLocks noChangeAspect="1"/>
           </p:cNvPicPr>
@@ -16275,7 +18489,7 @@
       </p:pic>
       <p:pic>
         <p:nvPicPr>
-          <p:cNvPr id="918135180" name="Picture 679748627"/>
+          <p:cNvPr id="1828229880" name="Picture 679748627"/>
           <p:cNvPicPr>
             <a:picLocks noChangeAspect="1"/>
           </p:cNvPicPr>
@@ -16297,7 +18511,7 @@
       </p:pic>
       <p:pic>
         <p:nvPicPr>
-          <p:cNvPr id="2092072393" name=""/>
+          <p:cNvPr id="1390642813" name=""/>
           <p:cNvPicPr>
             <a:picLocks noChangeAspect="1"/>
           </p:cNvPicPr>
@@ -16319,7 +18533,7 @@
       </p:pic>
       <p:pic>
         <p:nvPicPr>
-          <p:cNvPr id="1910410690" name=""/>
+          <p:cNvPr id="1013339181" name=""/>
           <p:cNvPicPr>
             <a:picLocks noChangeAspect="1"/>
           </p:cNvPicPr>
@@ -16341,7 +18555,7 @@
       </p:pic>
       <p:sp>
         <p:nvSpPr>
-          <p:cNvPr id="1606260555" name="Text Placeholder 1"/>
+          <p:cNvPr id="2037116750" name="Text Placeholder 1"/>
           <p:cNvSpPr>
             <a:spLocks noGrp="1"/>
           </p:cNvSpPr>
@@ -16529,11 +18743,93 @@
                 <a:ea typeface="Arial"/>
                 <a:cs typeface="Arial"/>
               </a:rPr>
+              <a:t>Obbiettivi</a:t>
+            </a:r>
+            <a:endParaRPr sz="2700"/>
+          </a:p>
+          <a:p>
+            <a:pPr>
+              <a:defRPr/>
+            </a:pPr>
+            <a:endParaRPr/>
+          </a:p>
+        </p:txBody>
+      </p:sp>
+      <p:sp>
+        <p:nvSpPr>
+          <p:cNvPr id="555792958" name=""/>
+          <p:cNvSpPr txBox="1"/>
+          <p:nvPr/>
+        </p:nvSpPr>
+        <p:spPr bwMode="auto">
+          <a:xfrm rot="0" flipH="0" flipV="0">
+            <a:off x="3174222" y="4047448"/>
+            <a:ext cx="1630704" cy="365759"/>
+          </a:xfrm>
+          <a:prstGeom prst="rect">
+            <a:avLst/>
+          </a:prstGeom>
+          <a:noFill/>
+        </p:spPr>
+        <p:txBody>
+          <a:bodyPr vertOverflow="overflow" horzOverflow="overflow" vert="horz" wrap="square" lIns="91440" tIns="45720" rIns="91440" bIns="45720" numCol="1" spcCol="0" rtlCol="0" fromWordArt="0" anchor="t" anchorCtr="0" forceAA="0" upright="0" compatLnSpc="0">
+            <a:spAutoFit/>
+          </a:bodyPr>
+          <a:p>
+            <a:pPr algn="l">
+              <a:defRPr/>
+            </a:pPr>
+            <a:r>
+              <a:rPr lang="it-IT" b="1" i="0" u="none" strike="noStrike" cap="none" spc="0">
+                <a:solidFill>
+                  <a:schemeClr val="accent6">
+                    <a:lumMod val="75000"/>
+                  </a:schemeClr>
+                </a:solidFill>
+                <a:latin typeface="Arial"/>
+                <a:ea typeface="Arial"/>
+                <a:cs typeface="Arial"/>
+              </a:rPr>
               <a:t>Compatibilità</a:t>
             </a:r>
-            <a:r>
-              <a:rPr/>
-              <a:t>’</a:t>
+            <a:endParaRPr/>
+          </a:p>
+        </p:txBody>
+      </p:sp>
+      <p:sp>
+        <p:nvSpPr>
+          <p:cNvPr id="220862532" name=""/>
+          <p:cNvSpPr txBox="1"/>
+          <p:nvPr/>
+        </p:nvSpPr>
+        <p:spPr bwMode="auto">
+          <a:xfrm rot="0" flipH="0" flipV="0">
+            <a:off x="3174222" y="2257582"/>
+            <a:ext cx="1635384" cy="366119"/>
+          </a:xfrm>
+          <a:prstGeom prst="rect">
+            <a:avLst/>
+          </a:prstGeom>
+          <a:noFill/>
+        </p:spPr>
+        <p:txBody>
+          <a:bodyPr vertOverflow="overflow" horzOverflow="overflow" vert="horz" wrap="square" lIns="91440" tIns="45720" rIns="91440" bIns="45720" numCol="1" spcCol="0" rtlCol="0" fromWordArt="0" anchor="t" anchorCtr="0" forceAA="0" upright="0" compatLnSpc="0">
+            <a:spAutoFit/>
+          </a:bodyPr>
+          <a:p>
+            <a:pPr algn="ctr">
+              <a:defRPr/>
+            </a:pPr>
+            <a:r>
+              <a:rPr lang="it-IT" b="1" i="0" u="none" strike="noStrike" cap="none" spc="0">
+                <a:solidFill>
+                  <a:schemeClr val="tx1"/>
+                </a:solidFill>
+                <a:latin typeface="Arial"/>
+                <a:ea typeface="Arial"/>
+                <a:cs typeface="Arial"/>
+              </a:rPr>
+              <a:t>Connessioni</a:t>
             </a:r>
             <a:endParaRPr/>
           </a:p>
@@ -16578,7 +18874,7 @@
       </p:grpSpPr>
       <p:sp>
         <p:nvSpPr>
-          <p:cNvPr id="169226235" name=""/>
+          <p:cNvPr id="663855668" name=""/>
           <p:cNvSpPr txBox="1"/>
           <p:nvPr/>
         </p:nvSpPr>
@@ -16606,7 +18902,7 @@
       </p:sp>
       <p:pic>
         <p:nvPicPr>
-          <p:cNvPr id="82103918" name=""/>
+          <p:cNvPr id="181451330" name=""/>
           <p:cNvPicPr>
             <a:picLocks noChangeAspect="1"/>
           </p:cNvPicPr>
@@ -16628,7 +18924,7 @@
       </p:pic>
       <p:pic>
         <p:nvPicPr>
-          <p:cNvPr id="475629138" name="Picture 679748627"/>
+          <p:cNvPr id="1274146203" name="Picture 679748627"/>
           <p:cNvPicPr>
             <a:picLocks noChangeAspect="1"/>
           </p:cNvPicPr>
@@ -16650,7 +18946,7 @@
       </p:pic>
       <p:pic>
         <p:nvPicPr>
-          <p:cNvPr id="411755842" name=""/>
+          <p:cNvPr id="274899468" name=""/>
           <p:cNvPicPr>
             <a:picLocks noChangeAspect="1"/>
           </p:cNvPicPr>
@@ -16672,7 +18968,7 @@
       </p:pic>
       <p:pic>
         <p:nvPicPr>
-          <p:cNvPr id="550022406" name=""/>
+          <p:cNvPr id="1336355247" name=""/>
           <p:cNvPicPr>
             <a:picLocks noChangeAspect="1"/>
           </p:cNvPicPr>
@@ -16694,7 +18990,7 @@
       </p:pic>
       <p:pic>
         <p:nvPicPr>
-          <p:cNvPr id="1849119898" name=""/>
+          <p:cNvPr id="1808092810" name=""/>
           <p:cNvPicPr>
             <a:picLocks noChangeAspect="1"/>
           </p:cNvPicPr>
@@ -16717,7 +19013,7 @@
       </p:pic>
       <p:sp>
         <p:nvSpPr>
-          <p:cNvPr id="1868557648" name="Text Placeholder 1"/>
+          <p:cNvPr id="1071130424" name="Text Placeholder 1"/>
           <p:cNvSpPr>
             <a:spLocks noGrp="1"/>
           </p:cNvSpPr>
@@ -16749,11 +19045,91 @@
                 <a:ea typeface="Arial"/>
                 <a:cs typeface="Arial"/>
               </a:rPr>
-              <a:t>Compatibilità</a:t>
-            </a:r>
-            <a:r>
-              <a:rPr/>
-              <a:t>’</a:t>
+              <a:t>Obbiettivi</a:t>
+            </a:r>
+            <a:endParaRPr sz="2700"/>
+          </a:p>
+          <a:p>
+            <a:pPr>
+              <a:defRPr/>
+            </a:pPr>
+            <a:endParaRPr/>
+          </a:p>
+        </p:txBody>
+      </p:sp>
+      <p:sp>
+        <p:nvSpPr>
+          <p:cNvPr id="1666082429" name=""/>
+          <p:cNvSpPr txBox="1"/>
+          <p:nvPr/>
+        </p:nvSpPr>
+        <p:spPr bwMode="auto">
+          <a:xfrm rot="0" flipH="0" flipV="0">
+            <a:off x="3174222" y="2257582"/>
+            <a:ext cx="1635743" cy="366119"/>
+          </a:xfrm>
+          <a:prstGeom prst="rect">
+            <a:avLst/>
+          </a:prstGeom>
+          <a:noFill/>
+        </p:spPr>
+        <p:txBody>
+          <a:bodyPr vertOverflow="overflow" horzOverflow="overflow" vert="horz" wrap="square" lIns="91440" tIns="45720" rIns="91440" bIns="45720" numCol="1" spcCol="0" rtlCol="0" fromWordArt="0" anchor="t" anchorCtr="0" forceAA="0" upright="0" compatLnSpc="0">
+            <a:spAutoFit/>
+          </a:bodyPr>
+          <a:p>
+            <a:pPr algn="ctr">
+              <a:defRPr/>
+            </a:pPr>
+            <a:r>
+              <a:rPr lang="it-IT" b="1" i="0" u="none" strike="noStrike" cap="none" spc="0">
+                <a:solidFill>
+                  <a:schemeClr val="tx1"/>
+                </a:solidFill>
+                <a:latin typeface="Arial"/>
+                <a:ea typeface="Arial"/>
+                <a:cs typeface="Arial"/>
+              </a:rPr>
+              <a:t>Connessioni</a:t>
+            </a:r>
+            <a:endParaRPr/>
+          </a:p>
+        </p:txBody>
+      </p:sp>
+      <p:sp>
+        <p:nvSpPr>
+          <p:cNvPr id="829301805" name=""/>
+          <p:cNvSpPr txBox="1"/>
+          <p:nvPr/>
+        </p:nvSpPr>
+        <p:spPr bwMode="auto">
+          <a:xfrm rot="0" flipH="0" flipV="0">
+            <a:off x="5968127" y="3429000"/>
+            <a:ext cx="1649783" cy="366119"/>
+          </a:xfrm>
+          <a:prstGeom prst="rect">
+            <a:avLst/>
+          </a:prstGeom>
+          <a:noFill/>
+        </p:spPr>
+        <p:txBody>
+          <a:bodyPr vertOverflow="overflow" horzOverflow="overflow" vert="horz" wrap="square" lIns="91440" tIns="45720" rIns="91440" bIns="45720" numCol="1" spcCol="0" rtlCol="0" fromWordArt="0" anchor="t" anchorCtr="0" forceAA="0" upright="0" compatLnSpc="0">
+            <a:spAutoFit/>
+          </a:bodyPr>
+          <a:p>
+            <a:pPr algn="ctr">
+              <a:defRPr/>
+            </a:pPr>
+            <a:r>
+              <a:rPr lang="it-IT" b="1" i="0" u="none" strike="noStrike" cap="none" spc="0">
+                <a:solidFill>
+                  <a:schemeClr val="tx1"/>
+                </a:solidFill>
+                <a:latin typeface="Arial"/>
+                <a:ea typeface="Arial"/>
+                <a:cs typeface="Arial"/>
+              </a:rPr>
+              <a:t>Servizi Web</a:t>
             </a:r>
             <a:endParaRPr/>
           </a:p>
@@ -16798,7 +19174,7 @@
       </p:grpSpPr>
       <p:sp>
         <p:nvSpPr>
-          <p:cNvPr id="973765807" name=""/>
+          <p:cNvPr id="915063227" name=""/>
           <p:cNvSpPr txBox="1"/>
           <p:nvPr/>
         </p:nvSpPr>
@@ -16826,7 +19202,7 @@
       </p:sp>
       <p:pic>
         <p:nvPicPr>
-          <p:cNvPr id="214615689" name=""/>
+          <p:cNvPr id="1559549293" name=""/>
           <p:cNvPicPr>
             <a:picLocks noChangeAspect="1"/>
           </p:cNvPicPr>
@@ -16848,7 +19224,7 @@
       </p:pic>
       <p:pic>
         <p:nvPicPr>
-          <p:cNvPr id="1631848319" name="Picture 679748627"/>
+          <p:cNvPr id="422607063" name="Picture 679748627"/>
           <p:cNvPicPr>
             <a:picLocks noChangeAspect="1"/>
           </p:cNvPicPr>
@@ -16870,7 +19246,7 @@
       </p:pic>
       <p:pic>
         <p:nvPicPr>
-          <p:cNvPr id="134605704" name=""/>
+          <p:cNvPr id="348933427" name=""/>
           <p:cNvPicPr>
             <a:picLocks noChangeAspect="1"/>
           </p:cNvPicPr>
@@ -16892,7 +19268,7 @@
       </p:pic>
       <p:pic>
         <p:nvPicPr>
-          <p:cNvPr id="648817321" name=""/>
+          <p:cNvPr id="710779045" name=""/>
           <p:cNvPicPr>
             <a:picLocks noChangeAspect="1"/>
           </p:cNvPicPr>
@@ -16914,7 +19290,7 @@
       </p:pic>
       <p:pic>
         <p:nvPicPr>
-          <p:cNvPr id="1454119225" name=""/>
+          <p:cNvPr id="1827568967" name=""/>
           <p:cNvPicPr>
             <a:picLocks noChangeAspect="1"/>
           </p:cNvPicPr>
@@ -16937,7 +19313,7 @@
       </p:pic>
       <p:pic>
         <p:nvPicPr>
-          <p:cNvPr id="2012375189" name=""/>
+          <p:cNvPr id="2116042461" name=""/>
           <p:cNvPicPr>
             <a:picLocks noChangeAspect="1"/>
           </p:cNvPicPr>
@@ -16960,7 +19336,7 @@
       </p:pic>
       <p:sp>
         <p:nvSpPr>
-          <p:cNvPr id="1648618205" name="Text Placeholder 1"/>
+          <p:cNvPr id="126527425" name="Text Placeholder 1"/>
           <p:cNvSpPr>
             <a:spLocks noGrp="1"/>
           </p:cNvSpPr>
@@ -16992,11 +19368,132 @@
                 <a:ea typeface="Arial"/>
                 <a:cs typeface="Arial"/>
               </a:rPr>
+              <a:t>Obbiettivi</a:t>
+            </a:r>
+            <a:endParaRPr sz="2700"/>
+          </a:p>
+          <a:p>
+            <a:pPr>
+              <a:defRPr/>
+            </a:pPr>
+            <a:endParaRPr/>
+          </a:p>
+        </p:txBody>
+      </p:sp>
+      <p:sp>
+        <p:nvSpPr>
+          <p:cNvPr id="755570060" name=""/>
+          <p:cNvSpPr txBox="1"/>
+          <p:nvPr/>
+        </p:nvSpPr>
+        <p:spPr bwMode="auto">
+          <a:xfrm rot="0" flipH="0" flipV="0">
+            <a:off x="3174222" y="3969222"/>
+            <a:ext cx="1630704" cy="365759"/>
+          </a:xfrm>
+          <a:prstGeom prst="rect">
+            <a:avLst/>
+          </a:prstGeom>
+          <a:noFill/>
+        </p:spPr>
+        <p:txBody>
+          <a:bodyPr vertOverflow="overflow" horzOverflow="overflow" vert="horz" wrap="square" lIns="91440" tIns="45720" rIns="91440" bIns="45720" numCol="1" spcCol="0" rtlCol="0" fromWordArt="0" anchor="t" anchorCtr="0" forceAA="0" upright="0" compatLnSpc="0">
+            <a:spAutoFit/>
+          </a:bodyPr>
+          <a:p>
+            <a:pPr algn="l">
+              <a:defRPr/>
+            </a:pPr>
+            <a:r>
+              <a:rPr lang="it-IT" b="1" i="0" u="none" strike="noStrike" cap="none" spc="0">
+                <a:solidFill>
+                  <a:schemeClr val="accent6">
+                    <a:lumMod val="75000"/>
+                  </a:schemeClr>
+                </a:solidFill>
+                <a:latin typeface="Arial"/>
+                <a:ea typeface="Arial"/>
+                <a:cs typeface="Arial"/>
+              </a:rPr>
               <a:t>Compatibilità</a:t>
             </a:r>
-            <a:r>
-              <a:rPr/>
-              <a:t>’</a:t>
+            <a:endParaRPr/>
+          </a:p>
+        </p:txBody>
+      </p:sp>
+      <p:sp>
+        <p:nvSpPr>
+          <p:cNvPr id="2088696541" name=""/>
+          <p:cNvSpPr txBox="1"/>
+          <p:nvPr/>
+        </p:nvSpPr>
+        <p:spPr bwMode="auto">
+          <a:xfrm rot="0" flipH="0" flipV="0">
+            <a:off x="3174222" y="2257582"/>
+            <a:ext cx="1636102" cy="366119"/>
+          </a:xfrm>
+          <a:prstGeom prst="rect">
+            <a:avLst/>
+          </a:prstGeom>
+          <a:noFill/>
+        </p:spPr>
+        <p:txBody>
+          <a:bodyPr vertOverflow="overflow" horzOverflow="overflow" vert="horz" wrap="square" lIns="91440" tIns="45720" rIns="91440" bIns="45720" numCol="1" spcCol="0" rtlCol="0" fromWordArt="0" anchor="t" anchorCtr="0" forceAA="0" upright="0" compatLnSpc="0">
+            <a:spAutoFit/>
+          </a:bodyPr>
+          <a:p>
+            <a:pPr algn="ctr">
+              <a:defRPr/>
+            </a:pPr>
+            <a:r>
+              <a:rPr lang="it-IT" b="1" i="0" u="none" strike="noStrike" cap="none" spc="0">
+                <a:solidFill>
+                  <a:schemeClr val="tx1"/>
+                </a:solidFill>
+                <a:latin typeface="Arial"/>
+                <a:ea typeface="Arial"/>
+                <a:cs typeface="Arial"/>
+              </a:rPr>
+              <a:t>Connessioni</a:t>
+            </a:r>
+            <a:endParaRPr/>
+          </a:p>
+        </p:txBody>
+      </p:sp>
+      <p:sp>
+        <p:nvSpPr>
+          <p:cNvPr id="647394794" name=""/>
+          <p:cNvSpPr txBox="1"/>
+          <p:nvPr/>
+        </p:nvSpPr>
+        <p:spPr bwMode="auto">
+          <a:xfrm rot="0" flipH="0" flipV="0">
+            <a:off x="5968127" y="3332142"/>
+            <a:ext cx="1650142" cy="366119"/>
+          </a:xfrm>
+          <a:prstGeom prst="rect">
+            <a:avLst/>
+          </a:prstGeom>
+          <a:noFill/>
+        </p:spPr>
+        <p:txBody>
+          <a:bodyPr vertOverflow="overflow" horzOverflow="overflow" vert="horz" wrap="square" lIns="91440" tIns="45720" rIns="91440" bIns="45720" numCol="1" spcCol="0" rtlCol="0" fromWordArt="0" anchor="t" anchorCtr="0" forceAA="0" upright="0" compatLnSpc="0">
+            <a:spAutoFit/>
+          </a:bodyPr>
+          <a:p>
+            <a:pPr algn="ctr">
+              <a:defRPr/>
+            </a:pPr>
+            <a:r>
+              <a:rPr lang="it-IT" b="1" i="0" u="none" strike="noStrike" cap="none" spc="0">
+                <a:solidFill>
+                  <a:schemeClr val="tx1"/>
+                </a:solidFill>
+                <a:latin typeface="Arial"/>
+                <a:ea typeface="Arial"/>
+                <a:cs typeface="Arial"/>
+              </a:rPr>
+              <a:t>Servizi Web</a:t>
             </a:r>
             <a:endParaRPr/>
           </a:p>
@@ -17019,6 +19516,7 @@
       </p:transition>
     </mc:Fallback>
   </mc:AlternateContent>
+  <p:timing/>
 </p:sld>
 </file>
 
@@ -17041,7 +19539,7 @@
       </p:grpSpPr>
       <p:sp>
         <p:nvSpPr>
-          <p:cNvPr id="1972979305" name=""/>
+          <p:cNvPr id="1005619382" name=""/>
           <p:cNvSpPr txBox="1"/>
           <p:nvPr/>
         </p:nvSpPr>
@@ -17069,7 +19567,7 @@
       </p:sp>
       <p:pic>
         <p:nvPicPr>
-          <p:cNvPr id="491933087" name=""/>
+          <p:cNvPr id="806322437" name=""/>
           <p:cNvPicPr>
             <a:picLocks noChangeAspect="1"/>
           </p:cNvPicPr>
@@ -17091,7 +19589,7 @@
       </p:pic>
       <p:sp>
         <p:nvSpPr>
-          <p:cNvPr id="2128269704" name="Text Placeholder 1"/>
+          <p:cNvPr id="1766198548" name="Text Placeholder 1"/>
           <p:cNvSpPr>
             <a:spLocks noGrp="1"/>
           </p:cNvSpPr>
@@ -17122,7 +19620,7 @@
       </p:sp>
       <p:pic>
         <p:nvPicPr>
-          <p:cNvPr id="156673337" name="Picture 679748627"/>
+          <p:cNvPr id="1942196417" name="Picture 679748627"/>
           <p:cNvPicPr>
             <a:picLocks noChangeAspect="1"/>
           </p:cNvPicPr>
@@ -17144,7 +19642,7 @@
       </p:pic>
       <p:pic>
         <p:nvPicPr>
-          <p:cNvPr id="1783839384" name=""/>
+          <p:cNvPr id="1284227529" name=""/>
           <p:cNvPicPr>
             <a:picLocks noChangeAspect="1"/>
           </p:cNvPicPr>
@@ -17166,7 +19664,7 @@
       </p:pic>
       <p:pic>
         <p:nvPicPr>
-          <p:cNvPr id="841051597" name=""/>
+          <p:cNvPr id="254129067" name=""/>
           <p:cNvPicPr>
             <a:picLocks noChangeAspect="1"/>
           </p:cNvPicPr>
@@ -17188,7 +19686,7 @@
       </p:pic>
       <p:pic>
         <p:nvPicPr>
-          <p:cNvPr id="1103790577" name=""/>
+          <p:cNvPr id="759794535" name=""/>
           <p:cNvPicPr>
             <a:picLocks noChangeAspect="1"/>
           </p:cNvPicPr>
@@ -17211,7 +19709,7 @@
       </p:pic>
       <p:pic>
         <p:nvPicPr>
-          <p:cNvPr id="283787706" name=""/>
+          <p:cNvPr id="1961283800" name=""/>
           <p:cNvPicPr>
             <a:picLocks noChangeAspect="1"/>
           </p:cNvPicPr>
@@ -17232,6 +19730,47 @@
           </a:prstGeom>
         </p:spPr>
       </p:pic>
+      <p:sp>
+        <p:nvSpPr>
+          <p:cNvPr id="2099494138" name=""/>
+          <p:cNvSpPr txBox="1"/>
+          <p:nvPr/>
+        </p:nvSpPr>
+        <p:spPr bwMode="auto">
+          <a:xfrm rot="0" flipH="0" flipV="0">
+            <a:off x="3429433" y="2110660"/>
+            <a:ext cx="1630704" cy="365759"/>
+          </a:xfrm>
+          <a:prstGeom prst="rect">
+            <a:avLst/>
+          </a:prstGeom>
+          <a:noFill/>
+        </p:spPr>
+        <p:txBody>
+          <a:bodyPr vertOverflow="overflow" horzOverflow="overflow" vert="horz" wrap="square" lIns="91440" tIns="45720" rIns="91440" bIns="45720" numCol="1" spcCol="0" rtlCol="0" fromWordArt="0" anchor="t" anchorCtr="0" forceAA="0" upright="0" compatLnSpc="0">
+            <a:spAutoFit/>
+          </a:bodyPr>
+          <a:p>
+            <a:pPr algn="l">
+              <a:defRPr/>
+            </a:pPr>
+            <a:r>
+              <a:rPr lang="it-IT" b="1" i="0" u="none" strike="noStrike" cap="none" spc="0">
+                <a:solidFill>
+                  <a:schemeClr val="accent6">
+                    <a:lumMod val="75000"/>
+                  </a:schemeClr>
+                </a:solidFill>
+                <a:latin typeface="Arial"/>
+                <a:ea typeface="Arial"/>
+                <a:cs typeface="Arial"/>
+              </a:rPr>
+              <a:t>Compatibilità</a:t>
+            </a:r>
+            <a:endParaRPr/>
+          </a:p>
+        </p:txBody>
+      </p:sp>
     </p:spTree>
   </p:cSld>
   <p:clrMapOvr>

--- a/docs/tesi/MSE_Master Thesis_Presentation_AlessioTommasi PostIncontro.pptx
+++ b/docs/tesi/MSE_Master Thesis_Presentation_AlessioTommasi PostIncontro.pptx
@@ -195,7 +195,7 @@
       </p:grpSpPr>
       <p:sp>
         <p:nvSpPr>
-          <p:cNvPr id="1306301293" name="Rectangle 2"/>
+          <p:cNvPr id="869295509" name="Rectangle 2"/>
           <p:cNvSpPr>
             <a:spLocks noChangeArrowheads="1" noGrp="1"/>
           </p:cNvSpPr>
@@ -242,7 +242,7 @@
       </p:sp>
       <p:sp>
         <p:nvSpPr>
-          <p:cNvPr id="868943922" name="Rectangle 3"/>
+          <p:cNvPr id="1726405856" name="Rectangle 3"/>
           <p:cNvSpPr>
             <a:spLocks noChangeArrowheads="1" noGrp="1"/>
           </p:cNvSpPr>
@@ -289,7 +289,7 @@
       </p:sp>
       <p:sp>
         <p:nvSpPr>
-          <p:cNvPr id="2086122016" name="Rectangle 4"/>
+          <p:cNvPr id="1650489659" name="Rectangle 4"/>
           <p:cNvSpPr>
             <a:spLocks noChangeArrowheads="1" noChangeAspect="1" noGrp="1" noRot="1" noTextEdit="1"/>
           </p:cNvSpPr>
@@ -318,7 +318,7 @@
       </p:sp>
       <p:sp>
         <p:nvSpPr>
-          <p:cNvPr id="187701264" name="Rectangle 5"/>
+          <p:cNvPr id="863706853" name="Rectangle 5"/>
           <p:cNvSpPr>
             <a:spLocks noChangeArrowheads="1" noGrp="1"/>
           </p:cNvSpPr>
@@ -402,7 +402,7 @@
       </p:sp>
       <p:sp>
         <p:nvSpPr>
-          <p:cNvPr id="1327847186" name="Rectangle 6"/>
+          <p:cNvPr id="1514872513" name="Rectangle 6"/>
           <p:cNvSpPr>
             <a:spLocks noChangeArrowheads="1" noGrp="1"/>
           </p:cNvSpPr>
@@ -449,7 +449,7 @@
       </p:sp>
       <p:sp>
         <p:nvSpPr>
-          <p:cNvPr id="756829105" name="Rectangle 7"/>
+          <p:cNvPr id="1196413433" name="Rectangle 7"/>
           <p:cNvSpPr>
             <a:spLocks noChangeArrowheads="1" noGrp="1"/>
           </p:cNvSpPr>
@@ -643,7 +643,7 @@
       </p:grpSpPr>
       <p:sp>
         <p:nvSpPr>
-          <p:cNvPr id="979219438" name="Slide Image Placeholder 1"/>
+          <p:cNvPr id="1204451698" name="Slide Image Placeholder 1"/>
           <p:cNvSpPr>
             <a:spLocks noChangeAspect="1" noGrp="1" noRot="1"/>
           </p:cNvSpPr>
@@ -655,7 +655,7 @@
       </p:sp>
       <p:sp>
         <p:nvSpPr>
-          <p:cNvPr id="292652076" name="Notes Placeholder 2"/>
+          <p:cNvPr id="44580921" name="Notes Placeholder 2"/>
           <p:cNvSpPr>
             <a:spLocks noGrp="1"/>
           </p:cNvSpPr>
@@ -758,7 +758,7 @@
       </p:sp>
       <p:sp>
         <p:nvSpPr>
-          <p:cNvPr id="347504386" name="Slide Number Placeholder 3"/>
+          <p:cNvPr id="1780224733" name="Slide Number Placeholder 3"/>
           <p:cNvSpPr>
             <a:spLocks noGrp="1"/>
           </p:cNvSpPr>
@@ -809,7 +809,7 @@
       </p:grpSpPr>
       <p:sp>
         <p:nvSpPr>
-          <p:cNvPr id="210042065" name="Segnaposto immagine diapositiva 1"/>
+          <p:cNvPr id="949030959" name="Segnaposto immagine diapositiva 1"/>
           <p:cNvSpPr>
             <a:spLocks noChangeAspect="1" noGrp="1" noRot="1"/>
           </p:cNvSpPr>
@@ -821,7 +821,7 @@
       </p:sp>
       <p:sp>
         <p:nvSpPr>
-          <p:cNvPr id="324054231" name="Segnaposto note 2"/>
+          <p:cNvPr id="220739484" name="Segnaposto note 2"/>
           <p:cNvSpPr>
             <a:spLocks noGrp="1"/>
           </p:cNvSpPr>
@@ -961,7 +961,7 @@
       </p:sp>
       <p:sp>
         <p:nvSpPr>
-          <p:cNvPr id="1128241109" name="Segnaposto numero diapositiva 3"/>
+          <p:cNvPr id="1636359548" name="Segnaposto numero diapositiva 3"/>
           <p:cNvSpPr>
             <a:spLocks noGrp="1"/>
           </p:cNvSpPr>
@@ -1012,7 +1012,7 @@
       </p:grpSpPr>
       <p:sp>
         <p:nvSpPr>
-          <p:cNvPr id="1445599276" name="Segnaposto immagine diapositiva 1"/>
+          <p:cNvPr id="816913814" name="Segnaposto immagine diapositiva 1"/>
           <p:cNvSpPr>
             <a:spLocks noChangeAspect="1" noGrp="1" noRot="1"/>
           </p:cNvSpPr>
@@ -1024,7 +1024,7 @@
       </p:sp>
       <p:sp>
         <p:nvSpPr>
-          <p:cNvPr id="377666931" name="Segnaposto note 2"/>
+          <p:cNvPr id="9182215" name="Segnaposto note 2"/>
           <p:cNvSpPr>
             <a:spLocks noGrp="1"/>
           </p:cNvSpPr>
@@ -1172,7 +1172,7 @@
       </p:sp>
       <p:sp>
         <p:nvSpPr>
-          <p:cNvPr id="1459597401" name="Segnaposto numero diapositiva 3"/>
+          <p:cNvPr id="648809913" name="Segnaposto numero diapositiva 3"/>
           <p:cNvSpPr>
             <a:spLocks noGrp="1"/>
           </p:cNvSpPr>
@@ -1223,7 +1223,7 @@
       </p:grpSpPr>
       <p:sp>
         <p:nvSpPr>
-          <p:cNvPr id="1566950525" name="Segnaposto immagine diapositiva 1"/>
+          <p:cNvPr id="1752842860" name="Segnaposto immagine diapositiva 1"/>
           <p:cNvSpPr>
             <a:spLocks noChangeAspect="1" noGrp="1" noRot="1"/>
           </p:cNvSpPr>
@@ -1235,7 +1235,7 @@
       </p:sp>
       <p:sp>
         <p:nvSpPr>
-          <p:cNvPr id="1506264663" name="Segnaposto note 2"/>
+          <p:cNvPr id="2020655945" name="Segnaposto note 2"/>
           <p:cNvSpPr>
             <a:spLocks noGrp="1"/>
           </p:cNvSpPr>
@@ -1352,7 +1352,7 @@
       </p:sp>
       <p:sp>
         <p:nvSpPr>
-          <p:cNvPr id="954007215" name="Segnaposto numero diapositiva 3"/>
+          <p:cNvPr id="398757837" name="Segnaposto numero diapositiva 3"/>
           <p:cNvSpPr>
             <a:spLocks noGrp="1"/>
           </p:cNvSpPr>
@@ -1403,7 +1403,7 @@
       </p:grpSpPr>
       <p:sp>
         <p:nvSpPr>
-          <p:cNvPr id="1093181803" name="Segnaposto immagine diapositiva 1"/>
+          <p:cNvPr id="472253600" name="Segnaposto immagine diapositiva 1"/>
           <p:cNvSpPr>
             <a:spLocks noChangeAspect="1" noGrp="1" noRot="1"/>
           </p:cNvSpPr>
@@ -1415,7 +1415,7 @@
       </p:sp>
       <p:sp>
         <p:nvSpPr>
-          <p:cNvPr id="2090404971" name="Segnaposto note 2"/>
+          <p:cNvPr id="1095512063" name="Segnaposto note 2"/>
           <p:cNvSpPr>
             <a:spLocks noGrp="1"/>
           </p:cNvSpPr>
@@ -1836,7 +1836,7 @@
       </p:sp>
       <p:sp>
         <p:nvSpPr>
-          <p:cNvPr id="199213337" name="Segnaposto numero diapositiva 3"/>
+          <p:cNvPr id="1567590743" name="Segnaposto numero diapositiva 3"/>
           <p:cNvSpPr>
             <a:spLocks noGrp="1"/>
           </p:cNvSpPr>
@@ -1887,7 +1887,7 @@
       </p:grpSpPr>
       <p:sp>
         <p:nvSpPr>
-          <p:cNvPr id="613926880" name="Segnaposto immagine diapositiva 1"/>
+          <p:cNvPr id="726688134" name="Segnaposto immagine diapositiva 1"/>
           <p:cNvSpPr>
             <a:spLocks noChangeAspect="1" noGrp="1" noRot="1"/>
           </p:cNvSpPr>
@@ -1899,7 +1899,7 @@
       </p:sp>
       <p:sp>
         <p:nvSpPr>
-          <p:cNvPr id="1526185388" name="Segnaposto note 2"/>
+          <p:cNvPr id="1894714082" name="Segnaposto note 2"/>
           <p:cNvSpPr>
             <a:spLocks noGrp="1"/>
           </p:cNvSpPr>
@@ -2492,7 +2492,7 @@
       </p:sp>
       <p:sp>
         <p:nvSpPr>
-          <p:cNvPr id="396363377" name="Segnaposto numero diapositiva 3"/>
+          <p:cNvPr id="879790554" name="Segnaposto numero diapositiva 3"/>
           <p:cNvSpPr>
             <a:spLocks noGrp="1"/>
           </p:cNvSpPr>
@@ -2543,7 +2543,7 @@
       </p:grpSpPr>
       <p:sp>
         <p:nvSpPr>
-          <p:cNvPr id="1782667382" name="Segnaposto immagine diapositiva 1"/>
+          <p:cNvPr id="565680897" name="Segnaposto immagine diapositiva 1"/>
           <p:cNvSpPr>
             <a:spLocks noChangeAspect="1" noGrp="1" noRot="1"/>
           </p:cNvSpPr>
@@ -2555,7 +2555,7 @@
       </p:sp>
       <p:sp>
         <p:nvSpPr>
-          <p:cNvPr id="525390844" name="Segnaposto note 2"/>
+          <p:cNvPr id="1465096111" name="Segnaposto note 2"/>
           <p:cNvSpPr>
             <a:spLocks noGrp="1"/>
           </p:cNvSpPr>
@@ -2768,7 +2768,7 @@
       </p:sp>
       <p:sp>
         <p:nvSpPr>
-          <p:cNvPr id="1553799328" name="Segnaposto numero diapositiva 3"/>
+          <p:cNvPr id="892999552" name="Segnaposto numero diapositiva 3"/>
           <p:cNvSpPr>
             <a:spLocks noGrp="1"/>
           </p:cNvSpPr>
@@ -2819,7 +2819,7 @@
       </p:grpSpPr>
       <p:sp>
         <p:nvSpPr>
-          <p:cNvPr id="286363619" name="Segnaposto immagine diapositiva 1"/>
+          <p:cNvPr id="2079067027" name="Segnaposto immagine diapositiva 1"/>
           <p:cNvSpPr>
             <a:spLocks noChangeAspect="1" noGrp="1" noRot="1"/>
           </p:cNvSpPr>
@@ -2831,7 +2831,7 @@
       </p:sp>
       <p:sp>
         <p:nvSpPr>
-          <p:cNvPr id="490340886" name="Segnaposto note 2"/>
+          <p:cNvPr id="279842394" name="Segnaposto note 2"/>
           <p:cNvSpPr>
             <a:spLocks noGrp="1"/>
           </p:cNvSpPr>
@@ -2973,7 +2973,7 @@
       </p:sp>
       <p:sp>
         <p:nvSpPr>
-          <p:cNvPr id="195310893" name="Segnaposto numero diapositiva 3"/>
+          <p:cNvPr id="53859893" name="Segnaposto numero diapositiva 3"/>
           <p:cNvSpPr>
             <a:spLocks noGrp="1"/>
           </p:cNvSpPr>
@@ -3024,7 +3024,7 @@
       </p:grpSpPr>
       <p:sp>
         <p:nvSpPr>
-          <p:cNvPr id="2131266041" name="Segnaposto immagine diapositiva 1"/>
+          <p:cNvPr id="1147448251" name="Segnaposto immagine diapositiva 1"/>
           <p:cNvSpPr>
             <a:spLocks noChangeAspect="1" noGrp="1" noRot="1"/>
           </p:cNvSpPr>
@@ -3036,7 +3036,7 @@
       </p:sp>
       <p:sp>
         <p:nvSpPr>
-          <p:cNvPr id="1239006039" name="Segnaposto note 2"/>
+          <p:cNvPr id="649870329" name="Segnaposto note 2"/>
           <p:cNvSpPr>
             <a:spLocks noGrp="1"/>
           </p:cNvSpPr>
@@ -3219,7 +3219,7 @@
       </p:sp>
       <p:sp>
         <p:nvSpPr>
-          <p:cNvPr id="1349547755" name="Segnaposto numero diapositiva 3"/>
+          <p:cNvPr id="1781095340" name="Segnaposto numero diapositiva 3"/>
           <p:cNvSpPr>
             <a:spLocks noGrp="1"/>
           </p:cNvSpPr>
@@ -3270,7 +3270,7 @@
       </p:grpSpPr>
       <p:sp>
         <p:nvSpPr>
-          <p:cNvPr id="1132146689" name="Segnaposto immagine diapositiva 1"/>
+          <p:cNvPr id="173786026" name="Segnaposto immagine diapositiva 1"/>
           <p:cNvSpPr>
             <a:spLocks noChangeAspect="1" noGrp="1" noRot="1"/>
           </p:cNvSpPr>
@@ -3282,7 +3282,7 @@
       </p:sp>
       <p:sp>
         <p:nvSpPr>
-          <p:cNvPr id="679370889" name="Segnaposto note 2"/>
+          <p:cNvPr id="291931164" name="Segnaposto note 2"/>
           <p:cNvSpPr>
             <a:spLocks noGrp="1"/>
           </p:cNvSpPr>
@@ -3412,7 +3412,7 @@
       </p:sp>
       <p:sp>
         <p:nvSpPr>
-          <p:cNvPr id="165632917" name="Segnaposto numero diapositiva 3"/>
+          <p:cNvPr id="1481925812" name="Segnaposto numero diapositiva 3"/>
           <p:cNvSpPr>
             <a:spLocks noGrp="1"/>
           </p:cNvSpPr>
@@ -3463,7 +3463,7 @@
       </p:grpSpPr>
       <p:sp>
         <p:nvSpPr>
-          <p:cNvPr id="37152613" name="Segnaposto immagine diapositiva 1"/>
+          <p:cNvPr id="597703671" name="Segnaposto immagine diapositiva 1"/>
           <p:cNvSpPr>
             <a:spLocks noChangeAspect="1" noGrp="1" noRot="1"/>
           </p:cNvSpPr>
@@ -3475,7 +3475,7 @@
       </p:sp>
       <p:sp>
         <p:nvSpPr>
-          <p:cNvPr id="1842527678" name="Segnaposto note 2"/>
+          <p:cNvPr id="501048487" name="Segnaposto note 2"/>
           <p:cNvSpPr>
             <a:spLocks noGrp="1"/>
           </p:cNvSpPr>
@@ -3766,7 +3766,7 @@
       </p:sp>
       <p:sp>
         <p:nvSpPr>
-          <p:cNvPr id="387700154" name="Segnaposto numero diapositiva 3"/>
+          <p:cNvPr id="1742034077" name="Segnaposto numero diapositiva 3"/>
           <p:cNvSpPr>
             <a:spLocks noGrp="1"/>
           </p:cNvSpPr>
@@ -3817,7 +3817,7 @@
       </p:grpSpPr>
       <p:sp>
         <p:nvSpPr>
-          <p:cNvPr id="1137556264" name="Segnaposto immagine diapositiva 1"/>
+          <p:cNvPr id="1266865394" name="Segnaposto immagine diapositiva 1"/>
           <p:cNvSpPr>
             <a:spLocks noChangeAspect="1" noGrp="1" noRot="1"/>
           </p:cNvSpPr>
@@ -3829,7 +3829,7 @@
       </p:sp>
       <p:sp>
         <p:nvSpPr>
-          <p:cNvPr id="1558017210" name="Segnaposto note 2"/>
+          <p:cNvPr id="1445761584" name="Segnaposto note 2"/>
           <p:cNvSpPr>
             <a:spLocks noGrp="1"/>
           </p:cNvSpPr>
@@ -4120,7 +4120,7 @@
       </p:sp>
       <p:sp>
         <p:nvSpPr>
-          <p:cNvPr id="191155418" name="Segnaposto numero diapositiva 3"/>
+          <p:cNvPr id="1046571348" name="Segnaposto numero diapositiva 3"/>
           <p:cNvSpPr>
             <a:spLocks noGrp="1"/>
           </p:cNvSpPr>
@@ -4171,7 +4171,7 @@
       </p:grpSpPr>
       <p:sp>
         <p:nvSpPr>
-          <p:cNvPr id="1779528632" name="Segnaposto immagine diapositiva 1"/>
+          <p:cNvPr id="94299534" name="Segnaposto immagine diapositiva 1"/>
           <p:cNvSpPr>
             <a:spLocks noChangeAspect="1" noGrp="1" noRot="1"/>
           </p:cNvSpPr>
@@ -4183,7 +4183,7 @@
       </p:sp>
       <p:sp>
         <p:nvSpPr>
-          <p:cNvPr id="2077726839" name="Segnaposto note 2"/>
+          <p:cNvPr id="668945696" name="Segnaposto note 2"/>
           <p:cNvSpPr>
             <a:spLocks noGrp="1"/>
           </p:cNvSpPr>
@@ -4377,7 +4377,7 @@
       </p:sp>
       <p:sp>
         <p:nvSpPr>
-          <p:cNvPr id="2095597112" name="Segnaposto numero diapositiva 3"/>
+          <p:cNvPr id="67814004" name="Segnaposto numero diapositiva 3"/>
           <p:cNvSpPr>
             <a:spLocks noGrp="1"/>
           </p:cNvSpPr>
@@ -4428,7 +4428,7 @@
       </p:grpSpPr>
       <p:sp>
         <p:nvSpPr>
-          <p:cNvPr id="2097446547" name="Segnaposto immagine diapositiva 1"/>
+          <p:cNvPr id="1923711415" name="Segnaposto immagine diapositiva 1"/>
           <p:cNvSpPr>
             <a:spLocks noChangeAspect="1" noGrp="1" noRot="1"/>
           </p:cNvSpPr>
@@ -4440,7 +4440,7 @@
       </p:sp>
       <p:sp>
         <p:nvSpPr>
-          <p:cNvPr id="1511611657" name="Segnaposto note 2"/>
+          <p:cNvPr id="2117453426" name="Segnaposto note 2"/>
           <p:cNvSpPr>
             <a:spLocks noGrp="1"/>
           </p:cNvSpPr>
@@ -4586,7 +4586,7 @@
       </p:sp>
       <p:sp>
         <p:nvSpPr>
-          <p:cNvPr id="523785062" name="Segnaposto numero diapositiva 3"/>
+          <p:cNvPr id="1054602021" name="Segnaposto numero diapositiva 3"/>
           <p:cNvSpPr>
             <a:spLocks noGrp="1"/>
           </p:cNvSpPr>
@@ -4637,7 +4637,7 @@
       </p:grpSpPr>
       <p:sp>
         <p:nvSpPr>
-          <p:cNvPr id="527810624" name="Segnaposto immagine diapositiva 1"/>
+          <p:cNvPr id="1339495609" name="Segnaposto immagine diapositiva 1"/>
           <p:cNvSpPr>
             <a:spLocks noChangeAspect="1" noGrp="1" noRot="1"/>
           </p:cNvSpPr>
@@ -4649,7 +4649,7 @@
       </p:sp>
       <p:sp>
         <p:nvSpPr>
-          <p:cNvPr id="1434049422" name="Segnaposto note 2"/>
+          <p:cNvPr id="966086793" name="Segnaposto note 2"/>
           <p:cNvSpPr>
             <a:spLocks noGrp="1"/>
           </p:cNvSpPr>
@@ -4802,7 +4802,7 @@
       </p:sp>
       <p:sp>
         <p:nvSpPr>
-          <p:cNvPr id="440194037" name="Segnaposto numero diapositiva 3"/>
+          <p:cNvPr id="206828663" name="Segnaposto numero diapositiva 3"/>
           <p:cNvSpPr>
             <a:spLocks noGrp="1"/>
           </p:cNvSpPr>
@@ -5422,7 +5422,7 @@
       </p:grpSpPr>
       <p:sp>
         <p:nvSpPr>
-          <p:cNvPr id="366213008" name="Segnaposto immagine diapositiva 1"/>
+          <p:cNvPr id="408042014" name="Segnaposto immagine diapositiva 1"/>
           <p:cNvSpPr>
             <a:spLocks noChangeAspect="1" noGrp="1" noRot="1"/>
           </p:cNvSpPr>
@@ -5434,7 +5434,7 @@
       </p:sp>
       <p:sp>
         <p:nvSpPr>
-          <p:cNvPr id="410614652" name="Segnaposto note 2"/>
+          <p:cNvPr id="1588472961" name="Segnaposto note 2"/>
           <p:cNvSpPr>
             <a:spLocks noGrp="1"/>
           </p:cNvSpPr>
@@ -5450,51 +5450,23 @@
             <a:pPr>
               <a:defRPr/>
             </a:pPr>
-            <a:endParaRPr sz="1000"/>
-          </a:p>
-          <a:p>
-            <a:pPr>
-              <a:defRPr/>
-            </a:pPr>
-            <a:r>
-              <a:rPr lang="it-CH" sz="800" b="0" i="0" u="none" strike="noStrike" cap="none" spc="0">
-                <a:solidFill>
-                  <a:schemeClr val="tx1"/>
-                </a:solidFill>
-                <a:latin typeface="Arial"/>
-                <a:ea typeface="ＭＳ Ｐゴシック"/>
-                <a:cs typeface="ＭＳ Ｐゴシック"/>
-              </a:rPr>
-              <a:t>SystemState e’ la classe che si occupa di mantenere uno stato consistente dei dati</a:t>
+            <a:r>
+              <a:rPr lang="it-IT" sz="1000" b="0" i="0" u="none" strike="noStrike" cap="none" spc="0">
+                <a:solidFill>
+                  <a:srgbClr val="000000"/>
+                </a:solidFill>
+                <a:latin typeface="Times New Roman"/>
+                <a:ea typeface="Times New Roman"/>
+                <a:cs typeface="Times New Roman"/>
+              </a:rPr>
+              <a:t>Inoltre, alcune funzionalità avanzate di debug, come la pagina del pinout che mostreremo nella demo, non saranno visibili all'utente finale, ma solo a un tecnico specializzato, nel caso in cui fosse necessario eseguire un'analisi sulla board.</a:t>
             </a:r>
             <a:endParaRPr lang="it-IT" sz="1000" b="0" i="0" u="none" strike="noStrike" cap="none" spc="0">
               <a:solidFill>
-                <a:schemeClr val="tx1"/>
+                <a:srgbClr val="000000"/>
               </a:solidFill>
               <a:latin typeface="Times New Roman"/>
-              <a:cs typeface="Times New Roman"/>
-            </a:endParaRPr>
-          </a:p>
-          <a:p>
-            <a:pPr>
-              <a:defRPr/>
-            </a:pPr>
-            <a:r>
-              <a:rPr lang="it-IT" sz="1000" b="0" i="0" u="none" strike="noStrike" cap="none" spc="0">
-                <a:solidFill>
-                  <a:srgbClr val="000000"/>
-                </a:solidFill>
-                <a:latin typeface="Times New Roman"/>
-                <a:ea typeface="Times New Roman"/>
-                <a:cs typeface="Times New Roman"/>
-              </a:rPr>
-              <a:t>E Per garantire un'interfaccia grafica consistente e coerente, vengono utilizzati i metodi forniti  dalla classe ViewGeneric in ogni singola pagina web. </a:t>
-            </a:r>
-            <a:endParaRPr lang="it-IT" sz="1200" b="0" i="0" u="none" strike="noStrike" cap="none" spc="0">
-              <a:solidFill>
-                <a:schemeClr val="tx1"/>
-              </a:solidFill>
-              <a:latin typeface="Times New Roman"/>
+              <a:ea typeface="Times New Roman"/>
               <a:cs typeface="Times New Roman"/>
             </a:endParaRPr>
           </a:p>
@@ -5537,18 +5509,6 @@
             <a:pPr>
               <a:defRPr/>
             </a:pPr>
-            <a:endParaRPr lang="it-IT" sz="1200" b="0" i="0" u="none" strike="noStrike" cap="none" spc="0">
-              <a:solidFill>
-                <a:schemeClr val="tx1"/>
-              </a:solidFill>
-              <a:latin typeface="Times New Roman"/>
-              <a:cs typeface="Times New Roman"/>
-            </a:endParaRPr>
-          </a:p>
-          <a:p>
-            <a:pPr>
-              <a:defRPr/>
-            </a:pPr>
             <a:r>
               <a:rPr sz="1200" b="0" i="0" u="none">
                 <a:solidFill>
@@ -5558,7 +5518,7 @@
                 <a:ea typeface="Times New Roman"/>
                 <a:cs typeface="Times New Roman"/>
               </a:rPr>
-              <a:t>Tenendo in considerazione le limitate risorse del microcontrollore, l'intera architettura è stata progettata con un'ottica di </a:t>
+              <a:t>Per migliorare ulteriormente la </a:t>
             </a:r>
             <a:r>
               <a:rPr sz="1200" b="1" i="0" u="none">
@@ -5569,7 +5529,51 @@
                 <a:ea typeface="Times New Roman"/>
                 <a:cs typeface="Times New Roman"/>
               </a:rPr>
-              <a:t>scalabilità</a:t>
+              <a:t>stabilità</a:t>
+            </a:r>
+            <a:r>
+              <a:rPr sz="1200" b="0" i="0" u="none">
+                <a:solidFill>
+                  <a:srgbClr val="000000"/>
+                </a:solidFill>
+                <a:latin typeface="Times New Roman"/>
+                <a:ea typeface="Times New Roman"/>
+                <a:cs typeface="Times New Roman"/>
+              </a:rPr>
+              <a:t> e facilitare il </a:t>
+            </a:r>
+            <a:r>
+              <a:rPr sz="1200" b="1" i="0" u="none">
+                <a:solidFill>
+                  <a:srgbClr val="000000"/>
+                </a:solidFill>
+                <a:latin typeface="Times New Roman"/>
+                <a:ea typeface="Times New Roman"/>
+                <a:cs typeface="Times New Roman"/>
+              </a:rPr>
+              <a:t>debug</a:t>
+            </a:r>
+            <a:r>
+              <a:rPr sz="1200" b="0" i="0" u="none">
+                <a:solidFill>
+                  <a:srgbClr val="000000"/>
+                </a:solidFill>
+                <a:latin typeface="Times New Roman"/>
+                <a:ea typeface="Times New Roman"/>
+                <a:cs typeface="Times New Roman"/>
+              </a:rPr>
+              <a:t>, e’ stato implementato una sezione dedicata al </a:t>
+            </a:r>
+            <a:r>
+              <a:rPr sz="1200" b="1" i="0" u="none">
+                <a:solidFill>
+                  <a:srgbClr val="000000"/>
+                </a:solidFill>
+                <a:latin typeface="Times New Roman"/>
+                <a:ea typeface="Times New Roman"/>
+                <a:cs typeface="Times New Roman"/>
+              </a:rPr>
+              <a:t>monitoraggio delle risorse</a:t>
             </a:r>
             <a:r>
               <a:rPr sz="1200" b="0" i="0" u="none">
@@ -5610,7 +5614,29 @@
                 <a:ea typeface="Times New Roman"/>
                 <a:cs typeface="Times New Roman"/>
               </a:rPr>
-              <a:t>Se in futuro dovesse presentarsi la necessità di aumentarne le prestazioni, il sistema può essere facilmente adattato per lavorare in modo distribuito. </a:t>
+              <a:t>che ci permette di avere una </a:t>
+            </a:r>
+            <a:r>
+              <a:rPr sz="1200" b="1" i="0" u="none">
+                <a:solidFill>
+                  <a:srgbClr val="000000"/>
+                </a:solidFill>
+                <a:latin typeface="Times New Roman"/>
+                <a:ea typeface="Times New Roman"/>
+                <a:cs typeface="Times New Roman"/>
+              </a:rPr>
+              <a:t>diagnostica in tempo reale delle prestazioni del dispositivo</a:t>
+            </a:r>
+            <a:r>
+              <a:rPr sz="1200" b="0" i="0" u="none">
+                <a:solidFill>
+                  <a:srgbClr val="000000"/>
+                </a:solidFill>
+                <a:latin typeface="Times New Roman"/>
+                <a:ea typeface="Times New Roman"/>
+                <a:cs typeface="Times New Roman"/>
+              </a:rPr>
+              <a:t>.</a:t>
             </a:r>
             <a:endParaRPr sz="1200" b="0" i="0" u="none">
               <a:solidFill>
@@ -5638,120 +5664,6 @@
             <a:pPr>
               <a:defRPr/>
             </a:pPr>
-            <a:r>
-              <a:rPr sz="1200" b="0" i="0" u="none">
-                <a:solidFill>
-                  <a:srgbClr val="000000"/>
-                </a:solidFill>
-                <a:latin typeface="Times New Roman"/>
-                <a:ea typeface="Times New Roman"/>
-                <a:cs typeface="Times New Roman"/>
-              </a:rPr>
-              <a:t>Ad esempio, è possibile spostare delle funzionalita su un altro dispositivo e </a:t>
-            </a:r>
-            <a:r>
-              <a:rPr sz="1200" b="1" i="0" u="none">
-                <a:solidFill>
-                  <a:srgbClr val="000000"/>
-                </a:solidFill>
-                <a:latin typeface="Times New Roman"/>
-                <a:ea typeface="Times New Roman"/>
-                <a:cs typeface="Times New Roman"/>
-              </a:rPr>
-              <a:t>implementare un controller che si occupa sia di pubblicare i propri servizi che della scoperta di quelli offerti dagli altri dispositivi sulla rete</a:t>
-            </a:r>
-            <a:r>
-              <a:rPr sz="1200" b="0" i="0" u="none">
-                <a:solidFill>
-                  <a:srgbClr val="000000"/>
-                </a:solidFill>
-                <a:latin typeface="Times New Roman"/>
-                <a:ea typeface="Times New Roman"/>
-                <a:cs typeface="Times New Roman"/>
-              </a:rPr>
-              <a:t>.</a:t>
-            </a:r>
-            <a:endParaRPr sz="1200" b="0" i="0" u="none">
-              <a:solidFill>
-                <a:srgbClr val="000000"/>
-              </a:solidFill>
-              <a:latin typeface="Times New Roman"/>
-              <a:ea typeface="Times New Roman"/>
-              <a:cs typeface="Times New Roman"/>
-            </a:endParaRPr>
-          </a:p>
-          <a:p>
-            <a:pPr>
-              <a:defRPr/>
-            </a:pPr>
-            <a:endParaRPr sz="1200" b="0" i="0" u="none">
-              <a:solidFill>
-                <a:srgbClr val="000000"/>
-              </a:solidFill>
-              <a:latin typeface="Times New Roman"/>
-              <a:ea typeface="Times New Roman"/>
-              <a:cs typeface="Times New Roman"/>
-            </a:endParaRPr>
-          </a:p>
-          <a:p>
-            <a:pPr>
-              <a:defRPr/>
-            </a:pPr>
-            <a:r>
-              <a:rPr sz="1200" b="0" i="0" u="none">
-                <a:solidFill>
-                  <a:srgbClr val="000000"/>
-                </a:solidFill>
-                <a:latin typeface="Times New Roman"/>
-                <a:ea typeface="Times New Roman"/>
-                <a:cs typeface="Times New Roman"/>
-              </a:rPr>
-              <a:t>Inoltre, alcune funzionalità avanzate di </a:t>
-            </a:r>
-            <a:r>
-              <a:rPr sz="1200" b="1" i="0" u="none">
-                <a:solidFill>
-                  <a:srgbClr val="000000"/>
-                </a:solidFill>
-                <a:latin typeface="Times New Roman"/>
-                <a:ea typeface="Times New Roman"/>
-                <a:cs typeface="Times New Roman"/>
-              </a:rPr>
-              <a:t>debug</a:t>
-            </a:r>
-            <a:r>
-              <a:rPr sz="1200" b="0" i="0" u="none">
-                <a:solidFill>
-                  <a:srgbClr val="000000"/>
-                </a:solidFill>
-                <a:latin typeface="Times New Roman"/>
-                <a:ea typeface="Times New Roman"/>
-                <a:cs typeface="Times New Roman"/>
-              </a:rPr>
-              <a:t>, come la pagina del pinout che mostreremo nella demo, non saranno visibili all'utente finale, ma solo a un </a:t>
-            </a:r>
-            <a:r>
-              <a:rPr sz="1200" b="1" i="0" u="none">
-                <a:solidFill>
-                  <a:srgbClr val="000000"/>
-                </a:solidFill>
-                <a:latin typeface="Times New Roman"/>
-                <a:ea typeface="Times New Roman"/>
-                <a:cs typeface="Times New Roman"/>
-              </a:rPr>
-              <a:t>tecnico specializzato</a:t>
-            </a:r>
-            <a:r>
-              <a:rPr sz="1200" b="0" i="0" u="none">
-                <a:solidFill>
-                  <a:srgbClr val="000000"/>
-                </a:solidFill>
-                <a:latin typeface="Times New Roman"/>
-                <a:ea typeface="Times New Roman"/>
-                <a:cs typeface="Times New Roman"/>
-              </a:rPr>
-              <a:t>, nel caso in cui fosse necessario eseguire un'analisi sulla board.</a:t>
-            </a:r>
             <a:endParaRPr/>
           </a:p>
           <a:p>
@@ -5760,17 +5672,11 @@
             </a:pPr>
             <a:endParaRPr/>
           </a:p>
-          <a:p>
-            <a:pPr>
-              <a:defRPr/>
-            </a:pPr>
-            <a:endParaRPr/>
-          </a:p>
         </p:txBody>
       </p:sp>
       <p:sp>
         <p:nvSpPr>
-          <p:cNvPr id="1689956747" name="Segnaposto numero diapositiva 3"/>
+          <p:cNvPr id="605051824" name="Segnaposto numero diapositiva 3"/>
           <p:cNvSpPr>
             <a:spLocks noGrp="1"/>
           </p:cNvSpPr>
@@ -5786,7 +5692,7 @@
             <a:pPr>
               <a:defRPr/>
             </a:pPr>
-            <a:fld id="{6DE7AC8D-8EBD-D769-1309-E42EC175856D}" type="slidenum">
+            <a:fld id="{6D1B4501-1674-D6F9-6F44-0856F107B85C}" type="slidenum">
               <a:rPr lang="it-IT"/>
               <a:t/>
             </a:fld>
@@ -5821,7 +5727,7 @@
       </p:grpSpPr>
       <p:sp>
         <p:nvSpPr>
-          <p:cNvPr id="408042014" name="Segnaposto immagine diapositiva 1"/>
+          <p:cNvPr id="366213008" name="Segnaposto immagine diapositiva 1"/>
           <p:cNvSpPr>
             <a:spLocks noChangeAspect="1" noGrp="1" noRot="1"/>
           </p:cNvSpPr>
@@ -5833,7 +5739,7 @@
       </p:sp>
       <p:sp>
         <p:nvSpPr>
-          <p:cNvPr id="1588472961" name="Segnaposto note 2"/>
+          <p:cNvPr id="410614652" name="Segnaposto note 2"/>
           <p:cNvSpPr>
             <a:spLocks noGrp="1"/>
           </p:cNvSpPr>
@@ -5849,23 +5755,51 @@
             <a:pPr>
               <a:defRPr/>
             </a:pPr>
-            <a:r>
-              <a:rPr lang="it-IT" sz="1000" b="0" i="0" u="none" strike="noStrike" cap="none" spc="0">
-                <a:solidFill>
-                  <a:srgbClr val="000000"/>
-                </a:solidFill>
-                <a:latin typeface="Times New Roman"/>
-                <a:ea typeface="Times New Roman"/>
-                <a:cs typeface="Times New Roman"/>
-              </a:rPr>
-              <a:t>Inoltre, alcune funzionalità avanzate di debug, come la pagina del pinout che mostreremo nella demo, non saranno visibili all'utente finale, ma solo a un tecnico specializzato, nel caso in cui fosse necessario eseguire un'analisi sulla board.</a:t>
+            <a:endParaRPr sz="1000"/>
+          </a:p>
+          <a:p>
+            <a:pPr>
+              <a:defRPr/>
+            </a:pPr>
+            <a:r>
+              <a:rPr lang="it-CH" sz="800" b="0" i="0" u="none" strike="noStrike" cap="none" spc="0">
+                <a:solidFill>
+                  <a:schemeClr val="tx1"/>
+                </a:solidFill>
+                <a:latin typeface="Arial"/>
+                <a:ea typeface="ＭＳ Ｐゴシック"/>
+                <a:cs typeface="ＭＳ Ｐゴシック"/>
+              </a:rPr>
+              <a:t>SystemState e’ la classe che si occupa di mantenere uno stato consistente dei dati</a:t>
             </a:r>
             <a:endParaRPr lang="it-IT" sz="1000" b="0" i="0" u="none" strike="noStrike" cap="none" spc="0">
               <a:solidFill>
-                <a:srgbClr val="000000"/>
+                <a:schemeClr val="tx1"/>
               </a:solidFill>
               <a:latin typeface="Times New Roman"/>
-              <a:ea typeface="Times New Roman"/>
+              <a:cs typeface="Times New Roman"/>
+            </a:endParaRPr>
+          </a:p>
+          <a:p>
+            <a:pPr>
+              <a:defRPr/>
+            </a:pPr>
+            <a:r>
+              <a:rPr lang="it-IT" sz="1000" b="0" i="0" u="none" strike="noStrike" cap="none" spc="0">
+                <a:solidFill>
+                  <a:srgbClr val="000000"/>
+                </a:solidFill>
+                <a:latin typeface="Times New Roman"/>
+                <a:ea typeface="Times New Roman"/>
+                <a:cs typeface="Times New Roman"/>
+              </a:rPr>
+              <a:t>E Per garantire un'interfaccia grafica consistente e coerente, vengono utilizzati i metodi forniti  dalla classe ViewGeneric in ogni singola pagina web. </a:t>
+            </a:r>
+            <a:endParaRPr lang="it-IT" sz="1200" b="0" i="0" u="none" strike="noStrike" cap="none" spc="0">
+              <a:solidFill>
+                <a:schemeClr val="tx1"/>
+              </a:solidFill>
+              <a:latin typeface="Times New Roman"/>
               <a:cs typeface="Times New Roman"/>
             </a:endParaRPr>
           </a:p>
@@ -5908,6 +5842,18 @@
             <a:pPr>
               <a:defRPr/>
             </a:pPr>
+            <a:endParaRPr lang="it-IT" sz="1200" b="0" i="0" u="none" strike="noStrike" cap="none" spc="0">
+              <a:solidFill>
+                <a:schemeClr val="tx1"/>
+              </a:solidFill>
+              <a:latin typeface="Times New Roman"/>
+              <a:cs typeface="Times New Roman"/>
+            </a:endParaRPr>
+          </a:p>
+          <a:p>
+            <a:pPr>
+              <a:defRPr/>
+            </a:pPr>
             <a:r>
               <a:rPr sz="1200" b="0" i="0" u="none">
                 <a:solidFill>
@@ -5917,7 +5863,7 @@
                 <a:ea typeface="Times New Roman"/>
                 <a:cs typeface="Times New Roman"/>
               </a:rPr>
-              <a:t>Per migliorare ulteriormente la </a:t>
+              <a:t>Tenendo in considerazione le limitate risorse del microcontrollore, l'intera architettura è stata progettata con un'ottica di </a:t>
             </a:r>
             <a:r>
               <a:rPr sz="1200" b="1" i="0" u="none">
@@ -5928,51 +5874,7 @@
                 <a:ea typeface="Times New Roman"/>
                 <a:cs typeface="Times New Roman"/>
               </a:rPr>
-              <a:t>stabilità</a:t>
-            </a:r>
-            <a:r>
-              <a:rPr sz="1200" b="0" i="0" u="none">
-                <a:solidFill>
-                  <a:srgbClr val="000000"/>
-                </a:solidFill>
-                <a:latin typeface="Times New Roman"/>
-                <a:ea typeface="Times New Roman"/>
-                <a:cs typeface="Times New Roman"/>
-              </a:rPr>
-              <a:t> e facilitare il </a:t>
-            </a:r>
-            <a:r>
-              <a:rPr sz="1200" b="1" i="0" u="none">
-                <a:solidFill>
-                  <a:srgbClr val="000000"/>
-                </a:solidFill>
-                <a:latin typeface="Times New Roman"/>
-                <a:ea typeface="Times New Roman"/>
-                <a:cs typeface="Times New Roman"/>
-              </a:rPr>
-              <a:t>debug</a:t>
-            </a:r>
-            <a:r>
-              <a:rPr sz="1200" b="0" i="0" u="none">
-                <a:solidFill>
-                  <a:srgbClr val="000000"/>
-                </a:solidFill>
-                <a:latin typeface="Times New Roman"/>
-                <a:ea typeface="Times New Roman"/>
-                <a:cs typeface="Times New Roman"/>
-              </a:rPr>
-              <a:t>, e’ stato implementato una sezione dedicata al </a:t>
-            </a:r>
-            <a:r>
-              <a:rPr sz="1200" b="1" i="0" u="none">
-                <a:solidFill>
-                  <a:srgbClr val="000000"/>
-                </a:solidFill>
-                <a:latin typeface="Times New Roman"/>
-                <a:ea typeface="Times New Roman"/>
-                <a:cs typeface="Times New Roman"/>
-              </a:rPr>
-              <a:t>monitoraggio delle risorse</a:t>
+              <a:t>scalabilità</a:t>
             </a:r>
             <a:r>
               <a:rPr sz="1200" b="0" i="0" u="none">
@@ -6013,29 +5915,7 @@
                 <a:ea typeface="Times New Roman"/>
                 <a:cs typeface="Times New Roman"/>
               </a:rPr>
-              <a:t>che ci permette di avere una </a:t>
-            </a:r>
-            <a:r>
-              <a:rPr sz="1200" b="1" i="0" u="none">
-                <a:solidFill>
-                  <a:srgbClr val="000000"/>
-                </a:solidFill>
-                <a:latin typeface="Times New Roman"/>
-                <a:ea typeface="Times New Roman"/>
-                <a:cs typeface="Times New Roman"/>
-              </a:rPr>
-              <a:t>diagnostica in tempo reale delle prestazioni del dispositivo</a:t>
-            </a:r>
-            <a:r>
-              <a:rPr sz="1200" b="0" i="0" u="none">
-                <a:solidFill>
-                  <a:srgbClr val="000000"/>
-                </a:solidFill>
-                <a:latin typeface="Times New Roman"/>
-                <a:ea typeface="Times New Roman"/>
-                <a:cs typeface="Times New Roman"/>
-              </a:rPr>
-              <a:t>.</a:t>
+              <a:t>Se in futuro dovesse presentarsi la necessità di aumentarne le prestazioni, il sistema può essere facilmente adattato per lavorare in modo distribuito. </a:t>
             </a:r>
             <a:endParaRPr sz="1200" b="0" i="0" u="none">
               <a:solidFill>
@@ -6063,6 +5943,120 @@
             <a:pPr>
               <a:defRPr/>
             </a:pPr>
+            <a:r>
+              <a:rPr sz="1200" b="0" i="0" u="none">
+                <a:solidFill>
+                  <a:srgbClr val="000000"/>
+                </a:solidFill>
+                <a:latin typeface="Times New Roman"/>
+                <a:ea typeface="Times New Roman"/>
+                <a:cs typeface="Times New Roman"/>
+              </a:rPr>
+              <a:t>Ad esempio, è possibile spostare delle funzionalita su un altro dispositivo e </a:t>
+            </a:r>
+            <a:r>
+              <a:rPr sz="1200" b="1" i="0" u="none">
+                <a:solidFill>
+                  <a:srgbClr val="000000"/>
+                </a:solidFill>
+                <a:latin typeface="Times New Roman"/>
+                <a:ea typeface="Times New Roman"/>
+                <a:cs typeface="Times New Roman"/>
+              </a:rPr>
+              <a:t>implementare un controller che si occupa sia di pubblicare i propri servizi che della scoperta di quelli offerti dagli altri dispositivi sulla rete</a:t>
+            </a:r>
+            <a:r>
+              <a:rPr sz="1200" b="0" i="0" u="none">
+                <a:solidFill>
+                  <a:srgbClr val="000000"/>
+                </a:solidFill>
+                <a:latin typeface="Times New Roman"/>
+                <a:ea typeface="Times New Roman"/>
+                <a:cs typeface="Times New Roman"/>
+              </a:rPr>
+              <a:t>.</a:t>
+            </a:r>
+            <a:endParaRPr sz="1200" b="0" i="0" u="none">
+              <a:solidFill>
+                <a:srgbClr val="000000"/>
+              </a:solidFill>
+              <a:latin typeface="Times New Roman"/>
+              <a:ea typeface="Times New Roman"/>
+              <a:cs typeface="Times New Roman"/>
+            </a:endParaRPr>
+          </a:p>
+          <a:p>
+            <a:pPr>
+              <a:defRPr/>
+            </a:pPr>
+            <a:endParaRPr sz="1200" b="0" i="0" u="none">
+              <a:solidFill>
+                <a:srgbClr val="000000"/>
+              </a:solidFill>
+              <a:latin typeface="Times New Roman"/>
+              <a:ea typeface="Times New Roman"/>
+              <a:cs typeface="Times New Roman"/>
+            </a:endParaRPr>
+          </a:p>
+          <a:p>
+            <a:pPr>
+              <a:defRPr/>
+            </a:pPr>
+            <a:r>
+              <a:rPr sz="1200" b="0" i="0" u="none">
+                <a:solidFill>
+                  <a:srgbClr val="000000"/>
+                </a:solidFill>
+                <a:latin typeface="Times New Roman"/>
+                <a:ea typeface="Times New Roman"/>
+                <a:cs typeface="Times New Roman"/>
+              </a:rPr>
+              <a:t>Inoltre, alcune funzionalità avanzate di </a:t>
+            </a:r>
+            <a:r>
+              <a:rPr sz="1200" b="1" i="0" u="none">
+                <a:solidFill>
+                  <a:srgbClr val="000000"/>
+                </a:solidFill>
+                <a:latin typeface="Times New Roman"/>
+                <a:ea typeface="Times New Roman"/>
+                <a:cs typeface="Times New Roman"/>
+              </a:rPr>
+              <a:t>debug</a:t>
+            </a:r>
+            <a:r>
+              <a:rPr sz="1200" b="0" i="0" u="none">
+                <a:solidFill>
+                  <a:srgbClr val="000000"/>
+                </a:solidFill>
+                <a:latin typeface="Times New Roman"/>
+                <a:ea typeface="Times New Roman"/>
+                <a:cs typeface="Times New Roman"/>
+              </a:rPr>
+              <a:t>, come la pagina del pinout che mostreremo nella demo, non saranno visibili all'utente finale, ma solo a un </a:t>
+            </a:r>
+            <a:r>
+              <a:rPr sz="1200" b="1" i="0" u="none">
+                <a:solidFill>
+                  <a:srgbClr val="000000"/>
+                </a:solidFill>
+                <a:latin typeface="Times New Roman"/>
+                <a:ea typeface="Times New Roman"/>
+                <a:cs typeface="Times New Roman"/>
+              </a:rPr>
+              <a:t>tecnico specializzato</a:t>
+            </a:r>
+            <a:r>
+              <a:rPr sz="1200" b="0" i="0" u="none">
+                <a:solidFill>
+                  <a:srgbClr val="000000"/>
+                </a:solidFill>
+                <a:latin typeface="Times New Roman"/>
+                <a:ea typeface="Times New Roman"/>
+                <a:cs typeface="Times New Roman"/>
+              </a:rPr>
+              <a:t>, nel caso in cui fosse necessario eseguire un'analisi sulla board.</a:t>
+            </a:r>
             <a:endParaRPr/>
           </a:p>
           <a:p>
@@ -6071,11 +6065,17 @@
             </a:pPr>
             <a:endParaRPr/>
           </a:p>
+          <a:p>
+            <a:pPr>
+              <a:defRPr/>
+            </a:pPr>
+            <a:endParaRPr/>
+          </a:p>
         </p:txBody>
       </p:sp>
       <p:sp>
         <p:nvSpPr>
-          <p:cNvPr id="605051824" name="Segnaposto numero diapositiva 3"/>
+          <p:cNvPr id="1689956747" name="Segnaposto numero diapositiva 3"/>
           <p:cNvSpPr>
             <a:spLocks noGrp="1"/>
           </p:cNvSpPr>
@@ -6091,7 +6091,7 @@
             <a:pPr>
               <a:defRPr/>
             </a:pPr>
-            <a:fld id="{6D1B4501-1674-D6F9-6F44-0856F107B85C}" type="slidenum">
+            <a:fld id="{6DE7AC8D-8EBD-D769-1309-E42EC175856D}" type="slidenum">
               <a:rPr lang="it-IT"/>
               <a:t/>
             </a:fld>
@@ -6431,7 +6431,7 @@
       </p:grpSpPr>
       <p:sp>
         <p:nvSpPr>
-          <p:cNvPr id="1294100139" name="Slide Image Placeholder 1"/>
+          <p:cNvPr id="885881540" name="Slide Image Placeholder 1"/>
           <p:cNvSpPr>
             <a:spLocks noChangeAspect="1" noGrp="1" noRot="1"/>
           </p:cNvSpPr>
@@ -6443,7 +6443,7 @@
       </p:sp>
       <p:sp>
         <p:nvSpPr>
-          <p:cNvPr id="1460964115" name="Notes Placeholder 2"/>
+          <p:cNvPr id="2132276944" name="Notes Placeholder 2"/>
           <p:cNvSpPr>
             <a:spLocks noGrp="1"/>
           </p:cNvSpPr>
@@ -6570,7 +6570,7 @@
       </p:sp>
       <p:sp>
         <p:nvSpPr>
-          <p:cNvPr id="1731454408" name="Slide Number Placeholder 3"/>
+          <p:cNvPr id="745167623" name="Slide Number Placeholder 3"/>
           <p:cNvSpPr>
             <a:spLocks noGrp="1"/>
           </p:cNvSpPr>
@@ -6621,7 +6621,7 @@
       </p:grpSpPr>
       <p:sp>
         <p:nvSpPr>
-          <p:cNvPr id="1267433613" name="Segnaposto immagine diapositiva 1"/>
+          <p:cNvPr id="2046081630" name="Segnaposto immagine diapositiva 1"/>
           <p:cNvSpPr>
             <a:spLocks noChangeAspect="1" noGrp="1" noRot="1"/>
           </p:cNvSpPr>
@@ -6633,7 +6633,7 @@
       </p:sp>
       <p:sp>
         <p:nvSpPr>
-          <p:cNvPr id="1942499035" name="Segnaposto note 2"/>
+          <p:cNvPr id="366441196" name="Segnaposto note 2"/>
           <p:cNvSpPr>
             <a:spLocks noGrp="1"/>
           </p:cNvSpPr>
@@ -6849,7 +6849,7 @@
       </p:sp>
       <p:sp>
         <p:nvSpPr>
-          <p:cNvPr id="1609315036" name="Segnaposto numero diapositiva 3"/>
+          <p:cNvPr id="659828326" name="Segnaposto numero diapositiva 3"/>
           <p:cNvSpPr>
             <a:spLocks noGrp="1"/>
           </p:cNvSpPr>
@@ -6985,7 +6985,7 @@
       </p:grpSpPr>
       <p:sp>
         <p:nvSpPr>
-          <p:cNvPr id="2078441493" name="Segnaposto immagine diapositiva 1"/>
+          <p:cNvPr id="415972012" name="Segnaposto immagine diapositiva 1"/>
           <p:cNvSpPr>
             <a:spLocks noChangeAspect="1" noGrp="1" noRot="1"/>
           </p:cNvSpPr>
@@ -6997,7 +6997,7 @@
       </p:sp>
       <p:sp>
         <p:nvSpPr>
-          <p:cNvPr id="571169760" name="Segnaposto note 2"/>
+          <p:cNvPr id="714964948" name="Segnaposto note 2"/>
           <p:cNvSpPr>
             <a:spLocks noGrp="1"/>
           </p:cNvSpPr>
@@ -7238,7 +7238,7 @@
       </p:sp>
       <p:sp>
         <p:nvSpPr>
-          <p:cNvPr id="1810114237" name="Segnaposto numero diapositiva 3"/>
+          <p:cNvPr id="1607013945" name="Segnaposto numero diapositiva 3"/>
           <p:cNvSpPr>
             <a:spLocks noGrp="1"/>
           </p:cNvSpPr>
@@ -7289,7 +7289,7 @@
       </p:grpSpPr>
       <p:sp>
         <p:nvSpPr>
-          <p:cNvPr id="155486610" name="Segnaposto immagine diapositiva 1"/>
+          <p:cNvPr id="2010366708" name="Segnaposto immagine diapositiva 1"/>
           <p:cNvSpPr>
             <a:spLocks noChangeAspect="1" noGrp="1" noRot="1"/>
           </p:cNvSpPr>
@@ -7301,7 +7301,7 @@
       </p:sp>
       <p:sp>
         <p:nvSpPr>
-          <p:cNvPr id="1226851625" name="Segnaposto note 2"/>
+          <p:cNvPr id="1874637781" name="Segnaposto note 2"/>
           <p:cNvSpPr>
             <a:spLocks noGrp="1"/>
           </p:cNvSpPr>
@@ -7435,7 +7435,7 @@
       </p:sp>
       <p:sp>
         <p:nvSpPr>
-          <p:cNvPr id="68457894" name="Segnaposto numero diapositiva 3"/>
+          <p:cNvPr id="1120389156" name="Segnaposto numero diapositiva 3"/>
           <p:cNvSpPr>
             <a:spLocks noGrp="1"/>
           </p:cNvSpPr>
@@ -7486,7 +7486,7 @@
       </p:grpSpPr>
       <p:sp>
         <p:nvSpPr>
-          <p:cNvPr id="1487772872" name="Segnaposto immagine diapositiva 1"/>
+          <p:cNvPr id="1633919467" name="Segnaposto immagine diapositiva 1"/>
           <p:cNvSpPr>
             <a:spLocks noChangeAspect="1" noGrp="1" noRot="1"/>
           </p:cNvSpPr>
@@ -7498,7 +7498,7 @@
       </p:sp>
       <p:sp>
         <p:nvSpPr>
-          <p:cNvPr id="1500337646" name="Segnaposto note 2"/>
+          <p:cNvPr id="991586721" name="Segnaposto note 2"/>
           <p:cNvSpPr>
             <a:spLocks noGrp="1"/>
           </p:cNvSpPr>
@@ -7662,7 +7662,7 @@
       </p:sp>
       <p:sp>
         <p:nvSpPr>
-          <p:cNvPr id="1630582762" name="Segnaposto numero diapositiva 3"/>
+          <p:cNvPr id="293654993" name="Segnaposto numero diapositiva 3"/>
           <p:cNvSpPr>
             <a:spLocks noGrp="1"/>
           </p:cNvSpPr>
@@ -7713,7 +7713,7 @@
       </p:grpSpPr>
       <p:sp>
         <p:nvSpPr>
-          <p:cNvPr id="1800012499" name="Segnaposto immagine diapositiva 1"/>
+          <p:cNvPr id="1207517675" name="Segnaposto immagine diapositiva 1"/>
           <p:cNvSpPr>
             <a:spLocks noChangeAspect="1" noGrp="1" noRot="1"/>
           </p:cNvSpPr>
@@ -7725,7 +7725,7 @@
       </p:sp>
       <p:sp>
         <p:nvSpPr>
-          <p:cNvPr id="1526258213" name="Segnaposto note 2"/>
+          <p:cNvPr id="1080981731" name="Segnaposto note 2"/>
           <p:cNvSpPr>
             <a:spLocks noGrp="1"/>
           </p:cNvSpPr>
@@ -7921,7 +7921,7 @@
       </p:sp>
       <p:sp>
         <p:nvSpPr>
-          <p:cNvPr id="1957720439" name="Segnaposto numero diapositiva 3"/>
+          <p:cNvPr id="562122813" name="Segnaposto numero diapositiva 3"/>
           <p:cNvSpPr>
             <a:spLocks noGrp="1"/>
           </p:cNvSpPr>
@@ -7972,7 +7972,7 @@
       </p:grpSpPr>
       <p:sp>
         <p:nvSpPr>
-          <p:cNvPr id="441119509" name="Segnaposto immagine diapositiva 1"/>
+          <p:cNvPr id="1455103317" name="Segnaposto immagine diapositiva 1"/>
           <p:cNvSpPr>
             <a:spLocks noChangeAspect="1" noGrp="1" noRot="1"/>
           </p:cNvSpPr>
@@ -7984,7 +7984,7 @@
       </p:sp>
       <p:sp>
         <p:nvSpPr>
-          <p:cNvPr id="746957750" name="Segnaposto note 2"/>
+          <p:cNvPr id="1307592264" name="Segnaposto note 2"/>
           <p:cNvSpPr>
             <a:spLocks noGrp="1"/>
           </p:cNvSpPr>
@@ -8119,7 +8119,7 @@
       </p:sp>
       <p:sp>
         <p:nvSpPr>
-          <p:cNvPr id="2018607851" name="Segnaposto numero diapositiva 3"/>
+          <p:cNvPr id="1229134121" name="Segnaposto numero diapositiva 3"/>
           <p:cNvSpPr>
             <a:spLocks noGrp="1"/>
           </p:cNvSpPr>
@@ -8170,7 +8170,7 @@
       </p:grpSpPr>
       <p:sp>
         <p:nvSpPr>
-          <p:cNvPr id="506522311" name="Segnaposto immagine diapositiva 1"/>
+          <p:cNvPr id="1566769976" name="Segnaposto immagine diapositiva 1"/>
           <p:cNvSpPr>
             <a:spLocks noChangeAspect="1" noGrp="1" noRot="1"/>
           </p:cNvSpPr>
@@ -8182,7 +8182,7 @@
       </p:sp>
       <p:sp>
         <p:nvSpPr>
-          <p:cNvPr id="1741922419" name="Segnaposto note 2"/>
+          <p:cNvPr id="95495216" name="Segnaposto note 2"/>
           <p:cNvSpPr>
             <a:spLocks noGrp="1"/>
           </p:cNvSpPr>
@@ -8356,7 +8356,7 @@
       </p:sp>
       <p:sp>
         <p:nvSpPr>
-          <p:cNvPr id="275546222" name="Segnaposto numero diapositiva 3"/>
+          <p:cNvPr id="662206839" name="Segnaposto numero diapositiva 3"/>
           <p:cNvSpPr>
             <a:spLocks noGrp="1"/>
           </p:cNvSpPr>
@@ -8407,7 +8407,7 @@
       </p:grpSpPr>
       <p:sp>
         <p:nvSpPr>
-          <p:cNvPr id="1346967555" name="Rectangle 2"/>
+          <p:cNvPr id="1675506903" name="Rectangle 2"/>
           <p:cNvSpPr>
             <a:spLocks noChangeArrowheads="1" noGrp="1"/>
           </p:cNvSpPr>
@@ -8455,7 +8455,7 @@
       </p:sp>
       <p:sp>
         <p:nvSpPr>
-          <p:cNvPr id="819470330" name="Segnaposto testo 12"/>
+          <p:cNvPr id="414619860" name="Segnaposto testo 12"/>
           <p:cNvSpPr>
             <a:spLocks noGrp="1"/>
           </p:cNvSpPr>
@@ -8506,7 +8506,7 @@
       </p:sp>
       <p:cxnSp>
         <p:nvCxnSpPr>
-          <p:cNvPr id="1378837396" name="Connettore 1 10"/>
+          <p:cNvPr id="2134829327" name="Connettore 1 10"/>
           <p:cNvCxnSpPr/>
           <p:nvPr userDrawn="1"/>
         </p:nvCxnSpPr>
@@ -8541,7 +8541,7 @@
       </p:cxnSp>
       <p:sp>
         <p:nvSpPr>
-          <p:cNvPr id="1735044381" name="Segnaposto testo 12"/>
+          <p:cNvPr id="94156048" name="Segnaposto testo 12"/>
           <p:cNvSpPr>
             <a:spLocks noGrp="1"/>
           </p:cNvSpPr>
@@ -8583,7 +8583,7 @@
       </p:sp>
       <p:sp>
         <p:nvSpPr>
-          <p:cNvPr id="682731818" name="Segnaposto testo 12"/>
+          <p:cNvPr id="2082296101" name="Segnaposto testo 12"/>
           <p:cNvSpPr>
             <a:spLocks noGrp="1"/>
           </p:cNvSpPr>
@@ -8634,7 +8634,7 @@
       </p:sp>
       <p:cxnSp>
         <p:nvCxnSpPr>
-          <p:cNvPr id="1314034954" name="Connettore 1 24"/>
+          <p:cNvPr id="9868237" name="Connettore 1 24"/>
           <p:cNvCxnSpPr/>
           <p:nvPr userDrawn="1"/>
         </p:nvCxnSpPr>
@@ -8669,7 +8669,7 @@
       </p:cxnSp>
       <p:sp>
         <p:nvSpPr>
-          <p:cNvPr id="612496548" name="Segnaposto testo 12"/>
+          <p:cNvPr id="1316327587" name="Segnaposto testo 12"/>
           <p:cNvSpPr>
             <a:spLocks noGrp="1"/>
           </p:cNvSpPr>
@@ -8711,7 +8711,7 @@
       </p:sp>
       <p:sp>
         <p:nvSpPr>
-          <p:cNvPr id="1501938085" name="Segnaposto testo 12"/>
+          <p:cNvPr id="264433920" name="Segnaposto testo 12"/>
           <p:cNvSpPr>
             <a:spLocks noGrp="1"/>
           </p:cNvSpPr>
@@ -8753,7 +8753,7 @@
       </p:sp>
       <p:sp>
         <p:nvSpPr>
-          <p:cNvPr id="2061624143" name="Segnaposto testo 12"/>
+          <p:cNvPr id="980868603" name="Segnaposto testo 12"/>
           <p:cNvSpPr>
             <a:spLocks noGrp="1"/>
           </p:cNvSpPr>
@@ -8803,7 +8803,7 @@
       </p:sp>
       <p:sp>
         <p:nvSpPr>
-          <p:cNvPr id="1448824514" name="Segnaposto testo 12"/>
+          <p:cNvPr id="1014230069" name="Segnaposto testo 12"/>
           <p:cNvSpPr>
             <a:spLocks noGrp="1"/>
           </p:cNvSpPr>
@@ -8845,7 +8845,7 @@
       </p:sp>
       <p:sp>
         <p:nvSpPr>
-          <p:cNvPr id="369618937" name="Segnaposto testo 12"/>
+          <p:cNvPr id="881028137" name="Segnaposto testo 12"/>
           <p:cNvSpPr>
             <a:spLocks noGrp="1"/>
           </p:cNvSpPr>
@@ -8884,7 +8884,7 @@
       </p:sp>
       <p:sp>
         <p:nvSpPr>
-          <p:cNvPr id="1433049462" name="Segnaposto testo 12"/>
+          <p:cNvPr id="386599235" name="Segnaposto testo 12"/>
           <p:cNvSpPr>
             <a:spLocks noGrp="1"/>
           </p:cNvSpPr>
@@ -8923,7 +8923,7 @@
       </p:sp>
       <p:cxnSp>
         <p:nvCxnSpPr>
-          <p:cNvPr id="2103711632" name="Connettore 1 44"/>
+          <p:cNvPr id="1698801643" name="Connettore 1 44"/>
           <p:cNvCxnSpPr/>
           <p:nvPr userDrawn="1"/>
         </p:nvCxnSpPr>
@@ -8958,7 +8958,7 @@
       </p:cxnSp>
       <p:sp>
         <p:nvSpPr>
-          <p:cNvPr id="57442863" name="Segnaposto testo 12"/>
+          <p:cNvPr id="522373240" name="Segnaposto testo 12"/>
           <p:cNvSpPr>
             <a:spLocks noGrp="1"/>
           </p:cNvSpPr>
@@ -9000,7 +9000,7 @@
       </p:sp>
       <p:sp>
         <p:nvSpPr>
-          <p:cNvPr id="122523095" name="Segnaposto testo 12"/>
+          <p:cNvPr id="1418893477" name="Segnaposto testo 12"/>
           <p:cNvSpPr>
             <a:spLocks noGrp="1"/>
           </p:cNvSpPr>
@@ -9042,7 +9042,7 @@
       </p:sp>
       <p:sp>
         <p:nvSpPr>
-          <p:cNvPr id="802137890" name="Segnaposto testo 12"/>
+          <p:cNvPr id="1834273156" name="Segnaposto testo 12"/>
           <p:cNvSpPr>
             <a:spLocks noGrp="1"/>
           </p:cNvSpPr>
@@ -9081,7 +9081,7 @@
       </p:sp>
       <p:sp>
         <p:nvSpPr>
-          <p:cNvPr id="1532210450" name="Segnaposto testo 12"/>
+          <p:cNvPr id="814924427" name="Segnaposto testo 12"/>
           <p:cNvSpPr>
             <a:spLocks noGrp="1"/>
           </p:cNvSpPr>
@@ -9123,7 +9123,7 @@
       </p:sp>
       <p:sp>
         <p:nvSpPr>
-          <p:cNvPr id="1924111074" name="Segnaposto testo 12"/>
+          <p:cNvPr id="1685260525" name="Segnaposto testo 12"/>
           <p:cNvSpPr>
             <a:spLocks noGrp="1"/>
           </p:cNvSpPr>
@@ -9162,7 +9162,7 @@
       </p:sp>
       <p:pic>
         <p:nvPicPr>
-          <p:cNvPr id="892651011" name="Immagine 9" descr="Modulo_SUPSI_DTI.gif"/>
+          <p:cNvPr id="343254749" name="Immagine 9" descr="Modulo_SUPSI_DTI.gif"/>
           <p:cNvPicPr>
             <a:picLocks noChangeAspect="1"/>
           </p:cNvPicPr>
@@ -9192,7 +9192,7 @@
       </p:pic>
       <p:sp>
         <p:nvSpPr>
-          <p:cNvPr id="1616077185" name="Segnaposto testo 12"/>
+          <p:cNvPr id="1676513181" name="Segnaposto testo 12"/>
           <p:cNvSpPr>
             <a:spLocks noGrp="1"/>
           </p:cNvSpPr>
@@ -9231,7 +9231,7 @@
       </p:sp>
       <p:sp>
         <p:nvSpPr>
-          <p:cNvPr id="1998006996" name="Segnaposto testo 12"/>
+          <p:cNvPr id="567807203" name="Segnaposto testo 12"/>
           <p:cNvSpPr>
             <a:spLocks noGrp="1"/>
           </p:cNvSpPr>
@@ -9273,7 +9273,7 @@
       </p:sp>
       <p:sp>
         <p:nvSpPr>
-          <p:cNvPr id="741411079" name="Text Placeholder 6"/>
+          <p:cNvPr id="1050139921" name="Text Placeholder 6"/>
           <p:cNvSpPr>
             <a:spLocks noGrp="1"/>
           </p:cNvSpPr>
@@ -9355,7 +9355,7 @@
       </p:grpSpPr>
       <p:sp>
         <p:nvSpPr>
-          <p:cNvPr id="1564003176" name="Segnaposto testo 12"/>
+          <p:cNvPr id="7221179" name="Segnaposto testo 12"/>
           <p:cNvSpPr>
             <a:spLocks noGrp="1"/>
           </p:cNvSpPr>
@@ -9412,7 +9412,7 @@
       </p:sp>
       <p:sp>
         <p:nvSpPr>
-          <p:cNvPr id="240132114" name="Content Placeholder 3"/>
+          <p:cNvPr id="1167789531" name="Content Placeholder 3"/>
           <p:cNvSpPr>
             <a:spLocks noGrp="1"/>
           </p:cNvSpPr>
@@ -9502,7 +9502,7 @@
       </p:sp>
       <p:sp>
         <p:nvSpPr>
-          <p:cNvPr id="1301123308" name="Content Placeholder 3"/>
+          <p:cNvPr id="1526079205" name="Content Placeholder 3"/>
           <p:cNvSpPr>
             <a:spLocks noGrp="1"/>
           </p:cNvSpPr>
@@ -9617,7 +9617,7 @@
       </p:grpSpPr>
       <p:sp>
         <p:nvSpPr>
-          <p:cNvPr id="2011585710" name="Segnaposto testo 12"/>
+          <p:cNvPr id="1386506300" name="Segnaposto testo 12"/>
           <p:cNvSpPr>
             <a:spLocks noGrp="1"/>
           </p:cNvSpPr>
@@ -9674,7 +9674,7 @@
       </p:sp>
       <p:sp>
         <p:nvSpPr>
-          <p:cNvPr id="407315777" name="Content Placeholder 3"/>
+          <p:cNvPr id="1648993835" name="Content Placeholder 3"/>
           <p:cNvSpPr>
             <a:spLocks noGrp="1"/>
           </p:cNvSpPr>
@@ -9794,7 +9794,7 @@
       </p:grpSpPr>
       <p:pic>
         <p:nvPicPr>
-          <p:cNvPr id="1311302596" name="Immagine 5"/>
+          <p:cNvPr id="1536071029" name="Immagine 5"/>
           <p:cNvPicPr>
             <a:picLocks noChangeAspect="1"/>
           </p:cNvPicPr>
@@ -9816,7 +9816,7 @@
       </p:pic>
       <p:pic>
         <p:nvPicPr>
-          <p:cNvPr id="1795590514" name="Immagine 21"/>
+          <p:cNvPr id="1735045723" name="Immagine 21"/>
           <p:cNvPicPr>
             <a:picLocks noChangeAspect="1"/>
           </p:cNvPicPr>
@@ -10262,7 +10262,7 @@
       </p:grpSpPr>
       <p:sp>
         <p:nvSpPr>
-          <p:cNvPr id="401216480" name="Title 1"/>
+          <p:cNvPr id="1409658389" name="Title 1"/>
           <p:cNvSpPr>
             <a:spLocks noGrp="1"/>
           </p:cNvSpPr>
@@ -10297,7 +10297,7 @@
       </p:sp>
       <p:sp>
         <p:nvSpPr>
-          <p:cNvPr id="30144814" name="Text Placeholder 2"/>
+          <p:cNvPr id="1402541546" name="Text Placeholder 2"/>
           <p:cNvSpPr>
             <a:spLocks noGrp="1"/>
           </p:cNvSpPr>
@@ -10323,7 +10323,7 @@
       </p:sp>
       <p:sp>
         <p:nvSpPr>
-          <p:cNvPr id="405464908" name="Text Placeholder 3"/>
+          <p:cNvPr id="281961618" name="Text Placeholder 3"/>
           <p:cNvSpPr>
             <a:spLocks noGrp="1"/>
           </p:cNvSpPr>
@@ -10345,7 +10345,7 @@
       </p:sp>
       <p:sp>
         <p:nvSpPr>
-          <p:cNvPr id="609049171" name="Text Placeholder 4"/>
+          <p:cNvPr id="1507418397" name="Text Placeholder 4"/>
           <p:cNvSpPr>
             <a:spLocks noGrp="1"/>
           </p:cNvSpPr>
@@ -10378,7 +10378,7 @@
       </p:sp>
       <p:sp>
         <p:nvSpPr>
-          <p:cNvPr id="1870322028" name="Text Placeholder 5"/>
+          <p:cNvPr id="311271055" name="Text Placeholder 5"/>
           <p:cNvSpPr>
             <a:spLocks noGrp="1"/>
           </p:cNvSpPr>
@@ -10400,7 +10400,7 @@
       </p:sp>
       <p:sp>
         <p:nvSpPr>
-          <p:cNvPr id="126898710" name="Text Placeholder 6"/>
+          <p:cNvPr id="1201299368" name="Text Placeholder 6"/>
           <p:cNvSpPr>
             <a:spLocks noGrp="1"/>
           </p:cNvSpPr>
@@ -10422,7 +10422,7 @@
       </p:sp>
       <p:sp>
         <p:nvSpPr>
-          <p:cNvPr id="890108296" name="Text Placeholder 7"/>
+          <p:cNvPr id="1359961802" name="Text Placeholder 7"/>
           <p:cNvSpPr>
             <a:spLocks noGrp="1"/>
           </p:cNvSpPr>
@@ -10455,7 +10455,7 @@
       </p:sp>
       <p:sp>
         <p:nvSpPr>
-          <p:cNvPr id="422542754" name="Text Placeholder 8"/>
+          <p:cNvPr id="114423320" name="Text Placeholder 8"/>
           <p:cNvSpPr>
             <a:spLocks noGrp="1"/>
           </p:cNvSpPr>
@@ -10477,7 +10477,7 @@
       </p:sp>
       <p:sp>
         <p:nvSpPr>
-          <p:cNvPr id="1026213681" name="Text Placeholder 9"/>
+          <p:cNvPr id="592898584" name="Text Placeholder 9"/>
           <p:cNvSpPr>
             <a:spLocks noGrp="1"/>
           </p:cNvSpPr>
@@ -10503,7 +10503,7 @@
       </p:sp>
       <p:sp>
         <p:nvSpPr>
-          <p:cNvPr id="873514792" name="Text Placeholder 10"/>
+          <p:cNvPr id="82657603" name="Text Placeholder 10"/>
           <p:cNvSpPr>
             <a:spLocks noGrp="1"/>
           </p:cNvSpPr>
@@ -10529,7 +10529,7 @@
       </p:sp>
       <p:sp>
         <p:nvSpPr>
-          <p:cNvPr id="1405745655" name="Text Placeholder 11"/>
+          <p:cNvPr id="1119893986" name="Text Placeholder 11"/>
           <p:cNvSpPr>
             <a:spLocks noGrp="1"/>
           </p:cNvSpPr>
@@ -10551,7 +10551,7 @@
       </p:sp>
       <p:sp>
         <p:nvSpPr>
-          <p:cNvPr id="1434181695" name="Text Placeholder 12"/>
+          <p:cNvPr id="1530354534" name="Text Placeholder 12"/>
           <p:cNvSpPr>
             <a:spLocks noGrp="1"/>
           </p:cNvSpPr>
@@ -10573,7 +10573,7 @@
       </p:sp>
       <p:sp>
         <p:nvSpPr>
-          <p:cNvPr id="1786971599" name="Text Placeholder 13"/>
+          <p:cNvPr id="1791311081" name="Text Placeholder 13"/>
           <p:cNvSpPr>
             <a:spLocks noGrp="1"/>
           </p:cNvSpPr>
@@ -10599,7 +10599,7 @@
       </p:sp>
       <p:sp>
         <p:nvSpPr>
-          <p:cNvPr id="1806750742" name="Text Placeholder 14"/>
+          <p:cNvPr id="719012696" name="Text Placeholder 14"/>
           <p:cNvSpPr>
             <a:spLocks noGrp="1"/>
           </p:cNvSpPr>
@@ -10621,7 +10621,7 @@
       </p:sp>
       <p:sp>
         <p:nvSpPr>
-          <p:cNvPr id="1569631473" name="Text Placeholder 15"/>
+          <p:cNvPr id="2111709629" name="Text Placeholder 15"/>
           <p:cNvSpPr>
             <a:spLocks noGrp="1"/>
           </p:cNvSpPr>
@@ -10647,7 +10647,7 @@
       </p:sp>
       <p:sp>
         <p:nvSpPr>
-          <p:cNvPr id="5119460" name="Text Placeholder 16"/>
+          <p:cNvPr id="238897919" name="Text Placeholder 16"/>
           <p:cNvSpPr>
             <a:spLocks noGrp="1"/>
           </p:cNvSpPr>
@@ -10673,7 +10673,7 @@
       </p:sp>
       <p:sp>
         <p:nvSpPr>
-          <p:cNvPr id="916832764" name="Text Placeholder 17"/>
+          <p:cNvPr id="1679732643" name="Text Placeholder 17"/>
           <p:cNvSpPr>
             <a:spLocks noGrp="1"/>
           </p:cNvSpPr>
@@ -10695,7 +10695,7 @@
       </p:sp>
       <p:sp>
         <p:nvSpPr>
-          <p:cNvPr id="1500452713" name="Text Placeholder 18"/>
+          <p:cNvPr id="311824949" name="Text Placeholder 18"/>
           <p:cNvSpPr>
             <a:spLocks noGrp="1"/>
           </p:cNvSpPr>
@@ -10790,7 +10790,7 @@
       </p:grpSpPr>
       <p:pic>
         <p:nvPicPr>
-          <p:cNvPr id="660725959" name=""/>
+          <p:cNvPr id="1001120164" name=""/>
           <p:cNvPicPr>
             <a:picLocks noChangeAspect="1"/>
           </p:cNvPicPr>
@@ -10812,7 +10812,7 @@
       </p:pic>
       <p:sp>
         <p:nvSpPr>
-          <p:cNvPr id="1911559896" name=""/>
+          <p:cNvPr id="1021989140" name=""/>
           <p:cNvSpPr txBox="1"/>
           <p:nvPr/>
         </p:nvSpPr>
@@ -10840,7 +10840,7 @@
       </p:sp>
       <p:pic>
         <p:nvPicPr>
-          <p:cNvPr id="1140763713" name=""/>
+          <p:cNvPr id="2077797266" name=""/>
           <p:cNvPicPr>
             <a:picLocks noChangeAspect="1"/>
           </p:cNvPicPr>
@@ -10862,7 +10862,7 @@
       </p:pic>
       <p:sp>
         <p:nvSpPr>
-          <p:cNvPr id="664970066" name="Text Placeholder 1"/>
+          <p:cNvPr id="572970717" name="Text Placeholder 1"/>
           <p:cNvSpPr>
             <a:spLocks noGrp="1"/>
           </p:cNvSpPr>
@@ -10908,7 +10908,7 @@
       </p:sp>
       <p:pic>
         <p:nvPicPr>
-          <p:cNvPr id="1950073747" name="Picture 679748627"/>
+          <p:cNvPr id="74737301" name="Picture 679748627"/>
           <p:cNvPicPr>
             <a:picLocks noChangeAspect="1"/>
           </p:cNvPicPr>
@@ -10930,7 +10930,7 @@
       </p:pic>
       <p:pic>
         <p:nvPicPr>
-          <p:cNvPr id="1681606501" name=""/>
+          <p:cNvPr id="47083360" name=""/>
           <p:cNvPicPr>
             <a:picLocks noChangeAspect="1"/>
           </p:cNvPicPr>
@@ -11069,7 +11069,7 @@
       </p:grpSpPr>
       <p:pic>
         <p:nvPicPr>
-          <p:cNvPr id="963122768" name=""/>
+          <p:cNvPr id="935104794" name=""/>
           <p:cNvPicPr>
             <a:picLocks noChangeAspect="1"/>
           </p:cNvPicPr>
@@ -11091,7 +11091,7 @@
       </p:pic>
       <p:sp>
         <p:nvSpPr>
-          <p:cNvPr id="1444749109" name=""/>
+          <p:cNvPr id="1706393839" name=""/>
           <p:cNvSpPr txBox="1"/>
           <p:nvPr/>
         </p:nvSpPr>
@@ -11119,7 +11119,7 @@
       </p:sp>
       <p:pic>
         <p:nvPicPr>
-          <p:cNvPr id="2059499006" name=""/>
+          <p:cNvPr id="29853822" name=""/>
           <p:cNvPicPr>
             <a:picLocks noChangeAspect="1"/>
           </p:cNvPicPr>
@@ -11141,7 +11141,7 @@
       </p:pic>
       <p:sp>
         <p:nvSpPr>
-          <p:cNvPr id="2100983620" name="Text Placeholder 1"/>
+          <p:cNvPr id="1060545188" name="Text Placeholder 1"/>
           <p:cNvSpPr>
             <a:spLocks noGrp="1"/>
           </p:cNvSpPr>
@@ -11187,7 +11187,7 @@
       </p:sp>
       <p:pic>
         <p:nvPicPr>
-          <p:cNvPr id="1755981705" name="Picture 679748627"/>
+          <p:cNvPr id="410672921" name="Picture 679748627"/>
           <p:cNvPicPr>
             <a:picLocks noChangeAspect="1"/>
           </p:cNvPicPr>
@@ -11210,7 +11210,7 @@
       </p:pic>
       <p:pic>
         <p:nvPicPr>
-          <p:cNvPr id="760688856" name=""/>
+          <p:cNvPr id="1447479684" name=""/>
           <p:cNvPicPr>
             <a:picLocks noChangeAspect="1"/>
           </p:cNvPicPr>
@@ -11232,7 +11232,7 @@
       </p:pic>
       <p:pic>
         <p:nvPicPr>
-          <p:cNvPr id="158531394" name=""/>
+          <p:cNvPr id="839052656" name=""/>
           <p:cNvPicPr>
             <a:picLocks noChangeAspect="1"/>
           </p:cNvPicPr>
@@ -11344,7 +11344,7 @@
         <p:spPr bwMode="auto">
           <a:xfrm rot="0" flipH="0" flipV="0">
             <a:off x="3269711" y="2093709"/>
-            <a:ext cx="1979303" cy="366119"/>
+            <a:ext cx="1979663" cy="366119"/>
           </a:xfrm>
           <a:prstGeom prst="rect">
             <a:avLst/>
@@ -11362,9 +11362,7 @@
             <a:r>
               <a:rPr lang="it-IT" b="1" i="0" u="none" strike="noStrike" cap="none" spc="0">
                 <a:solidFill>
-                  <a:schemeClr val="accent6">
-                    <a:lumMod val="75000"/>
-                  </a:schemeClr>
+                  <a:srgbClr val="C00000"/>
                 </a:solidFill>
                 <a:latin typeface="Arial"/>
                 <a:ea typeface="Arial"/>
@@ -11415,7 +11413,7 @@
       </p:grpSpPr>
       <p:pic>
         <p:nvPicPr>
-          <p:cNvPr id="1951944098" name=""/>
+          <p:cNvPr id="1925231720" name=""/>
           <p:cNvPicPr>
             <a:picLocks noChangeAspect="1"/>
           </p:cNvPicPr>
@@ -11437,7 +11435,7 @@
       </p:pic>
       <p:sp>
         <p:nvSpPr>
-          <p:cNvPr id="1728560575" name=""/>
+          <p:cNvPr id="835150533" name=""/>
           <p:cNvSpPr txBox="1"/>
           <p:nvPr/>
         </p:nvSpPr>
@@ -11465,7 +11463,7 @@
       </p:sp>
       <p:pic>
         <p:nvPicPr>
-          <p:cNvPr id="1226618422" name=""/>
+          <p:cNvPr id="968641384" name=""/>
           <p:cNvPicPr>
             <a:picLocks noChangeAspect="1"/>
           </p:cNvPicPr>
@@ -11487,7 +11485,7 @@
       </p:pic>
       <p:sp>
         <p:nvSpPr>
-          <p:cNvPr id="1734218802" name="Text Placeholder 1"/>
+          <p:cNvPr id="1809729929" name="Text Placeholder 1"/>
           <p:cNvSpPr>
             <a:spLocks noGrp="1"/>
           </p:cNvSpPr>
@@ -11533,7 +11531,7 @@
       </p:sp>
       <p:pic>
         <p:nvPicPr>
-          <p:cNvPr id="181829499" name="Picture 679748627"/>
+          <p:cNvPr id="2077279960" name="Picture 679748627"/>
           <p:cNvPicPr>
             <a:picLocks noChangeAspect="1"/>
           </p:cNvPicPr>
@@ -11556,7 +11554,7 @@
       </p:pic>
       <p:pic>
         <p:nvPicPr>
-          <p:cNvPr id="1537916308" name=""/>
+          <p:cNvPr id="1163443658" name=""/>
           <p:cNvPicPr>
             <a:picLocks noChangeAspect="1"/>
           </p:cNvPicPr>
@@ -11578,7 +11576,7 @@
       </p:pic>
       <p:pic>
         <p:nvPicPr>
-          <p:cNvPr id="854256976" name=""/>
+          <p:cNvPr id="387469402" name=""/>
           <p:cNvPicPr>
             <a:picLocks noChangeAspect="1"/>
           </p:cNvPicPr>
@@ -11679,7 +11677,7 @@
       </p:grpSpPr>
       <p:pic>
         <p:nvPicPr>
-          <p:cNvPr id="995385971" name=""/>
+          <p:cNvPr id="823986352" name=""/>
           <p:cNvPicPr>
             <a:picLocks noChangeAspect="1"/>
           </p:cNvPicPr>
@@ -11701,7 +11699,7 @@
       </p:pic>
       <p:sp>
         <p:nvSpPr>
-          <p:cNvPr id="1410809178" name=""/>
+          <p:cNvPr id="1105437292" name=""/>
           <p:cNvSpPr txBox="1"/>
           <p:nvPr/>
         </p:nvSpPr>
@@ -11729,7 +11727,7 @@
       </p:sp>
       <p:pic>
         <p:nvPicPr>
-          <p:cNvPr id="1513854618" name=""/>
+          <p:cNvPr id="2058313262" name=""/>
           <p:cNvPicPr>
             <a:picLocks noChangeAspect="1"/>
           </p:cNvPicPr>
@@ -11751,7 +11749,7 @@
       </p:pic>
       <p:sp>
         <p:nvSpPr>
-          <p:cNvPr id="1985276769" name="Text Placeholder 1"/>
+          <p:cNvPr id="215840777" name="Text Placeholder 1"/>
           <p:cNvSpPr>
             <a:spLocks noGrp="1"/>
           </p:cNvSpPr>
@@ -11791,7 +11789,7 @@
       </p:sp>
       <p:pic>
         <p:nvPicPr>
-          <p:cNvPr id="1831849316" name="Picture 679748627"/>
+          <p:cNvPr id="1483403051" name="Picture 679748627"/>
           <p:cNvPicPr>
             <a:picLocks noChangeAspect="1"/>
           </p:cNvPicPr>
@@ -11814,7 +11812,7 @@
       </p:pic>
       <p:pic>
         <p:nvPicPr>
-          <p:cNvPr id="533117652" name=""/>
+          <p:cNvPr id="180925571" name=""/>
           <p:cNvPicPr>
             <a:picLocks noChangeAspect="1"/>
           </p:cNvPicPr>
@@ -11836,7 +11834,7 @@
       </p:pic>
       <p:pic>
         <p:nvPicPr>
-          <p:cNvPr id="871338542" name=""/>
+          <p:cNvPr id="1001896322" name=""/>
           <p:cNvPicPr>
             <a:picLocks noChangeAspect="1"/>
           </p:cNvPicPr>
@@ -11859,7 +11857,7 @@
       </p:pic>
       <p:pic>
         <p:nvPicPr>
-          <p:cNvPr id="1551286963" name=""/>
+          <p:cNvPr id="1756945152" name=""/>
           <p:cNvPicPr>
             <a:picLocks noChangeAspect="1"/>
           </p:cNvPicPr>
@@ -11881,7 +11879,7 @@
       </p:pic>
       <p:pic>
         <p:nvPicPr>
-          <p:cNvPr id="502667986" name=""/>
+          <p:cNvPr id="1562361121" name=""/>
           <p:cNvPicPr>
             <a:picLocks noChangeAspect="1"/>
           </p:cNvPicPr>
@@ -11940,7 +11938,7 @@
       </p:grpSpPr>
       <p:pic>
         <p:nvPicPr>
-          <p:cNvPr id="671412404" name=""/>
+          <p:cNvPr id="1824107480" name=""/>
           <p:cNvPicPr>
             <a:picLocks noChangeAspect="1"/>
           </p:cNvPicPr>
@@ -11962,7 +11960,7 @@
       </p:pic>
       <p:pic>
         <p:nvPicPr>
-          <p:cNvPr id="1352943282" name=""/>
+          <p:cNvPr id="324870859" name=""/>
           <p:cNvPicPr>
             <a:picLocks noChangeAspect="1"/>
           </p:cNvPicPr>
@@ -11984,7 +11982,7 @@
       </p:pic>
       <p:sp>
         <p:nvSpPr>
-          <p:cNvPr id="1813684150" name=""/>
+          <p:cNvPr id="373777789" name=""/>
           <p:cNvSpPr txBox="1"/>
           <p:nvPr/>
         </p:nvSpPr>
@@ -12012,7 +12010,7 @@
       </p:sp>
       <p:pic>
         <p:nvPicPr>
-          <p:cNvPr id="246260130" name=""/>
+          <p:cNvPr id="1329504868" name=""/>
           <p:cNvPicPr>
             <a:picLocks noChangeAspect="1"/>
           </p:cNvPicPr>
@@ -12034,7 +12032,7 @@
       </p:pic>
       <p:sp>
         <p:nvSpPr>
-          <p:cNvPr id="954263505" name="Text Placeholder 1"/>
+          <p:cNvPr id="295316671" name="Text Placeholder 1"/>
           <p:cNvSpPr>
             <a:spLocks noGrp="1"/>
           </p:cNvSpPr>
@@ -12074,7 +12072,7 @@
       </p:sp>
       <p:pic>
         <p:nvPicPr>
-          <p:cNvPr id="1100133130" name="Picture 679748627"/>
+          <p:cNvPr id="1101970491" name="Picture 679748627"/>
           <p:cNvPicPr>
             <a:picLocks noChangeAspect="1"/>
           </p:cNvPicPr>
@@ -12097,7 +12095,7 @@
       </p:pic>
       <p:pic>
         <p:nvPicPr>
-          <p:cNvPr id="96879207" name=""/>
+          <p:cNvPr id="1135016725" name=""/>
           <p:cNvPicPr>
             <a:picLocks noChangeAspect="1"/>
           </p:cNvPicPr>
@@ -12119,7 +12117,7 @@
       </p:pic>
       <p:pic>
         <p:nvPicPr>
-          <p:cNvPr id="957749886" name=""/>
+          <p:cNvPr id="909250657" name=""/>
           <p:cNvPicPr>
             <a:picLocks noChangeAspect="1"/>
           </p:cNvPicPr>
@@ -12142,7 +12140,7 @@
       </p:pic>
       <p:pic>
         <p:nvPicPr>
-          <p:cNvPr id="2008941805" name=""/>
+          <p:cNvPr id="873334748" name=""/>
           <p:cNvPicPr>
             <a:picLocks noChangeAspect="1"/>
           </p:cNvPicPr>
@@ -12164,7 +12162,7 @@
       </p:pic>
       <p:pic>
         <p:nvPicPr>
-          <p:cNvPr id="222513890" name=""/>
+          <p:cNvPr id="1452479223" name=""/>
           <p:cNvPicPr>
             <a:picLocks noChangeAspect="1"/>
           </p:cNvPicPr>
@@ -12176,7 +12174,7 @@
         </p:blipFill>
         <p:spPr bwMode="auto">
           <a:xfrm flipH="0" flipV="0">
-            <a:off x="1090528" y="2167725"/>
+            <a:off x="9579684" y="2033671"/>
             <a:ext cx="6423191" cy="2617599"/>
           </a:xfrm>
           <a:prstGeom prst="rect">
@@ -12186,7 +12184,7 @@
       </p:pic>
       <p:pic>
         <p:nvPicPr>
-          <p:cNvPr id="1566043701" name=""/>
+          <p:cNvPr id="1738884794" name=""/>
           <p:cNvPicPr>
             <a:picLocks noChangeAspect="1"/>
           </p:cNvPicPr>
@@ -12208,7 +12206,7 @@
       </p:pic>
       <p:pic>
         <p:nvPicPr>
-          <p:cNvPr id="2094411104" name=""/>
+          <p:cNvPr id="1945707157" name=""/>
           <p:cNvPicPr>
             <a:picLocks noChangeAspect="1"/>
           </p:cNvPicPr>
@@ -12230,7 +12228,7 @@
       </p:pic>
       <p:pic>
         <p:nvPicPr>
-          <p:cNvPr id="2043517096" name=""/>
+          <p:cNvPr id="43827779" name=""/>
           <p:cNvPicPr>
             <a:picLocks noChangeAspect="1"/>
           </p:cNvPicPr>
@@ -12253,7 +12251,7 @@
       </p:pic>
       <p:pic>
         <p:nvPicPr>
-          <p:cNvPr id="1777825024" name=""/>
+          <p:cNvPr id="1840100752" name=""/>
           <p:cNvPicPr>
             <a:picLocks noChangeAspect="1"/>
           </p:cNvPicPr>
@@ -12275,7 +12273,7 @@
       </p:pic>
       <p:pic>
         <p:nvPicPr>
-          <p:cNvPr id="948056151" name=""/>
+          <p:cNvPr id="139439043" name=""/>
           <p:cNvPicPr>
             <a:picLocks noChangeAspect="1"/>
           </p:cNvPicPr>
@@ -12297,7 +12295,7 @@
       </p:pic>
       <p:pic>
         <p:nvPicPr>
-          <p:cNvPr id="2066742341" name=""/>
+          <p:cNvPr id="1674412078" name=""/>
           <p:cNvPicPr>
             <a:picLocks noChangeAspect="1"/>
           </p:cNvPicPr>
@@ -12319,7 +12317,7 @@
       </p:pic>
       <p:pic>
         <p:nvPicPr>
-          <p:cNvPr id="480874684" name=""/>
+          <p:cNvPr id="1958875492" name=""/>
           <p:cNvPicPr>
             <a:picLocks noChangeAspect="1"/>
           </p:cNvPicPr>
@@ -12334,6 +12332,672 @@
           <a:xfrm flipH="0" flipV="0">
             <a:off x="6366625" y="5593032"/>
             <a:ext cx="1534280" cy="996661"/>
+          </a:xfrm>
+          <a:prstGeom prst="rect">
+            <a:avLst/>
+          </a:prstGeom>
+        </p:spPr>
+      </p:pic>
+      <p:sp>
+        <p:nvSpPr>
+          <p:cNvPr id="1923415064" name="Text Placeholder 1"/>
+          <p:cNvSpPr>
+            <a:spLocks noGrp="1"/>
+          </p:cNvSpPr>
+          <p:nvPr/>
+        </p:nvSpPr>
+        <p:spPr bwMode="auto">
+          <a:xfrm flipH="0" flipV="0">
+            <a:off x="966221" y="6462312"/>
+            <a:ext cx="1904402" cy="259031"/>
+          </a:xfrm>
+        </p:spPr>
+        <p:txBody>
+          <a:bodyPr lIns="0" tIns="0" rIns="0" bIns="0"/>
+          <a:lstStyle>
+            <a:lvl1pPr marL="342900" marR="0" indent="-342900" algn="l" defTabSz="457200" rtl="0">
+              <a:lnSpc>
+                <a:spcPct val="100000"/>
+              </a:lnSpc>
+              <a:spcBef>
+                <a:spcPts val="0"/>
+              </a:spcBef>
+              <a:spcAft>
+                <a:spcPts val="0"/>
+              </a:spcAft>
+              <a:buClrTx/>
+              <a:buSzTx/>
+              <a:buFont typeface="Arial"/>
+              <a:buNone/>
+              <a:defRPr sz="2700" b="1">
+                <a:solidFill>
+                  <a:schemeClr val="accent6">
+                    <a:lumMod val="75000"/>
+                  </a:schemeClr>
+                </a:solidFill>
+                <a:latin typeface="+mn-lt"/>
+                <a:ea typeface="ＭＳ Ｐゴシック"/>
+                <a:cs typeface="ＭＳ Ｐゴシック"/>
+              </a:defRPr>
+            </a:lvl1pPr>
+            <a:lvl2pPr marL="742950" indent="-285750" algn="l" defTabSz="457200" rtl="0">
+              <a:spcBef>
+                <a:spcPts val="0"/>
+              </a:spcBef>
+              <a:spcAft>
+                <a:spcPts val="0"/>
+              </a:spcAft>
+              <a:buFont typeface="Arial"/>
+              <a:buChar char="–"/>
+              <a:defRPr sz="2800">
+                <a:solidFill>
+                  <a:schemeClr val="tx1"/>
+                </a:solidFill>
+                <a:latin typeface="+mn-lt"/>
+                <a:ea typeface="ＭＳ Ｐゴシック"/>
+                <a:cs typeface="+mn-cs"/>
+              </a:defRPr>
+            </a:lvl2pPr>
+            <a:lvl3pPr marL="1143000" indent="-228600" algn="l" defTabSz="457200" rtl="0">
+              <a:spcBef>
+                <a:spcPts val="0"/>
+              </a:spcBef>
+              <a:spcAft>
+                <a:spcPts val="0"/>
+              </a:spcAft>
+              <a:buFont typeface="Arial"/>
+              <a:buChar char="•"/>
+              <a:defRPr sz="2400">
+                <a:solidFill>
+                  <a:schemeClr val="tx1"/>
+                </a:solidFill>
+                <a:latin typeface="+mn-lt"/>
+                <a:ea typeface="ＭＳ Ｐゴシック"/>
+                <a:cs typeface="+mn-cs"/>
+              </a:defRPr>
+            </a:lvl3pPr>
+            <a:lvl4pPr marL="1600200" indent="-228600" algn="l" defTabSz="457200" rtl="0">
+              <a:spcBef>
+                <a:spcPts val="0"/>
+              </a:spcBef>
+              <a:spcAft>
+                <a:spcPts val="0"/>
+              </a:spcAft>
+              <a:buFont typeface="Arial"/>
+              <a:buChar char="–"/>
+              <a:defRPr sz="2000">
+                <a:solidFill>
+                  <a:schemeClr val="tx1"/>
+                </a:solidFill>
+                <a:latin typeface="+mn-lt"/>
+                <a:ea typeface="ＭＳ Ｐゴシック"/>
+                <a:cs typeface="+mn-cs"/>
+              </a:defRPr>
+            </a:lvl4pPr>
+            <a:lvl5pPr marL="2057400" indent="-228600" algn="l" defTabSz="457200" rtl="0">
+              <a:spcBef>
+                <a:spcPts val="0"/>
+              </a:spcBef>
+              <a:spcAft>
+                <a:spcPts val="0"/>
+              </a:spcAft>
+              <a:buFont typeface="Arial"/>
+              <a:buChar char="»"/>
+              <a:defRPr sz="2000">
+                <a:solidFill>
+                  <a:schemeClr val="tx1"/>
+                </a:solidFill>
+                <a:latin typeface="+mn-lt"/>
+                <a:ea typeface="ＭＳ Ｐゴシック"/>
+                <a:cs typeface="+mn-cs"/>
+              </a:defRPr>
+            </a:lvl5pPr>
+            <a:lvl6pPr marL="2514599" indent="-228600" algn="l" defTabSz="457200" rtl="0">
+              <a:spcBef>
+                <a:spcPts val="0"/>
+              </a:spcBef>
+              <a:buFont typeface="Arial"/>
+              <a:buChar char="•"/>
+              <a:defRPr sz="2000">
+                <a:solidFill>
+                  <a:schemeClr val="tx1"/>
+                </a:solidFill>
+                <a:latin typeface="+mn-lt"/>
+                <a:ea typeface="+mn-ea"/>
+                <a:cs typeface="+mn-cs"/>
+              </a:defRPr>
+            </a:lvl6pPr>
+            <a:lvl7pPr marL="2971800" indent="-228600" algn="l" defTabSz="457200" rtl="0">
+              <a:spcBef>
+                <a:spcPts val="0"/>
+              </a:spcBef>
+              <a:buFont typeface="Arial"/>
+              <a:buChar char="•"/>
+              <a:defRPr sz="2000">
+                <a:solidFill>
+                  <a:schemeClr val="tx1"/>
+                </a:solidFill>
+                <a:latin typeface="+mn-lt"/>
+                <a:ea typeface="+mn-ea"/>
+                <a:cs typeface="+mn-cs"/>
+              </a:defRPr>
+            </a:lvl7pPr>
+            <a:lvl8pPr marL="3429000" indent="-228600" algn="l" defTabSz="457200" rtl="0">
+              <a:spcBef>
+                <a:spcPts val="0"/>
+              </a:spcBef>
+              <a:buFont typeface="Arial"/>
+              <a:buChar char="•"/>
+              <a:defRPr sz="2000">
+                <a:solidFill>
+                  <a:schemeClr val="tx1"/>
+                </a:solidFill>
+                <a:latin typeface="+mn-lt"/>
+                <a:ea typeface="+mn-ea"/>
+                <a:cs typeface="+mn-cs"/>
+              </a:defRPr>
+            </a:lvl8pPr>
+            <a:lvl9pPr marL="3886200" indent="-228600" algn="l" defTabSz="457200" rtl="0">
+              <a:spcBef>
+                <a:spcPts val="0"/>
+              </a:spcBef>
+              <a:buFont typeface="Arial"/>
+              <a:buChar char="•"/>
+              <a:defRPr sz="2000">
+                <a:solidFill>
+                  <a:schemeClr val="tx1"/>
+                </a:solidFill>
+                <a:latin typeface="+mn-lt"/>
+                <a:ea typeface="+mn-ea"/>
+                <a:cs typeface="+mn-cs"/>
+              </a:defRPr>
+            </a:lvl9pPr>
+          </a:lstStyle>
+          <a:p>
+            <a:pPr>
+              <a:defRPr/>
+            </a:pPr>
+            <a:r>
+              <a:rPr lang="it-IT" sz="1800" b="1" i="0" u="none" strike="noStrike" cap="none" spc="0">
+                <a:solidFill>
+                  <a:schemeClr val="accent6">
+                    <a:lumMod val="75000"/>
+                  </a:schemeClr>
+                </a:solidFill>
+                <a:latin typeface="Arial"/>
+                <a:ea typeface="Arial"/>
+                <a:cs typeface="Arial"/>
+              </a:rPr>
+              <a:t>PLC</a:t>
+            </a:r>
+            <a:endParaRPr/>
+          </a:p>
+        </p:txBody>
+      </p:sp>
+      <p:sp>
+        <p:nvSpPr>
+          <p:cNvPr id="1154703099" name="Text Placeholder 1"/>
+          <p:cNvSpPr>
+            <a:spLocks noGrp="1"/>
+          </p:cNvSpPr>
+          <p:nvPr/>
+        </p:nvSpPr>
+        <p:spPr bwMode="auto">
+          <a:xfrm flipH="0" flipV="0">
+            <a:off x="6283932" y="6508850"/>
+            <a:ext cx="2578635" cy="424987"/>
+          </a:xfrm>
+        </p:spPr>
+        <p:txBody>
+          <a:bodyPr lIns="0" tIns="0" rIns="0" bIns="0"/>
+          <a:lstStyle>
+            <a:lvl1pPr marL="342900" marR="0" indent="-342900" algn="l" defTabSz="457200" rtl="0">
+              <a:lnSpc>
+                <a:spcPct val="100000"/>
+              </a:lnSpc>
+              <a:spcBef>
+                <a:spcPts val="0"/>
+              </a:spcBef>
+              <a:spcAft>
+                <a:spcPts val="0"/>
+              </a:spcAft>
+              <a:buClrTx/>
+              <a:buSzTx/>
+              <a:buFont typeface="Arial"/>
+              <a:buNone/>
+              <a:defRPr sz="2700" b="1">
+                <a:solidFill>
+                  <a:schemeClr val="accent6">
+                    <a:lumMod val="75000"/>
+                  </a:schemeClr>
+                </a:solidFill>
+                <a:latin typeface="+mn-lt"/>
+                <a:ea typeface="ＭＳ Ｐゴシック"/>
+                <a:cs typeface="ＭＳ Ｐゴシック"/>
+              </a:defRPr>
+            </a:lvl1pPr>
+            <a:lvl2pPr marL="742950" indent="-285750" algn="l" defTabSz="457200" rtl="0">
+              <a:spcBef>
+                <a:spcPts val="0"/>
+              </a:spcBef>
+              <a:spcAft>
+                <a:spcPts val="0"/>
+              </a:spcAft>
+              <a:buFont typeface="Arial"/>
+              <a:buChar char="–"/>
+              <a:defRPr sz="2800">
+                <a:solidFill>
+                  <a:schemeClr val="tx1"/>
+                </a:solidFill>
+                <a:latin typeface="+mn-lt"/>
+                <a:ea typeface="ＭＳ Ｐゴシック"/>
+                <a:cs typeface="+mn-cs"/>
+              </a:defRPr>
+            </a:lvl2pPr>
+            <a:lvl3pPr marL="1143000" indent="-228600" algn="l" defTabSz="457200" rtl="0">
+              <a:spcBef>
+                <a:spcPts val="0"/>
+              </a:spcBef>
+              <a:spcAft>
+                <a:spcPts val="0"/>
+              </a:spcAft>
+              <a:buFont typeface="Arial"/>
+              <a:buChar char="•"/>
+              <a:defRPr sz="2400">
+                <a:solidFill>
+                  <a:schemeClr val="tx1"/>
+                </a:solidFill>
+                <a:latin typeface="+mn-lt"/>
+                <a:ea typeface="ＭＳ Ｐゴシック"/>
+                <a:cs typeface="+mn-cs"/>
+              </a:defRPr>
+            </a:lvl3pPr>
+            <a:lvl4pPr marL="1600200" indent="-228600" algn="l" defTabSz="457200" rtl="0">
+              <a:spcBef>
+                <a:spcPts val="0"/>
+              </a:spcBef>
+              <a:spcAft>
+                <a:spcPts val="0"/>
+              </a:spcAft>
+              <a:buFont typeface="Arial"/>
+              <a:buChar char="–"/>
+              <a:defRPr sz="2000">
+                <a:solidFill>
+                  <a:schemeClr val="tx1"/>
+                </a:solidFill>
+                <a:latin typeface="+mn-lt"/>
+                <a:ea typeface="ＭＳ Ｐゴシック"/>
+                <a:cs typeface="+mn-cs"/>
+              </a:defRPr>
+            </a:lvl4pPr>
+            <a:lvl5pPr marL="2057400" indent="-228600" algn="l" defTabSz="457200" rtl="0">
+              <a:spcBef>
+                <a:spcPts val="0"/>
+              </a:spcBef>
+              <a:spcAft>
+                <a:spcPts val="0"/>
+              </a:spcAft>
+              <a:buFont typeface="Arial"/>
+              <a:buChar char="»"/>
+              <a:defRPr sz="2000">
+                <a:solidFill>
+                  <a:schemeClr val="tx1"/>
+                </a:solidFill>
+                <a:latin typeface="+mn-lt"/>
+                <a:ea typeface="ＭＳ Ｐゴシック"/>
+                <a:cs typeface="+mn-cs"/>
+              </a:defRPr>
+            </a:lvl5pPr>
+            <a:lvl6pPr marL="2514599" indent="-228600" algn="l" defTabSz="457200" rtl="0">
+              <a:spcBef>
+                <a:spcPts val="0"/>
+              </a:spcBef>
+              <a:buFont typeface="Arial"/>
+              <a:buChar char="•"/>
+              <a:defRPr sz="2000">
+                <a:solidFill>
+                  <a:schemeClr val="tx1"/>
+                </a:solidFill>
+                <a:latin typeface="+mn-lt"/>
+                <a:ea typeface="+mn-ea"/>
+                <a:cs typeface="+mn-cs"/>
+              </a:defRPr>
+            </a:lvl6pPr>
+            <a:lvl7pPr marL="2971800" indent="-228600" algn="l" defTabSz="457200" rtl="0">
+              <a:spcBef>
+                <a:spcPts val="0"/>
+              </a:spcBef>
+              <a:buFont typeface="Arial"/>
+              <a:buChar char="•"/>
+              <a:defRPr sz="2000">
+                <a:solidFill>
+                  <a:schemeClr val="tx1"/>
+                </a:solidFill>
+                <a:latin typeface="+mn-lt"/>
+                <a:ea typeface="+mn-ea"/>
+                <a:cs typeface="+mn-cs"/>
+              </a:defRPr>
+            </a:lvl7pPr>
+            <a:lvl8pPr marL="3429000" indent="-228600" algn="l" defTabSz="457200" rtl="0">
+              <a:spcBef>
+                <a:spcPts val="0"/>
+              </a:spcBef>
+              <a:buFont typeface="Arial"/>
+              <a:buChar char="•"/>
+              <a:defRPr sz="2000">
+                <a:solidFill>
+                  <a:schemeClr val="tx1"/>
+                </a:solidFill>
+                <a:latin typeface="+mn-lt"/>
+                <a:ea typeface="+mn-ea"/>
+                <a:cs typeface="+mn-cs"/>
+              </a:defRPr>
+            </a:lvl8pPr>
+            <a:lvl9pPr marL="3886200" indent="-228600" algn="l" defTabSz="457200" rtl="0">
+              <a:spcBef>
+                <a:spcPts val="0"/>
+              </a:spcBef>
+              <a:buFont typeface="Arial"/>
+              <a:buChar char="•"/>
+              <a:defRPr sz="2000">
+                <a:solidFill>
+                  <a:schemeClr val="tx1"/>
+                </a:solidFill>
+                <a:latin typeface="+mn-lt"/>
+                <a:ea typeface="+mn-ea"/>
+                <a:cs typeface="+mn-cs"/>
+              </a:defRPr>
+            </a:lvl9pPr>
+          </a:lstStyle>
+          <a:p>
+            <a:pPr>
+              <a:defRPr/>
+            </a:pPr>
+            <a:r>
+              <a:rPr lang="it-IT" sz="1800" b="1" i="0" u="none" strike="noStrike" cap="none" spc="0">
+                <a:solidFill>
+                  <a:schemeClr val="accent6">
+                    <a:lumMod val="75000"/>
+                  </a:schemeClr>
+                </a:solidFill>
+                <a:latin typeface="Arial"/>
+                <a:ea typeface="Arial"/>
+                <a:cs typeface="Arial"/>
+              </a:rPr>
+              <a:t>Controllo remoto</a:t>
+            </a:r>
+            <a:endParaRPr sz="1800"/>
+          </a:p>
+        </p:txBody>
+      </p:sp>
+      <p:pic>
+        <p:nvPicPr>
+          <p:cNvPr id="78258419" name=""/>
+          <p:cNvPicPr>
+            <a:picLocks noChangeAspect="1"/>
+          </p:cNvPicPr>
+          <p:nvPr/>
+        </p:nvPicPr>
+        <p:blipFill>
+          <a:blip r:embed="rId18"/>
+          <a:stretch/>
+        </p:blipFill>
+        <p:spPr bwMode="auto">
+          <a:xfrm flipH="0" flipV="0">
+            <a:off x="1846985" y="2816116"/>
+            <a:ext cx="1159287" cy="1159287"/>
+          </a:xfrm>
+          <a:prstGeom prst="rect">
+            <a:avLst/>
+          </a:prstGeom>
+        </p:spPr>
+      </p:pic>
+      <p:sp>
+        <p:nvSpPr>
+          <p:cNvPr id="1016147851" name="Text Placeholder 1"/>
+          <p:cNvSpPr>
+            <a:spLocks noGrp="1"/>
+          </p:cNvSpPr>
+          <p:nvPr/>
+        </p:nvSpPr>
+        <p:spPr bwMode="auto">
+          <a:xfrm flipH="0" flipV="0">
+            <a:off x="4931937" y="2988846"/>
+            <a:ext cx="3289019" cy="1052709"/>
+          </a:xfrm>
+        </p:spPr>
+        <p:txBody>
+          <a:bodyPr lIns="0" tIns="0" rIns="0" bIns="0"/>
+          <a:lstStyle>
+            <a:lvl1pPr marL="342900" marR="0" indent="-342900" algn="l" defTabSz="457200" rtl="0">
+              <a:lnSpc>
+                <a:spcPct val="100000"/>
+              </a:lnSpc>
+              <a:spcBef>
+                <a:spcPts val="0"/>
+              </a:spcBef>
+              <a:spcAft>
+                <a:spcPts val="0"/>
+              </a:spcAft>
+              <a:buClrTx/>
+              <a:buSzTx/>
+              <a:buFont typeface="Arial"/>
+              <a:buNone/>
+              <a:defRPr sz="2700" b="1">
+                <a:solidFill>
+                  <a:schemeClr val="accent6">
+                    <a:lumMod val="75000"/>
+                  </a:schemeClr>
+                </a:solidFill>
+                <a:latin typeface="+mn-lt"/>
+                <a:ea typeface="ＭＳ Ｐゴシック"/>
+                <a:cs typeface="ＭＳ Ｐゴシック"/>
+              </a:defRPr>
+            </a:lvl1pPr>
+            <a:lvl2pPr marL="742950" indent="-285750" algn="l" defTabSz="457200" rtl="0">
+              <a:spcBef>
+                <a:spcPts val="0"/>
+              </a:spcBef>
+              <a:spcAft>
+                <a:spcPts val="0"/>
+              </a:spcAft>
+              <a:buFont typeface="Arial"/>
+              <a:buChar char="–"/>
+              <a:defRPr sz="2800">
+                <a:solidFill>
+                  <a:schemeClr val="tx1"/>
+                </a:solidFill>
+                <a:latin typeface="+mn-lt"/>
+                <a:ea typeface="ＭＳ Ｐゴシック"/>
+                <a:cs typeface="+mn-cs"/>
+              </a:defRPr>
+            </a:lvl2pPr>
+            <a:lvl3pPr marL="1143000" indent="-228600" algn="l" defTabSz="457200" rtl="0">
+              <a:spcBef>
+                <a:spcPts val="0"/>
+              </a:spcBef>
+              <a:spcAft>
+                <a:spcPts val="0"/>
+              </a:spcAft>
+              <a:buFont typeface="Arial"/>
+              <a:buChar char="•"/>
+              <a:defRPr sz="2400">
+                <a:solidFill>
+                  <a:schemeClr val="tx1"/>
+                </a:solidFill>
+                <a:latin typeface="+mn-lt"/>
+                <a:ea typeface="ＭＳ Ｐゴシック"/>
+                <a:cs typeface="+mn-cs"/>
+              </a:defRPr>
+            </a:lvl3pPr>
+            <a:lvl4pPr marL="1600200" indent="-228600" algn="l" defTabSz="457200" rtl="0">
+              <a:spcBef>
+                <a:spcPts val="0"/>
+              </a:spcBef>
+              <a:spcAft>
+                <a:spcPts val="0"/>
+              </a:spcAft>
+              <a:buFont typeface="Arial"/>
+              <a:buChar char="–"/>
+              <a:defRPr sz="2000">
+                <a:solidFill>
+                  <a:schemeClr val="tx1"/>
+                </a:solidFill>
+                <a:latin typeface="+mn-lt"/>
+                <a:ea typeface="ＭＳ Ｐゴシック"/>
+                <a:cs typeface="+mn-cs"/>
+              </a:defRPr>
+            </a:lvl4pPr>
+            <a:lvl5pPr marL="2057400" indent="-228600" algn="l" defTabSz="457200" rtl="0">
+              <a:spcBef>
+                <a:spcPts val="0"/>
+              </a:spcBef>
+              <a:spcAft>
+                <a:spcPts val="0"/>
+              </a:spcAft>
+              <a:buFont typeface="Arial"/>
+              <a:buChar char="»"/>
+              <a:defRPr sz="2000">
+                <a:solidFill>
+                  <a:schemeClr val="tx1"/>
+                </a:solidFill>
+                <a:latin typeface="+mn-lt"/>
+                <a:ea typeface="ＭＳ Ｐゴシック"/>
+                <a:cs typeface="+mn-cs"/>
+              </a:defRPr>
+            </a:lvl5pPr>
+            <a:lvl6pPr marL="2514599" indent="-228600" algn="l" defTabSz="457200" rtl="0">
+              <a:spcBef>
+                <a:spcPts val="0"/>
+              </a:spcBef>
+              <a:buFont typeface="Arial"/>
+              <a:buChar char="•"/>
+              <a:defRPr sz="2000">
+                <a:solidFill>
+                  <a:schemeClr val="tx1"/>
+                </a:solidFill>
+                <a:latin typeface="+mn-lt"/>
+                <a:ea typeface="+mn-ea"/>
+                <a:cs typeface="+mn-cs"/>
+              </a:defRPr>
+            </a:lvl6pPr>
+            <a:lvl7pPr marL="2971800" indent="-228600" algn="l" defTabSz="457200" rtl="0">
+              <a:spcBef>
+                <a:spcPts val="0"/>
+              </a:spcBef>
+              <a:buFont typeface="Arial"/>
+              <a:buChar char="•"/>
+              <a:defRPr sz="2000">
+                <a:solidFill>
+                  <a:schemeClr val="tx1"/>
+                </a:solidFill>
+                <a:latin typeface="+mn-lt"/>
+                <a:ea typeface="+mn-ea"/>
+                <a:cs typeface="+mn-cs"/>
+              </a:defRPr>
+            </a:lvl7pPr>
+            <a:lvl8pPr marL="3429000" indent="-228600" algn="l" defTabSz="457200" rtl="0">
+              <a:spcBef>
+                <a:spcPts val="0"/>
+              </a:spcBef>
+              <a:buFont typeface="Arial"/>
+              <a:buChar char="•"/>
+              <a:defRPr sz="2000">
+                <a:solidFill>
+                  <a:schemeClr val="tx1"/>
+                </a:solidFill>
+                <a:latin typeface="+mn-lt"/>
+                <a:ea typeface="+mn-ea"/>
+                <a:cs typeface="+mn-cs"/>
+              </a:defRPr>
+            </a:lvl8pPr>
+            <a:lvl9pPr marL="3886200" indent="-228600" algn="l" defTabSz="457200" rtl="0">
+              <a:spcBef>
+                <a:spcPts val="0"/>
+              </a:spcBef>
+              <a:buFont typeface="Arial"/>
+              <a:buChar char="•"/>
+              <a:defRPr sz="2000">
+                <a:solidFill>
+                  <a:schemeClr val="tx1"/>
+                </a:solidFill>
+                <a:latin typeface="+mn-lt"/>
+                <a:ea typeface="+mn-ea"/>
+                <a:cs typeface="+mn-cs"/>
+              </a:defRPr>
+            </a:lvl9pPr>
+          </a:lstStyle>
+          <a:p>
+            <a:pPr marL="383008" indent="-383008" algn="l">
+              <a:buClrTx/>
+              <a:buSzTx/>
+              <a:buFont typeface="Arial"/>
+              <a:buChar char="–"/>
+              <a:defRPr/>
+            </a:pPr>
+            <a:r>
+              <a:rPr lang="it-IT" sz="2400" b="0" i="0" u="none" strike="noStrike" cap="none" spc="0">
+                <a:solidFill>
+                  <a:schemeClr val="tx1"/>
+                </a:solidFill>
+                <a:latin typeface="Arial"/>
+                <a:ea typeface="Arial"/>
+                <a:cs typeface="Arial"/>
+              </a:rPr>
+              <a:t>Sw proprietari</a:t>
+            </a:r>
+            <a:endParaRPr lang="it-IT" sz="2400" b="0" i="0" u="none" strike="noStrike" cap="none" spc="0">
+              <a:solidFill>
+                <a:schemeClr val="tx1"/>
+              </a:solidFill>
+              <a:latin typeface="Arial"/>
+              <a:ea typeface="Arial"/>
+              <a:cs typeface="Arial"/>
+            </a:endParaRPr>
+          </a:p>
+          <a:p>
+            <a:pPr marL="383008" indent="-383008" algn="l">
+              <a:buClrTx/>
+              <a:buSzTx/>
+              <a:buFont typeface="Arial"/>
+              <a:buChar char="–"/>
+              <a:defRPr/>
+            </a:pPr>
+            <a:r>
+              <a:rPr lang="it-IT" sz="2400" b="0" i="0" u="none" strike="noStrike" cap="none" spc="0">
+                <a:solidFill>
+                  <a:schemeClr val="tx1"/>
+                </a:solidFill>
+                <a:latin typeface="Arial"/>
+                <a:ea typeface="Arial"/>
+                <a:cs typeface="Arial"/>
+              </a:rPr>
+              <a:t>Strumenti complessi</a:t>
+            </a:r>
+            <a:endParaRPr sz="2400" b="0">
+              <a:solidFill>
+                <a:schemeClr val="tx1"/>
+              </a:solidFill>
+            </a:endParaRPr>
+          </a:p>
+        </p:txBody>
+      </p:sp>
+      <p:pic>
+        <p:nvPicPr>
+          <p:cNvPr id="2033237290" name=""/>
+          <p:cNvPicPr>
+            <a:picLocks noChangeAspect="1"/>
+          </p:cNvPicPr>
+          <p:nvPr/>
+        </p:nvPicPr>
+        <p:blipFill>
+          <a:blip r:embed="rId19"/>
+          <a:stretch/>
+        </p:blipFill>
+        <p:spPr bwMode="auto">
+          <a:xfrm flipH="0" flipV="0">
+            <a:off x="3654062" y="2755628"/>
+            <a:ext cx="1173685" cy="1173685"/>
           </a:xfrm>
           <a:prstGeom prst="rect">
             <a:avLst/>
@@ -12379,7 +13043,7 @@
       </p:grpSpPr>
       <p:pic>
         <p:nvPicPr>
-          <p:cNvPr id="504897211" name=""/>
+          <p:cNvPr id="485158476" name=""/>
           <p:cNvPicPr>
             <a:picLocks noChangeAspect="1"/>
           </p:cNvPicPr>
@@ -12401,7 +13065,7 @@
       </p:pic>
       <p:sp>
         <p:nvSpPr>
-          <p:cNvPr id="1747332989" name=""/>
+          <p:cNvPr id="1698405216" name=""/>
           <p:cNvSpPr txBox="1"/>
           <p:nvPr/>
         </p:nvSpPr>
@@ -12429,7 +13093,7 @@
       </p:sp>
       <p:pic>
         <p:nvPicPr>
-          <p:cNvPr id="430889085" name=""/>
+          <p:cNvPr id="198524716" name=""/>
           <p:cNvPicPr>
             <a:picLocks noChangeAspect="1"/>
           </p:cNvPicPr>
@@ -12451,7 +13115,7 @@
       </p:pic>
       <p:sp>
         <p:nvSpPr>
-          <p:cNvPr id="755166220" name="Text Placeholder 1"/>
+          <p:cNvPr id="684713558" name="Text Placeholder 1"/>
           <p:cNvSpPr>
             <a:spLocks noGrp="1"/>
           </p:cNvSpPr>
@@ -12497,7 +13161,7 @@
       </p:sp>
       <p:pic>
         <p:nvPicPr>
-          <p:cNvPr id="145699802" name="Picture 679748627"/>
+          <p:cNvPr id="1588843839" name="Picture 679748627"/>
           <p:cNvPicPr>
             <a:picLocks noChangeAspect="1"/>
           </p:cNvPicPr>
@@ -12520,7 +13184,7 @@
       </p:pic>
       <p:pic>
         <p:nvPicPr>
-          <p:cNvPr id="1910192901" name=""/>
+          <p:cNvPr id="780148951" name=""/>
           <p:cNvPicPr>
             <a:picLocks noChangeAspect="1"/>
           </p:cNvPicPr>
@@ -12542,7 +13206,7 @@
       </p:pic>
       <p:pic>
         <p:nvPicPr>
-          <p:cNvPr id="1209603077" name=""/>
+          <p:cNvPr id="676004600" name=""/>
           <p:cNvPicPr>
             <a:picLocks noChangeAspect="1"/>
           </p:cNvPicPr>
@@ -12613,7 +13277,7 @@
         <p:spPr bwMode="auto">
           <a:xfrm rot="0" flipH="0" flipV="0">
             <a:off x="3269710" y="2093709"/>
-            <a:ext cx="1980022" cy="366119"/>
+            <a:ext cx="1980382" cy="366119"/>
           </a:xfrm>
           <a:prstGeom prst="rect">
             <a:avLst/>
@@ -12631,7 +13295,7 @@
             <a:r>
               <a:rPr lang="it-IT" b="1" i="0" u="none" strike="noStrike" cap="none" spc="0">
                 <a:solidFill>
-                  <a:srgbClr val="FF0000"/>
+                  <a:srgbClr val="92D050"/>
                 </a:solidFill>
                 <a:latin typeface="Arial"/>
                 <a:ea typeface="Arial"/>
@@ -12727,7 +13391,7 @@
       </p:grpSpPr>
       <p:pic>
         <p:nvPicPr>
-          <p:cNvPr id="1687861835" name=""/>
+          <p:cNvPr id="151663345" name=""/>
           <p:cNvPicPr>
             <a:picLocks noChangeAspect="1"/>
           </p:cNvPicPr>
@@ -12749,7 +13413,7 @@
       </p:pic>
       <p:sp>
         <p:nvSpPr>
-          <p:cNvPr id="1364983498" name=""/>
+          <p:cNvPr id="1756501789" name=""/>
           <p:cNvSpPr txBox="1"/>
           <p:nvPr/>
         </p:nvSpPr>
@@ -12777,7 +13441,7 @@
       </p:sp>
       <p:pic>
         <p:nvPicPr>
-          <p:cNvPr id="1201813599" name=""/>
+          <p:cNvPr id="753916672" name=""/>
           <p:cNvPicPr>
             <a:picLocks noChangeAspect="1"/>
           </p:cNvPicPr>
@@ -12799,7 +13463,7 @@
       </p:pic>
       <p:sp>
         <p:nvSpPr>
-          <p:cNvPr id="851496351" name="Text Placeholder 1"/>
+          <p:cNvPr id="821453830" name="Text Placeholder 1"/>
           <p:cNvSpPr>
             <a:spLocks noGrp="1"/>
           </p:cNvSpPr>
@@ -12845,7 +13509,7 @@
       </p:sp>
       <p:pic>
         <p:nvPicPr>
-          <p:cNvPr id="1969644668" name="Picture 679748627"/>
+          <p:cNvPr id="930908455" name="Picture 679748627"/>
           <p:cNvPicPr>
             <a:picLocks noChangeAspect="1"/>
           </p:cNvPicPr>
@@ -12868,7 +13532,7 @@
       </p:pic>
       <p:pic>
         <p:nvPicPr>
-          <p:cNvPr id="959236620" name=""/>
+          <p:cNvPr id="1233772010" name=""/>
           <p:cNvPicPr>
             <a:picLocks noChangeAspect="1"/>
           </p:cNvPicPr>
@@ -12890,7 +13554,7 @@
       </p:pic>
       <p:pic>
         <p:nvPicPr>
-          <p:cNvPr id="507222795" name=""/>
+          <p:cNvPr id="1947062738" name=""/>
           <p:cNvPicPr>
             <a:picLocks noChangeAspect="1"/>
           </p:cNvPicPr>
@@ -12913,7 +13577,7 @@
       </p:pic>
       <p:pic>
         <p:nvPicPr>
-          <p:cNvPr id="1891676890" name=""/>
+          <p:cNvPr id="598663620" name=""/>
           <p:cNvPicPr>
             <a:picLocks noChangeAspect="1"/>
           </p:cNvPicPr>
@@ -13134,7 +13798,7 @@
       </p:grpSpPr>
       <p:pic>
         <p:nvPicPr>
-          <p:cNvPr id="971559330" name=""/>
+          <p:cNvPr id="832766654" name=""/>
           <p:cNvPicPr>
             <a:picLocks noChangeAspect="1"/>
           </p:cNvPicPr>
@@ -13156,7 +13820,7 @@
       </p:pic>
       <p:sp>
         <p:nvSpPr>
-          <p:cNvPr id="580143985" name=""/>
+          <p:cNvPr id="366611826" name=""/>
           <p:cNvSpPr txBox="1"/>
           <p:nvPr/>
         </p:nvSpPr>
@@ -13184,7 +13848,7 @@
       </p:sp>
       <p:pic>
         <p:nvPicPr>
-          <p:cNvPr id="1681872988" name=""/>
+          <p:cNvPr id="619078248" name=""/>
           <p:cNvPicPr>
             <a:picLocks noChangeAspect="1"/>
           </p:cNvPicPr>
@@ -13206,7 +13870,7 @@
       </p:pic>
       <p:sp>
         <p:nvSpPr>
-          <p:cNvPr id="1633857826" name="Text Placeholder 1"/>
+          <p:cNvPr id="1925495437" name="Text Placeholder 1"/>
           <p:cNvSpPr>
             <a:spLocks noGrp="1"/>
           </p:cNvSpPr>
@@ -13237,7 +13901,7 @@
       </p:sp>
       <p:pic>
         <p:nvPicPr>
-          <p:cNvPr id="739067700" name="Picture 679748627"/>
+          <p:cNvPr id="534822021" name="Picture 679748627"/>
           <p:cNvPicPr>
             <a:picLocks noChangeAspect="1"/>
           </p:cNvPicPr>
@@ -13260,7 +13924,7 @@
       </p:pic>
       <p:pic>
         <p:nvPicPr>
-          <p:cNvPr id="461423019" name=""/>
+          <p:cNvPr id="392115364" name=""/>
           <p:cNvPicPr>
             <a:picLocks noChangeAspect="1"/>
           </p:cNvPicPr>
@@ -13282,7 +13946,7 @@
       </p:pic>
       <p:pic>
         <p:nvPicPr>
-          <p:cNvPr id="387601986" name=""/>
+          <p:cNvPr id="974142923" name=""/>
           <p:cNvPicPr>
             <a:picLocks noChangeAspect="1"/>
           </p:cNvPicPr>
@@ -13305,7 +13969,7 @@
       </p:pic>
       <p:pic>
         <p:nvPicPr>
-          <p:cNvPr id="33600340" name=""/>
+          <p:cNvPr id="827200378" name=""/>
           <p:cNvPicPr>
             <a:picLocks noChangeAspect="1"/>
           </p:cNvPicPr>
@@ -13327,7 +13991,7 @@
       </p:pic>
       <p:pic>
         <p:nvPicPr>
-          <p:cNvPr id="1774804776" name=""/>
+          <p:cNvPr id="96325319" name=""/>
           <p:cNvPicPr>
             <a:picLocks noChangeAspect="1"/>
           </p:cNvPicPr>
@@ -13590,7 +14254,7 @@
       </p:grpSpPr>
       <p:pic>
         <p:nvPicPr>
-          <p:cNvPr id="1386331414" name=""/>
+          <p:cNvPr id="599032016" name=""/>
           <p:cNvPicPr>
             <a:picLocks noChangeAspect="1"/>
           </p:cNvPicPr>
@@ -13612,7 +14276,7 @@
       </p:pic>
       <p:sp>
         <p:nvSpPr>
-          <p:cNvPr id="510568818" name=""/>
+          <p:cNvPr id="1394653683" name=""/>
           <p:cNvSpPr txBox="1"/>
           <p:nvPr/>
         </p:nvSpPr>
@@ -13640,7 +14304,7 @@
       </p:sp>
       <p:pic>
         <p:nvPicPr>
-          <p:cNvPr id="1424391954" name=""/>
+          <p:cNvPr id="1573401996" name=""/>
           <p:cNvPicPr>
             <a:picLocks noChangeAspect="1"/>
           </p:cNvPicPr>
@@ -13662,7 +14326,7 @@
       </p:pic>
       <p:sp>
         <p:nvSpPr>
-          <p:cNvPr id="807558275" name="Text Placeholder 1"/>
+          <p:cNvPr id="525034474" name="Text Placeholder 1"/>
           <p:cNvSpPr>
             <a:spLocks noGrp="1"/>
           </p:cNvSpPr>
@@ -13708,7 +14372,7 @@
       </p:sp>
       <p:pic>
         <p:nvPicPr>
-          <p:cNvPr id="7501120" name="Picture 679748627"/>
+          <p:cNvPr id="1672436407" name="Picture 679748627"/>
           <p:cNvPicPr>
             <a:picLocks noChangeAspect="1"/>
           </p:cNvPicPr>
@@ -13731,7 +14395,7 @@
       </p:pic>
       <p:pic>
         <p:nvPicPr>
-          <p:cNvPr id="1599979809" name=""/>
+          <p:cNvPr id="1141095880" name=""/>
           <p:cNvPicPr>
             <a:picLocks noChangeAspect="1"/>
           </p:cNvPicPr>
@@ -13753,7 +14417,7 @@
       </p:pic>
       <p:pic>
         <p:nvPicPr>
-          <p:cNvPr id="940300544" name=""/>
+          <p:cNvPr id="699576241" name=""/>
           <p:cNvPicPr>
             <a:picLocks noChangeAspect="1"/>
           </p:cNvPicPr>
@@ -13776,7 +14440,7 @@
       </p:pic>
       <p:pic>
         <p:nvPicPr>
-          <p:cNvPr id="1957007018" name=""/>
+          <p:cNvPr id="350899917" name=""/>
           <p:cNvPicPr>
             <a:picLocks noChangeAspect="1"/>
           </p:cNvPicPr>
@@ -13798,7 +14462,7 @@
       </p:pic>
       <p:pic>
         <p:nvPicPr>
-          <p:cNvPr id="1650031182" name=""/>
+          <p:cNvPr id="1725695883" name=""/>
           <p:cNvPicPr>
             <a:picLocks noChangeAspect="1"/>
           </p:cNvPicPr>
@@ -14064,7 +14728,7 @@
       </p:grpSpPr>
       <p:pic>
         <p:nvPicPr>
-          <p:cNvPr id="1320197250" name=""/>
+          <p:cNvPr id="1554311302" name=""/>
           <p:cNvPicPr>
             <a:picLocks noChangeAspect="1"/>
           </p:cNvPicPr>
@@ -14086,7 +14750,7 @@
       </p:pic>
       <p:pic>
         <p:nvPicPr>
-          <p:cNvPr id="680143271" name=""/>
+          <p:cNvPr id="35964880" name=""/>
           <p:cNvPicPr>
             <a:picLocks noChangeAspect="1"/>
           </p:cNvPicPr>
@@ -14108,7 +14772,7 @@
       </p:pic>
       <p:pic>
         <p:nvPicPr>
-          <p:cNvPr id="450072168" name=""/>
+          <p:cNvPr id="774209439" name=""/>
           <p:cNvPicPr>
             <a:picLocks noChangeAspect="1"/>
           </p:cNvPicPr>
@@ -14130,7 +14794,7 @@
       </p:pic>
       <p:sp>
         <p:nvSpPr>
-          <p:cNvPr id="717340794" name="Text Placeholder 1"/>
+          <p:cNvPr id="1963019655" name="Text Placeholder 1"/>
           <p:cNvSpPr>
             <a:spLocks noGrp="1"/>
           </p:cNvSpPr>
@@ -14161,7 +14825,7 @@
       </p:sp>
       <p:pic>
         <p:nvPicPr>
-          <p:cNvPr id="1041143479" name="Picture 679748627"/>
+          <p:cNvPr id="1531590868" name="Picture 679748627"/>
           <p:cNvPicPr>
             <a:picLocks noChangeAspect="1"/>
           </p:cNvPicPr>
@@ -14184,7 +14848,7 @@
       </p:pic>
       <p:pic>
         <p:nvPicPr>
-          <p:cNvPr id="1839762092" name=""/>
+          <p:cNvPr id="904798473" name=""/>
           <p:cNvPicPr>
             <a:picLocks noChangeAspect="1"/>
           </p:cNvPicPr>
@@ -14206,7 +14870,7 @@
       </p:pic>
       <p:pic>
         <p:nvPicPr>
-          <p:cNvPr id="13724636" name=""/>
+          <p:cNvPr id="1949416743" name=""/>
           <p:cNvPicPr>
             <a:picLocks noChangeAspect="1"/>
           </p:cNvPicPr>
@@ -14229,7 +14893,7 @@
       </p:pic>
       <p:pic>
         <p:nvPicPr>
-          <p:cNvPr id="685301614" name=""/>
+          <p:cNvPr id="1253354605" name=""/>
           <p:cNvPicPr>
             <a:picLocks noChangeAspect="1"/>
           </p:cNvPicPr>
@@ -14251,7 +14915,7 @@
       </p:pic>
       <p:pic>
         <p:nvPicPr>
-          <p:cNvPr id="1659977158" name=""/>
+          <p:cNvPr id="2105063215" name=""/>
           <p:cNvPicPr>
             <a:picLocks noChangeAspect="1"/>
           </p:cNvPicPr>
@@ -14273,7 +14937,7 @@
       </p:pic>
       <p:pic>
         <p:nvPicPr>
-          <p:cNvPr id="1083057006" name=""/>
+          <p:cNvPr id="939055808" name=""/>
           <p:cNvPicPr>
             <a:picLocks noChangeAspect="1"/>
           </p:cNvPicPr>
@@ -14295,7 +14959,7 @@
       </p:pic>
       <p:cxnSp>
         <p:nvCxnSpPr>
-          <p:cNvPr id="136545602" name=""/>
+          <p:cNvPr id="1347086159" name=""/>
           <p:cNvCxnSpPr/>
           <p:nvPr/>
         </p:nvCxnSpPr>
@@ -14334,7 +14998,7 @@
       </p:cxnSp>
       <p:pic>
         <p:nvPicPr>
-          <p:cNvPr id="90665747" name=""/>
+          <p:cNvPr id="648180857" name=""/>
           <p:cNvPicPr>
             <a:picLocks noChangeAspect="1"/>
           </p:cNvPicPr>
@@ -14393,7 +15057,7 @@
       </p:grpSpPr>
       <p:pic>
         <p:nvPicPr>
-          <p:cNvPr id="194357418" name=""/>
+          <p:cNvPr id="605979294" name=""/>
           <p:cNvPicPr>
             <a:picLocks noChangeAspect="1"/>
           </p:cNvPicPr>
@@ -14415,7 +15079,7 @@
       </p:pic>
       <p:sp>
         <p:nvSpPr>
-          <p:cNvPr id="276273476" name="Text Placeholder 1"/>
+          <p:cNvPr id="297046332" name="Text Placeholder 1"/>
           <p:cNvSpPr>
             <a:spLocks noGrp="1"/>
           </p:cNvSpPr>
@@ -14446,7 +15110,7 @@
       </p:sp>
       <p:sp>
         <p:nvSpPr>
-          <p:cNvPr id="1667578120" name=""/>
+          <p:cNvPr id="1108050889" name=""/>
           <p:cNvSpPr txBox="1"/>
           <p:nvPr/>
         </p:nvSpPr>
@@ -14474,7 +15138,7 @@
       </p:sp>
       <p:pic>
         <p:nvPicPr>
-          <p:cNvPr id="647760264" name=""/>
+          <p:cNvPr id="1615916678" name=""/>
           <p:cNvPicPr>
             <a:picLocks noChangeAspect="1"/>
           </p:cNvPicPr>
@@ -14496,7 +15160,7 @@
       </p:pic>
       <p:pic>
         <p:nvPicPr>
-          <p:cNvPr id="1814805085" name=""/>
+          <p:cNvPr id="1420996185" name=""/>
           <p:cNvPicPr>
             <a:picLocks noChangeAspect="1"/>
           </p:cNvPicPr>
@@ -14518,7 +15182,7 @@
       </p:pic>
       <p:pic>
         <p:nvPicPr>
-          <p:cNvPr id="165281233" name=""/>
+          <p:cNvPr id="1318219042" name=""/>
           <p:cNvPicPr>
             <a:picLocks noChangeAspect="1"/>
           </p:cNvPicPr>
@@ -14540,7 +15204,7 @@
       </p:pic>
       <p:pic>
         <p:nvPicPr>
-          <p:cNvPr id="495248352" name=""/>
+          <p:cNvPr id="1153656349" name=""/>
           <p:cNvPicPr>
             <a:picLocks noChangeAspect="1"/>
           </p:cNvPicPr>
@@ -14562,7 +15226,7 @@
       </p:pic>
       <p:pic>
         <p:nvPicPr>
-          <p:cNvPr id="1467188023" name=""/>
+          <p:cNvPr id="1474099496" name=""/>
           <p:cNvPicPr>
             <a:picLocks noChangeAspect="1"/>
           </p:cNvPicPr>
@@ -14584,7 +15248,7 @@
       </p:pic>
       <p:pic>
         <p:nvPicPr>
-          <p:cNvPr id="2103159500" name=""/>
+          <p:cNvPr id="292363715" name=""/>
           <p:cNvPicPr>
             <a:picLocks noChangeAspect="1"/>
           </p:cNvPicPr>
@@ -14606,7 +15270,7 @@
       </p:pic>
       <p:pic>
         <p:nvPicPr>
-          <p:cNvPr id="607098386" name=""/>
+          <p:cNvPr id="597137028" name=""/>
           <p:cNvPicPr>
             <a:picLocks noChangeAspect="1"/>
           </p:cNvPicPr>
@@ -14628,7 +15292,7 @@
       </p:pic>
       <p:pic>
         <p:nvPicPr>
-          <p:cNvPr id="1757831620" name=""/>
+          <p:cNvPr id="397341281" name=""/>
           <p:cNvPicPr>
             <a:picLocks noChangeAspect="1"/>
           </p:cNvPicPr>
@@ -14650,7 +15314,7 @@
       </p:pic>
       <p:pic>
         <p:nvPicPr>
-          <p:cNvPr id="801969271" name=""/>
+          <p:cNvPr id="1466037562" name=""/>
           <p:cNvPicPr>
             <a:picLocks noChangeAspect="1"/>
           </p:cNvPicPr>
@@ -14672,7 +15336,7 @@
       </p:pic>
       <p:pic>
         <p:nvPicPr>
-          <p:cNvPr id="713478548" name=""/>
+          <p:cNvPr id="634015572" name=""/>
           <p:cNvPicPr>
             <a:picLocks noChangeAspect="1"/>
           </p:cNvPicPr>
@@ -14731,7 +15395,7 @@
       </p:grpSpPr>
       <p:pic>
         <p:nvPicPr>
-          <p:cNvPr id="1042774389" name=""/>
+          <p:cNvPr id="238940770" name=""/>
           <p:cNvPicPr>
             <a:picLocks noChangeAspect="1"/>
           </p:cNvPicPr>
@@ -14753,7 +15417,7 @@
       </p:pic>
       <p:pic>
         <p:nvPicPr>
-          <p:cNvPr id="632865758" name=""/>
+          <p:cNvPr id="1103534263" name=""/>
           <p:cNvPicPr>
             <a:picLocks noChangeAspect="1"/>
           </p:cNvPicPr>
@@ -14775,7 +15439,7 @@
       </p:pic>
       <p:sp>
         <p:nvSpPr>
-          <p:cNvPr id="2015572826" name="Text Placeholder 1"/>
+          <p:cNvPr id="1302118990" name="Text Placeholder 1"/>
           <p:cNvSpPr>
             <a:spLocks noGrp="1"/>
           </p:cNvSpPr>
@@ -14806,7 +15470,7 @@
       </p:sp>
       <p:pic>
         <p:nvPicPr>
-          <p:cNvPr id="272089751" name="Picture 679748627"/>
+          <p:cNvPr id="792425679" name="Picture 679748627"/>
           <p:cNvPicPr>
             <a:picLocks noChangeAspect="1"/>
           </p:cNvPicPr>
@@ -14829,7 +15493,7 @@
       </p:pic>
       <p:pic>
         <p:nvPicPr>
-          <p:cNvPr id="654835375" name=""/>
+          <p:cNvPr id="625537309" name=""/>
           <p:cNvPicPr>
             <a:picLocks noChangeAspect="1"/>
           </p:cNvPicPr>
@@ -14851,7 +15515,7 @@
       </p:pic>
       <p:pic>
         <p:nvPicPr>
-          <p:cNvPr id="1790552243" name=""/>
+          <p:cNvPr id="1265354098" name=""/>
           <p:cNvPicPr>
             <a:picLocks noChangeAspect="1"/>
           </p:cNvPicPr>
@@ -14874,7 +15538,7 @@
       </p:pic>
       <p:pic>
         <p:nvPicPr>
-          <p:cNvPr id="1377248298" name=""/>
+          <p:cNvPr id="329353204" name=""/>
           <p:cNvPicPr>
             <a:picLocks noChangeAspect="1"/>
           </p:cNvPicPr>
@@ -14896,7 +15560,7 @@
       </p:pic>
       <p:pic>
         <p:nvPicPr>
-          <p:cNvPr id="1920038507" name=""/>
+          <p:cNvPr id="1644314650" name=""/>
           <p:cNvPicPr>
             <a:picLocks noChangeAspect="1"/>
           </p:cNvPicPr>
@@ -14955,7 +15619,7 @@
       </p:grpSpPr>
       <p:pic>
         <p:nvPicPr>
-          <p:cNvPr id="491505903" name=""/>
+          <p:cNvPr id="1345407677" name=""/>
           <p:cNvPicPr>
             <a:picLocks noChangeAspect="1"/>
           </p:cNvPicPr>
@@ -14978,7 +15642,7 @@
       </p:pic>
       <p:pic>
         <p:nvPicPr>
-          <p:cNvPr id="675439913" name=""/>
+          <p:cNvPr id="1001245931" name=""/>
           <p:cNvPicPr>
             <a:picLocks noChangeAspect="1"/>
           </p:cNvPicPr>
@@ -15000,7 +15664,7 @@
       </p:pic>
       <p:sp>
         <p:nvSpPr>
-          <p:cNvPr id="1495582432" name="Text Placeholder 1"/>
+          <p:cNvPr id="2076355452" name="Text Placeholder 1"/>
           <p:cNvSpPr>
             <a:spLocks noGrp="1"/>
           </p:cNvSpPr>
@@ -15031,7 +15695,7 @@
       </p:sp>
       <p:pic>
         <p:nvPicPr>
-          <p:cNvPr id="1440137966" name="Picture 679748627"/>
+          <p:cNvPr id="1088199669" name="Picture 679748627"/>
           <p:cNvPicPr>
             <a:picLocks noChangeAspect="1"/>
           </p:cNvPicPr>
@@ -15054,7 +15718,7 @@
       </p:pic>
       <p:pic>
         <p:nvPicPr>
-          <p:cNvPr id="351852908" name=""/>
+          <p:cNvPr id="767840927" name=""/>
           <p:cNvPicPr>
             <a:picLocks noChangeAspect="1"/>
           </p:cNvPicPr>
@@ -15076,7 +15740,7 @@
       </p:pic>
       <p:pic>
         <p:nvPicPr>
-          <p:cNvPr id="849087635" name=""/>
+          <p:cNvPr id="1537274802" name=""/>
           <p:cNvPicPr>
             <a:picLocks noChangeAspect="1"/>
           </p:cNvPicPr>
@@ -15136,7 +15800,7 @@
       </p:grpSpPr>
       <p:pic>
         <p:nvPicPr>
-          <p:cNvPr id="1071037587" name=""/>
+          <p:cNvPr id="1386350971" name=""/>
           <p:cNvPicPr>
             <a:picLocks noChangeAspect="1"/>
           </p:cNvPicPr>
@@ -15159,7 +15823,7 @@
       </p:pic>
       <p:pic>
         <p:nvPicPr>
-          <p:cNvPr id="728527544" name=""/>
+          <p:cNvPr id="815057571" name=""/>
           <p:cNvPicPr>
             <a:picLocks noChangeAspect="1"/>
           </p:cNvPicPr>
@@ -15182,7 +15846,7 @@
       </p:pic>
       <p:pic>
         <p:nvPicPr>
-          <p:cNvPr id="1445617916" name=""/>
+          <p:cNvPr id="931179048" name=""/>
           <p:cNvPicPr>
             <a:picLocks noChangeAspect="1"/>
           </p:cNvPicPr>
@@ -15204,7 +15868,7 @@
       </p:pic>
       <p:sp>
         <p:nvSpPr>
-          <p:cNvPr id="530148184" name="Text Placeholder 1"/>
+          <p:cNvPr id="1171148058" name="Text Placeholder 1"/>
           <p:cNvSpPr>
             <a:spLocks noGrp="1"/>
           </p:cNvSpPr>
@@ -15235,7 +15899,7 @@
       </p:sp>
       <p:pic>
         <p:nvPicPr>
-          <p:cNvPr id="1570020736" name="Picture 679748627"/>
+          <p:cNvPr id="1155652815" name="Picture 679748627"/>
           <p:cNvPicPr>
             <a:picLocks noChangeAspect="1"/>
           </p:cNvPicPr>
@@ -15258,7 +15922,7 @@
       </p:pic>
       <p:pic>
         <p:nvPicPr>
-          <p:cNvPr id="415560648" name=""/>
+          <p:cNvPr id="618144492" name=""/>
           <p:cNvPicPr>
             <a:picLocks noChangeAspect="1"/>
           </p:cNvPicPr>
@@ -16069,7 +16733,7 @@
       </p:grpSpPr>
       <p:pic>
         <p:nvPicPr>
-          <p:cNvPr id="1243719583" name=""/>
+          <p:cNvPr id="828444765" name=""/>
           <p:cNvPicPr>
             <a:picLocks noChangeAspect="1"/>
           </p:cNvPicPr>
@@ -16091,7 +16755,7 @@
       </p:pic>
       <p:sp>
         <p:nvSpPr>
-          <p:cNvPr id="546237374" name="Text Placeholder 1"/>
+          <p:cNvPr id="937930581" name="Text Placeholder 1"/>
           <p:cNvSpPr>
             <a:spLocks noGrp="1"/>
           </p:cNvSpPr>
@@ -16101,8 +16765,8 @@
         </p:nvSpPr>
         <p:spPr bwMode="auto">
           <a:xfrm flipH="0" flipV="0">
-            <a:off x="6151821" y="672912"/>
-            <a:ext cx="4023795" cy="424987"/>
+            <a:off x="7655522" y="672912"/>
+            <a:ext cx="2520094" cy="424987"/>
           </a:xfrm>
         </p:spPr>
         <p:txBody>
@@ -16114,7 +16778,7 @@
             </a:pPr>
             <a:r>
               <a:rPr b="1" i="0"/>
-              <a:t>Contingency Plan</a:t>
+              <a:t>Monitor</a:t>
             </a:r>
             <a:endParaRPr/>
           </a:p>
@@ -16122,7 +16786,7 @@
       </p:sp>
       <p:pic>
         <p:nvPicPr>
-          <p:cNvPr id="1344865619" name="Picture 679748627"/>
+          <p:cNvPr id="174247458" name="Picture 679748627"/>
           <p:cNvPicPr>
             <a:picLocks noChangeAspect="1"/>
           </p:cNvPicPr>
@@ -16145,7 +16809,7 @@
       </p:pic>
       <p:pic>
         <p:nvPicPr>
-          <p:cNvPr id="464755156" name=""/>
+          <p:cNvPr id="153663300" name=""/>
           <p:cNvPicPr>
             <a:picLocks noChangeAspect="1"/>
           </p:cNvPicPr>
@@ -16168,7 +16832,7 @@
       </p:pic>
       <p:pic>
         <p:nvPicPr>
-          <p:cNvPr id="1606831159" name=""/>
+          <p:cNvPr id="806519250" name=""/>
           <p:cNvPicPr>
             <a:picLocks noChangeAspect="1"/>
           </p:cNvPicPr>
@@ -16180,8 +16844,8 @@
         </p:blipFill>
         <p:spPr bwMode="auto">
           <a:xfrm flipH="0" flipV="0">
-            <a:off x="48678" y="2571970"/>
-            <a:ext cx="1101957" cy="1101957"/>
+            <a:off x="-226858" y="2336871"/>
+            <a:ext cx="1347107" cy="1152524"/>
           </a:xfrm>
           <a:prstGeom prst="rect">
             <a:avLst/>
@@ -16190,7 +16854,7 @@
       </p:pic>
       <p:pic>
         <p:nvPicPr>
-          <p:cNvPr id="1866227337" name=""/>
+          <p:cNvPr id="1932164394" name=""/>
           <p:cNvPicPr>
             <a:picLocks noChangeAspect="1"/>
           </p:cNvPicPr>
@@ -16198,19 +16862,60 @@
         </p:nvPicPr>
         <p:blipFill>
           <a:blip r:embed="rId7"/>
-          <a:srcRect l="0" t="10948" r="12445" b="0"/>
+          <a:srcRect l="-104" t="0" r="33020" b="0"/>
           <a:stretch/>
         </p:blipFill>
         <p:spPr bwMode="auto">
           <a:xfrm flipH="0" flipV="0">
-            <a:off x="1066691" y="1749136"/>
-            <a:ext cx="7212285" cy="3804322"/>
+            <a:off x="1037527" y="1404687"/>
+            <a:ext cx="6845253" cy="4699971"/>
           </a:xfrm>
           <a:prstGeom prst="rect">
             <a:avLst/>
           </a:prstGeom>
         </p:spPr>
       </p:pic>
+      <p:sp>
+        <p:nvSpPr>
+          <p:cNvPr id="1364167240" name=""/>
+          <p:cNvSpPr/>
+          <p:nvPr/>
+        </p:nvSpPr>
+        <p:spPr bwMode="auto">
+          <a:xfrm rot="0" flipH="0" flipV="0">
+            <a:off x="2704110" y="1956474"/>
+            <a:ext cx="1059482" cy="813025"/>
+          </a:xfrm>
+          <a:prstGeom prst="roundRect">
+            <a:avLst>
+              <a:gd name="adj" fmla="val 16667"/>
+            </a:avLst>
+          </a:prstGeom>
+          <a:noFill/>
+          <a:ln w="57150" cap="flat" cmpd="sng" algn="ctr">
+            <a:solidFill>
+              <a:srgbClr val="FF0000">
+                <a:alpha val="57000"/>
+              </a:srgbClr>
+            </a:solidFill>
+            <a:prstDash val="solid"/>
+          </a:ln>
+        </p:spPr>
+        <p:style>
+          <a:lnRef idx="1">
+            <a:schemeClr val="accent1"/>
+          </a:lnRef>
+          <a:fillRef idx="3">
+            <a:schemeClr val="accent1"/>
+          </a:fillRef>
+          <a:effectRef idx="2">
+            <a:schemeClr val="accent1"/>
+          </a:effectRef>
+          <a:fontRef idx="minor">
+            <a:schemeClr val="lt1"/>
+          </a:fontRef>
+        </p:style>
+      </p:sp>
     </p:spTree>
   </p:cSld>
   <p:clrMapOvr>
@@ -16250,7 +16955,7 @@
       </p:grpSpPr>
       <p:pic>
         <p:nvPicPr>
-          <p:cNvPr id="828444765" name=""/>
+          <p:cNvPr id="1243719583" name=""/>
           <p:cNvPicPr>
             <a:picLocks noChangeAspect="1"/>
           </p:cNvPicPr>
@@ -16272,7 +16977,7 @@
       </p:pic>
       <p:sp>
         <p:nvSpPr>
-          <p:cNvPr id="937930581" name="Text Placeholder 1"/>
+          <p:cNvPr id="546237374" name="Text Placeholder 1"/>
           <p:cNvSpPr>
             <a:spLocks noGrp="1"/>
           </p:cNvSpPr>
@@ -16282,8 +16987,8 @@
         </p:nvSpPr>
         <p:spPr bwMode="auto">
           <a:xfrm flipH="0" flipV="0">
-            <a:off x="7655522" y="672912"/>
-            <a:ext cx="2520094" cy="424987"/>
+            <a:off x="6151821" y="672912"/>
+            <a:ext cx="4023795" cy="424987"/>
           </a:xfrm>
         </p:spPr>
         <p:txBody>
@@ -16295,7 +17000,7 @@
             </a:pPr>
             <a:r>
               <a:rPr b="1" i="0"/>
-              <a:t>Monitor</a:t>
+              <a:t>Contingency Plan</a:t>
             </a:r>
             <a:endParaRPr/>
           </a:p>
@@ -16303,7 +17008,7 @@
       </p:sp>
       <p:pic>
         <p:nvPicPr>
-          <p:cNvPr id="174247458" name="Picture 679748627"/>
+          <p:cNvPr id="1344865619" name="Picture 679748627"/>
           <p:cNvPicPr>
             <a:picLocks noChangeAspect="1"/>
           </p:cNvPicPr>
@@ -16326,7 +17031,7 @@
       </p:pic>
       <p:pic>
         <p:nvPicPr>
-          <p:cNvPr id="153663300" name=""/>
+          <p:cNvPr id="464755156" name=""/>
           <p:cNvPicPr>
             <a:picLocks noChangeAspect="1"/>
           </p:cNvPicPr>
@@ -16349,7 +17054,7 @@
       </p:pic>
       <p:pic>
         <p:nvPicPr>
-          <p:cNvPr id="757195855" name=""/>
+          <p:cNvPr id="1606831159" name=""/>
           <p:cNvPicPr>
             <a:picLocks noChangeAspect="1"/>
           </p:cNvPicPr>
@@ -16361,8 +17066,8 @@
         </p:blipFill>
         <p:spPr bwMode="auto">
           <a:xfrm flipH="0" flipV="0">
-            <a:off x="180997" y="2490328"/>
-            <a:ext cx="558343" cy="558343"/>
+            <a:off x="48678" y="3167062"/>
+            <a:ext cx="1101957" cy="1101957"/>
           </a:xfrm>
           <a:prstGeom prst="rect">
             <a:avLst/>
@@ -16371,7 +17076,7 @@
       </p:pic>
       <p:pic>
         <p:nvPicPr>
-          <p:cNvPr id="806519250" name=""/>
+          <p:cNvPr id="1866227337" name=""/>
           <p:cNvPicPr>
             <a:picLocks noChangeAspect="1"/>
           </p:cNvPicPr>
@@ -16379,12 +17084,13 @@
         </p:nvPicPr>
         <p:blipFill>
           <a:blip r:embed="rId7"/>
+          <a:srcRect l="0" t="10948" r="12445" b="0"/>
           <a:stretch/>
         </p:blipFill>
         <p:spPr bwMode="auto">
           <a:xfrm flipH="0" flipV="0">
-            <a:off x="-226858" y="3229840"/>
-            <a:ext cx="1347107" cy="1152524"/>
+            <a:off x="1066691" y="1749136"/>
+            <a:ext cx="7212285" cy="3804322"/>
           </a:xfrm>
           <a:prstGeom prst="rect">
             <a:avLst/>
@@ -16393,7 +17099,7 @@
       </p:pic>
       <p:pic>
         <p:nvPicPr>
-          <p:cNvPr id="1932164394" name=""/>
+          <p:cNvPr id="299697930" name=""/>
           <p:cNvPicPr>
             <a:picLocks noChangeAspect="1"/>
           </p:cNvPicPr>
@@ -16401,60 +17107,18 @@
         </p:nvPicPr>
         <p:blipFill>
           <a:blip r:embed="rId8"/>
-          <a:srcRect l="-33020" t="0" r="33020" b="0"/>
           <a:stretch/>
         </p:blipFill>
         <p:spPr bwMode="auto">
           <a:xfrm flipH="0" flipV="0">
-            <a:off x="-2321252" y="1404687"/>
-            <a:ext cx="10204035" cy="4699971"/>
+            <a:off x="-38481" y="2336871"/>
+            <a:ext cx="970352" cy="830190"/>
           </a:xfrm>
           <a:prstGeom prst="rect">
             <a:avLst/>
           </a:prstGeom>
         </p:spPr>
       </p:pic>
-      <p:sp>
-        <p:nvSpPr>
-          <p:cNvPr id="1364167240" name=""/>
-          <p:cNvSpPr/>
-          <p:nvPr/>
-        </p:nvSpPr>
-        <p:spPr bwMode="auto">
-          <a:xfrm rot="0" flipH="0" flipV="0">
-            <a:off x="2704110" y="1956474"/>
-            <a:ext cx="1059482" cy="813025"/>
-          </a:xfrm>
-          <a:prstGeom prst="roundRect">
-            <a:avLst>
-              <a:gd name="adj" fmla="val 16667"/>
-            </a:avLst>
-          </a:prstGeom>
-          <a:noFill/>
-          <a:ln w="57150" cap="flat" cmpd="sng" algn="ctr">
-            <a:solidFill>
-              <a:srgbClr val="FF0000">
-                <a:alpha val="57000"/>
-              </a:srgbClr>
-            </a:solidFill>
-            <a:prstDash val="solid"/>
-          </a:ln>
-        </p:spPr>
-        <p:style>
-          <a:lnRef idx="1">
-            <a:schemeClr val="accent1"/>
-          </a:lnRef>
-          <a:fillRef idx="3">
-            <a:schemeClr val="accent1"/>
-          </a:fillRef>
-          <a:effectRef idx="2">
-            <a:schemeClr val="accent1"/>
-          </a:effectRef>
-          <a:fontRef idx="minor">
-            <a:schemeClr val="lt1"/>
-          </a:fontRef>
-        </p:style>
-      </p:sp>
     </p:spTree>
   </p:cSld>
   <p:clrMapOvr>
@@ -17069,7 +17733,7 @@
       </p:grpSpPr>
       <p:sp>
         <p:nvSpPr>
-          <p:cNvPr id="1926160753" name="Text Placeholder 1"/>
+          <p:cNvPr id="413752923" name="Text Placeholder 1"/>
           <p:cNvSpPr>
             <a:spLocks noGrp="1"/>
           </p:cNvSpPr>
@@ -17095,7 +17759,7 @@
       </p:sp>
       <p:sp>
         <p:nvSpPr>
-          <p:cNvPr id="2042502778" name="Content Placeholder 2"/>
+          <p:cNvPr id="1872370923" name="Content Placeholder 2"/>
           <p:cNvSpPr>
             <a:spLocks noGrp="1"/>
           </p:cNvSpPr>
@@ -17128,7 +17792,7 @@
       </p:sp>
       <p:pic>
         <p:nvPicPr>
-          <p:cNvPr id="1477775189" name=""/>
+          <p:cNvPr id="663053873" name=""/>
           <p:cNvPicPr>
             <a:picLocks noChangeAspect="1"/>
           </p:cNvPicPr>
@@ -17150,7 +17814,7 @@
       </p:pic>
       <p:sp>
         <p:nvSpPr>
-          <p:cNvPr id="565883307" name=""/>
+          <p:cNvPr id="1111569256" name=""/>
           <p:cNvSpPr txBox="1"/>
           <p:nvPr/>
         </p:nvSpPr>
@@ -17182,7 +17846,7 @@
       </p:sp>
       <p:pic>
         <p:nvPicPr>
-          <p:cNvPr id="221904924" name=""/>
+          <p:cNvPr id="835670711" name=""/>
           <p:cNvPicPr>
             <a:picLocks noChangeAspect="1"/>
           </p:cNvPicPr>
@@ -17204,7 +17868,7 @@
       </p:pic>
       <p:pic>
         <p:nvPicPr>
-          <p:cNvPr id="1405808394" name=""/>
+          <p:cNvPr id="1590564960" name=""/>
           <p:cNvPicPr>
             <a:picLocks noChangeAspect="1"/>
           </p:cNvPicPr>
@@ -17226,7 +17890,7 @@
       </p:pic>
       <p:sp>
         <p:nvSpPr>
-          <p:cNvPr id="423586705" name=""/>
+          <p:cNvPr id="864824677" name=""/>
           <p:cNvSpPr txBox="1"/>
           <p:nvPr/>
         </p:nvSpPr>
@@ -17298,7 +17962,7 @@
       </p:grpSpPr>
       <p:pic>
         <p:nvPicPr>
-          <p:cNvPr id="1693464347" name=""/>
+          <p:cNvPr id="2015934547" name=""/>
           <p:cNvPicPr>
             <a:picLocks noChangeAspect="1"/>
           </p:cNvPicPr>
@@ -17320,7 +17984,7 @@
       </p:pic>
       <p:sp>
         <p:nvSpPr>
-          <p:cNvPr id="1162393064" name=""/>
+          <p:cNvPr id="2068853895" name=""/>
           <p:cNvSpPr txBox="1"/>
           <p:nvPr/>
         </p:nvSpPr>
@@ -17348,7 +18012,7 @@
       </p:sp>
       <p:pic>
         <p:nvPicPr>
-          <p:cNvPr id="517441167" name=""/>
+          <p:cNvPr id="1365967489" name=""/>
           <p:cNvPicPr>
             <a:picLocks noChangeAspect="1"/>
           </p:cNvPicPr>
@@ -17370,7 +18034,7 @@
       </p:pic>
       <p:pic>
         <p:nvPicPr>
-          <p:cNvPr id="818615697" name=""/>
+          <p:cNvPr id="2141307353" name=""/>
           <p:cNvPicPr>
             <a:picLocks noChangeAspect="1"/>
           </p:cNvPicPr>
@@ -17392,7 +18056,7 @@
       </p:pic>
       <p:pic>
         <p:nvPicPr>
-          <p:cNvPr id="1214943930" name=""/>
+          <p:cNvPr id="879808548" name=""/>
           <p:cNvPicPr>
             <a:picLocks noChangeAspect="1"/>
           </p:cNvPicPr>
@@ -17414,7 +18078,7 @@
       </p:pic>
       <p:pic>
         <p:nvPicPr>
-          <p:cNvPr id="503257475" name=""/>
+          <p:cNvPr id="1567307432" name=""/>
           <p:cNvPicPr>
             <a:picLocks noChangeAspect="1"/>
           </p:cNvPicPr>
@@ -17436,7 +18100,7 @@
       </p:pic>
       <p:pic>
         <p:nvPicPr>
-          <p:cNvPr id="411775133" name=""/>
+          <p:cNvPr id="716081540" name=""/>
           <p:cNvPicPr>
             <a:picLocks noChangeAspect="1"/>
           </p:cNvPicPr>
@@ -17458,7 +18122,7 @@
       </p:pic>
       <p:pic>
         <p:nvPicPr>
-          <p:cNvPr id="187830144" name=""/>
+          <p:cNvPr id="1988905212" name=""/>
           <p:cNvPicPr>
             <a:picLocks noChangeAspect="1"/>
           </p:cNvPicPr>
@@ -17480,7 +18144,7 @@
       </p:pic>
       <p:pic>
         <p:nvPicPr>
-          <p:cNvPr id="740079300" name=""/>
+          <p:cNvPr id="951022497" name=""/>
           <p:cNvPicPr>
             <a:picLocks noChangeAspect="1"/>
           </p:cNvPicPr>
@@ -17502,7 +18166,7 @@
       </p:pic>
       <p:pic>
         <p:nvPicPr>
-          <p:cNvPr id="1710769956" name=""/>
+          <p:cNvPr id="454488305" name=""/>
           <p:cNvPicPr>
             <a:picLocks noChangeAspect="1"/>
           </p:cNvPicPr>
@@ -17524,7 +18188,7 @@
       </p:pic>
       <p:pic>
         <p:nvPicPr>
-          <p:cNvPr id="119495730" name=""/>
+          <p:cNvPr id="731225106" name=""/>
           <p:cNvPicPr>
             <a:picLocks noChangeAspect="1"/>
           </p:cNvPicPr>
@@ -17546,7 +18210,7 @@
       </p:pic>
       <p:pic>
         <p:nvPicPr>
-          <p:cNvPr id="711727422" name=""/>
+          <p:cNvPr id="123368313" name=""/>
           <p:cNvPicPr>
             <a:picLocks noChangeAspect="1"/>
           </p:cNvPicPr>
@@ -17568,7 +18232,7 @@
       </p:pic>
       <p:sp>
         <p:nvSpPr>
-          <p:cNvPr id="1220610414" name="Text Placeholder 1"/>
+          <p:cNvPr id="1644937614" name="Text Placeholder 1"/>
           <p:cNvSpPr>
             <a:spLocks noGrp="1"/>
           </p:cNvSpPr>
@@ -17599,7 +18263,7 @@
       </p:sp>
       <p:pic>
         <p:nvPicPr>
-          <p:cNvPr id="1520023947" name="Picture 679748627"/>
+          <p:cNvPr id="1404418517" name="Picture 679748627"/>
           <p:cNvPicPr>
             <a:picLocks noChangeAspect="1"/>
           </p:cNvPicPr>
@@ -17865,7 +18529,7 @@
       </p:grpSpPr>
       <p:pic>
         <p:nvPicPr>
-          <p:cNvPr id="918604244" name=""/>
+          <p:cNvPr id="2034641840" name=""/>
           <p:cNvPicPr>
             <a:picLocks noChangeAspect="1"/>
           </p:cNvPicPr>
@@ -17887,7 +18551,7 @@
       </p:pic>
       <p:sp>
         <p:nvSpPr>
-          <p:cNvPr id="36453206" name=""/>
+          <p:cNvPr id="880732579" name=""/>
           <p:cNvSpPr txBox="1"/>
           <p:nvPr/>
         </p:nvSpPr>
@@ -17915,7 +18579,7 @@
       </p:sp>
       <p:pic>
         <p:nvPicPr>
-          <p:cNvPr id="542552502" name=""/>
+          <p:cNvPr id="1708430783" name=""/>
           <p:cNvPicPr>
             <a:picLocks noChangeAspect="1"/>
           </p:cNvPicPr>
@@ -17937,7 +18601,7 @@
       </p:pic>
       <p:pic>
         <p:nvPicPr>
-          <p:cNvPr id="2136735653" name=""/>
+          <p:cNvPr id="68516197" name=""/>
           <p:cNvPicPr>
             <a:picLocks noChangeAspect="1"/>
           </p:cNvPicPr>
@@ -17959,7 +18623,7 @@
       </p:pic>
       <p:pic>
         <p:nvPicPr>
-          <p:cNvPr id="1441756254" name=""/>
+          <p:cNvPr id="490161938" name=""/>
           <p:cNvPicPr>
             <a:picLocks noChangeAspect="1"/>
           </p:cNvPicPr>
@@ -17981,7 +18645,7 @@
       </p:pic>
       <p:pic>
         <p:nvPicPr>
-          <p:cNvPr id="1434697268" name=""/>
+          <p:cNvPr id="1319363666" name=""/>
           <p:cNvPicPr>
             <a:picLocks noChangeAspect="1"/>
           </p:cNvPicPr>
@@ -18003,7 +18667,7 @@
       </p:pic>
       <p:pic>
         <p:nvPicPr>
-          <p:cNvPr id="1194475690" name=""/>
+          <p:cNvPr id="546089003" name=""/>
           <p:cNvPicPr>
             <a:picLocks noChangeAspect="1"/>
           </p:cNvPicPr>
@@ -18025,7 +18689,7 @@
       </p:pic>
       <p:pic>
         <p:nvPicPr>
-          <p:cNvPr id="1046104394" name=""/>
+          <p:cNvPr id="515170573" name=""/>
           <p:cNvPicPr>
             <a:picLocks noChangeAspect="1"/>
           </p:cNvPicPr>
@@ -18047,7 +18711,7 @@
       </p:pic>
       <p:pic>
         <p:nvPicPr>
-          <p:cNvPr id="1112635114" name=""/>
+          <p:cNvPr id="2104836292" name=""/>
           <p:cNvPicPr>
             <a:picLocks noChangeAspect="1"/>
           </p:cNvPicPr>
@@ -18069,7 +18733,7 @@
       </p:pic>
       <p:pic>
         <p:nvPicPr>
-          <p:cNvPr id="1634230763" name=""/>
+          <p:cNvPr id="271452148" name=""/>
           <p:cNvPicPr>
             <a:picLocks noChangeAspect="1"/>
           </p:cNvPicPr>
@@ -18091,7 +18755,7 @@
       </p:pic>
       <p:pic>
         <p:nvPicPr>
-          <p:cNvPr id="1572877797" name=""/>
+          <p:cNvPr id="298651701" name=""/>
           <p:cNvPicPr>
             <a:picLocks noChangeAspect="1"/>
           </p:cNvPicPr>
@@ -18113,7 +18777,7 @@
       </p:pic>
       <p:pic>
         <p:nvPicPr>
-          <p:cNvPr id="1541539834" name=""/>
+          <p:cNvPr id="1094156117" name=""/>
           <p:cNvPicPr>
             <a:picLocks noChangeAspect="1"/>
           </p:cNvPicPr>
@@ -18135,7 +18799,7 @@
       </p:pic>
       <p:sp>
         <p:nvSpPr>
-          <p:cNvPr id="1569107472" name="Text Placeholder 1"/>
+          <p:cNvPr id="2056126714" name="Text Placeholder 1"/>
           <p:cNvSpPr>
             <a:spLocks noGrp="1"/>
           </p:cNvSpPr>
@@ -18166,7 +18830,7 @@
       </p:sp>
       <p:pic>
         <p:nvPicPr>
-          <p:cNvPr id="1220562402" name="Picture 679748627"/>
+          <p:cNvPr id="1229184763" name="Picture 679748627"/>
           <p:cNvPicPr>
             <a:picLocks noChangeAspect="1"/>
           </p:cNvPicPr>
@@ -18225,7 +18889,7 @@
       </p:grpSpPr>
       <p:sp>
         <p:nvSpPr>
-          <p:cNvPr id="1071498455" name=""/>
+          <p:cNvPr id="1885714173" name=""/>
           <p:cNvSpPr txBox="1"/>
           <p:nvPr/>
         </p:nvSpPr>
@@ -18253,7 +18917,7 @@
       </p:sp>
       <p:pic>
         <p:nvPicPr>
-          <p:cNvPr id="417705772" name=""/>
+          <p:cNvPr id="925914121" name=""/>
           <p:cNvPicPr>
             <a:picLocks noChangeAspect="1"/>
           </p:cNvPicPr>
@@ -18275,7 +18939,7 @@
       </p:pic>
       <p:sp>
         <p:nvSpPr>
-          <p:cNvPr id="1164963182" name="Text Placeholder 1"/>
+          <p:cNvPr id="1460801841" name="Text Placeholder 1"/>
           <p:cNvSpPr>
             <a:spLocks noGrp="1"/>
           </p:cNvSpPr>
@@ -18315,7 +18979,7 @@
       </p:sp>
       <p:pic>
         <p:nvPicPr>
-          <p:cNvPr id="1559445601" name="Picture 679748627"/>
+          <p:cNvPr id="367932368" name="Picture 679748627"/>
           <p:cNvPicPr>
             <a:picLocks noChangeAspect="1"/>
           </p:cNvPicPr>
@@ -18337,7 +19001,7 @@
       </p:pic>
       <p:pic>
         <p:nvPicPr>
-          <p:cNvPr id="2062710664" name=""/>
+          <p:cNvPr id="834611444" name=""/>
           <p:cNvPicPr>
             <a:picLocks noChangeAspect="1"/>
           </p:cNvPicPr>
@@ -18439,7 +19103,7 @@
       </p:grpSpPr>
       <p:sp>
         <p:nvSpPr>
-          <p:cNvPr id="287447085" name=""/>
+          <p:cNvPr id="1451842141" name=""/>
           <p:cNvSpPr txBox="1"/>
           <p:nvPr/>
         </p:nvSpPr>
@@ -18467,7 +19131,7 @@
       </p:sp>
       <p:pic>
         <p:nvPicPr>
-          <p:cNvPr id="2142975008" name=""/>
+          <p:cNvPr id="1036949224" name=""/>
           <p:cNvPicPr>
             <a:picLocks noChangeAspect="1"/>
           </p:cNvPicPr>
@@ -18489,7 +19153,7 @@
       </p:pic>
       <p:pic>
         <p:nvPicPr>
-          <p:cNvPr id="1828229880" name="Picture 679748627"/>
+          <p:cNvPr id="1552675679" name="Picture 679748627"/>
           <p:cNvPicPr>
             <a:picLocks noChangeAspect="1"/>
           </p:cNvPicPr>
@@ -18511,7 +19175,7 @@
       </p:pic>
       <p:pic>
         <p:nvPicPr>
-          <p:cNvPr id="1390642813" name=""/>
+          <p:cNvPr id="233223170" name=""/>
           <p:cNvPicPr>
             <a:picLocks noChangeAspect="1"/>
           </p:cNvPicPr>
@@ -18533,7 +19197,7 @@
       </p:pic>
       <p:pic>
         <p:nvPicPr>
-          <p:cNvPr id="1013339181" name=""/>
+          <p:cNvPr id="1866337633" name=""/>
           <p:cNvPicPr>
             <a:picLocks noChangeAspect="1"/>
           </p:cNvPicPr>
@@ -18555,7 +19219,7 @@
       </p:pic>
       <p:sp>
         <p:nvSpPr>
-          <p:cNvPr id="2037116750" name="Text Placeholder 1"/>
+          <p:cNvPr id="2053736292" name="Text Placeholder 1"/>
           <p:cNvSpPr>
             <a:spLocks noGrp="1"/>
           </p:cNvSpPr>
@@ -18874,7 +19538,7 @@
       </p:grpSpPr>
       <p:sp>
         <p:nvSpPr>
-          <p:cNvPr id="663855668" name=""/>
+          <p:cNvPr id="2102937760" name=""/>
           <p:cNvSpPr txBox="1"/>
           <p:nvPr/>
         </p:nvSpPr>
@@ -18902,7 +19566,7 @@
       </p:sp>
       <p:pic>
         <p:nvPicPr>
-          <p:cNvPr id="181451330" name=""/>
+          <p:cNvPr id="1435199327" name=""/>
           <p:cNvPicPr>
             <a:picLocks noChangeAspect="1"/>
           </p:cNvPicPr>
@@ -18924,7 +19588,7 @@
       </p:pic>
       <p:pic>
         <p:nvPicPr>
-          <p:cNvPr id="1274146203" name="Picture 679748627"/>
+          <p:cNvPr id="909461045" name="Picture 679748627"/>
           <p:cNvPicPr>
             <a:picLocks noChangeAspect="1"/>
           </p:cNvPicPr>
@@ -18946,7 +19610,7 @@
       </p:pic>
       <p:pic>
         <p:nvPicPr>
-          <p:cNvPr id="274899468" name=""/>
+          <p:cNvPr id="1899208232" name=""/>
           <p:cNvPicPr>
             <a:picLocks noChangeAspect="1"/>
           </p:cNvPicPr>
@@ -18968,7 +19632,7 @@
       </p:pic>
       <p:pic>
         <p:nvPicPr>
-          <p:cNvPr id="1336355247" name=""/>
+          <p:cNvPr id="1326040622" name=""/>
           <p:cNvPicPr>
             <a:picLocks noChangeAspect="1"/>
           </p:cNvPicPr>
@@ -18990,7 +19654,7 @@
       </p:pic>
       <p:pic>
         <p:nvPicPr>
-          <p:cNvPr id="1808092810" name=""/>
+          <p:cNvPr id="2046555102" name=""/>
           <p:cNvPicPr>
             <a:picLocks noChangeAspect="1"/>
           </p:cNvPicPr>
@@ -19013,7 +19677,7 @@
       </p:pic>
       <p:sp>
         <p:nvSpPr>
-          <p:cNvPr id="1071130424" name="Text Placeholder 1"/>
+          <p:cNvPr id="961702640" name="Text Placeholder 1"/>
           <p:cNvSpPr>
             <a:spLocks noGrp="1"/>
           </p:cNvSpPr>
@@ -19174,7 +19838,7 @@
       </p:grpSpPr>
       <p:sp>
         <p:nvSpPr>
-          <p:cNvPr id="915063227" name=""/>
+          <p:cNvPr id="949697900" name=""/>
           <p:cNvSpPr txBox="1"/>
           <p:nvPr/>
         </p:nvSpPr>
@@ -19202,7 +19866,7 @@
       </p:sp>
       <p:pic>
         <p:nvPicPr>
-          <p:cNvPr id="1559549293" name=""/>
+          <p:cNvPr id="489505616" name=""/>
           <p:cNvPicPr>
             <a:picLocks noChangeAspect="1"/>
           </p:cNvPicPr>
@@ -19224,7 +19888,7 @@
       </p:pic>
       <p:pic>
         <p:nvPicPr>
-          <p:cNvPr id="422607063" name="Picture 679748627"/>
+          <p:cNvPr id="463722379" name="Picture 679748627"/>
           <p:cNvPicPr>
             <a:picLocks noChangeAspect="1"/>
           </p:cNvPicPr>
@@ -19246,7 +19910,7 @@
       </p:pic>
       <p:pic>
         <p:nvPicPr>
-          <p:cNvPr id="348933427" name=""/>
+          <p:cNvPr id="703422806" name=""/>
           <p:cNvPicPr>
             <a:picLocks noChangeAspect="1"/>
           </p:cNvPicPr>
@@ -19268,7 +19932,7 @@
       </p:pic>
       <p:pic>
         <p:nvPicPr>
-          <p:cNvPr id="710779045" name=""/>
+          <p:cNvPr id="359222688" name=""/>
           <p:cNvPicPr>
             <a:picLocks noChangeAspect="1"/>
           </p:cNvPicPr>
@@ -19290,7 +19954,7 @@
       </p:pic>
       <p:pic>
         <p:nvPicPr>
-          <p:cNvPr id="1827568967" name=""/>
+          <p:cNvPr id="2034283510" name=""/>
           <p:cNvPicPr>
             <a:picLocks noChangeAspect="1"/>
           </p:cNvPicPr>
@@ -19313,7 +19977,7 @@
       </p:pic>
       <p:pic>
         <p:nvPicPr>
-          <p:cNvPr id="2116042461" name=""/>
+          <p:cNvPr id="1597178345" name=""/>
           <p:cNvPicPr>
             <a:picLocks noChangeAspect="1"/>
           </p:cNvPicPr>
@@ -19336,7 +20000,7 @@
       </p:pic>
       <p:sp>
         <p:nvSpPr>
-          <p:cNvPr id="126527425" name="Text Placeholder 1"/>
+          <p:cNvPr id="1765009156" name="Text Placeholder 1"/>
           <p:cNvSpPr>
             <a:spLocks noGrp="1"/>
           </p:cNvSpPr>
@@ -19539,7 +20203,7 @@
       </p:grpSpPr>
       <p:sp>
         <p:nvSpPr>
-          <p:cNvPr id="1005619382" name=""/>
+          <p:cNvPr id="1208704806" name=""/>
           <p:cNvSpPr txBox="1"/>
           <p:nvPr/>
         </p:nvSpPr>
@@ -19567,7 +20231,7 @@
       </p:sp>
       <p:pic>
         <p:nvPicPr>
-          <p:cNvPr id="806322437" name=""/>
+          <p:cNvPr id="1451039633" name=""/>
           <p:cNvPicPr>
             <a:picLocks noChangeAspect="1"/>
           </p:cNvPicPr>
@@ -19589,7 +20253,7 @@
       </p:pic>
       <p:sp>
         <p:nvSpPr>
-          <p:cNvPr id="1766198548" name="Text Placeholder 1"/>
+          <p:cNvPr id="1001170090" name="Text Placeholder 1"/>
           <p:cNvSpPr>
             <a:spLocks noGrp="1"/>
           </p:cNvSpPr>
@@ -19620,7 +20284,7 @@
       </p:sp>
       <p:pic>
         <p:nvPicPr>
-          <p:cNvPr id="1942196417" name="Picture 679748627"/>
+          <p:cNvPr id="1467613028" name="Picture 679748627"/>
           <p:cNvPicPr>
             <a:picLocks noChangeAspect="1"/>
           </p:cNvPicPr>
@@ -19642,7 +20306,7 @@
       </p:pic>
       <p:pic>
         <p:nvPicPr>
-          <p:cNvPr id="1284227529" name=""/>
+          <p:cNvPr id="1911974588" name=""/>
           <p:cNvPicPr>
             <a:picLocks noChangeAspect="1"/>
           </p:cNvPicPr>
@@ -19664,7 +20328,7 @@
       </p:pic>
       <p:pic>
         <p:nvPicPr>
-          <p:cNvPr id="254129067" name=""/>
+          <p:cNvPr id="52636913" name=""/>
           <p:cNvPicPr>
             <a:picLocks noChangeAspect="1"/>
           </p:cNvPicPr>
@@ -19686,7 +20350,7 @@
       </p:pic>
       <p:pic>
         <p:nvPicPr>
-          <p:cNvPr id="759794535" name=""/>
+          <p:cNvPr id="670940832" name=""/>
           <p:cNvPicPr>
             <a:picLocks noChangeAspect="1"/>
           </p:cNvPicPr>
@@ -19709,7 +20373,7 @@
       </p:pic>
       <p:pic>
         <p:nvPicPr>
-          <p:cNvPr id="1961283800" name=""/>
+          <p:cNvPr id="300993206" name=""/>
           <p:cNvPicPr>
             <a:picLocks noChangeAspect="1"/>
           </p:cNvPicPr>

--- a/docs/tesi/MSE_Master Thesis_Presentation_AlessioTommasi PostIncontro.pptx
+++ b/docs/tesi/MSE_Master Thesis_Presentation_AlessioTommasi PostIncontro.pptx
@@ -195,7 +195,7 @@
       </p:grpSpPr>
       <p:sp>
         <p:nvSpPr>
-          <p:cNvPr id="869295509" name="Rectangle 2"/>
+          <p:cNvPr id="1856715388" name="Rectangle 2"/>
           <p:cNvSpPr>
             <a:spLocks noChangeArrowheads="1" noGrp="1"/>
           </p:cNvSpPr>
@@ -242,7 +242,7 @@
       </p:sp>
       <p:sp>
         <p:nvSpPr>
-          <p:cNvPr id="1726405856" name="Rectangle 3"/>
+          <p:cNvPr id="705057203" name="Rectangle 3"/>
           <p:cNvSpPr>
             <a:spLocks noChangeArrowheads="1" noGrp="1"/>
           </p:cNvSpPr>
@@ -289,7 +289,7 @@
       </p:sp>
       <p:sp>
         <p:nvSpPr>
-          <p:cNvPr id="1650489659" name="Rectangle 4"/>
+          <p:cNvPr id="480924359" name="Rectangle 4"/>
           <p:cNvSpPr>
             <a:spLocks noChangeArrowheads="1" noChangeAspect="1" noGrp="1" noRot="1" noTextEdit="1"/>
           </p:cNvSpPr>
@@ -318,7 +318,7 @@
       </p:sp>
       <p:sp>
         <p:nvSpPr>
-          <p:cNvPr id="863706853" name="Rectangle 5"/>
+          <p:cNvPr id="2085880551" name="Rectangle 5"/>
           <p:cNvSpPr>
             <a:spLocks noChangeArrowheads="1" noGrp="1"/>
           </p:cNvSpPr>
@@ -402,7 +402,7 @@
       </p:sp>
       <p:sp>
         <p:nvSpPr>
-          <p:cNvPr id="1514872513" name="Rectangle 6"/>
+          <p:cNvPr id="1636062041" name="Rectangle 6"/>
           <p:cNvSpPr>
             <a:spLocks noChangeArrowheads="1" noGrp="1"/>
           </p:cNvSpPr>
@@ -449,7 +449,7 @@
       </p:sp>
       <p:sp>
         <p:nvSpPr>
-          <p:cNvPr id="1196413433" name="Rectangle 7"/>
+          <p:cNvPr id="1831212614" name="Rectangle 7"/>
           <p:cNvSpPr>
             <a:spLocks noChangeArrowheads="1" noGrp="1"/>
           </p:cNvSpPr>
@@ -643,7 +643,7 @@
       </p:grpSpPr>
       <p:sp>
         <p:nvSpPr>
-          <p:cNvPr id="1204451698" name="Slide Image Placeholder 1"/>
+          <p:cNvPr id="2031118715" name="Slide Image Placeholder 1"/>
           <p:cNvSpPr>
             <a:spLocks noChangeAspect="1" noGrp="1" noRot="1"/>
           </p:cNvSpPr>
@@ -655,7 +655,7 @@
       </p:sp>
       <p:sp>
         <p:nvSpPr>
-          <p:cNvPr id="44580921" name="Notes Placeholder 2"/>
+          <p:cNvPr id="51498329" name="Notes Placeholder 2"/>
           <p:cNvSpPr>
             <a:spLocks noGrp="1"/>
           </p:cNvSpPr>
@@ -758,7 +758,7 @@
       </p:sp>
       <p:sp>
         <p:nvSpPr>
-          <p:cNvPr id="1780224733" name="Slide Number Placeholder 3"/>
+          <p:cNvPr id="1550428364" name="Slide Number Placeholder 3"/>
           <p:cNvSpPr>
             <a:spLocks noGrp="1"/>
           </p:cNvSpPr>
@@ -809,7 +809,7 @@
       </p:grpSpPr>
       <p:sp>
         <p:nvSpPr>
-          <p:cNvPr id="949030959" name="Segnaposto immagine diapositiva 1"/>
+          <p:cNvPr id="53847572" name="Segnaposto immagine diapositiva 1"/>
           <p:cNvSpPr>
             <a:spLocks noChangeAspect="1" noGrp="1" noRot="1"/>
           </p:cNvSpPr>
@@ -821,7 +821,7 @@
       </p:sp>
       <p:sp>
         <p:nvSpPr>
-          <p:cNvPr id="220739484" name="Segnaposto note 2"/>
+          <p:cNvPr id="2115420615" name="Segnaposto note 2"/>
           <p:cNvSpPr>
             <a:spLocks noGrp="1"/>
           </p:cNvSpPr>
@@ -961,7 +961,7 @@
       </p:sp>
       <p:sp>
         <p:nvSpPr>
-          <p:cNvPr id="1636359548" name="Segnaposto numero diapositiva 3"/>
+          <p:cNvPr id="463056442" name="Segnaposto numero diapositiva 3"/>
           <p:cNvSpPr>
             <a:spLocks noGrp="1"/>
           </p:cNvSpPr>
@@ -1012,7 +1012,7 @@
       </p:grpSpPr>
       <p:sp>
         <p:nvSpPr>
-          <p:cNvPr id="816913814" name="Segnaposto immagine diapositiva 1"/>
+          <p:cNvPr id="37070437" name="Segnaposto immagine diapositiva 1"/>
           <p:cNvSpPr>
             <a:spLocks noChangeAspect="1" noGrp="1" noRot="1"/>
           </p:cNvSpPr>
@@ -1024,7 +1024,7 @@
       </p:sp>
       <p:sp>
         <p:nvSpPr>
-          <p:cNvPr id="9182215" name="Segnaposto note 2"/>
+          <p:cNvPr id="384508865" name="Segnaposto note 2"/>
           <p:cNvSpPr>
             <a:spLocks noGrp="1"/>
           </p:cNvSpPr>
@@ -1172,7 +1172,7 @@
       </p:sp>
       <p:sp>
         <p:nvSpPr>
-          <p:cNvPr id="648809913" name="Segnaposto numero diapositiva 3"/>
+          <p:cNvPr id="1103829922" name="Segnaposto numero diapositiva 3"/>
           <p:cNvSpPr>
             <a:spLocks noGrp="1"/>
           </p:cNvSpPr>
@@ -1223,7 +1223,7 @@
       </p:grpSpPr>
       <p:sp>
         <p:nvSpPr>
-          <p:cNvPr id="1752842860" name="Segnaposto immagine diapositiva 1"/>
+          <p:cNvPr id="1495175413" name="Segnaposto immagine diapositiva 1"/>
           <p:cNvSpPr>
             <a:spLocks noChangeAspect="1" noGrp="1" noRot="1"/>
           </p:cNvSpPr>
@@ -1235,7 +1235,7 @@
       </p:sp>
       <p:sp>
         <p:nvSpPr>
-          <p:cNvPr id="2020655945" name="Segnaposto note 2"/>
+          <p:cNvPr id="1164680787" name="Segnaposto note 2"/>
           <p:cNvSpPr>
             <a:spLocks noGrp="1"/>
           </p:cNvSpPr>
@@ -1352,7 +1352,7 @@
       </p:sp>
       <p:sp>
         <p:nvSpPr>
-          <p:cNvPr id="398757837" name="Segnaposto numero diapositiva 3"/>
+          <p:cNvPr id="561836694" name="Segnaposto numero diapositiva 3"/>
           <p:cNvSpPr>
             <a:spLocks noGrp="1"/>
           </p:cNvSpPr>
@@ -1403,7 +1403,7 @@
       </p:grpSpPr>
       <p:sp>
         <p:nvSpPr>
-          <p:cNvPr id="472253600" name="Segnaposto immagine diapositiva 1"/>
+          <p:cNvPr id="876802277" name="Segnaposto immagine diapositiva 1"/>
           <p:cNvSpPr>
             <a:spLocks noChangeAspect="1" noGrp="1" noRot="1"/>
           </p:cNvSpPr>
@@ -1415,7 +1415,7 @@
       </p:sp>
       <p:sp>
         <p:nvSpPr>
-          <p:cNvPr id="1095512063" name="Segnaposto note 2"/>
+          <p:cNvPr id="814686101" name="Segnaposto note 2"/>
           <p:cNvSpPr>
             <a:spLocks noGrp="1"/>
           </p:cNvSpPr>
@@ -1836,7 +1836,7 @@
       </p:sp>
       <p:sp>
         <p:nvSpPr>
-          <p:cNvPr id="1567590743" name="Segnaposto numero diapositiva 3"/>
+          <p:cNvPr id="839231721" name="Segnaposto numero diapositiva 3"/>
           <p:cNvSpPr>
             <a:spLocks noGrp="1"/>
           </p:cNvSpPr>
@@ -1887,7 +1887,7 @@
       </p:grpSpPr>
       <p:sp>
         <p:nvSpPr>
-          <p:cNvPr id="726688134" name="Segnaposto immagine diapositiva 1"/>
+          <p:cNvPr id="1141521740" name="Segnaposto immagine diapositiva 1"/>
           <p:cNvSpPr>
             <a:spLocks noChangeAspect="1" noGrp="1" noRot="1"/>
           </p:cNvSpPr>
@@ -1899,7 +1899,7 @@
       </p:sp>
       <p:sp>
         <p:nvSpPr>
-          <p:cNvPr id="1894714082" name="Segnaposto note 2"/>
+          <p:cNvPr id="2035142893" name="Segnaposto note 2"/>
           <p:cNvSpPr>
             <a:spLocks noGrp="1"/>
           </p:cNvSpPr>
@@ -2492,7 +2492,7 @@
       </p:sp>
       <p:sp>
         <p:nvSpPr>
-          <p:cNvPr id="879790554" name="Segnaposto numero diapositiva 3"/>
+          <p:cNvPr id="278565174" name="Segnaposto numero diapositiva 3"/>
           <p:cNvSpPr>
             <a:spLocks noGrp="1"/>
           </p:cNvSpPr>
@@ -2543,7 +2543,7 @@
       </p:grpSpPr>
       <p:sp>
         <p:nvSpPr>
-          <p:cNvPr id="565680897" name="Segnaposto immagine diapositiva 1"/>
+          <p:cNvPr id="1952851624" name="Segnaposto immagine diapositiva 1"/>
           <p:cNvSpPr>
             <a:spLocks noChangeAspect="1" noGrp="1" noRot="1"/>
           </p:cNvSpPr>
@@ -2555,7 +2555,7 @@
       </p:sp>
       <p:sp>
         <p:nvSpPr>
-          <p:cNvPr id="1465096111" name="Segnaposto note 2"/>
+          <p:cNvPr id="2116765465" name="Segnaposto note 2"/>
           <p:cNvSpPr>
             <a:spLocks noGrp="1"/>
           </p:cNvSpPr>
@@ -2768,7 +2768,7 @@
       </p:sp>
       <p:sp>
         <p:nvSpPr>
-          <p:cNvPr id="892999552" name="Segnaposto numero diapositiva 3"/>
+          <p:cNvPr id="827031784" name="Segnaposto numero diapositiva 3"/>
           <p:cNvSpPr>
             <a:spLocks noGrp="1"/>
           </p:cNvSpPr>
@@ -2819,7 +2819,7 @@
       </p:grpSpPr>
       <p:sp>
         <p:nvSpPr>
-          <p:cNvPr id="2079067027" name="Segnaposto immagine diapositiva 1"/>
+          <p:cNvPr id="1454299583" name="Segnaposto immagine diapositiva 1"/>
           <p:cNvSpPr>
             <a:spLocks noChangeAspect="1" noGrp="1" noRot="1"/>
           </p:cNvSpPr>
@@ -2831,7 +2831,7 @@
       </p:sp>
       <p:sp>
         <p:nvSpPr>
-          <p:cNvPr id="279842394" name="Segnaposto note 2"/>
+          <p:cNvPr id="116097566" name="Segnaposto note 2"/>
           <p:cNvSpPr>
             <a:spLocks noGrp="1"/>
           </p:cNvSpPr>
@@ -2973,7 +2973,7 @@
       </p:sp>
       <p:sp>
         <p:nvSpPr>
-          <p:cNvPr id="53859893" name="Segnaposto numero diapositiva 3"/>
+          <p:cNvPr id="1250113818" name="Segnaposto numero diapositiva 3"/>
           <p:cNvSpPr>
             <a:spLocks noGrp="1"/>
           </p:cNvSpPr>
@@ -3024,7 +3024,7 @@
       </p:grpSpPr>
       <p:sp>
         <p:nvSpPr>
-          <p:cNvPr id="1147448251" name="Segnaposto immagine diapositiva 1"/>
+          <p:cNvPr id="981181552" name="Segnaposto immagine diapositiva 1"/>
           <p:cNvSpPr>
             <a:spLocks noChangeAspect="1" noGrp="1" noRot="1"/>
           </p:cNvSpPr>
@@ -3036,7 +3036,7 @@
       </p:sp>
       <p:sp>
         <p:nvSpPr>
-          <p:cNvPr id="649870329" name="Segnaposto note 2"/>
+          <p:cNvPr id="960048148" name="Segnaposto note 2"/>
           <p:cNvSpPr>
             <a:spLocks noGrp="1"/>
           </p:cNvSpPr>
@@ -3219,7 +3219,7 @@
       </p:sp>
       <p:sp>
         <p:nvSpPr>
-          <p:cNvPr id="1781095340" name="Segnaposto numero diapositiva 3"/>
+          <p:cNvPr id="942970685" name="Segnaposto numero diapositiva 3"/>
           <p:cNvSpPr>
             <a:spLocks noGrp="1"/>
           </p:cNvSpPr>
@@ -3270,7 +3270,7 @@
       </p:grpSpPr>
       <p:sp>
         <p:nvSpPr>
-          <p:cNvPr id="173786026" name="Segnaposto immagine diapositiva 1"/>
+          <p:cNvPr id="278097518" name="Segnaposto immagine diapositiva 1"/>
           <p:cNvSpPr>
             <a:spLocks noChangeAspect="1" noGrp="1" noRot="1"/>
           </p:cNvSpPr>
@@ -3282,7 +3282,7 @@
       </p:sp>
       <p:sp>
         <p:nvSpPr>
-          <p:cNvPr id="291931164" name="Segnaposto note 2"/>
+          <p:cNvPr id="388855870" name="Segnaposto note 2"/>
           <p:cNvSpPr>
             <a:spLocks noGrp="1"/>
           </p:cNvSpPr>
@@ -3412,7 +3412,7 @@
       </p:sp>
       <p:sp>
         <p:nvSpPr>
-          <p:cNvPr id="1481925812" name="Segnaposto numero diapositiva 3"/>
+          <p:cNvPr id="1931588563" name="Segnaposto numero diapositiva 3"/>
           <p:cNvSpPr>
             <a:spLocks noGrp="1"/>
           </p:cNvSpPr>
@@ -3463,7 +3463,7 @@
       </p:grpSpPr>
       <p:sp>
         <p:nvSpPr>
-          <p:cNvPr id="597703671" name="Segnaposto immagine diapositiva 1"/>
+          <p:cNvPr id="1822822171" name="Segnaposto immagine diapositiva 1"/>
           <p:cNvSpPr>
             <a:spLocks noChangeAspect="1" noGrp="1" noRot="1"/>
           </p:cNvSpPr>
@@ -3475,7 +3475,7 @@
       </p:sp>
       <p:sp>
         <p:nvSpPr>
-          <p:cNvPr id="501048487" name="Segnaposto note 2"/>
+          <p:cNvPr id="1737211865" name="Segnaposto note 2"/>
           <p:cNvSpPr>
             <a:spLocks noGrp="1"/>
           </p:cNvSpPr>
@@ -3766,7 +3766,7 @@
       </p:sp>
       <p:sp>
         <p:nvSpPr>
-          <p:cNvPr id="1742034077" name="Segnaposto numero diapositiva 3"/>
+          <p:cNvPr id="1066214332" name="Segnaposto numero diapositiva 3"/>
           <p:cNvSpPr>
             <a:spLocks noGrp="1"/>
           </p:cNvSpPr>
@@ -3817,7 +3817,7 @@
       </p:grpSpPr>
       <p:sp>
         <p:nvSpPr>
-          <p:cNvPr id="1266865394" name="Segnaposto immagine diapositiva 1"/>
+          <p:cNvPr id="1354362552" name="Segnaposto immagine diapositiva 1"/>
           <p:cNvSpPr>
             <a:spLocks noChangeAspect="1" noGrp="1" noRot="1"/>
           </p:cNvSpPr>
@@ -3829,7 +3829,7 @@
       </p:sp>
       <p:sp>
         <p:nvSpPr>
-          <p:cNvPr id="1445761584" name="Segnaposto note 2"/>
+          <p:cNvPr id="1390198422" name="Segnaposto note 2"/>
           <p:cNvSpPr>
             <a:spLocks noGrp="1"/>
           </p:cNvSpPr>
@@ -4120,7 +4120,7 @@
       </p:sp>
       <p:sp>
         <p:nvSpPr>
-          <p:cNvPr id="1046571348" name="Segnaposto numero diapositiva 3"/>
+          <p:cNvPr id="289113592" name="Segnaposto numero diapositiva 3"/>
           <p:cNvSpPr>
             <a:spLocks noGrp="1"/>
           </p:cNvSpPr>
@@ -4171,7 +4171,7 @@
       </p:grpSpPr>
       <p:sp>
         <p:nvSpPr>
-          <p:cNvPr id="94299534" name="Segnaposto immagine diapositiva 1"/>
+          <p:cNvPr id="1163227787" name="Segnaposto immagine diapositiva 1"/>
           <p:cNvSpPr>
             <a:spLocks noChangeAspect="1" noGrp="1" noRot="1"/>
           </p:cNvSpPr>
@@ -4183,7 +4183,7 @@
       </p:sp>
       <p:sp>
         <p:nvSpPr>
-          <p:cNvPr id="668945696" name="Segnaposto note 2"/>
+          <p:cNvPr id="2013395788" name="Segnaposto note 2"/>
           <p:cNvSpPr>
             <a:spLocks noGrp="1"/>
           </p:cNvSpPr>
@@ -4377,7 +4377,7 @@
       </p:sp>
       <p:sp>
         <p:nvSpPr>
-          <p:cNvPr id="67814004" name="Segnaposto numero diapositiva 3"/>
+          <p:cNvPr id="764317180" name="Segnaposto numero diapositiva 3"/>
           <p:cNvSpPr>
             <a:spLocks noGrp="1"/>
           </p:cNvSpPr>
@@ -4428,7 +4428,7 @@
       </p:grpSpPr>
       <p:sp>
         <p:nvSpPr>
-          <p:cNvPr id="1923711415" name="Segnaposto immagine diapositiva 1"/>
+          <p:cNvPr id="446021526" name="Segnaposto immagine diapositiva 1"/>
           <p:cNvSpPr>
             <a:spLocks noChangeAspect="1" noGrp="1" noRot="1"/>
           </p:cNvSpPr>
@@ -4440,7 +4440,7 @@
       </p:sp>
       <p:sp>
         <p:nvSpPr>
-          <p:cNvPr id="2117453426" name="Segnaposto note 2"/>
+          <p:cNvPr id="223907553" name="Segnaposto note 2"/>
           <p:cNvSpPr>
             <a:spLocks noGrp="1"/>
           </p:cNvSpPr>
@@ -4586,7 +4586,7 @@
       </p:sp>
       <p:sp>
         <p:nvSpPr>
-          <p:cNvPr id="1054602021" name="Segnaposto numero diapositiva 3"/>
+          <p:cNvPr id="1699951669" name="Segnaposto numero diapositiva 3"/>
           <p:cNvSpPr>
             <a:spLocks noGrp="1"/>
           </p:cNvSpPr>
@@ -4637,7 +4637,7 @@
       </p:grpSpPr>
       <p:sp>
         <p:nvSpPr>
-          <p:cNvPr id="1339495609" name="Segnaposto immagine diapositiva 1"/>
+          <p:cNvPr id="661283304" name="Segnaposto immagine diapositiva 1"/>
           <p:cNvSpPr>
             <a:spLocks noChangeAspect="1" noGrp="1" noRot="1"/>
           </p:cNvSpPr>
@@ -4649,7 +4649,7 @@
       </p:sp>
       <p:sp>
         <p:nvSpPr>
-          <p:cNvPr id="966086793" name="Segnaposto note 2"/>
+          <p:cNvPr id="406964198" name="Segnaposto note 2"/>
           <p:cNvSpPr>
             <a:spLocks noGrp="1"/>
           </p:cNvSpPr>
@@ -4802,7 +4802,7 @@
       </p:sp>
       <p:sp>
         <p:nvSpPr>
-          <p:cNvPr id="206828663" name="Segnaposto numero diapositiva 3"/>
+          <p:cNvPr id="1668199590" name="Segnaposto numero diapositiva 3"/>
           <p:cNvSpPr>
             <a:spLocks noGrp="1"/>
           </p:cNvSpPr>
@@ -6431,7 +6431,7 @@
       </p:grpSpPr>
       <p:sp>
         <p:nvSpPr>
-          <p:cNvPr id="885881540" name="Slide Image Placeholder 1"/>
+          <p:cNvPr id="1821448764" name="Slide Image Placeholder 1"/>
           <p:cNvSpPr>
             <a:spLocks noChangeAspect="1" noGrp="1" noRot="1"/>
           </p:cNvSpPr>
@@ -6443,7 +6443,7 @@
       </p:sp>
       <p:sp>
         <p:nvSpPr>
-          <p:cNvPr id="2132276944" name="Notes Placeholder 2"/>
+          <p:cNvPr id="2009021613" name="Notes Placeholder 2"/>
           <p:cNvSpPr>
             <a:spLocks noGrp="1"/>
           </p:cNvSpPr>
@@ -6570,7 +6570,7 @@
       </p:sp>
       <p:sp>
         <p:nvSpPr>
-          <p:cNvPr id="745167623" name="Slide Number Placeholder 3"/>
+          <p:cNvPr id="609926908" name="Slide Number Placeholder 3"/>
           <p:cNvSpPr>
             <a:spLocks noGrp="1"/>
           </p:cNvSpPr>
@@ -6621,7 +6621,7 @@
       </p:grpSpPr>
       <p:sp>
         <p:nvSpPr>
-          <p:cNvPr id="2046081630" name="Segnaposto immagine diapositiva 1"/>
+          <p:cNvPr id="260614314" name="Segnaposto immagine diapositiva 1"/>
           <p:cNvSpPr>
             <a:spLocks noChangeAspect="1" noGrp="1" noRot="1"/>
           </p:cNvSpPr>
@@ -6633,7 +6633,7 @@
       </p:sp>
       <p:sp>
         <p:nvSpPr>
-          <p:cNvPr id="366441196" name="Segnaposto note 2"/>
+          <p:cNvPr id="1962982040" name="Segnaposto note 2"/>
           <p:cNvSpPr>
             <a:spLocks noGrp="1"/>
           </p:cNvSpPr>
@@ -6849,7 +6849,7 @@
       </p:sp>
       <p:sp>
         <p:nvSpPr>
-          <p:cNvPr id="659828326" name="Segnaposto numero diapositiva 3"/>
+          <p:cNvPr id="1806958506" name="Segnaposto numero diapositiva 3"/>
           <p:cNvSpPr>
             <a:spLocks noGrp="1"/>
           </p:cNvSpPr>
@@ -6985,7 +6985,7 @@
       </p:grpSpPr>
       <p:sp>
         <p:nvSpPr>
-          <p:cNvPr id="415972012" name="Segnaposto immagine diapositiva 1"/>
+          <p:cNvPr id="489946721" name="Segnaposto immagine diapositiva 1"/>
           <p:cNvSpPr>
             <a:spLocks noChangeAspect="1" noGrp="1" noRot="1"/>
           </p:cNvSpPr>
@@ -6997,7 +6997,7 @@
       </p:sp>
       <p:sp>
         <p:nvSpPr>
-          <p:cNvPr id="714964948" name="Segnaposto note 2"/>
+          <p:cNvPr id="1614226485" name="Segnaposto note 2"/>
           <p:cNvSpPr>
             <a:spLocks noGrp="1"/>
           </p:cNvSpPr>
@@ -7238,7 +7238,7 @@
       </p:sp>
       <p:sp>
         <p:nvSpPr>
-          <p:cNvPr id="1607013945" name="Segnaposto numero diapositiva 3"/>
+          <p:cNvPr id="884593028" name="Segnaposto numero diapositiva 3"/>
           <p:cNvSpPr>
             <a:spLocks noGrp="1"/>
           </p:cNvSpPr>
@@ -7289,7 +7289,7 @@
       </p:grpSpPr>
       <p:sp>
         <p:nvSpPr>
-          <p:cNvPr id="2010366708" name="Segnaposto immagine diapositiva 1"/>
+          <p:cNvPr id="1204569436" name="Segnaposto immagine diapositiva 1"/>
           <p:cNvSpPr>
             <a:spLocks noChangeAspect="1" noGrp="1" noRot="1"/>
           </p:cNvSpPr>
@@ -7301,7 +7301,7 @@
       </p:sp>
       <p:sp>
         <p:nvSpPr>
-          <p:cNvPr id="1874637781" name="Segnaposto note 2"/>
+          <p:cNvPr id="1771984320" name="Segnaposto note 2"/>
           <p:cNvSpPr>
             <a:spLocks noGrp="1"/>
           </p:cNvSpPr>
@@ -7435,7 +7435,7 @@
       </p:sp>
       <p:sp>
         <p:nvSpPr>
-          <p:cNvPr id="1120389156" name="Segnaposto numero diapositiva 3"/>
+          <p:cNvPr id="559031404" name="Segnaposto numero diapositiva 3"/>
           <p:cNvSpPr>
             <a:spLocks noGrp="1"/>
           </p:cNvSpPr>
@@ -7486,7 +7486,7 @@
       </p:grpSpPr>
       <p:sp>
         <p:nvSpPr>
-          <p:cNvPr id="1633919467" name="Segnaposto immagine diapositiva 1"/>
+          <p:cNvPr id="1380109772" name="Segnaposto immagine diapositiva 1"/>
           <p:cNvSpPr>
             <a:spLocks noChangeAspect="1" noGrp="1" noRot="1"/>
           </p:cNvSpPr>
@@ -7498,7 +7498,7 @@
       </p:sp>
       <p:sp>
         <p:nvSpPr>
-          <p:cNvPr id="991586721" name="Segnaposto note 2"/>
+          <p:cNvPr id="933313251" name="Segnaposto note 2"/>
           <p:cNvSpPr>
             <a:spLocks noGrp="1"/>
           </p:cNvSpPr>
@@ -7662,7 +7662,7 @@
       </p:sp>
       <p:sp>
         <p:nvSpPr>
-          <p:cNvPr id="293654993" name="Segnaposto numero diapositiva 3"/>
+          <p:cNvPr id="2125280876" name="Segnaposto numero diapositiva 3"/>
           <p:cNvSpPr>
             <a:spLocks noGrp="1"/>
           </p:cNvSpPr>
@@ -7713,7 +7713,7 @@
       </p:grpSpPr>
       <p:sp>
         <p:nvSpPr>
-          <p:cNvPr id="1207517675" name="Segnaposto immagine diapositiva 1"/>
+          <p:cNvPr id="1463008597" name="Segnaposto immagine diapositiva 1"/>
           <p:cNvSpPr>
             <a:spLocks noChangeAspect="1" noGrp="1" noRot="1"/>
           </p:cNvSpPr>
@@ -7725,7 +7725,7 @@
       </p:sp>
       <p:sp>
         <p:nvSpPr>
-          <p:cNvPr id="1080981731" name="Segnaposto note 2"/>
+          <p:cNvPr id="1084309051" name="Segnaposto note 2"/>
           <p:cNvSpPr>
             <a:spLocks noGrp="1"/>
           </p:cNvSpPr>
@@ -7921,7 +7921,7 @@
       </p:sp>
       <p:sp>
         <p:nvSpPr>
-          <p:cNvPr id="562122813" name="Segnaposto numero diapositiva 3"/>
+          <p:cNvPr id="1750826885" name="Segnaposto numero diapositiva 3"/>
           <p:cNvSpPr>
             <a:spLocks noGrp="1"/>
           </p:cNvSpPr>
@@ -7972,7 +7972,7 @@
       </p:grpSpPr>
       <p:sp>
         <p:nvSpPr>
-          <p:cNvPr id="1455103317" name="Segnaposto immagine diapositiva 1"/>
+          <p:cNvPr id="2094952732" name="Segnaposto immagine diapositiva 1"/>
           <p:cNvSpPr>
             <a:spLocks noChangeAspect="1" noGrp="1" noRot="1"/>
           </p:cNvSpPr>
@@ -7984,7 +7984,7 @@
       </p:sp>
       <p:sp>
         <p:nvSpPr>
-          <p:cNvPr id="1307592264" name="Segnaposto note 2"/>
+          <p:cNvPr id="937730893" name="Segnaposto note 2"/>
           <p:cNvSpPr>
             <a:spLocks noGrp="1"/>
           </p:cNvSpPr>
@@ -8119,7 +8119,7 @@
       </p:sp>
       <p:sp>
         <p:nvSpPr>
-          <p:cNvPr id="1229134121" name="Segnaposto numero diapositiva 3"/>
+          <p:cNvPr id="1356241918" name="Segnaposto numero diapositiva 3"/>
           <p:cNvSpPr>
             <a:spLocks noGrp="1"/>
           </p:cNvSpPr>
@@ -8170,7 +8170,7 @@
       </p:grpSpPr>
       <p:sp>
         <p:nvSpPr>
-          <p:cNvPr id="1566769976" name="Segnaposto immagine diapositiva 1"/>
+          <p:cNvPr id="1232137246" name="Segnaposto immagine diapositiva 1"/>
           <p:cNvSpPr>
             <a:spLocks noChangeAspect="1" noGrp="1" noRot="1"/>
           </p:cNvSpPr>
@@ -8182,7 +8182,7 @@
       </p:sp>
       <p:sp>
         <p:nvSpPr>
-          <p:cNvPr id="95495216" name="Segnaposto note 2"/>
+          <p:cNvPr id="258744405" name="Segnaposto note 2"/>
           <p:cNvSpPr>
             <a:spLocks noGrp="1"/>
           </p:cNvSpPr>
@@ -8356,7 +8356,7 @@
       </p:sp>
       <p:sp>
         <p:nvSpPr>
-          <p:cNvPr id="662206839" name="Segnaposto numero diapositiva 3"/>
+          <p:cNvPr id="1479199982" name="Segnaposto numero diapositiva 3"/>
           <p:cNvSpPr>
             <a:spLocks noGrp="1"/>
           </p:cNvSpPr>
@@ -8407,7 +8407,7 @@
       </p:grpSpPr>
       <p:sp>
         <p:nvSpPr>
-          <p:cNvPr id="1675506903" name="Rectangle 2"/>
+          <p:cNvPr id="1848734819" name="Rectangle 2"/>
           <p:cNvSpPr>
             <a:spLocks noChangeArrowheads="1" noGrp="1"/>
           </p:cNvSpPr>
@@ -8455,7 +8455,7 @@
       </p:sp>
       <p:sp>
         <p:nvSpPr>
-          <p:cNvPr id="414619860" name="Segnaposto testo 12"/>
+          <p:cNvPr id="489160371" name="Segnaposto testo 12"/>
           <p:cNvSpPr>
             <a:spLocks noGrp="1"/>
           </p:cNvSpPr>
@@ -8506,7 +8506,7 @@
       </p:sp>
       <p:cxnSp>
         <p:nvCxnSpPr>
-          <p:cNvPr id="2134829327" name="Connettore 1 10"/>
+          <p:cNvPr id="164734021" name="Connettore 1 10"/>
           <p:cNvCxnSpPr/>
           <p:nvPr userDrawn="1"/>
         </p:nvCxnSpPr>
@@ -8541,7 +8541,7 @@
       </p:cxnSp>
       <p:sp>
         <p:nvSpPr>
-          <p:cNvPr id="94156048" name="Segnaposto testo 12"/>
+          <p:cNvPr id="1045987577" name="Segnaposto testo 12"/>
           <p:cNvSpPr>
             <a:spLocks noGrp="1"/>
           </p:cNvSpPr>
@@ -8583,7 +8583,7 @@
       </p:sp>
       <p:sp>
         <p:nvSpPr>
-          <p:cNvPr id="2082296101" name="Segnaposto testo 12"/>
+          <p:cNvPr id="1080272520" name="Segnaposto testo 12"/>
           <p:cNvSpPr>
             <a:spLocks noGrp="1"/>
           </p:cNvSpPr>
@@ -8634,7 +8634,7 @@
       </p:sp>
       <p:cxnSp>
         <p:nvCxnSpPr>
-          <p:cNvPr id="9868237" name="Connettore 1 24"/>
+          <p:cNvPr id="2004991248" name="Connettore 1 24"/>
           <p:cNvCxnSpPr/>
           <p:nvPr userDrawn="1"/>
         </p:nvCxnSpPr>
@@ -8669,7 +8669,7 @@
       </p:cxnSp>
       <p:sp>
         <p:nvSpPr>
-          <p:cNvPr id="1316327587" name="Segnaposto testo 12"/>
+          <p:cNvPr id="1551708153" name="Segnaposto testo 12"/>
           <p:cNvSpPr>
             <a:spLocks noGrp="1"/>
           </p:cNvSpPr>
@@ -8711,7 +8711,7 @@
       </p:sp>
       <p:sp>
         <p:nvSpPr>
-          <p:cNvPr id="264433920" name="Segnaposto testo 12"/>
+          <p:cNvPr id="1409529470" name="Segnaposto testo 12"/>
           <p:cNvSpPr>
             <a:spLocks noGrp="1"/>
           </p:cNvSpPr>
@@ -8753,7 +8753,7 @@
       </p:sp>
       <p:sp>
         <p:nvSpPr>
-          <p:cNvPr id="980868603" name="Segnaposto testo 12"/>
+          <p:cNvPr id="1029458853" name="Segnaposto testo 12"/>
           <p:cNvSpPr>
             <a:spLocks noGrp="1"/>
           </p:cNvSpPr>
@@ -8803,7 +8803,7 @@
       </p:sp>
       <p:sp>
         <p:nvSpPr>
-          <p:cNvPr id="1014230069" name="Segnaposto testo 12"/>
+          <p:cNvPr id="682539408" name="Segnaposto testo 12"/>
           <p:cNvSpPr>
             <a:spLocks noGrp="1"/>
           </p:cNvSpPr>
@@ -8845,7 +8845,7 @@
       </p:sp>
       <p:sp>
         <p:nvSpPr>
-          <p:cNvPr id="881028137" name="Segnaposto testo 12"/>
+          <p:cNvPr id="588885054" name="Segnaposto testo 12"/>
           <p:cNvSpPr>
             <a:spLocks noGrp="1"/>
           </p:cNvSpPr>
@@ -8884,7 +8884,7 @@
       </p:sp>
       <p:sp>
         <p:nvSpPr>
-          <p:cNvPr id="386599235" name="Segnaposto testo 12"/>
+          <p:cNvPr id="1948507944" name="Segnaposto testo 12"/>
           <p:cNvSpPr>
             <a:spLocks noGrp="1"/>
           </p:cNvSpPr>
@@ -8923,7 +8923,7 @@
       </p:sp>
       <p:cxnSp>
         <p:nvCxnSpPr>
-          <p:cNvPr id="1698801643" name="Connettore 1 44"/>
+          <p:cNvPr id="431643240" name="Connettore 1 44"/>
           <p:cNvCxnSpPr/>
           <p:nvPr userDrawn="1"/>
         </p:nvCxnSpPr>
@@ -8958,7 +8958,7 @@
       </p:cxnSp>
       <p:sp>
         <p:nvSpPr>
-          <p:cNvPr id="522373240" name="Segnaposto testo 12"/>
+          <p:cNvPr id="1838436693" name="Segnaposto testo 12"/>
           <p:cNvSpPr>
             <a:spLocks noGrp="1"/>
           </p:cNvSpPr>
@@ -9000,7 +9000,7 @@
       </p:sp>
       <p:sp>
         <p:nvSpPr>
-          <p:cNvPr id="1418893477" name="Segnaposto testo 12"/>
+          <p:cNvPr id="1860561129" name="Segnaposto testo 12"/>
           <p:cNvSpPr>
             <a:spLocks noGrp="1"/>
           </p:cNvSpPr>
@@ -9042,7 +9042,7 @@
       </p:sp>
       <p:sp>
         <p:nvSpPr>
-          <p:cNvPr id="1834273156" name="Segnaposto testo 12"/>
+          <p:cNvPr id="1629875563" name="Segnaposto testo 12"/>
           <p:cNvSpPr>
             <a:spLocks noGrp="1"/>
           </p:cNvSpPr>
@@ -9081,7 +9081,7 @@
       </p:sp>
       <p:sp>
         <p:nvSpPr>
-          <p:cNvPr id="814924427" name="Segnaposto testo 12"/>
+          <p:cNvPr id="1307778497" name="Segnaposto testo 12"/>
           <p:cNvSpPr>
             <a:spLocks noGrp="1"/>
           </p:cNvSpPr>
@@ -9123,7 +9123,7 @@
       </p:sp>
       <p:sp>
         <p:nvSpPr>
-          <p:cNvPr id="1685260525" name="Segnaposto testo 12"/>
+          <p:cNvPr id="1236132655" name="Segnaposto testo 12"/>
           <p:cNvSpPr>
             <a:spLocks noGrp="1"/>
           </p:cNvSpPr>
@@ -9162,7 +9162,7 @@
       </p:sp>
       <p:pic>
         <p:nvPicPr>
-          <p:cNvPr id="343254749" name="Immagine 9" descr="Modulo_SUPSI_DTI.gif"/>
+          <p:cNvPr id="1583879275" name="Immagine 9" descr="Modulo_SUPSI_DTI.gif"/>
           <p:cNvPicPr>
             <a:picLocks noChangeAspect="1"/>
           </p:cNvPicPr>
@@ -9192,7 +9192,7 @@
       </p:pic>
       <p:sp>
         <p:nvSpPr>
-          <p:cNvPr id="1676513181" name="Segnaposto testo 12"/>
+          <p:cNvPr id="555388591" name="Segnaposto testo 12"/>
           <p:cNvSpPr>
             <a:spLocks noGrp="1"/>
           </p:cNvSpPr>
@@ -9231,7 +9231,7 @@
       </p:sp>
       <p:sp>
         <p:nvSpPr>
-          <p:cNvPr id="567807203" name="Segnaposto testo 12"/>
+          <p:cNvPr id="537715942" name="Segnaposto testo 12"/>
           <p:cNvSpPr>
             <a:spLocks noGrp="1"/>
           </p:cNvSpPr>
@@ -9273,7 +9273,7 @@
       </p:sp>
       <p:sp>
         <p:nvSpPr>
-          <p:cNvPr id="1050139921" name="Text Placeholder 6"/>
+          <p:cNvPr id="1961816159" name="Text Placeholder 6"/>
           <p:cNvSpPr>
             <a:spLocks noGrp="1"/>
           </p:cNvSpPr>
@@ -9355,7 +9355,7 @@
       </p:grpSpPr>
       <p:sp>
         <p:nvSpPr>
-          <p:cNvPr id="7221179" name="Segnaposto testo 12"/>
+          <p:cNvPr id="721366959" name="Segnaposto testo 12"/>
           <p:cNvSpPr>
             <a:spLocks noGrp="1"/>
           </p:cNvSpPr>
@@ -9412,7 +9412,7 @@
       </p:sp>
       <p:sp>
         <p:nvSpPr>
-          <p:cNvPr id="1167789531" name="Content Placeholder 3"/>
+          <p:cNvPr id="598888338" name="Content Placeholder 3"/>
           <p:cNvSpPr>
             <a:spLocks noGrp="1"/>
           </p:cNvSpPr>
@@ -9502,7 +9502,7 @@
       </p:sp>
       <p:sp>
         <p:nvSpPr>
-          <p:cNvPr id="1526079205" name="Content Placeholder 3"/>
+          <p:cNvPr id="1317509219" name="Content Placeholder 3"/>
           <p:cNvSpPr>
             <a:spLocks noGrp="1"/>
           </p:cNvSpPr>
@@ -9617,7 +9617,7 @@
       </p:grpSpPr>
       <p:sp>
         <p:nvSpPr>
-          <p:cNvPr id="1386506300" name="Segnaposto testo 12"/>
+          <p:cNvPr id="820866732" name="Segnaposto testo 12"/>
           <p:cNvSpPr>
             <a:spLocks noGrp="1"/>
           </p:cNvSpPr>
@@ -9674,7 +9674,7 @@
       </p:sp>
       <p:sp>
         <p:nvSpPr>
-          <p:cNvPr id="1648993835" name="Content Placeholder 3"/>
+          <p:cNvPr id="1506894442" name="Content Placeholder 3"/>
           <p:cNvSpPr>
             <a:spLocks noGrp="1"/>
           </p:cNvSpPr>
@@ -9794,7 +9794,7 @@
       </p:grpSpPr>
       <p:pic>
         <p:nvPicPr>
-          <p:cNvPr id="1536071029" name="Immagine 5"/>
+          <p:cNvPr id="1004424443" name="Immagine 5"/>
           <p:cNvPicPr>
             <a:picLocks noChangeAspect="1"/>
           </p:cNvPicPr>
@@ -9816,7 +9816,7 @@
       </p:pic>
       <p:pic>
         <p:nvPicPr>
-          <p:cNvPr id="1735045723" name="Immagine 21"/>
+          <p:cNvPr id="996975277" name="Immagine 21"/>
           <p:cNvPicPr>
             <a:picLocks noChangeAspect="1"/>
           </p:cNvPicPr>
@@ -10262,7 +10262,7 @@
       </p:grpSpPr>
       <p:sp>
         <p:nvSpPr>
-          <p:cNvPr id="1409658389" name="Title 1"/>
+          <p:cNvPr id="286310558" name="Title 1"/>
           <p:cNvSpPr>
             <a:spLocks noGrp="1"/>
           </p:cNvSpPr>
@@ -10297,7 +10297,7 @@
       </p:sp>
       <p:sp>
         <p:nvSpPr>
-          <p:cNvPr id="1402541546" name="Text Placeholder 2"/>
+          <p:cNvPr id="757373979" name="Text Placeholder 2"/>
           <p:cNvSpPr>
             <a:spLocks noGrp="1"/>
           </p:cNvSpPr>
@@ -10323,7 +10323,7 @@
       </p:sp>
       <p:sp>
         <p:nvSpPr>
-          <p:cNvPr id="281961618" name="Text Placeholder 3"/>
+          <p:cNvPr id="841959590" name="Text Placeholder 3"/>
           <p:cNvSpPr>
             <a:spLocks noGrp="1"/>
           </p:cNvSpPr>
@@ -10345,7 +10345,7 @@
       </p:sp>
       <p:sp>
         <p:nvSpPr>
-          <p:cNvPr id="1507418397" name="Text Placeholder 4"/>
+          <p:cNvPr id="226055621" name="Text Placeholder 4"/>
           <p:cNvSpPr>
             <a:spLocks noGrp="1"/>
           </p:cNvSpPr>
@@ -10378,7 +10378,7 @@
       </p:sp>
       <p:sp>
         <p:nvSpPr>
-          <p:cNvPr id="311271055" name="Text Placeholder 5"/>
+          <p:cNvPr id="3290860" name="Text Placeholder 5"/>
           <p:cNvSpPr>
             <a:spLocks noGrp="1"/>
           </p:cNvSpPr>
@@ -10400,7 +10400,7 @@
       </p:sp>
       <p:sp>
         <p:nvSpPr>
-          <p:cNvPr id="1201299368" name="Text Placeholder 6"/>
+          <p:cNvPr id="554629877" name="Text Placeholder 6"/>
           <p:cNvSpPr>
             <a:spLocks noGrp="1"/>
           </p:cNvSpPr>
@@ -10422,7 +10422,7 @@
       </p:sp>
       <p:sp>
         <p:nvSpPr>
-          <p:cNvPr id="1359961802" name="Text Placeholder 7"/>
+          <p:cNvPr id="1025106874" name="Text Placeholder 7"/>
           <p:cNvSpPr>
             <a:spLocks noGrp="1"/>
           </p:cNvSpPr>
@@ -10455,7 +10455,7 @@
       </p:sp>
       <p:sp>
         <p:nvSpPr>
-          <p:cNvPr id="114423320" name="Text Placeholder 8"/>
+          <p:cNvPr id="1524095233" name="Text Placeholder 8"/>
           <p:cNvSpPr>
             <a:spLocks noGrp="1"/>
           </p:cNvSpPr>
@@ -10477,7 +10477,7 @@
       </p:sp>
       <p:sp>
         <p:nvSpPr>
-          <p:cNvPr id="592898584" name="Text Placeholder 9"/>
+          <p:cNvPr id="99919839" name="Text Placeholder 9"/>
           <p:cNvSpPr>
             <a:spLocks noGrp="1"/>
           </p:cNvSpPr>
@@ -10503,7 +10503,7 @@
       </p:sp>
       <p:sp>
         <p:nvSpPr>
-          <p:cNvPr id="82657603" name="Text Placeholder 10"/>
+          <p:cNvPr id="979419308" name="Text Placeholder 10"/>
           <p:cNvSpPr>
             <a:spLocks noGrp="1"/>
           </p:cNvSpPr>
@@ -10529,7 +10529,7 @@
       </p:sp>
       <p:sp>
         <p:nvSpPr>
-          <p:cNvPr id="1119893986" name="Text Placeholder 11"/>
+          <p:cNvPr id="419052751" name="Text Placeholder 11"/>
           <p:cNvSpPr>
             <a:spLocks noGrp="1"/>
           </p:cNvSpPr>
@@ -10551,7 +10551,7 @@
       </p:sp>
       <p:sp>
         <p:nvSpPr>
-          <p:cNvPr id="1530354534" name="Text Placeholder 12"/>
+          <p:cNvPr id="1380031171" name="Text Placeholder 12"/>
           <p:cNvSpPr>
             <a:spLocks noGrp="1"/>
           </p:cNvSpPr>
@@ -10573,7 +10573,7 @@
       </p:sp>
       <p:sp>
         <p:nvSpPr>
-          <p:cNvPr id="1791311081" name="Text Placeholder 13"/>
+          <p:cNvPr id="2058343461" name="Text Placeholder 13"/>
           <p:cNvSpPr>
             <a:spLocks noGrp="1"/>
           </p:cNvSpPr>
@@ -10599,7 +10599,7 @@
       </p:sp>
       <p:sp>
         <p:nvSpPr>
-          <p:cNvPr id="719012696" name="Text Placeholder 14"/>
+          <p:cNvPr id="1434044177" name="Text Placeholder 14"/>
           <p:cNvSpPr>
             <a:spLocks noGrp="1"/>
           </p:cNvSpPr>
@@ -10621,7 +10621,7 @@
       </p:sp>
       <p:sp>
         <p:nvSpPr>
-          <p:cNvPr id="2111709629" name="Text Placeholder 15"/>
+          <p:cNvPr id="93728606" name="Text Placeholder 15"/>
           <p:cNvSpPr>
             <a:spLocks noGrp="1"/>
           </p:cNvSpPr>
@@ -10647,7 +10647,7 @@
       </p:sp>
       <p:sp>
         <p:nvSpPr>
-          <p:cNvPr id="238897919" name="Text Placeholder 16"/>
+          <p:cNvPr id="1676267419" name="Text Placeholder 16"/>
           <p:cNvSpPr>
             <a:spLocks noGrp="1"/>
           </p:cNvSpPr>
@@ -10673,7 +10673,7 @@
       </p:sp>
       <p:sp>
         <p:nvSpPr>
-          <p:cNvPr id="1679732643" name="Text Placeholder 17"/>
+          <p:cNvPr id="295707240" name="Text Placeholder 17"/>
           <p:cNvSpPr>
             <a:spLocks noGrp="1"/>
           </p:cNvSpPr>
@@ -10695,7 +10695,7 @@
       </p:sp>
       <p:sp>
         <p:nvSpPr>
-          <p:cNvPr id="311824949" name="Text Placeholder 18"/>
+          <p:cNvPr id="97738902" name="Text Placeholder 18"/>
           <p:cNvSpPr>
             <a:spLocks noGrp="1"/>
           </p:cNvSpPr>
@@ -10790,7 +10790,7 @@
       </p:grpSpPr>
       <p:pic>
         <p:nvPicPr>
-          <p:cNvPr id="1001120164" name=""/>
+          <p:cNvPr id="616113929" name=""/>
           <p:cNvPicPr>
             <a:picLocks noChangeAspect="1"/>
           </p:cNvPicPr>
@@ -10812,7 +10812,7 @@
       </p:pic>
       <p:sp>
         <p:nvSpPr>
-          <p:cNvPr id="1021989140" name=""/>
+          <p:cNvPr id="1396892713" name=""/>
           <p:cNvSpPr txBox="1"/>
           <p:nvPr/>
         </p:nvSpPr>
@@ -10840,7 +10840,7 @@
       </p:sp>
       <p:pic>
         <p:nvPicPr>
-          <p:cNvPr id="2077797266" name=""/>
+          <p:cNvPr id="1491930768" name=""/>
           <p:cNvPicPr>
             <a:picLocks noChangeAspect="1"/>
           </p:cNvPicPr>
@@ -10862,7 +10862,7 @@
       </p:pic>
       <p:sp>
         <p:nvSpPr>
-          <p:cNvPr id="572970717" name="Text Placeholder 1"/>
+          <p:cNvPr id="387282228" name="Text Placeholder 1"/>
           <p:cNvSpPr>
             <a:spLocks noGrp="1"/>
           </p:cNvSpPr>
@@ -10894,7 +10894,7 @@
                 <a:ea typeface="Arial"/>
                 <a:cs typeface="Arial"/>
               </a:rPr>
-              <a:t>Obbiettivi</a:t>
+              <a:t>Obiettivi</a:t>
             </a:r>
             <a:endParaRPr sz="2700"/>
           </a:p>
@@ -10908,7 +10908,7 @@
       </p:sp>
       <p:pic>
         <p:nvPicPr>
-          <p:cNvPr id="74737301" name="Picture 679748627"/>
+          <p:cNvPr id="2095743054" name="Picture 679748627"/>
           <p:cNvPicPr>
             <a:picLocks noChangeAspect="1"/>
           </p:cNvPicPr>
@@ -10930,7 +10930,7 @@
       </p:pic>
       <p:pic>
         <p:nvPicPr>
-          <p:cNvPr id="47083360" name=""/>
+          <p:cNvPr id="1327793942" name=""/>
           <p:cNvPicPr>
             <a:picLocks noChangeAspect="1"/>
           </p:cNvPicPr>
@@ -11069,7 +11069,7 @@
       </p:grpSpPr>
       <p:pic>
         <p:nvPicPr>
-          <p:cNvPr id="935104794" name=""/>
+          <p:cNvPr id="72958042" name=""/>
           <p:cNvPicPr>
             <a:picLocks noChangeAspect="1"/>
           </p:cNvPicPr>
@@ -11091,7 +11091,7 @@
       </p:pic>
       <p:sp>
         <p:nvSpPr>
-          <p:cNvPr id="1706393839" name=""/>
+          <p:cNvPr id="1008351804" name=""/>
           <p:cNvSpPr txBox="1"/>
           <p:nvPr/>
         </p:nvSpPr>
@@ -11119,7 +11119,7 @@
       </p:sp>
       <p:pic>
         <p:nvPicPr>
-          <p:cNvPr id="29853822" name=""/>
+          <p:cNvPr id="476960327" name=""/>
           <p:cNvPicPr>
             <a:picLocks noChangeAspect="1"/>
           </p:cNvPicPr>
@@ -11141,7 +11141,7 @@
       </p:pic>
       <p:sp>
         <p:nvSpPr>
-          <p:cNvPr id="1060545188" name="Text Placeholder 1"/>
+          <p:cNvPr id="1659860089" name="Text Placeholder 1"/>
           <p:cNvSpPr>
             <a:spLocks noGrp="1"/>
           </p:cNvSpPr>
@@ -11173,7 +11173,7 @@
                 <a:ea typeface="Arial"/>
                 <a:cs typeface="Arial"/>
               </a:rPr>
-              <a:t>Obbiettivi</a:t>
+              <a:t>Obiettivi</a:t>
             </a:r>
             <a:endParaRPr sz="2700"/>
           </a:p>
@@ -11187,7 +11187,7 @@
       </p:sp>
       <p:pic>
         <p:nvPicPr>
-          <p:cNvPr id="410672921" name="Picture 679748627"/>
+          <p:cNvPr id="1960813497" name="Picture 679748627"/>
           <p:cNvPicPr>
             <a:picLocks noChangeAspect="1"/>
           </p:cNvPicPr>
@@ -11210,7 +11210,7 @@
       </p:pic>
       <p:pic>
         <p:nvPicPr>
-          <p:cNvPr id="1447479684" name=""/>
+          <p:cNvPr id="1359788584" name=""/>
           <p:cNvPicPr>
             <a:picLocks noChangeAspect="1"/>
           </p:cNvPicPr>
@@ -11232,7 +11232,7 @@
       </p:pic>
       <p:pic>
         <p:nvPicPr>
-          <p:cNvPr id="839052656" name=""/>
+          <p:cNvPr id="1564322384" name=""/>
           <p:cNvPicPr>
             <a:picLocks noChangeAspect="1"/>
           </p:cNvPicPr>
@@ -11413,7 +11413,7 @@
       </p:grpSpPr>
       <p:pic>
         <p:nvPicPr>
-          <p:cNvPr id="1925231720" name=""/>
+          <p:cNvPr id="1036534997" name=""/>
           <p:cNvPicPr>
             <a:picLocks noChangeAspect="1"/>
           </p:cNvPicPr>
@@ -11435,7 +11435,7 @@
       </p:pic>
       <p:sp>
         <p:nvSpPr>
-          <p:cNvPr id="835150533" name=""/>
+          <p:cNvPr id="2049243232" name=""/>
           <p:cNvSpPr txBox="1"/>
           <p:nvPr/>
         </p:nvSpPr>
@@ -11463,7 +11463,7 @@
       </p:sp>
       <p:pic>
         <p:nvPicPr>
-          <p:cNvPr id="968641384" name=""/>
+          <p:cNvPr id="830407176" name=""/>
           <p:cNvPicPr>
             <a:picLocks noChangeAspect="1"/>
           </p:cNvPicPr>
@@ -11485,7 +11485,7 @@
       </p:pic>
       <p:sp>
         <p:nvSpPr>
-          <p:cNvPr id="1809729929" name="Text Placeholder 1"/>
+          <p:cNvPr id="1622250801" name="Text Placeholder 1"/>
           <p:cNvSpPr>
             <a:spLocks noGrp="1"/>
           </p:cNvSpPr>
@@ -11531,7 +11531,7 @@
       </p:sp>
       <p:pic>
         <p:nvPicPr>
-          <p:cNvPr id="2077279960" name="Picture 679748627"/>
+          <p:cNvPr id="1186595887" name="Picture 679748627"/>
           <p:cNvPicPr>
             <a:picLocks noChangeAspect="1"/>
           </p:cNvPicPr>
@@ -11554,7 +11554,7 @@
       </p:pic>
       <p:pic>
         <p:nvPicPr>
-          <p:cNvPr id="1163443658" name=""/>
+          <p:cNvPr id="1277667770" name=""/>
           <p:cNvPicPr>
             <a:picLocks noChangeAspect="1"/>
           </p:cNvPicPr>
@@ -11576,7 +11576,7 @@
       </p:pic>
       <p:pic>
         <p:nvPicPr>
-          <p:cNvPr id="387469402" name=""/>
+          <p:cNvPr id="1226991085" name=""/>
           <p:cNvPicPr>
             <a:picLocks noChangeAspect="1"/>
           </p:cNvPicPr>
@@ -11677,7 +11677,7 @@
       </p:grpSpPr>
       <p:pic>
         <p:nvPicPr>
-          <p:cNvPr id="823986352" name=""/>
+          <p:cNvPr id="1956456447" name=""/>
           <p:cNvPicPr>
             <a:picLocks noChangeAspect="1"/>
           </p:cNvPicPr>
@@ -11699,7 +11699,7 @@
       </p:pic>
       <p:sp>
         <p:nvSpPr>
-          <p:cNvPr id="1105437292" name=""/>
+          <p:cNvPr id="1512095030" name=""/>
           <p:cNvSpPr txBox="1"/>
           <p:nvPr/>
         </p:nvSpPr>
@@ -11727,7 +11727,7 @@
       </p:sp>
       <p:pic>
         <p:nvPicPr>
-          <p:cNvPr id="2058313262" name=""/>
+          <p:cNvPr id="330614106" name=""/>
           <p:cNvPicPr>
             <a:picLocks noChangeAspect="1"/>
           </p:cNvPicPr>
@@ -11749,7 +11749,7 @@
       </p:pic>
       <p:sp>
         <p:nvSpPr>
-          <p:cNvPr id="215840777" name="Text Placeholder 1"/>
+          <p:cNvPr id="912443863" name="Text Placeholder 1"/>
           <p:cNvSpPr>
             <a:spLocks noGrp="1"/>
           </p:cNvSpPr>
@@ -11789,7 +11789,7 @@
       </p:sp>
       <p:pic>
         <p:nvPicPr>
-          <p:cNvPr id="1483403051" name="Picture 679748627"/>
+          <p:cNvPr id="2062874111" name="Picture 679748627"/>
           <p:cNvPicPr>
             <a:picLocks noChangeAspect="1"/>
           </p:cNvPicPr>
@@ -11812,7 +11812,7 @@
       </p:pic>
       <p:pic>
         <p:nvPicPr>
-          <p:cNvPr id="180925571" name=""/>
+          <p:cNvPr id="333471815" name=""/>
           <p:cNvPicPr>
             <a:picLocks noChangeAspect="1"/>
           </p:cNvPicPr>
@@ -11834,7 +11834,7 @@
       </p:pic>
       <p:pic>
         <p:nvPicPr>
-          <p:cNvPr id="1001896322" name=""/>
+          <p:cNvPr id="1349303115" name=""/>
           <p:cNvPicPr>
             <a:picLocks noChangeAspect="1"/>
           </p:cNvPicPr>
@@ -11857,7 +11857,7 @@
       </p:pic>
       <p:pic>
         <p:nvPicPr>
-          <p:cNvPr id="1756945152" name=""/>
+          <p:cNvPr id="907044249" name=""/>
           <p:cNvPicPr>
             <a:picLocks noChangeAspect="1"/>
           </p:cNvPicPr>
@@ -11879,7 +11879,7 @@
       </p:pic>
       <p:pic>
         <p:nvPicPr>
-          <p:cNvPr id="1562361121" name=""/>
+          <p:cNvPr id="18231773" name=""/>
           <p:cNvPicPr>
             <a:picLocks noChangeAspect="1"/>
           </p:cNvPicPr>
@@ -11938,7 +11938,7 @@
       </p:grpSpPr>
       <p:pic>
         <p:nvPicPr>
-          <p:cNvPr id="1824107480" name=""/>
+          <p:cNvPr id="287148393" name=""/>
           <p:cNvPicPr>
             <a:picLocks noChangeAspect="1"/>
           </p:cNvPicPr>
@@ -11960,7 +11960,7 @@
       </p:pic>
       <p:pic>
         <p:nvPicPr>
-          <p:cNvPr id="324870859" name=""/>
+          <p:cNvPr id="1525488527" name=""/>
           <p:cNvPicPr>
             <a:picLocks noChangeAspect="1"/>
           </p:cNvPicPr>
@@ -11982,7 +11982,7 @@
       </p:pic>
       <p:sp>
         <p:nvSpPr>
-          <p:cNvPr id="373777789" name=""/>
+          <p:cNvPr id="1234839170" name=""/>
           <p:cNvSpPr txBox="1"/>
           <p:nvPr/>
         </p:nvSpPr>
@@ -12010,7 +12010,7 @@
       </p:sp>
       <p:pic>
         <p:nvPicPr>
-          <p:cNvPr id="1329504868" name=""/>
+          <p:cNvPr id="179010489" name=""/>
           <p:cNvPicPr>
             <a:picLocks noChangeAspect="1"/>
           </p:cNvPicPr>
@@ -12032,7 +12032,7 @@
       </p:pic>
       <p:sp>
         <p:nvSpPr>
-          <p:cNvPr id="295316671" name="Text Placeholder 1"/>
+          <p:cNvPr id="1246871596" name="Text Placeholder 1"/>
           <p:cNvSpPr>
             <a:spLocks noGrp="1"/>
           </p:cNvSpPr>
@@ -12072,7 +12072,7 @@
       </p:sp>
       <p:pic>
         <p:nvPicPr>
-          <p:cNvPr id="1101970491" name="Picture 679748627"/>
+          <p:cNvPr id="201698235" name="Picture 679748627"/>
           <p:cNvPicPr>
             <a:picLocks noChangeAspect="1"/>
           </p:cNvPicPr>
@@ -12095,7 +12095,7 @@
       </p:pic>
       <p:pic>
         <p:nvPicPr>
-          <p:cNvPr id="1135016725" name=""/>
+          <p:cNvPr id="1610580822" name=""/>
           <p:cNvPicPr>
             <a:picLocks noChangeAspect="1"/>
           </p:cNvPicPr>
@@ -12117,7 +12117,7 @@
       </p:pic>
       <p:pic>
         <p:nvPicPr>
-          <p:cNvPr id="909250657" name=""/>
+          <p:cNvPr id="745530763" name=""/>
           <p:cNvPicPr>
             <a:picLocks noChangeAspect="1"/>
           </p:cNvPicPr>
@@ -12140,7 +12140,7 @@
       </p:pic>
       <p:pic>
         <p:nvPicPr>
-          <p:cNvPr id="873334748" name=""/>
+          <p:cNvPr id="755852614" name=""/>
           <p:cNvPicPr>
             <a:picLocks noChangeAspect="1"/>
           </p:cNvPicPr>
@@ -12162,7 +12162,7 @@
       </p:pic>
       <p:pic>
         <p:nvPicPr>
-          <p:cNvPr id="1452479223" name=""/>
+          <p:cNvPr id="624208853" name=""/>
           <p:cNvPicPr>
             <a:picLocks noChangeAspect="1"/>
           </p:cNvPicPr>
@@ -12184,7 +12184,7 @@
       </p:pic>
       <p:pic>
         <p:nvPicPr>
-          <p:cNvPr id="1738884794" name=""/>
+          <p:cNvPr id="346135782" name=""/>
           <p:cNvPicPr>
             <a:picLocks noChangeAspect="1"/>
           </p:cNvPicPr>
@@ -12206,7 +12206,7 @@
       </p:pic>
       <p:pic>
         <p:nvPicPr>
-          <p:cNvPr id="1945707157" name=""/>
+          <p:cNvPr id="1557792177" name=""/>
           <p:cNvPicPr>
             <a:picLocks noChangeAspect="1"/>
           </p:cNvPicPr>
@@ -12228,7 +12228,7 @@
       </p:pic>
       <p:pic>
         <p:nvPicPr>
-          <p:cNvPr id="43827779" name=""/>
+          <p:cNvPr id="33083617" name=""/>
           <p:cNvPicPr>
             <a:picLocks noChangeAspect="1"/>
           </p:cNvPicPr>
@@ -12251,7 +12251,7 @@
       </p:pic>
       <p:pic>
         <p:nvPicPr>
-          <p:cNvPr id="1840100752" name=""/>
+          <p:cNvPr id="1069638156" name=""/>
           <p:cNvPicPr>
             <a:picLocks noChangeAspect="1"/>
           </p:cNvPicPr>
@@ -12273,7 +12273,7 @@
       </p:pic>
       <p:pic>
         <p:nvPicPr>
-          <p:cNvPr id="139439043" name=""/>
+          <p:cNvPr id="1293775633" name=""/>
           <p:cNvPicPr>
             <a:picLocks noChangeAspect="1"/>
           </p:cNvPicPr>
@@ -12295,7 +12295,7 @@
       </p:pic>
       <p:pic>
         <p:nvPicPr>
-          <p:cNvPr id="1674412078" name=""/>
+          <p:cNvPr id="803985598" name=""/>
           <p:cNvPicPr>
             <a:picLocks noChangeAspect="1"/>
           </p:cNvPicPr>
@@ -12317,7 +12317,7 @@
       </p:pic>
       <p:pic>
         <p:nvPicPr>
-          <p:cNvPr id="1958875492" name=""/>
+          <p:cNvPr id="376249510" name=""/>
           <p:cNvPicPr>
             <a:picLocks noChangeAspect="1"/>
           </p:cNvPicPr>
@@ -13043,7 +13043,7 @@
       </p:grpSpPr>
       <p:pic>
         <p:nvPicPr>
-          <p:cNvPr id="485158476" name=""/>
+          <p:cNvPr id="1977004111" name=""/>
           <p:cNvPicPr>
             <a:picLocks noChangeAspect="1"/>
           </p:cNvPicPr>
@@ -13065,7 +13065,7 @@
       </p:pic>
       <p:sp>
         <p:nvSpPr>
-          <p:cNvPr id="1698405216" name=""/>
+          <p:cNvPr id="568479409" name=""/>
           <p:cNvSpPr txBox="1"/>
           <p:nvPr/>
         </p:nvSpPr>
@@ -13093,7 +13093,7 @@
       </p:sp>
       <p:pic>
         <p:nvPicPr>
-          <p:cNvPr id="198524716" name=""/>
+          <p:cNvPr id="1919414122" name=""/>
           <p:cNvPicPr>
             <a:picLocks noChangeAspect="1"/>
           </p:cNvPicPr>
@@ -13115,7 +13115,7 @@
       </p:pic>
       <p:sp>
         <p:nvSpPr>
-          <p:cNvPr id="684713558" name="Text Placeholder 1"/>
+          <p:cNvPr id="42080456" name="Text Placeholder 1"/>
           <p:cNvSpPr>
             <a:spLocks noGrp="1"/>
           </p:cNvSpPr>
@@ -13147,7 +13147,7 @@
                 <a:ea typeface="Arial"/>
                 <a:cs typeface="Arial"/>
               </a:rPr>
-              <a:t>Obbiettivi</a:t>
+              <a:t>Obiettivi</a:t>
             </a:r>
             <a:endParaRPr sz="2700"/>
           </a:p>
@@ -13161,7 +13161,7 @@
       </p:sp>
       <p:pic>
         <p:nvPicPr>
-          <p:cNvPr id="1588843839" name="Picture 679748627"/>
+          <p:cNvPr id="1829592037" name="Picture 679748627"/>
           <p:cNvPicPr>
             <a:picLocks noChangeAspect="1"/>
           </p:cNvPicPr>
@@ -13184,7 +13184,7 @@
       </p:pic>
       <p:pic>
         <p:nvPicPr>
-          <p:cNvPr id="780148951" name=""/>
+          <p:cNvPr id="1238349790" name=""/>
           <p:cNvPicPr>
             <a:picLocks noChangeAspect="1"/>
           </p:cNvPicPr>
@@ -13206,7 +13206,7 @@
       </p:pic>
       <p:pic>
         <p:nvPicPr>
-          <p:cNvPr id="676004600" name=""/>
+          <p:cNvPr id="2085516559" name=""/>
           <p:cNvPicPr>
             <a:picLocks noChangeAspect="1"/>
           </p:cNvPicPr>
@@ -13391,7 +13391,7 @@
       </p:grpSpPr>
       <p:pic>
         <p:nvPicPr>
-          <p:cNvPr id="151663345" name=""/>
+          <p:cNvPr id="236823753" name=""/>
           <p:cNvPicPr>
             <a:picLocks noChangeAspect="1"/>
           </p:cNvPicPr>
@@ -13413,7 +13413,7 @@
       </p:pic>
       <p:sp>
         <p:nvSpPr>
-          <p:cNvPr id="1756501789" name=""/>
+          <p:cNvPr id="1581096686" name=""/>
           <p:cNvSpPr txBox="1"/>
           <p:nvPr/>
         </p:nvSpPr>
@@ -13441,7 +13441,7 @@
       </p:sp>
       <p:pic>
         <p:nvPicPr>
-          <p:cNvPr id="753916672" name=""/>
+          <p:cNvPr id="299434394" name=""/>
           <p:cNvPicPr>
             <a:picLocks noChangeAspect="1"/>
           </p:cNvPicPr>
@@ -13463,7 +13463,7 @@
       </p:pic>
       <p:sp>
         <p:nvSpPr>
-          <p:cNvPr id="821453830" name="Text Placeholder 1"/>
+          <p:cNvPr id="1935044337" name="Text Placeholder 1"/>
           <p:cNvSpPr>
             <a:spLocks noGrp="1"/>
           </p:cNvSpPr>
@@ -13495,7 +13495,7 @@
                 <a:ea typeface="Arial"/>
                 <a:cs typeface="Arial"/>
               </a:rPr>
-              <a:t>Obbiettivi</a:t>
+              <a:t>Obiettivi</a:t>
             </a:r>
             <a:endParaRPr sz="2700"/>
           </a:p>
@@ -13509,7 +13509,7 @@
       </p:sp>
       <p:pic>
         <p:nvPicPr>
-          <p:cNvPr id="930908455" name="Picture 679748627"/>
+          <p:cNvPr id="122393377" name="Picture 679748627"/>
           <p:cNvPicPr>
             <a:picLocks noChangeAspect="1"/>
           </p:cNvPicPr>
@@ -13532,7 +13532,7 @@
       </p:pic>
       <p:pic>
         <p:nvPicPr>
-          <p:cNvPr id="1233772010" name=""/>
+          <p:cNvPr id="1663338637" name=""/>
           <p:cNvPicPr>
             <a:picLocks noChangeAspect="1"/>
           </p:cNvPicPr>
@@ -13554,7 +13554,7 @@
       </p:pic>
       <p:pic>
         <p:nvPicPr>
-          <p:cNvPr id="1947062738" name=""/>
+          <p:cNvPr id="2066553926" name=""/>
           <p:cNvPicPr>
             <a:picLocks noChangeAspect="1"/>
           </p:cNvPicPr>
@@ -13577,7 +13577,7 @@
       </p:pic>
       <p:pic>
         <p:nvPicPr>
-          <p:cNvPr id="598663620" name=""/>
+          <p:cNvPr id="1161269722" name=""/>
           <p:cNvPicPr>
             <a:picLocks noChangeAspect="1"/>
           </p:cNvPicPr>
@@ -13798,7 +13798,7 @@
       </p:grpSpPr>
       <p:pic>
         <p:nvPicPr>
-          <p:cNvPr id="832766654" name=""/>
+          <p:cNvPr id="56539152" name=""/>
           <p:cNvPicPr>
             <a:picLocks noChangeAspect="1"/>
           </p:cNvPicPr>
@@ -13820,7 +13820,7 @@
       </p:pic>
       <p:sp>
         <p:nvSpPr>
-          <p:cNvPr id="366611826" name=""/>
+          <p:cNvPr id="682710180" name=""/>
           <p:cNvSpPr txBox="1"/>
           <p:nvPr/>
         </p:nvSpPr>
@@ -13848,7 +13848,7 @@
       </p:sp>
       <p:pic>
         <p:nvPicPr>
-          <p:cNvPr id="619078248" name=""/>
+          <p:cNvPr id="1974306633" name=""/>
           <p:cNvPicPr>
             <a:picLocks noChangeAspect="1"/>
           </p:cNvPicPr>
@@ -13870,7 +13870,7 @@
       </p:pic>
       <p:sp>
         <p:nvSpPr>
-          <p:cNvPr id="1925495437" name="Text Placeholder 1"/>
+          <p:cNvPr id="460386010" name="Text Placeholder 1"/>
           <p:cNvSpPr>
             <a:spLocks noGrp="1"/>
           </p:cNvSpPr>
@@ -13901,7 +13901,7 @@
       </p:sp>
       <p:pic>
         <p:nvPicPr>
-          <p:cNvPr id="534822021" name="Picture 679748627"/>
+          <p:cNvPr id="830134967" name="Picture 679748627"/>
           <p:cNvPicPr>
             <a:picLocks noChangeAspect="1"/>
           </p:cNvPicPr>
@@ -13924,7 +13924,7 @@
       </p:pic>
       <p:pic>
         <p:nvPicPr>
-          <p:cNvPr id="392115364" name=""/>
+          <p:cNvPr id="1657712448" name=""/>
           <p:cNvPicPr>
             <a:picLocks noChangeAspect="1"/>
           </p:cNvPicPr>
@@ -13946,7 +13946,7 @@
       </p:pic>
       <p:pic>
         <p:nvPicPr>
-          <p:cNvPr id="974142923" name=""/>
+          <p:cNvPr id="1863016176" name=""/>
           <p:cNvPicPr>
             <a:picLocks noChangeAspect="1"/>
           </p:cNvPicPr>
@@ -13969,7 +13969,7 @@
       </p:pic>
       <p:pic>
         <p:nvPicPr>
-          <p:cNvPr id="827200378" name=""/>
+          <p:cNvPr id="2088728878" name=""/>
           <p:cNvPicPr>
             <a:picLocks noChangeAspect="1"/>
           </p:cNvPicPr>
@@ -13991,7 +13991,7 @@
       </p:pic>
       <p:pic>
         <p:nvPicPr>
-          <p:cNvPr id="96325319" name=""/>
+          <p:cNvPr id="803197442" name=""/>
           <p:cNvPicPr>
             <a:picLocks noChangeAspect="1"/>
           </p:cNvPicPr>
@@ -14254,7 +14254,7 @@
       </p:grpSpPr>
       <p:pic>
         <p:nvPicPr>
-          <p:cNvPr id="599032016" name=""/>
+          <p:cNvPr id="68455616" name=""/>
           <p:cNvPicPr>
             <a:picLocks noChangeAspect="1"/>
           </p:cNvPicPr>
@@ -14276,7 +14276,7 @@
       </p:pic>
       <p:sp>
         <p:nvSpPr>
-          <p:cNvPr id="1394653683" name=""/>
+          <p:cNvPr id="591311207" name=""/>
           <p:cNvSpPr txBox="1"/>
           <p:nvPr/>
         </p:nvSpPr>
@@ -14304,7 +14304,7 @@
       </p:sp>
       <p:pic>
         <p:nvPicPr>
-          <p:cNvPr id="1573401996" name=""/>
+          <p:cNvPr id="698788820" name=""/>
           <p:cNvPicPr>
             <a:picLocks noChangeAspect="1"/>
           </p:cNvPicPr>
@@ -14326,7 +14326,7 @@
       </p:pic>
       <p:sp>
         <p:nvSpPr>
-          <p:cNvPr id="525034474" name="Text Placeholder 1"/>
+          <p:cNvPr id="1998496151" name="Text Placeholder 1"/>
           <p:cNvSpPr>
             <a:spLocks noGrp="1"/>
           </p:cNvSpPr>
@@ -14372,7 +14372,7 @@
       </p:sp>
       <p:pic>
         <p:nvPicPr>
-          <p:cNvPr id="1672436407" name="Picture 679748627"/>
+          <p:cNvPr id="1944479633" name="Picture 679748627"/>
           <p:cNvPicPr>
             <a:picLocks noChangeAspect="1"/>
           </p:cNvPicPr>
@@ -14395,7 +14395,7 @@
       </p:pic>
       <p:pic>
         <p:nvPicPr>
-          <p:cNvPr id="1141095880" name=""/>
+          <p:cNvPr id="482964020" name=""/>
           <p:cNvPicPr>
             <a:picLocks noChangeAspect="1"/>
           </p:cNvPicPr>
@@ -14417,7 +14417,7 @@
       </p:pic>
       <p:pic>
         <p:nvPicPr>
-          <p:cNvPr id="699576241" name=""/>
+          <p:cNvPr id="1980088973" name=""/>
           <p:cNvPicPr>
             <a:picLocks noChangeAspect="1"/>
           </p:cNvPicPr>
@@ -14440,7 +14440,7 @@
       </p:pic>
       <p:pic>
         <p:nvPicPr>
-          <p:cNvPr id="350899917" name=""/>
+          <p:cNvPr id="1690246615" name=""/>
           <p:cNvPicPr>
             <a:picLocks noChangeAspect="1"/>
           </p:cNvPicPr>
@@ -14462,7 +14462,7 @@
       </p:pic>
       <p:pic>
         <p:nvPicPr>
-          <p:cNvPr id="1725695883" name=""/>
+          <p:cNvPr id="1276022091" name=""/>
           <p:cNvPicPr>
             <a:picLocks noChangeAspect="1"/>
           </p:cNvPicPr>
@@ -14728,7 +14728,7 @@
       </p:grpSpPr>
       <p:pic>
         <p:nvPicPr>
-          <p:cNvPr id="1554311302" name=""/>
+          <p:cNvPr id="1745560091" name=""/>
           <p:cNvPicPr>
             <a:picLocks noChangeAspect="1"/>
           </p:cNvPicPr>
@@ -14750,7 +14750,7 @@
       </p:pic>
       <p:pic>
         <p:nvPicPr>
-          <p:cNvPr id="35964880" name=""/>
+          <p:cNvPr id="1603226556" name=""/>
           <p:cNvPicPr>
             <a:picLocks noChangeAspect="1"/>
           </p:cNvPicPr>
@@ -14772,7 +14772,7 @@
       </p:pic>
       <p:pic>
         <p:nvPicPr>
-          <p:cNvPr id="774209439" name=""/>
+          <p:cNvPr id="287915699" name=""/>
           <p:cNvPicPr>
             <a:picLocks noChangeAspect="1"/>
           </p:cNvPicPr>
@@ -14794,7 +14794,7 @@
       </p:pic>
       <p:sp>
         <p:nvSpPr>
-          <p:cNvPr id="1963019655" name="Text Placeholder 1"/>
+          <p:cNvPr id="1726869504" name="Text Placeholder 1"/>
           <p:cNvSpPr>
             <a:spLocks noGrp="1"/>
           </p:cNvSpPr>
@@ -14825,7 +14825,7 @@
       </p:sp>
       <p:pic>
         <p:nvPicPr>
-          <p:cNvPr id="1531590868" name="Picture 679748627"/>
+          <p:cNvPr id="1886064686" name="Picture 679748627"/>
           <p:cNvPicPr>
             <a:picLocks noChangeAspect="1"/>
           </p:cNvPicPr>
@@ -14848,7 +14848,7 @@
       </p:pic>
       <p:pic>
         <p:nvPicPr>
-          <p:cNvPr id="904798473" name=""/>
+          <p:cNvPr id="428324206" name=""/>
           <p:cNvPicPr>
             <a:picLocks noChangeAspect="1"/>
           </p:cNvPicPr>
@@ -14870,7 +14870,7 @@
       </p:pic>
       <p:pic>
         <p:nvPicPr>
-          <p:cNvPr id="1949416743" name=""/>
+          <p:cNvPr id="791370482" name=""/>
           <p:cNvPicPr>
             <a:picLocks noChangeAspect="1"/>
           </p:cNvPicPr>
@@ -14893,7 +14893,7 @@
       </p:pic>
       <p:pic>
         <p:nvPicPr>
-          <p:cNvPr id="1253354605" name=""/>
+          <p:cNvPr id="468755392" name=""/>
           <p:cNvPicPr>
             <a:picLocks noChangeAspect="1"/>
           </p:cNvPicPr>
@@ -14915,7 +14915,7 @@
       </p:pic>
       <p:pic>
         <p:nvPicPr>
-          <p:cNvPr id="2105063215" name=""/>
+          <p:cNvPr id="1560261173" name=""/>
           <p:cNvPicPr>
             <a:picLocks noChangeAspect="1"/>
           </p:cNvPicPr>
@@ -14937,7 +14937,7 @@
       </p:pic>
       <p:pic>
         <p:nvPicPr>
-          <p:cNvPr id="939055808" name=""/>
+          <p:cNvPr id="1154640835" name=""/>
           <p:cNvPicPr>
             <a:picLocks noChangeAspect="1"/>
           </p:cNvPicPr>
@@ -14959,7 +14959,7 @@
       </p:pic>
       <p:cxnSp>
         <p:nvCxnSpPr>
-          <p:cNvPr id="1347086159" name=""/>
+          <p:cNvPr id="919807388" name=""/>
           <p:cNvCxnSpPr/>
           <p:nvPr/>
         </p:nvCxnSpPr>
@@ -14998,7 +14998,7 @@
       </p:cxnSp>
       <p:pic>
         <p:nvPicPr>
-          <p:cNvPr id="648180857" name=""/>
+          <p:cNvPr id="343165830" name=""/>
           <p:cNvPicPr>
             <a:picLocks noChangeAspect="1"/>
           </p:cNvPicPr>
@@ -15057,7 +15057,7 @@
       </p:grpSpPr>
       <p:pic>
         <p:nvPicPr>
-          <p:cNvPr id="605979294" name=""/>
+          <p:cNvPr id="390366524" name=""/>
           <p:cNvPicPr>
             <a:picLocks noChangeAspect="1"/>
           </p:cNvPicPr>
@@ -15079,7 +15079,7 @@
       </p:pic>
       <p:sp>
         <p:nvSpPr>
-          <p:cNvPr id="297046332" name="Text Placeholder 1"/>
+          <p:cNvPr id="1724177059" name="Text Placeholder 1"/>
           <p:cNvSpPr>
             <a:spLocks noGrp="1"/>
           </p:cNvSpPr>
@@ -15110,7 +15110,7 @@
       </p:sp>
       <p:sp>
         <p:nvSpPr>
-          <p:cNvPr id="1108050889" name=""/>
+          <p:cNvPr id="686905198" name=""/>
           <p:cNvSpPr txBox="1"/>
           <p:nvPr/>
         </p:nvSpPr>
@@ -15138,7 +15138,7 @@
       </p:sp>
       <p:pic>
         <p:nvPicPr>
-          <p:cNvPr id="1615916678" name=""/>
+          <p:cNvPr id="1565311832" name=""/>
           <p:cNvPicPr>
             <a:picLocks noChangeAspect="1"/>
           </p:cNvPicPr>
@@ -15160,7 +15160,7 @@
       </p:pic>
       <p:pic>
         <p:nvPicPr>
-          <p:cNvPr id="1420996185" name=""/>
+          <p:cNvPr id="1591970377" name=""/>
           <p:cNvPicPr>
             <a:picLocks noChangeAspect="1"/>
           </p:cNvPicPr>
@@ -15182,7 +15182,7 @@
       </p:pic>
       <p:pic>
         <p:nvPicPr>
-          <p:cNvPr id="1318219042" name=""/>
+          <p:cNvPr id="1064866083" name=""/>
           <p:cNvPicPr>
             <a:picLocks noChangeAspect="1"/>
           </p:cNvPicPr>
@@ -15204,7 +15204,7 @@
       </p:pic>
       <p:pic>
         <p:nvPicPr>
-          <p:cNvPr id="1153656349" name=""/>
+          <p:cNvPr id="1849895617" name=""/>
           <p:cNvPicPr>
             <a:picLocks noChangeAspect="1"/>
           </p:cNvPicPr>
@@ -15226,7 +15226,7 @@
       </p:pic>
       <p:pic>
         <p:nvPicPr>
-          <p:cNvPr id="1474099496" name=""/>
+          <p:cNvPr id="923858181" name=""/>
           <p:cNvPicPr>
             <a:picLocks noChangeAspect="1"/>
           </p:cNvPicPr>
@@ -15248,7 +15248,7 @@
       </p:pic>
       <p:pic>
         <p:nvPicPr>
-          <p:cNvPr id="292363715" name=""/>
+          <p:cNvPr id="62505364" name=""/>
           <p:cNvPicPr>
             <a:picLocks noChangeAspect="1"/>
           </p:cNvPicPr>
@@ -15270,7 +15270,7 @@
       </p:pic>
       <p:pic>
         <p:nvPicPr>
-          <p:cNvPr id="597137028" name=""/>
+          <p:cNvPr id="1829750445" name=""/>
           <p:cNvPicPr>
             <a:picLocks noChangeAspect="1"/>
           </p:cNvPicPr>
@@ -15292,7 +15292,7 @@
       </p:pic>
       <p:pic>
         <p:nvPicPr>
-          <p:cNvPr id="397341281" name=""/>
+          <p:cNvPr id="132237172" name=""/>
           <p:cNvPicPr>
             <a:picLocks noChangeAspect="1"/>
           </p:cNvPicPr>
@@ -15314,7 +15314,7 @@
       </p:pic>
       <p:pic>
         <p:nvPicPr>
-          <p:cNvPr id="1466037562" name=""/>
+          <p:cNvPr id="1425475450" name=""/>
           <p:cNvPicPr>
             <a:picLocks noChangeAspect="1"/>
           </p:cNvPicPr>
@@ -15336,7 +15336,7 @@
       </p:pic>
       <p:pic>
         <p:nvPicPr>
-          <p:cNvPr id="634015572" name=""/>
+          <p:cNvPr id="1500972289" name=""/>
           <p:cNvPicPr>
             <a:picLocks noChangeAspect="1"/>
           </p:cNvPicPr>
@@ -15395,7 +15395,7 @@
       </p:grpSpPr>
       <p:pic>
         <p:nvPicPr>
-          <p:cNvPr id="238940770" name=""/>
+          <p:cNvPr id="1986377949" name=""/>
           <p:cNvPicPr>
             <a:picLocks noChangeAspect="1"/>
           </p:cNvPicPr>
@@ -15417,7 +15417,7 @@
       </p:pic>
       <p:pic>
         <p:nvPicPr>
-          <p:cNvPr id="1103534263" name=""/>
+          <p:cNvPr id="1813501174" name=""/>
           <p:cNvPicPr>
             <a:picLocks noChangeAspect="1"/>
           </p:cNvPicPr>
@@ -15439,7 +15439,7 @@
       </p:pic>
       <p:sp>
         <p:nvSpPr>
-          <p:cNvPr id="1302118990" name="Text Placeholder 1"/>
+          <p:cNvPr id="1618804026" name="Text Placeholder 1"/>
           <p:cNvSpPr>
             <a:spLocks noGrp="1"/>
           </p:cNvSpPr>
@@ -15470,7 +15470,7 @@
       </p:sp>
       <p:pic>
         <p:nvPicPr>
-          <p:cNvPr id="792425679" name="Picture 679748627"/>
+          <p:cNvPr id="526819957" name="Picture 679748627"/>
           <p:cNvPicPr>
             <a:picLocks noChangeAspect="1"/>
           </p:cNvPicPr>
@@ -15493,7 +15493,7 @@
       </p:pic>
       <p:pic>
         <p:nvPicPr>
-          <p:cNvPr id="625537309" name=""/>
+          <p:cNvPr id="1351639588" name=""/>
           <p:cNvPicPr>
             <a:picLocks noChangeAspect="1"/>
           </p:cNvPicPr>
@@ -15515,7 +15515,7 @@
       </p:pic>
       <p:pic>
         <p:nvPicPr>
-          <p:cNvPr id="1265354098" name=""/>
+          <p:cNvPr id="1741401591" name=""/>
           <p:cNvPicPr>
             <a:picLocks noChangeAspect="1"/>
           </p:cNvPicPr>
@@ -15538,7 +15538,7 @@
       </p:pic>
       <p:pic>
         <p:nvPicPr>
-          <p:cNvPr id="329353204" name=""/>
+          <p:cNvPr id="1674480508" name=""/>
           <p:cNvPicPr>
             <a:picLocks noChangeAspect="1"/>
           </p:cNvPicPr>
@@ -15560,7 +15560,7 @@
       </p:pic>
       <p:pic>
         <p:nvPicPr>
-          <p:cNvPr id="1644314650" name=""/>
+          <p:cNvPr id="709634646" name=""/>
           <p:cNvPicPr>
             <a:picLocks noChangeAspect="1"/>
           </p:cNvPicPr>
@@ -15619,7 +15619,7 @@
       </p:grpSpPr>
       <p:pic>
         <p:nvPicPr>
-          <p:cNvPr id="1345407677" name=""/>
+          <p:cNvPr id="1507638505" name=""/>
           <p:cNvPicPr>
             <a:picLocks noChangeAspect="1"/>
           </p:cNvPicPr>
@@ -15642,7 +15642,7 @@
       </p:pic>
       <p:pic>
         <p:nvPicPr>
-          <p:cNvPr id="1001245931" name=""/>
+          <p:cNvPr id="375551167" name=""/>
           <p:cNvPicPr>
             <a:picLocks noChangeAspect="1"/>
           </p:cNvPicPr>
@@ -15664,7 +15664,7 @@
       </p:pic>
       <p:sp>
         <p:nvSpPr>
-          <p:cNvPr id="2076355452" name="Text Placeholder 1"/>
+          <p:cNvPr id="1567603573" name="Text Placeholder 1"/>
           <p:cNvSpPr>
             <a:spLocks noGrp="1"/>
           </p:cNvSpPr>
@@ -15695,7 +15695,7 @@
       </p:sp>
       <p:pic>
         <p:nvPicPr>
-          <p:cNvPr id="1088199669" name="Picture 679748627"/>
+          <p:cNvPr id="469511840" name="Picture 679748627"/>
           <p:cNvPicPr>
             <a:picLocks noChangeAspect="1"/>
           </p:cNvPicPr>
@@ -15718,7 +15718,7 @@
       </p:pic>
       <p:pic>
         <p:nvPicPr>
-          <p:cNvPr id="767840927" name=""/>
+          <p:cNvPr id="1677486871" name=""/>
           <p:cNvPicPr>
             <a:picLocks noChangeAspect="1"/>
           </p:cNvPicPr>
@@ -15740,7 +15740,7 @@
       </p:pic>
       <p:pic>
         <p:nvPicPr>
-          <p:cNvPr id="1537274802" name=""/>
+          <p:cNvPr id="1935042623" name=""/>
           <p:cNvPicPr>
             <a:picLocks noChangeAspect="1"/>
           </p:cNvPicPr>
@@ -15800,7 +15800,7 @@
       </p:grpSpPr>
       <p:pic>
         <p:nvPicPr>
-          <p:cNvPr id="1386350971" name=""/>
+          <p:cNvPr id="127866462" name=""/>
           <p:cNvPicPr>
             <a:picLocks noChangeAspect="1"/>
           </p:cNvPicPr>
@@ -15823,7 +15823,7 @@
       </p:pic>
       <p:pic>
         <p:nvPicPr>
-          <p:cNvPr id="815057571" name=""/>
+          <p:cNvPr id="402991975" name=""/>
           <p:cNvPicPr>
             <a:picLocks noChangeAspect="1"/>
           </p:cNvPicPr>
@@ -15846,7 +15846,7 @@
       </p:pic>
       <p:pic>
         <p:nvPicPr>
-          <p:cNvPr id="931179048" name=""/>
+          <p:cNvPr id="1652639676" name=""/>
           <p:cNvPicPr>
             <a:picLocks noChangeAspect="1"/>
           </p:cNvPicPr>
@@ -15868,7 +15868,7 @@
       </p:pic>
       <p:sp>
         <p:nvSpPr>
-          <p:cNvPr id="1171148058" name="Text Placeholder 1"/>
+          <p:cNvPr id="813212486" name="Text Placeholder 1"/>
           <p:cNvSpPr>
             <a:spLocks noGrp="1"/>
           </p:cNvSpPr>
@@ -15899,7 +15899,7 @@
       </p:sp>
       <p:pic>
         <p:nvPicPr>
-          <p:cNvPr id="1155652815" name="Picture 679748627"/>
+          <p:cNvPr id="1193863315" name="Picture 679748627"/>
           <p:cNvPicPr>
             <a:picLocks noChangeAspect="1"/>
           </p:cNvPicPr>
@@ -15922,7 +15922,7 @@
       </p:pic>
       <p:pic>
         <p:nvPicPr>
-          <p:cNvPr id="618144492" name=""/>
+          <p:cNvPr id="1762346311" name=""/>
           <p:cNvPicPr>
             <a:picLocks noChangeAspect="1"/>
           </p:cNvPicPr>
@@ -17733,7 +17733,7 @@
       </p:grpSpPr>
       <p:sp>
         <p:nvSpPr>
-          <p:cNvPr id="413752923" name="Text Placeholder 1"/>
+          <p:cNvPr id="1561650747" name="Text Placeholder 1"/>
           <p:cNvSpPr>
             <a:spLocks noGrp="1"/>
           </p:cNvSpPr>
@@ -17759,7 +17759,7 @@
       </p:sp>
       <p:sp>
         <p:nvSpPr>
-          <p:cNvPr id="1872370923" name="Content Placeholder 2"/>
+          <p:cNvPr id="1907715765" name="Content Placeholder 2"/>
           <p:cNvSpPr>
             <a:spLocks noGrp="1"/>
           </p:cNvSpPr>
@@ -17792,7 +17792,7 @@
       </p:sp>
       <p:pic>
         <p:nvPicPr>
-          <p:cNvPr id="663053873" name=""/>
+          <p:cNvPr id="1676945047" name=""/>
           <p:cNvPicPr>
             <a:picLocks noChangeAspect="1"/>
           </p:cNvPicPr>
@@ -17814,7 +17814,7 @@
       </p:pic>
       <p:sp>
         <p:nvSpPr>
-          <p:cNvPr id="1111569256" name=""/>
+          <p:cNvPr id="316137489" name=""/>
           <p:cNvSpPr txBox="1"/>
           <p:nvPr/>
         </p:nvSpPr>
@@ -17846,7 +17846,7 @@
       </p:sp>
       <p:pic>
         <p:nvPicPr>
-          <p:cNvPr id="835670711" name=""/>
+          <p:cNvPr id="1224940129" name=""/>
           <p:cNvPicPr>
             <a:picLocks noChangeAspect="1"/>
           </p:cNvPicPr>
@@ -17868,7 +17868,7 @@
       </p:pic>
       <p:pic>
         <p:nvPicPr>
-          <p:cNvPr id="1590564960" name=""/>
+          <p:cNvPr id="591950209" name=""/>
           <p:cNvPicPr>
             <a:picLocks noChangeAspect="1"/>
           </p:cNvPicPr>
@@ -17890,7 +17890,7 @@
       </p:pic>
       <p:sp>
         <p:nvSpPr>
-          <p:cNvPr id="864824677" name=""/>
+          <p:cNvPr id="1544036273" name=""/>
           <p:cNvSpPr txBox="1"/>
           <p:nvPr/>
         </p:nvSpPr>
@@ -17962,7 +17962,7 @@
       </p:grpSpPr>
       <p:pic>
         <p:nvPicPr>
-          <p:cNvPr id="2015934547" name=""/>
+          <p:cNvPr id="1427071530" name=""/>
           <p:cNvPicPr>
             <a:picLocks noChangeAspect="1"/>
           </p:cNvPicPr>
@@ -17984,7 +17984,7 @@
       </p:pic>
       <p:sp>
         <p:nvSpPr>
-          <p:cNvPr id="2068853895" name=""/>
+          <p:cNvPr id="580683921" name=""/>
           <p:cNvSpPr txBox="1"/>
           <p:nvPr/>
         </p:nvSpPr>
@@ -18012,7 +18012,7 @@
       </p:sp>
       <p:pic>
         <p:nvPicPr>
-          <p:cNvPr id="1365967489" name=""/>
+          <p:cNvPr id="1806724295" name=""/>
           <p:cNvPicPr>
             <a:picLocks noChangeAspect="1"/>
           </p:cNvPicPr>
@@ -18034,7 +18034,7 @@
       </p:pic>
       <p:pic>
         <p:nvPicPr>
-          <p:cNvPr id="2141307353" name=""/>
+          <p:cNvPr id="929377229" name=""/>
           <p:cNvPicPr>
             <a:picLocks noChangeAspect="1"/>
           </p:cNvPicPr>
@@ -18056,7 +18056,7 @@
       </p:pic>
       <p:pic>
         <p:nvPicPr>
-          <p:cNvPr id="879808548" name=""/>
+          <p:cNvPr id="1482921298" name=""/>
           <p:cNvPicPr>
             <a:picLocks noChangeAspect="1"/>
           </p:cNvPicPr>
@@ -18078,7 +18078,7 @@
       </p:pic>
       <p:pic>
         <p:nvPicPr>
-          <p:cNvPr id="1567307432" name=""/>
+          <p:cNvPr id="2024043463" name=""/>
           <p:cNvPicPr>
             <a:picLocks noChangeAspect="1"/>
           </p:cNvPicPr>
@@ -18100,7 +18100,7 @@
       </p:pic>
       <p:pic>
         <p:nvPicPr>
-          <p:cNvPr id="716081540" name=""/>
+          <p:cNvPr id="16231198" name=""/>
           <p:cNvPicPr>
             <a:picLocks noChangeAspect="1"/>
           </p:cNvPicPr>
@@ -18122,7 +18122,7 @@
       </p:pic>
       <p:pic>
         <p:nvPicPr>
-          <p:cNvPr id="1988905212" name=""/>
+          <p:cNvPr id="153384609" name=""/>
           <p:cNvPicPr>
             <a:picLocks noChangeAspect="1"/>
           </p:cNvPicPr>
@@ -18144,7 +18144,7 @@
       </p:pic>
       <p:pic>
         <p:nvPicPr>
-          <p:cNvPr id="951022497" name=""/>
+          <p:cNvPr id="1859957798" name=""/>
           <p:cNvPicPr>
             <a:picLocks noChangeAspect="1"/>
           </p:cNvPicPr>
@@ -18166,7 +18166,7 @@
       </p:pic>
       <p:pic>
         <p:nvPicPr>
-          <p:cNvPr id="454488305" name=""/>
+          <p:cNvPr id="967117154" name=""/>
           <p:cNvPicPr>
             <a:picLocks noChangeAspect="1"/>
           </p:cNvPicPr>
@@ -18188,7 +18188,7 @@
       </p:pic>
       <p:pic>
         <p:nvPicPr>
-          <p:cNvPr id="731225106" name=""/>
+          <p:cNvPr id="1784491591" name=""/>
           <p:cNvPicPr>
             <a:picLocks noChangeAspect="1"/>
           </p:cNvPicPr>
@@ -18210,7 +18210,7 @@
       </p:pic>
       <p:pic>
         <p:nvPicPr>
-          <p:cNvPr id="123368313" name=""/>
+          <p:cNvPr id="1969930056" name=""/>
           <p:cNvPicPr>
             <a:picLocks noChangeAspect="1"/>
           </p:cNvPicPr>
@@ -18232,7 +18232,7 @@
       </p:pic>
       <p:sp>
         <p:nvSpPr>
-          <p:cNvPr id="1644937614" name="Text Placeholder 1"/>
+          <p:cNvPr id="886040446" name="Text Placeholder 1"/>
           <p:cNvSpPr>
             <a:spLocks noGrp="1"/>
           </p:cNvSpPr>
@@ -18263,7 +18263,7 @@
       </p:sp>
       <p:pic>
         <p:nvPicPr>
-          <p:cNvPr id="1404418517" name="Picture 679748627"/>
+          <p:cNvPr id="179196080" name="Picture 679748627"/>
           <p:cNvPicPr>
             <a:picLocks noChangeAspect="1"/>
           </p:cNvPicPr>
@@ -18529,7 +18529,7 @@
       </p:grpSpPr>
       <p:pic>
         <p:nvPicPr>
-          <p:cNvPr id="2034641840" name=""/>
+          <p:cNvPr id="1161491593" name=""/>
           <p:cNvPicPr>
             <a:picLocks noChangeAspect="1"/>
           </p:cNvPicPr>
@@ -18551,7 +18551,7 @@
       </p:pic>
       <p:sp>
         <p:nvSpPr>
-          <p:cNvPr id="880732579" name=""/>
+          <p:cNvPr id="1207632379" name=""/>
           <p:cNvSpPr txBox="1"/>
           <p:nvPr/>
         </p:nvSpPr>
@@ -18579,7 +18579,7 @@
       </p:sp>
       <p:pic>
         <p:nvPicPr>
-          <p:cNvPr id="1708430783" name=""/>
+          <p:cNvPr id="531552790" name=""/>
           <p:cNvPicPr>
             <a:picLocks noChangeAspect="1"/>
           </p:cNvPicPr>
@@ -18601,7 +18601,7 @@
       </p:pic>
       <p:pic>
         <p:nvPicPr>
-          <p:cNvPr id="68516197" name=""/>
+          <p:cNvPr id="80329474" name=""/>
           <p:cNvPicPr>
             <a:picLocks noChangeAspect="1"/>
           </p:cNvPicPr>
@@ -18623,7 +18623,7 @@
       </p:pic>
       <p:pic>
         <p:nvPicPr>
-          <p:cNvPr id="490161938" name=""/>
+          <p:cNvPr id="950639126" name=""/>
           <p:cNvPicPr>
             <a:picLocks noChangeAspect="1"/>
           </p:cNvPicPr>
@@ -18645,7 +18645,7 @@
       </p:pic>
       <p:pic>
         <p:nvPicPr>
-          <p:cNvPr id="1319363666" name=""/>
+          <p:cNvPr id="1545545306" name=""/>
           <p:cNvPicPr>
             <a:picLocks noChangeAspect="1"/>
           </p:cNvPicPr>
@@ -18667,7 +18667,7 @@
       </p:pic>
       <p:pic>
         <p:nvPicPr>
-          <p:cNvPr id="546089003" name=""/>
+          <p:cNvPr id="1149780288" name=""/>
           <p:cNvPicPr>
             <a:picLocks noChangeAspect="1"/>
           </p:cNvPicPr>
@@ -18689,7 +18689,7 @@
       </p:pic>
       <p:pic>
         <p:nvPicPr>
-          <p:cNvPr id="515170573" name=""/>
+          <p:cNvPr id="1699493770" name=""/>
           <p:cNvPicPr>
             <a:picLocks noChangeAspect="1"/>
           </p:cNvPicPr>
@@ -18711,7 +18711,7 @@
       </p:pic>
       <p:pic>
         <p:nvPicPr>
-          <p:cNvPr id="2104836292" name=""/>
+          <p:cNvPr id="2137059039" name=""/>
           <p:cNvPicPr>
             <a:picLocks noChangeAspect="1"/>
           </p:cNvPicPr>
@@ -18733,7 +18733,7 @@
       </p:pic>
       <p:pic>
         <p:nvPicPr>
-          <p:cNvPr id="271452148" name=""/>
+          <p:cNvPr id="748626630" name=""/>
           <p:cNvPicPr>
             <a:picLocks noChangeAspect="1"/>
           </p:cNvPicPr>
@@ -18755,7 +18755,7 @@
       </p:pic>
       <p:pic>
         <p:nvPicPr>
-          <p:cNvPr id="298651701" name=""/>
+          <p:cNvPr id="1786162690" name=""/>
           <p:cNvPicPr>
             <a:picLocks noChangeAspect="1"/>
           </p:cNvPicPr>
@@ -18777,7 +18777,7 @@
       </p:pic>
       <p:pic>
         <p:nvPicPr>
-          <p:cNvPr id="1094156117" name=""/>
+          <p:cNvPr id="702366306" name=""/>
           <p:cNvPicPr>
             <a:picLocks noChangeAspect="1"/>
           </p:cNvPicPr>
@@ -18799,7 +18799,7 @@
       </p:pic>
       <p:sp>
         <p:nvSpPr>
-          <p:cNvPr id="2056126714" name="Text Placeholder 1"/>
+          <p:cNvPr id="1143718986" name="Text Placeholder 1"/>
           <p:cNvSpPr>
             <a:spLocks noGrp="1"/>
           </p:cNvSpPr>
@@ -18822,7 +18822,7 @@
             </a:pPr>
             <a:r>
               <a:rPr/>
-              <a:t>Obbiettivi</a:t>
+              <a:t>Obiettivi</a:t>
             </a:r>
             <a:endParaRPr/>
           </a:p>
@@ -18830,7 +18830,7 @@
       </p:sp>
       <p:pic>
         <p:nvPicPr>
-          <p:cNvPr id="1229184763" name="Picture 679748627"/>
+          <p:cNvPr id="2003845150" name="Picture 679748627"/>
           <p:cNvPicPr>
             <a:picLocks noChangeAspect="1"/>
           </p:cNvPicPr>
@@ -18889,7 +18889,7 @@
       </p:grpSpPr>
       <p:sp>
         <p:nvSpPr>
-          <p:cNvPr id="1885714173" name=""/>
+          <p:cNvPr id="1751457500" name=""/>
           <p:cNvSpPr txBox="1"/>
           <p:nvPr/>
         </p:nvSpPr>
@@ -18917,7 +18917,7 @@
       </p:sp>
       <p:pic>
         <p:nvPicPr>
-          <p:cNvPr id="925914121" name=""/>
+          <p:cNvPr id="1639137734" name=""/>
           <p:cNvPicPr>
             <a:picLocks noChangeAspect="1"/>
           </p:cNvPicPr>
@@ -18939,7 +18939,7 @@
       </p:pic>
       <p:sp>
         <p:nvSpPr>
-          <p:cNvPr id="1460801841" name="Text Placeholder 1"/>
+          <p:cNvPr id="1605996620" name="Text Placeholder 1"/>
           <p:cNvSpPr>
             <a:spLocks noGrp="1"/>
           </p:cNvSpPr>
@@ -18971,7 +18971,7 @@
                 <a:ea typeface="Arial"/>
                 <a:cs typeface="Arial"/>
               </a:rPr>
-              <a:t>Obbiettivi</a:t>
+              <a:t>Obiettivi</a:t>
             </a:r>
             <a:endParaRPr/>
           </a:p>
@@ -18979,7 +18979,7 @@
       </p:sp>
       <p:pic>
         <p:nvPicPr>
-          <p:cNvPr id="367932368" name="Picture 679748627"/>
+          <p:cNvPr id="75852932" name="Picture 679748627"/>
           <p:cNvPicPr>
             <a:picLocks noChangeAspect="1"/>
           </p:cNvPicPr>
@@ -19001,7 +19001,7 @@
       </p:pic>
       <p:pic>
         <p:nvPicPr>
-          <p:cNvPr id="834611444" name=""/>
+          <p:cNvPr id="1419293186" name=""/>
           <p:cNvPicPr>
             <a:picLocks noChangeAspect="1"/>
           </p:cNvPicPr>
@@ -19103,7 +19103,7 @@
       </p:grpSpPr>
       <p:sp>
         <p:nvSpPr>
-          <p:cNvPr id="1451842141" name=""/>
+          <p:cNvPr id="489568030" name=""/>
           <p:cNvSpPr txBox="1"/>
           <p:nvPr/>
         </p:nvSpPr>
@@ -19131,7 +19131,7 @@
       </p:sp>
       <p:pic>
         <p:nvPicPr>
-          <p:cNvPr id="1036949224" name=""/>
+          <p:cNvPr id="1341215227" name=""/>
           <p:cNvPicPr>
             <a:picLocks noChangeAspect="1"/>
           </p:cNvPicPr>
@@ -19153,7 +19153,7 @@
       </p:pic>
       <p:pic>
         <p:nvPicPr>
-          <p:cNvPr id="1552675679" name="Picture 679748627"/>
+          <p:cNvPr id="1999012497" name="Picture 679748627"/>
           <p:cNvPicPr>
             <a:picLocks noChangeAspect="1"/>
           </p:cNvPicPr>
@@ -19175,7 +19175,7 @@
       </p:pic>
       <p:pic>
         <p:nvPicPr>
-          <p:cNvPr id="233223170" name=""/>
+          <p:cNvPr id="682386933" name=""/>
           <p:cNvPicPr>
             <a:picLocks noChangeAspect="1"/>
           </p:cNvPicPr>
@@ -19197,7 +19197,7 @@
       </p:pic>
       <p:pic>
         <p:nvPicPr>
-          <p:cNvPr id="1866337633" name=""/>
+          <p:cNvPr id="105826505" name=""/>
           <p:cNvPicPr>
             <a:picLocks noChangeAspect="1"/>
           </p:cNvPicPr>
@@ -19219,7 +19219,7 @@
       </p:pic>
       <p:sp>
         <p:nvSpPr>
-          <p:cNvPr id="2053736292" name="Text Placeholder 1"/>
+          <p:cNvPr id="2039849501" name="Text Placeholder 1"/>
           <p:cNvSpPr>
             <a:spLocks noGrp="1"/>
           </p:cNvSpPr>
@@ -19407,7 +19407,7 @@
                 <a:ea typeface="Arial"/>
                 <a:cs typeface="Arial"/>
               </a:rPr>
-              <a:t>Obbiettivi</a:t>
+              <a:t>Obiettivi</a:t>
             </a:r>
             <a:endParaRPr sz="2700"/>
           </a:p>
@@ -19538,7 +19538,7 @@
       </p:grpSpPr>
       <p:sp>
         <p:nvSpPr>
-          <p:cNvPr id="2102937760" name=""/>
+          <p:cNvPr id="1156226989" name=""/>
           <p:cNvSpPr txBox="1"/>
           <p:nvPr/>
         </p:nvSpPr>
@@ -19566,7 +19566,7 @@
       </p:sp>
       <p:pic>
         <p:nvPicPr>
-          <p:cNvPr id="1435199327" name=""/>
+          <p:cNvPr id="759604377" name=""/>
           <p:cNvPicPr>
             <a:picLocks noChangeAspect="1"/>
           </p:cNvPicPr>
@@ -19588,7 +19588,7 @@
       </p:pic>
       <p:pic>
         <p:nvPicPr>
-          <p:cNvPr id="909461045" name="Picture 679748627"/>
+          <p:cNvPr id="1346445594" name="Picture 679748627"/>
           <p:cNvPicPr>
             <a:picLocks noChangeAspect="1"/>
           </p:cNvPicPr>
@@ -19610,7 +19610,7 @@
       </p:pic>
       <p:pic>
         <p:nvPicPr>
-          <p:cNvPr id="1899208232" name=""/>
+          <p:cNvPr id="1981913076" name=""/>
           <p:cNvPicPr>
             <a:picLocks noChangeAspect="1"/>
           </p:cNvPicPr>
@@ -19632,7 +19632,7 @@
       </p:pic>
       <p:pic>
         <p:nvPicPr>
-          <p:cNvPr id="1326040622" name=""/>
+          <p:cNvPr id="1526496775" name=""/>
           <p:cNvPicPr>
             <a:picLocks noChangeAspect="1"/>
           </p:cNvPicPr>
@@ -19654,7 +19654,7 @@
       </p:pic>
       <p:pic>
         <p:nvPicPr>
-          <p:cNvPr id="2046555102" name=""/>
+          <p:cNvPr id="213954939" name=""/>
           <p:cNvPicPr>
             <a:picLocks noChangeAspect="1"/>
           </p:cNvPicPr>
@@ -19677,7 +19677,7 @@
       </p:pic>
       <p:sp>
         <p:nvSpPr>
-          <p:cNvPr id="961702640" name="Text Placeholder 1"/>
+          <p:cNvPr id="1249037918" name="Text Placeholder 1"/>
           <p:cNvSpPr>
             <a:spLocks noGrp="1"/>
           </p:cNvSpPr>
@@ -19709,7 +19709,7 @@
                 <a:ea typeface="Arial"/>
                 <a:cs typeface="Arial"/>
               </a:rPr>
-              <a:t>Obbiettivi</a:t>
+              <a:t>Obiettivi</a:t>
             </a:r>
             <a:endParaRPr sz="2700"/>
           </a:p>
@@ -19838,7 +19838,7 @@
       </p:grpSpPr>
       <p:sp>
         <p:nvSpPr>
-          <p:cNvPr id="949697900" name=""/>
+          <p:cNvPr id="1140132520" name=""/>
           <p:cNvSpPr txBox="1"/>
           <p:nvPr/>
         </p:nvSpPr>
@@ -19866,7 +19866,7 @@
       </p:sp>
       <p:pic>
         <p:nvPicPr>
-          <p:cNvPr id="489505616" name=""/>
+          <p:cNvPr id="1367480741" name=""/>
           <p:cNvPicPr>
             <a:picLocks noChangeAspect="1"/>
           </p:cNvPicPr>
@@ -19888,7 +19888,7 @@
       </p:pic>
       <p:pic>
         <p:nvPicPr>
-          <p:cNvPr id="463722379" name="Picture 679748627"/>
+          <p:cNvPr id="94308463" name="Picture 679748627"/>
           <p:cNvPicPr>
             <a:picLocks noChangeAspect="1"/>
           </p:cNvPicPr>
@@ -19910,7 +19910,7 @@
       </p:pic>
       <p:pic>
         <p:nvPicPr>
-          <p:cNvPr id="703422806" name=""/>
+          <p:cNvPr id="976944901" name=""/>
           <p:cNvPicPr>
             <a:picLocks noChangeAspect="1"/>
           </p:cNvPicPr>
@@ -19932,7 +19932,7 @@
       </p:pic>
       <p:pic>
         <p:nvPicPr>
-          <p:cNvPr id="359222688" name=""/>
+          <p:cNvPr id="55644520" name=""/>
           <p:cNvPicPr>
             <a:picLocks noChangeAspect="1"/>
           </p:cNvPicPr>
@@ -19954,7 +19954,7 @@
       </p:pic>
       <p:pic>
         <p:nvPicPr>
-          <p:cNvPr id="2034283510" name=""/>
+          <p:cNvPr id="846969415" name=""/>
           <p:cNvPicPr>
             <a:picLocks noChangeAspect="1"/>
           </p:cNvPicPr>
@@ -19977,7 +19977,7 @@
       </p:pic>
       <p:pic>
         <p:nvPicPr>
-          <p:cNvPr id="1597178345" name=""/>
+          <p:cNvPr id="1027312715" name=""/>
           <p:cNvPicPr>
             <a:picLocks noChangeAspect="1"/>
           </p:cNvPicPr>
@@ -20000,7 +20000,7 @@
       </p:pic>
       <p:sp>
         <p:nvSpPr>
-          <p:cNvPr id="1765009156" name="Text Placeholder 1"/>
+          <p:cNvPr id="1361530755" name="Text Placeholder 1"/>
           <p:cNvSpPr>
             <a:spLocks noGrp="1"/>
           </p:cNvSpPr>
@@ -20032,7 +20032,7 @@
                 <a:ea typeface="Arial"/>
                 <a:cs typeface="Arial"/>
               </a:rPr>
-              <a:t>Obbiettivi</a:t>
+              <a:t>Obiettivi</a:t>
             </a:r>
             <a:endParaRPr sz="2700"/>
           </a:p>
@@ -20203,7 +20203,7 @@
       </p:grpSpPr>
       <p:sp>
         <p:nvSpPr>
-          <p:cNvPr id="1208704806" name=""/>
+          <p:cNvPr id="250647931" name=""/>
           <p:cNvSpPr txBox="1"/>
           <p:nvPr/>
         </p:nvSpPr>
@@ -20231,7 +20231,7 @@
       </p:sp>
       <p:pic>
         <p:nvPicPr>
-          <p:cNvPr id="1451039633" name=""/>
+          <p:cNvPr id="2060488566" name=""/>
           <p:cNvPicPr>
             <a:picLocks noChangeAspect="1"/>
           </p:cNvPicPr>
@@ -20253,7 +20253,7 @@
       </p:pic>
       <p:sp>
         <p:nvSpPr>
-          <p:cNvPr id="1001170090" name="Text Placeholder 1"/>
+          <p:cNvPr id="1040153157" name="Text Placeholder 1"/>
           <p:cNvSpPr>
             <a:spLocks noGrp="1"/>
           </p:cNvSpPr>
@@ -20276,7 +20276,7 @@
             </a:pPr>
             <a:r>
               <a:rPr/>
-              <a:t>Obbiettivi</a:t>
+              <a:t>Obiettivi</a:t>
             </a:r>
             <a:endParaRPr/>
           </a:p>
@@ -20284,7 +20284,7 @@
       </p:sp>
       <p:pic>
         <p:nvPicPr>
-          <p:cNvPr id="1467613028" name="Picture 679748627"/>
+          <p:cNvPr id="799704578" name="Picture 679748627"/>
           <p:cNvPicPr>
             <a:picLocks noChangeAspect="1"/>
           </p:cNvPicPr>
@@ -20306,7 +20306,7 @@
       </p:pic>
       <p:pic>
         <p:nvPicPr>
-          <p:cNvPr id="1911974588" name=""/>
+          <p:cNvPr id="2067333859" name=""/>
           <p:cNvPicPr>
             <a:picLocks noChangeAspect="1"/>
           </p:cNvPicPr>
@@ -20328,7 +20328,7 @@
       </p:pic>
       <p:pic>
         <p:nvPicPr>
-          <p:cNvPr id="52636913" name=""/>
+          <p:cNvPr id="1392824703" name=""/>
           <p:cNvPicPr>
             <a:picLocks noChangeAspect="1"/>
           </p:cNvPicPr>
@@ -20350,7 +20350,7 @@
       </p:pic>
       <p:pic>
         <p:nvPicPr>
-          <p:cNvPr id="670940832" name=""/>
+          <p:cNvPr id="416545297" name=""/>
           <p:cNvPicPr>
             <a:picLocks noChangeAspect="1"/>
           </p:cNvPicPr>
@@ -20373,7 +20373,7 @@
       </p:pic>
       <p:pic>
         <p:nvPicPr>
-          <p:cNvPr id="300993206" name=""/>
+          <p:cNvPr id="1184582664" name=""/>
           <p:cNvPicPr>
             <a:picLocks noChangeAspect="1"/>
           </p:cNvPicPr>

--- a/docs/tesi/MSE_Master Thesis_Presentation_AlessioTommasi PostIncontro.pptx
+++ b/docs/tesi/MSE_Master Thesis_Presentation_AlessioTommasi PostIncontro.pptx
@@ -195,7 +195,7 @@
       </p:grpSpPr>
       <p:sp>
         <p:nvSpPr>
-          <p:cNvPr id="1856715388" name="Rectangle 2"/>
+          <p:cNvPr id="515504019" name="Rectangle 2"/>
           <p:cNvSpPr>
             <a:spLocks noChangeArrowheads="1" noGrp="1"/>
           </p:cNvSpPr>
@@ -242,7 +242,7 @@
       </p:sp>
       <p:sp>
         <p:nvSpPr>
-          <p:cNvPr id="705057203" name="Rectangle 3"/>
+          <p:cNvPr id="1825304257" name="Rectangle 3"/>
           <p:cNvSpPr>
             <a:spLocks noChangeArrowheads="1" noGrp="1"/>
           </p:cNvSpPr>
@@ -289,7 +289,7 @@
       </p:sp>
       <p:sp>
         <p:nvSpPr>
-          <p:cNvPr id="480924359" name="Rectangle 4"/>
+          <p:cNvPr id="492915097" name="Rectangle 4"/>
           <p:cNvSpPr>
             <a:spLocks noChangeArrowheads="1" noChangeAspect="1" noGrp="1" noRot="1" noTextEdit="1"/>
           </p:cNvSpPr>
@@ -318,7 +318,7 @@
       </p:sp>
       <p:sp>
         <p:nvSpPr>
-          <p:cNvPr id="2085880551" name="Rectangle 5"/>
+          <p:cNvPr id="1837038578" name="Rectangle 5"/>
           <p:cNvSpPr>
             <a:spLocks noChangeArrowheads="1" noGrp="1"/>
           </p:cNvSpPr>
@@ -402,7 +402,7 @@
       </p:sp>
       <p:sp>
         <p:nvSpPr>
-          <p:cNvPr id="1636062041" name="Rectangle 6"/>
+          <p:cNvPr id="2002929082" name="Rectangle 6"/>
           <p:cNvSpPr>
             <a:spLocks noChangeArrowheads="1" noGrp="1"/>
           </p:cNvSpPr>
@@ -449,7 +449,7 @@
       </p:sp>
       <p:sp>
         <p:nvSpPr>
-          <p:cNvPr id="1831212614" name="Rectangle 7"/>
+          <p:cNvPr id="556561745" name="Rectangle 7"/>
           <p:cNvSpPr>
             <a:spLocks noChangeArrowheads="1" noGrp="1"/>
           </p:cNvSpPr>
@@ -643,7 +643,7 @@
       </p:grpSpPr>
       <p:sp>
         <p:nvSpPr>
-          <p:cNvPr id="2031118715" name="Slide Image Placeholder 1"/>
+          <p:cNvPr id="381925987" name="Slide Image Placeholder 1"/>
           <p:cNvSpPr>
             <a:spLocks noChangeAspect="1" noGrp="1" noRot="1"/>
           </p:cNvSpPr>
@@ -655,7 +655,7 @@
       </p:sp>
       <p:sp>
         <p:nvSpPr>
-          <p:cNvPr id="51498329" name="Notes Placeholder 2"/>
+          <p:cNvPr id="165419393" name="Notes Placeholder 2"/>
           <p:cNvSpPr>
             <a:spLocks noGrp="1"/>
           </p:cNvSpPr>
@@ -758,7 +758,7 @@
       </p:sp>
       <p:sp>
         <p:nvSpPr>
-          <p:cNvPr id="1550428364" name="Slide Number Placeholder 3"/>
+          <p:cNvPr id="2014747719" name="Slide Number Placeholder 3"/>
           <p:cNvSpPr>
             <a:spLocks noGrp="1"/>
           </p:cNvSpPr>
@@ -809,7 +809,7 @@
       </p:grpSpPr>
       <p:sp>
         <p:nvSpPr>
-          <p:cNvPr id="53847572" name="Segnaposto immagine diapositiva 1"/>
+          <p:cNvPr id="649191623" name="Segnaposto immagine diapositiva 1"/>
           <p:cNvSpPr>
             <a:spLocks noChangeAspect="1" noGrp="1" noRot="1"/>
           </p:cNvSpPr>
@@ -821,7 +821,7 @@
       </p:sp>
       <p:sp>
         <p:nvSpPr>
-          <p:cNvPr id="2115420615" name="Segnaposto note 2"/>
+          <p:cNvPr id="765451520" name="Segnaposto note 2"/>
           <p:cNvSpPr>
             <a:spLocks noGrp="1"/>
           </p:cNvSpPr>
@@ -961,7 +961,7 @@
       </p:sp>
       <p:sp>
         <p:nvSpPr>
-          <p:cNvPr id="463056442" name="Segnaposto numero diapositiva 3"/>
+          <p:cNvPr id="1526073987" name="Segnaposto numero diapositiva 3"/>
           <p:cNvSpPr>
             <a:spLocks noGrp="1"/>
           </p:cNvSpPr>
@@ -1012,7 +1012,7 @@
       </p:grpSpPr>
       <p:sp>
         <p:nvSpPr>
-          <p:cNvPr id="37070437" name="Segnaposto immagine diapositiva 1"/>
+          <p:cNvPr id="1142349722" name="Segnaposto immagine diapositiva 1"/>
           <p:cNvSpPr>
             <a:spLocks noChangeAspect="1" noGrp="1" noRot="1"/>
           </p:cNvSpPr>
@@ -1024,7 +1024,7 @@
       </p:sp>
       <p:sp>
         <p:nvSpPr>
-          <p:cNvPr id="384508865" name="Segnaposto note 2"/>
+          <p:cNvPr id="1256634064" name="Segnaposto note 2"/>
           <p:cNvSpPr>
             <a:spLocks noGrp="1"/>
           </p:cNvSpPr>
@@ -1172,7 +1172,7 @@
       </p:sp>
       <p:sp>
         <p:nvSpPr>
-          <p:cNvPr id="1103829922" name="Segnaposto numero diapositiva 3"/>
+          <p:cNvPr id="1575253667" name="Segnaposto numero diapositiva 3"/>
           <p:cNvSpPr>
             <a:spLocks noGrp="1"/>
           </p:cNvSpPr>
@@ -1223,7 +1223,7 @@
       </p:grpSpPr>
       <p:sp>
         <p:nvSpPr>
-          <p:cNvPr id="1495175413" name="Segnaposto immagine diapositiva 1"/>
+          <p:cNvPr id="377265304" name="Segnaposto immagine diapositiva 1"/>
           <p:cNvSpPr>
             <a:spLocks noChangeAspect="1" noGrp="1" noRot="1"/>
           </p:cNvSpPr>
@@ -1235,7 +1235,7 @@
       </p:sp>
       <p:sp>
         <p:nvSpPr>
-          <p:cNvPr id="1164680787" name="Segnaposto note 2"/>
+          <p:cNvPr id="869489513" name="Segnaposto note 2"/>
           <p:cNvSpPr>
             <a:spLocks noGrp="1"/>
           </p:cNvSpPr>
@@ -1352,7 +1352,7 @@
       </p:sp>
       <p:sp>
         <p:nvSpPr>
-          <p:cNvPr id="561836694" name="Segnaposto numero diapositiva 3"/>
+          <p:cNvPr id="1298373519" name="Segnaposto numero diapositiva 3"/>
           <p:cNvSpPr>
             <a:spLocks noGrp="1"/>
           </p:cNvSpPr>
@@ -1403,7 +1403,7 @@
       </p:grpSpPr>
       <p:sp>
         <p:nvSpPr>
-          <p:cNvPr id="876802277" name="Segnaposto immagine diapositiva 1"/>
+          <p:cNvPr id="1298652217" name="Segnaposto immagine diapositiva 1"/>
           <p:cNvSpPr>
             <a:spLocks noChangeAspect="1" noGrp="1" noRot="1"/>
           </p:cNvSpPr>
@@ -1415,7 +1415,7 @@
       </p:sp>
       <p:sp>
         <p:nvSpPr>
-          <p:cNvPr id="814686101" name="Segnaposto note 2"/>
+          <p:cNvPr id="1193564568" name="Segnaposto note 2"/>
           <p:cNvSpPr>
             <a:spLocks noGrp="1"/>
           </p:cNvSpPr>
@@ -1836,7 +1836,7 @@
       </p:sp>
       <p:sp>
         <p:nvSpPr>
-          <p:cNvPr id="839231721" name="Segnaposto numero diapositiva 3"/>
+          <p:cNvPr id="1519866954" name="Segnaposto numero diapositiva 3"/>
           <p:cNvSpPr>
             <a:spLocks noGrp="1"/>
           </p:cNvSpPr>
@@ -1887,7 +1887,7 @@
       </p:grpSpPr>
       <p:sp>
         <p:nvSpPr>
-          <p:cNvPr id="1141521740" name="Segnaposto immagine diapositiva 1"/>
+          <p:cNvPr id="86121674" name="Segnaposto immagine diapositiva 1"/>
           <p:cNvSpPr>
             <a:spLocks noChangeAspect="1" noGrp="1" noRot="1"/>
           </p:cNvSpPr>
@@ -1899,7 +1899,7 @@
       </p:sp>
       <p:sp>
         <p:nvSpPr>
-          <p:cNvPr id="2035142893" name="Segnaposto note 2"/>
+          <p:cNvPr id="1415524509" name="Segnaposto note 2"/>
           <p:cNvSpPr>
             <a:spLocks noGrp="1"/>
           </p:cNvSpPr>
@@ -2492,7 +2492,7 @@
       </p:sp>
       <p:sp>
         <p:nvSpPr>
-          <p:cNvPr id="278565174" name="Segnaposto numero diapositiva 3"/>
+          <p:cNvPr id="389853353" name="Segnaposto numero diapositiva 3"/>
           <p:cNvSpPr>
             <a:spLocks noGrp="1"/>
           </p:cNvSpPr>
@@ -2543,7 +2543,7 @@
       </p:grpSpPr>
       <p:sp>
         <p:nvSpPr>
-          <p:cNvPr id="1952851624" name="Segnaposto immagine diapositiva 1"/>
+          <p:cNvPr id="293955380" name="Segnaposto immagine diapositiva 1"/>
           <p:cNvSpPr>
             <a:spLocks noChangeAspect="1" noGrp="1" noRot="1"/>
           </p:cNvSpPr>
@@ -2555,7 +2555,7 @@
       </p:sp>
       <p:sp>
         <p:nvSpPr>
-          <p:cNvPr id="2116765465" name="Segnaposto note 2"/>
+          <p:cNvPr id="1357796215" name="Segnaposto note 2"/>
           <p:cNvSpPr>
             <a:spLocks noGrp="1"/>
           </p:cNvSpPr>
@@ -2768,7 +2768,7 @@
       </p:sp>
       <p:sp>
         <p:nvSpPr>
-          <p:cNvPr id="827031784" name="Segnaposto numero diapositiva 3"/>
+          <p:cNvPr id="347679659" name="Segnaposto numero diapositiva 3"/>
           <p:cNvSpPr>
             <a:spLocks noGrp="1"/>
           </p:cNvSpPr>
@@ -2819,7 +2819,7 @@
       </p:grpSpPr>
       <p:sp>
         <p:nvSpPr>
-          <p:cNvPr id="1454299583" name="Segnaposto immagine diapositiva 1"/>
+          <p:cNvPr id="1174171499" name="Segnaposto immagine diapositiva 1"/>
           <p:cNvSpPr>
             <a:spLocks noChangeAspect="1" noGrp="1" noRot="1"/>
           </p:cNvSpPr>
@@ -2831,7 +2831,7 @@
       </p:sp>
       <p:sp>
         <p:nvSpPr>
-          <p:cNvPr id="116097566" name="Segnaposto note 2"/>
+          <p:cNvPr id="1751556966" name="Segnaposto note 2"/>
           <p:cNvSpPr>
             <a:spLocks noGrp="1"/>
           </p:cNvSpPr>
@@ -2973,7 +2973,7 @@
       </p:sp>
       <p:sp>
         <p:nvSpPr>
-          <p:cNvPr id="1250113818" name="Segnaposto numero diapositiva 3"/>
+          <p:cNvPr id="2143647904" name="Segnaposto numero diapositiva 3"/>
           <p:cNvSpPr>
             <a:spLocks noGrp="1"/>
           </p:cNvSpPr>
@@ -3024,7 +3024,7 @@
       </p:grpSpPr>
       <p:sp>
         <p:nvSpPr>
-          <p:cNvPr id="981181552" name="Segnaposto immagine diapositiva 1"/>
+          <p:cNvPr id="1998784677" name="Segnaposto immagine diapositiva 1"/>
           <p:cNvSpPr>
             <a:spLocks noChangeAspect="1" noGrp="1" noRot="1"/>
           </p:cNvSpPr>
@@ -3036,7 +3036,7 @@
       </p:sp>
       <p:sp>
         <p:nvSpPr>
-          <p:cNvPr id="960048148" name="Segnaposto note 2"/>
+          <p:cNvPr id="926276107" name="Segnaposto note 2"/>
           <p:cNvSpPr>
             <a:spLocks noGrp="1"/>
           </p:cNvSpPr>
@@ -3219,7 +3219,7 @@
       </p:sp>
       <p:sp>
         <p:nvSpPr>
-          <p:cNvPr id="942970685" name="Segnaposto numero diapositiva 3"/>
+          <p:cNvPr id="1344566855" name="Segnaposto numero diapositiva 3"/>
           <p:cNvSpPr>
             <a:spLocks noGrp="1"/>
           </p:cNvSpPr>
@@ -3270,7 +3270,7 @@
       </p:grpSpPr>
       <p:sp>
         <p:nvSpPr>
-          <p:cNvPr id="278097518" name="Segnaposto immagine diapositiva 1"/>
+          <p:cNvPr id="747217844" name="Segnaposto immagine diapositiva 1"/>
           <p:cNvSpPr>
             <a:spLocks noChangeAspect="1" noGrp="1" noRot="1"/>
           </p:cNvSpPr>
@@ -3282,7 +3282,7 @@
       </p:sp>
       <p:sp>
         <p:nvSpPr>
-          <p:cNvPr id="388855870" name="Segnaposto note 2"/>
+          <p:cNvPr id="837128779" name="Segnaposto note 2"/>
           <p:cNvSpPr>
             <a:spLocks noGrp="1"/>
           </p:cNvSpPr>
@@ -3412,7 +3412,7 @@
       </p:sp>
       <p:sp>
         <p:nvSpPr>
-          <p:cNvPr id="1931588563" name="Segnaposto numero diapositiva 3"/>
+          <p:cNvPr id="1126393488" name="Segnaposto numero diapositiva 3"/>
           <p:cNvSpPr>
             <a:spLocks noGrp="1"/>
           </p:cNvSpPr>
@@ -3463,7 +3463,7 @@
       </p:grpSpPr>
       <p:sp>
         <p:nvSpPr>
-          <p:cNvPr id="1822822171" name="Segnaposto immagine diapositiva 1"/>
+          <p:cNvPr id="769351731" name="Segnaposto immagine diapositiva 1"/>
           <p:cNvSpPr>
             <a:spLocks noChangeAspect="1" noGrp="1" noRot="1"/>
           </p:cNvSpPr>
@@ -3475,7 +3475,7 @@
       </p:sp>
       <p:sp>
         <p:nvSpPr>
-          <p:cNvPr id="1737211865" name="Segnaposto note 2"/>
+          <p:cNvPr id="942309972" name="Segnaposto note 2"/>
           <p:cNvSpPr>
             <a:spLocks noGrp="1"/>
           </p:cNvSpPr>
@@ -3766,7 +3766,7 @@
       </p:sp>
       <p:sp>
         <p:nvSpPr>
-          <p:cNvPr id="1066214332" name="Segnaposto numero diapositiva 3"/>
+          <p:cNvPr id="527228823" name="Segnaposto numero diapositiva 3"/>
           <p:cNvSpPr>
             <a:spLocks noGrp="1"/>
           </p:cNvSpPr>
@@ -3817,7 +3817,7 @@
       </p:grpSpPr>
       <p:sp>
         <p:nvSpPr>
-          <p:cNvPr id="1354362552" name="Segnaposto immagine diapositiva 1"/>
+          <p:cNvPr id="885102470" name="Segnaposto immagine diapositiva 1"/>
           <p:cNvSpPr>
             <a:spLocks noChangeAspect="1" noGrp="1" noRot="1"/>
           </p:cNvSpPr>
@@ -3829,7 +3829,7 @@
       </p:sp>
       <p:sp>
         <p:nvSpPr>
-          <p:cNvPr id="1390198422" name="Segnaposto note 2"/>
+          <p:cNvPr id="1778841117" name="Segnaposto note 2"/>
           <p:cNvSpPr>
             <a:spLocks noGrp="1"/>
           </p:cNvSpPr>
@@ -4120,7 +4120,7 @@
       </p:sp>
       <p:sp>
         <p:nvSpPr>
-          <p:cNvPr id="289113592" name="Segnaposto numero diapositiva 3"/>
+          <p:cNvPr id="1130144161" name="Segnaposto numero diapositiva 3"/>
           <p:cNvSpPr>
             <a:spLocks noGrp="1"/>
           </p:cNvSpPr>
@@ -4171,7 +4171,7 @@
       </p:grpSpPr>
       <p:sp>
         <p:nvSpPr>
-          <p:cNvPr id="1163227787" name="Segnaposto immagine diapositiva 1"/>
+          <p:cNvPr id="1350377256" name="Segnaposto immagine diapositiva 1"/>
           <p:cNvSpPr>
             <a:spLocks noChangeAspect="1" noGrp="1" noRot="1"/>
           </p:cNvSpPr>
@@ -4183,7 +4183,7 @@
       </p:sp>
       <p:sp>
         <p:nvSpPr>
-          <p:cNvPr id="2013395788" name="Segnaposto note 2"/>
+          <p:cNvPr id="290393526" name="Segnaposto note 2"/>
           <p:cNvSpPr>
             <a:spLocks noGrp="1"/>
           </p:cNvSpPr>
@@ -4377,7 +4377,7 @@
       </p:sp>
       <p:sp>
         <p:nvSpPr>
-          <p:cNvPr id="764317180" name="Segnaposto numero diapositiva 3"/>
+          <p:cNvPr id="1951410000" name="Segnaposto numero diapositiva 3"/>
           <p:cNvSpPr>
             <a:spLocks noGrp="1"/>
           </p:cNvSpPr>
@@ -4428,7 +4428,7 @@
       </p:grpSpPr>
       <p:sp>
         <p:nvSpPr>
-          <p:cNvPr id="446021526" name="Segnaposto immagine diapositiva 1"/>
+          <p:cNvPr id="1684010253" name="Segnaposto immagine diapositiva 1"/>
           <p:cNvSpPr>
             <a:spLocks noChangeAspect="1" noGrp="1" noRot="1"/>
           </p:cNvSpPr>
@@ -4440,7 +4440,7 @@
       </p:sp>
       <p:sp>
         <p:nvSpPr>
-          <p:cNvPr id="223907553" name="Segnaposto note 2"/>
+          <p:cNvPr id="1540492728" name="Segnaposto note 2"/>
           <p:cNvSpPr>
             <a:spLocks noGrp="1"/>
           </p:cNvSpPr>
@@ -4586,7 +4586,7 @@
       </p:sp>
       <p:sp>
         <p:nvSpPr>
-          <p:cNvPr id="1699951669" name="Segnaposto numero diapositiva 3"/>
+          <p:cNvPr id="1060106512" name="Segnaposto numero diapositiva 3"/>
           <p:cNvSpPr>
             <a:spLocks noGrp="1"/>
           </p:cNvSpPr>
@@ -4637,7 +4637,7 @@
       </p:grpSpPr>
       <p:sp>
         <p:nvSpPr>
-          <p:cNvPr id="661283304" name="Segnaposto immagine diapositiva 1"/>
+          <p:cNvPr id="235194217" name="Segnaposto immagine diapositiva 1"/>
           <p:cNvSpPr>
             <a:spLocks noChangeAspect="1" noGrp="1" noRot="1"/>
           </p:cNvSpPr>
@@ -4649,7 +4649,7 @@
       </p:sp>
       <p:sp>
         <p:nvSpPr>
-          <p:cNvPr id="406964198" name="Segnaposto note 2"/>
+          <p:cNvPr id="447770918" name="Segnaposto note 2"/>
           <p:cNvSpPr>
             <a:spLocks noGrp="1"/>
           </p:cNvSpPr>
@@ -4802,7 +4802,7 @@
       </p:sp>
       <p:sp>
         <p:nvSpPr>
-          <p:cNvPr id="1668199590" name="Segnaposto numero diapositiva 3"/>
+          <p:cNvPr id="1649946860" name="Segnaposto numero diapositiva 3"/>
           <p:cNvSpPr>
             <a:spLocks noGrp="1"/>
           </p:cNvSpPr>
@@ -4853,7 +4853,7 @@
       </p:grpSpPr>
       <p:sp>
         <p:nvSpPr>
-          <p:cNvPr id="1278662759" name="Segnaposto immagine diapositiva 1"/>
+          <p:cNvPr id="744075608" name="Segnaposto immagine diapositiva 1"/>
           <p:cNvSpPr>
             <a:spLocks noChangeAspect="1" noGrp="1" noRot="1"/>
           </p:cNvSpPr>
@@ -4865,7 +4865,7 @@
       </p:sp>
       <p:sp>
         <p:nvSpPr>
-          <p:cNvPr id="2119470349" name="Segnaposto note 2"/>
+          <p:cNvPr id="722587812" name="Segnaposto note 2"/>
           <p:cNvSpPr>
             <a:spLocks noGrp="1"/>
           </p:cNvSpPr>
@@ -5027,7 +5027,7 @@
       </p:sp>
       <p:sp>
         <p:nvSpPr>
-          <p:cNvPr id="695719015" name="Segnaposto numero diapositiva 3"/>
+          <p:cNvPr id="142372462" name="Segnaposto numero diapositiva 3"/>
           <p:cNvSpPr>
             <a:spLocks noGrp="1"/>
           </p:cNvSpPr>
@@ -5078,7 +5078,7 @@
       </p:grpSpPr>
       <p:sp>
         <p:nvSpPr>
-          <p:cNvPr id="115269958" name="Segnaposto immagine diapositiva 1"/>
+          <p:cNvPr id="336067143" name="Segnaposto immagine diapositiva 1"/>
           <p:cNvSpPr>
             <a:spLocks noChangeAspect="1" noGrp="1" noRot="1"/>
           </p:cNvSpPr>
@@ -5090,7 +5090,7 @@
       </p:sp>
       <p:sp>
         <p:nvSpPr>
-          <p:cNvPr id="966311775" name="Segnaposto note 2"/>
+          <p:cNvPr id="194272883" name="Segnaposto note 2"/>
           <p:cNvSpPr>
             <a:spLocks noGrp="1"/>
           </p:cNvSpPr>
@@ -5192,7 +5192,7 @@
       </p:sp>
       <p:sp>
         <p:nvSpPr>
-          <p:cNvPr id="840234989" name="Segnaposto numero diapositiva 3"/>
+          <p:cNvPr id="1257175806" name="Segnaposto numero diapositiva 3"/>
           <p:cNvSpPr>
             <a:spLocks noGrp="1"/>
           </p:cNvSpPr>
@@ -5243,7 +5243,7 @@
       </p:grpSpPr>
       <p:sp>
         <p:nvSpPr>
-          <p:cNvPr id="1123032645" name="Segnaposto immagine diapositiva 1"/>
+          <p:cNvPr id="334815856" name="Segnaposto immagine diapositiva 1"/>
           <p:cNvSpPr>
             <a:spLocks noChangeAspect="1" noGrp="1" noRot="1"/>
           </p:cNvSpPr>
@@ -5255,7 +5255,7 @@
       </p:sp>
       <p:sp>
         <p:nvSpPr>
-          <p:cNvPr id="2121837539" name="Segnaposto note 2"/>
+          <p:cNvPr id="1383224437" name="Segnaposto note 2"/>
           <p:cNvSpPr>
             <a:spLocks noGrp="1"/>
           </p:cNvSpPr>
@@ -5371,7 +5371,7 @@
       </p:sp>
       <p:sp>
         <p:nvSpPr>
-          <p:cNvPr id="1378707869" name="Segnaposto numero diapositiva 3"/>
+          <p:cNvPr id="967327552" name="Segnaposto numero diapositiva 3"/>
           <p:cNvSpPr>
             <a:spLocks noGrp="1"/>
           </p:cNvSpPr>
@@ -5422,7 +5422,7 @@
       </p:grpSpPr>
       <p:sp>
         <p:nvSpPr>
-          <p:cNvPr id="408042014" name="Segnaposto immagine diapositiva 1"/>
+          <p:cNvPr id="1457527491" name="Segnaposto immagine diapositiva 1"/>
           <p:cNvSpPr>
             <a:spLocks noChangeAspect="1" noGrp="1" noRot="1"/>
           </p:cNvSpPr>
@@ -5434,7 +5434,7 @@
       </p:sp>
       <p:sp>
         <p:nvSpPr>
-          <p:cNvPr id="1588472961" name="Segnaposto note 2"/>
+          <p:cNvPr id="1705200413" name="Segnaposto note 2"/>
           <p:cNvSpPr>
             <a:spLocks noGrp="1"/>
           </p:cNvSpPr>
@@ -5676,7 +5676,7 @@
       </p:sp>
       <p:sp>
         <p:nvSpPr>
-          <p:cNvPr id="605051824" name="Segnaposto numero diapositiva 3"/>
+          <p:cNvPr id="357553751" name="Segnaposto numero diapositiva 3"/>
           <p:cNvSpPr>
             <a:spLocks noGrp="1"/>
           </p:cNvSpPr>
@@ -5727,7 +5727,7 @@
       </p:grpSpPr>
       <p:sp>
         <p:nvSpPr>
-          <p:cNvPr id="366213008" name="Segnaposto immagine diapositiva 1"/>
+          <p:cNvPr id="787070676" name="Segnaposto immagine diapositiva 1"/>
           <p:cNvSpPr>
             <a:spLocks noChangeAspect="1" noGrp="1" noRot="1"/>
           </p:cNvSpPr>
@@ -5739,7 +5739,7 @@
       </p:sp>
       <p:sp>
         <p:nvSpPr>
-          <p:cNvPr id="410614652" name="Segnaposto note 2"/>
+          <p:cNvPr id="2024532032" name="Segnaposto note 2"/>
           <p:cNvSpPr>
             <a:spLocks noGrp="1"/>
           </p:cNvSpPr>
@@ -6075,7 +6075,7 @@
       </p:sp>
       <p:sp>
         <p:nvSpPr>
-          <p:cNvPr id="1689956747" name="Segnaposto numero diapositiva 3"/>
+          <p:cNvPr id="836232450" name="Segnaposto numero diapositiva 3"/>
           <p:cNvSpPr>
             <a:spLocks noGrp="1"/>
           </p:cNvSpPr>
@@ -6126,7 +6126,7 @@
       </p:grpSpPr>
       <p:sp>
         <p:nvSpPr>
-          <p:cNvPr id="1807513801" name="Segnaposto immagine diapositiva 1"/>
+          <p:cNvPr id="932151712" name="Segnaposto immagine diapositiva 1"/>
           <p:cNvSpPr>
             <a:spLocks noChangeAspect="1" noGrp="1" noRot="1"/>
           </p:cNvSpPr>
@@ -6138,7 +6138,7 @@
       </p:sp>
       <p:sp>
         <p:nvSpPr>
-          <p:cNvPr id="2124120178" name="Segnaposto note 2"/>
+          <p:cNvPr id="455519167" name="Segnaposto note 2"/>
           <p:cNvSpPr>
             <a:spLocks noGrp="1"/>
           </p:cNvSpPr>
@@ -6380,7 +6380,7 @@
       </p:sp>
       <p:sp>
         <p:nvSpPr>
-          <p:cNvPr id="356150607" name="Segnaposto numero diapositiva 3"/>
+          <p:cNvPr id="1239105848" name="Segnaposto numero diapositiva 3"/>
           <p:cNvSpPr>
             <a:spLocks noGrp="1"/>
           </p:cNvSpPr>
@@ -6431,7 +6431,7 @@
       </p:grpSpPr>
       <p:sp>
         <p:nvSpPr>
-          <p:cNvPr id="1821448764" name="Slide Image Placeholder 1"/>
+          <p:cNvPr id="1081240988" name="Slide Image Placeholder 1"/>
           <p:cNvSpPr>
             <a:spLocks noChangeAspect="1" noGrp="1" noRot="1"/>
           </p:cNvSpPr>
@@ -6443,7 +6443,7 @@
       </p:sp>
       <p:sp>
         <p:nvSpPr>
-          <p:cNvPr id="2009021613" name="Notes Placeholder 2"/>
+          <p:cNvPr id="1341599956" name="Notes Placeholder 2"/>
           <p:cNvSpPr>
             <a:spLocks noGrp="1"/>
           </p:cNvSpPr>
@@ -6570,7 +6570,7 @@
       </p:sp>
       <p:sp>
         <p:nvSpPr>
-          <p:cNvPr id="609926908" name="Slide Number Placeholder 3"/>
+          <p:cNvPr id="1178167581" name="Slide Number Placeholder 3"/>
           <p:cNvSpPr>
             <a:spLocks noGrp="1"/>
           </p:cNvSpPr>
@@ -6621,7 +6621,7 @@
       </p:grpSpPr>
       <p:sp>
         <p:nvSpPr>
-          <p:cNvPr id="260614314" name="Segnaposto immagine diapositiva 1"/>
+          <p:cNvPr id="426223502" name="Segnaposto immagine diapositiva 1"/>
           <p:cNvSpPr>
             <a:spLocks noChangeAspect="1" noGrp="1" noRot="1"/>
           </p:cNvSpPr>
@@ -6633,7 +6633,7 @@
       </p:sp>
       <p:sp>
         <p:nvSpPr>
-          <p:cNvPr id="1962982040" name="Segnaposto note 2"/>
+          <p:cNvPr id="1503672592" name="Segnaposto note 2"/>
           <p:cNvSpPr>
             <a:spLocks noGrp="1"/>
           </p:cNvSpPr>
@@ -6849,7 +6849,7 @@
       </p:sp>
       <p:sp>
         <p:nvSpPr>
-          <p:cNvPr id="1806958506" name="Segnaposto numero diapositiva 3"/>
+          <p:cNvPr id="546617491" name="Segnaposto numero diapositiva 3"/>
           <p:cNvSpPr>
             <a:spLocks noGrp="1"/>
           </p:cNvSpPr>
@@ -6900,7 +6900,7 @@
       </p:grpSpPr>
       <p:sp>
         <p:nvSpPr>
-          <p:cNvPr id="2" name="Slide Image Placeholder 1"/>
+          <p:cNvPr id="811236746" name="Slide Image Placeholder 1"/>
           <p:cNvSpPr>
             <a:spLocks noChangeAspect="1" noGrp="1" noRot="1"/>
           </p:cNvSpPr>
@@ -6912,7 +6912,7 @@
       </p:sp>
       <p:sp>
         <p:nvSpPr>
-          <p:cNvPr id="3" name="Notes Placeholder 2"/>
+          <p:cNvPr id="435034222" name="Notes Placeholder 2"/>
           <p:cNvSpPr>
             <a:spLocks noGrp="1"/>
           </p:cNvSpPr>
@@ -6934,7 +6934,7 @@
       </p:sp>
       <p:sp>
         <p:nvSpPr>
-          <p:cNvPr id="4" name="Slide Number Placeholder 3"/>
+          <p:cNvPr id="502617100" name="Slide Number Placeholder 3"/>
           <p:cNvSpPr>
             <a:spLocks noGrp="1"/>
           </p:cNvSpPr>
@@ -6985,7 +6985,7 @@
       </p:grpSpPr>
       <p:sp>
         <p:nvSpPr>
-          <p:cNvPr id="489946721" name="Segnaposto immagine diapositiva 1"/>
+          <p:cNvPr id="1324977014" name="Segnaposto immagine diapositiva 1"/>
           <p:cNvSpPr>
             <a:spLocks noChangeAspect="1" noGrp="1" noRot="1"/>
           </p:cNvSpPr>
@@ -6997,7 +6997,7 @@
       </p:sp>
       <p:sp>
         <p:nvSpPr>
-          <p:cNvPr id="1614226485" name="Segnaposto note 2"/>
+          <p:cNvPr id="148980560" name="Segnaposto note 2"/>
           <p:cNvSpPr>
             <a:spLocks noGrp="1"/>
           </p:cNvSpPr>
@@ -7238,7 +7238,7 @@
       </p:sp>
       <p:sp>
         <p:nvSpPr>
-          <p:cNvPr id="884593028" name="Segnaposto numero diapositiva 3"/>
+          <p:cNvPr id="764867173" name="Segnaposto numero diapositiva 3"/>
           <p:cNvSpPr>
             <a:spLocks noGrp="1"/>
           </p:cNvSpPr>
@@ -7289,7 +7289,7 @@
       </p:grpSpPr>
       <p:sp>
         <p:nvSpPr>
-          <p:cNvPr id="1204569436" name="Segnaposto immagine diapositiva 1"/>
+          <p:cNvPr id="1203085244" name="Segnaposto immagine diapositiva 1"/>
           <p:cNvSpPr>
             <a:spLocks noChangeAspect="1" noGrp="1" noRot="1"/>
           </p:cNvSpPr>
@@ -7301,7 +7301,7 @@
       </p:sp>
       <p:sp>
         <p:nvSpPr>
-          <p:cNvPr id="1771984320" name="Segnaposto note 2"/>
+          <p:cNvPr id="1165948234" name="Segnaposto note 2"/>
           <p:cNvSpPr>
             <a:spLocks noGrp="1"/>
           </p:cNvSpPr>
@@ -7435,7 +7435,7 @@
       </p:sp>
       <p:sp>
         <p:nvSpPr>
-          <p:cNvPr id="559031404" name="Segnaposto numero diapositiva 3"/>
+          <p:cNvPr id="786826289" name="Segnaposto numero diapositiva 3"/>
           <p:cNvSpPr>
             <a:spLocks noGrp="1"/>
           </p:cNvSpPr>
@@ -7486,7 +7486,7 @@
       </p:grpSpPr>
       <p:sp>
         <p:nvSpPr>
-          <p:cNvPr id="1380109772" name="Segnaposto immagine diapositiva 1"/>
+          <p:cNvPr id="283026246" name="Segnaposto immagine diapositiva 1"/>
           <p:cNvSpPr>
             <a:spLocks noChangeAspect="1" noGrp="1" noRot="1"/>
           </p:cNvSpPr>
@@ -7498,7 +7498,7 @@
       </p:sp>
       <p:sp>
         <p:nvSpPr>
-          <p:cNvPr id="933313251" name="Segnaposto note 2"/>
+          <p:cNvPr id="323125833" name="Segnaposto note 2"/>
           <p:cNvSpPr>
             <a:spLocks noGrp="1"/>
           </p:cNvSpPr>
@@ -7662,7 +7662,7 @@
       </p:sp>
       <p:sp>
         <p:nvSpPr>
-          <p:cNvPr id="2125280876" name="Segnaposto numero diapositiva 3"/>
+          <p:cNvPr id="23930157" name="Segnaposto numero diapositiva 3"/>
           <p:cNvSpPr>
             <a:spLocks noGrp="1"/>
           </p:cNvSpPr>
@@ -7713,7 +7713,7 @@
       </p:grpSpPr>
       <p:sp>
         <p:nvSpPr>
-          <p:cNvPr id="1463008597" name="Segnaposto immagine diapositiva 1"/>
+          <p:cNvPr id="472213385" name="Segnaposto immagine diapositiva 1"/>
           <p:cNvSpPr>
             <a:spLocks noChangeAspect="1" noGrp="1" noRot="1"/>
           </p:cNvSpPr>
@@ -7725,7 +7725,7 @@
       </p:sp>
       <p:sp>
         <p:nvSpPr>
-          <p:cNvPr id="1084309051" name="Segnaposto note 2"/>
+          <p:cNvPr id="349386742" name="Segnaposto note 2"/>
           <p:cNvSpPr>
             <a:spLocks noGrp="1"/>
           </p:cNvSpPr>
@@ -7921,7 +7921,7 @@
       </p:sp>
       <p:sp>
         <p:nvSpPr>
-          <p:cNvPr id="1750826885" name="Segnaposto numero diapositiva 3"/>
+          <p:cNvPr id="743645380" name="Segnaposto numero diapositiva 3"/>
           <p:cNvSpPr>
             <a:spLocks noGrp="1"/>
           </p:cNvSpPr>
@@ -7972,7 +7972,7 @@
       </p:grpSpPr>
       <p:sp>
         <p:nvSpPr>
-          <p:cNvPr id="2094952732" name="Segnaposto immagine diapositiva 1"/>
+          <p:cNvPr id="1132740031" name="Segnaposto immagine diapositiva 1"/>
           <p:cNvSpPr>
             <a:spLocks noChangeAspect="1" noGrp="1" noRot="1"/>
           </p:cNvSpPr>
@@ -7984,7 +7984,7 @@
       </p:sp>
       <p:sp>
         <p:nvSpPr>
-          <p:cNvPr id="937730893" name="Segnaposto note 2"/>
+          <p:cNvPr id="1775782247" name="Segnaposto note 2"/>
           <p:cNvSpPr>
             <a:spLocks noGrp="1"/>
           </p:cNvSpPr>
@@ -8119,7 +8119,7 @@
       </p:sp>
       <p:sp>
         <p:nvSpPr>
-          <p:cNvPr id="1356241918" name="Segnaposto numero diapositiva 3"/>
+          <p:cNvPr id="1564463015" name="Segnaposto numero diapositiva 3"/>
           <p:cNvSpPr>
             <a:spLocks noGrp="1"/>
           </p:cNvSpPr>
@@ -8170,7 +8170,7 @@
       </p:grpSpPr>
       <p:sp>
         <p:nvSpPr>
-          <p:cNvPr id="1232137246" name="Segnaposto immagine diapositiva 1"/>
+          <p:cNvPr id="1448138093" name="Segnaposto immagine diapositiva 1"/>
           <p:cNvSpPr>
             <a:spLocks noChangeAspect="1" noGrp="1" noRot="1"/>
           </p:cNvSpPr>
@@ -8182,7 +8182,7 @@
       </p:sp>
       <p:sp>
         <p:nvSpPr>
-          <p:cNvPr id="258744405" name="Segnaposto note 2"/>
+          <p:cNvPr id="1279327781" name="Segnaposto note 2"/>
           <p:cNvSpPr>
             <a:spLocks noGrp="1"/>
           </p:cNvSpPr>
@@ -8356,7 +8356,7 @@
       </p:sp>
       <p:sp>
         <p:nvSpPr>
-          <p:cNvPr id="1479199982" name="Segnaposto numero diapositiva 3"/>
+          <p:cNvPr id="2080211333" name="Segnaposto numero diapositiva 3"/>
           <p:cNvSpPr>
             <a:spLocks noGrp="1"/>
           </p:cNvSpPr>
@@ -8407,7 +8407,7 @@
       </p:grpSpPr>
       <p:sp>
         <p:nvSpPr>
-          <p:cNvPr id="1848734819" name="Rectangle 2"/>
+          <p:cNvPr id="1539138190" name="Rectangle 2"/>
           <p:cNvSpPr>
             <a:spLocks noChangeArrowheads="1" noGrp="1"/>
           </p:cNvSpPr>
@@ -8455,7 +8455,7 @@
       </p:sp>
       <p:sp>
         <p:nvSpPr>
-          <p:cNvPr id="489160371" name="Segnaposto testo 12"/>
+          <p:cNvPr id="711921242" name="Segnaposto testo 12"/>
           <p:cNvSpPr>
             <a:spLocks noGrp="1"/>
           </p:cNvSpPr>
@@ -8506,7 +8506,7 @@
       </p:sp>
       <p:cxnSp>
         <p:nvCxnSpPr>
-          <p:cNvPr id="164734021" name="Connettore 1 10"/>
+          <p:cNvPr id="1977097950" name="Connettore 1 10"/>
           <p:cNvCxnSpPr/>
           <p:nvPr userDrawn="1"/>
         </p:nvCxnSpPr>
@@ -8541,7 +8541,7 @@
       </p:cxnSp>
       <p:sp>
         <p:nvSpPr>
-          <p:cNvPr id="1045987577" name="Segnaposto testo 12"/>
+          <p:cNvPr id="679824984" name="Segnaposto testo 12"/>
           <p:cNvSpPr>
             <a:spLocks noGrp="1"/>
           </p:cNvSpPr>
@@ -8583,7 +8583,7 @@
       </p:sp>
       <p:sp>
         <p:nvSpPr>
-          <p:cNvPr id="1080272520" name="Segnaposto testo 12"/>
+          <p:cNvPr id="477592350" name="Segnaposto testo 12"/>
           <p:cNvSpPr>
             <a:spLocks noGrp="1"/>
           </p:cNvSpPr>
@@ -8634,7 +8634,7 @@
       </p:sp>
       <p:cxnSp>
         <p:nvCxnSpPr>
-          <p:cNvPr id="2004991248" name="Connettore 1 24"/>
+          <p:cNvPr id="755359779" name="Connettore 1 24"/>
           <p:cNvCxnSpPr/>
           <p:nvPr userDrawn="1"/>
         </p:nvCxnSpPr>
@@ -8669,7 +8669,7 @@
       </p:cxnSp>
       <p:sp>
         <p:nvSpPr>
-          <p:cNvPr id="1551708153" name="Segnaposto testo 12"/>
+          <p:cNvPr id="374953997" name="Segnaposto testo 12"/>
           <p:cNvSpPr>
             <a:spLocks noGrp="1"/>
           </p:cNvSpPr>
@@ -8711,7 +8711,7 @@
       </p:sp>
       <p:sp>
         <p:nvSpPr>
-          <p:cNvPr id="1409529470" name="Segnaposto testo 12"/>
+          <p:cNvPr id="1973862372" name="Segnaposto testo 12"/>
           <p:cNvSpPr>
             <a:spLocks noGrp="1"/>
           </p:cNvSpPr>
@@ -8753,7 +8753,7 @@
       </p:sp>
       <p:sp>
         <p:nvSpPr>
-          <p:cNvPr id="1029458853" name="Segnaposto testo 12"/>
+          <p:cNvPr id="438773050" name="Segnaposto testo 12"/>
           <p:cNvSpPr>
             <a:spLocks noGrp="1"/>
           </p:cNvSpPr>
@@ -8803,7 +8803,7 @@
       </p:sp>
       <p:sp>
         <p:nvSpPr>
-          <p:cNvPr id="682539408" name="Segnaposto testo 12"/>
+          <p:cNvPr id="381870006" name="Segnaposto testo 12"/>
           <p:cNvSpPr>
             <a:spLocks noGrp="1"/>
           </p:cNvSpPr>
@@ -8845,7 +8845,7 @@
       </p:sp>
       <p:sp>
         <p:nvSpPr>
-          <p:cNvPr id="588885054" name="Segnaposto testo 12"/>
+          <p:cNvPr id="1672534963" name="Segnaposto testo 12"/>
           <p:cNvSpPr>
             <a:spLocks noGrp="1"/>
           </p:cNvSpPr>
@@ -8884,7 +8884,7 @@
       </p:sp>
       <p:sp>
         <p:nvSpPr>
-          <p:cNvPr id="1948507944" name="Segnaposto testo 12"/>
+          <p:cNvPr id="417369282" name="Segnaposto testo 12"/>
           <p:cNvSpPr>
             <a:spLocks noGrp="1"/>
           </p:cNvSpPr>
@@ -8923,7 +8923,7 @@
       </p:sp>
       <p:cxnSp>
         <p:nvCxnSpPr>
-          <p:cNvPr id="431643240" name="Connettore 1 44"/>
+          <p:cNvPr id="461379610" name="Connettore 1 44"/>
           <p:cNvCxnSpPr/>
           <p:nvPr userDrawn="1"/>
         </p:nvCxnSpPr>
@@ -8958,7 +8958,7 @@
       </p:cxnSp>
       <p:sp>
         <p:nvSpPr>
-          <p:cNvPr id="1838436693" name="Segnaposto testo 12"/>
+          <p:cNvPr id="2083642929" name="Segnaposto testo 12"/>
           <p:cNvSpPr>
             <a:spLocks noGrp="1"/>
           </p:cNvSpPr>
@@ -9000,7 +9000,7 @@
       </p:sp>
       <p:sp>
         <p:nvSpPr>
-          <p:cNvPr id="1860561129" name="Segnaposto testo 12"/>
+          <p:cNvPr id="498067685" name="Segnaposto testo 12"/>
           <p:cNvSpPr>
             <a:spLocks noGrp="1"/>
           </p:cNvSpPr>
@@ -9042,7 +9042,7 @@
       </p:sp>
       <p:sp>
         <p:nvSpPr>
-          <p:cNvPr id="1629875563" name="Segnaposto testo 12"/>
+          <p:cNvPr id="569061053" name="Segnaposto testo 12"/>
           <p:cNvSpPr>
             <a:spLocks noGrp="1"/>
           </p:cNvSpPr>
@@ -9081,7 +9081,7 @@
       </p:sp>
       <p:sp>
         <p:nvSpPr>
-          <p:cNvPr id="1307778497" name="Segnaposto testo 12"/>
+          <p:cNvPr id="1486894528" name="Segnaposto testo 12"/>
           <p:cNvSpPr>
             <a:spLocks noGrp="1"/>
           </p:cNvSpPr>
@@ -9123,7 +9123,7 @@
       </p:sp>
       <p:sp>
         <p:nvSpPr>
-          <p:cNvPr id="1236132655" name="Segnaposto testo 12"/>
+          <p:cNvPr id="1158664821" name="Segnaposto testo 12"/>
           <p:cNvSpPr>
             <a:spLocks noGrp="1"/>
           </p:cNvSpPr>
@@ -9162,7 +9162,7 @@
       </p:sp>
       <p:pic>
         <p:nvPicPr>
-          <p:cNvPr id="1583879275" name="Immagine 9" descr="Modulo_SUPSI_DTI.gif"/>
+          <p:cNvPr id="1528357521" name="Immagine 9" descr="Modulo_SUPSI_DTI.gif"/>
           <p:cNvPicPr>
             <a:picLocks noChangeAspect="1"/>
           </p:cNvPicPr>
@@ -9192,7 +9192,7 @@
       </p:pic>
       <p:sp>
         <p:nvSpPr>
-          <p:cNvPr id="555388591" name="Segnaposto testo 12"/>
+          <p:cNvPr id="1978326397" name="Segnaposto testo 12"/>
           <p:cNvSpPr>
             <a:spLocks noGrp="1"/>
           </p:cNvSpPr>
@@ -9231,7 +9231,7 @@
       </p:sp>
       <p:sp>
         <p:nvSpPr>
-          <p:cNvPr id="537715942" name="Segnaposto testo 12"/>
+          <p:cNvPr id="1028844616" name="Segnaposto testo 12"/>
           <p:cNvSpPr>
             <a:spLocks noGrp="1"/>
           </p:cNvSpPr>
@@ -9273,7 +9273,7 @@
       </p:sp>
       <p:sp>
         <p:nvSpPr>
-          <p:cNvPr id="1961816159" name="Text Placeholder 6"/>
+          <p:cNvPr id="1461220199" name="Text Placeholder 6"/>
           <p:cNvSpPr>
             <a:spLocks noGrp="1"/>
           </p:cNvSpPr>
@@ -9355,7 +9355,7 @@
       </p:grpSpPr>
       <p:sp>
         <p:nvSpPr>
-          <p:cNvPr id="721366959" name="Segnaposto testo 12"/>
+          <p:cNvPr id="1625619357" name="Segnaposto testo 12"/>
           <p:cNvSpPr>
             <a:spLocks noGrp="1"/>
           </p:cNvSpPr>
@@ -9412,7 +9412,7 @@
       </p:sp>
       <p:sp>
         <p:nvSpPr>
-          <p:cNvPr id="598888338" name="Content Placeholder 3"/>
+          <p:cNvPr id="910467613" name="Content Placeholder 3"/>
           <p:cNvSpPr>
             <a:spLocks noGrp="1"/>
           </p:cNvSpPr>
@@ -9502,7 +9502,7 @@
       </p:sp>
       <p:sp>
         <p:nvSpPr>
-          <p:cNvPr id="1317509219" name="Content Placeholder 3"/>
+          <p:cNvPr id="1697394075" name="Content Placeholder 3"/>
           <p:cNvSpPr>
             <a:spLocks noGrp="1"/>
           </p:cNvSpPr>
@@ -9617,7 +9617,7 @@
       </p:grpSpPr>
       <p:sp>
         <p:nvSpPr>
-          <p:cNvPr id="820866732" name="Segnaposto testo 12"/>
+          <p:cNvPr id="1405037389" name="Segnaposto testo 12"/>
           <p:cNvSpPr>
             <a:spLocks noGrp="1"/>
           </p:cNvSpPr>
@@ -9674,7 +9674,7 @@
       </p:sp>
       <p:sp>
         <p:nvSpPr>
-          <p:cNvPr id="1506894442" name="Content Placeholder 3"/>
+          <p:cNvPr id="1467914467" name="Content Placeholder 3"/>
           <p:cNvSpPr>
             <a:spLocks noGrp="1"/>
           </p:cNvSpPr>
@@ -9794,7 +9794,7 @@
       </p:grpSpPr>
       <p:pic>
         <p:nvPicPr>
-          <p:cNvPr id="1004424443" name="Immagine 5"/>
+          <p:cNvPr id="2090337909" name="Immagine 5"/>
           <p:cNvPicPr>
             <a:picLocks noChangeAspect="1"/>
           </p:cNvPicPr>
@@ -9816,7 +9816,7 @@
       </p:pic>
       <p:pic>
         <p:nvPicPr>
-          <p:cNvPr id="996975277" name="Immagine 21"/>
+          <p:cNvPr id="862070677" name="Immagine 21"/>
           <p:cNvPicPr>
             <a:picLocks noChangeAspect="1"/>
           </p:cNvPicPr>
@@ -10262,7 +10262,7 @@
       </p:grpSpPr>
       <p:sp>
         <p:nvSpPr>
-          <p:cNvPr id="286310558" name="Title 1"/>
+          <p:cNvPr id="502494603" name="Title 1"/>
           <p:cNvSpPr>
             <a:spLocks noGrp="1"/>
           </p:cNvSpPr>
@@ -10297,7 +10297,7 @@
       </p:sp>
       <p:sp>
         <p:nvSpPr>
-          <p:cNvPr id="757373979" name="Text Placeholder 2"/>
+          <p:cNvPr id="2081207716" name="Text Placeholder 2"/>
           <p:cNvSpPr>
             <a:spLocks noGrp="1"/>
           </p:cNvSpPr>
@@ -10323,7 +10323,7 @@
       </p:sp>
       <p:sp>
         <p:nvSpPr>
-          <p:cNvPr id="841959590" name="Text Placeholder 3"/>
+          <p:cNvPr id="772835437" name="Text Placeholder 3"/>
           <p:cNvSpPr>
             <a:spLocks noGrp="1"/>
           </p:cNvSpPr>
@@ -10345,7 +10345,7 @@
       </p:sp>
       <p:sp>
         <p:nvSpPr>
-          <p:cNvPr id="226055621" name="Text Placeholder 4"/>
+          <p:cNvPr id="1413954916" name="Text Placeholder 4"/>
           <p:cNvSpPr>
             <a:spLocks noGrp="1"/>
           </p:cNvSpPr>
@@ -10378,7 +10378,7 @@
       </p:sp>
       <p:sp>
         <p:nvSpPr>
-          <p:cNvPr id="3290860" name="Text Placeholder 5"/>
+          <p:cNvPr id="587741602" name="Text Placeholder 5"/>
           <p:cNvSpPr>
             <a:spLocks noGrp="1"/>
           </p:cNvSpPr>
@@ -10400,7 +10400,7 @@
       </p:sp>
       <p:sp>
         <p:nvSpPr>
-          <p:cNvPr id="554629877" name="Text Placeholder 6"/>
+          <p:cNvPr id="7516084" name="Text Placeholder 6"/>
           <p:cNvSpPr>
             <a:spLocks noGrp="1"/>
           </p:cNvSpPr>
@@ -10422,7 +10422,7 @@
       </p:sp>
       <p:sp>
         <p:nvSpPr>
-          <p:cNvPr id="1025106874" name="Text Placeholder 7"/>
+          <p:cNvPr id="448024018" name="Text Placeholder 7"/>
           <p:cNvSpPr>
             <a:spLocks noGrp="1"/>
           </p:cNvSpPr>
@@ -10455,7 +10455,7 @@
       </p:sp>
       <p:sp>
         <p:nvSpPr>
-          <p:cNvPr id="1524095233" name="Text Placeholder 8"/>
+          <p:cNvPr id="1253070550" name="Text Placeholder 8"/>
           <p:cNvSpPr>
             <a:spLocks noGrp="1"/>
           </p:cNvSpPr>
@@ -10477,7 +10477,7 @@
       </p:sp>
       <p:sp>
         <p:nvSpPr>
-          <p:cNvPr id="99919839" name="Text Placeholder 9"/>
+          <p:cNvPr id="185771837" name="Text Placeholder 9"/>
           <p:cNvSpPr>
             <a:spLocks noGrp="1"/>
           </p:cNvSpPr>
@@ -10503,7 +10503,7 @@
       </p:sp>
       <p:sp>
         <p:nvSpPr>
-          <p:cNvPr id="979419308" name="Text Placeholder 10"/>
+          <p:cNvPr id="2031598164" name="Text Placeholder 10"/>
           <p:cNvSpPr>
             <a:spLocks noGrp="1"/>
           </p:cNvSpPr>
@@ -10529,7 +10529,7 @@
       </p:sp>
       <p:sp>
         <p:nvSpPr>
-          <p:cNvPr id="419052751" name="Text Placeholder 11"/>
+          <p:cNvPr id="494977922" name="Text Placeholder 11"/>
           <p:cNvSpPr>
             <a:spLocks noGrp="1"/>
           </p:cNvSpPr>
@@ -10551,7 +10551,7 @@
       </p:sp>
       <p:sp>
         <p:nvSpPr>
-          <p:cNvPr id="1380031171" name="Text Placeholder 12"/>
+          <p:cNvPr id="2061106863" name="Text Placeholder 12"/>
           <p:cNvSpPr>
             <a:spLocks noGrp="1"/>
           </p:cNvSpPr>
@@ -10573,7 +10573,7 @@
       </p:sp>
       <p:sp>
         <p:nvSpPr>
-          <p:cNvPr id="2058343461" name="Text Placeholder 13"/>
+          <p:cNvPr id="1872871641" name="Text Placeholder 13"/>
           <p:cNvSpPr>
             <a:spLocks noGrp="1"/>
           </p:cNvSpPr>
@@ -10599,7 +10599,7 @@
       </p:sp>
       <p:sp>
         <p:nvSpPr>
-          <p:cNvPr id="1434044177" name="Text Placeholder 14"/>
+          <p:cNvPr id="2013628075" name="Text Placeholder 14"/>
           <p:cNvSpPr>
             <a:spLocks noGrp="1"/>
           </p:cNvSpPr>
@@ -10621,7 +10621,7 @@
       </p:sp>
       <p:sp>
         <p:nvSpPr>
-          <p:cNvPr id="93728606" name="Text Placeholder 15"/>
+          <p:cNvPr id="1527429124" name="Text Placeholder 15"/>
           <p:cNvSpPr>
             <a:spLocks noGrp="1"/>
           </p:cNvSpPr>
@@ -10647,7 +10647,7 @@
       </p:sp>
       <p:sp>
         <p:nvSpPr>
-          <p:cNvPr id="1676267419" name="Text Placeholder 16"/>
+          <p:cNvPr id="1000739986" name="Text Placeholder 16"/>
           <p:cNvSpPr>
             <a:spLocks noGrp="1"/>
           </p:cNvSpPr>
@@ -10673,7 +10673,7 @@
       </p:sp>
       <p:sp>
         <p:nvSpPr>
-          <p:cNvPr id="295707240" name="Text Placeholder 17"/>
+          <p:cNvPr id="1218178395" name="Text Placeholder 17"/>
           <p:cNvSpPr>
             <a:spLocks noGrp="1"/>
           </p:cNvSpPr>
@@ -10695,7 +10695,7 @@
       </p:sp>
       <p:sp>
         <p:nvSpPr>
-          <p:cNvPr id="97738902" name="Text Placeholder 18"/>
+          <p:cNvPr id="1997666425" name="Text Placeholder 18"/>
           <p:cNvSpPr>
             <a:spLocks noGrp="1"/>
           </p:cNvSpPr>
@@ -10790,7 +10790,7 @@
       </p:grpSpPr>
       <p:pic>
         <p:nvPicPr>
-          <p:cNvPr id="616113929" name=""/>
+          <p:cNvPr id="592553103" name=""/>
           <p:cNvPicPr>
             <a:picLocks noChangeAspect="1"/>
           </p:cNvPicPr>
@@ -10812,7 +10812,7 @@
       </p:pic>
       <p:sp>
         <p:nvSpPr>
-          <p:cNvPr id="1396892713" name=""/>
+          <p:cNvPr id="1660496564" name=""/>
           <p:cNvSpPr txBox="1"/>
           <p:nvPr/>
         </p:nvSpPr>
@@ -10840,7 +10840,7 @@
       </p:sp>
       <p:pic>
         <p:nvPicPr>
-          <p:cNvPr id="1491930768" name=""/>
+          <p:cNvPr id="2083266697" name=""/>
           <p:cNvPicPr>
             <a:picLocks noChangeAspect="1"/>
           </p:cNvPicPr>
@@ -10862,7 +10862,7 @@
       </p:pic>
       <p:sp>
         <p:nvSpPr>
-          <p:cNvPr id="387282228" name="Text Placeholder 1"/>
+          <p:cNvPr id="1775941387" name="Text Placeholder 1"/>
           <p:cNvSpPr>
             <a:spLocks noGrp="1"/>
           </p:cNvSpPr>
@@ -10908,7 +10908,7 @@
       </p:sp>
       <p:pic>
         <p:nvPicPr>
-          <p:cNvPr id="2095743054" name="Picture 679748627"/>
+          <p:cNvPr id="1521993739" name="Picture 679748627"/>
           <p:cNvPicPr>
             <a:picLocks noChangeAspect="1"/>
           </p:cNvPicPr>
@@ -10930,7 +10930,7 @@
       </p:pic>
       <p:pic>
         <p:nvPicPr>
-          <p:cNvPr id="1327793942" name=""/>
+          <p:cNvPr id="741046501" name=""/>
           <p:cNvPicPr>
             <a:picLocks noChangeAspect="1"/>
           </p:cNvPicPr>
@@ -10952,7 +10952,7 @@
       </p:pic>
       <p:sp>
         <p:nvSpPr>
-          <p:cNvPr id="778198653" name=""/>
+          <p:cNvPr id="50415414" name=""/>
           <p:cNvSpPr txBox="1"/>
           <p:nvPr/>
         </p:nvSpPr>
@@ -10993,7 +10993,7 @@
       </p:sp>
       <p:sp>
         <p:nvSpPr>
-          <p:cNvPr id="1098291201" name=""/>
+          <p:cNvPr id="1514497372" name=""/>
           <p:cNvSpPr txBox="1"/>
           <p:nvPr/>
         </p:nvSpPr>
@@ -11069,7 +11069,7 @@
       </p:grpSpPr>
       <p:pic>
         <p:nvPicPr>
-          <p:cNvPr id="72958042" name=""/>
+          <p:cNvPr id="1862934097" name=""/>
           <p:cNvPicPr>
             <a:picLocks noChangeAspect="1"/>
           </p:cNvPicPr>
@@ -11091,7 +11091,7 @@
       </p:pic>
       <p:sp>
         <p:nvSpPr>
-          <p:cNvPr id="1008351804" name=""/>
+          <p:cNvPr id="2123275802" name=""/>
           <p:cNvSpPr txBox="1"/>
           <p:nvPr/>
         </p:nvSpPr>
@@ -11119,7 +11119,7 @@
       </p:sp>
       <p:pic>
         <p:nvPicPr>
-          <p:cNvPr id="476960327" name=""/>
+          <p:cNvPr id="435873875" name=""/>
           <p:cNvPicPr>
             <a:picLocks noChangeAspect="1"/>
           </p:cNvPicPr>
@@ -11141,7 +11141,7 @@
       </p:pic>
       <p:sp>
         <p:nvSpPr>
-          <p:cNvPr id="1659860089" name="Text Placeholder 1"/>
+          <p:cNvPr id="1487100613" name="Text Placeholder 1"/>
           <p:cNvSpPr>
             <a:spLocks noGrp="1"/>
           </p:cNvSpPr>
@@ -11187,7 +11187,7 @@
       </p:sp>
       <p:pic>
         <p:nvPicPr>
-          <p:cNvPr id="1960813497" name="Picture 679748627"/>
+          <p:cNvPr id="155868967" name="Picture 679748627"/>
           <p:cNvPicPr>
             <a:picLocks noChangeAspect="1"/>
           </p:cNvPicPr>
@@ -11210,7 +11210,7 @@
       </p:pic>
       <p:pic>
         <p:nvPicPr>
-          <p:cNvPr id="1359788584" name=""/>
+          <p:cNvPr id="1667004412" name=""/>
           <p:cNvPicPr>
             <a:picLocks noChangeAspect="1"/>
           </p:cNvPicPr>
@@ -11232,7 +11232,7 @@
       </p:pic>
       <p:pic>
         <p:nvPicPr>
-          <p:cNvPr id="1564322384" name=""/>
+          <p:cNvPr id="1043014842" name=""/>
           <p:cNvPicPr>
             <a:picLocks noChangeAspect="1"/>
           </p:cNvPicPr>
@@ -11255,7 +11255,7 @@
       </p:pic>
       <p:sp>
         <p:nvSpPr>
-          <p:cNvPr id="688967014" name=""/>
+          <p:cNvPr id="1020561536" name=""/>
           <p:cNvSpPr txBox="1"/>
           <p:nvPr/>
         </p:nvSpPr>
@@ -11296,7 +11296,7 @@
       </p:sp>
       <p:sp>
         <p:nvSpPr>
-          <p:cNvPr id="49107903" name=""/>
+          <p:cNvPr id="155815772" name=""/>
           <p:cNvSpPr txBox="1"/>
           <p:nvPr/>
         </p:nvSpPr>
@@ -11337,7 +11337,7 @@
       </p:sp>
       <p:sp>
         <p:nvSpPr>
-          <p:cNvPr id="1194524389" name=""/>
+          <p:cNvPr id="758632122" name=""/>
           <p:cNvSpPr txBox="1"/>
           <p:nvPr/>
         </p:nvSpPr>
@@ -11413,7 +11413,7 @@
       </p:grpSpPr>
       <p:pic>
         <p:nvPicPr>
-          <p:cNvPr id="1036534997" name=""/>
+          <p:cNvPr id="552100674" name=""/>
           <p:cNvPicPr>
             <a:picLocks noChangeAspect="1"/>
           </p:cNvPicPr>
@@ -11435,7 +11435,7 @@
       </p:pic>
       <p:sp>
         <p:nvSpPr>
-          <p:cNvPr id="2049243232" name=""/>
+          <p:cNvPr id="1701292651" name=""/>
           <p:cNvSpPr txBox="1"/>
           <p:nvPr/>
         </p:nvSpPr>
@@ -11463,7 +11463,7 @@
       </p:sp>
       <p:pic>
         <p:nvPicPr>
-          <p:cNvPr id="830407176" name=""/>
+          <p:cNvPr id="1392613618" name=""/>
           <p:cNvPicPr>
             <a:picLocks noChangeAspect="1"/>
           </p:cNvPicPr>
@@ -11485,7 +11485,7 @@
       </p:pic>
       <p:sp>
         <p:nvSpPr>
-          <p:cNvPr id="1622250801" name="Text Placeholder 1"/>
+          <p:cNvPr id="1645716868" name="Text Placeholder 1"/>
           <p:cNvSpPr>
             <a:spLocks noGrp="1"/>
           </p:cNvSpPr>
@@ -11531,7 +11531,7 @@
       </p:sp>
       <p:pic>
         <p:nvPicPr>
-          <p:cNvPr id="1186595887" name="Picture 679748627"/>
+          <p:cNvPr id="961175794" name="Picture 679748627"/>
           <p:cNvPicPr>
             <a:picLocks noChangeAspect="1"/>
           </p:cNvPicPr>
@@ -11554,7 +11554,7 @@
       </p:pic>
       <p:pic>
         <p:nvPicPr>
-          <p:cNvPr id="1277667770" name=""/>
+          <p:cNvPr id="485980487" name=""/>
           <p:cNvPicPr>
             <a:picLocks noChangeAspect="1"/>
           </p:cNvPicPr>
@@ -11576,7 +11576,7 @@
       </p:pic>
       <p:pic>
         <p:nvPicPr>
-          <p:cNvPr id="1226991085" name=""/>
+          <p:cNvPr id="1179368362" name=""/>
           <p:cNvPicPr>
             <a:picLocks noChangeAspect="1"/>
           </p:cNvPicPr>
@@ -11599,7 +11599,7 @@
       </p:pic>
       <p:sp>
         <p:nvSpPr>
-          <p:cNvPr id="1522825379" name=""/>
+          <p:cNvPr id="441362030" name=""/>
           <p:cNvSpPr txBox="1"/>
           <p:nvPr/>
         </p:nvSpPr>
@@ -11677,7 +11677,7 @@
       </p:grpSpPr>
       <p:pic>
         <p:nvPicPr>
-          <p:cNvPr id="1956456447" name=""/>
+          <p:cNvPr id="2144416124" name=""/>
           <p:cNvPicPr>
             <a:picLocks noChangeAspect="1"/>
           </p:cNvPicPr>
@@ -11699,7 +11699,7 @@
       </p:pic>
       <p:sp>
         <p:nvSpPr>
-          <p:cNvPr id="1512095030" name=""/>
+          <p:cNvPr id="1166287525" name=""/>
           <p:cNvSpPr txBox="1"/>
           <p:nvPr/>
         </p:nvSpPr>
@@ -11727,7 +11727,7 @@
       </p:sp>
       <p:pic>
         <p:nvPicPr>
-          <p:cNvPr id="330614106" name=""/>
+          <p:cNvPr id="120310628" name=""/>
           <p:cNvPicPr>
             <a:picLocks noChangeAspect="1"/>
           </p:cNvPicPr>
@@ -11749,7 +11749,7 @@
       </p:pic>
       <p:sp>
         <p:nvSpPr>
-          <p:cNvPr id="912443863" name="Text Placeholder 1"/>
+          <p:cNvPr id="1811413322" name="Text Placeholder 1"/>
           <p:cNvSpPr>
             <a:spLocks noGrp="1"/>
           </p:cNvSpPr>
@@ -11789,7 +11789,7 @@
       </p:sp>
       <p:pic>
         <p:nvPicPr>
-          <p:cNvPr id="2062874111" name="Picture 679748627"/>
+          <p:cNvPr id="970103102" name="Picture 679748627"/>
           <p:cNvPicPr>
             <a:picLocks noChangeAspect="1"/>
           </p:cNvPicPr>
@@ -11812,7 +11812,7 @@
       </p:pic>
       <p:pic>
         <p:nvPicPr>
-          <p:cNvPr id="333471815" name=""/>
+          <p:cNvPr id="1442605098" name=""/>
           <p:cNvPicPr>
             <a:picLocks noChangeAspect="1"/>
           </p:cNvPicPr>
@@ -11834,7 +11834,7 @@
       </p:pic>
       <p:pic>
         <p:nvPicPr>
-          <p:cNvPr id="1349303115" name=""/>
+          <p:cNvPr id="1604405901" name=""/>
           <p:cNvPicPr>
             <a:picLocks noChangeAspect="1"/>
           </p:cNvPicPr>
@@ -11857,7 +11857,7 @@
       </p:pic>
       <p:pic>
         <p:nvPicPr>
-          <p:cNvPr id="907044249" name=""/>
+          <p:cNvPr id="315616803" name=""/>
           <p:cNvPicPr>
             <a:picLocks noChangeAspect="1"/>
           </p:cNvPicPr>
@@ -11879,7 +11879,7 @@
       </p:pic>
       <p:pic>
         <p:nvPicPr>
-          <p:cNvPr id="18231773" name=""/>
+          <p:cNvPr id="466952742" name=""/>
           <p:cNvPicPr>
             <a:picLocks noChangeAspect="1"/>
           </p:cNvPicPr>
@@ -11938,7 +11938,7 @@
       </p:grpSpPr>
       <p:pic>
         <p:nvPicPr>
-          <p:cNvPr id="287148393" name=""/>
+          <p:cNvPr id="534477430" name=""/>
           <p:cNvPicPr>
             <a:picLocks noChangeAspect="1"/>
           </p:cNvPicPr>
@@ -11960,7 +11960,7 @@
       </p:pic>
       <p:pic>
         <p:nvPicPr>
-          <p:cNvPr id="1525488527" name=""/>
+          <p:cNvPr id="187946054" name=""/>
           <p:cNvPicPr>
             <a:picLocks noChangeAspect="1"/>
           </p:cNvPicPr>
@@ -11982,7 +11982,7 @@
       </p:pic>
       <p:sp>
         <p:nvSpPr>
-          <p:cNvPr id="1234839170" name=""/>
+          <p:cNvPr id="520165006" name=""/>
           <p:cNvSpPr txBox="1"/>
           <p:nvPr/>
         </p:nvSpPr>
@@ -12010,7 +12010,7 @@
       </p:sp>
       <p:pic>
         <p:nvPicPr>
-          <p:cNvPr id="179010489" name=""/>
+          <p:cNvPr id="313121940" name=""/>
           <p:cNvPicPr>
             <a:picLocks noChangeAspect="1"/>
           </p:cNvPicPr>
@@ -12032,7 +12032,7 @@
       </p:pic>
       <p:sp>
         <p:nvSpPr>
-          <p:cNvPr id="1246871596" name="Text Placeholder 1"/>
+          <p:cNvPr id="1819985608" name="Text Placeholder 1"/>
           <p:cNvSpPr>
             <a:spLocks noGrp="1"/>
           </p:cNvSpPr>
@@ -12072,7 +12072,7 @@
       </p:sp>
       <p:pic>
         <p:nvPicPr>
-          <p:cNvPr id="201698235" name="Picture 679748627"/>
+          <p:cNvPr id="88989350" name="Picture 679748627"/>
           <p:cNvPicPr>
             <a:picLocks noChangeAspect="1"/>
           </p:cNvPicPr>
@@ -12095,7 +12095,7 @@
       </p:pic>
       <p:pic>
         <p:nvPicPr>
-          <p:cNvPr id="1610580822" name=""/>
+          <p:cNvPr id="839897080" name=""/>
           <p:cNvPicPr>
             <a:picLocks noChangeAspect="1"/>
           </p:cNvPicPr>
@@ -12117,7 +12117,7 @@
       </p:pic>
       <p:pic>
         <p:nvPicPr>
-          <p:cNvPr id="745530763" name=""/>
+          <p:cNvPr id="1033049306" name=""/>
           <p:cNvPicPr>
             <a:picLocks noChangeAspect="1"/>
           </p:cNvPicPr>
@@ -12140,7 +12140,7 @@
       </p:pic>
       <p:pic>
         <p:nvPicPr>
-          <p:cNvPr id="755852614" name=""/>
+          <p:cNvPr id="1712408249" name=""/>
           <p:cNvPicPr>
             <a:picLocks noChangeAspect="1"/>
           </p:cNvPicPr>
@@ -12162,7 +12162,7 @@
       </p:pic>
       <p:pic>
         <p:nvPicPr>
-          <p:cNvPr id="624208853" name=""/>
+          <p:cNvPr id="1596458993" name=""/>
           <p:cNvPicPr>
             <a:picLocks noChangeAspect="1"/>
           </p:cNvPicPr>
@@ -12184,7 +12184,7 @@
       </p:pic>
       <p:pic>
         <p:nvPicPr>
-          <p:cNvPr id="346135782" name=""/>
+          <p:cNvPr id="554442530" name=""/>
           <p:cNvPicPr>
             <a:picLocks noChangeAspect="1"/>
           </p:cNvPicPr>
@@ -12206,7 +12206,7 @@
       </p:pic>
       <p:pic>
         <p:nvPicPr>
-          <p:cNvPr id="1557792177" name=""/>
+          <p:cNvPr id="745283809" name=""/>
           <p:cNvPicPr>
             <a:picLocks noChangeAspect="1"/>
           </p:cNvPicPr>
@@ -12228,7 +12228,7 @@
       </p:pic>
       <p:pic>
         <p:nvPicPr>
-          <p:cNvPr id="33083617" name=""/>
+          <p:cNvPr id="231621897" name=""/>
           <p:cNvPicPr>
             <a:picLocks noChangeAspect="1"/>
           </p:cNvPicPr>
@@ -12251,7 +12251,7 @@
       </p:pic>
       <p:pic>
         <p:nvPicPr>
-          <p:cNvPr id="1069638156" name=""/>
+          <p:cNvPr id="457169139" name=""/>
           <p:cNvPicPr>
             <a:picLocks noChangeAspect="1"/>
           </p:cNvPicPr>
@@ -12273,7 +12273,7 @@
       </p:pic>
       <p:pic>
         <p:nvPicPr>
-          <p:cNvPr id="1293775633" name=""/>
+          <p:cNvPr id="152150090" name=""/>
           <p:cNvPicPr>
             <a:picLocks noChangeAspect="1"/>
           </p:cNvPicPr>
@@ -12295,7 +12295,7 @@
       </p:pic>
       <p:pic>
         <p:nvPicPr>
-          <p:cNvPr id="803985598" name=""/>
+          <p:cNvPr id="1974038548" name=""/>
           <p:cNvPicPr>
             <a:picLocks noChangeAspect="1"/>
           </p:cNvPicPr>
@@ -12317,7 +12317,7 @@
       </p:pic>
       <p:pic>
         <p:nvPicPr>
-          <p:cNvPr id="376249510" name=""/>
+          <p:cNvPr id="302248405" name=""/>
           <p:cNvPicPr>
             <a:picLocks noChangeAspect="1"/>
           </p:cNvPicPr>
@@ -12330,8 +12330,8 @@
         </p:blipFill>
         <p:spPr bwMode="auto">
           <a:xfrm flipH="0" flipV="0">
-            <a:off x="6366625" y="5593032"/>
-            <a:ext cx="1534280" cy="996661"/>
+            <a:off x="6576446" y="5556249"/>
+            <a:ext cx="1153087" cy="749039"/>
           </a:xfrm>
           <a:prstGeom prst="rect">
             <a:avLst/>
@@ -12340,7 +12340,7 @@
       </p:pic>
       <p:sp>
         <p:nvSpPr>
-          <p:cNvPr id="1923415064" name="Text Placeholder 1"/>
+          <p:cNvPr id="643754676" name="Text Placeholder 1"/>
           <p:cNvSpPr>
             <a:spLocks noGrp="1"/>
           </p:cNvSpPr>
@@ -12348,8 +12348,8 @@
         </p:nvSpPr>
         <p:spPr bwMode="auto">
           <a:xfrm flipH="0" flipV="0">
-            <a:off x="966221" y="6462312"/>
-            <a:ext cx="1904402" cy="259031"/>
+            <a:off x="158156" y="6460177"/>
+            <a:ext cx="543638" cy="259030"/>
           </a:xfrm>
         </p:spPr>
         <p:txBody>
@@ -12536,7 +12536,7 @@
       </p:sp>
       <p:sp>
         <p:nvSpPr>
-          <p:cNvPr id="1154703099" name="Text Placeholder 1"/>
+          <p:cNvPr id="865479893" name="Text Placeholder 1"/>
           <p:cNvSpPr>
             <a:spLocks noGrp="1"/>
           </p:cNvSpPr>
@@ -12544,7 +12544,7 @@
         </p:nvSpPr>
         <p:spPr bwMode="auto">
           <a:xfrm flipH="0" flipV="0">
-            <a:off x="6283932" y="6508850"/>
+            <a:off x="6182781" y="6294221"/>
             <a:ext cx="2578635" cy="424987"/>
           </a:xfrm>
         </p:spPr>
@@ -12732,7 +12732,7 @@
       </p:sp>
       <p:pic>
         <p:nvPicPr>
-          <p:cNvPr id="78258419" name=""/>
+          <p:cNvPr id="1508708967" name=""/>
           <p:cNvPicPr>
             <a:picLocks noChangeAspect="1"/>
           </p:cNvPicPr>
@@ -12754,7 +12754,7 @@
       </p:pic>
       <p:sp>
         <p:nvSpPr>
-          <p:cNvPr id="1016147851" name="Text Placeholder 1"/>
+          <p:cNvPr id="1688161498" name="Text Placeholder 1"/>
           <p:cNvSpPr>
             <a:spLocks noGrp="1"/>
           </p:cNvSpPr>
@@ -12984,7 +12984,7 @@
       </p:sp>
       <p:pic>
         <p:nvPicPr>
-          <p:cNvPr id="2033237290" name=""/>
+          <p:cNvPr id="216233298" name=""/>
           <p:cNvPicPr>
             <a:picLocks noChangeAspect="1"/>
           </p:cNvPicPr>
@@ -13004,6 +13004,134 @@
           </a:prstGeom>
         </p:spPr>
       </p:pic>
+      <p:sp>
+        <p:nvSpPr>
+          <p:cNvPr id="1752420779" name=""/>
+          <p:cNvSpPr txBox="1"/>
+          <p:nvPr/>
+        </p:nvSpPr>
+        <p:spPr bwMode="auto">
+          <a:xfrm rot="0" flipH="0" flipV="0">
+            <a:off x="776340" y="6462312"/>
+            <a:ext cx="1567981" cy="305159"/>
+          </a:xfrm>
+          <a:prstGeom prst="rect">
+            <a:avLst/>
+          </a:prstGeom>
+          <a:noFill/>
+        </p:spPr>
+        <p:txBody>
+          <a:bodyPr vertOverflow="overflow" horzOverflow="overflow" vert="horz" wrap="square" lIns="91440" tIns="45720" rIns="91440" bIns="45720" numCol="1" spcCol="0" rtlCol="0" fromWordArt="0" anchor="t" anchorCtr="0" forceAA="0" upright="0" compatLnSpc="0">
+            <a:spAutoFit/>
+          </a:bodyPr>
+          <a:p>
+            <a:pPr>
+              <a:defRPr/>
+            </a:pPr>
+            <a:r>
+              <a:rPr sz="1400"/>
+              <a:t>80+ dispositivi </a:t>
+            </a:r>
+            <a:endParaRPr sz="1400"/>
+          </a:p>
+        </p:txBody>
+      </p:sp>
+      <p:sp>
+        <p:nvSpPr>
+          <p:cNvPr id="638095587" name=""/>
+          <p:cNvSpPr txBox="1"/>
+          <p:nvPr/>
+        </p:nvSpPr>
+        <p:spPr bwMode="auto">
+          <a:xfrm rot="0" flipH="0" flipV="0">
+            <a:off x="3400269" y="6614892"/>
+            <a:ext cx="1570140" cy="305159"/>
+          </a:xfrm>
+          <a:prstGeom prst="rect">
+            <a:avLst/>
+          </a:prstGeom>
+          <a:noFill/>
+        </p:spPr>
+        <p:txBody>
+          <a:bodyPr vertOverflow="overflow" horzOverflow="overflow" vert="horz" wrap="square" lIns="91440" tIns="45720" rIns="91440" bIns="45720" numCol="1" spcCol="0" rtlCol="0" fromWordArt="0" anchor="t" anchorCtr="0" forceAA="0" upright="0" compatLnSpc="0">
+            <a:spAutoFit/>
+          </a:bodyPr>
+          <a:p>
+            <a:pPr>
+              <a:defRPr/>
+            </a:pPr>
+            <a:r>
+              <a:rPr sz="1400"/>
+              <a:t>200+ dispositivi </a:t>
+            </a:r>
+            <a:endParaRPr sz="1400"/>
+          </a:p>
+        </p:txBody>
+      </p:sp>
+      <p:sp>
+        <p:nvSpPr>
+          <p:cNvPr id="1519701467" name=""/>
+          <p:cNvSpPr txBox="1"/>
+          <p:nvPr/>
+        </p:nvSpPr>
+        <p:spPr bwMode="auto">
+          <a:xfrm rot="0" flipH="0" flipV="0">
+            <a:off x="6295264" y="6568765"/>
+            <a:ext cx="1571939" cy="305159"/>
+          </a:xfrm>
+          <a:prstGeom prst="rect">
+            <a:avLst/>
+          </a:prstGeom>
+          <a:noFill/>
+        </p:spPr>
+        <p:txBody>
+          <a:bodyPr vertOverflow="overflow" horzOverflow="overflow" vert="horz" wrap="square" lIns="91440" tIns="45720" rIns="91440" bIns="45720" numCol="1" spcCol="0" rtlCol="0" fromWordArt="0" anchor="t" anchorCtr="0" forceAA="0" upright="0" compatLnSpc="0">
+            <a:spAutoFit/>
+          </a:bodyPr>
+          <a:p>
+            <a:pPr>
+              <a:defRPr/>
+            </a:pPr>
+            <a:r>
+              <a:rPr sz="1400"/>
+              <a:t>150+ dispositivi </a:t>
+            </a:r>
+            <a:endParaRPr sz="1400"/>
+          </a:p>
+        </p:txBody>
+      </p:sp>
+      <p:sp>
+        <p:nvSpPr>
+          <p:cNvPr id="912458044" name=""/>
+          <p:cNvSpPr txBox="1"/>
+          <p:nvPr/>
+        </p:nvSpPr>
+        <p:spPr bwMode="auto">
+          <a:xfrm rot="0" flipH="0" flipV="0">
+            <a:off x="857567" y="662415"/>
+            <a:ext cx="1569060" cy="305159"/>
+          </a:xfrm>
+          <a:prstGeom prst="rect">
+            <a:avLst/>
+          </a:prstGeom>
+          <a:noFill/>
+        </p:spPr>
+        <p:txBody>
+          <a:bodyPr vertOverflow="overflow" horzOverflow="overflow" vert="horz" wrap="square" lIns="91440" tIns="45720" rIns="91440" bIns="45720" numCol="1" spcCol="0" rtlCol="0" fromWordArt="0" anchor="t" anchorCtr="0" forceAA="0" upright="0" compatLnSpc="0">
+            <a:spAutoFit/>
+          </a:bodyPr>
+          <a:p>
+            <a:pPr>
+              <a:defRPr/>
+            </a:pPr>
+            <a:r>
+              <a:rPr sz="1400"/>
+              <a:t>16 dispositivi </a:t>
+            </a:r>
+            <a:endParaRPr sz="1400"/>
+          </a:p>
+        </p:txBody>
+      </p:sp>
     </p:spTree>
   </p:cSld>
   <p:clrMapOvr>
@@ -13043,7 +13171,7 @@
       </p:grpSpPr>
       <p:pic>
         <p:nvPicPr>
-          <p:cNvPr id="1977004111" name=""/>
+          <p:cNvPr id="2098268867" name=""/>
           <p:cNvPicPr>
             <a:picLocks noChangeAspect="1"/>
           </p:cNvPicPr>
@@ -13065,7 +13193,7 @@
       </p:pic>
       <p:sp>
         <p:nvSpPr>
-          <p:cNvPr id="568479409" name=""/>
+          <p:cNvPr id="665015212" name=""/>
           <p:cNvSpPr txBox="1"/>
           <p:nvPr/>
         </p:nvSpPr>
@@ -13093,7 +13221,7 @@
       </p:sp>
       <p:pic>
         <p:nvPicPr>
-          <p:cNvPr id="1919414122" name=""/>
+          <p:cNvPr id="726217141" name=""/>
           <p:cNvPicPr>
             <a:picLocks noChangeAspect="1"/>
           </p:cNvPicPr>
@@ -13115,7 +13243,7 @@
       </p:pic>
       <p:sp>
         <p:nvSpPr>
-          <p:cNvPr id="42080456" name="Text Placeholder 1"/>
+          <p:cNvPr id="1030684915" name="Text Placeholder 1"/>
           <p:cNvSpPr>
             <a:spLocks noGrp="1"/>
           </p:cNvSpPr>
@@ -13161,7 +13289,7 @@
       </p:sp>
       <p:pic>
         <p:nvPicPr>
-          <p:cNvPr id="1829592037" name="Picture 679748627"/>
+          <p:cNvPr id="1765951603" name="Picture 679748627"/>
           <p:cNvPicPr>
             <a:picLocks noChangeAspect="1"/>
           </p:cNvPicPr>
@@ -13184,7 +13312,7 @@
       </p:pic>
       <p:pic>
         <p:nvPicPr>
-          <p:cNvPr id="1238349790" name=""/>
+          <p:cNvPr id="56417503" name=""/>
           <p:cNvPicPr>
             <a:picLocks noChangeAspect="1"/>
           </p:cNvPicPr>
@@ -13206,7 +13334,7 @@
       </p:pic>
       <p:pic>
         <p:nvPicPr>
-          <p:cNvPr id="2085516559" name=""/>
+          <p:cNvPr id="919967234" name=""/>
           <p:cNvPicPr>
             <a:picLocks noChangeAspect="1"/>
           </p:cNvPicPr>
@@ -13229,7 +13357,7 @@
       </p:pic>
       <p:sp>
         <p:nvSpPr>
-          <p:cNvPr id="1865299870" name=""/>
+          <p:cNvPr id="1328630131" name=""/>
           <p:cNvSpPr txBox="1"/>
           <p:nvPr/>
         </p:nvSpPr>
@@ -13270,13 +13398,13 @@
       </p:sp>
       <p:sp>
         <p:nvSpPr>
-          <p:cNvPr id="816648283" name=""/>
+          <p:cNvPr id="1589955350" name=""/>
           <p:cNvSpPr txBox="1"/>
           <p:nvPr/>
         </p:nvSpPr>
         <p:spPr bwMode="auto">
           <a:xfrm rot="0" flipH="0" flipV="0">
-            <a:off x="3269710" y="2093709"/>
+            <a:off x="3269709" y="2093709"/>
             <a:ext cx="1980382" cy="366119"/>
           </a:xfrm>
           <a:prstGeom prst="rect">
@@ -13313,7 +13441,7 @@
       </p:sp>
       <p:sp>
         <p:nvSpPr>
-          <p:cNvPr id="286295044" name=""/>
+          <p:cNvPr id="908475243" name=""/>
           <p:cNvSpPr txBox="1"/>
           <p:nvPr/>
         </p:nvSpPr>
@@ -13391,7 +13519,7 @@
       </p:grpSpPr>
       <p:pic>
         <p:nvPicPr>
-          <p:cNvPr id="236823753" name=""/>
+          <p:cNvPr id="1147385478" name=""/>
           <p:cNvPicPr>
             <a:picLocks noChangeAspect="1"/>
           </p:cNvPicPr>
@@ -13413,7 +13541,7 @@
       </p:pic>
       <p:sp>
         <p:nvSpPr>
-          <p:cNvPr id="1581096686" name=""/>
+          <p:cNvPr id="1609806723" name=""/>
           <p:cNvSpPr txBox="1"/>
           <p:nvPr/>
         </p:nvSpPr>
@@ -13441,7 +13569,7 @@
       </p:sp>
       <p:pic>
         <p:nvPicPr>
-          <p:cNvPr id="299434394" name=""/>
+          <p:cNvPr id="1886561732" name=""/>
           <p:cNvPicPr>
             <a:picLocks noChangeAspect="1"/>
           </p:cNvPicPr>
@@ -13463,7 +13591,7 @@
       </p:pic>
       <p:sp>
         <p:nvSpPr>
-          <p:cNvPr id="1935044337" name="Text Placeholder 1"/>
+          <p:cNvPr id="1142940768" name="Text Placeholder 1"/>
           <p:cNvSpPr>
             <a:spLocks noGrp="1"/>
           </p:cNvSpPr>
@@ -13509,7 +13637,7 @@
       </p:sp>
       <p:pic>
         <p:nvPicPr>
-          <p:cNvPr id="122393377" name="Picture 679748627"/>
+          <p:cNvPr id="1340571446" name="Picture 679748627"/>
           <p:cNvPicPr>
             <a:picLocks noChangeAspect="1"/>
           </p:cNvPicPr>
@@ -13532,7 +13660,7 @@
       </p:pic>
       <p:pic>
         <p:nvPicPr>
-          <p:cNvPr id="1663338637" name=""/>
+          <p:cNvPr id="264526489" name=""/>
           <p:cNvPicPr>
             <a:picLocks noChangeAspect="1"/>
           </p:cNvPicPr>
@@ -13554,7 +13682,7 @@
       </p:pic>
       <p:pic>
         <p:nvPicPr>
-          <p:cNvPr id="2066553926" name=""/>
+          <p:cNvPr id="2111188464" name=""/>
           <p:cNvPicPr>
             <a:picLocks noChangeAspect="1"/>
           </p:cNvPicPr>
@@ -13577,7 +13705,7 @@
       </p:pic>
       <p:pic>
         <p:nvPicPr>
-          <p:cNvPr id="1161269722" name=""/>
+          <p:cNvPr id="1256113748" name=""/>
           <p:cNvPicPr>
             <a:picLocks noChangeAspect="1"/>
           </p:cNvPicPr>
@@ -13599,7 +13727,7 @@
       </p:pic>
       <p:sp>
         <p:nvSpPr>
-          <p:cNvPr id="1943502719" name=""/>
+          <p:cNvPr id="138823927" name=""/>
           <p:cNvSpPr txBox="1"/>
           <p:nvPr/>
         </p:nvSpPr>
@@ -13640,7 +13768,7 @@
       </p:sp>
       <p:sp>
         <p:nvSpPr>
-          <p:cNvPr id="1022418562" name=""/>
+          <p:cNvPr id="1656746792" name=""/>
           <p:cNvSpPr txBox="1"/>
           <p:nvPr/>
         </p:nvSpPr>
@@ -13681,7 +13809,7 @@
       </p:sp>
       <p:sp>
         <p:nvSpPr>
-          <p:cNvPr id="1223416573" name=""/>
+          <p:cNvPr id="1923069289" name=""/>
           <p:cNvSpPr txBox="1"/>
           <p:nvPr/>
         </p:nvSpPr>
@@ -13722,7 +13850,7 @@
       </p:sp>
       <p:sp>
         <p:nvSpPr>
-          <p:cNvPr id="1252016890" name=""/>
+          <p:cNvPr id="532084555" name=""/>
           <p:cNvSpPr txBox="1"/>
           <p:nvPr/>
         </p:nvSpPr>
@@ -13798,7 +13926,7 @@
       </p:grpSpPr>
       <p:pic>
         <p:nvPicPr>
-          <p:cNvPr id="56539152" name=""/>
+          <p:cNvPr id="752035740" name=""/>
           <p:cNvPicPr>
             <a:picLocks noChangeAspect="1"/>
           </p:cNvPicPr>
@@ -13820,7 +13948,7 @@
       </p:pic>
       <p:sp>
         <p:nvSpPr>
-          <p:cNvPr id="682710180" name=""/>
+          <p:cNvPr id="1821472345" name=""/>
           <p:cNvSpPr txBox="1"/>
           <p:nvPr/>
         </p:nvSpPr>
@@ -13848,7 +13976,7 @@
       </p:sp>
       <p:pic>
         <p:nvPicPr>
-          <p:cNvPr id="1974306633" name=""/>
+          <p:cNvPr id="412583500" name=""/>
           <p:cNvPicPr>
             <a:picLocks noChangeAspect="1"/>
           </p:cNvPicPr>
@@ -13870,7 +13998,7 @@
       </p:pic>
       <p:sp>
         <p:nvSpPr>
-          <p:cNvPr id="460386010" name="Text Placeholder 1"/>
+          <p:cNvPr id="443396020" name="Text Placeholder 1"/>
           <p:cNvSpPr>
             <a:spLocks noGrp="1"/>
           </p:cNvSpPr>
@@ -13901,7 +14029,7 @@
       </p:sp>
       <p:pic>
         <p:nvPicPr>
-          <p:cNvPr id="830134967" name="Picture 679748627"/>
+          <p:cNvPr id="1185102197" name="Picture 679748627"/>
           <p:cNvPicPr>
             <a:picLocks noChangeAspect="1"/>
           </p:cNvPicPr>
@@ -13924,7 +14052,7 @@
       </p:pic>
       <p:pic>
         <p:nvPicPr>
-          <p:cNvPr id="1657712448" name=""/>
+          <p:cNvPr id="1010279234" name=""/>
           <p:cNvPicPr>
             <a:picLocks noChangeAspect="1"/>
           </p:cNvPicPr>
@@ -13946,7 +14074,7 @@
       </p:pic>
       <p:pic>
         <p:nvPicPr>
-          <p:cNvPr id="1863016176" name=""/>
+          <p:cNvPr id="546838885" name=""/>
           <p:cNvPicPr>
             <a:picLocks noChangeAspect="1"/>
           </p:cNvPicPr>
@@ -13969,7 +14097,7 @@
       </p:pic>
       <p:pic>
         <p:nvPicPr>
-          <p:cNvPr id="2088728878" name=""/>
+          <p:cNvPr id="428637312" name=""/>
           <p:cNvPicPr>
             <a:picLocks noChangeAspect="1"/>
           </p:cNvPicPr>
@@ -13991,7 +14119,7 @@
       </p:pic>
       <p:pic>
         <p:nvPicPr>
-          <p:cNvPr id="803197442" name=""/>
+          <p:cNvPr id="1530528990" name=""/>
           <p:cNvPicPr>
             <a:picLocks noChangeAspect="1"/>
           </p:cNvPicPr>
@@ -14013,13 +14141,13 @@
       </p:pic>
       <p:sp>
         <p:nvSpPr>
-          <p:cNvPr id="1300689120" name=""/>
+          <p:cNvPr id="255239912" name=""/>
           <p:cNvSpPr txBox="1"/>
           <p:nvPr/>
         </p:nvSpPr>
         <p:spPr bwMode="auto">
           <a:xfrm rot="0" flipH="0" flipV="0">
-            <a:off x="2265018" y="1790986"/>
+            <a:off x="2265018" y="1790985"/>
             <a:ext cx="1637183" cy="366119"/>
           </a:xfrm>
           <a:prstGeom prst="rect">
@@ -14052,7 +14180,7 @@
       </p:sp>
       <p:sp>
         <p:nvSpPr>
-          <p:cNvPr id="771135605" name=""/>
+          <p:cNvPr id="507993182" name=""/>
           <p:cNvSpPr txBox="1"/>
           <p:nvPr/>
         </p:nvSpPr>
@@ -14091,7 +14219,7 @@
       </p:sp>
       <p:sp>
         <p:nvSpPr>
-          <p:cNvPr id="304989991" name=""/>
+          <p:cNvPr id="658497451" name=""/>
           <p:cNvSpPr txBox="1"/>
           <p:nvPr/>
         </p:nvSpPr>
@@ -14154,14 +14282,14 @@
       </p:sp>
       <p:sp>
         <p:nvSpPr>
-          <p:cNvPr id="1067570029" name=""/>
+          <p:cNvPr id="557119187" name=""/>
           <p:cNvSpPr txBox="1"/>
           <p:nvPr/>
         </p:nvSpPr>
         <p:spPr bwMode="auto">
           <a:xfrm rot="0" flipH="0" flipV="0">
             <a:off x="5069339" y="5141150"/>
-            <a:ext cx="2846792" cy="640440"/>
+            <a:ext cx="2846791" cy="640440"/>
           </a:xfrm>
           <a:prstGeom prst="rect">
             <a:avLst/>
@@ -14254,7 +14382,7 @@
       </p:grpSpPr>
       <p:pic>
         <p:nvPicPr>
-          <p:cNvPr id="68455616" name=""/>
+          <p:cNvPr id="1063416804" name=""/>
           <p:cNvPicPr>
             <a:picLocks noChangeAspect="1"/>
           </p:cNvPicPr>
@@ -14276,7 +14404,7 @@
       </p:pic>
       <p:sp>
         <p:nvSpPr>
-          <p:cNvPr id="591311207" name=""/>
+          <p:cNvPr id="2099055173" name=""/>
           <p:cNvSpPr txBox="1"/>
           <p:nvPr/>
         </p:nvSpPr>
@@ -14304,7 +14432,7 @@
       </p:sp>
       <p:pic>
         <p:nvPicPr>
-          <p:cNvPr id="698788820" name=""/>
+          <p:cNvPr id="1577758797" name=""/>
           <p:cNvPicPr>
             <a:picLocks noChangeAspect="1"/>
           </p:cNvPicPr>
@@ -14326,7 +14454,7 @@
       </p:pic>
       <p:sp>
         <p:nvSpPr>
-          <p:cNvPr id="1998496151" name="Text Placeholder 1"/>
+          <p:cNvPr id="1125521689" name="Text Placeholder 1"/>
           <p:cNvSpPr>
             <a:spLocks noGrp="1"/>
           </p:cNvSpPr>
@@ -14372,7 +14500,7 @@
       </p:sp>
       <p:pic>
         <p:nvPicPr>
-          <p:cNvPr id="1944479633" name="Picture 679748627"/>
+          <p:cNvPr id="662389354" name="Picture 679748627"/>
           <p:cNvPicPr>
             <a:picLocks noChangeAspect="1"/>
           </p:cNvPicPr>
@@ -14395,7 +14523,7 @@
       </p:pic>
       <p:pic>
         <p:nvPicPr>
-          <p:cNvPr id="482964020" name=""/>
+          <p:cNvPr id="1101759881" name=""/>
           <p:cNvPicPr>
             <a:picLocks noChangeAspect="1"/>
           </p:cNvPicPr>
@@ -14417,7 +14545,7 @@
       </p:pic>
       <p:pic>
         <p:nvPicPr>
-          <p:cNvPr id="1980088973" name=""/>
+          <p:cNvPr id="748426796" name=""/>
           <p:cNvPicPr>
             <a:picLocks noChangeAspect="1"/>
           </p:cNvPicPr>
@@ -14440,7 +14568,7 @@
       </p:pic>
       <p:pic>
         <p:nvPicPr>
-          <p:cNvPr id="1690246615" name=""/>
+          <p:cNvPr id="1790609013" name=""/>
           <p:cNvPicPr>
             <a:picLocks noChangeAspect="1"/>
           </p:cNvPicPr>
@@ -14462,7 +14590,7 @@
       </p:pic>
       <p:pic>
         <p:nvPicPr>
-          <p:cNvPr id="1276022091" name=""/>
+          <p:cNvPr id="1604086286" name=""/>
           <p:cNvPicPr>
             <a:picLocks noChangeAspect="1"/>
           </p:cNvPicPr>
@@ -14484,7 +14612,7 @@
       </p:pic>
       <p:sp>
         <p:nvSpPr>
-          <p:cNvPr id="737707448" name=""/>
+          <p:cNvPr id="830550597" name=""/>
           <p:cNvSpPr txBox="1"/>
           <p:nvPr/>
         </p:nvSpPr>
@@ -14525,7 +14653,7 @@
       </p:sp>
       <p:sp>
         <p:nvSpPr>
-          <p:cNvPr id="790758252" name=""/>
+          <p:cNvPr id="73394718" name=""/>
           <p:cNvSpPr txBox="1"/>
           <p:nvPr/>
         </p:nvSpPr>
@@ -14566,7 +14694,7 @@
       </p:sp>
       <p:sp>
         <p:nvSpPr>
-          <p:cNvPr id="616601866" name=""/>
+          <p:cNvPr id="421380451" name=""/>
           <p:cNvSpPr txBox="1"/>
           <p:nvPr/>
         </p:nvSpPr>
@@ -14607,7 +14735,7 @@
       </p:sp>
       <p:sp>
         <p:nvSpPr>
-          <p:cNvPr id="995231787" name=""/>
+          <p:cNvPr id="197675789" name=""/>
           <p:cNvSpPr txBox="1"/>
           <p:nvPr/>
         </p:nvSpPr>
@@ -14648,7 +14776,7 @@
       </p:sp>
       <p:sp>
         <p:nvSpPr>
-          <p:cNvPr id="1532040987" name=""/>
+          <p:cNvPr id="1221428907" name=""/>
           <p:cNvSpPr txBox="1"/>
           <p:nvPr/>
         </p:nvSpPr>
@@ -14728,7 +14856,7 @@
       </p:grpSpPr>
       <p:pic>
         <p:nvPicPr>
-          <p:cNvPr id="1745560091" name=""/>
+          <p:cNvPr id="195584959" name=""/>
           <p:cNvPicPr>
             <a:picLocks noChangeAspect="1"/>
           </p:cNvPicPr>
@@ -14750,7 +14878,7 @@
       </p:pic>
       <p:pic>
         <p:nvPicPr>
-          <p:cNvPr id="1603226556" name=""/>
+          <p:cNvPr id="526494989" name=""/>
           <p:cNvPicPr>
             <a:picLocks noChangeAspect="1"/>
           </p:cNvPicPr>
@@ -14772,7 +14900,7 @@
       </p:pic>
       <p:pic>
         <p:nvPicPr>
-          <p:cNvPr id="287915699" name=""/>
+          <p:cNvPr id="1297848905" name=""/>
           <p:cNvPicPr>
             <a:picLocks noChangeAspect="1"/>
           </p:cNvPicPr>
@@ -14794,7 +14922,7 @@
       </p:pic>
       <p:sp>
         <p:nvSpPr>
-          <p:cNvPr id="1726869504" name="Text Placeholder 1"/>
+          <p:cNvPr id="1530804769" name="Text Placeholder 1"/>
           <p:cNvSpPr>
             <a:spLocks noGrp="1"/>
           </p:cNvSpPr>
@@ -14825,7 +14953,7 @@
       </p:sp>
       <p:pic>
         <p:nvPicPr>
-          <p:cNvPr id="1886064686" name="Picture 679748627"/>
+          <p:cNvPr id="1486932145" name="Picture 679748627"/>
           <p:cNvPicPr>
             <a:picLocks noChangeAspect="1"/>
           </p:cNvPicPr>
@@ -14848,7 +14976,7 @@
       </p:pic>
       <p:pic>
         <p:nvPicPr>
-          <p:cNvPr id="428324206" name=""/>
+          <p:cNvPr id="1731855985" name=""/>
           <p:cNvPicPr>
             <a:picLocks noChangeAspect="1"/>
           </p:cNvPicPr>
@@ -14870,7 +14998,7 @@
       </p:pic>
       <p:pic>
         <p:nvPicPr>
-          <p:cNvPr id="791370482" name=""/>
+          <p:cNvPr id="829766484" name=""/>
           <p:cNvPicPr>
             <a:picLocks noChangeAspect="1"/>
           </p:cNvPicPr>
@@ -14893,7 +15021,7 @@
       </p:pic>
       <p:pic>
         <p:nvPicPr>
-          <p:cNvPr id="468755392" name=""/>
+          <p:cNvPr id="774033780" name=""/>
           <p:cNvPicPr>
             <a:picLocks noChangeAspect="1"/>
           </p:cNvPicPr>
@@ -14915,7 +15043,7 @@
       </p:pic>
       <p:pic>
         <p:nvPicPr>
-          <p:cNvPr id="1560261173" name=""/>
+          <p:cNvPr id="8915382" name=""/>
           <p:cNvPicPr>
             <a:picLocks noChangeAspect="1"/>
           </p:cNvPicPr>
@@ -14937,7 +15065,7 @@
       </p:pic>
       <p:pic>
         <p:nvPicPr>
-          <p:cNvPr id="1154640835" name=""/>
+          <p:cNvPr id="491481708" name=""/>
           <p:cNvPicPr>
             <a:picLocks noChangeAspect="1"/>
           </p:cNvPicPr>
@@ -14959,7 +15087,7 @@
       </p:pic>
       <p:cxnSp>
         <p:nvCxnSpPr>
-          <p:cNvPr id="919807388" name=""/>
+          <p:cNvPr id="1053960518" name=""/>
           <p:cNvCxnSpPr/>
           <p:nvPr/>
         </p:nvCxnSpPr>
@@ -14998,7 +15126,7 @@
       </p:cxnSp>
       <p:pic>
         <p:nvPicPr>
-          <p:cNvPr id="343165830" name=""/>
+          <p:cNvPr id="2142847226" name=""/>
           <p:cNvPicPr>
             <a:picLocks noChangeAspect="1"/>
           </p:cNvPicPr>
@@ -15057,7 +15185,7 @@
       </p:grpSpPr>
       <p:pic>
         <p:nvPicPr>
-          <p:cNvPr id="390366524" name=""/>
+          <p:cNvPr id="1172166984" name=""/>
           <p:cNvPicPr>
             <a:picLocks noChangeAspect="1"/>
           </p:cNvPicPr>
@@ -15079,7 +15207,7 @@
       </p:pic>
       <p:sp>
         <p:nvSpPr>
-          <p:cNvPr id="1724177059" name="Text Placeholder 1"/>
+          <p:cNvPr id="1853958212" name="Text Placeholder 1"/>
           <p:cNvSpPr>
             <a:spLocks noGrp="1"/>
           </p:cNvSpPr>
@@ -15110,7 +15238,7 @@
       </p:sp>
       <p:sp>
         <p:nvSpPr>
-          <p:cNvPr id="686905198" name=""/>
+          <p:cNvPr id="1250176608" name=""/>
           <p:cNvSpPr txBox="1"/>
           <p:nvPr/>
         </p:nvSpPr>
@@ -15138,7 +15266,7 @@
       </p:sp>
       <p:pic>
         <p:nvPicPr>
-          <p:cNvPr id="1565311832" name=""/>
+          <p:cNvPr id="309446073" name=""/>
           <p:cNvPicPr>
             <a:picLocks noChangeAspect="1"/>
           </p:cNvPicPr>
@@ -15160,7 +15288,7 @@
       </p:pic>
       <p:pic>
         <p:nvPicPr>
-          <p:cNvPr id="1591970377" name=""/>
+          <p:cNvPr id="728031171" name=""/>
           <p:cNvPicPr>
             <a:picLocks noChangeAspect="1"/>
           </p:cNvPicPr>
@@ -15182,7 +15310,7 @@
       </p:pic>
       <p:pic>
         <p:nvPicPr>
-          <p:cNvPr id="1064866083" name=""/>
+          <p:cNvPr id="779664142" name=""/>
           <p:cNvPicPr>
             <a:picLocks noChangeAspect="1"/>
           </p:cNvPicPr>
@@ -15204,7 +15332,7 @@
       </p:pic>
       <p:pic>
         <p:nvPicPr>
-          <p:cNvPr id="1849895617" name=""/>
+          <p:cNvPr id="1095852879" name=""/>
           <p:cNvPicPr>
             <a:picLocks noChangeAspect="1"/>
           </p:cNvPicPr>
@@ -15226,7 +15354,7 @@
       </p:pic>
       <p:pic>
         <p:nvPicPr>
-          <p:cNvPr id="923858181" name=""/>
+          <p:cNvPr id="1366323830" name=""/>
           <p:cNvPicPr>
             <a:picLocks noChangeAspect="1"/>
           </p:cNvPicPr>
@@ -15248,7 +15376,7 @@
       </p:pic>
       <p:pic>
         <p:nvPicPr>
-          <p:cNvPr id="62505364" name=""/>
+          <p:cNvPr id="867113347" name=""/>
           <p:cNvPicPr>
             <a:picLocks noChangeAspect="1"/>
           </p:cNvPicPr>
@@ -15270,7 +15398,7 @@
       </p:pic>
       <p:pic>
         <p:nvPicPr>
-          <p:cNvPr id="1829750445" name=""/>
+          <p:cNvPr id="2052415003" name=""/>
           <p:cNvPicPr>
             <a:picLocks noChangeAspect="1"/>
           </p:cNvPicPr>
@@ -15292,7 +15420,7 @@
       </p:pic>
       <p:pic>
         <p:nvPicPr>
-          <p:cNvPr id="132237172" name=""/>
+          <p:cNvPr id="1218497935" name=""/>
           <p:cNvPicPr>
             <a:picLocks noChangeAspect="1"/>
           </p:cNvPicPr>
@@ -15314,7 +15442,7 @@
       </p:pic>
       <p:pic>
         <p:nvPicPr>
-          <p:cNvPr id="1425475450" name=""/>
+          <p:cNvPr id="1945540232" name=""/>
           <p:cNvPicPr>
             <a:picLocks noChangeAspect="1"/>
           </p:cNvPicPr>
@@ -15336,7 +15464,7 @@
       </p:pic>
       <p:pic>
         <p:nvPicPr>
-          <p:cNvPr id="1500972289" name=""/>
+          <p:cNvPr id="462677185" name=""/>
           <p:cNvPicPr>
             <a:picLocks noChangeAspect="1"/>
           </p:cNvPicPr>
@@ -15395,7 +15523,7 @@
       </p:grpSpPr>
       <p:pic>
         <p:nvPicPr>
-          <p:cNvPr id="1986377949" name=""/>
+          <p:cNvPr id="457467881" name=""/>
           <p:cNvPicPr>
             <a:picLocks noChangeAspect="1"/>
           </p:cNvPicPr>
@@ -15417,7 +15545,7 @@
       </p:pic>
       <p:pic>
         <p:nvPicPr>
-          <p:cNvPr id="1813501174" name=""/>
+          <p:cNvPr id="984312051" name=""/>
           <p:cNvPicPr>
             <a:picLocks noChangeAspect="1"/>
           </p:cNvPicPr>
@@ -15439,7 +15567,7 @@
       </p:pic>
       <p:sp>
         <p:nvSpPr>
-          <p:cNvPr id="1618804026" name="Text Placeholder 1"/>
+          <p:cNvPr id="982690852" name="Text Placeholder 1"/>
           <p:cNvSpPr>
             <a:spLocks noGrp="1"/>
           </p:cNvSpPr>
@@ -15470,7 +15598,7 @@
       </p:sp>
       <p:pic>
         <p:nvPicPr>
-          <p:cNvPr id="526819957" name="Picture 679748627"/>
+          <p:cNvPr id="1242841778" name="Picture 679748627"/>
           <p:cNvPicPr>
             <a:picLocks noChangeAspect="1"/>
           </p:cNvPicPr>
@@ -15493,7 +15621,7 @@
       </p:pic>
       <p:pic>
         <p:nvPicPr>
-          <p:cNvPr id="1351639588" name=""/>
+          <p:cNvPr id="1110066552" name=""/>
           <p:cNvPicPr>
             <a:picLocks noChangeAspect="1"/>
           </p:cNvPicPr>
@@ -15515,7 +15643,7 @@
       </p:pic>
       <p:pic>
         <p:nvPicPr>
-          <p:cNvPr id="1741401591" name=""/>
+          <p:cNvPr id="368640932" name=""/>
           <p:cNvPicPr>
             <a:picLocks noChangeAspect="1"/>
           </p:cNvPicPr>
@@ -15538,7 +15666,7 @@
       </p:pic>
       <p:pic>
         <p:nvPicPr>
-          <p:cNvPr id="1674480508" name=""/>
+          <p:cNvPr id="1409629139" name=""/>
           <p:cNvPicPr>
             <a:picLocks noChangeAspect="1"/>
           </p:cNvPicPr>
@@ -15560,7 +15688,7 @@
       </p:pic>
       <p:pic>
         <p:nvPicPr>
-          <p:cNvPr id="709634646" name=""/>
+          <p:cNvPr id="1780099824" name=""/>
           <p:cNvPicPr>
             <a:picLocks noChangeAspect="1"/>
           </p:cNvPicPr>
@@ -15619,7 +15747,7 @@
       </p:grpSpPr>
       <p:pic>
         <p:nvPicPr>
-          <p:cNvPr id="1507638505" name=""/>
+          <p:cNvPr id="1011927113" name=""/>
           <p:cNvPicPr>
             <a:picLocks noChangeAspect="1"/>
           </p:cNvPicPr>
@@ -15642,7 +15770,7 @@
       </p:pic>
       <p:pic>
         <p:nvPicPr>
-          <p:cNvPr id="375551167" name=""/>
+          <p:cNvPr id="1183780700" name=""/>
           <p:cNvPicPr>
             <a:picLocks noChangeAspect="1"/>
           </p:cNvPicPr>
@@ -15664,7 +15792,7 @@
       </p:pic>
       <p:sp>
         <p:nvSpPr>
-          <p:cNvPr id="1567603573" name="Text Placeholder 1"/>
+          <p:cNvPr id="1840193793" name="Text Placeholder 1"/>
           <p:cNvSpPr>
             <a:spLocks noGrp="1"/>
           </p:cNvSpPr>
@@ -15695,7 +15823,7 @@
       </p:sp>
       <p:pic>
         <p:nvPicPr>
-          <p:cNvPr id="469511840" name="Picture 679748627"/>
+          <p:cNvPr id="829583046" name="Picture 679748627"/>
           <p:cNvPicPr>
             <a:picLocks noChangeAspect="1"/>
           </p:cNvPicPr>
@@ -15718,7 +15846,7 @@
       </p:pic>
       <p:pic>
         <p:nvPicPr>
-          <p:cNvPr id="1677486871" name=""/>
+          <p:cNvPr id="542136036" name=""/>
           <p:cNvPicPr>
             <a:picLocks noChangeAspect="1"/>
           </p:cNvPicPr>
@@ -15740,7 +15868,7 @@
       </p:pic>
       <p:pic>
         <p:nvPicPr>
-          <p:cNvPr id="1935042623" name=""/>
+          <p:cNvPr id="404279304" name=""/>
           <p:cNvPicPr>
             <a:picLocks noChangeAspect="1"/>
           </p:cNvPicPr>
@@ -15800,7 +15928,7 @@
       </p:grpSpPr>
       <p:pic>
         <p:nvPicPr>
-          <p:cNvPr id="127866462" name=""/>
+          <p:cNvPr id="162643710" name=""/>
           <p:cNvPicPr>
             <a:picLocks noChangeAspect="1"/>
           </p:cNvPicPr>
@@ -15823,7 +15951,7 @@
       </p:pic>
       <p:pic>
         <p:nvPicPr>
-          <p:cNvPr id="402991975" name=""/>
+          <p:cNvPr id="1305405481" name=""/>
           <p:cNvPicPr>
             <a:picLocks noChangeAspect="1"/>
           </p:cNvPicPr>
@@ -15835,7 +15963,7 @@
           <a:stretch/>
         </p:blipFill>
         <p:spPr bwMode="auto">
-          <a:xfrm rot="16199933" flipH="0" flipV="0">
+          <a:xfrm rot="16199932" flipH="0" flipV="0">
             <a:off x="-8171614" y="-628110"/>
             <a:ext cx="7874475" cy="11326499"/>
           </a:xfrm>
@@ -15846,7 +15974,7 @@
       </p:pic>
       <p:pic>
         <p:nvPicPr>
-          <p:cNvPr id="1652639676" name=""/>
+          <p:cNvPr id="1560532236" name=""/>
           <p:cNvPicPr>
             <a:picLocks noChangeAspect="1"/>
           </p:cNvPicPr>
@@ -15868,7 +15996,7 @@
       </p:pic>
       <p:sp>
         <p:nvSpPr>
-          <p:cNvPr id="813212486" name="Text Placeholder 1"/>
+          <p:cNvPr id="1129439505" name="Text Placeholder 1"/>
           <p:cNvSpPr>
             <a:spLocks noGrp="1"/>
           </p:cNvSpPr>
@@ -15899,7 +16027,7 @@
       </p:sp>
       <p:pic>
         <p:nvPicPr>
-          <p:cNvPr id="1193863315" name="Picture 679748627"/>
+          <p:cNvPr id="1266053562" name="Picture 679748627"/>
           <p:cNvPicPr>
             <a:picLocks noChangeAspect="1"/>
           </p:cNvPicPr>
@@ -15922,7 +16050,7 @@
       </p:pic>
       <p:pic>
         <p:nvPicPr>
-          <p:cNvPr id="1762346311" name=""/>
+          <p:cNvPr id="1881844356" name=""/>
           <p:cNvPicPr>
             <a:picLocks noChangeAspect="1"/>
           </p:cNvPicPr>
@@ -15982,7 +16110,7 @@
       </p:grpSpPr>
       <p:pic>
         <p:nvPicPr>
-          <p:cNvPr id="800949156" name=""/>
+          <p:cNvPr id="404217703" name=""/>
           <p:cNvPicPr>
             <a:picLocks noChangeAspect="1"/>
           </p:cNvPicPr>
@@ -16005,7 +16133,7 @@
       </p:pic>
       <p:pic>
         <p:nvPicPr>
-          <p:cNvPr id="1582585460" name=""/>
+          <p:cNvPr id="267295746" name=""/>
           <p:cNvPicPr>
             <a:picLocks noChangeAspect="1"/>
           </p:cNvPicPr>
@@ -16017,7 +16145,7 @@
           <a:stretch/>
         </p:blipFill>
         <p:spPr bwMode="auto">
-          <a:xfrm rot="16199900" flipH="0" flipV="0">
+          <a:xfrm rot="16199899" flipH="0" flipV="0">
             <a:off x="-8171613" y="-628110"/>
             <a:ext cx="7874474" cy="11326498"/>
           </a:xfrm>
@@ -16028,7 +16156,7 @@
       </p:pic>
       <p:pic>
         <p:nvPicPr>
-          <p:cNvPr id="822671381" name=""/>
+          <p:cNvPr id="1777435823" name=""/>
           <p:cNvPicPr>
             <a:picLocks noChangeAspect="1"/>
           </p:cNvPicPr>
@@ -16050,7 +16178,7 @@
       </p:pic>
       <p:sp>
         <p:nvSpPr>
-          <p:cNvPr id="383604547" name="Text Placeholder 1"/>
+          <p:cNvPr id="1335781030" name="Text Placeholder 1"/>
           <p:cNvSpPr>
             <a:spLocks noGrp="1"/>
           </p:cNvSpPr>
@@ -16081,7 +16209,7 @@
       </p:sp>
       <p:pic>
         <p:nvPicPr>
-          <p:cNvPr id="918775929" name="Picture 679748627"/>
+          <p:cNvPr id="182215724" name="Picture 679748627"/>
           <p:cNvPicPr>
             <a:picLocks noChangeAspect="1"/>
           </p:cNvPicPr>
@@ -16104,7 +16232,7 @@
       </p:pic>
       <p:pic>
         <p:nvPicPr>
-          <p:cNvPr id="2131562427" name=""/>
+          <p:cNvPr id="1567599462" name=""/>
           <p:cNvPicPr>
             <a:picLocks noChangeAspect="1"/>
           </p:cNvPicPr>
@@ -16127,7 +16255,7 @@
       </p:pic>
       <p:sp>
         <p:nvSpPr>
-          <p:cNvPr id="890486094" name=""/>
+          <p:cNvPr id="118573545" name=""/>
           <p:cNvSpPr/>
           <p:nvPr/>
         </p:nvSpPr>
@@ -16168,7 +16296,7 @@
       </p:sp>
       <p:sp>
         <p:nvSpPr>
-          <p:cNvPr id="543457803" name=""/>
+          <p:cNvPr id="253312628" name=""/>
           <p:cNvSpPr/>
           <p:nvPr/>
         </p:nvSpPr>
@@ -16209,7 +16337,7 @@
       </p:sp>
       <p:sp>
         <p:nvSpPr>
-          <p:cNvPr id="2137103757" name=""/>
+          <p:cNvPr id="442887073" name=""/>
           <p:cNvSpPr/>
           <p:nvPr/>
         </p:nvSpPr>
@@ -16287,7 +16415,7 @@
       </p:grpSpPr>
       <p:pic>
         <p:nvPicPr>
-          <p:cNvPr id="1245341285" name=""/>
+          <p:cNvPr id="1651114131" name=""/>
           <p:cNvPicPr>
             <a:picLocks noChangeAspect="1"/>
           </p:cNvPicPr>
@@ -16310,7 +16438,7 @@
       </p:pic>
       <p:pic>
         <p:nvPicPr>
-          <p:cNvPr id="1187859944" name=""/>
+          <p:cNvPr id="1100334734" name=""/>
           <p:cNvPicPr>
             <a:picLocks noChangeAspect="1"/>
           </p:cNvPicPr>
@@ -16322,7 +16450,7 @@
           <a:stretch/>
         </p:blipFill>
         <p:spPr bwMode="auto">
-          <a:xfrm rot="16199900" flipH="0" flipV="0">
+          <a:xfrm rot="16199899" flipH="0" flipV="0">
             <a:off x="-8171613" y="-628110"/>
             <a:ext cx="7874474" cy="11326498"/>
           </a:xfrm>
@@ -16333,7 +16461,7 @@
       </p:pic>
       <p:pic>
         <p:nvPicPr>
-          <p:cNvPr id="739776952" name=""/>
+          <p:cNvPr id="596110373" name=""/>
           <p:cNvPicPr>
             <a:picLocks noChangeAspect="1"/>
           </p:cNvPicPr>
@@ -16355,7 +16483,7 @@
       </p:pic>
       <p:sp>
         <p:nvSpPr>
-          <p:cNvPr id="996433472" name="Text Placeholder 1"/>
+          <p:cNvPr id="1323995193" name="Text Placeholder 1"/>
           <p:cNvSpPr>
             <a:spLocks noGrp="1"/>
           </p:cNvSpPr>
@@ -16386,7 +16514,7 @@
       </p:sp>
       <p:pic>
         <p:nvPicPr>
-          <p:cNvPr id="627743857" name="Picture 679748627"/>
+          <p:cNvPr id="324093284" name="Picture 679748627"/>
           <p:cNvPicPr>
             <a:picLocks noChangeAspect="1"/>
           </p:cNvPicPr>
@@ -16409,7 +16537,7 @@
       </p:pic>
       <p:pic>
         <p:nvPicPr>
-          <p:cNvPr id="64067240" name=""/>
+          <p:cNvPr id="556198453" name=""/>
           <p:cNvPicPr>
             <a:picLocks noChangeAspect="1"/>
           </p:cNvPicPr>
@@ -16432,7 +16560,7 @@
       </p:pic>
       <p:sp>
         <p:nvSpPr>
-          <p:cNvPr id="1298124135" name=""/>
+          <p:cNvPr id="1265692865" name=""/>
           <p:cNvSpPr/>
           <p:nvPr/>
         </p:nvSpPr>
@@ -16510,7 +16638,7 @@
       </p:grpSpPr>
       <p:pic>
         <p:nvPicPr>
-          <p:cNvPr id="991027442" name=""/>
+          <p:cNvPr id="211688492" name=""/>
           <p:cNvPicPr>
             <a:picLocks noChangeAspect="1"/>
           </p:cNvPicPr>
@@ -16523,7 +16651,7 @@
         </p:blipFill>
         <p:spPr bwMode="auto">
           <a:xfrm flipH="0" flipV="0">
-            <a:off x="1240373" y="1166046"/>
+            <a:off x="1240372" y="1166046"/>
             <a:ext cx="6979733" cy="5739658"/>
           </a:xfrm>
           <a:prstGeom prst="rect">
@@ -16533,7 +16661,7 @@
       </p:pic>
       <p:pic>
         <p:nvPicPr>
-          <p:cNvPr id="81811485" name=""/>
+          <p:cNvPr id="1941593139" name=""/>
           <p:cNvPicPr>
             <a:picLocks noChangeAspect="1"/>
           </p:cNvPicPr>
@@ -16545,7 +16673,7 @@
           <a:stretch/>
         </p:blipFill>
         <p:spPr bwMode="auto">
-          <a:xfrm rot="16199900" flipH="0" flipV="0">
+          <a:xfrm rot="16199899" flipH="0" flipV="0">
             <a:off x="-8171613" y="-628110"/>
             <a:ext cx="7874474" cy="11326498"/>
           </a:xfrm>
@@ -16556,7 +16684,7 @@
       </p:pic>
       <p:pic>
         <p:nvPicPr>
-          <p:cNvPr id="577482874" name=""/>
+          <p:cNvPr id="790759441" name=""/>
           <p:cNvPicPr>
             <a:picLocks noChangeAspect="1"/>
           </p:cNvPicPr>
@@ -16578,7 +16706,7 @@
       </p:pic>
       <p:sp>
         <p:nvSpPr>
-          <p:cNvPr id="1296623047" name="Text Placeholder 1"/>
+          <p:cNvPr id="1434972053" name="Text Placeholder 1"/>
           <p:cNvSpPr>
             <a:spLocks noGrp="1"/>
           </p:cNvSpPr>
@@ -16609,7 +16737,7 @@
       </p:sp>
       <p:pic>
         <p:nvPicPr>
-          <p:cNvPr id="1734524213" name="Picture 679748627"/>
+          <p:cNvPr id="1013708116" name="Picture 679748627"/>
           <p:cNvPicPr>
             <a:picLocks noChangeAspect="1"/>
           </p:cNvPicPr>
@@ -16632,7 +16760,7 @@
       </p:pic>
       <p:pic>
         <p:nvPicPr>
-          <p:cNvPr id="2133603559" name=""/>
+          <p:cNvPr id="1986584179" name=""/>
           <p:cNvPicPr>
             <a:picLocks noChangeAspect="1"/>
           </p:cNvPicPr>
@@ -16655,7 +16783,7 @@
       </p:pic>
       <p:sp>
         <p:nvSpPr>
-          <p:cNvPr id="1183235524" name=""/>
+          <p:cNvPr id="1078157372" name=""/>
           <p:cNvSpPr/>
           <p:nvPr/>
         </p:nvSpPr>
@@ -16733,7 +16861,7 @@
       </p:grpSpPr>
       <p:pic>
         <p:nvPicPr>
-          <p:cNvPr id="828444765" name=""/>
+          <p:cNvPr id="869141968" name=""/>
           <p:cNvPicPr>
             <a:picLocks noChangeAspect="1"/>
           </p:cNvPicPr>
@@ -16755,7 +16883,7 @@
       </p:pic>
       <p:sp>
         <p:nvSpPr>
-          <p:cNvPr id="937930581" name="Text Placeholder 1"/>
+          <p:cNvPr id="105141117" name="Text Placeholder 1"/>
           <p:cNvSpPr>
             <a:spLocks noGrp="1"/>
           </p:cNvSpPr>
@@ -16786,7 +16914,7 @@
       </p:sp>
       <p:pic>
         <p:nvPicPr>
-          <p:cNvPr id="174247458" name="Picture 679748627"/>
+          <p:cNvPr id="981306498" name="Picture 679748627"/>
           <p:cNvPicPr>
             <a:picLocks noChangeAspect="1"/>
           </p:cNvPicPr>
@@ -16809,7 +16937,7 @@
       </p:pic>
       <p:pic>
         <p:nvPicPr>
-          <p:cNvPr id="153663300" name=""/>
+          <p:cNvPr id="583572092" name=""/>
           <p:cNvPicPr>
             <a:picLocks noChangeAspect="1"/>
           </p:cNvPicPr>
@@ -16832,7 +16960,7 @@
       </p:pic>
       <p:pic>
         <p:nvPicPr>
-          <p:cNvPr id="806519250" name=""/>
+          <p:cNvPr id="919099494" name=""/>
           <p:cNvPicPr>
             <a:picLocks noChangeAspect="1"/>
           </p:cNvPicPr>
@@ -16854,7 +16982,7 @@
       </p:pic>
       <p:pic>
         <p:nvPicPr>
-          <p:cNvPr id="1932164394" name=""/>
+          <p:cNvPr id="515682798" name=""/>
           <p:cNvPicPr>
             <a:picLocks noChangeAspect="1"/>
           </p:cNvPicPr>
@@ -16877,7 +17005,7 @@
       </p:pic>
       <p:sp>
         <p:nvSpPr>
-          <p:cNvPr id="1364167240" name=""/>
+          <p:cNvPr id="114428562" name=""/>
           <p:cNvSpPr/>
           <p:nvPr/>
         </p:nvSpPr>
@@ -16955,7 +17083,7 @@
       </p:grpSpPr>
       <p:pic>
         <p:nvPicPr>
-          <p:cNvPr id="1243719583" name=""/>
+          <p:cNvPr id="131826280" name=""/>
           <p:cNvPicPr>
             <a:picLocks noChangeAspect="1"/>
           </p:cNvPicPr>
@@ -16977,7 +17105,7 @@
       </p:pic>
       <p:sp>
         <p:nvSpPr>
-          <p:cNvPr id="546237374" name="Text Placeholder 1"/>
+          <p:cNvPr id="1340146963" name="Text Placeholder 1"/>
           <p:cNvSpPr>
             <a:spLocks noGrp="1"/>
           </p:cNvSpPr>
@@ -17008,7 +17136,7 @@
       </p:sp>
       <p:pic>
         <p:nvPicPr>
-          <p:cNvPr id="1344865619" name="Picture 679748627"/>
+          <p:cNvPr id="1432563668" name="Picture 679748627"/>
           <p:cNvPicPr>
             <a:picLocks noChangeAspect="1"/>
           </p:cNvPicPr>
@@ -17031,7 +17159,7 @@
       </p:pic>
       <p:pic>
         <p:nvPicPr>
-          <p:cNvPr id="464755156" name=""/>
+          <p:cNvPr id="1443514406" name=""/>
           <p:cNvPicPr>
             <a:picLocks noChangeAspect="1"/>
           </p:cNvPicPr>
@@ -17054,7 +17182,7 @@
       </p:pic>
       <p:pic>
         <p:nvPicPr>
-          <p:cNvPr id="1606831159" name=""/>
+          <p:cNvPr id="31031002" name=""/>
           <p:cNvPicPr>
             <a:picLocks noChangeAspect="1"/>
           </p:cNvPicPr>
@@ -17076,7 +17204,7 @@
       </p:pic>
       <p:pic>
         <p:nvPicPr>
-          <p:cNvPr id="1866227337" name=""/>
+          <p:cNvPr id="1545906853" name=""/>
           <p:cNvPicPr>
             <a:picLocks noChangeAspect="1"/>
           </p:cNvPicPr>
@@ -17084,7 +17212,7 @@
         </p:nvPicPr>
         <p:blipFill>
           <a:blip r:embed="rId7"/>
-          <a:srcRect l="0" t="10948" r="12445" b="0"/>
+          <a:srcRect l="0" t="10948" r="12444" b="0"/>
           <a:stretch/>
         </p:blipFill>
         <p:spPr bwMode="auto">
@@ -17099,7 +17227,7 @@
       </p:pic>
       <p:pic>
         <p:nvPicPr>
-          <p:cNvPr id="299697930" name=""/>
+          <p:cNvPr id="1398304058" name=""/>
           <p:cNvPicPr>
             <a:picLocks noChangeAspect="1"/>
           </p:cNvPicPr>
@@ -17158,7 +17286,7 @@
       </p:grpSpPr>
       <p:sp>
         <p:nvSpPr>
-          <p:cNvPr id="855437725" name="Content Placeholder 3"/>
+          <p:cNvPr id="596441793" name="Content Placeholder 3"/>
           <p:cNvSpPr>
             <a:spLocks noGrp="1"/>
           </p:cNvSpPr>
@@ -17320,7 +17448,7 @@
       </p:sp>
       <p:sp>
         <p:nvSpPr>
-          <p:cNvPr id="1680908214" name="Content Placeholder 3"/>
+          <p:cNvPr id="740035372" name="Content Placeholder 3"/>
           <p:cNvSpPr>
             <a:spLocks noGrp="1"/>
           </p:cNvSpPr>
@@ -17614,7 +17742,7 @@
       </p:sp>
       <p:sp>
         <p:nvSpPr>
-          <p:cNvPr id="1591318359" name=""/>
+          <p:cNvPr id="928722929" name=""/>
           <p:cNvSpPr txBox="1"/>
           <p:nvPr/>
         </p:nvSpPr>
@@ -17655,7 +17783,7 @@
       </p:sp>
       <p:sp>
         <p:nvSpPr>
-          <p:cNvPr id="1053562349" name=""/>
+          <p:cNvPr id="1920432481" name=""/>
           <p:cNvSpPr txBox="1"/>
           <p:nvPr/>
         </p:nvSpPr>
@@ -17733,7 +17861,7 @@
       </p:grpSpPr>
       <p:sp>
         <p:nvSpPr>
-          <p:cNvPr id="1561650747" name="Text Placeholder 1"/>
+          <p:cNvPr id="1726115521" name="Text Placeholder 1"/>
           <p:cNvSpPr>
             <a:spLocks noGrp="1"/>
           </p:cNvSpPr>
@@ -17759,7 +17887,7 @@
       </p:sp>
       <p:sp>
         <p:nvSpPr>
-          <p:cNvPr id="1907715765" name="Content Placeholder 2"/>
+          <p:cNvPr id="530258988" name="Content Placeholder 2"/>
           <p:cNvSpPr>
             <a:spLocks noGrp="1"/>
           </p:cNvSpPr>
@@ -17792,7 +17920,7 @@
       </p:sp>
       <p:pic>
         <p:nvPicPr>
-          <p:cNvPr id="1676945047" name=""/>
+          <p:cNvPr id="1155087400" name=""/>
           <p:cNvPicPr>
             <a:picLocks noChangeAspect="1"/>
           </p:cNvPicPr>
@@ -17814,7 +17942,7 @@
       </p:pic>
       <p:sp>
         <p:nvSpPr>
-          <p:cNvPr id="316137489" name=""/>
+          <p:cNvPr id="1599628243" name=""/>
           <p:cNvSpPr txBox="1"/>
           <p:nvPr/>
         </p:nvSpPr>
@@ -17846,7 +17974,7 @@
       </p:sp>
       <p:pic>
         <p:nvPicPr>
-          <p:cNvPr id="1224940129" name=""/>
+          <p:cNvPr id="2037993465" name=""/>
           <p:cNvPicPr>
             <a:picLocks noChangeAspect="1"/>
           </p:cNvPicPr>
@@ -17868,7 +17996,7 @@
       </p:pic>
       <p:pic>
         <p:nvPicPr>
-          <p:cNvPr id="591950209" name=""/>
+          <p:cNvPr id="578839665" name=""/>
           <p:cNvPicPr>
             <a:picLocks noChangeAspect="1"/>
           </p:cNvPicPr>
@@ -17890,7 +18018,7 @@
       </p:pic>
       <p:sp>
         <p:nvSpPr>
-          <p:cNvPr id="1544036273" name=""/>
+          <p:cNvPr id="1178858310" name=""/>
           <p:cNvSpPr txBox="1"/>
           <p:nvPr/>
         </p:nvSpPr>
@@ -17962,7 +18090,7 @@
       </p:grpSpPr>
       <p:pic>
         <p:nvPicPr>
-          <p:cNvPr id="1427071530" name=""/>
+          <p:cNvPr id="514849976" name=""/>
           <p:cNvPicPr>
             <a:picLocks noChangeAspect="1"/>
           </p:cNvPicPr>
@@ -17984,7 +18112,7 @@
       </p:pic>
       <p:sp>
         <p:nvSpPr>
-          <p:cNvPr id="580683921" name=""/>
+          <p:cNvPr id="106103530" name=""/>
           <p:cNvSpPr txBox="1"/>
           <p:nvPr/>
         </p:nvSpPr>
@@ -18012,7 +18140,7 @@
       </p:sp>
       <p:pic>
         <p:nvPicPr>
-          <p:cNvPr id="1806724295" name=""/>
+          <p:cNvPr id="1074704805" name=""/>
           <p:cNvPicPr>
             <a:picLocks noChangeAspect="1"/>
           </p:cNvPicPr>
@@ -18034,7 +18162,7 @@
       </p:pic>
       <p:pic>
         <p:nvPicPr>
-          <p:cNvPr id="929377229" name=""/>
+          <p:cNvPr id="163967708" name=""/>
           <p:cNvPicPr>
             <a:picLocks noChangeAspect="1"/>
           </p:cNvPicPr>
@@ -18056,7 +18184,7 @@
       </p:pic>
       <p:pic>
         <p:nvPicPr>
-          <p:cNvPr id="1482921298" name=""/>
+          <p:cNvPr id="365413020" name=""/>
           <p:cNvPicPr>
             <a:picLocks noChangeAspect="1"/>
           </p:cNvPicPr>
@@ -18078,7 +18206,7 @@
       </p:pic>
       <p:pic>
         <p:nvPicPr>
-          <p:cNvPr id="2024043463" name=""/>
+          <p:cNvPr id="363989404" name=""/>
           <p:cNvPicPr>
             <a:picLocks noChangeAspect="1"/>
           </p:cNvPicPr>
@@ -18100,7 +18228,7 @@
       </p:pic>
       <p:pic>
         <p:nvPicPr>
-          <p:cNvPr id="16231198" name=""/>
+          <p:cNvPr id="928834750" name=""/>
           <p:cNvPicPr>
             <a:picLocks noChangeAspect="1"/>
           </p:cNvPicPr>
@@ -18122,7 +18250,7 @@
       </p:pic>
       <p:pic>
         <p:nvPicPr>
-          <p:cNvPr id="153384609" name=""/>
+          <p:cNvPr id="302237639" name=""/>
           <p:cNvPicPr>
             <a:picLocks noChangeAspect="1"/>
           </p:cNvPicPr>
@@ -18144,7 +18272,7 @@
       </p:pic>
       <p:pic>
         <p:nvPicPr>
-          <p:cNvPr id="1859957798" name=""/>
+          <p:cNvPr id="1818010507" name=""/>
           <p:cNvPicPr>
             <a:picLocks noChangeAspect="1"/>
           </p:cNvPicPr>
@@ -18166,7 +18294,7 @@
       </p:pic>
       <p:pic>
         <p:nvPicPr>
-          <p:cNvPr id="967117154" name=""/>
+          <p:cNvPr id="789633354" name=""/>
           <p:cNvPicPr>
             <a:picLocks noChangeAspect="1"/>
           </p:cNvPicPr>
@@ -18188,7 +18316,7 @@
       </p:pic>
       <p:pic>
         <p:nvPicPr>
-          <p:cNvPr id="1784491591" name=""/>
+          <p:cNvPr id="2022205013" name=""/>
           <p:cNvPicPr>
             <a:picLocks noChangeAspect="1"/>
           </p:cNvPicPr>
@@ -18210,7 +18338,7 @@
       </p:pic>
       <p:pic>
         <p:nvPicPr>
-          <p:cNvPr id="1969930056" name=""/>
+          <p:cNvPr id="1213547321" name=""/>
           <p:cNvPicPr>
             <a:picLocks noChangeAspect="1"/>
           </p:cNvPicPr>
@@ -18232,7 +18360,7 @@
       </p:pic>
       <p:sp>
         <p:nvSpPr>
-          <p:cNvPr id="886040446" name="Text Placeholder 1"/>
+          <p:cNvPr id="317009293" name="Text Placeholder 1"/>
           <p:cNvSpPr>
             <a:spLocks noGrp="1"/>
           </p:cNvSpPr>
@@ -18263,7 +18391,7 @@
       </p:sp>
       <p:pic>
         <p:nvPicPr>
-          <p:cNvPr id="179196080" name="Picture 679748627"/>
+          <p:cNvPr id="1359361979" name="Picture 679748627"/>
           <p:cNvPicPr>
             <a:picLocks noChangeAspect="1"/>
           </p:cNvPicPr>
@@ -18283,38 +18411,6 @@
           </a:prstGeom>
         </p:spPr>
       </p:pic>
-      <p:sp>
-        <p:nvSpPr>
-          <p:cNvPr id="154745643" name=""/>
-          <p:cNvSpPr txBox="1"/>
-          <p:nvPr/>
-        </p:nvSpPr>
-        <p:spPr bwMode="auto">
-          <a:xfrm rot="0" flipH="0" flipV="0">
-            <a:off x="3541562" y="3246120"/>
-            <a:ext cx="2060874" cy="365759"/>
-          </a:xfrm>
-          <a:prstGeom prst="rect">
-            <a:avLst/>
-          </a:prstGeom>
-          <a:noFill/>
-        </p:spPr>
-        <p:txBody>
-          <a:bodyPr vertOverflow="overflow" horzOverflow="overflow" vert="horz" wrap="square" lIns="91440" tIns="45720" rIns="91440" bIns="45720" numCol="1" spcCol="0" rtlCol="0" fromWordArt="0" anchor="t" anchorCtr="0" forceAA="0" upright="0" compatLnSpc="0">
-            <a:spAutoFit/>
-          </a:bodyPr>
-          <a:p>
-            <a:pPr algn="l">
-              <a:defRPr/>
-            </a:pPr>
-            <a:r>
-              <a:rPr/>
-              <a:t>----------1-------------</a:t>
-            </a:r>
-            <a:endParaRPr/>
-          </a:p>
-        </p:txBody>
-      </p:sp>
     </p:spTree>
   </p:cSld>
   <p:clrMapOvr>
@@ -18354,7 +18450,7 @@
       </p:grpSpPr>
       <p:sp>
         <p:nvSpPr>
-          <p:cNvPr id="126701320" name="Text Placeholder 1"/>
+          <p:cNvPr id="156379318" name="Text Placeholder 1"/>
           <p:cNvSpPr>
             <a:spLocks noGrp="1"/>
           </p:cNvSpPr>
@@ -18385,7 +18481,7 @@
       </p:sp>
       <p:pic>
         <p:nvPicPr>
-          <p:cNvPr id="977161886" name=""/>
+          <p:cNvPr id="657514150" name=""/>
           <p:cNvPicPr>
             <a:picLocks noChangeAspect="1"/>
           </p:cNvPicPr>
@@ -18398,7 +18494,7 @@
         <p:spPr bwMode="auto">
           <a:xfrm flipH="0" flipV="0">
             <a:off x="528230" y="2135241"/>
-            <a:ext cx="2235641" cy="715276"/>
+            <a:ext cx="2235641" cy="715275"/>
           </a:xfrm>
           <a:prstGeom prst="rect">
             <a:avLst/>
@@ -18407,7 +18503,7 @@
       </p:pic>
       <p:pic>
         <p:nvPicPr>
-          <p:cNvPr id="831870115" name=""/>
+          <p:cNvPr id="967236844" name=""/>
           <p:cNvPicPr>
             <a:picLocks noChangeAspect="1"/>
           </p:cNvPicPr>
@@ -18420,7 +18516,7 @@
         <p:spPr bwMode="auto">
           <a:xfrm flipH="0" flipV="0">
             <a:off x="3254373" y="1516673"/>
-            <a:ext cx="1735021" cy="1952411"/>
+            <a:ext cx="1735020" cy="1952411"/>
           </a:xfrm>
           <a:prstGeom prst="rect">
             <a:avLst/>
@@ -18429,7 +18525,7 @@
       </p:pic>
       <p:pic>
         <p:nvPicPr>
-          <p:cNvPr id="1784477242" name=""/>
+          <p:cNvPr id="241360347" name=""/>
           <p:cNvPicPr>
             <a:picLocks noChangeAspect="1"/>
           </p:cNvPicPr>
@@ -18451,7 +18547,7 @@
       </p:pic>
       <p:pic>
         <p:nvPicPr>
-          <p:cNvPr id="737283161" name=""/>
+          <p:cNvPr id="348655943" name=""/>
           <p:cNvPicPr>
             <a:picLocks noChangeAspect="1"/>
           </p:cNvPicPr>
@@ -18474,7 +18570,7 @@
       </p:pic>
       <p:pic>
         <p:nvPicPr>
-          <p:cNvPr id="1762469409" name=""/>
+          <p:cNvPr id="509128563" name=""/>
           <p:cNvPicPr>
             <a:picLocks noChangeAspect="1"/>
           </p:cNvPicPr>
@@ -18529,7 +18625,7 @@
       </p:grpSpPr>
       <p:pic>
         <p:nvPicPr>
-          <p:cNvPr id="1161491593" name=""/>
+          <p:cNvPr id="473873300" name=""/>
           <p:cNvPicPr>
             <a:picLocks noChangeAspect="1"/>
           </p:cNvPicPr>
@@ -18551,7 +18647,7 @@
       </p:pic>
       <p:sp>
         <p:nvSpPr>
-          <p:cNvPr id="1207632379" name=""/>
+          <p:cNvPr id="2054186930" name=""/>
           <p:cNvSpPr txBox="1"/>
           <p:nvPr/>
         </p:nvSpPr>
@@ -18579,7 +18675,7 @@
       </p:sp>
       <p:pic>
         <p:nvPicPr>
-          <p:cNvPr id="531552790" name=""/>
+          <p:cNvPr id="175659247" name=""/>
           <p:cNvPicPr>
             <a:picLocks noChangeAspect="1"/>
           </p:cNvPicPr>
@@ -18601,7 +18697,7 @@
       </p:pic>
       <p:pic>
         <p:nvPicPr>
-          <p:cNvPr id="80329474" name=""/>
+          <p:cNvPr id="1981906285" name=""/>
           <p:cNvPicPr>
             <a:picLocks noChangeAspect="1"/>
           </p:cNvPicPr>
@@ -18623,7 +18719,7 @@
       </p:pic>
       <p:pic>
         <p:nvPicPr>
-          <p:cNvPr id="950639126" name=""/>
+          <p:cNvPr id="2114005113" name=""/>
           <p:cNvPicPr>
             <a:picLocks noChangeAspect="1"/>
           </p:cNvPicPr>
@@ -18645,7 +18741,7 @@
       </p:pic>
       <p:pic>
         <p:nvPicPr>
-          <p:cNvPr id="1545545306" name=""/>
+          <p:cNvPr id="665936815" name=""/>
           <p:cNvPicPr>
             <a:picLocks noChangeAspect="1"/>
           </p:cNvPicPr>
@@ -18667,7 +18763,7 @@
       </p:pic>
       <p:pic>
         <p:nvPicPr>
-          <p:cNvPr id="1149780288" name=""/>
+          <p:cNvPr id="1179585448" name=""/>
           <p:cNvPicPr>
             <a:picLocks noChangeAspect="1"/>
           </p:cNvPicPr>
@@ -18689,7 +18785,7 @@
       </p:pic>
       <p:pic>
         <p:nvPicPr>
-          <p:cNvPr id="1699493770" name=""/>
+          <p:cNvPr id="1113989461" name=""/>
           <p:cNvPicPr>
             <a:picLocks noChangeAspect="1"/>
           </p:cNvPicPr>
@@ -18711,7 +18807,7 @@
       </p:pic>
       <p:pic>
         <p:nvPicPr>
-          <p:cNvPr id="2137059039" name=""/>
+          <p:cNvPr id="1703083695" name=""/>
           <p:cNvPicPr>
             <a:picLocks noChangeAspect="1"/>
           </p:cNvPicPr>
@@ -18733,7 +18829,7 @@
       </p:pic>
       <p:pic>
         <p:nvPicPr>
-          <p:cNvPr id="748626630" name=""/>
+          <p:cNvPr id="1866832943" name=""/>
           <p:cNvPicPr>
             <a:picLocks noChangeAspect="1"/>
           </p:cNvPicPr>
@@ -18755,7 +18851,7 @@
       </p:pic>
       <p:pic>
         <p:nvPicPr>
-          <p:cNvPr id="1786162690" name=""/>
+          <p:cNvPr id="1416527525" name=""/>
           <p:cNvPicPr>
             <a:picLocks noChangeAspect="1"/>
           </p:cNvPicPr>
@@ -18777,7 +18873,7 @@
       </p:pic>
       <p:pic>
         <p:nvPicPr>
-          <p:cNvPr id="702366306" name=""/>
+          <p:cNvPr id="1637985329" name=""/>
           <p:cNvPicPr>
             <a:picLocks noChangeAspect="1"/>
           </p:cNvPicPr>
@@ -18799,7 +18895,7 @@
       </p:pic>
       <p:sp>
         <p:nvSpPr>
-          <p:cNvPr id="1143718986" name="Text Placeholder 1"/>
+          <p:cNvPr id="985903103" name="Text Placeholder 1"/>
           <p:cNvSpPr>
             <a:spLocks noGrp="1"/>
           </p:cNvSpPr>
@@ -18830,7 +18926,7 @@
       </p:sp>
       <p:pic>
         <p:nvPicPr>
-          <p:cNvPr id="2003845150" name="Picture 679748627"/>
+          <p:cNvPr id="1469455760" name=""/>
           <p:cNvPicPr>
             <a:picLocks noChangeAspect="1"/>
           </p:cNvPicPr>
@@ -18841,15 +18937,362 @@
           <a:stretch/>
         </p:blipFill>
         <p:spPr bwMode="auto">
+          <a:xfrm flipH="0" flipV="0">
+            <a:off x="5100854" y="2057356"/>
+            <a:ext cx="1757359" cy="1757359"/>
+          </a:xfrm>
+          <a:prstGeom prst="rect">
+            <a:avLst/>
+          </a:prstGeom>
+        </p:spPr>
+      </p:pic>
+      <p:sp>
+        <p:nvSpPr>
+          <p:cNvPr id="176668877" name=""/>
+          <p:cNvSpPr txBox="1"/>
+          <p:nvPr/>
+        </p:nvSpPr>
+        <p:spPr bwMode="auto">
           <a:xfrm rot="0" flipH="0" flipV="0">
-            <a:off x="2862577" y="1978889"/>
-            <a:ext cx="2577324" cy="2577324"/>
+            <a:off x="3373328" y="3462837"/>
+            <a:ext cx="639252" cy="366119"/>
+          </a:xfrm>
+          <a:prstGeom prst="rect">
+            <a:avLst/>
+          </a:prstGeom>
+          <a:noFill/>
+        </p:spPr>
+        <p:txBody>
+          <a:bodyPr vertOverflow="overflow" horzOverflow="overflow" vert="horz" wrap="square" lIns="91440" tIns="45720" rIns="91440" bIns="45720" numCol="1" spcCol="0" rtlCol="0" fromWordArt="0" anchor="t" anchorCtr="0" forceAA="0" upright="0" compatLnSpc="0">
+            <a:spAutoFit/>
+          </a:bodyPr>
+          <a:p>
+            <a:pPr>
+              <a:defRPr/>
+            </a:pPr>
+            <a:endParaRPr/>
+          </a:p>
+        </p:txBody>
+      </p:sp>
+      <p:pic>
+        <p:nvPicPr>
+          <p:cNvPr id="2102980816" name="Picture 679748627"/>
+          <p:cNvPicPr>
+            <a:picLocks noChangeAspect="1"/>
+          </p:cNvPicPr>
+          <p:nvPr/>
+        </p:nvPicPr>
+        <p:blipFill>
+          <a:blip r:embed="rId11"/>
+          <a:srcRect l="17448" t="9827" r="9617" b="18442"/>
+          <a:stretch/>
+        </p:blipFill>
+        <p:spPr bwMode="auto">
+          <a:xfrm rot="0" flipH="0" flipV="0">
+            <a:off x="3373212" y="2595538"/>
+            <a:ext cx="1782009" cy="1752597"/>
           </a:xfrm>
           <a:prstGeom prst="rect">
             <a:avLst/>
           </a:prstGeom>
         </p:spPr>
       </p:pic>
+      <p:pic>
+        <p:nvPicPr>
+          <p:cNvPr id="731797503" name=""/>
+          <p:cNvPicPr>
+            <a:picLocks noChangeAspect="1"/>
+          </p:cNvPicPr>
+          <p:nvPr/>
+        </p:nvPicPr>
+        <p:blipFill>
+          <a:blip r:embed="rId12"/>
+          <a:stretch/>
+        </p:blipFill>
+        <p:spPr bwMode="auto">
+          <a:xfrm flipH="0" flipV="0">
+            <a:off x="3591184" y="946999"/>
+            <a:ext cx="1149314" cy="904005"/>
+          </a:xfrm>
+          <a:prstGeom prst="rect">
+            <a:avLst/>
+          </a:prstGeom>
+        </p:spPr>
+      </p:pic>
+      <p:pic>
+        <p:nvPicPr>
+          <p:cNvPr id="254929054" name=""/>
+          <p:cNvPicPr>
+            <a:picLocks noChangeAspect="1"/>
+          </p:cNvPicPr>
+          <p:nvPr/>
+        </p:nvPicPr>
+        <p:blipFill>
+          <a:blip r:embed="rId13"/>
+          <a:srcRect l="21529" t="26993" r="20692" b="30340"/>
+          <a:stretch/>
+        </p:blipFill>
+        <p:spPr bwMode="auto">
+          <a:xfrm flipH="0" flipV="0">
+            <a:off x="4981553" y="4165663"/>
+            <a:ext cx="1559983" cy="1151986"/>
+          </a:xfrm>
+          <a:prstGeom prst="rect">
+            <a:avLst/>
+          </a:prstGeom>
+        </p:spPr>
+      </p:pic>
+      <p:pic>
+        <p:nvPicPr>
+          <p:cNvPr id="661477527" name=""/>
+          <p:cNvPicPr>
+            <a:picLocks noChangeAspect="1"/>
+          </p:cNvPicPr>
+          <p:nvPr/>
+        </p:nvPicPr>
+        <p:blipFill>
+          <a:blip r:embed="rId14"/>
+          <a:stretch/>
+        </p:blipFill>
+        <p:spPr bwMode="auto">
+          <a:xfrm flipH="0" flipV="0">
+            <a:off x="2162424" y="4050000"/>
+            <a:ext cx="1273821" cy="1273821"/>
+          </a:xfrm>
+          <a:prstGeom prst="rect">
+            <a:avLst/>
+          </a:prstGeom>
+        </p:spPr>
+      </p:pic>
+      <p:pic>
+        <p:nvPicPr>
+          <p:cNvPr id="1532965448" name=""/>
+          <p:cNvPicPr>
+            <a:picLocks noChangeAspect="1"/>
+          </p:cNvPicPr>
+          <p:nvPr/>
+        </p:nvPicPr>
+        <p:blipFill>
+          <a:blip r:embed="rId15"/>
+          <a:stretch/>
+        </p:blipFill>
+        <p:spPr bwMode="auto">
+          <a:xfrm flipH="0" flipV="0">
+            <a:off x="2100602" y="2421323"/>
+            <a:ext cx="1021282" cy="952723"/>
+          </a:xfrm>
+          <a:prstGeom prst="rect">
+            <a:avLst/>
+          </a:prstGeom>
+        </p:spPr>
+      </p:pic>
+      <p:sp>
+        <p:nvSpPr>
+          <p:cNvPr id="723413218" name=""/>
+          <p:cNvSpPr txBox="1"/>
+          <p:nvPr/>
+        </p:nvSpPr>
+        <p:spPr bwMode="auto">
+          <a:xfrm rot="0" flipH="0" flipV="0">
+            <a:off x="3350489" y="1845009"/>
+            <a:ext cx="1631063" cy="366119"/>
+          </a:xfrm>
+          <a:prstGeom prst="rect">
+            <a:avLst/>
+          </a:prstGeom>
+          <a:noFill/>
+        </p:spPr>
+        <p:txBody>
+          <a:bodyPr vertOverflow="overflow" horzOverflow="overflow" vert="horz" wrap="square" lIns="91440" tIns="45720" rIns="91440" bIns="45720" numCol="1" spcCol="0" rtlCol="0" fromWordArt="0" anchor="t" anchorCtr="0" forceAA="0" upright="0" compatLnSpc="0">
+            <a:spAutoFit/>
+          </a:bodyPr>
+          <a:p>
+            <a:pPr algn="l">
+              <a:defRPr/>
+            </a:pPr>
+            <a:r>
+              <a:rPr lang="it-IT" b="1" i="0" u="none" strike="noStrike" cap="none" spc="0">
+                <a:solidFill>
+                  <a:schemeClr val="accent6">
+                    <a:lumMod val="75000"/>
+                  </a:schemeClr>
+                </a:solidFill>
+                <a:latin typeface="Arial"/>
+                <a:ea typeface="Arial"/>
+                <a:cs typeface="Arial"/>
+              </a:rPr>
+              <a:t>Compatibilità</a:t>
+            </a:r>
+            <a:endParaRPr/>
+          </a:p>
+        </p:txBody>
+      </p:sp>
+      <p:sp>
+        <p:nvSpPr>
+          <p:cNvPr id="1976883886" name=""/>
+          <p:cNvSpPr txBox="1"/>
+          <p:nvPr/>
+        </p:nvSpPr>
+        <p:spPr bwMode="auto">
+          <a:xfrm rot="0" flipH="0" flipV="0">
+            <a:off x="5162202" y="3378545"/>
+            <a:ext cx="1634663" cy="366119"/>
+          </a:xfrm>
+          <a:prstGeom prst="rect">
+            <a:avLst/>
+          </a:prstGeom>
+          <a:noFill/>
+        </p:spPr>
+        <p:txBody>
+          <a:bodyPr vertOverflow="overflow" horzOverflow="overflow" vert="horz" wrap="square" lIns="91440" tIns="45720" rIns="91440" bIns="45720" numCol="1" spcCol="0" rtlCol="0" fromWordArt="0" anchor="t" anchorCtr="0" forceAA="0" upright="0" compatLnSpc="0">
+            <a:spAutoFit/>
+          </a:bodyPr>
+          <a:p>
+            <a:pPr algn="ctr">
+              <a:defRPr/>
+            </a:pPr>
+            <a:r>
+              <a:rPr lang="it-IT" b="1" i="0" u="none" strike="noStrike" cap="none" spc="0">
+                <a:solidFill>
+                  <a:schemeClr val="accent6">
+                    <a:lumMod val="75000"/>
+                  </a:schemeClr>
+                </a:solidFill>
+                <a:latin typeface="Arial"/>
+                <a:ea typeface="Arial"/>
+                <a:cs typeface="Arial"/>
+              </a:rPr>
+              <a:t>Sicurezza</a:t>
+            </a:r>
+            <a:endParaRPr/>
+          </a:p>
+        </p:txBody>
+      </p:sp>
+      <p:sp>
+        <p:nvSpPr>
+          <p:cNvPr id="1877709786" name=""/>
+          <p:cNvSpPr txBox="1"/>
+          <p:nvPr/>
+        </p:nvSpPr>
+        <p:spPr bwMode="auto">
+          <a:xfrm rot="0" flipH="0" flipV="0">
+            <a:off x="4771713" y="5140764"/>
+            <a:ext cx="1980021" cy="366119"/>
+          </a:xfrm>
+          <a:prstGeom prst="rect">
+            <a:avLst/>
+          </a:prstGeom>
+          <a:noFill/>
+        </p:spPr>
+        <p:txBody>
+          <a:bodyPr vertOverflow="overflow" horzOverflow="overflow" vert="horz" wrap="square" lIns="91440" tIns="45720" rIns="91440" bIns="45720" numCol="1" spcCol="0" rtlCol="0" fromWordArt="0" anchor="t" anchorCtr="0" forceAA="0" upright="0" compatLnSpc="0">
+            <a:spAutoFit/>
+          </a:bodyPr>
+          <a:p>
+            <a:pPr algn="l">
+              <a:defRPr/>
+            </a:pPr>
+            <a:r>
+              <a:rPr lang="it-IT" b="1" i="0" u="none" strike="noStrike" cap="none" spc="0">
+                <a:solidFill>
+                  <a:schemeClr val="accent6">
+                    <a:lumMod val="75000"/>
+                  </a:schemeClr>
+                </a:solidFill>
+                <a:latin typeface="Arial"/>
+                <a:ea typeface="Arial"/>
+                <a:cs typeface="Arial"/>
+              </a:rPr>
+              <a:t>Comunicazione</a:t>
+            </a:r>
+            <a:endParaRPr/>
+          </a:p>
+        </p:txBody>
+      </p:sp>
+      <p:sp>
+        <p:nvSpPr>
+          <p:cNvPr id="734341399" name=""/>
+          <p:cNvSpPr txBox="1"/>
+          <p:nvPr/>
+        </p:nvSpPr>
+        <p:spPr bwMode="auto">
+          <a:xfrm rot="0" flipH="0" flipV="0">
+            <a:off x="1809503" y="5140764"/>
+            <a:ext cx="1983981" cy="366119"/>
+          </a:xfrm>
+          <a:prstGeom prst="rect">
+            <a:avLst/>
+          </a:prstGeom>
+          <a:noFill/>
+        </p:spPr>
+        <p:txBody>
+          <a:bodyPr vertOverflow="overflow" horzOverflow="overflow" vert="horz" wrap="square" lIns="91440" tIns="45720" rIns="91440" bIns="45720" numCol="1" spcCol="0" rtlCol="0" fromWordArt="0" anchor="t" anchorCtr="0" forceAA="0" upright="0" compatLnSpc="0">
+            <a:spAutoFit/>
+          </a:bodyPr>
+          <a:p>
+            <a:pPr algn="ctr">
+              <a:defRPr/>
+            </a:pPr>
+            <a:r>
+              <a:rPr lang="it-IT" b="1" i="0" u="none" strike="noStrike" cap="none" spc="0">
+                <a:solidFill>
+                  <a:schemeClr val="accent6">
+                    <a:lumMod val="75000"/>
+                  </a:schemeClr>
+                </a:solidFill>
+                <a:latin typeface="Arial"/>
+                <a:ea typeface="Arial"/>
+                <a:cs typeface="Arial"/>
+              </a:rPr>
+              <a:t>Precisione</a:t>
+            </a:r>
+            <a:endParaRPr/>
+          </a:p>
+        </p:txBody>
+      </p:sp>
+      <p:sp>
+        <p:nvSpPr>
+          <p:cNvPr id="544621466" name=""/>
+          <p:cNvSpPr txBox="1"/>
+          <p:nvPr/>
+        </p:nvSpPr>
+        <p:spPr bwMode="auto">
+          <a:xfrm rot="0" flipH="0" flipV="0">
+            <a:off x="1510989" y="3387544"/>
+            <a:ext cx="1988660" cy="366119"/>
+          </a:xfrm>
+          <a:prstGeom prst="rect">
+            <a:avLst/>
+          </a:prstGeom>
+          <a:noFill/>
+        </p:spPr>
+        <p:txBody>
+          <a:bodyPr vertOverflow="overflow" horzOverflow="overflow" vert="horz" wrap="square" lIns="91440" tIns="45720" rIns="91440" bIns="45720" numCol="1" spcCol="0" rtlCol="0" fromWordArt="0" anchor="t" anchorCtr="0" forceAA="0" upright="0" compatLnSpc="0">
+            <a:spAutoFit/>
+          </a:bodyPr>
+          <a:p>
+            <a:pPr algn="ctr">
+              <a:defRPr/>
+            </a:pPr>
+            <a:r>
+              <a:rPr lang="it-IT" b="1" i="0" u="none" strike="noStrike" cap="none" spc="0">
+                <a:solidFill>
+                  <a:schemeClr val="accent5"/>
+                </a:solidFill>
+                <a:latin typeface="Arial"/>
+                <a:ea typeface="Arial"/>
+                <a:cs typeface="Arial"/>
+              </a:rPr>
+              <a:t>Multiplex</a:t>
+            </a:r>
+            <a:endParaRPr>
+              <a:solidFill>
+                <a:srgbClr val="FF0000"/>
+              </a:solidFill>
+            </a:endParaRPr>
+          </a:p>
+        </p:txBody>
+      </p:sp>
     </p:spTree>
   </p:cSld>
   <p:clrMapOvr>
@@ -18889,7 +19332,7 @@
       </p:grpSpPr>
       <p:sp>
         <p:nvSpPr>
-          <p:cNvPr id="1751457500" name=""/>
+          <p:cNvPr id="382041281" name=""/>
           <p:cNvSpPr txBox="1"/>
           <p:nvPr/>
         </p:nvSpPr>
@@ -18917,7 +19360,7 @@
       </p:sp>
       <p:pic>
         <p:nvPicPr>
-          <p:cNvPr id="1639137734" name=""/>
+          <p:cNvPr id="2080968390" name=""/>
           <p:cNvPicPr>
             <a:picLocks noChangeAspect="1"/>
           </p:cNvPicPr>
@@ -18939,7 +19382,7 @@
       </p:pic>
       <p:sp>
         <p:nvSpPr>
-          <p:cNvPr id="1605996620" name="Text Placeholder 1"/>
+          <p:cNvPr id="226686238" name="Text Placeholder 1"/>
           <p:cNvSpPr>
             <a:spLocks noGrp="1"/>
           </p:cNvSpPr>
@@ -18979,7 +19422,7 @@
       </p:sp>
       <p:pic>
         <p:nvPicPr>
-          <p:cNvPr id="75852932" name="Picture 679748627"/>
+          <p:cNvPr id="510773949" name="Picture 679748627"/>
           <p:cNvPicPr>
             <a:picLocks noChangeAspect="1"/>
           </p:cNvPicPr>
@@ -19001,7 +19444,7 @@
       </p:pic>
       <p:pic>
         <p:nvPicPr>
-          <p:cNvPr id="1419293186" name=""/>
+          <p:cNvPr id="1340137629" name=""/>
           <p:cNvPicPr>
             <a:picLocks noChangeAspect="1"/>
           </p:cNvPicPr>
@@ -19023,7 +19466,7 @@
       </p:pic>
       <p:sp>
         <p:nvSpPr>
-          <p:cNvPr id="1594607499" name=""/>
+          <p:cNvPr id="1879475496" name=""/>
           <p:cNvSpPr txBox="1"/>
           <p:nvPr/>
         </p:nvSpPr>
@@ -19103,7 +19546,7 @@
       </p:grpSpPr>
       <p:sp>
         <p:nvSpPr>
-          <p:cNvPr id="489568030" name=""/>
+          <p:cNvPr id="2044491187" name=""/>
           <p:cNvSpPr txBox="1"/>
           <p:nvPr/>
         </p:nvSpPr>
@@ -19131,7 +19574,7 @@
       </p:sp>
       <p:pic>
         <p:nvPicPr>
-          <p:cNvPr id="1341215227" name=""/>
+          <p:cNvPr id="2039586152" name=""/>
           <p:cNvPicPr>
             <a:picLocks noChangeAspect="1"/>
           </p:cNvPicPr>
@@ -19153,7 +19596,7 @@
       </p:pic>
       <p:pic>
         <p:nvPicPr>
-          <p:cNvPr id="1999012497" name="Picture 679748627"/>
+          <p:cNvPr id="554006928" name="Picture 679748627"/>
           <p:cNvPicPr>
             <a:picLocks noChangeAspect="1"/>
           </p:cNvPicPr>
@@ -19175,7 +19618,7 @@
       </p:pic>
       <p:pic>
         <p:nvPicPr>
-          <p:cNvPr id="682386933" name=""/>
+          <p:cNvPr id="439267405" name=""/>
           <p:cNvPicPr>
             <a:picLocks noChangeAspect="1"/>
           </p:cNvPicPr>
@@ -19197,7 +19640,7 @@
       </p:pic>
       <p:pic>
         <p:nvPicPr>
-          <p:cNvPr id="105826505" name=""/>
+          <p:cNvPr id="1920391419" name=""/>
           <p:cNvPicPr>
             <a:picLocks noChangeAspect="1"/>
           </p:cNvPicPr>
@@ -19219,7 +19662,7 @@
       </p:pic>
       <p:sp>
         <p:nvSpPr>
-          <p:cNvPr id="2039849501" name="Text Placeholder 1"/>
+          <p:cNvPr id="1065583601" name="Text Placeholder 1"/>
           <p:cNvSpPr>
             <a:spLocks noGrp="1"/>
           </p:cNvSpPr>
@@ -19421,7 +19864,7 @@
       </p:sp>
       <p:sp>
         <p:nvSpPr>
-          <p:cNvPr id="555792958" name=""/>
+          <p:cNvPr id="1950747910" name=""/>
           <p:cNvSpPr txBox="1"/>
           <p:nvPr/>
         </p:nvSpPr>
@@ -19462,14 +19905,14 @@
       </p:sp>
       <p:sp>
         <p:nvSpPr>
-          <p:cNvPr id="220862532" name=""/>
+          <p:cNvPr id="1256542808" name=""/>
           <p:cNvSpPr txBox="1"/>
           <p:nvPr/>
         </p:nvSpPr>
         <p:spPr bwMode="auto">
           <a:xfrm rot="0" flipH="0" flipV="0">
             <a:off x="3174222" y="2257582"/>
-            <a:ext cx="1635384" cy="366119"/>
+            <a:ext cx="1635383" cy="366119"/>
           </a:xfrm>
           <a:prstGeom prst="rect">
             <a:avLst/>
@@ -19538,7 +19981,7 @@
       </p:grpSpPr>
       <p:sp>
         <p:nvSpPr>
-          <p:cNvPr id="1156226989" name=""/>
+          <p:cNvPr id="25246131" name=""/>
           <p:cNvSpPr txBox="1"/>
           <p:nvPr/>
         </p:nvSpPr>
@@ -19566,7 +20009,7 @@
       </p:sp>
       <p:pic>
         <p:nvPicPr>
-          <p:cNvPr id="759604377" name=""/>
+          <p:cNvPr id="307260188" name=""/>
           <p:cNvPicPr>
             <a:picLocks noChangeAspect="1"/>
           </p:cNvPicPr>
@@ -19588,7 +20031,7 @@
       </p:pic>
       <p:pic>
         <p:nvPicPr>
-          <p:cNvPr id="1346445594" name="Picture 679748627"/>
+          <p:cNvPr id="1798357" name="Picture 679748627"/>
           <p:cNvPicPr>
             <a:picLocks noChangeAspect="1"/>
           </p:cNvPicPr>
@@ -19610,7 +20053,7 @@
       </p:pic>
       <p:pic>
         <p:nvPicPr>
-          <p:cNvPr id="1981913076" name=""/>
+          <p:cNvPr id="577073749" name=""/>
           <p:cNvPicPr>
             <a:picLocks noChangeAspect="1"/>
           </p:cNvPicPr>
@@ -19632,7 +20075,7 @@
       </p:pic>
       <p:pic>
         <p:nvPicPr>
-          <p:cNvPr id="1526496775" name=""/>
+          <p:cNvPr id="1770683132" name=""/>
           <p:cNvPicPr>
             <a:picLocks noChangeAspect="1"/>
           </p:cNvPicPr>
@@ -19654,7 +20097,7 @@
       </p:pic>
       <p:pic>
         <p:nvPicPr>
-          <p:cNvPr id="213954939" name=""/>
+          <p:cNvPr id="224562362" name=""/>
           <p:cNvPicPr>
             <a:picLocks noChangeAspect="1"/>
           </p:cNvPicPr>
@@ -19677,7 +20120,7 @@
       </p:pic>
       <p:sp>
         <p:nvSpPr>
-          <p:cNvPr id="1249037918" name="Text Placeholder 1"/>
+          <p:cNvPr id="1004294329" name="Text Placeholder 1"/>
           <p:cNvSpPr>
             <a:spLocks noGrp="1"/>
           </p:cNvSpPr>
@@ -19723,7 +20166,7 @@
       </p:sp>
       <p:sp>
         <p:nvSpPr>
-          <p:cNvPr id="1666082429" name=""/>
+          <p:cNvPr id="1135712092" name=""/>
           <p:cNvSpPr txBox="1"/>
           <p:nvPr/>
         </p:nvSpPr>
@@ -19762,7 +20205,7 @@
       </p:sp>
       <p:sp>
         <p:nvSpPr>
-          <p:cNvPr id="829301805" name=""/>
+          <p:cNvPr id="12239654" name=""/>
           <p:cNvSpPr txBox="1"/>
           <p:nvPr/>
         </p:nvSpPr>
@@ -19838,7 +20281,7 @@
       </p:grpSpPr>
       <p:sp>
         <p:nvSpPr>
-          <p:cNvPr id="1140132520" name=""/>
+          <p:cNvPr id="127678543" name=""/>
           <p:cNvSpPr txBox="1"/>
           <p:nvPr/>
         </p:nvSpPr>
@@ -19866,7 +20309,7 @@
       </p:sp>
       <p:pic>
         <p:nvPicPr>
-          <p:cNvPr id="1367480741" name=""/>
+          <p:cNvPr id="921358937" name=""/>
           <p:cNvPicPr>
             <a:picLocks noChangeAspect="1"/>
           </p:cNvPicPr>
@@ -19888,7 +20331,7 @@
       </p:pic>
       <p:pic>
         <p:nvPicPr>
-          <p:cNvPr id="94308463" name="Picture 679748627"/>
+          <p:cNvPr id="820652820" name="Picture 679748627"/>
           <p:cNvPicPr>
             <a:picLocks noChangeAspect="1"/>
           </p:cNvPicPr>
@@ -19910,7 +20353,7 @@
       </p:pic>
       <p:pic>
         <p:nvPicPr>
-          <p:cNvPr id="976944901" name=""/>
+          <p:cNvPr id="1914330454" name=""/>
           <p:cNvPicPr>
             <a:picLocks noChangeAspect="1"/>
           </p:cNvPicPr>
@@ -19932,7 +20375,7 @@
       </p:pic>
       <p:pic>
         <p:nvPicPr>
-          <p:cNvPr id="55644520" name=""/>
+          <p:cNvPr id="2121145583" name=""/>
           <p:cNvPicPr>
             <a:picLocks noChangeAspect="1"/>
           </p:cNvPicPr>
@@ -19954,7 +20397,7 @@
       </p:pic>
       <p:pic>
         <p:nvPicPr>
-          <p:cNvPr id="846969415" name=""/>
+          <p:cNvPr id="1839462010" name=""/>
           <p:cNvPicPr>
             <a:picLocks noChangeAspect="1"/>
           </p:cNvPicPr>
@@ -19977,7 +20420,7 @@
       </p:pic>
       <p:pic>
         <p:nvPicPr>
-          <p:cNvPr id="1027312715" name=""/>
+          <p:cNvPr id="1405881837" name=""/>
           <p:cNvPicPr>
             <a:picLocks noChangeAspect="1"/>
           </p:cNvPicPr>
@@ -20000,7 +20443,7 @@
       </p:pic>
       <p:sp>
         <p:nvSpPr>
-          <p:cNvPr id="1361530755" name="Text Placeholder 1"/>
+          <p:cNvPr id="643212394" name="Text Placeholder 1"/>
           <p:cNvSpPr>
             <a:spLocks noGrp="1"/>
           </p:cNvSpPr>
@@ -20046,7 +20489,7 @@
       </p:sp>
       <p:sp>
         <p:nvSpPr>
-          <p:cNvPr id="755570060" name=""/>
+          <p:cNvPr id="1605523350" name=""/>
           <p:cNvSpPr txBox="1"/>
           <p:nvPr/>
         </p:nvSpPr>
@@ -20087,7 +20530,7 @@
       </p:sp>
       <p:sp>
         <p:nvSpPr>
-          <p:cNvPr id="2088696541" name=""/>
+          <p:cNvPr id="1364179778" name=""/>
           <p:cNvSpPr txBox="1"/>
           <p:nvPr/>
         </p:nvSpPr>
@@ -20126,7 +20569,7 @@
       </p:sp>
       <p:sp>
         <p:nvSpPr>
-          <p:cNvPr id="647394794" name=""/>
+          <p:cNvPr id="613519001" name=""/>
           <p:cNvSpPr txBox="1"/>
           <p:nvPr/>
         </p:nvSpPr>
@@ -20203,7 +20646,7 @@
       </p:grpSpPr>
       <p:sp>
         <p:nvSpPr>
-          <p:cNvPr id="250647931" name=""/>
+          <p:cNvPr id="2060833819" name=""/>
           <p:cNvSpPr txBox="1"/>
           <p:nvPr/>
         </p:nvSpPr>
@@ -20231,7 +20674,7 @@
       </p:sp>
       <p:pic>
         <p:nvPicPr>
-          <p:cNvPr id="2060488566" name=""/>
+          <p:cNvPr id="378732805" name=""/>
           <p:cNvPicPr>
             <a:picLocks noChangeAspect="1"/>
           </p:cNvPicPr>
@@ -20253,7 +20696,7 @@
       </p:pic>
       <p:sp>
         <p:nvSpPr>
-          <p:cNvPr id="1040153157" name="Text Placeholder 1"/>
+          <p:cNvPr id="752663428" name="Text Placeholder 1"/>
           <p:cNvSpPr>
             <a:spLocks noGrp="1"/>
           </p:cNvSpPr>
@@ -20284,7 +20727,7 @@
       </p:sp>
       <p:pic>
         <p:nvPicPr>
-          <p:cNvPr id="799704578" name="Picture 679748627"/>
+          <p:cNvPr id="499736362" name="Picture 679748627"/>
           <p:cNvPicPr>
             <a:picLocks noChangeAspect="1"/>
           </p:cNvPicPr>
@@ -20306,7 +20749,7 @@
       </p:pic>
       <p:pic>
         <p:nvPicPr>
-          <p:cNvPr id="2067333859" name=""/>
+          <p:cNvPr id="1763891059" name=""/>
           <p:cNvPicPr>
             <a:picLocks noChangeAspect="1"/>
           </p:cNvPicPr>
@@ -20328,7 +20771,7 @@
       </p:pic>
       <p:pic>
         <p:nvPicPr>
-          <p:cNvPr id="1392824703" name=""/>
+          <p:cNvPr id="1860474432" name=""/>
           <p:cNvPicPr>
             <a:picLocks noChangeAspect="1"/>
           </p:cNvPicPr>
@@ -20350,7 +20793,7 @@
       </p:pic>
       <p:pic>
         <p:nvPicPr>
-          <p:cNvPr id="416545297" name=""/>
+          <p:cNvPr id="389666814" name=""/>
           <p:cNvPicPr>
             <a:picLocks noChangeAspect="1"/>
           </p:cNvPicPr>
@@ -20373,7 +20816,7 @@
       </p:pic>
       <p:pic>
         <p:nvPicPr>
-          <p:cNvPr id="1184582664" name=""/>
+          <p:cNvPr id="640466397" name=""/>
           <p:cNvPicPr>
             <a:picLocks noChangeAspect="1"/>
           </p:cNvPicPr>
@@ -20396,7 +20839,7 @@
       </p:pic>
       <p:sp>
         <p:nvSpPr>
-          <p:cNvPr id="2099494138" name=""/>
+          <p:cNvPr id="922135492" name=""/>
           <p:cNvSpPr txBox="1"/>
           <p:nvPr/>
         </p:nvSpPr>

--- a/docs/tesi/MSE_Master Thesis_Presentation_AlessioTommasi PostIncontro.pptx
+++ b/docs/tesi/MSE_Master Thesis_Presentation_AlessioTommasi PostIncontro.pptx
@@ -195,7 +195,7 @@
       </p:grpSpPr>
       <p:sp>
         <p:nvSpPr>
-          <p:cNvPr id="515504019" name="Rectangle 2"/>
+          <p:cNvPr id="470713412" name="Rectangle 2"/>
           <p:cNvSpPr>
             <a:spLocks noChangeArrowheads="1" noGrp="1"/>
           </p:cNvSpPr>
@@ -242,7 +242,7 @@
       </p:sp>
       <p:sp>
         <p:nvSpPr>
-          <p:cNvPr id="1825304257" name="Rectangle 3"/>
+          <p:cNvPr id="536751151" name="Rectangle 3"/>
           <p:cNvSpPr>
             <a:spLocks noChangeArrowheads="1" noGrp="1"/>
           </p:cNvSpPr>
@@ -289,7 +289,7 @@
       </p:sp>
       <p:sp>
         <p:nvSpPr>
-          <p:cNvPr id="492915097" name="Rectangle 4"/>
+          <p:cNvPr id="49653778" name="Rectangle 4"/>
           <p:cNvSpPr>
             <a:spLocks noChangeArrowheads="1" noChangeAspect="1" noGrp="1" noRot="1" noTextEdit="1"/>
           </p:cNvSpPr>
@@ -318,7 +318,7 @@
       </p:sp>
       <p:sp>
         <p:nvSpPr>
-          <p:cNvPr id="1837038578" name="Rectangle 5"/>
+          <p:cNvPr id="1111042912" name="Rectangle 5"/>
           <p:cNvSpPr>
             <a:spLocks noChangeArrowheads="1" noGrp="1"/>
           </p:cNvSpPr>
@@ -402,7 +402,7 @@
       </p:sp>
       <p:sp>
         <p:nvSpPr>
-          <p:cNvPr id="2002929082" name="Rectangle 6"/>
+          <p:cNvPr id="1224645033" name="Rectangle 6"/>
           <p:cNvSpPr>
             <a:spLocks noChangeArrowheads="1" noGrp="1"/>
           </p:cNvSpPr>
@@ -449,7 +449,7 @@
       </p:sp>
       <p:sp>
         <p:nvSpPr>
-          <p:cNvPr id="556561745" name="Rectangle 7"/>
+          <p:cNvPr id="802197041" name="Rectangle 7"/>
           <p:cNvSpPr>
             <a:spLocks noChangeArrowheads="1" noGrp="1"/>
           </p:cNvSpPr>
@@ -643,7 +643,7 @@
       </p:grpSpPr>
       <p:sp>
         <p:nvSpPr>
-          <p:cNvPr id="381925987" name="Slide Image Placeholder 1"/>
+          <p:cNvPr id="1032634938" name="Slide Image Placeholder 1"/>
           <p:cNvSpPr>
             <a:spLocks noChangeAspect="1" noGrp="1" noRot="1"/>
           </p:cNvSpPr>
@@ -655,7 +655,7 @@
       </p:sp>
       <p:sp>
         <p:nvSpPr>
-          <p:cNvPr id="165419393" name="Notes Placeholder 2"/>
+          <p:cNvPr id="1249464681" name="Notes Placeholder 2"/>
           <p:cNvSpPr>
             <a:spLocks noGrp="1"/>
           </p:cNvSpPr>
@@ -758,7 +758,7 @@
       </p:sp>
       <p:sp>
         <p:nvSpPr>
-          <p:cNvPr id="2014747719" name="Slide Number Placeholder 3"/>
+          <p:cNvPr id="1020158830" name="Slide Number Placeholder 3"/>
           <p:cNvSpPr>
             <a:spLocks noGrp="1"/>
           </p:cNvSpPr>
@@ -809,7 +809,7 @@
       </p:grpSpPr>
       <p:sp>
         <p:nvSpPr>
-          <p:cNvPr id="649191623" name="Segnaposto immagine diapositiva 1"/>
+          <p:cNvPr id="274825497" name="Segnaposto immagine diapositiva 1"/>
           <p:cNvSpPr>
             <a:spLocks noChangeAspect="1" noGrp="1" noRot="1"/>
           </p:cNvSpPr>
@@ -821,7 +821,7 @@
       </p:sp>
       <p:sp>
         <p:nvSpPr>
-          <p:cNvPr id="765451520" name="Segnaposto note 2"/>
+          <p:cNvPr id="548045556" name="Segnaposto note 2"/>
           <p:cNvSpPr>
             <a:spLocks noGrp="1"/>
           </p:cNvSpPr>
@@ -961,7 +961,7 @@
       </p:sp>
       <p:sp>
         <p:nvSpPr>
-          <p:cNvPr id="1526073987" name="Segnaposto numero diapositiva 3"/>
+          <p:cNvPr id="927177037" name="Segnaposto numero diapositiva 3"/>
           <p:cNvSpPr>
             <a:spLocks noGrp="1"/>
           </p:cNvSpPr>
@@ -1012,7 +1012,7 @@
       </p:grpSpPr>
       <p:sp>
         <p:nvSpPr>
-          <p:cNvPr id="1142349722" name="Segnaposto immagine diapositiva 1"/>
+          <p:cNvPr id="1656573446" name="Segnaposto immagine diapositiva 1"/>
           <p:cNvSpPr>
             <a:spLocks noChangeAspect="1" noGrp="1" noRot="1"/>
           </p:cNvSpPr>
@@ -1024,7 +1024,7 @@
       </p:sp>
       <p:sp>
         <p:nvSpPr>
-          <p:cNvPr id="1256634064" name="Segnaposto note 2"/>
+          <p:cNvPr id="1004565664" name="Segnaposto note 2"/>
           <p:cNvSpPr>
             <a:spLocks noGrp="1"/>
           </p:cNvSpPr>
@@ -1172,7 +1172,7 @@
       </p:sp>
       <p:sp>
         <p:nvSpPr>
-          <p:cNvPr id="1575253667" name="Segnaposto numero diapositiva 3"/>
+          <p:cNvPr id="1172969706" name="Segnaposto numero diapositiva 3"/>
           <p:cNvSpPr>
             <a:spLocks noGrp="1"/>
           </p:cNvSpPr>
@@ -1223,7 +1223,7 @@
       </p:grpSpPr>
       <p:sp>
         <p:nvSpPr>
-          <p:cNvPr id="377265304" name="Segnaposto immagine diapositiva 1"/>
+          <p:cNvPr id="464570573" name="Segnaposto immagine diapositiva 1"/>
           <p:cNvSpPr>
             <a:spLocks noChangeAspect="1" noGrp="1" noRot="1"/>
           </p:cNvSpPr>
@@ -1235,7 +1235,7 @@
       </p:sp>
       <p:sp>
         <p:nvSpPr>
-          <p:cNvPr id="869489513" name="Segnaposto note 2"/>
+          <p:cNvPr id="734606365" name="Segnaposto note 2"/>
           <p:cNvSpPr>
             <a:spLocks noGrp="1"/>
           </p:cNvSpPr>
@@ -1352,7 +1352,7 @@
       </p:sp>
       <p:sp>
         <p:nvSpPr>
-          <p:cNvPr id="1298373519" name="Segnaposto numero diapositiva 3"/>
+          <p:cNvPr id="663260784" name="Segnaposto numero diapositiva 3"/>
           <p:cNvSpPr>
             <a:spLocks noGrp="1"/>
           </p:cNvSpPr>
@@ -1403,7 +1403,7 @@
       </p:grpSpPr>
       <p:sp>
         <p:nvSpPr>
-          <p:cNvPr id="1298652217" name="Segnaposto immagine diapositiva 1"/>
+          <p:cNvPr id="1465729685" name="Segnaposto immagine diapositiva 1"/>
           <p:cNvSpPr>
             <a:spLocks noChangeAspect="1" noGrp="1" noRot="1"/>
           </p:cNvSpPr>
@@ -1415,7 +1415,7 @@
       </p:sp>
       <p:sp>
         <p:nvSpPr>
-          <p:cNvPr id="1193564568" name="Segnaposto note 2"/>
+          <p:cNvPr id="2020081487" name="Segnaposto note 2"/>
           <p:cNvSpPr>
             <a:spLocks noGrp="1"/>
           </p:cNvSpPr>
@@ -1836,7 +1836,7 @@
       </p:sp>
       <p:sp>
         <p:nvSpPr>
-          <p:cNvPr id="1519866954" name="Segnaposto numero diapositiva 3"/>
+          <p:cNvPr id="83303036" name="Segnaposto numero diapositiva 3"/>
           <p:cNvSpPr>
             <a:spLocks noGrp="1"/>
           </p:cNvSpPr>
@@ -1887,7 +1887,7 @@
       </p:grpSpPr>
       <p:sp>
         <p:nvSpPr>
-          <p:cNvPr id="86121674" name="Segnaposto immagine diapositiva 1"/>
+          <p:cNvPr id="526603138" name="Segnaposto immagine diapositiva 1"/>
           <p:cNvSpPr>
             <a:spLocks noChangeAspect="1" noGrp="1" noRot="1"/>
           </p:cNvSpPr>
@@ -1899,7 +1899,7 @@
       </p:sp>
       <p:sp>
         <p:nvSpPr>
-          <p:cNvPr id="1415524509" name="Segnaposto note 2"/>
+          <p:cNvPr id="921376740" name="Segnaposto note 2"/>
           <p:cNvSpPr>
             <a:spLocks noGrp="1"/>
           </p:cNvSpPr>
@@ -2492,7 +2492,7 @@
       </p:sp>
       <p:sp>
         <p:nvSpPr>
-          <p:cNvPr id="389853353" name="Segnaposto numero diapositiva 3"/>
+          <p:cNvPr id="792213483" name="Segnaposto numero diapositiva 3"/>
           <p:cNvSpPr>
             <a:spLocks noGrp="1"/>
           </p:cNvSpPr>
@@ -2543,7 +2543,7 @@
       </p:grpSpPr>
       <p:sp>
         <p:nvSpPr>
-          <p:cNvPr id="293955380" name="Segnaposto immagine diapositiva 1"/>
+          <p:cNvPr id="594707765" name="Segnaposto immagine diapositiva 1"/>
           <p:cNvSpPr>
             <a:spLocks noChangeAspect="1" noGrp="1" noRot="1"/>
           </p:cNvSpPr>
@@ -2555,7 +2555,7 @@
       </p:sp>
       <p:sp>
         <p:nvSpPr>
-          <p:cNvPr id="1357796215" name="Segnaposto note 2"/>
+          <p:cNvPr id="1438053847" name="Segnaposto note 2"/>
           <p:cNvSpPr>
             <a:spLocks noGrp="1"/>
           </p:cNvSpPr>
@@ -2768,7 +2768,7 @@
       </p:sp>
       <p:sp>
         <p:nvSpPr>
-          <p:cNvPr id="347679659" name="Segnaposto numero diapositiva 3"/>
+          <p:cNvPr id="618670220" name="Segnaposto numero diapositiva 3"/>
           <p:cNvSpPr>
             <a:spLocks noGrp="1"/>
           </p:cNvSpPr>
@@ -2819,7 +2819,7 @@
       </p:grpSpPr>
       <p:sp>
         <p:nvSpPr>
-          <p:cNvPr id="1174171499" name="Segnaposto immagine diapositiva 1"/>
+          <p:cNvPr id="1717172550" name="Segnaposto immagine diapositiva 1"/>
           <p:cNvSpPr>
             <a:spLocks noChangeAspect="1" noGrp="1" noRot="1"/>
           </p:cNvSpPr>
@@ -2831,7 +2831,7 @@
       </p:sp>
       <p:sp>
         <p:nvSpPr>
-          <p:cNvPr id="1751556966" name="Segnaposto note 2"/>
+          <p:cNvPr id="1761941458" name="Segnaposto note 2"/>
           <p:cNvSpPr>
             <a:spLocks noGrp="1"/>
           </p:cNvSpPr>
@@ -2973,7 +2973,7 @@
       </p:sp>
       <p:sp>
         <p:nvSpPr>
-          <p:cNvPr id="2143647904" name="Segnaposto numero diapositiva 3"/>
+          <p:cNvPr id="1613046034" name="Segnaposto numero diapositiva 3"/>
           <p:cNvSpPr>
             <a:spLocks noGrp="1"/>
           </p:cNvSpPr>
@@ -3024,7 +3024,7 @@
       </p:grpSpPr>
       <p:sp>
         <p:nvSpPr>
-          <p:cNvPr id="1998784677" name="Segnaposto immagine diapositiva 1"/>
+          <p:cNvPr id="468392171" name="Segnaposto immagine diapositiva 1"/>
           <p:cNvSpPr>
             <a:spLocks noChangeAspect="1" noGrp="1" noRot="1"/>
           </p:cNvSpPr>
@@ -3036,7 +3036,7 @@
       </p:sp>
       <p:sp>
         <p:nvSpPr>
-          <p:cNvPr id="926276107" name="Segnaposto note 2"/>
+          <p:cNvPr id="1401644482" name="Segnaposto note 2"/>
           <p:cNvSpPr>
             <a:spLocks noGrp="1"/>
           </p:cNvSpPr>
@@ -3219,7 +3219,7 @@
       </p:sp>
       <p:sp>
         <p:nvSpPr>
-          <p:cNvPr id="1344566855" name="Segnaposto numero diapositiva 3"/>
+          <p:cNvPr id="511450396" name="Segnaposto numero diapositiva 3"/>
           <p:cNvSpPr>
             <a:spLocks noGrp="1"/>
           </p:cNvSpPr>
@@ -3270,7 +3270,7 @@
       </p:grpSpPr>
       <p:sp>
         <p:nvSpPr>
-          <p:cNvPr id="747217844" name="Segnaposto immagine diapositiva 1"/>
+          <p:cNvPr id="212536856" name="Segnaposto immagine diapositiva 1"/>
           <p:cNvSpPr>
             <a:spLocks noChangeAspect="1" noGrp="1" noRot="1"/>
           </p:cNvSpPr>
@@ -3282,7 +3282,7 @@
       </p:sp>
       <p:sp>
         <p:nvSpPr>
-          <p:cNvPr id="837128779" name="Segnaposto note 2"/>
+          <p:cNvPr id="926885411" name="Segnaposto note 2"/>
           <p:cNvSpPr>
             <a:spLocks noGrp="1"/>
           </p:cNvSpPr>
@@ -3412,7 +3412,7 @@
       </p:sp>
       <p:sp>
         <p:nvSpPr>
-          <p:cNvPr id="1126393488" name="Segnaposto numero diapositiva 3"/>
+          <p:cNvPr id="1013093730" name="Segnaposto numero diapositiva 3"/>
           <p:cNvSpPr>
             <a:spLocks noGrp="1"/>
           </p:cNvSpPr>
@@ -3463,7 +3463,7 @@
       </p:grpSpPr>
       <p:sp>
         <p:nvSpPr>
-          <p:cNvPr id="769351731" name="Segnaposto immagine diapositiva 1"/>
+          <p:cNvPr id="341270991" name="Segnaposto immagine diapositiva 1"/>
           <p:cNvSpPr>
             <a:spLocks noChangeAspect="1" noGrp="1" noRot="1"/>
           </p:cNvSpPr>
@@ -3475,7 +3475,7 @@
       </p:sp>
       <p:sp>
         <p:nvSpPr>
-          <p:cNvPr id="942309972" name="Segnaposto note 2"/>
+          <p:cNvPr id="965028317" name="Segnaposto note 2"/>
           <p:cNvSpPr>
             <a:spLocks noGrp="1"/>
           </p:cNvSpPr>
@@ -3766,7 +3766,7 @@
       </p:sp>
       <p:sp>
         <p:nvSpPr>
-          <p:cNvPr id="527228823" name="Segnaposto numero diapositiva 3"/>
+          <p:cNvPr id="769387418" name="Segnaposto numero diapositiva 3"/>
           <p:cNvSpPr>
             <a:spLocks noGrp="1"/>
           </p:cNvSpPr>
@@ -3817,7 +3817,7 @@
       </p:grpSpPr>
       <p:sp>
         <p:nvSpPr>
-          <p:cNvPr id="885102470" name="Segnaposto immagine diapositiva 1"/>
+          <p:cNvPr id="150546659" name="Segnaposto immagine diapositiva 1"/>
           <p:cNvSpPr>
             <a:spLocks noChangeAspect="1" noGrp="1" noRot="1"/>
           </p:cNvSpPr>
@@ -3829,7 +3829,7 @@
       </p:sp>
       <p:sp>
         <p:nvSpPr>
-          <p:cNvPr id="1778841117" name="Segnaposto note 2"/>
+          <p:cNvPr id="60271218" name="Segnaposto note 2"/>
           <p:cNvSpPr>
             <a:spLocks noGrp="1"/>
           </p:cNvSpPr>
@@ -4120,7 +4120,7 @@
       </p:sp>
       <p:sp>
         <p:nvSpPr>
-          <p:cNvPr id="1130144161" name="Segnaposto numero diapositiva 3"/>
+          <p:cNvPr id="1512759845" name="Segnaposto numero diapositiva 3"/>
           <p:cNvSpPr>
             <a:spLocks noGrp="1"/>
           </p:cNvSpPr>
@@ -4171,7 +4171,7 @@
       </p:grpSpPr>
       <p:sp>
         <p:nvSpPr>
-          <p:cNvPr id="1350377256" name="Segnaposto immagine diapositiva 1"/>
+          <p:cNvPr id="2068440321" name="Segnaposto immagine diapositiva 1"/>
           <p:cNvSpPr>
             <a:spLocks noChangeAspect="1" noGrp="1" noRot="1"/>
           </p:cNvSpPr>
@@ -4183,7 +4183,7 @@
       </p:sp>
       <p:sp>
         <p:nvSpPr>
-          <p:cNvPr id="290393526" name="Segnaposto note 2"/>
+          <p:cNvPr id="1211964076" name="Segnaposto note 2"/>
           <p:cNvSpPr>
             <a:spLocks noGrp="1"/>
           </p:cNvSpPr>
@@ -4377,7 +4377,7 @@
       </p:sp>
       <p:sp>
         <p:nvSpPr>
-          <p:cNvPr id="1951410000" name="Segnaposto numero diapositiva 3"/>
+          <p:cNvPr id="59252143" name="Segnaposto numero diapositiva 3"/>
           <p:cNvSpPr>
             <a:spLocks noGrp="1"/>
           </p:cNvSpPr>
@@ -4428,7 +4428,7 @@
       </p:grpSpPr>
       <p:sp>
         <p:nvSpPr>
-          <p:cNvPr id="1684010253" name="Segnaposto immagine diapositiva 1"/>
+          <p:cNvPr id="464436907" name="Segnaposto immagine diapositiva 1"/>
           <p:cNvSpPr>
             <a:spLocks noChangeAspect="1" noGrp="1" noRot="1"/>
           </p:cNvSpPr>
@@ -4440,7 +4440,7 @@
       </p:sp>
       <p:sp>
         <p:nvSpPr>
-          <p:cNvPr id="1540492728" name="Segnaposto note 2"/>
+          <p:cNvPr id="754761618" name="Segnaposto note 2"/>
           <p:cNvSpPr>
             <a:spLocks noGrp="1"/>
           </p:cNvSpPr>
@@ -4586,7 +4586,7 @@
       </p:sp>
       <p:sp>
         <p:nvSpPr>
-          <p:cNvPr id="1060106512" name="Segnaposto numero diapositiva 3"/>
+          <p:cNvPr id="941772933" name="Segnaposto numero diapositiva 3"/>
           <p:cNvSpPr>
             <a:spLocks noGrp="1"/>
           </p:cNvSpPr>
@@ -4637,7 +4637,7 @@
       </p:grpSpPr>
       <p:sp>
         <p:nvSpPr>
-          <p:cNvPr id="235194217" name="Segnaposto immagine diapositiva 1"/>
+          <p:cNvPr id="248735072" name="Segnaposto immagine diapositiva 1"/>
           <p:cNvSpPr>
             <a:spLocks noChangeAspect="1" noGrp="1" noRot="1"/>
           </p:cNvSpPr>
@@ -4649,7 +4649,7 @@
       </p:sp>
       <p:sp>
         <p:nvSpPr>
-          <p:cNvPr id="447770918" name="Segnaposto note 2"/>
+          <p:cNvPr id="1851423382" name="Segnaposto note 2"/>
           <p:cNvSpPr>
             <a:spLocks noGrp="1"/>
           </p:cNvSpPr>
@@ -4802,7 +4802,7 @@
       </p:sp>
       <p:sp>
         <p:nvSpPr>
-          <p:cNvPr id="1649946860" name="Segnaposto numero diapositiva 3"/>
+          <p:cNvPr id="734310876" name="Segnaposto numero diapositiva 3"/>
           <p:cNvSpPr>
             <a:spLocks noGrp="1"/>
           </p:cNvSpPr>
@@ -4853,7 +4853,7 @@
       </p:grpSpPr>
       <p:sp>
         <p:nvSpPr>
-          <p:cNvPr id="744075608" name="Segnaposto immagine diapositiva 1"/>
+          <p:cNvPr id="1829615392" name="Segnaposto immagine diapositiva 1"/>
           <p:cNvSpPr>
             <a:spLocks noChangeAspect="1" noGrp="1" noRot="1"/>
           </p:cNvSpPr>
@@ -4865,7 +4865,7 @@
       </p:sp>
       <p:sp>
         <p:nvSpPr>
-          <p:cNvPr id="722587812" name="Segnaposto note 2"/>
+          <p:cNvPr id="1120047726" name="Segnaposto note 2"/>
           <p:cNvSpPr>
             <a:spLocks noGrp="1"/>
           </p:cNvSpPr>
@@ -5027,7 +5027,7 @@
       </p:sp>
       <p:sp>
         <p:nvSpPr>
-          <p:cNvPr id="142372462" name="Segnaposto numero diapositiva 3"/>
+          <p:cNvPr id="981689530" name="Segnaposto numero diapositiva 3"/>
           <p:cNvSpPr>
             <a:spLocks noGrp="1"/>
           </p:cNvSpPr>
@@ -5078,7 +5078,7 @@
       </p:grpSpPr>
       <p:sp>
         <p:nvSpPr>
-          <p:cNvPr id="336067143" name="Segnaposto immagine diapositiva 1"/>
+          <p:cNvPr id="1933856943" name="Segnaposto immagine diapositiva 1"/>
           <p:cNvSpPr>
             <a:spLocks noChangeAspect="1" noGrp="1" noRot="1"/>
           </p:cNvSpPr>
@@ -5090,7 +5090,7 @@
       </p:sp>
       <p:sp>
         <p:nvSpPr>
-          <p:cNvPr id="194272883" name="Segnaposto note 2"/>
+          <p:cNvPr id="3697994" name="Segnaposto note 2"/>
           <p:cNvSpPr>
             <a:spLocks noGrp="1"/>
           </p:cNvSpPr>
@@ -5192,7 +5192,7 @@
       </p:sp>
       <p:sp>
         <p:nvSpPr>
-          <p:cNvPr id="1257175806" name="Segnaposto numero diapositiva 3"/>
+          <p:cNvPr id="706775927" name="Segnaposto numero diapositiva 3"/>
           <p:cNvSpPr>
             <a:spLocks noGrp="1"/>
           </p:cNvSpPr>
@@ -5243,7 +5243,7 @@
       </p:grpSpPr>
       <p:sp>
         <p:nvSpPr>
-          <p:cNvPr id="334815856" name="Segnaposto immagine diapositiva 1"/>
+          <p:cNvPr id="1501421787" name="Segnaposto immagine diapositiva 1"/>
           <p:cNvSpPr>
             <a:spLocks noChangeAspect="1" noGrp="1" noRot="1"/>
           </p:cNvSpPr>
@@ -5255,7 +5255,7 @@
       </p:sp>
       <p:sp>
         <p:nvSpPr>
-          <p:cNvPr id="1383224437" name="Segnaposto note 2"/>
+          <p:cNvPr id="464948598" name="Segnaposto note 2"/>
           <p:cNvSpPr>
             <a:spLocks noGrp="1"/>
           </p:cNvSpPr>
@@ -5371,7 +5371,7 @@
       </p:sp>
       <p:sp>
         <p:nvSpPr>
-          <p:cNvPr id="967327552" name="Segnaposto numero diapositiva 3"/>
+          <p:cNvPr id="1562504550" name="Segnaposto numero diapositiva 3"/>
           <p:cNvSpPr>
             <a:spLocks noGrp="1"/>
           </p:cNvSpPr>
@@ -5422,7 +5422,7 @@
       </p:grpSpPr>
       <p:sp>
         <p:nvSpPr>
-          <p:cNvPr id="1457527491" name="Segnaposto immagine diapositiva 1"/>
+          <p:cNvPr id="1761568076" name="Segnaposto immagine diapositiva 1"/>
           <p:cNvSpPr>
             <a:spLocks noChangeAspect="1" noGrp="1" noRot="1"/>
           </p:cNvSpPr>
@@ -5434,7 +5434,7 @@
       </p:sp>
       <p:sp>
         <p:nvSpPr>
-          <p:cNvPr id="1705200413" name="Segnaposto note 2"/>
+          <p:cNvPr id="233976408" name="Segnaposto note 2"/>
           <p:cNvSpPr>
             <a:spLocks noGrp="1"/>
           </p:cNvSpPr>
@@ -5676,7 +5676,7 @@
       </p:sp>
       <p:sp>
         <p:nvSpPr>
-          <p:cNvPr id="357553751" name="Segnaposto numero diapositiva 3"/>
+          <p:cNvPr id="1611167389" name="Segnaposto numero diapositiva 3"/>
           <p:cNvSpPr>
             <a:spLocks noGrp="1"/>
           </p:cNvSpPr>
@@ -5727,7 +5727,7 @@
       </p:grpSpPr>
       <p:sp>
         <p:nvSpPr>
-          <p:cNvPr id="787070676" name="Segnaposto immagine diapositiva 1"/>
+          <p:cNvPr id="1219621836" name="Segnaposto immagine diapositiva 1"/>
           <p:cNvSpPr>
             <a:spLocks noChangeAspect="1" noGrp="1" noRot="1"/>
           </p:cNvSpPr>
@@ -5739,7 +5739,7 @@
       </p:sp>
       <p:sp>
         <p:nvSpPr>
-          <p:cNvPr id="2024532032" name="Segnaposto note 2"/>
+          <p:cNvPr id="1989998846" name="Segnaposto note 2"/>
           <p:cNvSpPr>
             <a:spLocks noGrp="1"/>
           </p:cNvSpPr>
@@ -6075,7 +6075,7 @@
       </p:sp>
       <p:sp>
         <p:nvSpPr>
-          <p:cNvPr id="836232450" name="Segnaposto numero diapositiva 3"/>
+          <p:cNvPr id="2069317471" name="Segnaposto numero diapositiva 3"/>
           <p:cNvSpPr>
             <a:spLocks noGrp="1"/>
           </p:cNvSpPr>
@@ -6126,7 +6126,7 @@
       </p:grpSpPr>
       <p:sp>
         <p:nvSpPr>
-          <p:cNvPr id="932151712" name="Segnaposto immagine diapositiva 1"/>
+          <p:cNvPr id="2111083283" name="Segnaposto immagine diapositiva 1"/>
           <p:cNvSpPr>
             <a:spLocks noChangeAspect="1" noGrp="1" noRot="1"/>
           </p:cNvSpPr>
@@ -6138,7 +6138,7 @@
       </p:sp>
       <p:sp>
         <p:nvSpPr>
-          <p:cNvPr id="455519167" name="Segnaposto note 2"/>
+          <p:cNvPr id="1991258967" name="Segnaposto note 2"/>
           <p:cNvSpPr>
             <a:spLocks noGrp="1"/>
           </p:cNvSpPr>
@@ -6380,7 +6380,7 @@
       </p:sp>
       <p:sp>
         <p:nvSpPr>
-          <p:cNvPr id="1239105848" name="Segnaposto numero diapositiva 3"/>
+          <p:cNvPr id="223976057" name="Segnaposto numero diapositiva 3"/>
           <p:cNvSpPr>
             <a:spLocks noGrp="1"/>
           </p:cNvSpPr>
@@ -6431,7 +6431,7 @@
       </p:grpSpPr>
       <p:sp>
         <p:nvSpPr>
-          <p:cNvPr id="1081240988" name="Slide Image Placeholder 1"/>
+          <p:cNvPr id="824808392" name="Slide Image Placeholder 1"/>
           <p:cNvSpPr>
             <a:spLocks noChangeAspect="1" noGrp="1" noRot="1"/>
           </p:cNvSpPr>
@@ -6443,7 +6443,7 @@
       </p:sp>
       <p:sp>
         <p:nvSpPr>
-          <p:cNvPr id="1341599956" name="Notes Placeholder 2"/>
+          <p:cNvPr id="317365609" name="Notes Placeholder 2"/>
           <p:cNvSpPr>
             <a:spLocks noGrp="1"/>
           </p:cNvSpPr>
@@ -6570,7 +6570,7 @@
       </p:sp>
       <p:sp>
         <p:nvSpPr>
-          <p:cNvPr id="1178167581" name="Slide Number Placeholder 3"/>
+          <p:cNvPr id="1910014676" name="Slide Number Placeholder 3"/>
           <p:cNvSpPr>
             <a:spLocks noGrp="1"/>
           </p:cNvSpPr>
@@ -6621,7 +6621,7 @@
       </p:grpSpPr>
       <p:sp>
         <p:nvSpPr>
-          <p:cNvPr id="426223502" name="Segnaposto immagine diapositiva 1"/>
+          <p:cNvPr id="337314038" name="Segnaposto immagine diapositiva 1"/>
           <p:cNvSpPr>
             <a:spLocks noChangeAspect="1" noGrp="1" noRot="1"/>
           </p:cNvSpPr>
@@ -6633,7 +6633,7 @@
       </p:sp>
       <p:sp>
         <p:nvSpPr>
-          <p:cNvPr id="1503672592" name="Segnaposto note 2"/>
+          <p:cNvPr id="1977044592" name="Segnaposto note 2"/>
           <p:cNvSpPr>
             <a:spLocks noGrp="1"/>
           </p:cNvSpPr>
@@ -6849,7 +6849,7 @@
       </p:sp>
       <p:sp>
         <p:nvSpPr>
-          <p:cNvPr id="546617491" name="Segnaposto numero diapositiva 3"/>
+          <p:cNvPr id="1855377018" name="Segnaposto numero diapositiva 3"/>
           <p:cNvSpPr>
             <a:spLocks noGrp="1"/>
           </p:cNvSpPr>
@@ -6900,7 +6900,7 @@
       </p:grpSpPr>
       <p:sp>
         <p:nvSpPr>
-          <p:cNvPr id="811236746" name="Slide Image Placeholder 1"/>
+          <p:cNvPr id="293070332" name="Slide Image Placeholder 1"/>
           <p:cNvSpPr>
             <a:spLocks noChangeAspect="1" noGrp="1" noRot="1"/>
           </p:cNvSpPr>
@@ -6912,7 +6912,7 @@
       </p:sp>
       <p:sp>
         <p:nvSpPr>
-          <p:cNvPr id="435034222" name="Notes Placeholder 2"/>
+          <p:cNvPr id="20818559" name="Notes Placeholder 2"/>
           <p:cNvSpPr>
             <a:spLocks noGrp="1"/>
           </p:cNvSpPr>
@@ -6934,7 +6934,7 @@
       </p:sp>
       <p:sp>
         <p:nvSpPr>
-          <p:cNvPr id="502617100" name="Slide Number Placeholder 3"/>
+          <p:cNvPr id="1297479870" name="Slide Number Placeholder 3"/>
           <p:cNvSpPr>
             <a:spLocks noGrp="1"/>
           </p:cNvSpPr>
@@ -6985,7 +6985,7 @@
       </p:grpSpPr>
       <p:sp>
         <p:nvSpPr>
-          <p:cNvPr id="1324977014" name="Segnaposto immagine diapositiva 1"/>
+          <p:cNvPr id="1245822577" name="Segnaposto immagine diapositiva 1"/>
           <p:cNvSpPr>
             <a:spLocks noChangeAspect="1" noGrp="1" noRot="1"/>
           </p:cNvSpPr>
@@ -6997,7 +6997,7 @@
       </p:sp>
       <p:sp>
         <p:nvSpPr>
-          <p:cNvPr id="148980560" name="Segnaposto note 2"/>
+          <p:cNvPr id="1044315141" name="Segnaposto note 2"/>
           <p:cNvSpPr>
             <a:spLocks noGrp="1"/>
           </p:cNvSpPr>
@@ -7238,7 +7238,7 @@
       </p:sp>
       <p:sp>
         <p:nvSpPr>
-          <p:cNvPr id="764867173" name="Segnaposto numero diapositiva 3"/>
+          <p:cNvPr id="1967377282" name="Segnaposto numero diapositiva 3"/>
           <p:cNvSpPr>
             <a:spLocks noGrp="1"/>
           </p:cNvSpPr>
@@ -7289,7 +7289,7 @@
       </p:grpSpPr>
       <p:sp>
         <p:nvSpPr>
-          <p:cNvPr id="1203085244" name="Segnaposto immagine diapositiva 1"/>
+          <p:cNvPr id="98208503" name="Segnaposto immagine diapositiva 1"/>
           <p:cNvSpPr>
             <a:spLocks noChangeAspect="1" noGrp="1" noRot="1"/>
           </p:cNvSpPr>
@@ -7301,7 +7301,7 @@
       </p:sp>
       <p:sp>
         <p:nvSpPr>
-          <p:cNvPr id="1165948234" name="Segnaposto note 2"/>
+          <p:cNvPr id="1315089819" name="Segnaposto note 2"/>
           <p:cNvSpPr>
             <a:spLocks noGrp="1"/>
           </p:cNvSpPr>
@@ -7435,7 +7435,7 @@
       </p:sp>
       <p:sp>
         <p:nvSpPr>
-          <p:cNvPr id="786826289" name="Segnaposto numero diapositiva 3"/>
+          <p:cNvPr id="1171495702" name="Segnaposto numero diapositiva 3"/>
           <p:cNvSpPr>
             <a:spLocks noGrp="1"/>
           </p:cNvSpPr>
@@ -7486,7 +7486,7 @@
       </p:grpSpPr>
       <p:sp>
         <p:nvSpPr>
-          <p:cNvPr id="283026246" name="Segnaposto immagine diapositiva 1"/>
+          <p:cNvPr id="123685184" name="Segnaposto immagine diapositiva 1"/>
           <p:cNvSpPr>
             <a:spLocks noChangeAspect="1" noGrp="1" noRot="1"/>
           </p:cNvSpPr>
@@ -7498,7 +7498,7 @@
       </p:sp>
       <p:sp>
         <p:nvSpPr>
-          <p:cNvPr id="323125833" name="Segnaposto note 2"/>
+          <p:cNvPr id="561236570" name="Segnaposto note 2"/>
           <p:cNvSpPr>
             <a:spLocks noGrp="1"/>
           </p:cNvSpPr>
@@ -7662,7 +7662,7 @@
       </p:sp>
       <p:sp>
         <p:nvSpPr>
-          <p:cNvPr id="23930157" name="Segnaposto numero diapositiva 3"/>
+          <p:cNvPr id="237031787" name="Segnaposto numero diapositiva 3"/>
           <p:cNvSpPr>
             <a:spLocks noGrp="1"/>
           </p:cNvSpPr>
@@ -7713,7 +7713,7 @@
       </p:grpSpPr>
       <p:sp>
         <p:nvSpPr>
-          <p:cNvPr id="472213385" name="Segnaposto immagine diapositiva 1"/>
+          <p:cNvPr id="182601548" name="Segnaposto immagine diapositiva 1"/>
           <p:cNvSpPr>
             <a:spLocks noChangeAspect="1" noGrp="1" noRot="1"/>
           </p:cNvSpPr>
@@ -7725,7 +7725,7 @@
       </p:sp>
       <p:sp>
         <p:nvSpPr>
-          <p:cNvPr id="349386742" name="Segnaposto note 2"/>
+          <p:cNvPr id="811742467" name="Segnaposto note 2"/>
           <p:cNvSpPr>
             <a:spLocks noGrp="1"/>
           </p:cNvSpPr>
@@ -7921,7 +7921,7 @@
       </p:sp>
       <p:sp>
         <p:nvSpPr>
-          <p:cNvPr id="743645380" name="Segnaposto numero diapositiva 3"/>
+          <p:cNvPr id="454892500" name="Segnaposto numero diapositiva 3"/>
           <p:cNvSpPr>
             <a:spLocks noGrp="1"/>
           </p:cNvSpPr>
@@ -7972,7 +7972,7 @@
       </p:grpSpPr>
       <p:sp>
         <p:nvSpPr>
-          <p:cNvPr id="1132740031" name="Segnaposto immagine diapositiva 1"/>
+          <p:cNvPr id="731459644" name="Segnaposto immagine diapositiva 1"/>
           <p:cNvSpPr>
             <a:spLocks noChangeAspect="1" noGrp="1" noRot="1"/>
           </p:cNvSpPr>
@@ -7984,7 +7984,7 @@
       </p:sp>
       <p:sp>
         <p:nvSpPr>
-          <p:cNvPr id="1775782247" name="Segnaposto note 2"/>
+          <p:cNvPr id="591687130" name="Segnaposto note 2"/>
           <p:cNvSpPr>
             <a:spLocks noGrp="1"/>
           </p:cNvSpPr>
@@ -8119,7 +8119,7 @@
       </p:sp>
       <p:sp>
         <p:nvSpPr>
-          <p:cNvPr id="1564463015" name="Segnaposto numero diapositiva 3"/>
+          <p:cNvPr id="1229049725" name="Segnaposto numero diapositiva 3"/>
           <p:cNvSpPr>
             <a:spLocks noGrp="1"/>
           </p:cNvSpPr>
@@ -8170,7 +8170,7 @@
       </p:grpSpPr>
       <p:sp>
         <p:nvSpPr>
-          <p:cNvPr id="1448138093" name="Segnaposto immagine diapositiva 1"/>
+          <p:cNvPr id="1081099047" name="Segnaposto immagine diapositiva 1"/>
           <p:cNvSpPr>
             <a:spLocks noChangeAspect="1" noGrp="1" noRot="1"/>
           </p:cNvSpPr>
@@ -8182,7 +8182,7 @@
       </p:sp>
       <p:sp>
         <p:nvSpPr>
-          <p:cNvPr id="1279327781" name="Segnaposto note 2"/>
+          <p:cNvPr id="823249429" name="Segnaposto note 2"/>
           <p:cNvSpPr>
             <a:spLocks noGrp="1"/>
           </p:cNvSpPr>
@@ -8356,7 +8356,7 @@
       </p:sp>
       <p:sp>
         <p:nvSpPr>
-          <p:cNvPr id="2080211333" name="Segnaposto numero diapositiva 3"/>
+          <p:cNvPr id="459291036" name="Segnaposto numero diapositiva 3"/>
           <p:cNvSpPr>
             <a:spLocks noGrp="1"/>
           </p:cNvSpPr>
@@ -8407,7 +8407,7 @@
       </p:grpSpPr>
       <p:sp>
         <p:nvSpPr>
-          <p:cNvPr id="1539138190" name="Rectangle 2"/>
+          <p:cNvPr id="1095210017" name="Rectangle 2"/>
           <p:cNvSpPr>
             <a:spLocks noChangeArrowheads="1" noGrp="1"/>
           </p:cNvSpPr>
@@ -8455,7 +8455,7 @@
       </p:sp>
       <p:sp>
         <p:nvSpPr>
-          <p:cNvPr id="711921242" name="Segnaposto testo 12"/>
+          <p:cNvPr id="1846335873" name="Segnaposto testo 12"/>
           <p:cNvSpPr>
             <a:spLocks noGrp="1"/>
           </p:cNvSpPr>
@@ -8506,7 +8506,7 @@
       </p:sp>
       <p:cxnSp>
         <p:nvCxnSpPr>
-          <p:cNvPr id="1977097950" name="Connettore 1 10"/>
+          <p:cNvPr id="1843052969" name="Connettore 1 10"/>
           <p:cNvCxnSpPr/>
           <p:nvPr userDrawn="1"/>
         </p:nvCxnSpPr>
@@ -8541,7 +8541,7 @@
       </p:cxnSp>
       <p:sp>
         <p:nvSpPr>
-          <p:cNvPr id="679824984" name="Segnaposto testo 12"/>
+          <p:cNvPr id="62632428" name="Segnaposto testo 12"/>
           <p:cNvSpPr>
             <a:spLocks noGrp="1"/>
           </p:cNvSpPr>
@@ -8583,7 +8583,7 @@
       </p:sp>
       <p:sp>
         <p:nvSpPr>
-          <p:cNvPr id="477592350" name="Segnaposto testo 12"/>
+          <p:cNvPr id="1076081728" name="Segnaposto testo 12"/>
           <p:cNvSpPr>
             <a:spLocks noGrp="1"/>
           </p:cNvSpPr>
@@ -8634,7 +8634,7 @@
       </p:sp>
       <p:cxnSp>
         <p:nvCxnSpPr>
-          <p:cNvPr id="755359779" name="Connettore 1 24"/>
+          <p:cNvPr id="1586639284" name="Connettore 1 24"/>
           <p:cNvCxnSpPr/>
           <p:nvPr userDrawn="1"/>
         </p:nvCxnSpPr>
@@ -8669,7 +8669,7 @@
       </p:cxnSp>
       <p:sp>
         <p:nvSpPr>
-          <p:cNvPr id="374953997" name="Segnaposto testo 12"/>
+          <p:cNvPr id="581220148" name="Segnaposto testo 12"/>
           <p:cNvSpPr>
             <a:spLocks noGrp="1"/>
           </p:cNvSpPr>
@@ -8711,7 +8711,7 @@
       </p:sp>
       <p:sp>
         <p:nvSpPr>
-          <p:cNvPr id="1973862372" name="Segnaposto testo 12"/>
+          <p:cNvPr id="1827331007" name="Segnaposto testo 12"/>
           <p:cNvSpPr>
             <a:spLocks noGrp="1"/>
           </p:cNvSpPr>
@@ -8753,7 +8753,7 @@
       </p:sp>
       <p:sp>
         <p:nvSpPr>
-          <p:cNvPr id="438773050" name="Segnaposto testo 12"/>
+          <p:cNvPr id="1963970045" name="Segnaposto testo 12"/>
           <p:cNvSpPr>
             <a:spLocks noGrp="1"/>
           </p:cNvSpPr>
@@ -8803,7 +8803,7 @@
       </p:sp>
       <p:sp>
         <p:nvSpPr>
-          <p:cNvPr id="381870006" name="Segnaposto testo 12"/>
+          <p:cNvPr id="929234113" name="Segnaposto testo 12"/>
           <p:cNvSpPr>
             <a:spLocks noGrp="1"/>
           </p:cNvSpPr>
@@ -8845,7 +8845,7 @@
       </p:sp>
       <p:sp>
         <p:nvSpPr>
-          <p:cNvPr id="1672534963" name="Segnaposto testo 12"/>
+          <p:cNvPr id="1468061314" name="Segnaposto testo 12"/>
           <p:cNvSpPr>
             <a:spLocks noGrp="1"/>
           </p:cNvSpPr>
@@ -8884,7 +8884,7 @@
       </p:sp>
       <p:sp>
         <p:nvSpPr>
-          <p:cNvPr id="417369282" name="Segnaposto testo 12"/>
+          <p:cNvPr id="1822049537" name="Segnaposto testo 12"/>
           <p:cNvSpPr>
             <a:spLocks noGrp="1"/>
           </p:cNvSpPr>
@@ -8923,7 +8923,7 @@
       </p:sp>
       <p:cxnSp>
         <p:nvCxnSpPr>
-          <p:cNvPr id="461379610" name="Connettore 1 44"/>
+          <p:cNvPr id="773349436" name="Connettore 1 44"/>
           <p:cNvCxnSpPr/>
           <p:nvPr userDrawn="1"/>
         </p:nvCxnSpPr>
@@ -8958,7 +8958,7 @@
       </p:cxnSp>
       <p:sp>
         <p:nvSpPr>
-          <p:cNvPr id="2083642929" name="Segnaposto testo 12"/>
+          <p:cNvPr id="407490324" name="Segnaposto testo 12"/>
           <p:cNvSpPr>
             <a:spLocks noGrp="1"/>
           </p:cNvSpPr>
@@ -9000,7 +9000,7 @@
       </p:sp>
       <p:sp>
         <p:nvSpPr>
-          <p:cNvPr id="498067685" name="Segnaposto testo 12"/>
+          <p:cNvPr id="1818077500" name="Segnaposto testo 12"/>
           <p:cNvSpPr>
             <a:spLocks noGrp="1"/>
           </p:cNvSpPr>
@@ -9042,7 +9042,7 @@
       </p:sp>
       <p:sp>
         <p:nvSpPr>
-          <p:cNvPr id="569061053" name="Segnaposto testo 12"/>
+          <p:cNvPr id="2054896853" name="Segnaposto testo 12"/>
           <p:cNvSpPr>
             <a:spLocks noGrp="1"/>
           </p:cNvSpPr>
@@ -9081,7 +9081,7 @@
       </p:sp>
       <p:sp>
         <p:nvSpPr>
-          <p:cNvPr id="1486894528" name="Segnaposto testo 12"/>
+          <p:cNvPr id="1400712437" name="Segnaposto testo 12"/>
           <p:cNvSpPr>
             <a:spLocks noGrp="1"/>
           </p:cNvSpPr>
@@ -9123,7 +9123,7 @@
       </p:sp>
       <p:sp>
         <p:nvSpPr>
-          <p:cNvPr id="1158664821" name="Segnaposto testo 12"/>
+          <p:cNvPr id="931175821" name="Segnaposto testo 12"/>
           <p:cNvSpPr>
             <a:spLocks noGrp="1"/>
           </p:cNvSpPr>
@@ -9162,7 +9162,7 @@
       </p:sp>
       <p:pic>
         <p:nvPicPr>
-          <p:cNvPr id="1528357521" name="Immagine 9" descr="Modulo_SUPSI_DTI.gif"/>
+          <p:cNvPr id="274973324" name="Immagine 9" descr="Modulo_SUPSI_DTI.gif"/>
           <p:cNvPicPr>
             <a:picLocks noChangeAspect="1"/>
           </p:cNvPicPr>
@@ -9192,7 +9192,7 @@
       </p:pic>
       <p:sp>
         <p:nvSpPr>
-          <p:cNvPr id="1978326397" name="Segnaposto testo 12"/>
+          <p:cNvPr id="1996205386" name="Segnaposto testo 12"/>
           <p:cNvSpPr>
             <a:spLocks noGrp="1"/>
           </p:cNvSpPr>
@@ -9231,7 +9231,7 @@
       </p:sp>
       <p:sp>
         <p:nvSpPr>
-          <p:cNvPr id="1028844616" name="Segnaposto testo 12"/>
+          <p:cNvPr id="724481801" name="Segnaposto testo 12"/>
           <p:cNvSpPr>
             <a:spLocks noGrp="1"/>
           </p:cNvSpPr>
@@ -9273,7 +9273,7 @@
       </p:sp>
       <p:sp>
         <p:nvSpPr>
-          <p:cNvPr id="1461220199" name="Text Placeholder 6"/>
+          <p:cNvPr id="767280464" name="Text Placeholder 6"/>
           <p:cNvSpPr>
             <a:spLocks noGrp="1"/>
           </p:cNvSpPr>
@@ -9355,7 +9355,7 @@
       </p:grpSpPr>
       <p:sp>
         <p:nvSpPr>
-          <p:cNvPr id="1625619357" name="Segnaposto testo 12"/>
+          <p:cNvPr id="793426344" name="Segnaposto testo 12"/>
           <p:cNvSpPr>
             <a:spLocks noGrp="1"/>
           </p:cNvSpPr>
@@ -9412,7 +9412,7 @@
       </p:sp>
       <p:sp>
         <p:nvSpPr>
-          <p:cNvPr id="910467613" name="Content Placeholder 3"/>
+          <p:cNvPr id="303431195" name="Content Placeholder 3"/>
           <p:cNvSpPr>
             <a:spLocks noGrp="1"/>
           </p:cNvSpPr>
@@ -9502,7 +9502,7 @@
       </p:sp>
       <p:sp>
         <p:nvSpPr>
-          <p:cNvPr id="1697394075" name="Content Placeholder 3"/>
+          <p:cNvPr id="1566594055" name="Content Placeholder 3"/>
           <p:cNvSpPr>
             <a:spLocks noGrp="1"/>
           </p:cNvSpPr>
@@ -9617,7 +9617,7 @@
       </p:grpSpPr>
       <p:sp>
         <p:nvSpPr>
-          <p:cNvPr id="1405037389" name="Segnaposto testo 12"/>
+          <p:cNvPr id="1311637918" name="Segnaposto testo 12"/>
           <p:cNvSpPr>
             <a:spLocks noGrp="1"/>
           </p:cNvSpPr>
@@ -9674,7 +9674,7 @@
       </p:sp>
       <p:sp>
         <p:nvSpPr>
-          <p:cNvPr id="1467914467" name="Content Placeholder 3"/>
+          <p:cNvPr id="1341838733" name="Content Placeholder 3"/>
           <p:cNvSpPr>
             <a:spLocks noGrp="1"/>
           </p:cNvSpPr>
@@ -9794,7 +9794,7 @@
       </p:grpSpPr>
       <p:pic>
         <p:nvPicPr>
-          <p:cNvPr id="2090337909" name="Immagine 5"/>
+          <p:cNvPr id="1473636284" name="Immagine 5"/>
           <p:cNvPicPr>
             <a:picLocks noChangeAspect="1"/>
           </p:cNvPicPr>
@@ -9816,7 +9816,7 @@
       </p:pic>
       <p:pic>
         <p:nvPicPr>
-          <p:cNvPr id="862070677" name="Immagine 21"/>
+          <p:cNvPr id="483239441" name="Immagine 21"/>
           <p:cNvPicPr>
             <a:picLocks noChangeAspect="1"/>
           </p:cNvPicPr>
@@ -10262,7 +10262,7 @@
       </p:grpSpPr>
       <p:sp>
         <p:nvSpPr>
-          <p:cNvPr id="502494603" name="Title 1"/>
+          <p:cNvPr id="844008209" name="Title 1"/>
           <p:cNvSpPr>
             <a:spLocks noGrp="1"/>
           </p:cNvSpPr>
@@ -10297,7 +10297,7 @@
       </p:sp>
       <p:sp>
         <p:nvSpPr>
-          <p:cNvPr id="2081207716" name="Text Placeholder 2"/>
+          <p:cNvPr id="794369372" name="Text Placeholder 2"/>
           <p:cNvSpPr>
             <a:spLocks noGrp="1"/>
           </p:cNvSpPr>
@@ -10323,7 +10323,7 @@
       </p:sp>
       <p:sp>
         <p:nvSpPr>
-          <p:cNvPr id="772835437" name="Text Placeholder 3"/>
+          <p:cNvPr id="1170220872" name="Text Placeholder 3"/>
           <p:cNvSpPr>
             <a:spLocks noGrp="1"/>
           </p:cNvSpPr>
@@ -10345,7 +10345,7 @@
       </p:sp>
       <p:sp>
         <p:nvSpPr>
-          <p:cNvPr id="1413954916" name="Text Placeholder 4"/>
+          <p:cNvPr id="1610320957" name="Text Placeholder 4"/>
           <p:cNvSpPr>
             <a:spLocks noGrp="1"/>
           </p:cNvSpPr>
@@ -10378,7 +10378,7 @@
       </p:sp>
       <p:sp>
         <p:nvSpPr>
-          <p:cNvPr id="587741602" name="Text Placeholder 5"/>
+          <p:cNvPr id="671787455" name="Text Placeholder 5"/>
           <p:cNvSpPr>
             <a:spLocks noGrp="1"/>
           </p:cNvSpPr>
@@ -10400,7 +10400,7 @@
       </p:sp>
       <p:sp>
         <p:nvSpPr>
-          <p:cNvPr id="7516084" name="Text Placeholder 6"/>
+          <p:cNvPr id="776992075" name="Text Placeholder 6"/>
           <p:cNvSpPr>
             <a:spLocks noGrp="1"/>
           </p:cNvSpPr>
@@ -10422,7 +10422,7 @@
       </p:sp>
       <p:sp>
         <p:nvSpPr>
-          <p:cNvPr id="448024018" name="Text Placeholder 7"/>
+          <p:cNvPr id="1576806320" name="Text Placeholder 7"/>
           <p:cNvSpPr>
             <a:spLocks noGrp="1"/>
           </p:cNvSpPr>
@@ -10455,7 +10455,7 @@
       </p:sp>
       <p:sp>
         <p:nvSpPr>
-          <p:cNvPr id="1253070550" name="Text Placeholder 8"/>
+          <p:cNvPr id="573971407" name="Text Placeholder 8"/>
           <p:cNvSpPr>
             <a:spLocks noGrp="1"/>
           </p:cNvSpPr>
@@ -10477,7 +10477,7 @@
       </p:sp>
       <p:sp>
         <p:nvSpPr>
-          <p:cNvPr id="185771837" name="Text Placeholder 9"/>
+          <p:cNvPr id="317072156" name="Text Placeholder 9"/>
           <p:cNvSpPr>
             <a:spLocks noGrp="1"/>
           </p:cNvSpPr>
@@ -10503,7 +10503,7 @@
       </p:sp>
       <p:sp>
         <p:nvSpPr>
-          <p:cNvPr id="2031598164" name="Text Placeholder 10"/>
+          <p:cNvPr id="972062267" name="Text Placeholder 10"/>
           <p:cNvSpPr>
             <a:spLocks noGrp="1"/>
           </p:cNvSpPr>
@@ -10529,7 +10529,7 @@
       </p:sp>
       <p:sp>
         <p:nvSpPr>
-          <p:cNvPr id="494977922" name="Text Placeholder 11"/>
+          <p:cNvPr id="1565270712" name="Text Placeholder 11"/>
           <p:cNvSpPr>
             <a:spLocks noGrp="1"/>
           </p:cNvSpPr>
@@ -10551,7 +10551,7 @@
       </p:sp>
       <p:sp>
         <p:nvSpPr>
-          <p:cNvPr id="2061106863" name="Text Placeholder 12"/>
+          <p:cNvPr id="1578627295" name="Text Placeholder 12"/>
           <p:cNvSpPr>
             <a:spLocks noGrp="1"/>
           </p:cNvSpPr>
@@ -10573,7 +10573,7 @@
       </p:sp>
       <p:sp>
         <p:nvSpPr>
-          <p:cNvPr id="1872871641" name="Text Placeholder 13"/>
+          <p:cNvPr id="1361628289" name="Text Placeholder 13"/>
           <p:cNvSpPr>
             <a:spLocks noGrp="1"/>
           </p:cNvSpPr>
@@ -10599,7 +10599,7 @@
       </p:sp>
       <p:sp>
         <p:nvSpPr>
-          <p:cNvPr id="2013628075" name="Text Placeholder 14"/>
+          <p:cNvPr id="1332363842" name="Text Placeholder 14"/>
           <p:cNvSpPr>
             <a:spLocks noGrp="1"/>
           </p:cNvSpPr>
@@ -10621,7 +10621,7 @@
       </p:sp>
       <p:sp>
         <p:nvSpPr>
-          <p:cNvPr id="1527429124" name="Text Placeholder 15"/>
+          <p:cNvPr id="2090754165" name="Text Placeholder 15"/>
           <p:cNvSpPr>
             <a:spLocks noGrp="1"/>
           </p:cNvSpPr>
@@ -10647,7 +10647,7 @@
       </p:sp>
       <p:sp>
         <p:nvSpPr>
-          <p:cNvPr id="1000739986" name="Text Placeholder 16"/>
+          <p:cNvPr id="75267595" name="Text Placeholder 16"/>
           <p:cNvSpPr>
             <a:spLocks noGrp="1"/>
           </p:cNvSpPr>
@@ -10673,7 +10673,7 @@
       </p:sp>
       <p:sp>
         <p:nvSpPr>
-          <p:cNvPr id="1218178395" name="Text Placeholder 17"/>
+          <p:cNvPr id="244176548" name="Text Placeholder 17"/>
           <p:cNvSpPr>
             <a:spLocks noGrp="1"/>
           </p:cNvSpPr>
@@ -10695,7 +10695,7 @@
       </p:sp>
       <p:sp>
         <p:nvSpPr>
-          <p:cNvPr id="1997666425" name="Text Placeholder 18"/>
+          <p:cNvPr id="2026142420" name="Text Placeholder 18"/>
           <p:cNvSpPr>
             <a:spLocks noGrp="1"/>
           </p:cNvSpPr>
@@ -10790,7 +10790,7 @@
       </p:grpSpPr>
       <p:pic>
         <p:nvPicPr>
-          <p:cNvPr id="592553103" name=""/>
+          <p:cNvPr id="1650117561" name=""/>
           <p:cNvPicPr>
             <a:picLocks noChangeAspect="1"/>
           </p:cNvPicPr>
@@ -10812,7 +10812,7 @@
       </p:pic>
       <p:sp>
         <p:nvSpPr>
-          <p:cNvPr id="1660496564" name=""/>
+          <p:cNvPr id="328392461" name=""/>
           <p:cNvSpPr txBox="1"/>
           <p:nvPr/>
         </p:nvSpPr>
@@ -10840,7 +10840,7 @@
       </p:sp>
       <p:pic>
         <p:nvPicPr>
-          <p:cNvPr id="2083266697" name=""/>
+          <p:cNvPr id="323090269" name=""/>
           <p:cNvPicPr>
             <a:picLocks noChangeAspect="1"/>
           </p:cNvPicPr>
@@ -10862,7 +10862,7 @@
       </p:pic>
       <p:sp>
         <p:nvSpPr>
-          <p:cNvPr id="1775941387" name="Text Placeholder 1"/>
+          <p:cNvPr id="174431090" name="Text Placeholder 1"/>
           <p:cNvSpPr>
             <a:spLocks noGrp="1"/>
           </p:cNvSpPr>
@@ -10908,7 +10908,7 @@
       </p:sp>
       <p:pic>
         <p:nvPicPr>
-          <p:cNvPr id="1521993739" name="Picture 679748627"/>
+          <p:cNvPr id="2078113370" name="Picture 679748627"/>
           <p:cNvPicPr>
             <a:picLocks noChangeAspect="1"/>
           </p:cNvPicPr>
@@ -10930,7 +10930,7 @@
       </p:pic>
       <p:pic>
         <p:nvPicPr>
-          <p:cNvPr id="741046501" name=""/>
+          <p:cNvPr id="502327241" name=""/>
           <p:cNvPicPr>
             <a:picLocks noChangeAspect="1"/>
           </p:cNvPicPr>
@@ -10952,7 +10952,7 @@
       </p:pic>
       <p:sp>
         <p:nvSpPr>
-          <p:cNvPr id="50415414" name=""/>
+          <p:cNvPr id="382101029" name=""/>
           <p:cNvSpPr txBox="1"/>
           <p:nvPr/>
         </p:nvSpPr>
@@ -10993,7 +10993,7 @@
       </p:sp>
       <p:sp>
         <p:nvSpPr>
-          <p:cNvPr id="1514497372" name=""/>
+          <p:cNvPr id="426609116" name=""/>
           <p:cNvSpPr txBox="1"/>
           <p:nvPr/>
         </p:nvSpPr>
@@ -11069,7 +11069,7 @@
       </p:grpSpPr>
       <p:pic>
         <p:nvPicPr>
-          <p:cNvPr id="1862934097" name=""/>
+          <p:cNvPr id="1380770488" name=""/>
           <p:cNvPicPr>
             <a:picLocks noChangeAspect="1"/>
           </p:cNvPicPr>
@@ -11091,7 +11091,7 @@
       </p:pic>
       <p:sp>
         <p:nvSpPr>
-          <p:cNvPr id="2123275802" name=""/>
+          <p:cNvPr id="1098178650" name=""/>
           <p:cNvSpPr txBox="1"/>
           <p:nvPr/>
         </p:nvSpPr>
@@ -11119,7 +11119,7 @@
       </p:sp>
       <p:pic>
         <p:nvPicPr>
-          <p:cNvPr id="435873875" name=""/>
+          <p:cNvPr id="2015270441" name=""/>
           <p:cNvPicPr>
             <a:picLocks noChangeAspect="1"/>
           </p:cNvPicPr>
@@ -11141,7 +11141,7 @@
       </p:pic>
       <p:sp>
         <p:nvSpPr>
-          <p:cNvPr id="1487100613" name="Text Placeholder 1"/>
+          <p:cNvPr id="829860218" name="Text Placeholder 1"/>
           <p:cNvSpPr>
             <a:spLocks noGrp="1"/>
           </p:cNvSpPr>
@@ -11187,7 +11187,7 @@
       </p:sp>
       <p:pic>
         <p:nvPicPr>
-          <p:cNvPr id="155868967" name="Picture 679748627"/>
+          <p:cNvPr id="881736826" name="Picture 679748627"/>
           <p:cNvPicPr>
             <a:picLocks noChangeAspect="1"/>
           </p:cNvPicPr>
@@ -11210,7 +11210,7 @@
       </p:pic>
       <p:pic>
         <p:nvPicPr>
-          <p:cNvPr id="1667004412" name=""/>
+          <p:cNvPr id="1911464991" name=""/>
           <p:cNvPicPr>
             <a:picLocks noChangeAspect="1"/>
           </p:cNvPicPr>
@@ -11232,7 +11232,7 @@
       </p:pic>
       <p:pic>
         <p:nvPicPr>
-          <p:cNvPr id="1043014842" name=""/>
+          <p:cNvPr id="1460250493" name=""/>
           <p:cNvPicPr>
             <a:picLocks noChangeAspect="1"/>
           </p:cNvPicPr>
@@ -11255,7 +11255,7 @@
       </p:pic>
       <p:sp>
         <p:nvSpPr>
-          <p:cNvPr id="1020561536" name=""/>
+          <p:cNvPr id="1639189493" name=""/>
           <p:cNvSpPr txBox="1"/>
           <p:nvPr/>
         </p:nvSpPr>
@@ -11296,7 +11296,7 @@
       </p:sp>
       <p:sp>
         <p:nvSpPr>
-          <p:cNvPr id="155815772" name=""/>
+          <p:cNvPr id="1255833658" name=""/>
           <p:cNvSpPr txBox="1"/>
           <p:nvPr/>
         </p:nvSpPr>
@@ -11337,7 +11337,7 @@
       </p:sp>
       <p:sp>
         <p:nvSpPr>
-          <p:cNvPr id="758632122" name=""/>
+          <p:cNvPr id="1094167289" name=""/>
           <p:cNvSpPr txBox="1"/>
           <p:nvPr/>
         </p:nvSpPr>
@@ -11413,7 +11413,7 @@
       </p:grpSpPr>
       <p:pic>
         <p:nvPicPr>
-          <p:cNvPr id="552100674" name=""/>
+          <p:cNvPr id="789509415" name=""/>
           <p:cNvPicPr>
             <a:picLocks noChangeAspect="1"/>
           </p:cNvPicPr>
@@ -11435,7 +11435,7 @@
       </p:pic>
       <p:sp>
         <p:nvSpPr>
-          <p:cNvPr id="1701292651" name=""/>
+          <p:cNvPr id="1578751269" name=""/>
           <p:cNvSpPr txBox="1"/>
           <p:nvPr/>
         </p:nvSpPr>
@@ -11463,7 +11463,7 @@
       </p:sp>
       <p:pic>
         <p:nvPicPr>
-          <p:cNvPr id="1392613618" name=""/>
+          <p:cNvPr id="1630323314" name=""/>
           <p:cNvPicPr>
             <a:picLocks noChangeAspect="1"/>
           </p:cNvPicPr>
@@ -11485,7 +11485,7 @@
       </p:pic>
       <p:sp>
         <p:nvSpPr>
-          <p:cNvPr id="1645716868" name="Text Placeholder 1"/>
+          <p:cNvPr id="461947584" name="Text Placeholder 1"/>
           <p:cNvSpPr>
             <a:spLocks noGrp="1"/>
           </p:cNvSpPr>
@@ -11531,7 +11531,7 @@
       </p:sp>
       <p:pic>
         <p:nvPicPr>
-          <p:cNvPr id="961175794" name="Picture 679748627"/>
+          <p:cNvPr id="453214216" name="Picture 679748627"/>
           <p:cNvPicPr>
             <a:picLocks noChangeAspect="1"/>
           </p:cNvPicPr>
@@ -11554,7 +11554,7 @@
       </p:pic>
       <p:pic>
         <p:nvPicPr>
-          <p:cNvPr id="485980487" name=""/>
+          <p:cNvPr id="412733931" name=""/>
           <p:cNvPicPr>
             <a:picLocks noChangeAspect="1"/>
           </p:cNvPicPr>
@@ -11576,7 +11576,7 @@
       </p:pic>
       <p:pic>
         <p:nvPicPr>
-          <p:cNvPr id="1179368362" name=""/>
+          <p:cNvPr id="2075337411" name=""/>
           <p:cNvPicPr>
             <a:picLocks noChangeAspect="1"/>
           </p:cNvPicPr>
@@ -11599,7 +11599,7 @@
       </p:pic>
       <p:sp>
         <p:nvSpPr>
-          <p:cNvPr id="441362030" name=""/>
+          <p:cNvPr id="261463867" name=""/>
           <p:cNvSpPr txBox="1"/>
           <p:nvPr/>
         </p:nvSpPr>
@@ -11677,7 +11677,7 @@
       </p:grpSpPr>
       <p:pic>
         <p:nvPicPr>
-          <p:cNvPr id="2144416124" name=""/>
+          <p:cNvPr id="256148895" name=""/>
           <p:cNvPicPr>
             <a:picLocks noChangeAspect="1"/>
           </p:cNvPicPr>
@@ -11699,7 +11699,7 @@
       </p:pic>
       <p:sp>
         <p:nvSpPr>
-          <p:cNvPr id="1166287525" name=""/>
+          <p:cNvPr id="181563186" name=""/>
           <p:cNvSpPr txBox="1"/>
           <p:nvPr/>
         </p:nvSpPr>
@@ -11727,7 +11727,7 @@
       </p:sp>
       <p:pic>
         <p:nvPicPr>
-          <p:cNvPr id="120310628" name=""/>
+          <p:cNvPr id="508929441" name=""/>
           <p:cNvPicPr>
             <a:picLocks noChangeAspect="1"/>
           </p:cNvPicPr>
@@ -11749,7 +11749,7 @@
       </p:pic>
       <p:sp>
         <p:nvSpPr>
-          <p:cNvPr id="1811413322" name="Text Placeholder 1"/>
+          <p:cNvPr id="2034878086" name="Text Placeholder 1"/>
           <p:cNvSpPr>
             <a:spLocks noGrp="1"/>
           </p:cNvSpPr>
@@ -11789,7 +11789,7 @@
       </p:sp>
       <p:pic>
         <p:nvPicPr>
-          <p:cNvPr id="970103102" name="Picture 679748627"/>
+          <p:cNvPr id="305067320" name="Picture 679748627"/>
           <p:cNvPicPr>
             <a:picLocks noChangeAspect="1"/>
           </p:cNvPicPr>
@@ -11812,7 +11812,7 @@
       </p:pic>
       <p:pic>
         <p:nvPicPr>
-          <p:cNvPr id="1442605098" name=""/>
+          <p:cNvPr id="1182181737" name=""/>
           <p:cNvPicPr>
             <a:picLocks noChangeAspect="1"/>
           </p:cNvPicPr>
@@ -11834,7 +11834,7 @@
       </p:pic>
       <p:pic>
         <p:nvPicPr>
-          <p:cNvPr id="1604405901" name=""/>
+          <p:cNvPr id="395233290" name=""/>
           <p:cNvPicPr>
             <a:picLocks noChangeAspect="1"/>
           </p:cNvPicPr>
@@ -11857,7 +11857,7 @@
       </p:pic>
       <p:pic>
         <p:nvPicPr>
-          <p:cNvPr id="315616803" name=""/>
+          <p:cNvPr id="1314321328" name=""/>
           <p:cNvPicPr>
             <a:picLocks noChangeAspect="1"/>
           </p:cNvPicPr>
@@ -11879,7 +11879,7 @@
       </p:pic>
       <p:pic>
         <p:nvPicPr>
-          <p:cNvPr id="466952742" name=""/>
+          <p:cNvPr id="967613813" name=""/>
           <p:cNvPicPr>
             <a:picLocks noChangeAspect="1"/>
           </p:cNvPicPr>
@@ -11938,7 +11938,7 @@
       </p:grpSpPr>
       <p:pic>
         <p:nvPicPr>
-          <p:cNvPr id="534477430" name=""/>
+          <p:cNvPr id="1581447137" name=""/>
           <p:cNvPicPr>
             <a:picLocks noChangeAspect="1"/>
           </p:cNvPicPr>
@@ -11960,7 +11960,7 @@
       </p:pic>
       <p:pic>
         <p:nvPicPr>
-          <p:cNvPr id="187946054" name=""/>
+          <p:cNvPr id="2055464237" name=""/>
           <p:cNvPicPr>
             <a:picLocks noChangeAspect="1"/>
           </p:cNvPicPr>
@@ -11982,7 +11982,7 @@
       </p:pic>
       <p:sp>
         <p:nvSpPr>
-          <p:cNvPr id="520165006" name=""/>
+          <p:cNvPr id="1427023714" name=""/>
           <p:cNvSpPr txBox="1"/>
           <p:nvPr/>
         </p:nvSpPr>
@@ -12010,7 +12010,7 @@
       </p:sp>
       <p:pic>
         <p:nvPicPr>
-          <p:cNvPr id="313121940" name=""/>
+          <p:cNvPr id="1160985174" name=""/>
           <p:cNvPicPr>
             <a:picLocks noChangeAspect="1"/>
           </p:cNvPicPr>
@@ -12032,7 +12032,7 @@
       </p:pic>
       <p:sp>
         <p:nvSpPr>
-          <p:cNvPr id="1819985608" name="Text Placeholder 1"/>
+          <p:cNvPr id="737843044" name="Text Placeholder 1"/>
           <p:cNvSpPr>
             <a:spLocks noGrp="1"/>
           </p:cNvSpPr>
@@ -12072,7 +12072,7 @@
       </p:sp>
       <p:pic>
         <p:nvPicPr>
-          <p:cNvPr id="88989350" name="Picture 679748627"/>
+          <p:cNvPr id="730140372" name="Picture 679748627"/>
           <p:cNvPicPr>
             <a:picLocks noChangeAspect="1"/>
           </p:cNvPicPr>
@@ -12095,7 +12095,7 @@
       </p:pic>
       <p:pic>
         <p:nvPicPr>
-          <p:cNvPr id="839897080" name=""/>
+          <p:cNvPr id="635461164" name=""/>
           <p:cNvPicPr>
             <a:picLocks noChangeAspect="1"/>
           </p:cNvPicPr>
@@ -12117,7 +12117,7 @@
       </p:pic>
       <p:pic>
         <p:nvPicPr>
-          <p:cNvPr id="1033049306" name=""/>
+          <p:cNvPr id="715891332" name=""/>
           <p:cNvPicPr>
             <a:picLocks noChangeAspect="1"/>
           </p:cNvPicPr>
@@ -12140,7 +12140,7 @@
       </p:pic>
       <p:pic>
         <p:nvPicPr>
-          <p:cNvPr id="1712408249" name=""/>
+          <p:cNvPr id="1320772269" name=""/>
           <p:cNvPicPr>
             <a:picLocks noChangeAspect="1"/>
           </p:cNvPicPr>
@@ -12162,7 +12162,7 @@
       </p:pic>
       <p:pic>
         <p:nvPicPr>
-          <p:cNvPr id="1596458993" name=""/>
+          <p:cNvPr id="594709559" name=""/>
           <p:cNvPicPr>
             <a:picLocks noChangeAspect="1"/>
           </p:cNvPicPr>
@@ -12184,7 +12184,7 @@
       </p:pic>
       <p:pic>
         <p:nvPicPr>
-          <p:cNvPr id="554442530" name=""/>
+          <p:cNvPr id="306740111" name=""/>
           <p:cNvPicPr>
             <a:picLocks noChangeAspect="1"/>
           </p:cNvPicPr>
@@ -12206,7 +12206,7 @@
       </p:pic>
       <p:pic>
         <p:nvPicPr>
-          <p:cNvPr id="745283809" name=""/>
+          <p:cNvPr id="1613627833" name=""/>
           <p:cNvPicPr>
             <a:picLocks noChangeAspect="1"/>
           </p:cNvPicPr>
@@ -12228,7 +12228,7 @@
       </p:pic>
       <p:pic>
         <p:nvPicPr>
-          <p:cNvPr id="231621897" name=""/>
+          <p:cNvPr id="71340906" name=""/>
           <p:cNvPicPr>
             <a:picLocks noChangeAspect="1"/>
           </p:cNvPicPr>
@@ -12251,7 +12251,7 @@
       </p:pic>
       <p:pic>
         <p:nvPicPr>
-          <p:cNvPr id="457169139" name=""/>
+          <p:cNvPr id="222761026" name=""/>
           <p:cNvPicPr>
             <a:picLocks noChangeAspect="1"/>
           </p:cNvPicPr>
@@ -12273,7 +12273,7 @@
       </p:pic>
       <p:pic>
         <p:nvPicPr>
-          <p:cNvPr id="152150090" name=""/>
+          <p:cNvPr id="204679351" name=""/>
           <p:cNvPicPr>
             <a:picLocks noChangeAspect="1"/>
           </p:cNvPicPr>
@@ -12295,7 +12295,7 @@
       </p:pic>
       <p:pic>
         <p:nvPicPr>
-          <p:cNvPr id="1974038548" name=""/>
+          <p:cNvPr id="474923198" name=""/>
           <p:cNvPicPr>
             <a:picLocks noChangeAspect="1"/>
           </p:cNvPicPr>
@@ -12317,7 +12317,7 @@
       </p:pic>
       <p:pic>
         <p:nvPicPr>
-          <p:cNvPr id="302248405" name=""/>
+          <p:cNvPr id="133607641" name=""/>
           <p:cNvPicPr>
             <a:picLocks noChangeAspect="1"/>
           </p:cNvPicPr>
@@ -12340,7 +12340,7 @@
       </p:pic>
       <p:sp>
         <p:nvSpPr>
-          <p:cNvPr id="643754676" name="Text Placeholder 1"/>
+          <p:cNvPr id="2041262718" name="Text Placeholder 1"/>
           <p:cNvSpPr>
             <a:spLocks noGrp="1"/>
           </p:cNvSpPr>
@@ -12536,7 +12536,7 @@
       </p:sp>
       <p:sp>
         <p:nvSpPr>
-          <p:cNvPr id="865479893" name="Text Placeholder 1"/>
+          <p:cNvPr id="916740129" name="Text Placeholder 1"/>
           <p:cNvSpPr>
             <a:spLocks noGrp="1"/>
           </p:cNvSpPr>
@@ -12732,7 +12732,7 @@
       </p:sp>
       <p:pic>
         <p:nvPicPr>
-          <p:cNvPr id="1508708967" name=""/>
+          <p:cNvPr id="1549107935" name=""/>
           <p:cNvPicPr>
             <a:picLocks noChangeAspect="1"/>
           </p:cNvPicPr>
@@ -12754,7 +12754,7 @@
       </p:pic>
       <p:sp>
         <p:nvSpPr>
-          <p:cNvPr id="1688161498" name="Text Placeholder 1"/>
+          <p:cNvPr id="1351961937" name="Text Placeholder 1"/>
           <p:cNvSpPr>
             <a:spLocks noGrp="1"/>
           </p:cNvSpPr>
@@ -12984,7 +12984,7 @@
       </p:sp>
       <p:pic>
         <p:nvPicPr>
-          <p:cNvPr id="216233298" name=""/>
+          <p:cNvPr id="1834347274" name=""/>
           <p:cNvPicPr>
             <a:picLocks noChangeAspect="1"/>
           </p:cNvPicPr>
@@ -13171,7 +13171,7 @@
       </p:grpSpPr>
       <p:pic>
         <p:nvPicPr>
-          <p:cNvPr id="2098268867" name=""/>
+          <p:cNvPr id="2132423342" name=""/>
           <p:cNvPicPr>
             <a:picLocks noChangeAspect="1"/>
           </p:cNvPicPr>
@@ -13193,7 +13193,7 @@
       </p:pic>
       <p:sp>
         <p:nvSpPr>
-          <p:cNvPr id="665015212" name=""/>
+          <p:cNvPr id="1206953234" name=""/>
           <p:cNvSpPr txBox="1"/>
           <p:nvPr/>
         </p:nvSpPr>
@@ -13221,7 +13221,7 @@
       </p:sp>
       <p:pic>
         <p:nvPicPr>
-          <p:cNvPr id="726217141" name=""/>
+          <p:cNvPr id="89350807" name=""/>
           <p:cNvPicPr>
             <a:picLocks noChangeAspect="1"/>
           </p:cNvPicPr>
@@ -13243,7 +13243,7 @@
       </p:pic>
       <p:sp>
         <p:nvSpPr>
-          <p:cNvPr id="1030684915" name="Text Placeholder 1"/>
+          <p:cNvPr id="1758716213" name="Text Placeholder 1"/>
           <p:cNvSpPr>
             <a:spLocks noGrp="1"/>
           </p:cNvSpPr>
@@ -13289,7 +13289,7 @@
       </p:sp>
       <p:pic>
         <p:nvPicPr>
-          <p:cNvPr id="1765951603" name="Picture 679748627"/>
+          <p:cNvPr id="365321842" name="Picture 679748627"/>
           <p:cNvPicPr>
             <a:picLocks noChangeAspect="1"/>
           </p:cNvPicPr>
@@ -13312,7 +13312,7 @@
       </p:pic>
       <p:pic>
         <p:nvPicPr>
-          <p:cNvPr id="56417503" name=""/>
+          <p:cNvPr id="732464140" name=""/>
           <p:cNvPicPr>
             <a:picLocks noChangeAspect="1"/>
           </p:cNvPicPr>
@@ -13334,7 +13334,7 @@
       </p:pic>
       <p:pic>
         <p:nvPicPr>
-          <p:cNvPr id="919967234" name=""/>
+          <p:cNvPr id="479573233" name=""/>
           <p:cNvPicPr>
             <a:picLocks noChangeAspect="1"/>
           </p:cNvPicPr>
@@ -13357,7 +13357,7 @@
       </p:pic>
       <p:sp>
         <p:nvSpPr>
-          <p:cNvPr id="1328630131" name=""/>
+          <p:cNvPr id="245005175" name=""/>
           <p:cNvSpPr txBox="1"/>
           <p:nvPr/>
         </p:nvSpPr>
@@ -13398,7 +13398,7 @@
       </p:sp>
       <p:sp>
         <p:nvSpPr>
-          <p:cNvPr id="1589955350" name=""/>
+          <p:cNvPr id="269598961" name=""/>
           <p:cNvSpPr txBox="1"/>
           <p:nvPr/>
         </p:nvSpPr>
@@ -13441,7 +13441,7 @@
       </p:sp>
       <p:sp>
         <p:nvSpPr>
-          <p:cNvPr id="908475243" name=""/>
+          <p:cNvPr id="258657985" name=""/>
           <p:cNvSpPr txBox="1"/>
           <p:nvPr/>
         </p:nvSpPr>
@@ -13519,7 +13519,7 @@
       </p:grpSpPr>
       <p:pic>
         <p:nvPicPr>
-          <p:cNvPr id="1147385478" name=""/>
+          <p:cNvPr id="274036840" name=""/>
           <p:cNvPicPr>
             <a:picLocks noChangeAspect="1"/>
           </p:cNvPicPr>
@@ -13541,7 +13541,7 @@
       </p:pic>
       <p:sp>
         <p:nvSpPr>
-          <p:cNvPr id="1609806723" name=""/>
+          <p:cNvPr id="1862079667" name=""/>
           <p:cNvSpPr txBox="1"/>
           <p:nvPr/>
         </p:nvSpPr>
@@ -13569,7 +13569,7 @@
       </p:sp>
       <p:pic>
         <p:nvPicPr>
-          <p:cNvPr id="1886561732" name=""/>
+          <p:cNvPr id="981496311" name=""/>
           <p:cNvPicPr>
             <a:picLocks noChangeAspect="1"/>
           </p:cNvPicPr>
@@ -13591,7 +13591,7 @@
       </p:pic>
       <p:sp>
         <p:nvSpPr>
-          <p:cNvPr id="1142940768" name="Text Placeholder 1"/>
+          <p:cNvPr id="575305404" name="Text Placeholder 1"/>
           <p:cNvSpPr>
             <a:spLocks noGrp="1"/>
           </p:cNvSpPr>
@@ -13637,7 +13637,7 @@
       </p:sp>
       <p:pic>
         <p:nvPicPr>
-          <p:cNvPr id="1340571446" name="Picture 679748627"/>
+          <p:cNvPr id="2094321888" name="Picture 679748627"/>
           <p:cNvPicPr>
             <a:picLocks noChangeAspect="1"/>
           </p:cNvPicPr>
@@ -13660,7 +13660,7 @@
       </p:pic>
       <p:pic>
         <p:nvPicPr>
-          <p:cNvPr id="264526489" name=""/>
+          <p:cNvPr id="1136362230" name=""/>
           <p:cNvPicPr>
             <a:picLocks noChangeAspect="1"/>
           </p:cNvPicPr>
@@ -13682,7 +13682,7 @@
       </p:pic>
       <p:pic>
         <p:nvPicPr>
-          <p:cNvPr id="2111188464" name=""/>
+          <p:cNvPr id="1338793104" name=""/>
           <p:cNvPicPr>
             <a:picLocks noChangeAspect="1"/>
           </p:cNvPicPr>
@@ -13705,7 +13705,7 @@
       </p:pic>
       <p:pic>
         <p:nvPicPr>
-          <p:cNvPr id="1256113748" name=""/>
+          <p:cNvPr id="1450601800" name=""/>
           <p:cNvPicPr>
             <a:picLocks noChangeAspect="1"/>
           </p:cNvPicPr>
@@ -13727,7 +13727,7 @@
       </p:pic>
       <p:sp>
         <p:nvSpPr>
-          <p:cNvPr id="138823927" name=""/>
+          <p:cNvPr id="1657374082" name=""/>
           <p:cNvSpPr txBox="1"/>
           <p:nvPr/>
         </p:nvSpPr>
@@ -13768,7 +13768,7 @@
       </p:sp>
       <p:sp>
         <p:nvSpPr>
-          <p:cNvPr id="1656746792" name=""/>
+          <p:cNvPr id="1554138842" name=""/>
           <p:cNvSpPr txBox="1"/>
           <p:nvPr/>
         </p:nvSpPr>
@@ -13809,7 +13809,7 @@
       </p:sp>
       <p:sp>
         <p:nvSpPr>
-          <p:cNvPr id="1923069289" name=""/>
+          <p:cNvPr id="1818076252" name=""/>
           <p:cNvSpPr txBox="1"/>
           <p:nvPr/>
         </p:nvSpPr>
@@ -13850,7 +13850,7 @@
       </p:sp>
       <p:sp>
         <p:nvSpPr>
-          <p:cNvPr id="532084555" name=""/>
+          <p:cNvPr id="1243005651" name=""/>
           <p:cNvSpPr txBox="1"/>
           <p:nvPr/>
         </p:nvSpPr>
@@ -13926,7 +13926,7 @@
       </p:grpSpPr>
       <p:pic>
         <p:nvPicPr>
-          <p:cNvPr id="752035740" name=""/>
+          <p:cNvPr id="1339815102" name=""/>
           <p:cNvPicPr>
             <a:picLocks noChangeAspect="1"/>
           </p:cNvPicPr>
@@ -13948,7 +13948,7 @@
       </p:pic>
       <p:sp>
         <p:nvSpPr>
-          <p:cNvPr id="1821472345" name=""/>
+          <p:cNvPr id="610725623" name=""/>
           <p:cNvSpPr txBox="1"/>
           <p:nvPr/>
         </p:nvSpPr>
@@ -13976,7 +13976,7 @@
       </p:sp>
       <p:pic>
         <p:nvPicPr>
-          <p:cNvPr id="412583500" name=""/>
+          <p:cNvPr id="198253947" name=""/>
           <p:cNvPicPr>
             <a:picLocks noChangeAspect="1"/>
           </p:cNvPicPr>
@@ -13998,7 +13998,7 @@
       </p:pic>
       <p:sp>
         <p:nvSpPr>
-          <p:cNvPr id="443396020" name="Text Placeholder 1"/>
+          <p:cNvPr id="732638764" name="Text Placeholder 1"/>
           <p:cNvSpPr>
             <a:spLocks noGrp="1"/>
           </p:cNvSpPr>
@@ -14029,7 +14029,7 @@
       </p:sp>
       <p:pic>
         <p:nvPicPr>
-          <p:cNvPr id="1185102197" name="Picture 679748627"/>
+          <p:cNvPr id="1326766099" name="Picture 679748627"/>
           <p:cNvPicPr>
             <a:picLocks noChangeAspect="1"/>
           </p:cNvPicPr>
@@ -14052,7 +14052,7 @@
       </p:pic>
       <p:pic>
         <p:nvPicPr>
-          <p:cNvPr id="1010279234" name=""/>
+          <p:cNvPr id="1873869738" name=""/>
           <p:cNvPicPr>
             <a:picLocks noChangeAspect="1"/>
           </p:cNvPicPr>
@@ -14074,7 +14074,7 @@
       </p:pic>
       <p:pic>
         <p:nvPicPr>
-          <p:cNvPr id="546838885" name=""/>
+          <p:cNvPr id="1847175298" name=""/>
           <p:cNvPicPr>
             <a:picLocks noChangeAspect="1"/>
           </p:cNvPicPr>
@@ -14097,7 +14097,7 @@
       </p:pic>
       <p:pic>
         <p:nvPicPr>
-          <p:cNvPr id="428637312" name=""/>
+          <p:cNvPr id="318338508" name=""/>
           <p:cNvPicPr>
             <a:picLocks noChangeAspect="1"/>
           </p:cNvPicPr>
@@ -14119,7 +14119,7 @@
       </p:pic>
       <p:pic>
         <p:nvPicPr>
-          <p:cNvPr id="1530528990" name=""/>
+          <p:cNvPr id="628709972" name=""/>
           <p:cNvPicPr>
             <a:picLocks noChangeAspect="1"/>
           </p:cNvPicPr>
@@ -14141,7 +14141,7 @@
       </p:pic>
       <p:sp>
         <p:nvSpPr>
-          <p:cNvPr id="255239912" name=""/>
+          <p:cNvPr id="15622249" name=""/>
           <p:cNvSpPr txBox="1"/>
           <p:nvPr/>
         </p:nvSpPr>
@@ -14180,7 +14180,7 @@
       </p:sp>
       <p:sp>
         <p:nvSpPr>
-          <p:cNvPr id="507993182" name=""/>
+          <p:cNvPr id="893235453" name=""/>
           <p:cNvSpPr txBox="1"/>
           <p:nvPr/>
         </p:nvSpPr>
@@ -14219,7 +14219,7 @@
       </p:sp>
       <p:sp>
         <p:nvSpPr>
-          <p:cNvPr id="658497451" name=""/>
+          <p:cNvPr id="1814640948" name=""/>
           <p:cNvSpPr txBox="1"/>
           <p:nvPr/>
         </p:nvSpPr>
@@ -14282,7 +14282,7 @@
       </p:sp>
       <p:sp>
         <p:nvSpPr>
-          <p:cNvPr id="557119187" name=""/>
+          <p:cNvPr id="143140952" name=""/>
           <p:cNvSpPr txBox="1"/>
           <p:nvPr/>
         </p:nvSpPr>
@@ -14382,7 +14382,7 @@
       </p:grpSpPr>
       <p:pic>
         <p:nvPicPr>
-          <p:cNvPr id="1063416804" name=""/>
+          <p:cNvPr id="1365105280" name=""/>
           <p:cNvPicPr>
             <a:picLocks noChangeAspect="1"/>
           </p:cNvPicPr>
@@ -14404,7 +14404,7 @@
       </p:pic>
       <p:sp>
         <p:nvSpPr>
-          <p:cNvPr id="2099055173" name=""/>
+          <p:cNvPr id="128511964" name=""/>
           <p:cNvSpPr txBox="1"/>
           <p:nvPr/>
         </p:nvSpPr>
@@ -14432,7 +14432,7 @@
       </p:sp>
       <p:pic>
         <p:nvPicPr>
-          <p:cNvPr id="1577758797" name=""/>
+          <p:cNvPr id="585061600" name=""/>
           <p:cNvPicPr>
             <a:picLocks noChangeAspect="1"/>
           </p:cNvPicPr>
@@ -14454,7 +14454,7 @@
       </p:pic>
       <p:sp>
         <p:nvSpPr>
-          <p:cNvPr id="1125521689" name="Text Placeholder 1"/>
+          <p:cNvPr id="1179329763" name="Text Placeholder 1"/>
           <p:cNvSpPr>
             <a:spLocks noGrp="1"/>
           </p:cNvSpPr>
@@ -14500,7 +14500,7 @@
       </p:sp>
       <p:pic>
         <p:nvPicPr>
-          <p:cNvPr id="662389354" name="Picture 679748627"/>
+          <p:cNvPr id="1538835814" name="Picture 679748627"/>
           <p:cNvPicPr>
             <a:picLocks noChangeAspect="1"/>
           </p:cNvPicPr>
@@ -14523,7 +14523,7 @@
       </p:pic>
       <p:pic>
         <p:nvPicPr>
-          <p:cNvPr id="1101759881" name=""/>
+          <p:cNvPr id="1848393723" name=""/>
           <p:cNvPicPr>
             <a:picLocks noChangeAspect="1"/>
           </p:cNvPicPr>
@@ -14545,7 +14545,7 @@
       </p:pic>
       <p:pic>
         <p:nvPicPr>
-          <p:cNvPr id="748426796" name=""/>
+          <p:cNvPr id="1758758790" name=""/>
           <p:cNvPicPr>
             <a:picLocks noChangeAspect="1"/>
           </p:cNvPicPr>
@@ -14568,7 +14568,7 @@
       </p:pic>
       <p:pic>
         <p:nvPicPr>
-          <p:cNvPr id="1790609013" name=""/>
+          <p:cNvPr id="1772125810" name=""/>
           <p:cNvPicPr>
             <a:picLocks noChangeAspect="1"/>
           </p:cNvPicPr>
@@ -14590,7 +14590,7 @@
       </p:pic>
       <p:pic>
         <p:nvPicPr>
-          <p:cNvPr id="1604086286" name=""/>
+          <p:cNvPr id="1698291857" name=""/>
           <p:cNvPicPr>
             <a:picLocks noChangeAspect="1"/>
           </p:cNvPicPr>
@@ -14612,7 +14612,7 @@
       </p:pic>
       <p:sp>
         <p:nvSpPr>
-          <p:cNvPr id="830550597" name=""/>
+          <p:cNvPr id="1877829267" name=""/>
           <p:cNvSpPr txBox="1"/>
           <p:nvPr/>
         </p:nvSpPr>
@@ -14653,7 +14653,7 @@
       </p:sp>
       <p:sp>
         <p:nvSpPr>
-          <p:cNvPr id="73394718" name=""/>
+          <p:cNvPr id="1886068716" name=""/>
           <p:cNvSpPr txBox="1"/>
           <p:nvPr/>
         </p:nvSpPr>
@@ -14694,7 +14694,7 @@
       </p:sp>
       <p:sp>
         <p:nvSpPr>
-          <p:cNvPr id="421380451" name=""/>
+          <p:cNvPr id="217643514" name=""/>
           <p:cNvSpPr txBox="1"/>
           <p:nvPr/>
         </p:nvSpPr>
@@ -14735,7 +14735,7 @@
       </p:sp>
       <p:sp>
         <p:nvSpPr>
-          <p:cNvPr id="197675789" name=""/>
+          <p:cNvPr id="2136829418" name=""/>
           <p:cNvSpPr txBox="1"/>
           <p:nvPr/>
         </p:nvSpPr>
@@ -14776,7 +14776,7 @@
       </p:sp>
       <p:sp>
         <p:nvSpPr>
-          <p:cNvPr id="1221428907" name=""/>
+          <p:cNvPr id="333295315" name=""/>
           <p:cNvSpPr txBox="1"/>
           <p:nvPr/>
         </p:nvSpPr>
@@ -14856,7 +14856,7 @@
       </p:grpSpPr>
       <p:pic>
         <p:nvPicPr>
-          <p:cNvPr id="195584959" name=""/>
+          <p:cNvPr id="543410523" name=""/>
           <p:cNvPicPr>
             <a:picLocks noChangeAspect="1"/>
           </p:cNvPicPr>
@@ -14878,7 +14878,7 @@
       </p:pic>
       <p:pic>
         <p:nvPicPr>
-          <p:cNvPr id="526494989" name=""/>
+          <p:cNvPr id="261317509" name=""/>
           <p:cNvPicPr>
             <a:picLocks noChangeAspect="1"/>
           </p:cNvPicPr>
@@ -14900,7 +14900,7 @@
       </p:pic>
       <p:pic>
         <p:nvPicPr>
-          <p:cNvPr id="1297848905" name=""/>
+          <p:cNvPr id="1539205291" name=""/>
           <p:cNvPicPr>
             <a:picLocks noChangeAspect="1"/>
           </p:cNvPicPr>
@@ -14922,7 +14922,7 @@
       </p:pic>
       <p:sp>
         <p:nvSpPr>
-          <p:cNvPr id="1530804769" name="Text Placeholder 1"/>
+          <p:cNvPr id="1900281524" name="Text Placeholder 1"/>
           <p:cNvSpPr>
             <a:spLocks noGrp="1"/>
           </p:cNvSpPr>
@@ -14953,7 +14953,7 @@
       </p:sp>
       <p:pic>
         <p:nvPicPr>
-          <p:cNvPr id="1486932145" name="Picture 679748627"/>
+          <p:cNvPr id="881847461" name="Picture 679748627"/>
           <p:cNvPicPr>
             <a:picLocks noChangeAspect="1"/>
           </p:cNvPicPr>
@@ -14976,7 +14976,7 @@
       </p:pic>
       <p:pic>
         <p:nvPicPr>
-          <p:cNvPr id="1731855985" name=""/>
+          <p:cNvPr id="1175280982" name=""/>
           <p:cNvPicPr>
             <a:picLocks noChangeAspect="1"/>
           </p:cNvPicPr>
@@ -14998,7 +14998,7 @@
       </p:pic>
       <p:pic>
         <p:nvPicPr>
-          <p:cNvPr id="829766484" name=""/>
+          <p:cNvPr id="1818543198" name=""/>
           <p:cNvPicPr>
             <a:picLocks noChangeAspect="1"/>
           </p:cNvPicPr>
@@ -15021,7 +15021,7 @@
       </p:pic>
       <p:pic>
         <p:nvPicPr>
-          <p:cNvPr id="774033780" name=""/>
+          <p:cNvPr id="438230704" name=""/>
           <p:cNvPicPr>
             <a:picLocks noChangeAspect="1"/>
           </p:cNvPicPr>
@@ -15043,7 +15043,7 @@
       </p:pic>
       <p:pic>
         <p:nvPicPr>
-          <p:cNvPr id="8915382" name=""/>
+          <p:cNvPr id="1247993413" name=""/>
           <p:cNvPicPr>
             <a:picLocks noChangeAspect="1"/>
           </p:cNvPicPr>
@@ -15065,7 +15065,7 @@
       </p:pic>
       <p:pic>
         <p:nvPicPr>
-          <p:cNvPr id="491481708" name=""/>
+          <p:cNvPr id="894257833" name=""/>
           <p:cNvPicPr>
             <a:picLocks noChangeAspect="1"/>
           </p:cNvPicPr>
@@ -15087,7 +15087,7 @@
       </p:pic>
       <p:cxnSp>
         <p:nvCxnSpPr>
-          <p:cNvPr id="1053960518" name=""/>
+          <p:cNvPr id="181706208" name=""/>
           <p:cNvCxnSpPr/>
           <p:nvPr/>
         </p:nvCxnSpPr>
@@ -15126,7 +15126,7 @@
       </p:cxnSp>
       <p:pic>
         <p:nvPicPr>
-          <p:cNvPr id="2142847226" name=""/>
+          <p:cNvPr id="1152271992" name=""/>
           <p:cNvPicPr>
             <a:picLocks noChangeAspect="1"/>
           </p:cNvPicPr>
@@ -15185,7 +15185,7 @@
       </p:grpSpPr>
       <p:pic>
         <p:nvPicPr>
-          <p:cNvPr id="1172166984" name=""/>
+          <p:cNvPr id="1850671735" name=""/>
           <p:cNvPicPr>
             <a:picLocks noChangeAspect="1"/>
           </p:cNvPicPr>
@@ -15207,7 +15207,7 @@
       </p:pic>
       <p:sp>
         <p:nvSpPr>
-          <p:cNvPr id="1853958212" name="Text Placeholder 1"/>
+          <p:cNvPr id="1281655831" name="Text Placeholder 1"/>
           <p:cNvSpPr>
             <a:spLocks noGrp="1"/>
           </p:cNvSpPr>
@@ -15238,7 +15238,7 @@
       </p:sp>
       <p:sp>
         <p:nvSpPr>
-          <p:cNvPr id="1250176608" name=""/>
+          <p:cNvPr id="1622081030" name=""/>
           <p:cNvSpPr txBox="1"/>
           <p:nvPr/>
         </p:nvSpPr>
@@ -15266,7 +15266,7 @@
       </p:sp>
       <p:pic>
         <p:nvPicPr>
-          <p:cNvPr id="309446073" name=""/>
+          <p:cNvPr id="650087887" name=""/>
           <p:cNvPicPr>
             <a:picLocks noChangeAspect="1"/>
           </p:cNvPicPr>
@@ -15288,7 +15288,7 @@
       </p:pic>
       <p:pic>
         <p:nvPicPr>
-          <p:cNvPr id="728031171" name=""/>
+          <p:cNvPr id="956957947" name=""/>
           <p:cNvPicPr>
             <a:picLocks noChangeAspect="1"/>
           </p:cNvPicPr>
@@ -15310,7 +15310,7 @@
       </p:pic>
       <p:pic>
         <p:nvPicPr>
-          <p:cNvPr id="779664142" name=""/>
+          <p:cNvPr id="1592140892" name=""/>
           <p:cNvPicPr>
             <a:picLocks noChangeAspect="1"/>
           </p:cNvPicPr>
@@ -15332,7 +15332,7 @@
       </p:pic>
       <p:pic>
         <p:nvPicPr>
-          <p:cNvPr id="1095852879" name=""/>
+          <p:cNvPr id="2028405980" name=""/>
           <p:cNvPicPr>
             <a:picLocks noChangeAspect="1"/>
           </p:cNvPicPr>
@@ -15354,7 +15354,7 @@
       </p:pic>
       <p:pic>
         <p:nvPicPr>
-          <p:cNvPr id="1366323830" name=""/>
+          <p:cNvPr id="1575007853" name=""/>
           <p:cNvPicPr>
             <a:picLocks noChangeAspect="1"/>
           </p:cNvPicPr>
@@ -15376,7 +15376,7 @@
       </p:pic>
       <p:pic>
         <p:nvPicPr>
-          <p:cNvPr id="867113347" name=""/>
+          <p:cNvPr id="1165060589" name=""/>
           <p:cNvPicPr>
             <a:picLocks noChangeAspect="1"/>
           </p:cNvPicPr>
@@ -15398,7 +15398,7 @@
       </p:pic>
       <p:pic>
         <p:nvPicPr>
-          <p:cNvPr id="2052415003" name=""/>
+          <p:cNvPr id="598688451" name=""/>
           <p:cNvPicPr>
             <a:picLocks noChangeAspect="1"/>
           </p:cNvPicPr>
@@ -15420,7 +15420,7 @@
       </p:pic>
       <p:pic>
         <p:nvPicPr>
-          <p:cNvPr id="1218497935" name=""/>
+          <p:cNvPr id="1606671395" name=""/>
           <p:cNvPicPr>
             <a:picLocks noChangeAspect="1"/>
           </p:cNvPicPr>
@@ -15442,7 +15442,7 @@
       </p:pic>
       <p:pic>
         <p:nvPicPr>
-          <p:cNvPr id="1945540232" name=""/>
+          <p:cNvPr id="1612849071" name=""/>
           <p:cNvPicPr>
             <a:picLocks noChangeAspect="1"/>
           </p:cNvPicPr>
@@ -15464,7 +15464,7 @@
       </p:pic>
       <p:pic>
         <p:nvPicPr>
-          <p:cNvPr id="462677185" name=""/>
+          <p:cNvPr id="1838993755" name=""/>
           <p:cNvPicPr>
             <a:picLocks noChangeAspect="1"/>
           </p:cNvPicPr>
@@ -15523,7 +15523,7 @@
       </p:grpSpPr>
       <p:pic>
         <p:nvPicPr>
-          <p:cNvPr id="457467881" name=""/>
+          <p:cNvPr id="883042818" name=""/>
           <p:cNvPicPr>
             <a:picLocks noChangeAspect="1"/>
           </p:cNvPicPr>
@@ -15545,7 +15545,7 @@
       </p:pic>
       <p:pic>
         <p:nvPicPr>
-          <p:cNvPr id="984312051" name=""/>
+          <p:cNvPr id="982920757" name=""/>
           <p:cNvPicPr>
             <a:picLocks noChangeAspect="1"/>
           </p:cNvPicPr>
@@ -15567,7 +15567,7 @@
       </p:pic>
       <p:sp>
         <p:nvSpPr>
-          <p:cNvPr id="982690852" name="Text Placeholder 1"/>
+          <p:cNvPr id="1360009101" name="Text Placeholder 1"/>
           <p:cNvSpPr>
             <a:spLocks noGrp="1"/>
           </p:cNvSpPr>
@@ -15598,7 +15598,7 @@
       </p:sp>
       <p:pic>
         <p:nvPicPr>
-          <p:cNvPr id="1242841778" name="Picture 679748627"/>
+          <p:cNvPr id="1361408877" name="Picture 679748627"/>
           <p:cNvPicPr>
             <a:picLocks noChangeAspect="1"/>
           </p:cNvPicPr>
@@ -15621,7 +15621,7 @@
       </p:pic>
       <p:pic>
         <p:nvPicPr>
-          <p:cNvPr id="1110066552" name=""/>
+          <p:cNvPr id="1450298840" name=""/>
           <p:cNvPicPr>
             <a:picLocks noChangeAspect="1"/>
           </p:cNvPicPr>
@@ -15643,7 +15643,7 @@
       </p:pic>
       <p:pic>
         <p:nvPicPr>
-          <p:cNvPr id="368640932" name=""/>
+          <p:cNvPr id="1491832345" name=""/>
           <p:cNvPicPr>
             <a:picLocks noChangeAspect="1"/>
           </p:cNvPicPr>
@@ -15666,7 +15666,7 @@
       </p:pic>
       <p:pic>
         <p:nvPicPr>
-          <p:cNvPr id="1409629139" name=""/>
+          <p:cNvPr id="1562948637" name=""/>
           <p:cNvPicPr>
             <a:picLocks noChangeAspect="1"/>
           </p:cNvPicPr>
@@ -15688,7 +15688,7 @@
       </p:pic>
       <p:pic>
         <p:nvPicPr>
-          <p:cNvPr id="1780099824" name=""/>
+          <p:cNvPr id="1547174947" name=""/>
           <p:cNvPicPr>
             <a:picLocks noChangeAspect="1"/>
           </p:cNvPicPr>
@@ -15747,7 +15747,7 @@
       </p:grpSpPr>
       <p:pic>
         <p:nvPicPr>
-          <p:cNvPr id="1011927113" name=""/>
+          <p:cNvPr id="1993011591" name=""/>
           <p:cNvPicPr>
             <a:picLocks noChangeAspect="1"/>
           </p:cNvPicPr>
@@ -15770,7 +15770,7 @@
       </p:pic>
       <p:pic>
         <p:nvPicPr>
-          <p:cNvPr id="1183780700" name=""/>
+          <p:cNvPr id="153512575" name=""/>
           <p:cNvPicPr>
             <a:picLocks noChangeAspect="1"/>
           </p:cNvPicPr>
@@ -15792,7 +15792,7 @@
       </p:pic>
       <p:sp>
         <p:nvSpPr>
-          <p:cNvPr id="1840193793" name="Text Placeholder 1"/>
+          <p:cNvPr id="2136087644" name="Text Placeholder 1"/>
           <p:cNvSpPr>
             <a:spLocks noGrp="1"/>
           </p:cNvSpPr>
@@ -15823,7 +15823,7 @@
       </p:sp>
       <p:pic>
         <p:nvPicPr>
-          <p:cNvPr id="829583046" name="Picture 679748627"/>
+          <p:cNvPr id="1520126145" name="Picture 679748627"/>
           <p:cNvPicPr>
             <a:picLocks noChangeAspect="1"/>
           </p:cNvPicPr>
@@ -15846,7 +15846,7 @@
       </p:pic>
       <p:pic>
         <p:nvPicPr>
-          <p:cNvPr id="542136036" name=""/>
+          <p:cNvPr id="1158513299" name=""/>
           <p:cNvPicPr>
             <a:picLocks noChangeAspect="1"/>
           </p:cNvPicPr>
@@ -15868,7 +15868,7 @@
       </p:pic>
       <p:pic>
         <p:nvPicPr>
-          <p:cNvPr id="404279304" name=""/>
+          <p:cNvPr id="1444630396" name=""/>
           <p:cNvPicPr>
             <a:picLocks noChangeAspect="1"/>
           </p:cNvPicPr>
@@ -15928,7 +15928,7 @@
       </p:grpSpPr>
       <p:pic>
         <p:nvPicPr>
-          <p:cNvPr id="162643710" name=""/>
+          <p:cNvPr id="1469939096" name=""/>
           <p:cNvPicPr>
             <a:picLocks noChangeAspect="1"/>
           </p:cNvPicPr>
@@ -15951,7 +15951,7 @@
       </p:pic>
       <p:pic>
         <p:nvPicPr>
-          <p:cNvPr id="1305405481" name=""/>
+          <p:cNvPr id="1713202902" name=""/>
           <p:cNvPicPr>
             <a:picLocks noChangeAspect="1"/>
           </p:cNvPicPr>
@@ -15974,7 +15974,7 @@
       </p:pic>
       <p:pic>
         <p:nvPicPr>
-          <p:cNvPr id="1560532236" name=""/>
+          <p:cNvPr id="2127136157" name=""/>
           <p:cNvPicPr>
             <a:picLocks noChangeAspect="1"/>
           </p:cNvPicPr>
@@ -15996,7 +15996,7 @@
       </p:pic>
       <p:sp>
         <p:nvSpPr>
-          <p:cNvPr id="1129439505" name="Text Placeholder 1"/>
+          <p:cNvPr id="832254810" name="Text Placeholder 1"/>
           <p:cNvSpPr>
             <a:spLocks noGrp="1"/>
           </p:cNvSpPr>
@@ -16027,7 +16027,7 @@
       </p:sp>
       <p:pic>
         <p:nvPicPr>
-          <p:cNvPr id="1266053562" name="Picture 679748627"/>
+          <p:cNvPr id="389774621" name="Picture 679748627"/>
           <p:cNvPicPr>
             <a:picLocks noChangeAspect="1"/>
           </p:cNvPicPr>
@@ -16050,7 +16050,7 @@
       </p:pic>
       <p:pic>
         <p:nvPicPr>
-          <p:cNvPr id="1881844356" name=""/>
+          <p:cNvPr id="1004783970" name=""/>
           <p:cNvPicPr>
             <a:picLocks noChangeAspect="1"/>
           </p:cNvPicPr>
@@ -16110,7 +16110,7 @@
       </p:grpSpPr>
       <p:pic>
         <p:nvPicPr>
-          <p:cNvPr id="404217703" name=""/>
+          <p:cNvPr id="1757824321" name=""/>
           <p:cNvPicPr>
             <a:picLocks noChangeAspect="1"/>
           </p:cNvPicPr>
@@ -16133,7 +16133,7 @@
       </p:pic>
       <p:pic>
         <p:nvPicPr>
-          <p:cNvPr id="267295746" name=""/>
+          <p:cNvPr id="109680442" name=""/>
           <p:cNvPicPr>
             <a:picLocks noChangeAspect="1"/>
           </p:cNvPicPr>
@@ -16156,7 +16156,7 @@
       </p:pic>
       <p:pic>
         <p:nvPicPr>
-          <p:cNvPr id="1777435823" name=""/>
+          <p:cNvPr id="1357681730" name=""/>
           <p:cNvPicPr>
             <a:picLocks noChangeAspect="1"/>
           </p:cNvPicPr>
@@ -16178,7 +16178,7 @@
       </p:pic>
       <p:sp>
         <p:nvSpPr>
-          <p:cNvPr id="1335781030" name="Text Placeholder 1"/>
+          <p:cNvPr id="1076267741" name="Text Placeholder 1"/>
           <p:cNvSpPr>
             <a:spLocks noGrp="1"/>
           </p:cNvSpPr>
@@ -16209,7 +16209,7 @@
       </p:sp>
       <p:pic>
         <p:nvPicPr>
-          <p:cNvPr id="182215724" name="Picture 679748627"/>
+          <p:cNvPr id="1607917050" name="Picture 679748627"/>
           <p:cNvPicPr>
             <a:picLocks noChangeAspect="1"/>
           </p:cNvPicPr>
@@ -16232,7 +16232,7 @@
       </p:pic>
       <p:pic>
         <p:nvPicPr>
-          <p:cNvPr id="1567599462" name=""/>
+          <p:cNvPr id="780953963" name=""/>
           <p:cNvPicPr>
             <a:picLocks noChangeAspect="1"/>
           </p:cNvPicPr>
@@ -16255,7 +16255,7 @@
       </p:pic>
       <p:sp>
         <p:nvSpPr>
-          <p:cNvPr id="118573545" name=""/>
+          <p:cNvPr id="983049609" name=""/>
           <p:cNvSpPr/>
           <p:nvPr/>
         </p:nvSpPr>
@@ -16296,7 +16296,7 @@
       </p:sp>
       <p:sp>
         <p:nvSpPr>
-          <p:cNvPr id="253312628" name=""/>
+          <p:cNvPr id="1883609468" name=""/>
           <p:cNvSpPr/>
           <p:nvPr/>
         </p:nvSpPr>
@@ -16337,7 +16337,7 @@
       </p:sp>
       <p:sp>
         <p:nvSpPr>
-          <p:cNvPr id="442887073" name=""/>
+          <p:cNvPr id="314189423" name=""/>
           <p:cNvSpPr/>
           <p:nvPr/>
         </p:nvSpPr>
@@ -16415,7 +16415,7 @@
       </p:grpSpPr>
       <p:pic>
         <p:nvPicPr>
-          <p:cNvPr id="1651114131" name=""/>
+          <p:cNvPr id="1413269967" name=""/>
           <p:cNvPicPr>
             <a:picLocks noChangeAspect="1"/>
           </p:cNvPicPr>
@@ -16438,7 +16438,7 @@
       </p:pic>
       <p:pic>
         <p:nvPicPr>
-          <p:cNvPr id="1100334734" name=""/>
+          <p:cNvPr id="924774548" name=""/>
           <p:cNvPicPr>
             <a:picLocks noChangeAspect="1"/>
           </p:cNvPicPr>
@@ -16461,7 +16461,7 @@
       </p:pic>
       <p:pic>
         <p:nvPicPr>
-          <p:cNvPr id="596110373" name=""/>
+          <p:cNvPr id="963338630" name=""/>
           <p:cNvPicPr>
             <a:picLocks noChangeAspect="1"/>
           </p:cNvPicPr>
@@ -16483,7 +16483,7 @@
       </p:pic>
       <p:sp>
         <p:nvSpPr>
-          <p:cNvPr id="1323995193" name="Text Placeholder 1"/>
+          <p:cNvPr id="1277649916" name="Text Placeholder 1"/>
           <p:cNvSpPr>
             <a:spLocks noGrp="1"/>
           </p:cNvSpPr>
@@ -16514,7 +16514,7 @@
       </p:sp>
       <p:pic>
         <p:nvPicPr>
-          <p:cNvPr id="324093284" name="Picture 679748627"/>
+          <p:cNvPr id="1730987358" name="Picture 679748627"/>
           <p:cNvPicPr>
             <a:picLocks noChangeAspect="1"/>
           </p:cNvPicPr>
@@ -16537,7 +16537,7 @@
       </p:pic>
       <p:pic>
         <p:nvPicPr>
-          <p:cNvPr id="556198453" name=""/>
+          <p:cNvPr id="572818521" name=""/>
           <p:cNvPicPr>
             <a:picLocks noChangeAspect="1"/>
           </p:cNvPicPr>
@@ -16560,7 +16560,7 @@
       </p:pic>
       <p:sp>
         <p:nvSpPr>
-          <p:cNvPr id="1265692865" name=""/>
+          <p:cNvPr id="1861567825" name=""/>
           <p:cNvSpPr/>
           <p:nvPr/>
         </p:nvSpPr>
@@ -16638,7 +16638,7 @@
       </p:grpSpPr>
       <p:pic>
         <p:nvPicPr>
-          <p:cNvPr id="211688492" name=""/>
+          <p:cNvPr id="1132832332" name=""/>
           <p:cNvPicPr>
             <a:picLocks noChangeAspect="1"/>
           </p:cNvPicPr>
@@ -16661,7 +16661,7 @@
       </p:pic>
       <p:pic>
         <p:nvPicPr>
-          <p:cNvPr id="1941593139" name=""/>
+          <p:cNvPr id="1273687502" name=""/>
           <p:cNvPicPr>
             <a:picLocks noChangeAspect="1"/>
           </p:cNvPicPr>
@@ -16684,7 +16684,7 @@
       </p:pic>
       <p:pic>
         <p:nvPicPr>
-          <p:cNvPr id="790759441" name=""/>
+          <p:cNvPr id="1515372068" name=""/>
           <p:cNvPicPr>
             <a:picLocks noChangeAspect="1"/>
           </p:cNvPicPr>
@@ -16706,7 +16706,7 @@
       </p:pic>
       <p:sp>
         <p:nvSpPr>
-          <p:cNvPr id="1434972053" name="Text Placeholder 1"/>
+          <p:cNvPr id="1330621463" name="Text Placeholder 1"/>
           <p:cNvSpPr>
             <a:spLocks noGrp="1"/>
           </p:cNvSpPr>
@@ -16737,7 +16737,7 @@
       </p:sp>
       <p:pic>
         <p:nvPicPr>
-          <p:cNvPr id="1013708116" name="Picture 679748627"/>
+          <p:cNvPr id="447260919" name="Picture 679748627"/>
           <p:cNvPicPr>
             <a:picLocks noChangeAspect="1"/>
           </p:cNvPicPr>
@@ -16760,7 +16760,7 @@
       </p:pic>
       <p:pic>
         <p:nvPicPr>
-          <p:cNvPr id="1986584179" name=""/>
+          <p:cNvPr id="2023114674" name=""/>
           <p:cNvPicPr>
             <a:picLocks noChangeAspect="1"/>
           </p:cNvPicPr>
@@ -16783,7 +16783,7 @@
       </p:pic>
       <p:sp>
         <p:nvSpPr>
-          <p:cNvPr id="1078157372" name=""/>
+          <p:cNvPr id="489858075" name=""/>
           <p:cNvSpPr/>
           <p:nvPr/>
         </p:nvSpPr>
@@ -16861,7 +16861,7 @@
       </p:grpSpPr>
       <p:pic>
         <p:nvPicPr>
-          <p:cNvPr id="869141968" name=""/>
+          <p:cNvPr id="735253144" name=""/>
           <p:cNvPicPr>
             <a:picLocks noChangeAspect="1"/>
           </p:cNvPicPr>
@@ -16883,7 +16883,7 @@
       </p:pic>
       <p:sp>
         <p:nvSpPr>
-          <p:cNvPr id="105141117" name="Text Placeholder 1"/>
+          <p:cNvPr id="183230776" name="Text Placeholder 1"/>
           <p:cNvSpPr>
             <a:spLocks noGrp="1"/>
           </p:cNvSpPr>
@@ -16914,7 +16914,7 @@
       </p:sp>
       <p:pic>
         <p:nvPicPr>
-          <p:cNvPr id="981306498" name="Picture 679748627"/>
+          <p:cNvPr id="1199076199" name="Picture 679748627"/>
           <p:cNvPicPr>
             <a:picLocks noChangeAspect="1"/>
           </p:cNvPicPr>
@@ -16937,7 +16937,7 @@
       </p:pic>
       <p:pic>
         <p:nvPicPr>
-          <p:cNvPr id="583572092" name=""/>
+          <p:cNvPr id="2061369134" name=""/>
           <p:cNvPicPr>
             <a:picLocks noChangeAspect="1"/>
           </p:cNvPicPr>
@@ -16960,7 +16960,7 @@
       </p:pic>
       <p:pic>
         <p:nvPicPr>
-          <p:cNvPr id="919099494" name=""/>
+          <p:cNvPr id="1135984103" name=""/>
           <p:cNvPicPr>
             <a:picLocks noChangeAspect="1"/>
           </p:cNvPicPr>
@@ -16982,7 +16982,7 @@
       </p:pic>
       <p:pic>
         <p:nvPicPr>
-          <p:cNvPr id="515682798" name=""/>
+          <p:cNvPr id="1419323548" name=""/>
           <p:cNvPicPr>
             <a:picLocks noChangeAspect="1"/>
           </p:cNvPicPr>
@@ -17005,7 +17005,7 @@
       </p:pic>
       <p:sp>
         <p:nvSpPr>
-          <p:cNvPr id="114428562" name=""/>
+          <p:cNvPr id="158169899" name=""/>
           <p:cNvSpPr/>
           <p:nvPr/>
         </p:nvSpPr>
@@ -17083,7 +17083,7 @@
       </p:grpSpPr>
       <p:pic>
         <p:nvPicPr>
-          <p:cNvPr id="131826280" name=""/>
+          <p:cNvPr id="217670176" name=""/>
           <p:cNvPicPr>
             <a:picLocks noChangeAspect="1"/>
           </p:cNvPicPr>
@@ -17105,7 +17105,7 @@
       </p:pic>
       <p:sp>
         <p:nvSpPr>
-          <p:cNvPr id="1340146963" name="Text Placeholder 1"/>
+          <p:cNvPr id="1939884961" name="Text Placeholder 1"/>
           <p:cNvSpPr>
             <a:spLocks noGrp="1"/>
           </p:cNvSpPr>
@@ -17136,7 +17136,7 @@
       </p:sp>
       <p:pic>
         <p:nvPicPr>
-          <p:cNvPr id="1432563668" name="Picture 679748627"/>
+          <p:cNvPr id="485077614" name="Picture 679748627"/>
           <p:cNvPicPr>
             <a:picLocks noChangeAspect="1"/>
           </p:cNvPicPr>
@@ -17159,7 +17159,7 @@
       </p:pic>
       <p:pic>
         <p:nvPicPr>
-          <p:cNvPr id="1443514406" name=""/>
+          <p:cNvPr id="775233243" name=""/>
           <p:cNvPicPr>
             <a:picLocks noChangeAspect="1"/>
           </p:cNvPicPr>
@@ -17182,7 +17182,7 @@
       </p:pic>
       <p:pic>
         <p:nvPicPr>
-          <p:cNvPr id="31031002" name=""/>
+          <p:cNvPr id="853600058" name=""/>
           <p:cNvPicPr>
             <a:picLocks noChangeAspect="1"/>
           </p:cNvPicPr>
@@ -17204,7 +17204,7 @@
       </p:pic>
       <p:pic>
         <p:nvPicPr>
-          <p:cNvPr id="1545906853" name=""/>
+          <p:cNvPr id="80728338" name=""/>
           <p:cNvPicPr>
             <a:picLocks noChangeAspect="1"/>
           </p:cNvPicPr>
@@ -17227,7 +17227,7 @@
       </p:pic>
       <p:pic>
         <p:nvPicPr>
-          <p:cNvPr id="1398304058" name=""/>
+          <p:cNvPr id="1963628352" name=""/>
           <p:cNvPicPr>
             <a:picLocks noChangeAspect="1"/>
           </p:cNvPicPr>
@@ -17286,7 +17286,7 @@
       </p:grpSpPr>
       <p:sp>
         <p:nvSpPr>
-          <p:cNvPr id="596441793" name="Content Placeholder 3"/>
+          <p:cNvPr id="437491997" name="Content Placeholder 3"/>
           <p:cNvSpPr>
             <a:spLocks noGrp="1"/>
           </p:cNvSpPr>
@@ -17328,7 +17328,7 @@
             </a:pPr>
             <a:r>
               <a:rPr/>
-              <a:t>Compatibilita</a:t>
+              <a:t>Compatibilità</a:t>
             </a:r>
             <a:endParaRPr/>
           </a:p>
@@ -17376,7 +17376,7 @@
                 <a:ea typeface="Arial"/>
                 <a:cs typeface="Arial"/>
               </a:rPr>
-              <a:t>Sviluppo di un sistema di logging su scheda SD per analisi approfondite.</a:t>
+              <a:t>Sviluppo di un sistema di data logging su scheda SD per analisi approfondite.</a:t>
             </a:r>
             <a:endParaRPr/>
           </a:p>
@@ -17448,7 +17448,7 @@
       </p:sp>
       <p:sp>
         <p:nvSpPr>
-          <p:cNvPr id="740035372" name="Content Placeholder 3"/>
+          <p:cNvPr id="1175014795" name="Content Placeholder 3"/>
           <p:cNvSpPr>
             <a:spLocks noGrp="1"/>
           </p:cNvSpPr>
@@ -17613,7 +17613,7 @@
                 <a:ea typeface="ＭＳ Ｐゴシック"/>
                 <a:cs typeface="ＭＳ Ｐゴシック"/>
               </a:rPr>
-              <a:t>Affidabilita’</a:t>
+              <a:t>Affidabilità</a:t>
             </a:r>
             <a:endParaRPr lang="it-IT" sz="2000" b="0" i="0" u="none" strike="noStrike" cap="none" spc="0">
               <a:solidFill>
@@ -17659,7 +17659,7 @@
                 <a:ea typeface="ＭＳ Ｐゴシック"/>
                 <a:cs typeface="ＭＳ Ｐゴシック"/>
               </a:rPr>
-              <a:t>Compatibilita’</a:t>
+              <a:t>Compatibilità</a:t>
             </a:r>
             <a:endParaRPr lang="it-IT" sz="2000" b="0" i="0" u="none" strike="noStrike" cap="none" spc="0">
               <a:solidFill>
@@ -17742,7 +17742,7 @@
       </p:sp>
       <p:sp>
         <p:nvSpPr>
-          <p:cNvPr id="928722929" name=""/>
+          <p:cNvPr id="212064529" name=""/>
           <p:cNvSpPr txBox="1"/>
           <p:nvPr/>
         </p:nvSpPr>
@@ -17783,7 +17783,7 @@
       </p:sp>
       <p:sp>
         <p:nvSpPr>
-          <p:cNvPr id="1920432481" name=""/>
+          <p:cNvPr id="1943806957" name=""/>
           <p:cNvSpPr txBox="1"/>
           <p:nvPr/>
         </p:nvSpPr>
@@ -17861,7 +17861,7 @@
       </p:grpSpPr>
       <p:sp>
         <p:nvSpPr>
-          <p:cNvPr id="1726115521" name="Text Placeholder 1"/>
+          <p:cNvPr id="1752266129" name="Text Placeholder 1"/>
           <p:cNvSpPr>
             <a:spLocks noGrp="1"/>
           </p:cNvSpPr>
@@ -17887,7 +17887,7 @@
       </p:sp>
       <p:sp>
         <p:nvSpPr>
-          <p:cNvPr id="530258988" name="Content Placeholder 2"/>
+          <p:cNvPr id="1780294865" name="Content Placeholder 2"/>
           <p:cNvSpPr>
             <a:spLocks noGrp="1"/>
           </p:cNvSpPr>
@@ -17920,7 +17920,7 @@
       </p:sp>
       <p:pic>
         <p:nvPicPr>
-          <p:cNvPr id="1155087400" name=""/>
+          <p:cNvPr id="1459734627" name=""/>
           <p:cNvPicPr>
             <a:picLocks noChangeAspect="1"/>
           </p:cNvPicPr>
@@ -17942,7 +17942,7 @@
       </p:pic>
       <p:sp>
         <p:nvSpPr>
-          <p:cNvPr id="1599628243" name=""/>
+          <p:cNvPr id="270847881" name=""/>
           <p:cNvSpPr txBox="1"/>
           <p:nvPr/>
         </p:nvSpPr>
@@ -17974,7 +17974,7 @@
       </p:sp>
       <p:pic>
         <p:nvPicPr>
-          <p:cNvPr id="2037993465" name=""/>
+          <p:cNvPr id="422074556" name=""/>
           <p:cNvPicPr>
             <a:picLocks noChangeAspect="1"/>
           </p:cNvPicPr>
@@ -17996,7 +17996,7 @@
       </p:pic>
       <p:pic>
         <p:nvPicPr>
-          <p:cNvPr id="578839665" name=""/>
+          <p:cNvPr id="530170949" name=""/>
           <p:cNvPicPr>
             <a:picLocks noChangeAspect="1"/>
           </p:cNvPicPr>
@@ -18018,7 +18018,7 @@
       </p:pic>
       <p:sp>
         <p:nvSpPr>
-          <p:cNvPr id="1178858310" name=""/>
+          <p:cNvPr id="639509160" name=""/>
           <p:cNvSpPr txBox="1"/>
           <p:nvPr/>
         </p:nvSpPr>
@@ -18090,7 +18090,7 @@
       </p:grpSpPr>
       <p:pic>
         <p:nvPicPr>
-          <p:cNvPr id="514849976" name=""/>
+          <p:cNvPr id="1006877703" name=""/>
           <p:cNvPicPr>
             <a:picLocks noChangeAspect="1"/>
           </p:cNvPicPr>
@@ -18112,7 +18112,7 @@
       </p:pic>
       <p:sp>
         <p:nvSpPr>
-          <p:cNvPr id="106103530" name=""/>
+          <p:cNvPr id="792091491" name=""/>
           <p:cNvSpPr txBox="1"/>
           <p:nvPr/>
         </p:nvSpPr>
@@ -18140,7 +18140,7 @@
       </p:sp>
       <p:pic>
         <p:nvPicPr>
-          <p:cNvPr id="1074704805" name=""/>
+          <p:cNvPr id="1296025388" name=""/>
           <p:cNvPicPr>
             <a:picLocks noChangeAspect="1"/>
           </p:cNvPicPr>
@@ -18162,7 +18162,7 @@
       </p:pic>
       <p:pic>
         <p:nvPicPr>
-          <p:cNvPr id="163967708" name=""/>
+          <p:cNvPr id="262151089" name=""/>
           <p:cNvPicPr>
             <a:picLocks noChangeAspect="1"/>
           </p:cNvPicPr>
@@ -18184,7 +18184,7 @@
       </p:pic>
       <p:pic>
         <p:nvPicPr>
-          <p:cNvPr id="365413020" name=""/>
+          <p:cNvPr id="1526007444" name=""/>
           <p:cNvPicPr>
             <a:picLocks noChangeAspect="1"/>
           </p:cNvPicPr>
@@ -18206,7 +18206,7 @@
       </p:pic>
       <p:pic>
         <p:nvPicPr>
-          <p:cNvPr id="363989404" name=""/>
+          <p:cNvPr id="979550762" name=""/>
           <p:cNvPicPr>
             <a:picLocks noChangeAspect="1"/>
           </p:cNvPicPr>
@@ -18228,7 +18228,7 @@
       </p:pic>
       <p:pic>
         <p:nvPicPr>
-          <p:cNvPr id="928834750" name=""/>
+          <p:cNvPr id="1596859246" name=""/>
           <p:cNvPicPr>
             <a:picLocks noChangeAspect="1"/>
           </p:cNvPicPr>
@@ -18250,7 +18250,7 @@
       </p:pic>
       <p:pic>
         <p:nvPicPr>
-          <p:cNvPr id="302237639" name=""/>
+          <p:cNvPr id="1256250729" name=""/>
           <p:cNvPicPr>
             <a:picLocks noChangeAspect="1"/>
           </p:cNvPicPr>
@@ -18272,7 +18272,7 @@
       </p:pic>
       <p:pic>
         <p:nvPicPr>
-          <p:cNvPr id="1818010507" name=""/>
+          <p:cNvPr id="1284272830" name=""/>
           <p:cNvPicPr>
             <a:picLocks noChangeAspect="1"/>
           </p:cNvPicPr>
@@ -18294,7 +18294,7 @@
       </p:pic>
       <p:pic>
         <p:nvPicPr>
-          <p:cNvPr id="789633354" name=""/>
+          <p:cNvPr id="1115578170" name=""/>
           <p:cNvPicPr>
             <a:picLocks noChangeAspect="1"/>
           </p:cNvPicPr>
@@ -18316,7 +18316,7 @@
       </p:pic>
       <p:pic>
         <p:nvPicPr>
-          <p:cNvPr id="2022205013" name=""/>
+          <p:cNvPr id="1365081177" name=""/>
           <p:cNvPicPr>
             <a:picLocks noChangeAspect="1"/>
           </p:cNvPicPr>
@@ -18338,7 +18338,7 @@
       </p:pic>
       <p:pic>
         <p:nvPicPr>
-          <p:cNvPr id="1213547321" name=""/>
+          <p:cNvPr id="1052814155" name=""/>
           <p:cNvPicPr>
             <a:picLocks noChangeAspect="1"/>
           </p:cNvPicPr>
@@ -18360,7 +18360,7 @@
       </p:pic>
       <p:sp>
         <p:nvSpPr>
-          <p:cNvPr id="317009293" name="Text Placeholder 1"/>
+          <p:cNvPr id="975538029" name="Text Placeholder 1"/>
           <p:cNvSpPr>
             <a:spLocks noGrp="1"/>
           </p:cNvSpPr>
@@ -18391,7 +18391,7 @@
       </p:sp>
       <p:pic>
         <p:nvPicPr>
-          <p:cNvPr id="1359361979" name="Picture 679748627"/>
+          <p:cNvPr id="1031526210" name="Picture 679748627"/>
           <p:cNvPicPr>
             <a:picLocks noChangeAspect="1"/>
           </p:cNvPicPr>
@@ -18450,7 +18450,7 @@
       </p:grpSpPr>
       <p:sp>
         <p:nvSpPr>
-          <p:cNvPr id="156379318" name="Text Placeholder 1"/>
+          <p:cNvPr id="1012100672" name="Text Placeholder 1"/>
           <p:cNvSpPr>
             <a:spLocks noGrp="1"/>
           </p:cNvSpPr>
@@ -18481,7 +18481,7 @@
       </p:sp>
       <p:pic>
         <p:nvPicPr>
-          <p:cNvPr id="657514150" name=""/>
+          <p:cNvPr id="1806233219" name=""/>
           <p:cNvPicPr>
             <a:picLocks noChangeAspect="1"/>
           </p:cNvPicPr>
@@ -18503,7 +18503,7 @@
       </p:pic>
       <p:pic>
         <p:nvPicPr>
-          <p:cNvPr id="967236844" name=""/>
+          <p:cNvPr id="1549065279" name=""/>
           <p:cNvPicPr>
             <a:picLocks noChangeAspect="1"/>
           </p:cNvPicPr>
@@ -18525,7 +18525,7 @@
       </p:pic>
       <p:pic>
         <p:nvPicPr>
-          <p:cNvPr id="241360347" name=""/>
+          <p:cNvPr id="1375263137" name=""/>
           <p:cNvPicPr>
             <a:picLocks noChangeAspect="1"/>
           </p:cNvPicPr>
@@ -18547,7 +18547,7 @@
       </p:pic>
       <p:pic>
         <p:nvPicPr>
-          <p:cNvPr id="348655943" name=""/>
+          <p:cNvPr id="1967865834" name=""/>
           <p:cNvPicPr>
             <a:picLocks noChangeAspect="1"/>
           </p:cNvPicPr>
@@ -18570,7 +18570,7 @@
       </p:pic>
       <p:pic>
         <p:nvPicPr>
-          <p:cNvPr id="509128563" name=""/>
+          <p:cNvPr id="457607646" name=""/>
           <p:cNvPicPr>
             <a:picLocks noChangeAspect="1"/>
           </p:cNvPicPr>
@@ -18625,7 +18625,7 @@
       </p:grpSpPr>
       <p:pic>
         <p:nvPicPr>
-          <p:cNvPr id="473873300" name=""/>
+          <p:cNvPr id="2070816204" name=""/>
           <p:cNvPicPr>
             <a:picLocks noChangeAspect="1"/>
           </p:cNvPicPr>
@@ -18647,7 +18647,7 @@
       </p:pic>
       <p:sp>
         <p:nvSpPr>
-          <p:cNvPr id="2054186930" name=""/>
+          <p:cNvPr id="1935894849" name=""/>
           <p:cNvSpPr txBox="1"/>
           <p:nvPr/>
         </p:nvSpPr>
@@ -18675,7 +18675,7 @@
       </p:sp>
       <p:pic>
         <p:nvPicPr>
-          <p:cNvPr id="175659247" name=""/>
+          <p:cNvPr id="728351176" name=""/>
           <p:cNvPicPr>
             <a:picLocks noChangeAspect="1"/>
           </p:cNvPicPr>
@@ -18697,7 +18697,7 @@
       </p:pic>
       <p:pic>
         <p:nvPicPr>
-          <p:cNvPr id="1981906285" name=""/>
+          <p:cNvPr id="1370986135" name=""/>
           <p:cNvPicPr>
             <a:picLocks noChangeAspect="1"/>
           </p:cNvPicPr>
@@ -18719,7 +18719,7 @@
       </p:pic>
       <p:pic>
         <p:nvPicPr>
-          <p:cNvPr id="2114005113" name=""/>
+          <p:cNvPr id="1333387813" name=""/>
           <p:cNvPicPr>
             <a:picLocks noChangeAspect="1"/>
           </p:cNvPicPr>
@@ -18741,7 +18741,7 @@
       </p:pic>
       <p:pic>
         <p:nvPicPr>
-          <p:cNvPr id="665936815" name=""/>
+          <p:cNvPr id="1882019370" name=""/>
           <p:cNvPicPr>
             <a:picLocks noChangeAspect="1"/>
           </p:cNvPicPr>
@@ -18763,7 +18763,7 @@
       </p:pic>
       <p:pic>
         <p:nvPicPr>
-          <p:cNvPr id="1179585448" name=""/>
+          <p:cNvPr id="433320527" name=""/>
           <p:cNvPicPr>
             <a:picLocks noChangeAspect="1"/>
           </p:cNvPicPr>
@@ -18785,7 +18785,7 @@
       </p:pic>
       <p:pic>
         <p:nvPicPr>
-          <p:cNvPr id="1113989461" name=""/>
+          <p:cNvPr id="1397745581" name=""/>
           <p:cNvPicPr>
             <a:picLocks noChangeAspect="1"/>
           </p:cNvPicPr>
@@ -18807,7 +18807,7 @@
       </p:pic>
       <p:pic>
         <p:nvPicPr>
-          <p:cNvPr id="1703083695" name=""/>
+          <p:cNvPr id="1362061021" name=""/>
           <p:cNvPicPr>
             <a:picLocks noChangeAspect="1"/>
           </p:cNvPicPr>
@@ -18829,7 +18829,7 @@
       </p:pic>
       <p:pic>
         <p:nvPicPr>
-          <p:cNvPr id="1866832943" name=""/>
+          <p:cNvPr id="2091894273" name=""/>
           <p:cNvPicPr>
             <a:picLocks noChangeAspect="1"/>
           </p:cNvPicPr>
@@ -18851,7 +18851,7 @@
       </p:pic>
       <p:pic>
         <p:nvPicPr>
-          <p:cNvPr id="1416527525" name=""/>
+          <p:cNvPr id="1482127096" name=""/>
           <p:cNvPicPr>
             <a:picLocks noChangeAspect="1"/>
           </p:cNvPicPr>
@@ -18873,7 +18873,7 @@
       </p:pic>
       <p:pic>
         <p:nvPicPr>
-          <p:cNvPr id="1637985329" name=""/>
+          <p:cNvPr id="1518560714" name=""/>
           <p:cNvPicPr>
             <a:picLocks noChangeAspect="1"/>
           </p:cNvPicPr>
@@ -18895,7 +18895,7 @@
       </p:pic>
       <p:sp>
         <p:nvSpPr>
-          <p:cNvPr id="985903103" name="Text Placeholder 1"/>
+          <p:cNvPr id="1941388760" name="Text Placeholder 1"/>
           <p:cNvSpPr>
             <a:spLocks noGrp="1"/>
           </p:cNvSpPr>
@@ -19332,7 +19332,7 @@
       </p:grpSpPr>
       <p:sp>
         <p:nvSpPr>
-          <p:cNvPr id="382041281" name=""/>
+          <p:cNvPr id="1350432720" name=""/>
           <p:cNvSpPr txBox="1"/>
           <p:nvPr/>
         </p:nvSpPr>
@@ -19360,7 +19360,7 @@
       </p:sp>
       <p:pic>
         <p:nvPicPr>
-          <p:cNvPr id="2080968390" name=""/>
+          <p:cNvPr id="754693984" name=""/>
           <p:cNvPicPr>
             <a:picLocks noChangeAspect="1"/>
           </p:cNvPicPr>
@@ -19382,7 +19382,7 @@
       </p:pic>
       <p:sp>
         <p:nvSpPr>
-          <p:cNvPr id="226686238" name="Text Placeholder 1"/>
+          <p:cNvPr id="29866484" name="Text Placeholder 1"/>
           <p:cNvSpPr>
             <a:spLocks noGrp="1"/>
           </p:cNvSpPr>
@@ -19422,7 +19422,7 @@
       </p:sp>
       <p:pic>
         <p:nvPicPr>
-          <p:cNvPr id="510773949" name="Picture 679748627"/>
+          <p:cNvPr id="1010324327" name="Picture 679748627"/>
           <p:cNvPicPr>
             <a:picLocks noChangeAspect="1"/>
           </p:cNvPicPr>
@@ -19444,7 +19444,7 @@
       </p:pic>
       <p:pic>
         <p:nvPicPr>
-          <p:cNvPr id="1340137629" name=""/>
+          <p:cNvPr id="1159159855" name=""/>
           <p:cNvPicPr>
             <a:picLocks noChangeAspect="1"/>
           </p:cNvPicPr>
@@ -19466,7 +19466,7 @@
       </p:pic>
       <p:sp>
         <p:nvSpPr>
-          <p:cNvPr id="1879475496" name=""/>
+          <p:cNvPr id="648440115" name=""/>
           <p:cNvSpPr txBox="1"/>
           <p:nvPr/>
         </p:nvSpPr>
@@ -19546,7 +19546,7 @@
       </p:grpSpPr>
       <p:sp>
         <p:nvSpPr>
-          <p:cNvPr id="2044491187" name=""/>
+          <p:cNvPr id="1257278243" name=""/>
           <p:cNvSpPr txBox="1"/>
           <p:nvPr/>
         </p:nvSpPr>
@@ -19574,7 +19574,7 @@
       </p:sp>
       <p:pic>
         <p:nvPicPr>
-          <p:cNvPr id="2039586152" name=""/>
+          <p:cNvPr id="507321153" name=""/>
           <p:cNvPicPr>
             <a:picLocks noChangeAspect="1"/>
           </p:cNvPicPr>
@@ -19596,7 +19596,7 @@
       </p:pic>
       <p:pic>
         <p:nvPicPr>
-          <p:cNvPr id="554006928" name="Picture 679748627"/>
+          <p:cNvPr id="326415773" name="Picture 679748627"/>
           <p:cNvPicPr>
             <a:picLocks noChangeAspect="1"/>
           </p:cNvPicPr>
@@ -19618,7 +19618,7 @@
       </p:pic>
       <p:pic>
         <p:nvPicPr>
-          <p:cNvPr id="439267405" name=""/>
+          <p:cNvPr id="326009324" name=""/>
           <p:cNvPicPr>
             <a:picLocks noChangeAspect="1"/>
           </p:cNvPicPr>
@@ -19640,7 +19640,7 @@
       </p:pic>
       <p:pic>
         <p:nvPicPr>
-          <p:cNvPr id="1920391419" name=""/>
+          <p:cNvPr id="201583240" name=""/>
           <p:cNvPicPr>
             <a:picLocks noChangeAspect="1"/>
           </p:cNvPicPr>
@@ -19662,7 +19662,7 @@
       </p:pic>
       <p:sp>
         <p:nvSpPr>
-          <p:cNvPr id="1065583601" name="Text Placeholder 1"/>
+          <p:cNvPr id="399202179" name="Text Placeholder 1"/>
           <p:cNvSpPr>
             <a:spLocks noGrp="1"/>
           </p:cNvSpPr>
@@ -19864,7 +19864,7 @@
       </p:sp>
       <p:sp>
         <p:nvSpPr>
-          <p:cNvPr id="1950747910" name=""/>
+          <p:cNvPr id="2050349390" name=""/>
           <p:cNvSpPr txBox="1"/>
           <p:nvPr/>
         </p:nvSpPr>
@@ -19905,7 +19905,7 @@
       </p:sp>
       <p:sp>
         <p:nvSpPr>
-          <p:cNvPr id="1256542808" name=""/>
+          <p:cNvPr id="1554031720" name=""/>
           <p:cNvSpPr txBox="1"/>
           <p:nvPr/>
         </p:nvSpPr>
@@ -19981,7 +19981,7 @@
       </p:grpSpPr>
       <p:sp>
         <p:nvSpPr>
-          <p:cNvPr id="25246131" name=""/>
+          <p:cNvPr id="570563085" name=""/>
           <p:cNvSpPr txBox="1"/>
           <p:nvPr/>
         </p:nvSpPr>
@@ -20009,7 +20009,7 @@
       </p:sp>
       <p:pic>
         <p:nvPicPr>
-          <p:cNvPr id="307260188" name=""/>
+          <p:cNvPr id="745081363" name=""/>
           <p:cNvPicPr>
             <a:picLocks noChangeAspect="1"/>
           </p:cNvPicPr>
@@ -20031,7 +20031,7 @@
       </p:pic>
       <p:pic>
         <p:nvPicPr>
-          <p:cNvPr id="1798357" name="Picture 679748627"/>
+          <p:cNvPr id="660060210" name="Picture 679748627"/>
           <p:cNvPicPr>
             <a:picLocks noChangeAspect="1"/>
           </p:cNvPicPr>
@@ -20053,7 +20053,7 @@
       </p:pic>
       <p:pic>
         <p:nvPicPr>
-          <p:cNvPr id="577073749" name=""/>
+          <p:cNvPr id="1956285099" name=""/>
           <p:cNvPicPr>
             <a:picLocks noChangeAspect="1"/>
           </p:cNvPicPr>
@@ -20075,7 +20075,7 @@
       </p:pic>
       <p:pic>
         <p:nvPicPr>
-          <p:cNvPr id="1770683132" name=""/>
+          <p:cNvPr id="1683657306" name=""/>
           <p:cNvPicPr>
             <a:picLocks noChangeAspect="1"/>
           </p:cNvPicPr>
@@ -20097,7 +20097,7 @@
       </p:pic>
       <p:pic>
         <p:nvPicPr>
-          <p:cNvPr id="224562362" name=""/>
+          <p:cNvPr id="2121345766" name=""/>
           <p:cNvPicPr>
             <a:picLocks noChangeAspect="1"/>
           </p:cNvPicPr>
@@ -20120,7 +20120,7 @@
       </p:pic>
       <p:sp>
         <p:nvSpPr>
-          <p:cNvPr id="1004294329" name="Text Placeholder 1"/>
+          <p:cNvPr id="1735673979" name="Text Placeholder 1"/>
           <p:cNvSpPr>
             <a:spLocks noGrp="1"/>
           </p:cNvSpPr>
@@ -20166,7 +20166,7 @@
       </p:sp>
       <p:sp>
         <p:nvSpPr>
-          <p:cNvPr id="1135712092" name=""/>
+          <p:cNvPr id="1057670178" name=""/>
           <p:cNvSpPr txBox="1"/>
           <p:nvPr/>
         </p:nvSpPr>
@@ -20205,7 +20205,7 @@
       </p:sp>
       <p:sp>
         <p:nvSpPr>
-          <p:cNvPr id="12239654" name=""/>
+          <p:cNvPr id="17562217" name=""/>
           <p:cNvSpPr txBox="1"/>
           <p:nvPr/>
         </p:nvSpPr>
@@ -20281,7 +20281,7 @@
       </p:grpSpPr>
       <p:sp>
         <p:nvSpPr>
-          <p:cNvPr id="127678543" name=""/>
+          <p:cNvPr id="570956629" name=""/>
           <p:cNvSpPr txBox="1"/>
           <p:nvPr/>
         </p:nvSpPr>
@@ -20309,7 +20309,7 @@
       </p:sp>
       <p:pic>
         <p:nvPicPr>
-          <p:cNvPr id="921358937" name=""/>
+          <p:cNvPr id="953402820" name=""/>
           <p:cNvPicPr>
             <a:picLocks noChangeAspect="1"/>
           </p:cNvPicPr>
@@ -20331,7 +20331,7 @@
       </p:pic>
       <p:pic>
         <p:nvPicPr>
-          <p:cNvPr id="820652820" name="Picture 679748627"/>
+          <p:cNvPr id="2029884321" name="Picture 679748627"/>
           <p:cNvPicPr>
             <a:picLocks noChangeAspect="1"/>
           </p:cNvPicPr>
@@ -20353,7 +20353,7 @@
       </p:pic>
       <p:pic>
         <p:nvPicPr>
-          <p:cNvPr id="1914330454" name=""/>
+          <p:cNvPr id="795864717" name=""/>
           <p:cNvPicPr>
             <a:picLocks noChangeAspect="1"/>
           </p:cNvPicPr>
@@ -20375,7 +20375,7 @@
       </p:pic>
       <p:pic>
         <p:nvPicPr>
-          <p:cNvPr id="2121145583" name=""/>
+          <p:cNvPr id="2019867787" name=""/>
           <p:cNvPicPr>
             <a:picLocks noChangeAspect="1"/>
           </p:cNvPicPr>
@@ -20397,7 +20397,7 @@
       </p:pic>
       <p:pic>
         <p:nvPicPr>
-          <p:cNvPr id="1839462010" name=""/>
+          <p:cNvPr id="1343336259" name=""/>
           <p:cNvPicPr>
             <a:picLocks noChangeAspect="1"/>
           </p:cNvPicPr>
@@ -20420,7 +20420,7 @@
       </p:pic>
       <p:pic>
         <p:nvPicPr>
-          <p:cNvPr id="1405881837" name=""/>
+          <p:cNvPr id="63091067" name=""/>
           <p:cNvPicPr>
             <a:picLocks noChangeAspect="1"/>
           </p:cNvPicPr>
@@ -20443,7 +20443,7 @@
       </p:pic>
       <p:sp>
         <p:nvSpPr>
-          <p:cNvPr id="643212394" name="Text Placeholder 1"/>
+          <p:cNvPr id="456438732" name="Text Placeholder 1"/>
           <p:cNvSpPr>
             <a:spLocks noGrp="1"/>
           </p:cNvSpPr>
@@ -20489,7 +20489,7 @@
       </p:sp>
       <p:sp>
         <p:nvSpPr>
-          <p:cNvPr id="1605523350" name=""/>
+          <p:cNvPr id="173563396" name=""/>
           <p:cNvSpPr txBox="1"/>
           <p:nvPr/>
         </p:nvSpPr>
@@ -20530,7 +20530,7 @@
       </p:sp>
       <p:sp>
         <p:nvSpPr>
-          <p:cNvPr id="1364179778" name=""/>
+          <p:cNvPr id="921649279" name=""/>
           <p:cNvSpPr txBox="1"/>
           <p:nvPr/>
         </p:nvSpPr>
@@ -20569,7 +20569,7 @@
       </p:sp>
       <p:sp>
         <p:nvSpPr>
-          <p:cNvPr id="613519001" name=""/>
+          <p:cNvPr id="564671963" name=""/>
           <p:cNvSpPr txBox="1"/>
           <p:nvPr/>
         </p:nvSpPr>
@@ -20646,7 +20646,7 @@
       </p:grpSpPr>
       <p:sp>
         <p:nvSpPr>
-          <p:cNvPr id="2060833819" name=""/>
+          <p:cNvPr id="960269268" name=""/>
           <p:cNvSpPr txBox="1"/>
           <p:nvPr/>
         </p:nvSpPr>
@@ -20674,7 +20674,7 @@
       </p:sp>
       <p:pic>
         <p:nvPicPr>
-          <p:cNvPr id="378732805" name=""/>
+          <p:cNvPr id="716116141" name=""/>
           <p:cNvPicPr>
             <a:picLocks noChangeAspect="1"/>
           </p:cNvPicPr>
@@ -20696,7 +20696,7 @@
       </p:pic>
       <p:sp>
         <p:nvSpPr>
-          <p:cNvPr id="752663428" name="Text Placeholder 1"/>
+          <p:cNvPr id="102389605" name="Text Placeholder 1"/>
           <p:cNvSpPr>
             <a:spLocks noGrp="1"/>
           </p:cNvSpPr>
@@ -20727,7 +20727,7 @@
       </p:sp>
       <p:pic>
         <p:nvPicPr>
-          <p:cNvPr id="499736362" name="Picture 679748627"/>
+          <p:cNvPr id="1300045740" name="Picture 679748627"/>
           <p:cNvPicPr>
             <a:picLocks noChangeAspect="1"/>
           </p:cNvPicPr>
@@ -20749,7 +20749,7 @@
       </p:pic>
       <p:pic>
         <p:nvPicPr>
-          <p:cNvPr id="1763891059" name=""/>
+          <p:cNvPr id="1112141914" name=""/>
           <p:cNvPicPr>
             <a:picLocks noChangeAspect="1"/>
           </p:cNvPicPr>
@@ -20771,7 +20771,7 @@
       </p:pic>
       <p:pic>
         <p:nvPicPr>
-          <p:cNvPr id="1860474432" name=""/>
+          <p:cNvPr id="1382132162" name=""/>
           <p:cNvPicPr>
             <a:picLocks noChangeAspect="1"/>
           </p:cNvPicPr>
@@ -20793,7 +20793,7 @@
       </p:pic>
       <p:pic>
         <p:nvPicPr>
-          <p:cNvPr id="389666814" name=""/>
+          <p:cNvPr id="1434075804" name=""/>
           <p:cNvPicPr>
             <a:picLocks noChangeAspect="1"/>
           </p:cNvPicPr>
@@ -20816,7 +20816,7 @@
       </p:pic>
       <p:pic>
         <p:nvPicPr>
-          <p:cNvPr id="640466397" name=""/>
+          <p:cNvPr id="1667203658" name=""/>
           <p:cNvPicPr>
             <a:picLocks noChangeAspect="1"/>
           </p:cNvPicPr>
@@ -20839,7 +20839,7 @@
       </p:pic>
       <p:sp>
         <p:nvSpPr>
-          <p:cNvPr id="922135492" name=""/>
+          <p:cNvPr id="923831268" name=""/>
           <p:cNvSpPr txBox="1"/>
           <p:nvPr/>
         </p:nvSpPr>
